--- a/LG presentation.pptx
+++ b/LG presentation.pptx
@@ -5,18 +5,38 @@
     <p:sldMasterId id="2147483768" r:id="rId1"/>
   </p:sldMasterIdLst>
   <p:notesMasterIdLst>
-    <p:notesMasterId r:id="rId11"/>
+    <p:notesMasterId r:id="rId31"/>
   </p:notesMasterIdLst>
   <p:sldIdLst>
     <p:sldId id="256" r:id="rId2"/>
-    <p:sldId id="257" r:id="rId3"/>
-    <p:sldId id="258" r:id="rId4"/>
-    <p:sldId id="259" r:id="rId5"/>
-    <p:sldId id="260" r:id="rId6"/>
-    <p:sldId id="261" r:id="rId7"/>
-    <p:sldId id="263" r:id="rId8"/>
-    <p:sldId id="264" r:id="rId9"/>
-    <p:sldId id="262" r:id="rId10"/>
+    <p:sldId id="265" r:id="rId3"/>
+    <p:sldId id="257" r:id="rId4"/>
+    <p:sldId id="258" r:id="rId5"/>
+    <p:sldId id="259" r:id="rId6"/>
+    <p:sldId id="266" r:id="rId7"/>
+    <p:sldId id="269" r:id="rId8"/>
+    <p:sldId id="271" r:id="rId9"/>
+    <p:sldId id="272" r:id="rId10"/>
+    <p:sldId id="273" r:id="rId11"/>
+    <p:sldId id="270" r:id="rId12"/>
+    <p:sldId id="260" r:id="rId13"/>
+    <p:sldId id="274" r:id="rId14"/>
+    <p:sldId id="275" r:id="rId15"/>
+    <p:sldId id="276" r:id="rId16"/>
+    <p:sldId id="277" r:id="rId17"/>
+    <p:sldId id="278" r:id="rId18"/>
+    <p:sldId id="279" r:id="rId19"/>
+    <p:sldId id="281" r:id="rId20"/>
+    <p:sldId id="282" r:id="rId21"/>
+    <p:sldId id="283" r:id="rId22"/>
+    <p:sldId id="280" r:id="rId23"/>
+    <p:sldId id="261" r:id="rId24"/>
+    <p:sldId id="284" r:id="rId25"/>
+    <p:sldId id="285" r:id="rId26"/>
+    <p:sldId id="263" r:id="rId27"/>
+    <p:sldId id="286" r:id="rId28"/>
+    <p:sldId id="264" r:id="rId29"/>
+    <p:sldId id="262" r:id="rId30"/>
   </p:sldIdLst>
   <p:sldSz cx="9144000" cy="6858000" type="screen4x3"/>
   <p:notesSz cx="6858000" cy="9144000"/>
@@ -200,7 +220,7 @@
           <a:p>
             <a:fld id="{E778FFA8-9D70-436C-9F20-174F839EDCF6}" type="datetimeFigureOut">
               <a:rPr lang="en-GB" smtClean="0"/>
-              <a:t>01/11/2017</a:t>
+              <a:t>02/11/2017</a:t>
             </a:fld>
             <a:endParaRPr lang="en-GB"/>
           </a:p>
@@ -575,6 +595,346 @@
 </p:notes>
 </file>
 
+<file path=ppt/notesSlides/notesSlide2.xml><?xml version="1.0" encoding="utf-8"?>
+<p:notes xmlns:a="http://schemas.openxmlformats.org/drawingml/2006/main" xmlns:r="http://schemas.openxmlformats.org/officeDocument/2006/relationships" xmlns:p="http://schemas.openxmlformats.org/presentationml/2006/main">
+  <p:cSld>
+    <p:spTree>
+      <p:nvGrpSpPr>
+        <p:cNvPr id="1" name=""/>
+        <p:cNvGrpSpPr/>
+        <p:nvPr/>
+      </p:nvGrpSpPr>
+      <p:grpSpPr>
+        <a:xfrm>
+          <a:off x="0" y="0"/>
+          <a:ext cx="0" cy="0"/>
+          <a:chOff x="0" y="0"/>
+          <a:chExt cx="0" cy="0"/>
+        </a:xfrm>
+      </p:grpSpPr>
+      <p:sp>
+        <p:nvSpPr>
+          <p:cNvPr id="2" name="Slide Image Placeholder 1"/>
+          <p:cNvSpPr>
+            <a:spLocks noGrp="1" noRot="1" noChangeAspect="1"/>
+          </p:cNvSpPr>
+          <p:nvPr>
+            <p:ph type="sldImg"/>
+          </p:nvPr>
+        </p:nvSpPr>
+        <p:spPr/>
+      </p:sp>
+      <p:sp>
+        <p:nvSpPr>
+          <p:cNvPr id="3" name="Notes Placeholder 2"/>
+          <p:cNvSpPr>
+            <a:spLocks noGrp="1"/>
+          </p:cNvSpPr>
+          <p:nvPr>
+            <p:ph type="body" idx="1"/>
+          </p:nvPr>
+        </p:nvSpPr>
+        <p:spPr/>
+        <p:txBody>
+          <a:bodyPr/>
+          <a:lstStyle/>
+          <a:p>
+            <a:endParaRPr lang="en-GB" dirty="0"/>
+          </a:p>
+        </p:txBody>
+      </p:sp>
+      <p:sp>
+        <p:nvSpPr>
+          <p:cNvPr id="4" name="Slide Number Placeholder 3"/>
+          <p:cNvSpPr>
+            <a:spLocks noGrp="1"/>
+          </p:cNvSpPr>
+          <p:nvPr>
+            <p:ph type="sldNum" sz="quarter" idx="10"/>
+          </p:nvPr>
+        </p:nvSpPr>
+        <p:spPr/>
+        <p:txBody>
+          <a:bodyPr/>
+          <a:lstStyle/>
+          <a:p>
+            <a:fld id="{5909DF50-1DBA-4A2C-A904-287F3A0D22EA}" type="slidenum">
+              <a:rPr lang="en-GB" smtClean="0"/>
+              <a:t>3</a:t>
+            </a:fld>
+            <a:endParaRPr lang="en-GB"/>
+          </a:p>
+        </p:txBody>
+      </p:sp>
+    </p:spTree>
+    <p:extLst>
+      <p:ext uri="{BB962C8B-B14F-4D97-AF65-F5344CB8AC3E}">
+        <p14:creationId xmlns:p14="http://schemas.microsoft.com/office/powerpoint/2010/main" val="345350375"/>
+      </p:ext>
+    </p:extLst>
+  </p:cSld>
+  <p:clrMapOvr>
+    <a:masterClrMapping/>
+  </p:clrMapOvr>
+</p:notes>
+</file>
+
+<file path=ppt/notesSlides/notesSlide3.xml><?xml version="1.0" encoding="utf-8"?>
+<p:notes xmlns:a="http://schemas.openxmlformats.org/drawingml/2006/main" xmlns:r="http://schemas.openxmlformats.org/officeDocument/2006/relationships" xmlns:p="http://schemas.openxmlformats.org/presentationml/2006/main">
+  <p:cSld>
+    <p:spTree>
+      <p:nvGrpSpPr>
+        <p:cNvPr id="1" name=""/>
+        <p:cNvGrpSpPr/>
+        <p:nvPr/>
+      </p:nvGrpSpPr>
+      <p:grpSpPr>
+        <a:xfrm>
+          <a:off x="0" y="0"/>
+          <a:ext cx="0" cy="0"/>
+          <a:chOff x="0" y="0"/>
+          <a:chExt cx="0" cy="0"/>
+        </a:xfrm>
+      </p:grpSpPr>
+      <p:sp>
+        <p:nvSpPr>
+          <p:cNvPr id="2" name="Slide Image Placeholder 1"/>
+          <p:cNvSpPr>
+            <a:spLocks noGrp="1" noRot="1" noChangeAspect="1"/>
+          </p:cNvSpPr>
+          <p:nvPr>
+            <p:ph type="sldImg"/>
+          </p:nvPr>
+        </p:nvSpPr>
+        <p:spPr/>
+      </p:sp>
+      <p:sp>
+        <p:nvSpPr>
+          <p:cNvPr id="3" name="Notes Placeholder 2"/>
+          <p:cNvSpPr>
+            <a:spLocks noGrp="1"/>
+          </p:cNvSpPr>
+          <p:nvPr>
+            <p:ph type="body" idx="1"/>
+          </p:nvPr>
+        </p:nvSpPr>
+        <p:spPr/>
+        <p:txBody>
+          <a:bodyPr/>
+          <a:lstStyle/>
+          <a:p>
+            <a:r>
+              <a:rPr lang="en-GB" sz="1200" dirty="0" smtClean="0"/>
+              <a:t>The dataset is unbalanced, with bad loans accounting for only a small portion of the total number of loans. Due to this class imbalance, model accuracy will be assessed the Area Under the Curve (AUC).</a:t>
+            </a:r>
+          </a:p>
+          <a:p>
+            <a:r>
+              <a:rPr lang="en-GB" sz="1200" dirty="0" smtClean="0"/>
+              <a:t>A receiver operating characteristic curve or ROC curve is a graph plotting the true positive rate against the false positive rate at different thresholds. It indicates how well a classifier can discriminate positive and negative instances and identify the best threshold for discriminating them. The curve is created by plotting the true positive rate (TPR) against the false positive rate (FPR) at various threshold settings.</a:t>
+            </a:r>
+          </a:p>
+          <a:p>
+            <a:r>
+              <a:rPr lang="en-GB" sz="1200" dirty="0" smtClean="0"/>
+              <a:t> </a:t>
+            </a:r>
+          </a:p>
+          <a:p>
+            <a:pPr lvl="0"/>
+            <a:r>
+              <a:rPr lang="en-GB" sz="1200" dirty="0" smtClean="0"/>
+              <a:t>TPR (also called Recall or Sensitivity) = sum total positives/sum of condition positive</a:t>
+            </a:r>
+          </a:p>
+          <a:p>
+            <a:pPr lvl="0"/>
+            <a:r>
+              <a:rPr lang="en-GB" sz="1200" dirty="0" smtClean="0"/>
+              <a:t>FPR (also called Fall-out) = sum of false positives/sum of condition negative</a:t>
+            </a:r>
+          </a:p>
+          <a:p>
+            <a:r>
+              <a:rPr lang="en-GB" sz="1200" dirty="0" smtClean="0"/>
+              <a:t> </a:t>
+            </a:r>
+          </a:p>
+          <a:p>
+            <a:r>
+              <a:rPr lang="en-GB" sz="1200" dirty="0" smtClean="0"/>
+              <a:t>The area under the curve (AUC) is equal to the probability that a classifier will rank a randomly chosen positive instance higher than a randomly chosen negative one.</a:t>
+            </a:r>
+          </a:p>
+          <a:p>
+            <a:endParaRPr lang="en-GB" dirty="0"/>
+          </a:p>
+        </p:txBody>
+      </p:sp>
+      <p:sp>
+        <p:nvSpPr>
+          <p:cNvPr id="4" name="Slide Number Placeholder 3"/>
+          <p:cNvSpPr>
+            <a:spLocks noGrp="1"/>
+          </p:cNvSpPr>
+          <p:nvPr>
+            <p:ph type="sldNum" sz="quarter" idx="10"/>
+          </p:nvPr>
+        </p:nvSpPr>
+        <p:spPr/>
+        <p:txBody>
+          <a:bodyPr/>
+          <a:lstStyle/>
+          <a:p>
+            <a:fld id="{5909DF50-1DBA-4A2C-A904-287F3A0D22EA}" type="slidenum">
+              <a:rPr lang="en-GB" smtClean="0"/>
+              <a:t>26</a:t>
+            </a:fld>
+            <a:endParaRPr lang="en-GB"/>
+          </a:p>
+        </p:txBody>
+      </p:sp>
+    </p:spTree>
+    <p:extLst>
+      <p:ext uri="{BB962C8B-B14F-4D97-AF65-F5344CB8AC3E}">
+        <p14:creationId xmlns:p14="http://schemas.microsoft.com/office/powerpoint/2010/main" val="233876890"/>
+      </p:ext>
+    </p:extLst>
+  </p:cSld>
+  <p:clrMapOvr>
+    <a:masterClrMapping/>
+  </p:clrMapOvr>
+</p:notes>
+</file>
+
+<file path=ppt/notesSlides/notesSlide4.xml><?xml version="1.0" encoding="utf-8"?>
+<p:notes xmlns:a="http://schemas.openxmlformats.org/drawingml/2006/main" xmlns:r="http://schemas.openxmlformats.org/officeDocument/2006/relationships" xmlns:p="http://schemas.openxmlformats.org/presentationml/2006/main">
+  <p:cSld>
+    <p:spTree>
+      <p:nvGrpSpPr>
+        <p:cNvPr id="1" name=""/>
+        <p:cNvGrpSpPr/>
+        <p:nvPr/>
+      </p:nvGrpSpPr>
+      <p:grpSpPr>
+        <a:xfrm>
+          <a:off x="0" y="0"/>
+          <a:ext cx="0" cy="0"/>
+          <a:chOff x="0" y="0"/>
+          <a:chExt cx="0" cy="0"/>
+        </a:xfrm>
+      </p:grpSpPr>
+      <p:sp>
+        <p:nvSpPr>
+          <p:cNvPr id="2" name="Slide Image Placeholder 1"/>
+          <p:cNvSpPr>
+            <a:spLocks noGrp="1" noRot="1" noChangeAspect="1"/>
+          </p:cNvSpPr>
+          <p:nvPr>
+            <p:ph type="sldImg"/>
+          </p:nvPr>
+        </p:nvSpPr>
+        <p:spPr/>
+      </p:sp>
+      <p:sp>
+        <p:nvSpPr>
+          <p:cNvPr id="3" name="Notes Placeholder 2"/>
+          <p:cNvSpPr>
+            <a:spLocks noGrp="1"/>
+          </p:cNvSpPr>
+          <p:nvPr>
+            <p:ph type="body" idx="1"/>
+          </p:nvPr>
+        </p:nvSpPr>
+        <p:spPr/>
+        <p:txBody>
+          <a:bodyPr/>
+          <a:lstStyle/>
+          <a:p>
+            <a:pPr marL="0" indent="0">
+              <a:buFont typeface="Arial" panose="020B0604020202020204" pitchFamily="34" charset="0"/>
+              <a:buNone/>
+            </a:pPr>
+            <a:r>
+              <a:rPr lang="en-GB" sz="1200" dirty="0" smtClean="0"/>
+              <a:t>What is a confusion matrix?</a:t>
+            </a:r>
+          </a:p>
+          <a:p>
+            <a:pPr marL="171450" indent="-171450">
+              <a:buFont typeface="Arial" panose="020B0604020202020204" pitchFamily="34" charset="0"/>
+              <a:buChar char="•"/>
+            </a:pPr>
+            <a:endParaRPr lang="en-GB" sz="1200" dirty="0" smtClean="0"/>
+          </a:p>
+          <a:p>
+            <a:pPr marL="171450" indent="-171450">
+              <a:buFont typeface="Arial" panose="020B0604020202020204" pitchFamily="34" charset="0"/>
+              <a:buChar char="•"/>
+            </a:pPr>
+            <a:r>
+              <a:rPr lang="en-GB" sz="1200" dirty="0" smtClean="0"/>
+              <a:t>Visualization of the performance of an algorithm</a:t>
+            </a:r>
+          </a:p>
+          <a:p>
+            <a:pPr marL="171450" indent="-171450">
+              <a:buFont typeface="Arial" panose="020B0604020202020204" pitchFamily="34" charset="0"/>
+              <a:buChar char="•"/>
+            </a:pPr>
+            <a:endParaRPr lang="en-GB" sz="1200" dirty="0" smtClean="0"/>
+          </a:p>
+          <a:p>
+            <a:pPr marL="171450" indent="-171450">
+              <a:buFont typeface="Arial" panose="020B0604020202020204" pitchFamily="34" charset="0"/>
+              <a:buChar char="•"/>
+            </a:pPr>
+            <a:r>
+              <a:rPr lang="en-GB" sz="1200" dirty="0" smtClean="0"/>
+              <a:t>Each row of the matrix represents the instances in a actual class while each column represents the instances in an predicted class</a:t>
+            </a:r>
+          </a:p>
+          <a:p>
+            <a:endParaRPr lang="en-GB" dirty="0"/>
+          </a:p>
+        </p:txBody>
+      </p:sp>
+      <p:sp>
+        <p:nvSpPr>
+          <p:cNvPr id="4" name="Slide Number Placeholder 3"/>
+          <p:cNvSpPr>
+            <a:spLocks noGrp="1"/>
+          </p:cNvSpPr>
+          <p:nvPr>
+            <p:ph type="sldNum" sz="quarter" idx="10"/>
+          </p:nvPr>
+        </p:nvSpPr>
+        <p:spPr/>
+        <p:txBody>
+          <a:bodyPr/>
+          <a:lstStyle/>
+          <a:p>
+            <a:fld id="{5909DF50-1DBA-4A2C-A904-287F3A0D22EA}" type="slidenum">
+              <a:rPr lang="en-GB" smtClean="0"/>
+              <a:t>27</a:t>
+            </a:fld>
+            <a:endParaRPr lang="en-GB"/>
+          </a:p>
+        </p:txBody>
+      </p:sp>
+    </p:spTree>
+    <p:extLst>
+      <p:ext uri="{BB962C8B-B14F-4D97-AF65-F5344CB8AC3E}">
+        <p14:creationId xmlns:p14="http://schemas.microsoft.com/office/powerpoint/2010/main" val="851640235"/>
+      </p:ext>
+    </p:extLst>
+  </p:cSld>
+  <p:clrMapOvr>
+    <a:masterClrMapping/>
+  </p:clrMapOvr>
+</p:notes>
+</file>
+
 <file path=ppt/slideLayouts/slideLayout1.xml><?xml version="1.0" encoding="utf-8"?>
 <p:sldLayout xmlns:a="http://schemas.openxmlformats.org/drawingml/2006/main" xmlns:r="http://schemas.openxmlformats.org/officeDocument/2006/relationships" xmlns:p="http://schemas.openxmlformats.org/presentationml/2006/main" type="title" preserve="1">
   <p:cSld name="Title Slide">
@@ -763,7 +1123,7 @@
           <a:p>
             <a:fld id="{366B98E0-C345-4B94-BDD0-D671FFE88784}" type="datetimeFigureOut">
               <a:rPr lang="en-GB" smtClean="0"/>
-              <a:t>01/11/2017</a:t>
+              <a:t>02/11/2017</a:t>
             </a:fld>
             <a:endParaRPr lang="en-GB"/>
           </a:p>
@@ -963,7 +1323,7 @@
           <a:p>
             <a:fld id="{366B98E0-C345-4B94-BDD0-D671FFE88784}" type="datetimeFigureOut">
               <a:rPr lang="en-GB" smtClean="0"/>
-              <a:t>01/11/2017</a:t>
+              <a:t>02/11/2017</a:t>
             </a:fld>
             <a:endParaRPr lang="en-GB"/>
           </a:p>
@@ -1138,7 +1498,7 @@
           <a:p>
             <a:fld id="{366B98E0-C345-4B94-BDD0-D671FFE88784}" type="datetimeFigureOut">
               <a:rPr lang="en-GB" smtClean="0"/>
-              <a:t>01/11/2017</a:t>
+              <a:t>02/11/2017</a:t>
             </a:fld>
             <a:endParaRPr lang="en-GB"/>
           </a:p>
@@ -1303,7 +1663,7 @@
           <a:p>
             <a:fld id="{366B98E0-C345-4B94-BDD0-D671FFE88784}" type="datetimeFigureOut">
               <a:rPr lang="en-GB" smtClean="0"/>
-              <a:t>01/11/2017</a:t>
+              <a:t>02/11/2017</a:t>
             </a:fld>
             <a:endParaRPr lang="en-GB"/>
           </a:p>
@@ -1551,7 +1911,7 @@
           <a:p>
             <a:fld id="{366B98E0-C345-4B94-BDD0-D671FFE88784}" type="datetimeFigureOut">
               <a:rPr lang="en-GB" smtClean="0"/>
-              <a:t>01/11/2017</a:t>
+              <a:t>02/11/2017</a:t>
             </a:fld>
             <a:endParaRPr lang="en-GB"/>
           </a:p>
@@ -1869,7 +2229,7 @@
           <a:p>
             <a:fld id="{366B98E0-C345-4B94-BDD0-D671FFE88784}" type="datetimeFigureOut">
               <a:rPr lang="en-GB" smtClean="0"/>
-              <a:t>01/11/2017</a:t>
+              <a:t>02/11/2017</a:t>
             </a:fld>
             <a:endParaRPr lang="en-GB"/>
           </a:p>
@@ -2335,7 +2695,7 @@
           <a:p>
             <a:fld id="{366B98E0-C345-4B94-BDD0-D671FFE88784}" type="datetimeFigureOut">
               <a:rPr lang="en-GB" smtClean="0"/>
-              <a:t>01/11/2017</a:t>
+              <a:t>02/11/2017</a:t>
             </a:fld>
             <a:endParaRPr lang="en-GB"/>
           </a:p>
@@ -2483,7 +2843,7 @@
           <a:p>
             <a:fld id="{366B98E0-C345-4B94-BDD0-D671FFE88784}" type="datetimeFigureOut">
               <a:rPr lang="en-GB" smtClean="0"/>
-              <a:t>01/11/2017</a:t>
+              <a:t>02/11/2017</a:t>
             </a:fld>
             <a:endParaRPr lang="en-GB"/>
           </a:p>
@@ -2573,7 +2933,7 @@
           <a:p>
             <a:fld id="{366B98E0-C345-4B94-BDD0-D671FFE88784}" type="datetimeFigureOut">
               <a:rPr lang="en-GB" smtClean="0"/>
-              <a:t>01/11/2017</a:t>
+              <a:t>02/11/2017</a:t>
             </a:fld>
             <a:endParaRPr lang="en-GB"/>
           </a:p>
@@ -2847,7 +3207,7 @@
           <a:p>
             <a:fld id="{366B98E0-C345-4B94-BDD0-D671FFE88784}" type="datetimeFigureOut">
               <a:rPr lang="en-GB" smtClean="0"/>
-              <a:t>01/11/2017</a:t>
+              <a:t>02/11/2017</a:t>
             </a:fld>
             <a:endParaRPr lang="en-GB"/>
           </a:p>
@@ -3152,7 +3512,7 @@
           <a:p>
             <a:fld id="{366B98E0-C345-4B94-BDD0-D671FFE88784}" type="datetimeFigureOut">
               <a:rPr lang="en-GB" smtClean="0"/>
-              <a:t>01/11/2017</a:t>
+              <a:t>02/11/2017</a:t>
             </a:fld>
             <a:endParaRPr lang="en-GB"/>
           </a:p>
@@ -3450,7 +3810,7 @@
           <a:p>
             <a:fld id="{366B98E0-C345-4B94-BDD0-D671FFE88784}" type="datetimeFigureOut">
               <a:rPr lang="en-GB" smtClean="0"/>
-              <a:t>01/11/2017</a:t>
+              <a:t>02/11/2017</a:t>
             </a:fld>
             <a:endParaRPr lang="en-GB"/>
           </a:p>
@@ -3871,7 +4231,11 @@
             </a:br>
             <a:r>
               <a:rPr lang="en-GB" sz="4000" dirty="0" smtClean="0"/>
-              <a:t>creditworthiness</a:t>
+              <a:t>Loan defaults</a:t>
+            </a:r>
+            <a:r>
+              <a:rPr lang="en-GB" sz="4000" dirty="0" smtClean="0"/>
+              <a:t/>
             </a:r>
             <a:br>
               <a:rPr lang="en-GB" sz="4000" dirty="0" smtClean="0"/>
@@ -3917,6 +4281,1662 @@
     <p:extLst>
       <p:ext uri="{BB962C8B-B14F-4D97-AF65-F5344CB8AC3E}">
         <p14:creationId xmlns:p14="http://schemas.microsoft.com/office/powerpoint/2010/main" val="2251985192"/>
+      </p:ext>
+    </p:extLst>
+  </p:cSld>
+  <p:clrMapOvr>
+    <a:masterClrMapping/>
+  </p:clrMapOvr>
+</p:sld>
+</file>
+
+<file path=ppt/slides/slide10.xml><?xml version="1.0" encoding="utf-8"?>
+<p:sld xmlns:a="http://schemas.openxmlformats.org/drawingml/2006/main" xmlns:r="http://schemas.openxmlformats.org/officeDocument/2006/relationships" xmlns:p="http://schemas.openxmlformats.org/presentationml/2006/main">
+  <p:cSld>
+    <p:spTree>
+      <p:nvGrpSpPr>
+        <p:cNvPr id="1" name=""/>
+        <p:cNvGrpSpPr/>
+        <p:nvPr/>
+      </p:nvGrpSpPr>
+      <p:grpSpPr>
+        <a:xfrm>
+          <a:off x="0" y="0"/>
+          <a:ext cx="0" cy="0"/>
+          <a:chOff x="0" y="0"/>
+          <a:chExt cx="0" cy="0"/>
+        </a:xfrm>
+      </p:grpSpPr>
+      <p:sp>
+        <p:nvSpPr>
+          <p:cNvPr id="2" name="Title 1"/>
+          <p:cNvSpPr>
+            <a:spLocks noGrp="1"/>
+          </p:cNvSpPr>
+          <p:nvPr>
+            <p:ph type="title"/>
+          </p:nvPr>
+        </p:nvSpPr>
+        <p:spPr/>
+        <p:txBody>
+          <a:bodyPr/>
+          <a:lstStyle/>
+          <a:p>
+            <a:r>
+              <a:rPr lang="en-GB" dirty="0" smtClean="0"/>
+              <a:t>1) Data </a:t>
+            </a:r>
+            <a:r>
+              <a:rPr lang="en-GB" dirty="0" smtClean="0"/>
+              <a:t>exploration</a:t>
+            </a:r>
+            <a:endParaRPr lang="en-GB" dirty="0"/>
+          </a:p>
+        </p:txBody>
+      </p:sp>
+      <p:sp>
+        <p:nvSpPr>
+          <p:cNvPr id="3" name="Content Placeholder 2"/>
+          <p:cNvSpPr>
+            <a:spLocks noGrp="1"/>
+          </p:cNvSpPr>
+          <p:nvPr>
+            <p:ph idx="1"/>
+          </p:nvPr>
+        </p:nvSpPr>
+        <p:spPr>
+          <a:xfrm>
+            <a:off x="467544" y="1642674"/>
+            <a:ext cx="8229600" cy="4876800"/>
+          </a:xfrm>
+        </p:spPr>
+        <p:txBody>
+          <a:bodyPr/>
+          <a:lstStyle/>
+          <a:p>
+            <a:endParaRPr lang="en-GB" dirty="0"/>
+          </a:p>
+        </p:txBody>
+      </p:sp>
+      <p:pic>
+        <p:nvPicPr>
+          <p:cNvPr id="7171" name="Picture 3"/>
+          <p:cNvPicPr>
+            <a:picLocks noChangeAspect="1" noChangeArrowheads="1"/>
+          </p:cNvPicPr>
+          <p:nvPr/>
+        </p:nvPicPr>
+        <p:blipFill>
+          <a:blip r:embed="rId2">
+            <a:extLst>
+              <a:ext uri="{28A0092B-C50C-407E-A947-70E740481C1C}">
+                <a14:useLocalDpi xmlns:a14="http://schemas.microsoft.com/office/drawing/2010/main" val="0"/>
+              </a:ext>
+            </a:extLst>
+          </a:blip>
+          <a:srcRect/>
+          <a:stretch>
+            <a:fillRect/>
+          </a:stretch>
+        </p:blipFill>
+        <p:spPr bwMode="auto">
+          <a:xfrm>
+            <a:off x="467544" y="1628800"/>
+            <a:ext cx="4638675" cy="2733675"/>
+          </a:xfrm>
+          <a:prstGeom prst="rect">
+            <a:avLst/>
+          </a:prstGeom>
+          <a:noFill/>
+          <a:ln>
+            <a:noFill/>
+          </a:ln>
+          <a:extLst>
+            <a:ext uri="{909E8E84-426E-40DD-AFC4-6F175D3DCCD1}">
+              <a14:hiddenFill xmlns:a14="http://schemas.microsoft.com/office/drawing/2010/main">
+                <a:solidFill>
+                  <a:schemeClr val="accent1"/>
+                </a:solidFill>
+              </a14:hiddenFill>
+            </a:ext>
+            <a:ext uri="{91240B29-F687-4F45-9708-019B960494DF}">
+              <a14:hiddenLine xmlns:a14="http://schemas.microsoft.com/office/drawing/2010/main" w="9525">
+                <a:solidFill>
+                  <a:schemeClr val="tx1"/>
+                </a:solidFill>
+                <a:miter lim="800000"/>
+                <a:headEnd/>
+                <a:tailEnd/>
+              </a14:hiddenLine>
+            </a:ext>
+          </a:extLst>
+        </p:spPr>
+      </p:pic>
+    </p:spTree>
+    <p:extLst>
+      <p:ext uri="{BB962C8B-B14F-4D97-AF65-F5344CB8AC3E}">
+        <p14:creationId xmlns:p14="http://schemas.microsoft.com/office/powerpoint/2010/main" val="2693352788"/>
+      </p:ext>
+    </p:extLst>
+  </p:cSld>
+  <p:clrMapOvr>
+    <a:masterClrMapping/>
+  </p:clrMapOvr>
+</p:sld>
+</file>
+
+<file path=ppt/slides/slide11.xml><?xml version="1.0" encoding="utf-8"?>
+<p:sld xmlns:a="http://schemas.openxmlformats.org/drawingml/2006/main" xmlns:r="http://schemas.openxmlformats.org/officeDocument/2006/relationships" xmlns:p="http://schemas.openxmlformats.org/presentationml/2006/main">
+  <p:cSld>
+    <p:spTree>
+      <p:nvGrpSpPr>
+        <p:cNvPr id="1" name=""/>
+        <p:cNvGrpSpPr/>
+        <p:nvPr/>
+      </p:nvGrpSpPr>
+      <p:grpSpPr>
+        <a:xfrm>
+          <a:off x="0" y="0"/>
+          <a:ext cx="0" cy="0"/>
+          <a:chOff x="0" y="0"/>
+          <a:chExt cx="0" cy="0"/>
+        </a:xfrm>
+      </p:grpSpPr>
+      <p:sp>
+        <p:nvSpPr>
+          <p:cNvPr id="2" name="Title 1"/>
+          <p:cNvSpPr>
+            <a:spLocks noGrp="1"/>
+          </p:cNvSpPr>
+          <p:nvPr>
+            <p:ph type="title"/>
+          </p:nvPr>
+        </p:nvSpPr>
+        <p:spPr/>
+        <p:txBody>
+          <a:bodyPr/>
+          <a:lstStyle/>
+          <a:p>
+            <a:r>
+              <a:rPr lang="en-GB" dirty="0" smtClean="0"/>
+              <a:t>1) Data </a:t>
+            </a:r>
+            <a:r>
+              <a:rPr lang="en-GB" dirty="0" smtClean="0"/>
+              <a:t>exploration</a:t>
+            </a:r>
+            <a:endParaRPr lang="en-GB" dirty="0"/>
+          </a:p>
+        </p:txBody>
+      </p:sp>
+      <p:sp>
+        <p:nvSpPr>
+          <p:cNvPr id="3" name="Content Placeholder 2"/>
+          <p:cNvSpPr>
+            <a:spLocks noGrp="1"/>
+          </p:cNvSpPr>
+          <p:nvPr>
+            <p:ph idx="1"/>
+          </p:nvPr>
+        </p:nvSpPr>
+        <p:spPr/>
+        <p:txBody>
+          <a:bodyPr/>
+          <a:lstStyle/>
+          <a:p>
+            <a:r>
+              <a:rPr lang="en-GB" dirty="0" smtClean="0"/>
+              <a:t>Add in map with % of defaulted loans</a:t>
+            </a:r>
+            <a:endParaRPr lang="en-GB" dirty="0"/>
+          </a:p>
+        </p:txBody>
+      </p:sp>
+    </p:spTree>
+    <p:extLst>
+      <p:ext uri="{BB962C8B-B14F-4D97-AF65-F5344CB8AC3E}">
+        <p14:creationId xmlns:p14="http://schemas.microsoft.com/office/powerpoint/2010/main" val="1492848966"/>
+      </p:ext>
+    </p:extLst>
+  </p:cSld>
+  <p:clrMapOvr>
+    <a:masterClrMapping/>
+  </p:clrMapOvr>
+</p:sld>
+</file>
+
+<file path=ppt/slides/slide12.xml><?xml version="1.0" encoding="utf-8"?>
+<p:sld xmlns:a="http://schemas.openxmlformats.org/drawingml/2006/main" xmlns:r="http://schemas.openxmlformats.org/officeDocument/2006/relationships" xmlns:p="http://schemas.openxmlformats.org/presentationml/2006/main">
+  <p:cSld>
+    <p:spTree>
+      <p:nvGrpSpPr>
+        <p:cNvPr id="1" name=""/>
+        <p:cNvGrpSpPr/>
+        <p:nvPr/>
+      </p:nvGrpSpPr>
+      <p:grpSpPr>
+        <a:xfrm>
+          <a:off x="0" y="0"/>
+          <a:ext cx="0" cy="0"/>
+          <a:chOff x="0" y="0"/>
+          <a:chExt cx="0" cy="0"/>
+        </a:xfrm>
+      </p:grpSpPr>
+      <p:sp>
+        <p:nvSpPr>
+          <p:cNvPr id="2" name="Title 1"/>
+          <p:cNvSpPr>
+            <a:spLocks noGrp="1"/>
+          </p:cNvSpPr>
+          <p:nvPr>
+            <p:ph type="title"/>
+          </p:nvPr>
+        </p:nvSpPr>
+        <p:spPr/>
+        <p:txBody>
+          <a:bodyPr/>
+          <a:lstStyle/>
+          <a:p>
+            <a:r>
+              <a:rPr lang="en-GB" dirty="0" smtClean="0"/>
+              <a:t>Feature engineering</a:t>
+            </a:r>
+            <a:endParaRPr lang="en-GB" dirty="0"/>
+          </a:p>
+        </p:txBody>
+      </p:sp>
+      <p:sp>
+        <p:nvSpPr>
+          <p:cNvPr id="3" name="Content Placeholder 2"/>
+          <p:cNvSpPr>
+            <a:spLocks noGrp="1"/>
+          </p:cNvSpPr>
+          <p:nvPr>
+            <p:ph idx="1"/>
+          </p:nvPr>
+        </p:nvSpPr>
+        <p:spPr/>
+        <p:txBody>
+          <a:bodyPr/>
+          <a:lstStyle/>
+          <a:p>
+            <a:r>
+              <a:rPr lang="en-GB" dirty="0"/>
+              <a:t>convert 'Class' feature (=target) into numerical </a:t>
+            </a:r>
+            <a:r>
+              <a:rPr lang="en-GB" dirty="0" smtClean="0"/>
+              <a:t>values</a:t>
+            </a:r>
+          </a:p>
+          <a:p>
+            <a:pPr lvl="1"/>
+            <a:r>
+              <a:rPr lang="en-GB" dirty="0" smtClean="0"/>
+              <a:t>Assign ‘0’ to ‘creditworthy’</a:t>
+            </a:r>
+          </a:p>
+          <a:p>
+            <a:pPr lvl="1"/>
+            <a:r>
+              <a:rPr lang="en-GB" dirty="0" smtClean="0"/>
+              <a:t>Assign ‘1’ to ‘</a:t>
+            </a:r>
+            <a:r>
+              <a:rPr lang="en-GB" dirty="0" err="1" smtClean="0"/>
+              <a:t>uncreditworthy</a:t>
+            </a:r>
+            <a:r>
+              <a:rPr lang="en-GB" dirty="0" smtClean="0"/>
+              <a:t>’</a:t>
+            </a:r>
+            <a:endParaRPr lang="en-GB" dirty="0"/>
+          </a:p>
+          <a:p>
+            <a:endParaRPr lang="en-GB" dirty="0"/>
+          </a:p>
+        </p:txBody>
+      </p:sp>
+    </p:spTree>
+    <p:extLst>
+      <p:ext uri="{BB962C8B-B14F-4D97-AF65-F5344CB8AC3E}">
+        <p14:creationId xmlns:p14="http://schemas.microsoft.com/office/powerpoint/2010/main" val="1350769179"/>
+      </p:ext>
+    </p:extLst>
+  </p:cSld>
+  <p:clrMapOvr>
+    <a:masterClrMapping/>
+  </p:clrMapOvr>
+</p:sld>
+</file>
+
+<file path=ppt/slides/slide13.xml><?xml version="1.0" encoding="utf-8"?>
+<p:sld xmlns:a="http://schemas.openxmlformats.org/drawingml/2006/main" xmlns:r="http://schemas.openxmlformats.org/officeDocument/2006/relationships" xmlns:p="http://schemas.openxmlformats.org/presentationml/2006/main">
+  <p:cSld>
+    <p:spTree>
+      <p:nvGrpSpPr>
+        <p:cNvPr id="1" name=""/>
+        <p:cNvGrpSpPr/>
+        <p:nvPr/>
+      </p:nvGrpSpPr>
+      <p:grpSpPr>
+        <a:xfrm>
+          <a:off x="0" y="0"/>
+          <a:ext cx="0" cy="0"/>
+          <a:chOff x="0" y="0"/>
+          <a:chExt cx="0" cy="0"/>
+        </a:xfrm>
+      </p:grpSpPr>
+      <p:sp>
+        <p:nvSpPr>
+          <p:cNvPr id="2" name="Title 1"/>
+          <p:cNvSpPr>
+            <a:spLocks noGrp="1"/>
+          </p:cNvSpPr>
+          <p:nvPr>
+            <p:ph type="title"/>
+          </p:nvPr>
+        </p:nvSpPr>
+        <p:spPr/>
+        <p:txBody>
+          <a:bodyPr/>
+          <a:lstStyle/>
+          <a:p>
+            <a:r>
+              <a:rPr lang="en-GB" dirty="0" smtClean="0"/>
+              <a:t>Feature engineering</a:t>
+            </a:r>
+            <a:endParaRPr lang="en-GB" dirty="0"/>
+          </a:p>
+        </p:txBody>
+      </p:sp>
+      <p:sp>
+        <p:nvSpPr>
+          <p:cNvPr id="3" name="Content Placeholder 2"/>
+          <p:cNvSpPr>
+            <a:spLocks noGrp="1"/>
+          </p:cNvSpPr>
+          <p:nvPr>
+            <p:ph idx="1"/>
+          </p:nvPr>
+        </p:nvSpPr>
+        <p:spPr/>
+        <p:txBody>
+          <a:bodyPr/>
+          <a:lstStyle/>
+          <a:p>
+            <a:r>
+              <a:rPr lang="en-GB" dirty="0"/>
+              <a:t>summarise address states into geographic </a:t>
+            </a:r>
+            <a:r>
+              <a:rPr lang="en-GB" dirty="0" smtClean="0"/>
+              <a:t>regions:</a:t>
+            </a:r>
+          </a:p>
+          <a:p>
+            <a:pPr lvl="1"/>
+            <a:r>
+              <a:rPr lang="en-GB" dirty="0" err="1"/>
+              <a:t>East_Coast</a:t>
+            </a:r>
+            <a:r>
+              <a:rPr lang="en-GB" dirty="0"/>
+              <a:t> 7731 </a:t>
+            </a:r>
+            <a:endParaRPr lang="en-GB" dirty="0" smtClean="0"/>
+          </a:p>
+          <a:p>
+            <a:pPr lvl="1"/>
+            <a:r>
+              <a:rPr lang="en-GB" dirty="0" smtClean="0"/>
+              <a:t>South </a:t>
+            </a:r>
+            <a:r>
+              <a:rPr lang="en-GB" dirty="0"/>
+              <a:t>6885 </a:t>
+            </a:r>
+            <a:endParaRPr lang="en-GB" dirty="0" smtClean="0"/>
+          </a:p>
+          <a:p>
+            <a:pPr lvl="1"/>
+            <a:r>
+              <a:rPr lang="en-GB" dirty="0" err="1" smtClean="0"/>
+              <a:t>West_Coast</a:t>
+            </a:r>
+            <a:r>
+              <a:rPr lang="en-GB" dirty="0" smtClean="0"/>
+              <a:t> </a:t>
+            </a:r>
+            <a:r>
+              <a:rPr lang="en-GB" dirty="0"/>
+              <a:t>4485 </a:t>
+            </a:r>
+            <a:endParaRPr lang="en-GB" dirty="0" smtClean="0"/>
+          </a:p>
+          <a:p>
+            <a:pPr lvl="1"/>
+            <a:r>
+              <a:rPr lang="en-GB" dirty="0" smtClean="0"/>
+              <a:t>Middle </a:t>
+            </a:r>
+            <a:r>
+              <a:rPr lang="en-GB" dirty="0"/>
+              <a:t>3461 </a:t>
+            </a:r>
+            <a:endParaRPr lang="en-GB" dirty="0" smtClean="0"/>
+          </a:p>
+          <a:p>
+            <a:pPr lvl="1"/>
+            <a:r>
+              <a:rPr lang="en-GB" dirty="0" smtClean="0"/>
+              <a:t>North 2213</a:t>
+            </a:r>
+          </a:p>
+          <a:p>
+            <a:r>
+              <a:rPr lang="en-GB" dirty="0"/>
+              <a:t>summarise FICO scores into </a:t>
+            </a:r>
+            <a:r>
+              <a:rPr lang="en-GB" dirty="0" smtClean="0"/>
+              <a:t>categories</a:t>
+            </a:r>
+          </a:p>
+          <a:p>
+            <a:pPr lvl="1"/>
+            <a:r>
+              <a:rPr lang="en-GB" dirty="0"/>
+              <a:t>Very Good 15950 </a:t>
+            </a:r>
+            <a:endParaRPr lang="en-GB" dirty="0" smtClean="0"/>
+          </a:p>
+          <a:p>
+            <a:pPr lvl="1"/>
+            <a:r>
+              <a:rPr lang="en-GB" dirty="0" smtClean="0"/>
+              <a:t>Exceptional </a:t>
+            </a:r>
+            <a:r>
+              <a:rPr lang="en-GB" dirty="0"/>
+              <a:t>5208 </a:t>
+            </a:r>
+            <a:endParaRPr lang="en-GB" dirty="0" smtClean="0"/>
+          </a:p>
+          <a:p>
+            <a:pPr lvl="1"/>
+            <a:r>
+              <a:rPr lang="en-GB" dirty="0" smtClean="0"/>
+              <a:t>Good </a:t>
+            </a:r>
+            <a:r>
+              <a:rPr lang="en-GB" dirty="0"/>
+              <a:t>3337</a:t>
+            </a:r>
+            <a:endParaRPr lang="en-GB" dirty="0"/>
+          </a:p>
+        </p:txBody>
+      </p:sp>
+    </p:spTree>
+    <p:extLst>
+      <p:ext uri="{BB962C8B-B14F-4D97-AF65-F5344CB8AC3E}">
+        <p14:creationId xmlns:p14="http://schemas.microsoft.com/office/powerpoint/2010/main" val="3295398731"/>
+      </p:ext>
+    </p:extLst>
+  </p:cSld>
+  <p:clrMapOvr>
+    <a:masterClrMapping/>
+  </p:clrMapOvr>
+</p:sld>
+</file>
+
+<file path=ppt/slides/slide14.xml><?xml version="1.0" encoding="utf-8"?>
+<p:sld xmlns:a="http://schemas.openxmlformats.org/drawingml/2006/main" xmlns:r="http://schemas.openxmlformats.org/officeDocument/2006/relationships" xmlns:p="http://schemas.openxmlformats.org/presentationml/2006/main">
+  <p:cSld>
+    <p:spTree>
+      <p:nvGrpSpPr>
+        <p:cNvPr id="1" name=""/>
+        <p:cNvGrpSpPr/>
+        <p:nvPr/>
+      </p:nvGrpSpPr>
+      <p:grpSpPr>
+        <a:xfrm>
+          <a:off x="0" y="0"/>
+          <a:ext cx="0" cy="0"/>
+          <a:chOff x="0" y="0"/>
+          <a:chExt cx="0" cy="0"/>
+        </a:xfrm>
+      </p:grpSpPr>
+      <p:sp>
+        <p:nvSpPr>
+          <p:cNvPr id="2" name="Title 1"/>
+          <p:cNvSpPr>
+            <a:spLocks noGrp="1"/>
+          </p:cNvSpPr>
+          <p:nvPr>
+            <p:ph type="title"/>
+          </p:nvPr>
+        </p:nvSpPr>
+        <p:spPr/>
+        <p:txBody>
+          <a:bodyPr/>
+          <a:lstStyle/>
+          <a:p>
+            <a:r>
+              <a:rPr lang="en-GB" dirty="0" smtClean="0"/>
+              <a:t>Feature engineering</a:t>
+            </a:r>
+            <a:endParaRPr lang="en-GB" dirty="0"/>
+          </a:p>
+        </p:txBody>
+      </p:sp>
+      <p:sp>
+        <p:nvSpPr>
+          <p:cNvPr id="3" name="Content Placeholder 2"/>
+          <p:cNvSpPr>
+            <a:spLocks noGrp="1"/>
+          </p:cNvSpPr>
+          <p:nvPr>
+            <p:ph idx="1"/>
+          </p:nvPr>
+        </p:nvSpPr>
+        <p:spPr/>
+        <p:txBody>
+          <a:bodyPr/>
+          <a:lstStyle/>
+          <a:p>
+            <a:r>
+              <a:rPr lang="en-GB" dirty="0"/>
+              <a:t>create dummy variables for categorical </a:t>
+            </a:r>
+            <a:r>
+              <a:rPr lang="en-GB" dirty="0" smtClean="0"/>
+              <a:t>data</a:t>
+            </a:r>
+          </a:p>
+          <a:p>
+            <a:pPr lvl="1"/>
+            <a:r>
+              <a:rPr lang="en-GB" dirty="0"/>
+              <a:t>'Loan Term</a:t>
+            </a:r>
+            <a:r>
+              <a:rPr lang="en-GB" dirty="0" smtClean="0"/>
+              <a:t>',</a:t>
+            </a:r>
+          </a:p>
+          <a:p>
+            <a:pPr lvl="1"/>
+            <a:r>
+              <a:rPr lang="en-GB" dirty="0" smtClean="0"/>
+              <a:t>'Home </a:t>
+            </a:r>
+            <a:r>
+              <a:rPr lang="en-GB" dirty="0"/>
+              <a:t>Ownership</a:t>
+            </a:r>
+            <a:r>
+              <a:rPr lang="en-GB" dirty="0" smtClean="0"/>
+              <a:t>',</a:t>
+            </a:r>
+          </a:p>
+          <a:p>
+            <a:pPr lvl="1"/>
+            <a:r>
+              <a:rPr lang="en-GB" dirty="0" smtClean="0"/>
+              <a:t>'Loan </a:t>
+            </a:r>
+            <a:r>
+              <a:rPr lang="en-GB" dirty="0"/>
+              <a:t>Purpose', </a:t>
+            </a:r>
+            <a:endParaRPr lang="en-GB" dirty="0" smtClean="0"/>
+          </a:p>
+          <a:p>
+            <a:pPr lvl="1"/>
+            <a:r>
+              <a:rPr lang="en-GB" dirty="0" smtClean="0"/>
+              <a:t>'FICO </a:t>
+            </a:r>
+            <a:r>
+              <a:rPr lang="en-GB" dirty="0"/>
+              <a:t>Credit Score</a:t>
+            </a:r>
+            <a:r>
+              <a:rPr lang="en-GB" dirty="0" smtClean="0"/>
+              <a:t>',</a:t>
+            </a:r>
+          </a:p>
+          <a:p>
+            <a:pPr lvl="1"/>
+            <a:r>
+              <a:rPr lang="en-GB" dirty="0" smtClean="0"/>
+              <a:t>'Address </a:t>
+            </a:r>
+            <a:r>
+              <a:rPr lang="en-GB" dirty="0"/>
+              <a:t>State'</a:t>
+            </a:r>
+            <a:endParaRPr lang="en-GB" dirty="0"/>
+          </a:p>
+        </p:txBody>
+      </p:sp>
+    </p:spTree>
+    <p:extLst>
+      <p:ext uri="{BB962C8B-B14F-4D97-AF65-F5344CB8AC3E}">
+        <p14:creationId xmlns:p14="http://schemas.microsoft.com/office/powerpoint/2010/main" val="3295398731"/>
+      </p:ext>
+    </p:extLst>
+  </p:cSld>
+  <p:clrMapOvr>
+    <a:masterClrMapping/>
+  </p:clrMapOvr>
+</p:sld>
+</file>
+
+<file path=ppt/slides/slide15.xml><?xml version="1.0" encoding="utf-8"?>
+<p:sld xmlns:a="http://schemas.openxmlformats.org/drawingml/2006/main" xmlns:r="http://schemas.openxmlformats.org/officeDocument/2006/relationships" xmlns:p="http://schemas.openxmlformats.org/presentationml/2006/main">
+  <p:cSld>
+    <p:spTree>
+      <p:nvGrpSpPr>
+        <p:cNvPr id="1" name=""/>
+        <p:cNvGrpSpPr/>
+        <p:nvPr/>
+      </p:nvGrpSpPr>
+      <p:grpSpPr>
+        <a:xfrm>
+          <a:off x="0" y="0"/>
+          <a:ext cx="0" cy="0"/>
+          <a:chOff x="0" y="0"/>
+          <a:chExt cx="0" cy="0"/>
+        </a:xfrm>
+      </p:grpSpPr>
+      <p:sp>
+        <p:nvSpPr>
+          <p:cNvPr id="2" name="Title 1"/>
+          <p:cNvSpPr>
+            <a:spLocks noGrp="1"/>
+          </p:cNvSpPr>
+          <p:nvPr>
+            <p:ph type="title"/>
+          </p:nvPr>
+        </p:nvSpPr>
+        <p:spPr/>
+        <p:txBody>
+          <a:bodyPr/>
+          <a:lstStyle/>
+          <a:p>
+            <a:r>
+              <a:rPr lang="en-GB" dirty="0" smtClean="0"/>
+              <a:t>Feature engineering</a:t>
+            </a:r>
+            <a:endParaRPr lang="en-GB" dirty="0"/>
+          </a:p>
+        </p:txBody>
+      </p:sp>
+      <p:sp>
+        <p:nvSpPr>
+          <p:cNvPr id="3" name="Content Placeholder 2"/>
+          <p:cNvSpPr>
+            <a:spLocks noGrp="1"/>
+          </p:cNvSpPr>
+          <p:nvPr>
+            <p:ph idx="1"/>
+          </p:nvPr>
+        </p:nvSpPr>
+        <p:spPr/>
+        <p:txBody>
+          <a:bodyPr/>
+          <a:lstStyle/>
+          <a:p>
+            <a:r>
+              <a:rPr lang="en-GB" dirty="0"/>
+              <a:t>encode remaining columns containing object data </a:t>
+            </a:r>
+            <a:r>
+              <a:rPr lang="en-GB" dirty="0" smtClean="0"/>
+              <a:t>types</a:t>
+            </a:r>
+          </a:p>
+          <a:p>
+            <a:pPr lvl="1"/>
+            <a:r>
+              <a:rPr lang="en-GB" dirty="0"/>
+              <a:t>'No. Delinquencies In Last 2 </a:t>
+            </a:r>
+            <a:r>
+              <a:rPr lang="en-GB" dirty="0" smtClean="0"/>
+              <a:t>Years‘</a:t>
+            </a:r>
+          </a:p>
+          <a:p>
+            <a:pPr lvl="1"/>
+            <a:r>
+              <a:rPr lang="en-GB" dirty="0" smtClean="0"/>
+              <a:t>'No</a:t>
+            </a:r>
+            <a:r>
+              <a:rPr lang="en-GB" dirty="0"/>
+              <a:t>. Adverse Public </a:t>
+            </a:r>
+            <a:r>
+              <a:rPr lang="en-GB" dirty="0" smtClean="0"/>
+              <a:t>Records‘</a:t>
+            </a:r>
+          </a:p>
+          <a:p>
+            <a:pPr lvl="1"/>
+            <a:r>
+              <a:rPr lang="en-GB" dirty="0" smtClean="0"/>
+              <a:t>'No</a:t>
+            </a:r>
+            <a:r>
+              <a:rPr lang="en-GB" dirty="0"/>
+              <a:t>. Of Public </a:t>
+            </a:r>
+            <a:r>
+              <a:rPr lang="en-GB" dirty="0" smtClean="0"/>
+              <a:t>Records</a:t>
+            </a:r>
+          </a:p>
+          <a:p>
+            <a:pPr lvl="1"/>
+            <a:endParaRPr lang="en-GB" dirty="0"/>
+          </a:p>
+          <a:p>
+            <a:pPr lvl="1"/>
+            <a:r>
+              <a:rPr lang="en-GB" dirty="0" smtClean="0"/>
+              <a:t>These columns contain strings (e.g. one, two, three, …) describing numbers from 0 to 9</a:t>
+            </a:r>
+          </a:p>
+          <a:p>
+            <a:pPr lvl="1"/>
+            <a:r>
+              <a:rPr lang="en-GB" dirty="0" smtClean="0"/>
+              <a:t>Change strings into numerical format</a:t>
+            </a:r>
+            <a:endParaRPr lang="en-GB" dirty="0"/>
+          </a:p>
+        </p:txBody>
+      </p:sp>
+    </p:spTree>
+    <p:extLst>
+      <p:ext uri="{BB962C8B-B14F-4D97-AF65-F5344CB8AC3E}">
+        <p14:creationId xmlns:p14="http://schemas.microsoft.com/office/powerpoint/2010/main" val="281448108"/>
+      </p:ext>
+    </p:extLst>
+  </p:cSld>
+  <p:clrMapOvr>
+    <a:masterClrMapping/>
+  </p:clrMapOvr>
+</p:sld>
+</file>
+
+<file path=ppt/slides/slide16.xml><?xml version="1.0" encoding="utf-8"?>
+<p:sld xmlns:a="http://schemas.openxmlformats.org/drawingml/2006/main" xmlns:r="http://schemas.openxmlformats.org/officeDocument/2006/relationships" xmlns:p="http://schemas.openxmlformats.org/presentationml/2006/main">
+  <p:cSld>
+    <p:spTree>
+      <p:nvGrpSpPr>
+        <p:cNvPr id="1" name=""/>
+        <p:cNvGrpSpPr/>
+        <p:nvPr/>
+      </p:nvGrpSpPr>
+      <p:grpSpPr>
+        <a:xfrm>
+          <a:off x="0" y="0"/>
+          <a:ext cx="0" cy="0"/>
+          <a:chOff x="0" y="0"/>
+          <a:chExt cx="0" cy="0"/>
+        </a:xfrm>
+      </p:grpSpPr>
+      <p:sp>
+        <p:nvSpPr>
+          <p:cNvPr id="2" name="Title 1"/>
+          <p:cNvSpPr>
+            <a:spLocks noGrp="1"/>
+          </p:cNvSpPr>
+          <p:nvPr>
+            <p:ph type="title"/>
+          </p:nvPr>
+        </p:nvSpPr>
+        <p:spPr/>
+        <p:txBody>
+          <a:bodyPr/>
+          <a:lstStyle/>
+          <a:p>
+            <a:r>
+              <a:rPr lang="en-GB" dirty="0" smtClean="0"/>
+              <a:t>Feature engineering</a:t>
+            </a:r>
+            <a:endParaRPr lang="en-GB" dirty="0"/>
+          </a:p>
+        </p:txBody>
+      </p:sp>
+      <p:sp>
+        <p:nvSpPr>
+          <p:cNvPr id="3" name="Content Placeholder 2"/>
+          <p:cNvSpPr>
+            <a:spLocks noGrp="1"/>
+          </p:cNvSpPr>
+          <p:nvPr>
+            <p:ph idx="1"/>
+          </p:nvPr>
+        </p:nvSpPr>
+        <p:spPr/>
+        <p:txBody>
+          <a:bodyPr/>
+          <a:lstStyle/>
+          <a:p>
+            <a:r>
+              <a:rPr lang="en-GB" dirty="0"/>
+              <a:t>drop redundant </a:t>
+            </a:r>
+            <a:r>
+              <a:rPr lang="en-GB" dirty="0" smtClean="0"/>
+              <a:t>feature</a:t>
+            </a:r>
+          </a:p>
+          <a:p>
+            <a:pPr lvl="1"/>
+            <a:r>
+              <a:rPr lang="en-GB" dirty="0" smtClean="0"/>
+              <a:t>Drop ‘Class’ feature</a:t>
+            </a:r>
+          </a:p>
+          <a:p>
+            <a:pPr lvl="1"/>
+            <a:endParaRPr lang="en-GB" dirty="0"/>
+          </a:p>
+          <a:p>
+            <a:r>
+              <a:rPr lang="en-GB" dirty="0"/>
+              <a:t>deal with nan </a:t>
+            </a:r>
+            <a:r>
+              <a:rPr lang="en-GB" dirty="0" smtClean="0"/>
+              <a:t>values</a:t>
+            </a:r>
+          </a:p>
+          <a:p>
+            <a:pPr lvl="1"/>
+            <a:r>
+              <a:rPr lang="en-GB" dirty="0" smtClean="0"/>
+              <a:t>Replace ‘nan’ with median values for each feature</a:t>
+            </a:r>
+            <a:endParaRPr lang="en-GB" dirty="0"/>
+          </a:p>
+        </p:txBody>
+      </p:sp>
+    </p:spTree>
+    <p:extLst>
+      <p:ext uri="{BB962C8B-B14F-4D97-AF65-F5344CB8AC3E}">
+        <p14:creationId xmlns:p14="http://schemas.microsoft.com/office/powerpoint/2010/main" val="2618199423"/>
+      </p:ext>
+    </p:extLst>
+  </p:cSld>
+  <p:clrMapOvr>
+    <a:masterClrMapping/>
+  </p:clrMapOvr>
+</p:sld>
+</file>
+
+<file path=ppt/slides/slide17.xml><?xml version="1.0" encoding="utf-8"?>
+<p:sld xmlns:a="http://schemas.openxmlformats.org/drawingml/2006/main" xmlns:r="http://schemas.openxmlformats.org/officeDocument/2006/relationships" xmlns:p="http://schemas.openxmlformats.org/presentationml/2006/main">
+  <p:cSld>
+    <p:spTree>
+      <p:nvGrpSpPr>
+        <p:cNvPr id="1" name=""/>
+        <p:cNvGrpSpPr/>
+        <p:nvPr/>
+      </p:nvGrpSpPr>
+      <p:grpSpPr>
+        <a:xfrm>
+          <a:off x="0" y="0"/>
+          <a:ext cx="0" cy="0"/>
+          <a:chOff x="0" y="0"/>
+          <a:chExt cx="0" cy="0"/>
+        </a:xfrm>
+      </p:grpSpPr>
+      <p:sp>
+        <p:nvSpPr>
+          <p:cNvPr id="2" name="Title 1"/>
+          <p:cNvSpPr>
+            <a:spLocks noGrp="1"/>
+          </p:cNvSpPr>
+          <p:nvPr>
+            <p:ph type="title"/>
+          </p:nvPr>
+        </p:nvSpPr>
+        <p:spPr/>
+        <p:txBody>
+          <a:bodyPr/>
+          <a:lstStyle/>
+          <a:p>
+            <a:r>
+              <a:rPr lang="en-GB" dirty="0" smtClean="0"/>
+              <a:t>Feature engineering</a:t>
+            </a:r>
+            <a:endParaRPr lang="en-GB" dirty="0"/>
+          </a:p>
+        </p:txBody>
+      </p:sp>
+      <p:sp>
+        <p:nvSpPr>
+          <p:cNvPr id="3" name="Content Placeholder 2"/>
+          <p:cNvSpPr>
+            <a:spLocks noGrp="1"/>
+          </p:cNvSpPr>
+          <p:nvPr>
+            <p:ph idx="1"/>
+          </p:nvPr>
+        </p:nvSpPr>
+        <p:spPr/>
+        <p:txBody>
+          <a:bodyPr/>
+          <a:lstStyle/>
+          <a:p>
+            <a:r>
+              <a:rPr lang="en-GB" dirty="0" smtClean="0"/>
+              <a:t>Deal with outliers</a:t>
+            </a:r>
+          </a:p>
+          <a:p>
+            <a:pPr marL="3944938" lvl="1" indent="-534988"/>
+            <a:endParaRPr lang="en-GB" dirty="0" smtClean="0"/>
+          </a:p>
+          <a:p>
+            <a:pPr marL="3409950" lvl="1" indent="0">
+              <a:buNone/>
+            </a:pPr>
+            <a:r>
+              <a:rPr lang="en-GB" dirty="0" smtClean="0"/>
+              <a:t>No</a:t>
+            </a:r>
+            <a:r>
+              <a:rPr lang="en-GB" dirty="0"/>
+              <a:t>. Delinquencies In Last 2 </a:t>
+            </a:r>
+            <a:r>
+              <a:rPr lang="en-GB" dirty="0" smtClean="0"/>
+              <a:t>Years:</a:t>
+            </a:r>
+          </a:p>
+          <a:p>
+            <a:pPr marL="3409950" lvl="2" indent="0">
+              <a:buNone/>
+            </a:pPr>
+            <a:r>
+              <a:rPr lang="en-GB" dirty="0" smtClean="0"/>
+              <a:t>Take out values above 4</a:t>
+            </a:r>
+          </a:p>
+          <a:p>
+            <a:pPr marL="3409950" lvl="2" indent="0">
+              <a:buNone/>
+            </a:pPr>
+            <a:endParaRPr lang="en-GB" dirty="0" smtClean="0"/>
+          </a:p>
+          <a:p>
+            <a:pPr marL="3409950" lvl="2" indent="0">
+              <a:buNone/>
+            </a:pPr>
+            <a:endParaRPr lang="en-GB" dirty="0"/>
+          </a:p>
+          <a:p>
+            <a:pPr marL="3409950" lvl="2" indent="0">
+              <a:buNone/>
+            </a:pPr>
+            <a:endParaRPr lang="en-GB" dirty="0"/>
+          </a:p>
+          <a:p>
+            <a:pPr marL="3409950" lvl="2" indent="0">
+              <a:buNone/>
+            </a:pPr>
+            <a:r>
+              <a:rPr lang="en-GB" dirty="0"/>
+              <a:t>No. Inquiries In Last 6 </a:t>
+            </a:r>
+            <a:r>
+              <a:rPr lang="en-GB" dirty="0" smtClean="0"/>
+              <a:t>Months:</a:t>
+            </a:r>
+          </a:p>
+          <a:p>
+            <a:pPr marL="3409950" lvl="2" indent="0">
+              <a:buNone/>
+            </a:pPr>
+            <a:r>
+              <a:rPr lang="en-GB" dirty="0" smtClean="0"/>
+              <a:t>Take out values above 7</a:t>
+            </a:r>
+            <a:endParaRPr lang="en-GB" dirty="0"/>
+          </a:p>
+        </p:txBody>
+      </p:sp>
+      <p:pic>
+        <p:nvPicPr>
+          <p:cNvPr id="8194" name="Picture 2"/>
+          <p:cNvPicPr>
+            <a:picLocks noChangeAspect="1" noChangeArrowheads="1"/>
+          </p:cNvPicPr>
+          <p:nvPr/>
+        </p:nvPicPr>
+        <p:blipFill>
+          <a:blip r:embed="rId2">
+            <a:extLst>
+              <a:ext uri="{28A0092B-C50C-407E-A947-70E740481C1C}">
+                <a14:useLocalDpi xmlns:a14="http://schemas.microsoft.com/office/drawing/2010/main" val="0"/>
+              </a:ext>
+            </a:extLst>
+          </a:blip>
+          <a:srcRect/>
+          <a:stretch>
+            <a:fillRect/>
+          </a:stretch>
+        </p:blipFill>
+        <p:spPr bwMode="auto">
+          <a:xfrm>
+            <a:off x="577748" y="2204864"/>
+            <a:ext cx="3071850" cy="2115151"/>
+          </a:xfrm>
+          <a:prstGeom prst="rect">
+            <a:avLst/>
+          </a:prstGeom>
+          <a:noFill/>
+          <a:ln>
+            <a:noFill/>
+          </a:ln>
+          <a:extLst>
+            <a:ext uri="{909E8E84-426E-40DD-AFC4-6F175D3DCCD1}">
+              <a14:hiddenFill xmlns:a14="http://schemas.microsoft.com/office/drawing/2010/main">
+                <a:solidFill>
+                  <a:schemeClr val="accent1"/>
+                </a:solidFill>
+              </a14:hiddenFill>
+            </a:ext>
+            <a:ext uri="{91240B29-F687-4F45-9708-019B960494DF}">
+              <a14:hiddenLine xmlns:a14="http://schemas.microsoft.com/office/drawing/2010/main" w="9525">
+                <a:solidFill>
+                  <a:schemeClr val="tx1"/>
+                </a:solidFill>
+                <a:miter lim="800000"/>
+                <a:headEnd/>
+                <a:tailEnd/>
+              </a14:hiddenLine>
+            </a:ext>
+          </a:extLst>
+        </p:spPr>
+      </p:pic>
+      <p:pic>
+        <p:nvPicPr>
+          <p:cNvPr id="8195" name="Picture 3"/>
+          <p:cNvPicPr>
+            <a:picLocks noChangeAspect="1" noChangeArrowheads="1"/>
+          </p:cNvPicPr>
+          <p:nvPr/>
+        </p:nvPicPr>
+        <p:blipFill>
+          <a:blip r:embed="rId3">
+            <a:extLst>
+              <a:ext uri="{28A0092B-C50C-407E-A947-70E740481C1C}">
+                <a14:useLocalDpi xmlns:a14="http://schemas.microsoft.com/office/drawing/2010/main" val="0"/>
+              </a:ext>
+            </a:extLst>
+          </a:blip>
+          <a:srcRect/>
+          <a:stretch>
+            <a:fillRect/>
+          </a:stretch>
+        </p:blipFill>
+        <p:spPr bwMode="auto">
+          <a:xfrm>
+            <a:off x="604846" y="4409745"/>
+            <a:ext cx="3044751" cy="2104934"/>
+          </a:xfrm>
+          <a:prstGeom prst="rect">
+            <a:avLst/>
+          </a:prstGeom>
+          <a:noFill/>
+          <a:ln>
+            <a:noFill/>
+          </a:ln>
+          <a:extLst>
+            <a:ext uri="{909E8E84-426E-40DD-AFC4-6F175D3DCCD1}">
+              <a14:hiddenFill xmlns:a14="http://schemas.microsoft.com/office/drawing/2010/main">
+                <a:solidFill>
+                  <a:schemeClr val="accent1"/>
+                </a:solidFill>
+              </a14:hiddenFill>
+            </a:ext>
+            <a:ext uri="{91240B29-F687-4F45-9708-019B960494DF}">
+              <a14:hiddenLine xmlns:a14="http://schemas.microsoft.com/office/drawing/2010/main" w="9525">
+                <a:solidFill>
+                  <a:schemeClr val="tx1"/>
+                </a:solidFill>
+                <a:miter lim="800000"/>
+                <a:headEnd/>
+                <a:tailEnd/>
+              </a14:hiddenLine>
+            </a:ext>
+          </a:extLst>
+        </p:spPr>
+      </p:pic>
+    </p:spTree>
+    <p:extLst>
+      <p:ext uri="{BB962C8B-B14F-4D97-AF65-F5344CB8AC3E}">
+        <p14:creationId xmlns:p14="http://schemas.microsoft.com/office/powerpoint/2010/main" val="2618199423"/>
+      </p:ext>
+    </p:extLst>
+  </p:cSld>
+  <p:clrMapOvr>
+    <a:masterClrMapping/>
+  </p:clrMapOvr>
+</p:sld>
+</file>
+
+<file path=ppt/slides/slide18.xml><?xml version="1.0" encoding="utf-8"?>
+<p:sld xmlns:a="http://schemas.openxmlformats.org/drawingml/2006/main" xmlns:r="http://schemas.openxmlformats.org/officeDocument/2006/relationships" xmlns:p="http://schemas.openxmlformats.org/presentationml/2006/main">
+  <p:cSld>
+    <p:spTree>
+      <p:nvGrpSpPr>
+        <p:cNvPr id="1" name=""/>
+        <p:cNvGrpSpPr/>
+        <p:nvPr/>
+      </p:nvGrpSpPr>
+      <p:grpSpPr>
+        <a:xfrm>
+          <a:off x="0" y="0"/>
+          <a:ext cx="0" cy="0"/>
+          <a:chOff x="0" y="0"/>
+          <a:chExt cx="0" cy="0"/>
+        </a:xfrm>
+      </p:grpSpPr>
+      <p:sp>
+        <p:nvSpPr>
+          <p:cNvPr id="2" name="Title 1"/>
+          <p:cNvSpPr>
+            <a:spLocks noGrp="1"/>
+          </p:cNvSpPr>
+          <p:nvPr>
+            <p:ph type="title"/>
+          </p:nvPr>
+        </p:nvSpPr>
+        <p:spPr/>
+        <p:txBody>
+          <a:bodyPr/>
+          <a:lstStyle/>
+          <a:p>
+            <a:r>
+              <a:rPr lang="en-GB" dirty="0" smtClean="0"/>
+              <a:t>Feature engineering</a:t>
+            </a:r>
+            <a:endParaRPr lang="en-GB" dirty="0"/>
+          </a:p>
+        </p:txBody>
+      </p:sp>
+      <p:sp>
+        <p:nvSpPr>
+          <p:cNvPr id="3" name="Content Placeholder 2"/>
+          <p:cNvSpPr>
+            <a:spLocks noGrp="1"/>
+          </p:cNvSpPr>
+          <p:nvPr>
+            <p:ph idx="1"/>
+          </p:nvPr>
+        </p:nvSpPr>
+        <p:spPr>
+          <a:xfrm>
+            <a:off x="467544" y="1628800"/>
+            <a:ext cx="8229600" cy="4876800"/>
+          </a:xfrm>
+        </p:spPr>
+        <p:txBody>
+          <a:bodyPr/>
+          <a:lstStyle/>
+          <a:p>
+            <a:pPr marL="3227387" indent="0">
+              <a:buNone/>
+            </a:pPr>
+            <a:r>
+              <a:rPr lang="en-GB" sz="1800" dirty="0"/>
+              <a:t>Months Since Last </a:t>
+            </a:r>
+            <a:r>
+              <a:rPr lang="en-GB" sz="1800" dirty="0" smtClean="0"/>
+              <a:t>Delinquency:</a:t>
+            </a:r>
+          </a:p>
+          <a:p>
+            <a:pPr marL="3227387" indent="0">
+              <a:buNone/>
+            </a:pPr>
+            <a:r>
+              <a:rPr lang="en-GB" sz="1800" dirty="0" smtClean="0"/>
+              <a:t>Take out values above 85</a:t>
+            </a:r>
+          </a:p>
+          <a:p>
+            <a:pPr marL="3227387" indent="0">
+              <a:buNone/>
+            </a:pPr>
+            <a:endParaRPr lang="en-GB" sz="1800" dirty="0"/>
+          </a:p>
+          <a:p>
+            <a:pPr marL="3227387" indent="0">
+              <a:buNone/>
+            </a:pPr>
+            <a:endParaRPr lang="en-GB" sz="1800" dirty="0" smtClean="0"/>
+          </a:p>
+          <a:p>
+            <a:pPr marL="3227387" indent="0">
+              <a:buNone/>
+            </a:pPr>
+            <a:endParaRPr lang="en-GB" sz="1800" dirty="0"/>
+          </a:p>
+          <a:p>
+            <a:pPr marL="3227387" indent="0">
+              <a:buNone/>
+            </a:pPr>
+            <a:endParaRPr lang="en-GB" sz="1800" dirty="0" smtClean="0"/>
+          </a:p>
+          <a:p>
+            <a:pPr marL="3227387" indent="0">
+              <a:buNone/>
+            </a:pPr>
+            <a:endParaRPr lang="en-GB" sz="1800" dirty="0" smtClean="0"/>
+          </a:p>
+          <a:p>
+            <a:pPr marL="3227387" indent="0">
+              <a:buNone/>
+            </a:pPr>
+            <a:r>
+              <a:rPr lang="en-GB" sz="1800" dirty="0"/>
+              <a:t>No. Of Credit </a:t>
+            </a:r>
+            <a:r>
+              <a:rPr lang="en-GB" sz="1800" dirty="0" smtClean="0"/>
+              <a:t>Lines:</a:t>
+            </a:r>
+          </a:p>
+          <a:p>
+            <a:pPr marL="3227387" indent="0">
+              <a:buNone/>
+            </a:pPr>
+            <a:r>
+              <a:rPr lang="en-GB" sz="1800" dirty="0" smtClean="0"/>
+              <a:t>Take out values above 30</a:t>
+            </a:r>
+          </a:p>
+          <a:p>
+            <a:endParaRPr lang="en-GB" dirty="0"/>
+          </a:p>
+        </p:txBody>
+      </p:sp>
+      <p:pic>
+        <p:nvPicPr>
+          <p:cNvPr id="9218" name="Picture 2"/>
+          <p:cNvPicPr>
+            <a:picLocks noChangeAspect="1" noChangeArrowheads="1"/>
+          </p:cNvPicPr>
+          <p:nvPr/>
+        </p:nvPicPr>
+        <p:blipFill>
+          <a:blip r:embed="rId2">
+            <a:extLst>
+              <a:ext uri="{28A0092B-C50C-407E-A947-70E740481C1C}">
+                <a14:useLocalDpi xmlns:a14="http://schemas.microsoft.com/office/drawing/2010/main" val="0"/>
+              </a:ext>
+            </a:extLst>
+          </a:blip>
+          <a:srcRect/>
+          <a:stretch>
+            <a:fillRect/>
+          </a:stretch>
+        </p:blipFill>
+        <p:spPr bwMode="auto">
+          <a:xfrm>
+            <a:off x="395537" y="1628800"/>
+            <a:ext cx="3256607" cy="2196000"/>
+          </a:xfrm>
+          <a:prstGeom prst="rect">
+            <a:avLst/>
+          </a:prstGeom>
+          <a:noFill/>
+          <a:ln>
+            <a:noFill/>
+          </a:ln>
+          <a:extLst>
+            <a:ext uri="{909E8E84-426E-40DD-AFC4-6F175D3DCCD1}">
+              <a14:hiddenFill xmlns:a14="http://schemas.microsoft.com/office/drawing/2010/main">
+                <a:solidFill>
+                  <a:schemeClr val="accent1"/>
+                </a:solidFill>
+              </a14:hiddenFill>
+            </a:ext>
+            <a:ext uri="{91240B29-F687-4F45-9708-019B960494DF}">
+              <a14:hiddenLine xmlns:a14="http://schemas.microsoft.com/office/drawing/2010/main" w="9525">
+                <a:solidFill>
+                  <a:schemeClr val="tx1"/>
+                </a:solidFill>
+                <a:miter lim="800000"/>
+                <a:headEnd/>
+                <a:tailEnd/>
+              </a14:hiddenLine>
+            </a:ext>
+          </a:extLst>
+        </p:spPr>
+      </p:pic>
+      <p:pic>
+        <p:nvPicPr>
+          <p:cNvPr id="9219" name="Picture 3"/>
+          <p:cNvPicPr>
+            <a:picLocks noChangeAspect="1" noChangeArrowheads="1"/>
+          </p:cNvPicPr>
+          <p:nvPr/>
+        </p:nvPicPr>
+        <p:blipFill>
+          <a:blip r:embed="rId3">
+            <a:extLst>
+              <a:ext uri="{28A0092B-C50C-407E-A947-70E740481C1C}">
+                <a14:useLocalDpi xmlns:a14="http://schemas.microsoft.com/office/drawing/2010/main" val="0"/>
+              </a:ext>
+            </a:extLst>
+          </a:blip>
+          <a:srcRect/>
+          <a:stretch>
+            <a:fillRect/>
+          </a:stretch>
+        </p:blipFill>
+        <p:spPr bwMode="auto">
+          <a:xfrm>
+            <a:off x="513426" y="4005064"/>
+            <a:ext cx="3112592" cy="2127595"/>
+          </a:xfrm>
+          <a:prstGeom prst="rect">
+            <a:avLst/>
+          </a:prstGeom>
+          <a:noFill/>
+          <a:ln>
+            <a:noFill/>
+          </a:ln>
+          <a:extLst>
+            <a:ext uri="{909E8E84-426E-40DD-AFC4-6F175D3DCCD1}">
+              <a14:hiddenFill xmlns:a14="http://schemas.microsoft.com/office/drawing/2010/main">
+                <a:solidFill>
+                  <a:schemeClr val="accent1"/>
+                </a:solidFill>
+              </a14:hiddenFill>
+            </a:ext>
+            <a:ext uri="{91240B29-F687-4F45-9708-019B960494DF}">
+              <a14:hiddenLine xmlns:a14="http://schemas.microsoft.com/office/drawing/2010/main" w="9525">
+                <a:solidFill>
+                  <a:schemeClr val="tx1"/>
+                </a:solidFill>
+                <a:miter lim="800000"/>
+                <a:headEnd/>
+                <a:tailEnd/>
+              </a14:hiddenLine>
+            </a:ext>
+          </a:extLst>
+        </p:spPr>
+      </p:pic>
+    </p:spTree>
+    <p:extLst>
+      <p:ext uri="{BB962C8B-B14F-4D97-AF65-F5344CB8AC3E}">
+        <p14:creationId xmlns:p14="http://schemas.microsoft.com/office/powerpoint/2010/main" val="2618199423"/>
+      </p:ext>
+    </p:extLst>
+  </p:cSld>
+  <p:clrMapOvr>
+    <a:masterClrMapping/>
+  </p:clrMapOvr>
+</p:sld>
+</file>
+
+<file path=ppt/slides/slide19.xml><?xml version="1.0" encoding="utf-8"?>
+<p:sld xmlns:a="http://schemas.openxmlformats.org/drawingml/2006/main" xmlns:r="http://schemas.openxmlformats.org/officeDocument/2006/relationships" xmlns:p="http://schemas.openxmlformats.org/presentationml/2006/main">
+  <p:cSld>
+    <p:spTree>
+      <p:nvGrpSpPr>
+        <p:cNvPr id="1" name=""/>
+        <p:cNvGrpSpPr/>
+        <p:nvPr/>
+      </p:nvGrpSpPr>
+      <p:grpSpPr>
+        <a:xfrm>
+          <a:off x="0" y="0"/>
+          <a:ext cx="0" cy="0"/>
+          <a:chOff x="0" y="0"/>
+          <a:chExt cx="0" cy="0"/>
+        </a:xfrm>
+      </p:grpSpPr>
+      <p:sp>
+        <p:nvSpPr>
+          <p:cNvPr id="2" name="Title 1"/>
+          <p:cNvSpPr>
+            <a:spLocks noGrp="1"/>
+          </p:cNvSpPr>
+          <p:nvPr>
+            <p:ph type="title"/>
+          </p:nvPr>
+        </p:nvSpPr>
+        <p:spPr/>
+        <p:txBody>
+          <a:bodyPr/>
+          <a:lstStyle/>
+          <a:p>
+            <a:r>
+              <a:rPr lang="en-GB" dirty="0" smtClean="0"/>
+              <a:t>Feature engineering</a:t>
+            </a:r>
+            <a:endParaRPr lang="en-GB" dirty="0"/>
+          </a:p>
+        </p:txBody>
+      </p:sp>
+      <p:sp>
+        <p:nvSpPr>
+          <p:cNvPr id="3" name="Content Placeholder 2"/>
+          <p:cNvSpPr>
+            <a:spLocks noGrp="1"/>
+          </p:cNvSpPr>
+          <p:nvPr>
+            <p:ph idx="1"/>
+          </p:nvPr>
+        </p:nvSpPr>
+        <p:spPr/>
+        <p:txBody>
+          <a:bodyPr/>
+          <a:lstStyle/>
+          <a:p>
+            <a:pPr marL="3227387" indent="0">
+              <a:buNone/>
+            </a:pPr>
+            <a:r>
+              <a:rPr lang="en-GB" sz="1800" dirty="0"/>
+              <a:t>No. Adverse Public </a:t>
+            </a:r>
+            <a:r>
+              <a:rPr lang="en-GB" sz="1800" dirty="0" smtClean="0"/>
+              <a:t>Records:</a:t>
+            </a:r>
+          </a:p>
+          <a:p>
+            <a:pPr marL="3227387" indent="0">
+              <a:buNone/>
+            </a:pPr>
+            <a:r>
+              <a:rPr lang="en-GB" sz="1800" dirty="0" smtClean="0"/>
+              <a:t>Take out values above 1</a:t>
+            </a:r>
+          </a:p>
+          <a:p>
+            <a:pPr marL="3227387" indent="0">
+              <a:buNone/>
+            </a:pPr>
+            <a:endParaRPr lang="en-GB" sz="1800" dirty="0"/>
+          </a:p>
+          <a:p>
+            <a:pPr marL="3227387" indent="0">
+              <a:buNone/>
+            </a:pPr>
+            <a:endParaRPr lang="en-GB" sz="1800" dirty="0" smtClean="0"/>
+          </a:p>
+          <a:p>
+            <a:pPr marL="3227387" indent="0">
+              <a:buNone/>
+            </a:pPr>
+            <a:endParaRPr lang="en-GB" sz="1800" dirty="0"/>
+          </a:p>
+          <a:p>
+            <a:pPr marL="3227387" indent="0">
+              <a:buNone/>
+            </a:pPr>
+            <a:endParaRPr lang="en-GB" sz="1800" dirty="0" smtClean="0"/>
+          </a:p>
+          <a:p>
+            <a:pPr marL="3227387" indent="0">
+              <a:buNone/>
+            </a:pPr>
+            <a:endParaRPr lang="en-GB" sz="1800" dirty="0"/>
+          </a:p>
+          <a:p>
+            <a:pPr marL="3227387" indent="0">
+              <a:buNone/>
+            </a:pPr>
+            <a:r>
+              <a:rPr lang="en-GB" sz="1800" dirty="0"/>
+              <a:t>Total Number Of Credit </a:t>
+            </a:r>
+            <a:r>
+              <a:rPr lang="en-GB" sz="1800" dirty="0" smtClean="0"/>
+              <a:t>Lines:</a:t>
+            </a:r>
+          </a:p>
+          <a:p>
+            <a:pPr marL="3227387" indent="0">
+              <a:buNone/>
+            </a:pPr>
+            <a:r>
+              <a:rPr lang="en-GB" sz="1800" dirty="0" smtClean="0"/>
+              <a:t>Take out values above 65</a:t>
+            </a:r>
+            <a:endParaRPr lang="en-GB" sz="1800" dirty="0"/>
+          </a:p>
+        </p:txBody>
+      </p:sp>
+      <p:pic>
+        <p:nvPicPr>
+          <p:cNvPr id="10242" name="Picture 2"/>
+          <p:cNvPicPr>
+            <a:picLocks noChangeAspect="1" noChangeArrowheads="1"/>
+          </p:cNvPicPr>
+          <p:nvPr/>
+        </p:nvPicPr>
+        <p:blipFill>
+          <a:blip r:embed="rId2">
+            <a:extLst>
+              <a:ext uri="{28A0092B-C50C-407E-A947-70E740481C1C}">
+                <a14:useLocalDpi xmlns:a14="http://schemas.microsoft.com/office/drawing/2010/main" val="0"/>
+              </a:ext>
+            </a:extLst>
+          </a:blip>
+          <a:srcRect/>
+          <a:stretch>
+            <a:fillRect/>
+          </a:stretch>
+        </p:blipFill>
+        <p:spPr bwMode="auto">
+          <a:xfrm>
+            <a:off x="474238" y="1615737"/>
+            <a:ext cx="3109656" cy="2101295"/>
+          </a:xfrm>
+          <a:prstGeom prst="rect">
+            <a:avLst/>
+          </a:prstGeom>
+          <a:noFill/>
+          <a:ln>
+            <a:noFill/>
+          </a:ln>
+          <a:extLst>
+            <a:ext uri="{909E8E84-426E-40DD-AFC4-6F175D3DCCD1}">
+              <a14:hiddenFill xmlns:a14="http://schemas.microsoft.com/office/drawing/2010/main">
+                <a:solidFill>
+                  <a:schemeClr val="accent1"/>
+                </a:solidFill>
+              </a14:hiddenFill>
+            </a:ext>
+            <a:ext uri="{91240B29-F687-4F45-9708-019B960494DF}">
+              <a14:hiddenLine xmlns:a14="http://schemas.microsoft.com/office/drawing/2010/main" w="9525">
+                <a:solidFill>
+                  <a:schemeClr val="tx1"/>
+                </a:solidFill>
+                <a:miter lim="800000"/>
+                <a:headEnd/>
+                <a:tailEnd/>
+              </a14:hiddenLine>
+            </a:ext>
+          </a:extLst>
+        </p:spPr>
+      </p:pic>
+      <p:pic>
+        <p:nvPicPr>
+          <p:cNvPr id="10243" name="Picture 3"/>
+          <p:cNvPicPr>
+            <a:picLocks noChangeAspect="1" noChangeArrowheads="1"/>
+          </p:cNvPicPr>
+          <p:nvPr/>
+        </p:nvPicPr>
+        <p:blipFill>
+          <a:blip r:embed="rId3">
+            <a:extLst>
+              <a:ext uri="{28A0092B-C50C-407E-A947-70E740481C1C}">
+                <a14:useLocalDpi xmlns:a14="http://schemas.microsoft.com/office/drawing/2010/main" val="0"/>
+              </a:ext>
+            </a:extLst>
+          </a:blip>
+          <a:srcRect/>
+          <a:stretch>
+            <a:fillRect/>
+          </a:stretch>
+        </p:blipFill>
+        <p:spPr bwMode="auto">
+          <a:xfrm>
+            <a:off x="467544" y="4149081"/>
+            <a:ext cx="3132000" cy="2151605"/>
+          </a:xfrm>
+          <a:prstGeom prst="rect">
+            <a:avLst/>
+          </a:prstGeom>
+          <a:noFill/>
+          <a:ln>
+            <a:noFill/>
+          </a:ln>
+          <a:extLst>
+            <a:ext uri="{909E8E84-426E-40DD-AFC4-6F175D3DCCD1}">
+              <a14:hiddenFill xmlns:a14="http://schemas.microsoft.com/office/drawing/2010/main">
+                <a:solidFill>
+                  <a:schemeClr val="accent1"/>
+                </a:solidFill>
+              </a14:hiddenFill>
+            </a:ext>
+            <a:ext uri="{91240B29-F687-4F45-9708-019B960494DF}">
+              <a14:hiddenLine xmlns:a14="http://schemas.microsoft.com/office/drawing/2010/main" w="9525">
+                <a:solidFill>
+                  <a:schemeClr val="tx1"/>
+                </a:solidFill>
+                <a:miter lim="800000"/>
+                <a:headEnd/>
+                <a:tailEnd/>
+              </a14:hiddenLine>
+            </a:ext>
+          </a:extLst>
+        </p:spPr>
+      </p:pic>
+    </p:spTree>
+    <p:extLst>
+      <p:ext uri="{BB962C8B-B14F-4D97-AF65-F5344CB8AC3E}">
+        <p14:creationId xmlns:p14="http://schemas.microsoft.com/office/powerpoint/2010/main" val="1894124640"/>
       </p:ext>
     </p:extLst>
   </p:cSld>
@@ -3976,7 +5996,12 @@
             <p:ph idx="1"/>
           </p:nvPr>
         </p:nvSpPr>
-        <p:spPr/>
+        <p:spPr>
+          <a:xfrm>
+            <a:off x="457200" y="1600200"/>
+            <a:ext cx="8219256" cy="4876800"/>
+          </a:xfrm>
+        </p:spPr>
         <p:txBody>
           <a:bodyPr>
             <a:normAutofit/>
@@ -3985,53 +6010,55 @@
           <a:p>
             <a:r>
               <a:rPr lang="en-GB" dirty="0" smtClean="0"/>
-              <a:t>Lending Club data</a:t>
-            </a:r>
-          </a:p>
-          <a:p>
+              <a:t>Task</a:t>
+            </a:r>
+            <a:r>
+              <a:rPr lang="en-GB" dirty="0" smtClean="0"/>
+              <a:t>: predict </a:t>
+            </a:r>
+            <a:r>
+              <a:rPr lang="en-GB" dirty="0" smtClean="0"/>
+              <a:t>loan defaults</a:t>
+            </a:r>
             <a:endParaRPr lang="en-GB" dirty="0" smtClean="0"/>
           </a:p>
           <a:p>
-            <a:pPr lvl="1"/>
-            <a:r>
-              <a:rPr lang="en-GB" dirty="0" smtClean="0"/>
-              <a:t>Preview raw data</a:t>
-            </a:r>
-          </a:p>
-          <a:p>
-            <a:r>
-              <a:rPr lang="en-GB" dirty="0" smtClean="0"/>
-              <a:t>Task: predict creditworthiness (= defaulted/completed)</a:t>
-            </a:r>
-            <a:endParaRPr lang="en-GB" dirty="0" smtClean="0"/>
-          </a:p>
-          <a:p>
             <a:pPr marL="176213" indent="0">
               <a:buNone/>
             </a:pPr>
-            <a:r>
-              <a:rPr lang="en-GB" sz="1600" dirty="0" smtClean="0"/>
+            <a:endParaRPr lang="en-GB" sz="1600" dirty="0" smtClean="0"/>
+          </a:p>
+          <a:p>
+            <a:pPr marL="461963" indent="-285750"/>
+            <a:r>
+              <a:rPr lang="en-GB" sz="2000" dirty="0" smtClean="0"/>
               <a:t>Build </a:t>
             </a:r>
             <a:r>
-              <a:rPr lang="en-GB" sz="1600" dirty="0"/>
+              <a:rPr lang="en-GB" sz="2000" dirty="0"/>
               <a:t>and test a logistic regression </a:t>
             </a:r>
             <a:r>
-              <a:rPr lang="en-GB" sz="1600" dirty="0" smtClean="0"/>
+              <a:rPr lang="en-GB" sz="2000" dirty="0" smtClean="0"/>
               <a:t>model. </a:t>
             </a:r>
           </a:p>
           <a:p>
-            <a:pPr marL="176213" indent="0">
-              <a:buNone/>
-            </a:pPr>
-            <a:r>
-              <a:rPr lang="en-GB" sz="1600" dirty="0" smtClean="0"/>
-              <a:t>Use 70</a:t>
-            </a:r>
-            <a:r>
-              <a:rPr lang="en-GB" sz="1600" dirty="0"/>
+            <a:pPr marL="461963" indent="-285750"/>
+            <a:endParaRPr lang="en-GB" sz="2000" dirty="0" smtClean="0"/>
+          </a:p>
+          <a:p>
+            <a:pPr marL="461963" indent="-285750"/>
+            <a:r>
+              <a:rPr lang="en-GB" sz="2000" dirty="0" smtClean="0"/>
+              <a:t>Use </a:t>
+            </a:r>
+            <a:r>
+              <a:rPr lang="en-GB" sz="2000" dirty="0" smtClean="0"/>
+              <a:t>70</a:t>
+            </a:r>
+            <a:r>
+              <a:rPr lang="en-GB" sz="2000" dirty="0"/>
               <a:t>% of the data to build the model and then test the model using the remaining 30%.</a:t>
             </a:r>
           </a:p>
@@ -4043,7 +6070,1555 @@
     </p:spTree>
     <p:extLst>
       <p:ext uri="{BB962C8B-B14F-4D97-AF65-F5344CB8AC3E}">
-        <p14:creationId xmlns:p14="http://schemas.microsoft.com/office/powerpoint/2010/main" val="1130102275"/>
+        <p14:creationId xmlns:p14="http://schemas.microsoft.com/office/powerpoint/2010/main" val="497337622"/>
+      </p:ext>
+    </p:extLst>
+  </p:cSld>
+  <p:clrMapOvr>
+    <a:masterClrMapping/>
+  </p:clrMapOvr>
+</p:sld>
+</file>
+
+<file path=ppt/slides/slide20.xml><?xml version="1.0" encoding="utf-8"?>
+<p:sld xmlns:a="http://schemas.openxmlformats.org/drawingml/2006/main" xmlns:r="http://schemas.openxmlformats.org/officeDocument/2006/relationships" xmlns:p="http://schemas.openxmlformats.org/presentationml/2006/main">
+  <p:cSld>
+    <p:spTree>
+      <p:nvGrpSpPr>
+        <p:cNvPr id="1" name=""/>
+        <p:cNvGrpSpPr/>
+        <p:nvPr/>
+      </p:nvGrpSpPr>
+      <p:grpSpPr>
+        <a:xfrm>
+          <a:off x="0" y="0"/>
+          <a:ext cx="0" cy="0"/>
+          <a:chOff x="0" y="0"/>
+          <a:chExt cx="0" cy="0"/>
+        </a:xfrm>
+      </p:grpSpPr>
+      <p:sp>
+        <p:nvSpPr>
+          <p:cNvPr id="2" name="Title 1"/>
+          <p:cNvSpPr>
+            <a:spLocks noGrp="1"/>
+          </p:cNvSpPr>
+          <p:nvPr>
+            <p:ph type="title"/>
+          </p:nvPr>
+        </p:nvSpPr>
+        <p:spPr/>
+        <p:txBody>
+          <a:bodyPr/>
+          <a:lstStyle/>
+          <a:p>
+            <a:r>
+              <a:rPr lang="en-GB" dirty="0" smtClean="0"/>
+              <a:t>Feature engineering</a:t>
+            </a:r>
+            <a:endParaRPr lang="en-GB" dirty="0"/>
+          </a:p>
+        </p:txBody>
+      </p:sp>
+      <p:sp>
+        <p:nvSpPr>
+          <p:cNvPr id="3" name="Content Placeholder 2"/>
+          <p:cNvSpPr>
+            <a:spLocks noGrp="1"/>
+          </p:cNvSpPr>
+          <p:nvPr>
+            <p:ph idx="1"/>
+          </p:nvPr>
+        </p:nvSpPr>
+        <p:spPr/>
+        <p:txBody>
+          <a:bodyPr>
+            <a:normAutofit/>
+          </a:bodyPr>
+          <a:lstStyle/>
+          <a:p>
+            <a:pPr marL="3227387" indent="0">
+              <a:buNone/>
+            </a:pPr>
+            <a:r>
+              <a:rPr lang="en-GB" sz="1800" dirty="0"/>
+              <a:t>No. Of Public Record </a:t>
+            </a:r>
+            <a:r>
+              <a:rPr lang="en-GB" sz="1800" dirty="0" smtClean="0"/>
+              <a:t>Bankruptcies:</a:t>
+            </a:r>
+          </a:p>
+          <a:p>
+            <a:pPr marL="3227387" indent="0">
+              <a:buNone/>
+            </a:pPr>
+            <a:r>
+              <a:rPr lang="en-GB" sz="1800" dirty="0" smtClean="0"/>
+              <a:t>Take out values above 1</a:t>
+            </a:r>
+            <a:endParaRPr lang="en-GB" sz="1800" dirty="0"/>
+          </a:p>
+        </p:txBody>
+      </p:sp>
+      <p:pic>
+        <p:nvPicPr>
+          <p:cNvPr id="11266" name="Picture 2"/>
+          <p:cNvPicPr>
+            <a:picLocks noChangeAspect="1" noChangeArrowheads="1"/>
+          </p:cNvPicPr>
+          <p:nvPr/>
+        </p:nvPicPr>
+        <p:blipFill>
+          <a:blip r:embed="rId2">
+            <a:extLst>
+              <a:ext uri="{28A0092B-C50C-407E-A947-70E740481C1C}">
+                <a14:useLocalDpi xmlns:a14="http://schemas.microsoft.com/office/drawing/2010/main" val="0"/>
+              </a:ext>
+            </a:extLst>
+          </a:blip>
+          <a:srcRect/>
+          <a:stretch>
+            <a:fillRect/>
+          </a:stretch>
+        </p:blipFill>
+        <p:spPr bwMode="auto">
+          <a:xfrm>
+            <a:off x="467544" y="1615737"/>
+            <a:ext cx="3206870" cy="2160000"/>
+          </a:xfrm>
+          <a:prstGeom prst="rect">
+            <a:avLst/>
+          </a:prstGeom>
+          <a:noFill/>
+          <a:ln>
+            <a:noFill/>
+          </a:ln>
+          <a:extLst>
+            <a:ext uri="{909E8E84-426E-40DD-AFC4-6F175D3DCCD1}">
+              <a14:hiddenFill xmlns:a14="http://schemas.microsoft.com/office/drawing/2010/main">
+                <a:solidFill>
+                  <a:schemeClr val="accent1"/>
+                </a:solidFill>
+              </a14:hiddenFill>
+            </a:ext>
+            <a:ext uri="{91240B29-F687-4F45-9708-019B960494DF}">
+              <a14:hiddenLine xmlns:a14="http://schemas.microsoft.com/office/drawing/2010/main" w="9525">
+                <a:solidFill>
+                  <a:schemeClr val="tx1"/>
+                </a:solidFill>
+                <a:miter lim="800000"/>
+                <a:headEnd/>
+                <a:tailEnd/>
+              </a14:hiddenLine>
+            </a:ext>
+          </a:extLst>
+        </p:spPr>
+      </p:pic>
+    </p:spTree>
+    <p:extLst>
+      <p:ext uri="{BB962C8B-B14F-4D97-AF65-F5344CB8AC3E}">
+        <p14:creationId xmlns:p14="http://schemas.microsoft.com/office/powerpoint/2010/main" val="1894124640"/>
+      </p:ext>
+    </p:extLst>
+  </p:cSld>
+  <p:clrMapOvr>
+    <a:masterClrMapping/>
+  </p:clrMapOvr>
+</p:sld>
+</file>
+
+<file path=ppt/slides/slide21.xml><?xml version="1.0" encoding="utf-8"?>
+<p:sld xmlns:a="http://schemas.openxmlformats.org/drawingml/2006/main" xmlns:r="http://schemas.openxmlformats.org/officeDocument/2006/relationships" xmlns:p="http://schemas.openxmlformats.org/presentationml/2006/main">
+  <p:cSld>
+    <p:spTree>
+      <p:nvGrpSpPr>
+        <p:cNvPr id="1" name=""/>
+        <p:cNvGrpSpPr/>
+        <p:nvPr/>
+      </p:nvGrpSpPr>
+      <p:grpSpPr>
+        <a:xfrm>
+          <a:off x="0" y="0"/>
+          <a:ext cx="0" cy="0"/>
+          <a:chOff x="0" y="0"/>
+          <a:chExt cx="0" cy="0"/>
+        </a:xfrm>
+      </p:grpSpPr>
+      <p:sp>
+        <p:nvSpPr>
+          <p:cNvPr id="2" name="Title 1"/>
+          <p:cNvSpPr>
+            <a:spLocks noGrp="1"/>
+          </p:cNvSpPr>
+          <p:nvPr>
+            <p:ph type="title"/>
+          </p:nvPr>
+        </p:nvSpPr>
+        <p:spPr/>
+        <p:txBody>
+          <a:bodyPr/>
+          <a:lstStyle/>
+          <a:p>
+            <a:r>
+              <a:rPr lang="en-GB" dirty="0" smtClean="0"/>
+              <a:t>Feature engineering</a:t>
+            </a:r>
+            <a:endParaRPr lang="en-GB" dirty="0"/>
+          </a:p>
+        </p:txBody>
+      </p:sp>
+      <p:sp>
+        <p:nvSpPr>
+          <p:cNvPr id="3" name="Content Placeholder 2"/>
+          <p:cNvSpPr>
+            <a:spLocks noGrp="1"/>
+          </p:cNvSpPr>
+          <p:nvPr>
+            <p:ph idx="1"/>
+          </p:nvPr>
+        </p:nvSpPr>
+        <p:spPr>
+          <a:xfrm>
+            <a:off x="457200" y="1600200"/>
+            <a:ext cx="4618856" cy="4876800"/>
+          </a:xfrm>
+        </p:spPr>
+        <p:txBody>
+          <a:bodyPr>
+            <a:normAutofit/>
+          </a:bodyPr>
+          <a:lstStyle/>
+          <a:p>
+            <a:r>
+              <a:rPr lang="en-GB" sz="2000" dirty="0" smtClean="0"/>
+              <a:t>The dataset has been reduced to 24638 entries from 24776</a:t>
+            </a:r>
+            <a:endParaRPr lang="en-GB" sz="2000" dirty="0"/>
+          </a:p>
+        </p:txBody>
+      </p:sp>
+      <p:pic>
+        <p:nvPicPr>
+          <p:cNvPr id="12291" name="Picture 3"/>
+          <p:cNvPicPr>
+            <a:picLocks noChangeAspect="1" noChangeArrowheads="1"/>
+          </p:cNvPicPr>
+          <p:nvPr/>
+        </p:nvPicPr>
+        <p:blipFill>
+          <a:blip r:embed="rId2">
+            <a:extLst>
+              <a:ext uri="{28A0092B-C50C-407E-A947-70E740481C1C}">
+                <a14:useLocalDpi xmlns:a14="http://schemas.microsoft.com/office/drawing/2010/main" val="0"/>
+              </a:ext>
+            </a:extLst>
+          </a:blip>
+          <a:srcRect/>
+          <a:stretch>
+            <a:fillRect/>
+          </a:stretch>
+        </p:blipFill>
+        <p:spPr bwMode="auto">
+          <a:xfrm>
+            <a:off x="5148064" y="476672"/>
+            <a:ext cx="3638550" cy="6257925"/>
+          </a:xfrm>
+          <a:prstGeom prst="rect">
+            <a:avLst/>
+          </a:prstGeom>
+          <a:noFill/>
+          <a:ln>
+            <a:noFill/>
+          </a:ln>
+          <a:extLst>
+            <a:ext uri="{909E8E84-426E-40DD-AFC4-6F175D3DCCD1}">
+              <a14:hiddenFill xmlns:a14="http://schemas.microsoft.com/office/drawing/2010/main">
+                <a:solidFill>
+                  <a:schemeClr val="accent1"/>
+                </a:solidFill>
+              </a14:hiddenFill>
+            </a:ext>
+            <a:ext uri="{91240B29-F687-4F45-9708-019B960494DF}">
+              <a14:hiddenLine xmlns:a14="http://schemas.microsoft.com/office/drawing/2010/main" w="9525">
+                <a:solidFill>
+                  <a:schemeClr val="tx1"/>
+                </a:solidFill>
+                <a:miter lim="800000"/>
+                <a:headEnd/>
+                <a:tailEnd/>
+              </a14:hiddenLine>
+            </a:ext>
+          </a:extLst>
+        </p:spPr>
+      </p:pic>
+    </p:spTree>
+    <p:extLst>
+      <p:ext uri="{BB962C8B-B14F-4D97-AF65-F5344CB8AC3E}">
+        <p14:creationId xmlns:p14="http://schemas.microsoft.com/office/powerpoint/2010/main" val="1894124640"/>
+      </p:ext>
+    </p:extLst>
+  </p:cSld>
+  <p:clrMapOvr>
+    <a:masterClrMapping/>
+  </p:clrMapOvr>
+</p:sld>
+</file>
+
+<file path=ppt/slides/slide22.xml><?xml version="1.0" encoding="utf-8"?>
+<p:sld xmlns:a="http://schemas.openxmlformats.org/drawingml/2006/main" xmlns:r="http://schemas.openxmlformats.org/officeDocument/2006/relationships" xmlns:p="http://schemas.openxmlformats.org/presentationml/2006/main">
+  <p:cSld>
+    <p:spTree>
+      <p:nvGrpSpPr>
+        <p:cNvPr id="1" name=""/>
+        <p:cNvGrpSpPr/>
+        <p:nvPr/>
+      </p:nvGrpSpPr>
+      <p:grpSpPr>
+        <a:xfrm>
+          <a:off x="0" y="0"/>
+          <a:ext cx="0" cy="0"/>
+          <a:chOff x="0" y="0"/>
+          <a:chExt cx="0" cy="0"/>
+        </a:xfrm>
+      </p:grpSpPr>
+      <p:sp>
+        <p:nvSpPr>
+          <p:cNvPr id="2" name="Title 1"/>
+          <p:cNvSpPr>
+            <a:spLocks noGrp="1"/>
+          </p:cNvSpPr>
+          <p:nvPr>
+            <p:ph type="title"/>
+          </p:nvPr>
+        </p:nvSpPr>
+        <p:spPr/>
+        <p:txBody>
+          <a:bodyPr/>
+          <a:lstStyle/>
+          <a:p>
+            <a:r>
+              <a:rPr lang="en-GB" dirty="0" smtClean="0"/>
+              <a:t>Feature engineering</a:t>
+            </a:r>
+            <a:endParaRPr lang="en-GB" dirty="0"/>
+          </a:p>
+        </p:txBody>
+      </p:sp>
+      <p:sp>
+        <p:nvSpPr>
+          <p:cNvPr id="3" name="Content Placeholder 2"/>
+          <p:cNvSpPr>
+            <a:spLocks noGrp="1"/>
+          </p:cNvSpPr>
+          <p:nvPr>
+            <p:ph idx="1"/>
+          </p:nvPr>
+        </p:nvSpPr>
+        <p:spPr/>
+        <p:txBody>
+          <a:bodyPr/>
+          <a:lstStyle/>
+          <a:p>
+            <a:r>
+              <a:rPr lang="en-GB" dirty="0" smtClean="0"/>
+              <a:t>Correlation matrix</a:t>
+            </a:r>
+            <a:endParaRPr lang="en-GB" dirty="0"/>
+          </a:p>
+        </p:txBody>
+      </p:sp>
+      <p:pic>
+        <p:nvPicPr>
+          <p:cNvPr id="13314" name="Picture 2"/>
+          <p:cNvPicPr>
+            <a:picLocks noChangeAspect="1" noChangeArrowheads="1"/>
+          </p:cNvPicPr>
+          <p:nvPr/>
+        </p:nvPicPr>
+        <p:blipFill>
+          <a:blip r:embed="rId2">
+            <a:extLst>
+              <a:ext uri="{28A0092B-C50C-407E-A947-70E740481C1C}">
+                <a14:useLocalDpi xmlns:a14="http://schemas.microsoft.com/office/drawing/2010/main" val="0"/>
+              </a:ext>
+            </a:extLst>
+          </a:blip>
+          <a:srcRect/>
+          <a:stretch>
+            <a:fillRect/>
+          </a:stretch>
+        </p:blipFill>
+        <p:spPr bwMode="auto">
+          <a:xfrm>
+            <a:off x="683568" y="2132856"/>
+            <a:ext cx="5504340" cy="3960440"/>
+          </a:xfrm>
+          <a:prstGeom prst="rect">
+            <a:avLst/>
+          </a:prstGeom>
+          <a:noFill/>
+          <a:ln>
+            <a:noFill/>
+          </a:ln>
+          <a:extLst>
+            <a:ext uri="{909E8E84-426E-40DD-AFC4-6F175D3DCCD1}">
+              <a14:hiddenFill xmlns:a14="http://schemas.microsoft.com/office/drawing/2010/main">
+                <a:solidFill>
+                  <a:schemeClr val="accent1"/>
+                </a:solidFill>
+              </a14:hiddenFill>
+            </a:ext>
+            <a:ext uri="{91240B29-F687-4F45-9708-019B960494DF}">
+              <a14:hiddenLine xmlns:a14="http://schemas.microsoft.com/office/drawing/2010/main" w="9525">
+                <a:solidFill>
+                  <a:schemeClr val="tx1"/>
+                </a:solidFill>
+                <a:miter lim="800000"/>
+                <a:headEnd/>
+                <a:tailEnd/>
+              </a14:hiddenLine>
+            </a:ext>
+          </a:extLst>
+        </p:spPr>
+      </p:pic>
+    </p:spTree>
+    <p:extLst>
+      <p:ext uri="{BB962C8B-B14F-4D97-AF65-F5344CB8AC3E}">
+        <p14:creationId xmlns:p14="http://schemas.microsoft.com/office/powerpoint/2010/main" val="2618199423"/>
+      </p:ext>
+    </p:extLst>
+  </p:cSld>
+  <p:clrMapOvr>
+    <a:masterClrMapping/>
+  </p:clrMapOvr>
+</p:sld>
+</file>
+
+<file path=ppt/slides/slide23.xml><?xml version="1.0" encoding="utf-8"?>
+<p:sld xmlns:a="http://schemas.openxmlformats.org/drawingml/2006/main" xmlns:r="http://schemas.openxmlformats.org/officeDocument/2006/relationships" xmlns:p="http://schemas.openxmlformats.org/presentationml/2006/main">
+  <p:cSld>
+    <p:spTree>
+      <p:nvGrpSpPr>
+        <p:cNvPr id="1" name=""/>
+        <p:cNvGrpSpPr/>
+        <p:nvPr/>
+      </p:nvGrpSpPr>
+      <p:grpSpPr>
+        <a:xfrm>
+          <a:off x="0" y="0"/>
+          <a:ext cx="0" cy="0"/>
+          <a:chOff x="0" y="0"/>
+          <a:chExt cx="0" cy="0"/>
+        </a:xfrm>
+      </p:grpSpPr>
+      <p:sp>
+        <p:nvSpPr>
+          <p:cNvPr id="2" name="Title 1"/>
+          <p:cNvSpPr>
+            <a:spLocks noGrp="1"/>
+          </p:cNvSpPr>
+          <p:nvPr>
+            <p:ph type="title"/>
+          </p:nvPr>
+        </p:nvSpPr>
+        <p:spPr/>
+        <p:txBody>
+          <a:bodyPr>
+            <a:normAutofit/>
+          </a:bodyPr>
+          <a:lstStyle/>
+          <a:p>
+            <a:r>
+              <a:rPr lang="en-GB" dirty="0" smtClean="0"/>
+              <a:t>Classification</a:t>
+            </a:r>
+            <a:endParaRPr lang="en-GB" dirty="0"/>
+          </a:p>
+        </p:txBody>
+      </p:sp>
+      <p:sp>
+        <p:nvSpPr>
+          <p:cNvPr id="3" name="Content Placeholder 2"/>
+          <p:cNvSpPr>
+            <a:spLocks noGrp="1"/>
+          </p:cNvSpPr>
+          <p:nvPr>
+            <p:ph idx="1"/>
+          </p:nvPr>
+        </p:nvSpPr>
+        <p:spPr/>
+        <p:txBody>
+          <a:bodyPr/>
+          <a:lstStyle/>
+          <a:p>
+            <a:r>
+              <a:rPr lang="en-GB" dirty="0" smtClean="0"/>
+              <a:t>Define predictor variables (X) and target variable (y)</a:t>
+            </a:r>
+          </a:p>
+          <a:p>
+            <a:pPr lvl="1"/>
+            <a:r>
+              <a:rPr lang="en-GB" dirty="0" smtClean="0"/>
+              <a:t>X = transformed features excluding y</a:t>
+            </a:r>
+          </a:p>
+          <a:p>
+            <a:pPr lvl="1"/>
+            <a:r>
+              <a:rPr lang="en-GB" dirty="0" smtClean="0"/>
+              <a:t>y = ‘0’ for completed and ‘1’ for defaulted loan</a:t>
+            </a:r>
+          </a:p>
+          <a:p>
+            <a:pPr lvl="1"/>
+            <a:endParaRPr lang="en-GB" dirty="0"/>
+          </a:p>
+          <a:p>
+            <a:r>
+              <a:rPr lang="en-GB" dirty="0" smtClean="0"/>
+              <a:t>Implement train </a:t>
+            </a:r>
+            <a:r>
+              <a:rPr lang="en-GB" dirty="0"/>
+              <a:t>test split</a:t>
+            </a:r>
+          </a:p>
+          <a:p>
+            <a:r>
+              <a:rPr lang="en-GB" dirty="0"/>
+              <a:t>S</a:t>
+            </a:r>
+            <a:r>
+              <a:rPr lang="en-GB" dirty="0" smtClean="0"/>
+              <a:t>tratify </a:t>
+            </a:r>
+            <a:r>
+              <a:rPr lang="en-GB" dirty="0"/>
+              <a:t>target y as </a:t>
+            </a:r>
+            <a:r>
+              <a:rPr lang="en-GB" dirty="0" smtClean="0"/>
+              <a:t>data may </a:t>
+            </a:r>
+            <a:r>
+              <a:rPr lang="en-GB" dirty="0"/>
+              <a:t>not be normally </a:t>
+            </a:r>
+            <a:r>
+              <a:rPr lang="en-GB" dirty="0" smtClean="0"/>
+              <a:t>distributed</a:t>
+            </a:r>
+          </a:p>
+          <a:p>
+            <a:endParaRPr lang="en-GB" dirty="0"/>
+          </a:p>
+        </p:txBody>
+      </p:sp>
+    </p:spTree>
+    <p:extLst>
+      <p:ext uri="{BB962C8B-B14F-4D97-AF65-F5344CB8AC3E}">
+        <p14:creationId xmlns:p14="http://schemas.microsoft.com/office/powerpoint/2010/main" val="1350769179"/>
+      </p:ext>
+    </p:extLst>
+  </p:cSld>
+  <p:clrMapOvr>
+    <a:masterClrMapping/>
+  </p:clrMapOvr>
+</p:sld>
+</file>
+
+<file path=ppt/slides/slide24.xml><?xml version="1.0" encoding="utf-8"?>
+<p:sld xmlns:a="http://schemas.openxmlformats.org/drawingml/2006/main" xmlns:r="http://schemas.openxmlformats.org/officeDocument/2006/relationships" xmlns:p="http://schemas.openxmlformats.org/presentationml/2006/main">
+  <p:cSld>
+    <p:spTree>
+      <p:nvGrpSpPr>
+        <p:cNvPr id="1" name=""/>
+        <p:cNvGrpSpPr/>
+        <p:nvPr/>
+      </p:nvGrpSpPr>
+      <p:grpSpPr>
+        <a:xfrm>
+          <a:off x="0" y="0"/>
+          <a:ext cx="0" cy="0"/>
+          <a:chOff x="0" y="0"/>
+          <a:chExt cx="0" cy="0"/>
+        </a:xfrm>
+      </p:grpSpPr>
+      <p:sp>
+        <p:nvSpPr>
+          <p:cNvPr id="2" name="Title 1"/>
+          <p:cNvSpPr>
+            <a:spLocks noGrp="1"/>
+          </p:cNvSpPr>
+          <p:nvPr>
+            <p:ph type="title"/>
+          </p:nvPr>
+        </p:nvSpPr>
+        <p:spPr/>
+        <p:txBody>
+          <a:bodyPr>
+            <a:normAutofit/>
+          </a:bodyPr>
+          <a:lstStyle/>
+          <a:p>
+            <a:r>
+              <a:rPr lang="en-GB" dirty="0" smtClean="0"/>
+              <a:t>Classification</a:t>
+            </a:r>
+            <a:endParaRPr lang="en-GB" dirty="0"/>
+          </a:p>
+        </p:txBody>
+      </p:sp>
+      <p:sp>
+        <p:nvSpPr>
+          <p:cNvPr id="3" name="Content Placeholder 2"/>
+          <p:cNvSpPr>
+            <a:spLocks noGrp="1"/>
+          </p:cNvSpPr>
+          <p:nvPr>
+            <p:ph idx="1"/>
+          </p:nvPr>
+        </p:nvSpPr>
+        <p:spPr/>
+        <p:txBody>
+          <a:bodyPr/>
+          <a:lstStyle/>
+          <a:p>
+            <a:r>
+              <a:rPr lang="en-GB" dirty="0"/>
+              <a:t>Build logistic regression model</a:t>
+            </a:r>
+          </a:p>
+          <a:p>
+            <a:endParaRPr lang="en-GB" dirty="0"/>
+          </a:p>
+        </p:txBody>
+      </p:sp>
+      <p:pic>
+        <p:nvPicPr>
+          <p:cNvPr id="14338" name="Picture 2"/>
+          <p:cNvPicPr>
+            <a:picLocks noChangeAspect="1" noChangeArrowheads="1"/>
+          </p:cNvPicPr>
+          <p:nvPr/>
+        </p:nvPicPr>
+        <p:blipFill>
+          <a:blip r:embed="rId2">
+            <a:extLst>
+              <a:ext uri="{28A0092B-C50C-407E-A947-70E740481C1C}">
+                <a14:useLocalDpi xmlns:a14="http://schemas.microsoft.com/office/drawing/2010/main" val="0"/>
+              </a:ext>
+            </a:extLst>
+          </a:blip>
+          <a:srcRect/>
+          <a:stretch>
+            <a:fillRect/>
+          </a:stretch>
+        </p:blipFill>
+        <p:spPr bwMode="auto">
+          <a:xfrm>
+            <a:off x="755576" y="2271712"/>
+            <a:ext cx="7361237" cy="2314575"/>
+          </a:xfrm>
+          <a:prstGeom prst="rect">
+            <a:avLst/>
+          </a:prstGeom>
+          <a:noFill/>
+          <a:ln>
+            <a:noFill/>
+          </a:ln>
+          <a:extLst>
+            <a:ext uri="{909E8E84-426E-40DD-AFC4-6F175D3DCCD1}">
+              <a14:hiddenFill xmlns:a14="http://schemas.microsoft.com/office/drawing/2010/main">
+                <a:solidFill>
+                  <a:schemeClr val="accent1"/>
+                </a:solidFill>
+              </a14:hiddenFill>
+            </a:ext>
+            <a:ext uri="{91240B29-F687-4F45-9708-019B960494DF}">
+              <a14:hiddenLine xmlns:a14="http://schemas.microsoft.com/office/drawing/2010/main" w="9525">
+                <a:solidFill>
+                  <a:schemeClr val="tx1"/>
+                </a:solidFill>
+                <a:miter lim="800000"/>
+                <a:headEnd/>
+                <a:tailEnd/>
+              </a14:hiddenLine>
+            </a:ext>
+          </a:extLst>
+        </p:spPr>
+      </p:pic>
+    </p:spTree>
+    <p:extLst>
+      <p:ext uri="{BB962C8B-B14F-4D97-AF65-F5344CB8AC3E}">
+        <p14:creationId xmlns:p14="http://schemas.microsoft.com/office/powerpoint/2010/main" val="3977697202"/>
+      </p:ext>
+    </p:extLst>
+  </p:cSld>
+  <p:clrMapOvr>
+    <a:masterClrMapping/>
+  </p:clrMapOvr>
+</p:sld>
+</file>
+
+<file path=ppt/slides/slide25.xml><?xml version="1.0" encoding="utf-8"?>
+<p:sld xmlns:a="http://schemas.openxmlformats.org/drawingml/2006/main" xmlns:r="http://schemas.openxmlformats.org/officeDocument/2006/relationships" xmlns:p="http://schemas.openxmlformats.org/presentationml/2006/main">
+  <p:cSld>
+    <p:spTree>
+      <p:nvGrpSpPr>
+        <p:cNvPr id="1" name=""/>
+        <p:cNvGrpSpPr/>
+        <p:nvPr/>
+      </p:nvGrpSpPr>
+      <p:grpSpPr>
+        <a:xfrm>
+          <a:off x="0" y="0"/>
+          <a:ext cx="0" cy="0"/>
+          <a:chOff x="0" y="0"/>
+          <a:chExt cx="0" cy="0"/>
+        </a:xfrm>
+      </p:grpSpPr>
+      <p:sp>
+        <p:nvSpPr>
+          <p:cNvPr id="2" name="Title 1"/>
+          <p:cNvSpPr>
+            <a:spLocks noGrp="1"/>
+          </p:cNvSpPr>
+          <p:nvPr>
+            <p:ph type="title"/>
+          </p:nvPr>
+        </p:nvSpPr>
+        <p:spPr/>
+        <p:txBody>
+          <a:bodyPr>
+            <a:normAutofit/>
+          </a:bodyPr>
+          <a:lstStyle/>
+          <a:p>
+            <a:r>
+              <a:rPr lang="en-GB" dirty="0" smtClean="0"/>
+              <a:t>Classification</a:t>
+            </a:r>
+            <a:endParaRPr lang="en-GB" dirty="0"/>
+          </a:p>
+        </p:txBody>
+      </p:sp>
+      <p:sp>
+        <p:nvSpPr>
+          <p:cNvPr id="3" name="Content Placeholder 2"/>
+          <p:cNvSpPr>
+            <a:spLocks noGrp="1"/>
+          </p:cNvSpPr>
+          <p:nvPr>
+            <p:ph idx="1"/>
+          </p:nvPr>
+        </p:nvSpPr>
+        <p:spPr/>
+        <p:txBody>
+          <a:bodyPr/>
+          <a:lstStyle/>
+          <a:p>
+            <a:r>
+              <a:rPr lang="en-GB" dirty="0" smtClean="0"/>
+              <a:t>Optimise logistic regression model </a:t>
+            </a:r>
+            <a:endParaRPr lang="en-GB" dirty="0"/>
+          </a:p>
+        </p:txBody>
+      </p:sp>
+      <p:pic>
+        <p:nvPicPr>
+          <p:cNvPr id="15362" name="Picture 2"/>
+          <p:cNvPicPr>
+            <a:picLocks noChangeAspect="1" noChangeArrowheads="1"/>
+          </p:cNvPicPr>
+          <p:nvPr/>
+        </p:nvPicPr>
+        <p:blipFill>
+          <a:blip r:embed="rId2">
+            <a:extLst>
+              <a:ext uri="{28A0092B-C50C-407E-A947-70E740481C1C}">
+                <a14:useLocalDpi xmlns:a14="http://schemas.microsoft.com/office/drawing/2010/main" val="0"/>
+              </a:ext>
+            </a:extLst>
+          </a:blip>
+          <a:srcRect/>
+          <a:stretch>
+            <a:fillRect/>
+          </a:stretch>
+        </p:blipFill>
+        <p:spPr bwMode="auto">
+          <a:xfrm>
+            <a:off x="683568" y="2132856"/>
+            <a:ext cx="7361237" cy="2895600"/>
+          </a:xfrm>
+          <a:prstGeom prst="rect">
+            <a:avLst/>
+          </a:prstGeom>
+          <a:noFill/>
+          <a:ln>
+            <a:noFill/>
+          </a:ln>
+          <a:extLst>
+            <a:ext uri="{909E8E84-426E-40DD-AFC4-6F175D3DCCD1}">
+              <a14:hiddenFill xmlns:a14="http://schemas.microsoft.com/office/drawing/2010/main">
+                <a:solidFill>
+                  <a:schemeClr val="accent1"/>
+                </a:solidFill>
+              </a14:hiddenFill>
+            </a:ext>
+            <a:ext uri="{91240B29-F687-4F45-9708-019B960494DF}">
+              <a14:hiddenLine xmlns:a14="http://schemas.microsoft.com/office/drawing/2010/main" w="9525">
+                <a:solidFill>
+                  <a:schemeClr val="tx1"/>
+                </a:solidFill>
+                <a:miter lim="800000"/>
+                <a:headEnd/>
+                <a:tailEnd/>
+              </a14:hiddenLine>
+            </a:ext>
+          </a:extLst>
+        </p:spPr>
+      </p:pic>
+    </p:spTree>
+    <p:extLst>
+      <p:ext uri="{BB962C8B-B14F-4D97-AF65-F5344CB8AC3E}">
+        <p14:creationId xmlns:p14="http://schemas.microsoft.com/office/powerpoint/2010/main" val="3977697202"/>
+      </p:ext>
+    </p:extLst>
+  </p:cSld>
+  <p:clrMapOvr>
+    <a:masterClrMapping/>
+  </p:clrMapOvr>
+</p:sld>
+</file>
+
+<file path=ppt/slides/slide26.xml><?xml version="1.0" encoding="utf-8"?>
+<p:sld xmlns:a="http://schemas.openxmlformats.org/drawingml/2006/main" xmlns:r="http://schemas.openxmlformats.org/officeDocument/2006/relationships" xmlns:p="http://schemas.openxmlformats.org/presentationml/2006/main">
+  <p:cSld>
+    <p:spTree>
+      <p:nvGrpSpPr>
+        <p:cNvPr id="1" name=""/>
+        <p:cNvGrpSpPr/>
+        <p:nvPr/>
+      </p:nvGrpSpPr>
+      <p:grpSpPr>
+        <a:xfrm>
+          <a:off x="0" y="0"/>
+          <a:ext cx="0" cy="0"/>
+          <a:chOff x="0" y="0"/>
+          <a:chExt cx="0" cy="0"/>
+        </a:xfrm>
+      </p:grpSpPr>
+      <p:sp>
+        <p:nvSpPr>
+          <p:cNvPr id="2" name="Title 1"/>
+          <p:cNvSpPr>
+            <a:spLocks noGrp="1"/>
+          </p:cNvSpPr>
+          <p:nvPr>
+            <p:ph type="title"/>
+          </p:nvPr>
+        </p:nvSpPr>
+        <p:spPr/>
+        <p:txBody>
+          <a:bodyPr/>
+          <a:lstStyle/>
+          <a:p>
+            <a:r>
+              <a:rPr lang="en-GB" dirty="0" smtClean="0"/>
+              <a:t>Results</a:t>
+            </a:r>
+            <a:endParaRPr lang="en-GB" dirty="0"/>
+          </a:p>
+        </p:txBody>
+      </p:sp>
+      <p:sp>
+        <p:nvSpPr>
+          <p:cNvPr id="3" name="Content Placeholder 2"/>
+          <p:cNvSpPr>
+            <a:spLocks noGrp="1"/>
+          </p:cNvSpPr>
+          <p:nvPr>
+            <p:ph idx="1"/>
+          </p:nvPr>
+        </p:nvSpPr>
+        <p:spPr/>
+        <p:txBody>
+          <a:bodyPr/>
+          <a:lstStyle/>
+          <a:p>
+            <a:r>
+              <a:rPr lang="en-GB" dirty="0" smtClean="0"/>
+              <a:t>AUC (‘area under the curve’) score</a:t>
+            </a:r>
+          </a:p>
+        </p:txBody>
+      </p:sp>
+      <p:pic>
+        <p:nvPicPr>
+          <p:cNvPr id="18435" name="Picture 3"/>
+          <p:cNvPicPr>
+            <a:picLocks noChangeAspect="1" noChangeArrowheads="1"/>
+          </p:cNvPicPr>
+          <p:nvPr/>
+        </p:nvPicPr>
+        <p:blipFill>
+          <a:blip r:embed="rId3">
+            <a:extLst>
+              <a:ext uri="{28A0092B-C50C-407E-A947-70E740481C1C}">
+                <a14:useLocalDpi xmlns:a14="http://schemas.microsoft.com/office/drawing/2010/main" val="0"/>
+              </a:ext>
+            </a:extLst>
+          </a:blip>
+          <a:srcRect/>
+          <a:stretch>
+            <a:fillRect/>
+          </a:stretch>
+        </p:blipFill>
+        <p:spPr bwMode="auto">
+          <a:xfrm>
+            <a:off x="395534" y="2449091"/>
+            <a:ext cx="5058167" cy="3625880"/>
+          </a:xfrm>
+          <a:prstGeom prst="rect">
+            <a:avLst/>
+          </a:prstGeom>
+          <a:noFill/>
+          <a:ln>
+            <a:noFill/>
+          </a:ln>
+          <a:extLst>
+            <a:ext uri="{909E8E84-426E-40DD-AFC4-6F175D3DCCD1}">
+              <a14:hiddenFill xmlns:a14="http://schemas.microsoft.com/office/drawing/2010/main">
+                <a:solidFill>
+                  <a:schemeClr val="accent1"/>
+                </a:solidFill>
+              </a14:hiddenFill>
+            </a:ext>
+            <a:ext uri="{91240B29-F687-4F45-9708-019B960494DF}">
+              <a14:hiddenLine xmlns:a14="http://schemas.microsoft.com/office/drawing/2010/main" w="9525">
+                <a:solidFill>
+                  <a:schemeClr val="tx1"/>
+                </a:solidFill>
+                <a:miter lim="800000"/>
+                <a:headEnd/>
+                <a:tailEnd/>
+              </a14:hiddenLine>
+            </a:ext>
+          </a:extLst>
+        </p:spPr>
+      </p:pic>
+      <p:sp>
+        <p:nvSpPr>
+          <p:cNvPr id="4" name="TextBox 3"/>
+          <p:cNvSpPr txBox="1"/>
+          <p:nvPr/>
+        </p:nvSpPr>
+        <p:spPr>
+          <a:xfrm>
+            <a:off x="5477028" y="2192147"/>
+            <a:ext cx="3491879" cy="4524315"/>
+          </a:xfrm>
+          <a:prstGeom prst="rect">
+            <a:avLst/>
+          </a:prstGeom>
+          <a:noFill/>
+        </p:spPr>
+        <p:txBody>
+          <a:bodyPr wrap="square" rtlCol="0">
+            <a:spAutoFit/>
+          </a:bodyPr>
+          <a:lstStyle/>
+          <a:p>
+            <a:pPr marL="171450" indent="-171450">
+              <a:buFont typeface="Arial" panose="020B0604020202020204" pitchFamily="34" charset="0"/>
+              <a:buChar char="•"/>
+            </a:pPr>
+            <a:r>
+              <a:rPr lang="en-GB" sz="1200" dirty="0" smtClean="0"/>
+              <a:t>A receiver operating characteristic curve or ROC curve is a graph plotting the true positive rate against the false positive rate at different thresholds. It indicates how well a classifier can discriminate positive and negative instances and identify the best threshold for discriminating them. </a:t>
+            </a:r>
+          </a:p>
+          <a:p>
+            <a:endParaRPr lang="en-GB" sz="1200" dirty="0" smtClean="0"/>
+          </a:p>
+          <a:p>
+            <a:pPr marL="171450" indent="-171450">
+              <a:buFont typeface="Arial" panose="020B0604020202020204" pitchFamily="34" charset="0"/>
+              <a:buChar char="•"/>
+            </a:pPr>
+            <a:r>
+              <a:rPr lang="en-GB" sz="1200" dirty="0" smtClean="0"/>
+              <a:t>The </a:t>
+            </a:r>
+            <a:r>
+              <a:rPr lang="en-GB" sz="1200" dirty="0"/>
+              <a:t>curve is created by plotting the true positive rate (TPR) against the false positive rate (FPR) at various threshold settings.</a:t>
+            </a:r>
+          </a:p>
+          <a:p>
+            <a:endParaRPr lang="en-GB" sz="1200" dirty="0"/>
+          </a:p>
+          <a:p>
+            <a:pPr marL="171450" lvl="0" indent="-171450">
+              <a:buFont typeface="Arial" panose="020B0604020202020204" pitchFamily="34" charset="0"/>
+              <a:buChar char="•"/>
+            </a:pPr>
+            <a:r>
+              <a:rPr lang="en-GB" sz="1200" dirty="0"/>
+              <a:t>TPR (also called Recall or Sensitivity) = sum total positives/sum of condition </a:t>
+            </a:r>
+            <a:r>
+              <a:rPr lang="en-GB" sz="1200" dirty="0" smtClean="0"/>
+              <a:t>positive</a:t>
+            </a:r>
+          </a:p>
+          <a:p>
+            <a:pPr lvl="0"/>
+            <a:endParaRPr lang="en-GB" sz="1200" dirty="0"/>
+          </a:p>
+          <a:p>
+            <a:pPr marL="171450" lvl="0" indent="-171450">
+              <a:buFont typeface="Arial" panose="020B0604020202020204" pitchFamily="34" charset="0"/>
+              <a:buChar char="•"/>
+            </a:pPr>
+            <a:r>
+              <a:rPr lang="en-GB" sz="1200" dirty="0"/>
+              <a:t>FPR (also called Fall-out) = sum of false positives/sum of condition negative</a:t>
+            </a:r>
+          </a:p>
+          <a:p>
+            <a:endParaRPr lang="en-GB" sz="1200" dirty="0"/>
+          </a:p>
+          <a:p>
+            <a:pPr marL="171450" indent="-171450">
+              <a:buFont typeface="Arial" panose="020B0604020202020204" pitchFamily="34" charset="0"/>
+              <a:buChar char="•"/>
+            </a:pPr>
+            <a:r>
+              <a:rPr lang="en-GB" sz="1200" dirty="0"/>
+              <a:t>The area under the curve (AUC) is equal to the probability that a classifier will rank a randomly chosen positive instance higher than a randomly chosen negative </a:t>
+            </a:r>
+            <a:r>
+              <a:rPr lang="en-GB" sz="1200" dirty="0" smtClean="0"/>
+              <a:t>one</a:t>
+            </a:r>
+          </a:p>
+          <a:p>
+            <a:pPr marL="171450" indent="-171450">
+              <a:buFont typeface="Arial" panose="020B0604020202020204" pitchFamily="34" charset="0"/>
+              <a:buChar char="•"/>
+            </a:pPr>
+            <a:endParaRPr lang="en-GB" sz="1200" dirty="0"/>
+          </a:p>
+          <a:p>
+            <a:r>
+              <a:rPr lang="en-GB" sz="800" i="1" dirty="0" smtClean="0"/>
+              <a:t>From www.wikipedia.com</a:t>
+            </a:r>
+            <a:endParaRPr lang="en-GB" sz="800" i="1" dirty="0"/>
+          </a:p>
+        </p:txBody>
+      </p:sp>
+    </p:spTree>
+    <p:extLst>
+      <p:ext uri="{BB962C8B-B14F-4D97-AF65-F5344CB8AC3E}">
+        <p14:creationId xmlns:p14="http://schemas.microsoft.com/office/powerpoint/2010/main" val="1350769179"/>
+      </p:ext>
+    </p:extLst>
+  </p:cSld>
+  <p:clrMapOvr>
+    <a:masterClrMapping/>
+  </p:clrMapOvr>
+</p:sld>
+</file>
+
+<file path=ppt/slides/slide27.xml><?xml version="1.0" encoding="utf-8"?>
+<p:sld xmlns:a="http://schemas.openxmlformats.org/drawingml/2006/main" xmlns:r="http://schemas.openxmlformats.org/officeDocument/2006/relationships" xmlns:p="http://schemas.openxmlformats.org/presentationml/2006/main">
+  <p:cSld>
+    <p:spTree>
+      <p:nvGrpSpPr>
+        <p:cNvPr id="1" name=""/>
+        <p:cNvGrpSpPr/>
+        <p:nvPr/>
+      </p:nvGrpSpPr>
+      <p:grpSpPr>
+        <a:xfrm>
+          <a:off x="0" y="0"/>
+          <a:ext cx="0" cy="0"/>
+          <a:chOff x="0" y="0"/>
+          <a:chExt cx="0" cy="0"/>
+        </a:xfrm>
+      </p:grpSpPr>
+      <p:sp>
+        <p:nvSpPr>
+          <p:cNvPr id="2" name="Title 1"/>
+          <p:cNvSpPr>
+            <a:spLocks noGrp="1"/>
+          </p:cNvSpPr>
+          <p:nvPr>
+            <p:ph type="title"/>
+          </p:nvPr>
+        </p:nvSpPr>
+        <p:spPr/>
+        <p:txBody>
+          <a:bodyPr/>
+          <a:lstStyle/>
+          <a:p>
+            <a:r>
+              <a:rPr lang="en-GB" dirty="0" smtClean="0"/>
+              <a:t>Results</a:t>
+            </a:r>
+            <a:endParaRPr lang="en-GB" dirty="0"/>
+          </a:p>
+        </p:txBody>
+      </p:sp>
+      <p:sp>
+        <p:nvSpPr>
+          <p:cNvPr id="3" name="Content Placeholder 2"/>
+          <p:cNvSpPr>
+            <a:spLocks noGrp="1"/>
+          </p:cNvSpPr>
+          <p:nvPr>
+            <p:ph idx="1"/>
+          </p:nvPr>
+        </p:nvSpPr>
+        <p:spPr/>
+        <p:txBody>
+          <a:bodyPr/>
+          <a:lstStyle/>
+          <a:p>
+            <a:r>
+              <a:rPr lang="en-GB" dirty="0" smtClean="0"/>
+              <a:t>Confusion matrix</a:t>
+            </a:r>
+          </a:p>
+        </p:txBody>
+      </p:sp>
+      <p:pic>
+        <p:nvPicPr>
+          <p:cNvPr id="19462" name="Picture 6"/>
+          <p:cNvPicPr>
+            <a:picLocks noChangeAspect="1" noChangeArrowheads="1"/>
+          </p:cNvPicPr>
+          <p:nvPr/>
+        </p:nvPicPr>
+        <p:blipFill>
+          <a:blip r:embed="rId3">
+            <a:extLst>
+              <a:ext uri="{28A0092B-C50C-407E-A947-70E740481C1C}">
+                <a14:useLocalDpi xmlns:a14="http://schemas.microsoft.com/office/drawing/2010/main" val="0"/>
+              </a:ext>
+            </a:extLst>
+          </a:blip>
+          <a:srcRect/>
+          <a:stretch>
+            <a:fillRect/>
+          </a:stretch>
+        </p:blipFill>
+        <p:spPr bwMode="auto">
+          <a:xfrm>
+            <a:off x="611560" y="2132856"/>
+            <a:ext cx="4380487" cy="3096344"/>
+          </a:xfrm>
+          <a:prstGeom prst="rect">
+            <a:avLst/>
+          </a:prstGeom>
+          <a:noFill/>
+          <a:ln>
+            <a:noFill/>
+          </a:ln>
+          <a:extLst>
+            <a:ext uri="{909E8E84-426E-40DD-AFC4-6F175D3DCCD1}">
+              <a14:hiddenFill xmlns:a14="http://schemas.microsoft.com/office/drawing/2010/main">
+                <a:solidFill>
+                  <a:schemeClr val="accent1"/>
+                </a:solidFill>
+              </a14:hiddenFill>
+            </a:ext>
+            <a:ext uri="{91240B29-F687-4F45-9708-019B960494DF}">
+              <a14:hiddenLine xmlns:a14="http://schemas.microsoft.com/office/drawing/2010/main" w="9525">
+                <a:solidFill>
+                  <a:schemeClr val="tx1"/>
+                </a:solidFill>
+                <a:miter lim="800000"/>
+                <a:headEnd/>
+                <a:tailEnd/>
+              </a14:hiddenLine>
+            </a:ext>
+          </a:extLst>
+        </p:spPr>
+      </p:pic>
+      <p:sp>
+        <p:nvSpPr>
+          <p:cNvPr id="4" name="TextBox 3"/>
+          <p:cNvSpPr txBox="1"/>
+          <p:nvPr/>
+        </p:nvSpPr>
+        <p:spPr>
+          <a:xfrm>
+            <a:off x="4992046" y="2982345"/>
+            <a:ext cx="3756417" cy="276999"/>
+          </a:xfrm>
+          <a:prstGeom prst="rect">
+            <a:avLst/>
+          </a:prstGeom>
+          <a:noFill/>
+        </p:spPr>
+        <p:txBody>
+          <a:bodyPr wrap="square" rtlCol="0">
+            <a:spAutoFit/>
+          </a:bodyPr>
+          <a:lstStyle/>
+          <a:p>
+            <a:pPr marL="171450" indent="-171450">
+              <a:buFont typeface="Arial" panose="020B0604020202020204" pitchFamily="34" charset="0"/>
+              <a:buChar char="•"/>
+            </a:pPr>
+            <a:r>
+              <a:rPr lang="en-GB" sz="1200" dirty="0" err="1" smtClean="0"/>
+              <a:t>fsfs</a:t>
+            </a:r>
+            <a:endParaRPr lang="en-GB" sz="1200" dirty="0"/>
+          </a:p>
+        </p:txBody>
+      </p:sp>
+    </p:spTree>
+    <p:extLst>
+      <p:ext uri="{BB962C8B-B14F-4D97-AF65-F5344CB8AC3E}">
+        <p14:creationId xmlns:p14="http://schemas.microsoft.com/office/powerpoint/2010/main" val="1532778483"/>
+      </p:ext>
+    </p:extLst>
+  </p:cSld>
+  <p:clrMapOvr>
+    <a:masterClrMapping/>
+  </p:clrMapOvr>
+</p:sld>
+</file>
+
+<file path=ppt/slides/slide28.xml><?xml version="1.0" encoding="utf-8"?>
+<p:sld xmlns:a="http://schemas.openxmlformats.org/drawingml/2006/main" xmlns:r="http://schemas.openxmlformats.org/officeDocument/2006/relationships" xmlns:p="http://schemas.openxmlformats.org/presentationml/2006/main">
+  <p:cSld>
+    <p:spTree>
+      <p:nvGrpSpPr>
+        <p:cNvPr id="1" name=""/>
+        <p:cNvGrpSpPr/>
+        <p:nvPr/>
+      </p:nvGrpSpPr>
+      <p:grpSpPr>
+        <a:xfrm>
+          <a:off x="0" y="0"/>
+          <a:ext cx="0" cy="0"/>
+          <a:chOff x="0" y="0"/>
+          <a:chExt cx="0" cy="0"/>
+        </a:xfrm>
+      </p:grpSpPr>
+      <p:sp>
+        <p:nvSpPr>
+          <p:cNvPr id="2" name="Title 1"/>
+          <p:cNvSpPr>
+            <a:spLocks noGrp="1"/>
+          </p:cNvSpPr>
+          <p:nvPr>
+            <p:ph type="title"/>
+          </p:nvPr>
+        </p:nvSpPr>
+        <p:spPr/>
+        <p:txBody>
+          <a:bodyPr/>
+          <a:lstStyle/>
+          <a:p>
+            <a:r>
+              <a:rPr lang="en-GB" dirty="0" smtClean="0"/>
+              <a:t>Conclusion</a:t>
+            </a:r>
+            <a:endParaRPr lang="en-GB" dirty="0"/>
+          </a:p>
+        </p:txBody>
+      </p:sp>
+      <p:sp>
+        <p:nvSpPr>
+          <p:cNvPr id="3" name="Content Placeholder 2"/>
+          <p:cNvSpPr>
+            <a:spLocks noGrp="1"/>
+          </p:cNvSpPr>
+          <p:nvPr>
+            <p:ph idx="1"/>
+          </p:nvPr>
+        </p:nvSpPr>
+        <p:spPr/>
+        <p:txBody>
+          <a:bodyPr/>
+          <a:lstStyle/>
+          <a:p>
+            <a:r>
+              <a:rPr lang="en-GB" dirty="0" smtClean="0"/>
+              <a:t>How does this add value for </a:t>
+            </a:r>
+            <a:r>
+              <a:rPr lang="en-GB" smtClean="0"/>
+              <a:t>the client?</a:t>
+            </a:r>
+            <a:endParaRPr lang="en-GB" dirty="0" smtClean="0"/>
+          </a:p>
+          <a:p>
+            <a:endParaRPr lang="en-GB" dirty="0"/>
+          </a:p>
+          <a:p>
+            <a:r>
+              <a:rPr lang="en-GB" dirty="0" smtClean="0"/>
+              <a:t>Limitations</a:t>
+            </a:r>
+          </a:p>
+          <a:p>
+            <a:pPr marL="0" indent="0">
+              <a:buNone/>
+            </a:pPr>
+            <a:endParaRPr lang="en-GB" dirty="0"/>
+          </a:p>
+          <a:p>
+            <a:r>
+              <a:rPr lang="en-GB" dirty="0"/>
+              <a:t>Recommendations</a:t>
+            </a:r>
+          </a:p>
+          <a:p>
+            <a:endParaRPr lang="en-GB" dirty="0"/>
+          </a:p>
+        </p:txBody>
+      </p:sp>
+    </p:spTree>
+    <p:extLst>
+      <p:ext uri="{BB962C8B-B14F-4D97-AF65-F5344CB8AC3E}">
+        <p14:creationId xmlns:p14="http://schemas.microsoft.com/office/powerpoint/2010/main" val="1350769179"/>
+      </p:ext>
+    </p:extLst>
+  </p:cSld>
+  <p:clrMapOvr>
+    <a:masterClrMapping/>
+  </p:clrMapOvr>
+</p:sld>
+</file>
+
+<file path=ppt/slides/slide29.xml><?xml version="1.0" encoding="utf-8"?>
+<p:sld xmlns:a="http://schemas.openxmlformats.org/drawingml/2006/main" xmlns:r="http://schemas.openxmlformats.org/officeDocument/2006/relationships" xmlns:p="http://schemas.openxmlformats.org/presentationml/2006/main">
+  <p:cSld>
+    <p:spTree>
+      <p:nvGrpSpPr>
+        <p:cNvPr id="1" name=""/>
+        <p:cNvGrpSpPr/>
+        <p:nvPr/>
+      </p:nvGrpSpPr>
+      <p:grpSpPr>
+        <a:xfrm>
+          <a:off x="0" y="0"/>
+          <a:ext cx="0" cy="0"/>
+          <a:chOff x="0" y="0"/>
+          <a:chExt cx="0" cy="0"/>
+        </a:xfrm>
+      </p:grpSpPr>
+      <p:sp>
+        <p:nvSpPr>
+          <p:cNvPr id="2" name="Title 1"/>
+          <p:cNvSpPr>
+            <a:spLocks noGrp="1"/>
+          </p:cNvSpPr>
+          <p:nvPr>
+            <p:ph type="title"/>
+          </p:nvPr>
+        </p:nvSpPr>
+        <p:spPr/>
+        <p:txBody>
+          <a:bodyPr/>
+          <a:lstStyle/>
+          <a:p>
+            <a:r>
+              <a:rPr lang="en-GB" dirty="0" smtClean="0"/>
+              <a:t>Appendix</a:t>
+            </a:r>
+            <a:endParaRPr lang="en-GB" dirty="0"/>
+          </a:p>
+        </p:txBody>
+      </p:sp>
+      <p:sp>
+        <p:nvSpPr>
+          <p:cNvPr id="3" name="Content Placeholder 2"/>
+          <p:cNvSpPr>
+            <a:spLocks noGrp="1"/>
+          </p:cNvSpPr>
+          <p:nvPr>
+            <p:ph idx="1"/>
+          </p:nvPr>
+        </p:nvSpPr>
+        <p:spPr/>
+        <p:txBody>
+          <a:bodyPr/>
+          <a:lstStyle/>
+          <a:p>
+            <a:r>
+              <a:rPr lang="en-GB" dirty="0" smtClean="0"/>
+              <a:t>Odd ratios</a:t>
+            </a:r>
+            <a:endParaRPr lang="en-GB" dirty="0"/>
+          </a:p>
+        </p:txBody>
+      </p:sp>
+      <p:pic>
+        <p:nvPicPr>
+          <p:cNvPr id="16386" name="Picture 2"/>
+          <p:cNvPicPr>
+            <a:picLocks noChangeAspect="1" noChangeArrowheads="1"/>
+          </p:cNvPicPr>
+          <p:nvPr/>
+        </p:nvPicPr>
+        <p:blipFill>
+          <a:blip r:embed="rId2">
+            <a:extLst>
+              <a:ext uri="{28A0092B-C50C-407E-A947-70E740481C1C}">
+                <a14:useLocalDpi xmlns:a14="http://schemas.microsoft.com/office/drawing/2010/main" val="0"/>
+              </a:ext>
+            </a:extLst>
+          </a:blip>
+          <a:srcRect/>
+          <a:stretch>
+            <a:fillRect/>
+          </a:stretch>
+        </p:blipFill>
+        <p:spPr bwMode="auto">
+          <a:xfrm>
+            <a:off x="613023" y="2132856"/>
+            <a:ext cx="4391025" cy="4210050"/>
+          </a:xfrm>
+          <a:prstGeom prst="rect">
+            <a:avLst/>
+          </a:prstGeom>
+          <a:noFill/>
+          <a:ln>
+            <a:noFill/>
+          </a:ln>
+          <a:extLst>
+            <a:ext uri="{909E8E84-426E-40DD-AFC4-6F175D3DCCD1}">
+              <a14:hiddenFill xmlns:a14="http://schemas.microsoft.com/office/drawing/2010/main">
+                <a:solidFill>
+                  <a:schemeClr val="accent1"/>
+                </a:solidFill>
+              </a14:hiddenFill>
+            </a:ext>
+            <a:ext uri="{91240B29-F687-4F45-9708-019B960494DF}">
+              <a14:hiddenLine xmlns:a14="http://schemas.microsoft.com/office/drawing/2010/main" w="9525">
+                <a:solidFill>
+                  <a:schemeClr val="tx1"/>
+                </a:solidFill>
+                <a:miter lim="800000"/>
+                <a:headEnd/>
+                <a:tailEnd/>
+              </a14:hiddenLine>
+            </a:ext>
+          </a:extLst>
+        </p:spPr>
+      </p:pic>
+      <p:sp>
+        <p:nvSpPr>
+          <p:cNvPr id="4" name="TextBox 3"/>
+          <p:cNvSpPr txBox="1"/>
+          <p:nvPr/>
+        </p:nvSpPr>
+        <p:spPr>
+          <a:xfrm>
+            <a:off x="5062609" y="2282312"/>
+            <a:ext cx="3744416" cy="3323987"/>
+          </a:xfrm>
+          <a:prstGeom prst="rect">
+            <a:avLst/>
+          </a:prstGeom>
+          <a:noFill/>
+        </p:spPr>
+        <p:txBody>
+          <a:bodyPr wrap="square" rtlCol="0">
+            <a:spAutoFit/>
+          </a:bodyPr>
+          <a:lstStyle/>
+          <a:p>
+            <a:r>
+              <a:rPr lang="en-GB" sz="1400" dirty="0"/>
+              <a:t>A score over 1 indicates a positive relationship with the target variable, a score below 1 a negative one.</a:t>
+            </a:r>
+          </a:p>
+          <a:p>
+            <a:endParaRPr lang="en-GB" sz="1400" dirty="0"/>
+          </a:p>
+          <a:p>
+            <a:r>
+              <a:rPr lang="en-GB" sz="1400" dirty="0" smtClean="0"/>
+              <a:t>Odds </a:t>
+            </a:r>
+            <a:r>
+              <a:rPr lang="en-GB" sz="1400" dirty="0"/>
+              <a:t>of success = ratio of probability of success / probability of failure</a:t>
+            </a:r>
+          </a:p>
+          <a:p>
+            <a:endParaRPr lang="en-GB" sz="1400" dirty="0" smtClean="0"/>
+          </a:p>
+          <a:p>
+            <a:r>
+              <a:rPr lang="en-GB" sz="1400" dirty="0" smtClean="0"/>
+              <a:t>If </a:t>
+            </a:r>
+            <a:r>
+              <a:rPr lang="en-GB" sz="1400" dirty="0"/>
+              <a:t>the probability of success is 50/50, the odds of success are 1/1 = </a:t>
+            </a:r>
+            <a:r>
+              <a:rPr lang="en-GB" sz="1400" dirty="0" smtClean="0"/>
+              <a:t>1</a:t>
+            </a:r>
+          </a:p>
+          <a:p>
+            <a:endParaRPr lang="en-GB" sz="1400" dirty="0"/>
+          </a:p>
+          <a:p>
+            <a:r>
+              <a:rPr lang="en-GB" sz="1400" dirty="0"/>
+              <a:t>For example, FICO Credit </a:t>
+            </a:r>
+            <a:r>
+              <a:rPr lang="en-GB" sz="1400" dirty="0" err="1"/>
+              <a:t>Score_Good</a:t>
+            </a:r>
+            <a:r>
+              <a:rPr lang="en-GB" sz="1400" dirty="0"/>
+              <a:t> has an odd ratio of </a:t>
+            </a:r>
+            <a:r>
+              <a:rPr lang="en-GB" sz="1400" dirty="0" smtClean="0"/>
+              <a:t>3.948234. </a:t>
+            </a:r>
+            <a:r>
+              <a:rPr lang="en-GB" sz="1400" dirty="0"/>
+              <a:t>This means than the odds for a defaulted loan are </a:t>
+            </a:r>
+            <a:r>
+              <a:rPr lang="en-GB" sz="1400" dirty="0" smtClean="0"/>
+              <a:t>295% </a:t>
+            </a:r>
+            <a:r>
+              <a:rPr lang="en-GB" sz="1400" dirty="0"/>
+              <a:t>higher than the odds for completed one.</a:t>
+            </a:r>
+          </a:p>
+          <a:p>
+            <a:endParaRPr lang="en-GB" sz="1400" dirty="0"/>
+          </a:p>
+        </p:txBody>
+      </p:sp>
+    </p:spTree>
+    <p:extLst>
+      <p:ext uri="{BB962C8B-B14F-4D97-AF65-F5344CB8AC3E}">
+        <p14:creationId xmlns:p14="http://schemas.microsoft.com/office/powerpoint/2010/main" val="1350769179"/>
       </p:ext>
     </p:extLst>
   </p:cSld>
@@ -4087,7 +7662,7 @@
           <a:p>
             <a:r>
               <a:rPr lang="en-GB" dirty="0" smtClean="0"/>
-              <a:t>Approach and method</a:t>
+              <a:t>Project</a:t>
             </a:r>
             <a:endParaRPr lang="en-GB" dirty="0"/>
           </a:p>
@@ -4103,67 +7678,144 @@
             <p:ph idx="1"/>
           </p:nvPr>
         </p:nvSpPr>
-        <p:spPr/>
-        <p:txBody>
-          <a:bodyPr/>
-          <a:lstStyle/>
-          <a:p>
-            <a:pPr marL="457200" indent="-457200">
-              <a:buFont typeface="+mj-lt"/>
-              <a:buAutoNum type="arabicParenR"/>
+        <p:spPr>
+          <a:xfrm>
+            <a:off x="611560" y="1340768"/>
+            <a:ext cx="8085584" cy="4876800"/>
+          </a:xfrm>
+        </p:spPr>
+        <p:txBody>
+          <a:bodyPr>
+            <a:normAutofit/>
+          </a:bodyPr>
+          <a:lstStyle/>
+          <a:p>
+            <a:r>
+              <a:rPr lang="en-GB" dirty="0" smtClean="0"/>
+              <a:t>Lending Club data</a:t>
+            </a:r>
+          </a:p>
+          <a:p>
+            <a:endParaRPr lang="en-GB" dirty="0" smtClean="0"/>
+          </a:p>
+          <a:p>
+            <a:pPr marL="5199063" indent="0">
+              <a:spcBef>
+                <a:spcPts val="0"/>
+              </a:spcBef>
+              <a:buClrTx/>
+              <a:buSzTx/>
+              <a:buNone/>
+              <a:defRPr/>
             </a:pPr>
             <a:r>
-              <a:rPr lang="en-GB" dirty="0" smtClean="0"/>
-              <a:t>Data exploration</a:t>
-            </a:r>
-          </a:p>
-          <a:p>
-            <a:pPr marL="457200" indent="-457200">
-              <a:buFont typeface="+mj-lt"/>
-              <a:buAutoNum type="arabicParenR"/>
+              <a:rPr lang="en-GB" sz="1600" dirty="0"/>
+              <a:t>The data contains rows of customers, with each column showing the features for loan applications that have been approved, together with outcomes of the loans (in the final </a:t>
+            </a:r>
+            <a:r>
+              <a:rPr lang="en-GB" sz="1600" dirty="0" smtClean="0"/>
+              <a:t>column ‘Class’).</a:t>
+            </a:r>
+            <a:r>
+              <a:rPr lang="en-GB" sz="1600" dirty="0"/>
+              <a:t>  </a:t>
+            </a:r>
+            <a:endParaRPr lang="en-GB" sz="1600" dirty="0" smtClean="0"/>
+          </a:p>
+          <a:p>
+            <a:pPr marL="5199063" indent="0">
+              <a:spcBef>
+                <a:spcPts val="0"/>
+              </a:spcBef>
+              <a:buClrTx/>
+              <a:buSzTx/>
+              <a:buNone/>
+              <a:defRPr/>
             </a:pPr>
-            <a:r>
-              <a:rPr lang="en-GB" dirty="0" smtClean="0"/>
-              <a:t>Feature engineering</a:t>
-            </a:r>
-          </a:p>
-          <a:p>
-            <a:pPr marL="457200" indent="-457200">
-              <a:buFont typeface="+mj-lt"/>
-              <a:buAutoNum type="arabicParenR"/>
+            <a:endParaRPr lang="en-GB" sz="1600" dirty="0"/>
+          </a:p>
+          <a:p>
+            <a:pPr marL="5199063" indent="0">
+              <a:spcBef>
+                <a:spcPts val="0"/>
+              </a:spcBef>
+              <a:buClrTx/>
+              <a:buSzTx/>
+              <a:buNone/>
+              <a:defRPr/>
             </a:pPr>
             <a:r>
-              <a:rPr lang="en-GB" dirty="0" smtClean="0"/>
-              <a:t>Classification</a:t>
-            </a:r>
-          </a:p>
-          <a:p>
-            <a:pPr marL="457200" indent="-457200">
-              <a:buFont typeface="+mj-lt"/>
-              <a:buAutoNum type="arabicParenR"/>
-            </a:pPr>
-            <a:r>
-              <a:rPr lang="en-GB" dirty="0" smtClean="0"/>
-              <a:t>Results</a:t>
-            </a:r>
-          </a:p>
-          <a:p>
-            <a:pPr marL="457200" indent="-457200">
-              <a:buFont typeface="+mj-lt"/>
-              <a:buAutoNum type="arabicParenR"/>
-            </a:pPr>
-            <a:r>
-              <a:rPr lang="en-GB" dirty="0" smtClean="0"/>
-              <a:t>Conclusion</a:t>
-            </a:r>
+              <a:rPr lang="en-GB" sz="1600" dirty="0" smtClean="0"/>
+              <a:t>The </a:t>
+            </a:r>
+            <a:r>
+              <a:rPr lang="en-GB" sz="1600" dirty="0"/>
+              <a:t>outcomes show that each customer has either defaulted or completed their loan.  </a:t>
+            </a:r>
+          </a:p>
+          <a:p>
             <a:endParaRPr lang="en-GB" dirty="0"/>
           </a:p>
         </p:txBody>
       </p:sp>
+      <p:pic>
+        <p:nvPicPr>
+          <p:cNvPr id="1026" name="Picture 2"/>
+          <p:cNvPicPr>
+            <a:picLocks noChangeAspect="1" noChangeArrowheads="1"/>
+          </p:cNvPicPr>
+          <p:nvPr/>
+        </p:nvPicPr>
+        <p:blipFill>
+          <a:blip r:embed="rId3">
+            <a:extLst>
+              <a:ext uri="{28A0092B-C50C-407E-A947-70E740481C1C}">
+                <a14:useLocalDpi xmlns:a14="http://schemas.microsoft.com/office/drawing/2010/main" val="0"/>
+              </a:ext>
+            </a:extLst>
+          </a:blip>
+          <a:srcRect/>
+          <a:stretch>
+            <a:fillRect/>
+          </a:stretch>
+        </p:blipFill>
+        <p:spPr bwMode="auto">
+          <a:xfrm>
+            <a:off x="467544" y="1787420"/>
+            <a:ext cx="5345759" cy="4644000"/>
+          </a:xfrm>
+          <a:prstGeom prst="rect">
+            <a:avLst/>
+          </a:prstGeom>
+          <a:noFill/>
+          <a:ln>
+            <a:noFill/>
+          </a:ln>
+          <a:extLst>
+            <a:ext uri="{909E8E84-426E-40DD-AFC4-6F175D3DCCD1}">
+              <a14:hiddenFill xmlns:a14="http://schemas.microsoft.com/office/drawing/2010/main">
+                <a:solidFill>
+                  <a:schemeClr val="accent1"/>
+                </a:solidFill>
+              </a14:hiddenFill>
+            </a:ext>
+            <a:ext uri="{91240B29-F687-4F45-9708-019B960494DF}">
+              <a14:hiddenLine xmlns:a14="http://schemas.microsoft.com/office/drawing/2010/main" w="9525">
+                <a:solidFill>
+                  <a:schemeClr val="tx1"/>
+                </a:solidFill>
+                <a:miter lim="800000"/>
+                <a:headEnd/>
+                <a:tailEnd/>
+              </a14:hiddenLine>
+            </a:ext>
+          </a:extLst>
+        </p:spPr>
+      </p:pic>
     </p:spTree>
     <p:extLst>
       <p:ext uri="{BB962C8B-B14F-4D97-AF65-F5344CB8AC3E}">
-        <p14:creationId xmlns:p14="http://schemas.microsoft.com/office/powerpoint/2010/main" val="1574793907"/>
+        <p14:creationId xmlns:p14="http://schemas.microsoft.com/office/powerpoint/2010/main" val="1130102275"/>
       </p:ext>
     </p:extLst>
   </p:cSld>
@@ -4207,27 +7859,75 @@
           <a:p>
             <a:r>
               <a:rPr lang="en-GB" dirty="0" smtClean="0"/>
+              <a:t>Approach and method</a:t>
+            </a:r>
+            <a:endParaRPr lang="en-GB" dirty="0"/>
+          </a:p>
+        </p:txBody>
+      </p:sp>
+      <p:sp>
+        <p:nvSpPr>
+          <p:cNvPr id="3" name="Content Placeholder 2"/>
+          <p:cNvSpPr>
+            <a:spLocks noGrp="1"/>
+          </p:cNvSpPr>
+          <p:nvPr>
+            <p:ph idx="1"/>
+          </p:nvPr>
+        </p:nvSpPr>
+        <p:spPr/>
+        <p:txBody>
+          <a:bodyPr/>
+          <a:lstStyle/>
+          <a:p>
+            <a:pPr marL="457200" indent="-457200">
+              <a:buFont typeface="+mj-lt"/>
+              <a:buAutoNum type="arabicParenR"/>
+            </a:pPr>
+            <a:r>
+              <a:rPr lang="en-GB" dirty="0" smtClean="0"/>
               <a:t>Data exploration</a:t>
             </a:r>
-            <a:endParaRPr lang="en-GB" dirty="0"/>
-          </a:p>
-        </p:txBody>
-      </p:sp>
-      <p:sp>
-        <p:nvSpPr>
-          <p:cNvPr id="3" name="Content Placeholder 2"/>
-          <p:cNvSpPr>
-            <a:spLocks noGrp="1"/>
-          </p:cNvSpPr>
-          <p:nvPr>
-            <p:ph idx="1"/>
-          </p:nvPr>
-        </p:nvSpPr>
-        <p:spPr/>
-        <p:txBody>
-          <a:bodyPr/>
-          <a:lstStyle/>
-          <a:p>
+          </a:p>
+          <a:p>
+            <a:pPr marL="457200" indent="-457200">
+              <a:buFont typeface="+mj-lt"/>
+              <a:buAutoNum type="arabicParenR"/>
+            </a:pPr>
+            <a:r>
+              <a:rPr lang="en-GB" dirty="0" smtClean="0"/>
+              <a:t>Feature engineering</a:t>
+            </a:r>
+          </a:p>
+          <a:p>
+            <a:pPr marL="457200" indent="-457200">
+              <a:buFont typeface="+mj-lt"/>
+              <a:buAutoNum type="arabicParenR"/>
+            </a:pPr>
+            <a:r>
+              <a:rPr lang="en-GB" dirty="0" smtClean="0"/>
+              <a:t>Classification</a:t>
+            </a:r>
+          </a:p>
+          <a:p>
+            <a:pPr marL="457200" indent="-457200">
+              <a:buFont typeface="+mj-lt"/>
+              <a:buAutoNum type="arabicParenR"/>
+            </a:pPr>
+            <a:r>
+              <a:rPr lang="en-GB" dirty="0" smtClean="0"/>
+              <a:t>Results</a:t>
+            </a:r>
+          </a:p>
+          <a:p>
+            <a:pPr marL="457200" indent="-457200">
+              <a:buFont typeface="+mj-lt"/>
+              <a:buAutoNum type="arabicParenR"/>
+            </a:pPr>
+            <a:r>
+              <a:rPr lang="en-GB" dirty="0" smtClean="0"/>
+              <a:t>Conclusion</a:t>
+            </a:r>
             <a:endParaRPr lang="en-GB" dirty="0"/>
           </a:p>
         </p:txBody>
@@ -4235,7 +7935,7 @@
     </p:spTree>
     <p:extLst>
       <p:ext uri="{BB962C8B-B14F-4D97-AF65-F5344CB8AC3E}">
-        <p14:creationId xmlns:p14="http://schemas.microsoft.com/office/powerpoint/2010/main" val="3438069965"/>
+        <p14:creationId xmlns:p14="http://schemas.microsoft.com/office/powerpoint/2010/main" val="1574793907"/>
       </p:ext>
     </p:extLst>
   </p:cSld>
@@ -4279,7 +7979,11 @@
           <a:p>
             <a:r>
               <a:rPr lang="en-GB" dirty="0" smtClean="0"/>
-              <a:t>Feature engineering</a:t>
+              <a:t>1) Data </a:t>
+            </a:r>
+            <a:r>
+              <a:rPr lang="en-GB" dirty="0" smtClean="0"/>
+              <a:t>exploration</a:t>
             </a:r>
             <a:endParaRPr lang="en-GB" dirty="0"/>
           </a:p>
@@ -4295,19 +7999,101 @@
             <p:ph idx="1"/>
           </p:nvPr>
         </p:nvSpPr>
-        <p:spPr/>
-        <p:txBody>
-          <a:bodyPr/>
-          <a:lstStyle/>
-          <a:p>
-            <a:endParaRPr lang="en-GB" dirty="0"/>
-          </a:p>
-        </p:txBody>
-      </p:sp>
+        <p:spPr>
+          <a:xfrm>
+            <a:off x="6390134" y="1650869"/>
+            <a:ext cx="2296666" cy="4826131"/>
+          </a:xfrm>
+        </p:spPr>
+        <p:txBody>
+          <a:bodyPr>
+            <a:normAutofit/>
+          </a:bodyPr>
+          <a:lstStyle/>
+          <a:p>
+            <a:r>
+              <a:rPr lang="en-GB" sz="1600" dirty="0"/>
+              <a:t>The dataset is unbalanced, with </a:t>
+            </a:r>
+            <a:r>
+              <a:rPr lang="en-GB" sz="1600" dirty="0" smtClean="0"/>
+              <a:t>defaulted loans only </a:t>
+            </a:r>
+            <a:r>
+              <a:rPr lang="en-GB" sz="1600" dirty="0"/>
+              <a:t>accounting for 18.17%.</a:t>
+            </a:r>
+          </a:p>
+          <a:p>
+            <a:endParaRPr lang="en-GB" sz="1600" dirty="0"/>
+          </a:p>
+          <a:p>
+            <a:r>
+              <a:rPr lang="en-GB" sz="1600" dirty="0"/>
+              <a:t>The unbalanced nature of the data will have to be considered when making predictions.</a:t>
+            </a:r>
+            <a:endParaRPr lang="en-GB" sz="1600" dirty="0"/>
+          </a:p>
+        </p:txBody>
+      </p:sp>
+      <p:pic>
+        <p:nvPicPr>
+          <p:cNvPr id="2051" name="Picture 3"/>
+          <p:cNvPicPr>
+            <a:picLocks noChangeAspect="1" noChangeArrowheads="1"/>
+          </p:cNvPicPr>
+          <p:nvPr/>
+        </p:nvPicPr>
+        <p:blipFill>
+          <a:blip r:embed="rId2">
+            <a:extLst>
+              <a:ext uri="{28A0092B-C50C-407E-A947-70E740481C1C}">
+                <a14:useLocalDpi xmlns:a14="http://schemas.microsoft.com/office/drawing/2010/main" val="0"/>
+              </a:ext>
+            </a:extLst>
+          </a:blip>
+          <a:srcRect/>
+          <a:stretch>
+            <a:fillRect/>
+          </a:stretch>
+        </p:blipFill>
+        <p:spPr bwMode="auto">
+          <a:xfrm>
+            <a:off x="467544" y="1650869"/>
+            <a:ext cx="5922590" cy="3636930"/>
+          </a:xfrm>
+          <a:prstGeom prst="rect">
+            <a:avLst/>
+          </a:prstGeom>
+          <a:noFill/>
+          <a:ln>
+            <a:noFill/>
+          </a:ln>
+          <a:extLst>
+            <a:ext uri="{909E8E84-426E-40DD-AFC4-6F175D3DCCD1}">
+              <a14:hiddenFill xmlns:a14="http://schemas.microsoft.com/office/drawing/2010/main">
+                <a:solidFill>
+                  <a:schemeClr val="accent1"/>
+                </a:solidFill>
+              </a14:hiddenFill>
+            </a:ext>
+            <a:ext uri="{91240B29-F687-4F45-9708-019B960494DF}">
+              <a14:hiddenLine xmlns:a14="http://schemas.microsoft.com/office/drawing/2010/main" w="9525">
+                <a:solidFill>
+                  <a:schemeClr val="tx1"/>
+                </a:solidFill>
+                <a:miter lim="800000"/>
+                <a:headEnd/>
+                <a:tailEnd/>
+              </a14:hiddenLine>
+            </a:ext>
+          </a:extLst>
+        </p:spPr>
+      </p:pic>
     </p:spTree>
     <p:extLst>
       <p:ext uri="{BB962C8B-B14F-4D97-AF65-F5344CB8AC3E}">
-        <p14:creationId xmlns:p14="http://schemas.microsoft.com/office/powerpoint/2010/main" val="1350769179"/>
+        <p14:creationId xmlns:p14="http://schemas.microsoft.com/office/powerpoint/2010/main" val="3438069965"/>
       </p:ext>
     </p:extLst>
   </p:cSld>
@@ -4346,14 +8132,16 @@
         </p:nvSpPr>
         <p:spPr/>
         <p:txBody>
-          <a:bodyPr>
-            <a:normAutofit/>
-          </a:bodyPr>
-          <a:lstStyle/>
-          <a:p>
-            <a:r>
-              <a:rPr lang="en-GB" dirty="0" smtClean="0"/>
-              <a:t>Classification</a:t>
+          <a:bodyPr/>
+          <a:lstStyle/>
+          <a:p>
+            <a:r>
+              <a:rPr lang="en-GB" dirty="0" smtClean="0"/>
+              <a:t>1) Data </a:t>
+            </a:r>
+            <a:r>
+              <a:rPr lang="en-GB" dirty="0" smtClean="0"/>
+              <a:t>exploration</a:t>
             </a:r>
             <a:endParaRPr lang="en-GB" dirty="0"/>
           </a:p>
@@ -4378,10 +8166,64 @@
           </a:p>
         </p:txBody>
       </p:sp>
+      <p:pic>
+        <p:nvPicPr>
+          <p:cNvPr id="3075" name="Picture 3"/>
+          <p:cNvPicPr>
+            <a:picLocks noChangeAspect="1" noChangeArrowheads="1"/>
+          </p:cNvPicPr>
+          <p:nvPr/>
+        </p:nvPicPr>
+        <p:blipFill>
+          <a:blip r:embed="rId2">
+            <a:extLst>
+              <a:ext uri="{28A0092B-C50C-407E-A947-70E740481C1C}">
+                <a14:useLocalDpi xmlns:a14="http://schemas.microsoft.com/office/drawing/2010/main" val="0"/>
+              </a:ext>
+            </a:extLst>
+          </a:blip>
+          <a:srcRect/>
+          <a:stretch>
+            <a:fillRect/>
+          </a:stretch>
+        </p:blipFill>
+        <p:spPr bwMode="auto">
+          <a:xfrm>
+            <a:off x="467544" y="1634852"/>
+            <a:ext cx="4648200" cy="3162300"/>
+          </a:xfrm>
+          <a:prstGeom prst="rect">
+            <a:avLst/>
+          </a:prstGeom>
+          <a:noFill/>
+          <a:ln>
+            <a:noFill/>
+          </a:ln>
+          <a:extLst>
+            <a:ext uri="{909E8E84-426E-40DD-AFC4-6F175D3DCCD1}">
+              <a14:hiddenFill xmlns:a14="http://schemas.microsoft.com/office/drawing/2010/main">
+                <a:solidFill>
+                  <a:schemeClr val="accent1"/>
+                </a:solidFill>
+              </a14:hiddenFill>
+            </a:ext>
+            <a:ext uri="{91240B29-F687-4F45-9708-019B960494DF}">
+              <a14:hiddenLine xmlns:a14="http://schemas.microsoft.com/office/drawing/2010/main" w="9525">
+                <a:solidFill>
+                  <a:schemeClr val="tx1"/>
+                </a:solidFill>
+                <a:miter lim="800000"/>
+                <a:headEnd/>
+                <a:tailEnd/>
+              </a14:hiddenLine>
+            </a:ext>
+          </a:extLst>
+        </p:spPr>
+      </p:pic>
     </p:spTree>
     <p:extLst>
       <p:ext uri="{BB962C8B-B14F-4D97-AF65-F5344CB8AC3E}">
-        <p14:creationId xmlns:p14="http://schemas.microsoft.com/office/powerpoint/2010/main" val="1350769179"/>
+        <p14:creationId xmlns:p14="http://schemas.microsoft.com/office/powerpoint/2010/main" val="586772075"/>
       </p:ext>
     </p:extLst>
   </p:cSld>
@@ -4425,7 +8267,11 @@
           <a:p>
             <a:r>
               <a:rPr lang="en-GB" dirty="0" smtClean="0"/>
-              <a:t>Results</a:t>
+              <a:t>1) Data </a:t>
+            </a:r>
+            <a:r>
+              <a:rPr lang="en-GB" dirty="0" smtClean="0"/>
+              <a:t>exploration</a:t>
             </a:r>
             <a:endParaRPr lang="en-GB" dirty="0"/>
           </a:p>
@@ -4450,10 +8296,64 @@
           </a:p>
         </p:txBody>
       </p:sp>
+      <p:pic>
+        <p:nvPicPr>
+          <p:cNvPr id="4099" name="Picture 3"/>
+          <p:cNvPicPr>
+            <a:picLocks noChangeAspect="1" noChangeArrowheads="1"/>
+          </p:cNvPicPr>
+          <p:nvPr/>
+        </p:nvPicPr>
+        <p:blipFill>
+          <a:blip r:embed="rId2">
+            <a:extLst>
+              <a:ext uri="{28A0092B-C50C-407E-A947-70E740481C1C}">
+                <a14:useLocalDpi xmlns:a14="http://schemas.microsoft.com/office/drawing/2010/main" val="0"/>
+              </a:ext>
+            </a:extLst>
+          </a:blip>
+          <a:srcRect/>
+          <a:stretch>
+            <a:fillRect/>
+          </a:stretch>
+        </p:blipFill>
+        <p:spPr bwMode="auto">
+          <a:xfrm>
+            <a:off x="467544" y="1628800"/>
+            <a:ext cx="4600575" cy="2809875"/>
+          </a:xfrm>
+          <a:prstGeom prst="rect">
+            <a:avLst/>
+          </a:prstGeom>
+          <a:noFill/>
+          <a:ln>
+            <a:noFill/>
+          </a:ln>
+          <a:extLst>
+            <a:ext uri="{909E8E84-426E-40DD-AFC4-6F175D3DCCD1}">
+              <a14:hiddenFill xmlns:a14="http://schemas.microsoft.com/office/drawing/2010/main">
+                <a:solidFill>
+                  <a:schemeClr val="accent1"/>
+                </a:solidFill>
+              </a14:hiddenFill>
+            </a:ext>
+            <a:ext uri="{91240B29-F687-4F45-9708-019B960494DF}">
+              <a14:hiddenLine xmlns:a14="http://schemas.microsoft.com/office/drawing/2010/main" w="9525">
+                <a:solidFill>
+                  <a:schemeClr val="tx1"/>
+                </a:solidFill>
+                <a:miter lim="800000"/>
+                <a:headEnd/>
+                <a:tailEnd/>
+              </a14:hiddenLine>
+            </a:ext>
+          </a:extLst>
+        </p:spPr>
+      </p:pic>
     </p:spTree>
     <p:extLst>
       <p:ext uri="{BB962C8B-B14F-4D97-AF65-F5344CB8AC3E}">
-        <p14:creationId xmlns:p14="http://schemas.microsoft.com/office/powerpoint/2010/main" val="1350769179"/>
+        <p14:creationId xmlns:p14="http://schemas.microsoft.com/office/powerpoint/2010/main" val="1492848966"/>
       </p:ext>
     </p:extLst>
   </p:cSld>
@@ -4497,7 +8397,11 @@
           <a:p>
             <a:r>
               <a:rPr lang="en-GB" dirty="0" smtClean="0"/>
-              <a:t>Conclusion</a:t>
+              <a:t>1) Data </a:t>
+            </a:r>
+            <a:r>
+              <a:rPr lang="en-GB" dirty="0" smtClean="0"/>
+              <a:t>exploration</a:t>
             </a:r>
             <a:endParaRPr lang="en-GB" dirty="0"/>
           </a:p>
@@ -4505,7 +8409,7 @@
       </p:sp>
       <p:sp>
         <p:nvSpPr>
-          <p:cNvPr id="3" name="Content Placeholder 2"/>
+          <p:cNvPr id="4" name="Content Placeholder 3"/>
           <p:cNvSpPr>
             <a:spLocks noGrp="1"/>
           </p:cNvSpPr>
@@ -4518,26 +8422,68 @@
           <a:bodyPr/>
           <a:lstStyle/>
           <a:p>
-            <a:r>
-              <a:rPr lang="en-GB" dirty="0"/>
-              <a:t>Limitations</a:t>
-            </a:r>
-          </a:p>
-          <a:p>
-            <a:r>
-              <a:rPr lang="en-GB" dirty="0"/>
-              <a:t>Recommendations</a:t>
-            </a:r>
-          </a:p>
-          <a:p>
-            <a:endParaRPr lang="en-GB" dirty="0"/>
-          </a:p>
-        </p:txBody>
-      </p:sp>
+            <a:endParaRPr lang="en-GB"/>
+          </a:p>
+        </p:txBody>
+      </p:sp>
+      <p:pic>
+        <p:nvPicPr>
+          <p:cNvPr id="5124" name="Picture 4"/>
+          <p:cNvPicPr>
+            <a:picLocks noChangeAspect="1" noChangeArrowheads="1"/>
+          </p:cNvPicPr>
+          <p:nvPr/>
+        </p:nvPicPr>
+        <p:blipFill>
+          <a:blip r:embed="rId2">
+            <a:extLst>
+              <a:ext uri="{28A0092B-C50C-407E-A947-70E740481C1C}">
+                <a14:useLocalDpi xmlns:a14="http://schemas.microsoft.com/office/drawing/2010/main" val="0"/>
+              </a:ext>
+            </a:extLst>
+          </a:blip>
+          <a:srcRect/>
+          <a:stretch>
+            <a:fillRect/>
+          </a:stretch>
+        </p:blipFill>
+        <p:spPr bwMode="auto">
+          <a:xfrm>
+            <a:off x="467544" y="1628800"/>
+            <a:ext cx="4648200" cy="2752725"/>
+          </a:xfrm>
+          <a:prstGeom prst="rect">
+            <a:avLst/>
+          </a:prstGeom>
+          <a:noFill/>
+          <a:ln>
+            <a:noFill/>
+          </a:ln>
+          <a:extLst>
+            <a:ext uri="{909E8E84-426E-40DD-AFC4-6F175D3DCCD1}">
+              <a14:hiddenFill xmlns:a14="http://schemas.microsoft.com/office/drawing/2010/main">
+                <a:solidFill>
+                  <a:schemeClr val="accent1"/>
+                </a:solidFill>
+              </a14:hiddenFill>
+            </a:ext>
+            <a:ext uri="{91240B29-F687-4F45-9708-019B960494DF}">
+              <a14:hiddenLine xmlns:a14="http://schemas.microsoft.com/office/drawing/2010/main" w="9525">
+                <a:solidFill>
+                  <a:schemeClr val="tx1"/>
+                </a:solidFill>
+                <a:miter lim="800000"/>
+                <a:headEnd/>
+                <a:tailEnd/>
+              </a14:hiddenLine>
+            </a:ext>
+          </a:extLst>
+        </p:spPr>
+      </p:pic>
     </p:spTree>
     <p:extLst>
       <p:ext uri="{BB962C8B-B14F-4D97-AF65-F5344CB8AC3E}">
-        <p14:creationId xmlns:p14="http://schemas.microsoft.com/office/powerpoint/2010/main" val="1350769179"/>
+        <p14:creationId xmlns:p14="http://schemas.microsoft.com/office/powerpoint/2010/main" val="2693352788"/>
       </p:ext>
     </p:extLst>
   </p:cSld>
@@ -4581,7 +8527,11 @@
           <a:p>
             <a:r>
               <a:rPr lang="en-GB" dirty="0" smtClean="0"/>
-              <a:t>Appendix</a:t>
+              <a:t>1) Data </a:t>
+            </a:r>
+            <a:r>
+              <a:rPr lang="en-GB" dirty="0" smtClean="0"/>
+              <a:t>exploration</a:t>
             </a:r>
             <a:endParaRPr lang="en-GB" dirty="0"/>
           </a:p>
@@ -4606,10 +8556,64 @@
           </a:p>
         </p:txBody>
       </p:sp>
+      <p:pic>
+        <p:nvPicPr>
+          <p:cNvPr id="6147" name="Picture 3"/>
+          <p:cNvPicPr>
+            <a:picLocks noChangeAspect="1" noChangeArrowheads="1"/>
+          </p:cNvPicPr>
+          <p:nvPr/>
+        </p:nvPicPr>
+        <p:blipFill>
+          <a:blip r:embed="rId2">
+            <a:extLst>
+              <a:ext uri="{28A0092B-C50C-407E-A947-70E740481C1C}">
+                <a14:useLocalDpi xmlns:a14="http://schemas.microsoft.com/office/drawing/2010/main" val="0"/>
+              </a:ext>
+            </a:extLst>
+          </a:blip>
+          <a:srcRect/>
+          <a:stretch>
+            <a:fillRect/>
+          </a:stretch>
+        </p:blipFill>
+        <p:spPr bwMode="auto">
+          <a:xfrm>
+            <a:off x="467544" y="1637416"/>
+            <a:ext cx="4619625" cy="2714625"/>
+          </a:xfrm>
+          <a:prstGeom prst="rect">
+            <a:avLst/>
+          </a:prstGeom>
+          <a:noFill/>
+          <a:ln>
+            <a:noFill/>
+          </a:ln>
+          <a:extLst>
+            <a:ext uri="{909E8E84-426E-40DD-AFC4-6F175D3DCCD1}">
+              <a14:hiddenFill xmlns:a14="http://schemas.microsoft.com/office/drawing/2010/main">
+                <a:solidFill>
+                  <a:schemeClr val="accent1"/>
+                </a:solidFill>
+              </a14:hiddenFill>
+            </a:ext>
+            <a:ext uri="{91240B29-F687-4F45-9708-019B960494DF}">
+              <a14:hiddenLine xmlns:a14="http://schemas.microsoft.com/office/drawing/2010/main" w="9525">
+                <a:solidFill>
+                  <a:schemeClr val="tx1"/>
+                </a:solidFill>
+                <a:miter lim="800000"/>
+                <a:headEnd/>
+                <a:tailEnd/>
+              </a14:hiddenLine>
+            </a:ext>
+          </a:extLst>
+        </p:spPr>
+      </p:pic>
     </p:spTree>
     <p:extLst>
       <p:ext uri="{BB962C8B-B14F-4D97-AF65-F5344CB8AC3E}">
-        <p14:creationId xmlns:p14="http://schemas.microsoft.com/office/powerpoint/2010/main" val="1350769179"/>
+        <p14:creationId xmlns:p14="http://schemas.microsoft.com/office/powerpoint/2010/main" val="2693352788"/>
       </p:ext>
     </p:extLst>
   </p:cSld>

--- a/LG presentation.pptx
+++ b/LG presentation.pptx
@@ -5,13 +5,13 @@
     <p:sldMasterId id="2147483768" r:id="rId1"/>
   </p:sldMasterIdLst>
   <p:notesMasterIdLst>
-    <p:notesMasterId r:id="rId31"/>
+    <p:notesMasterId r:id="rId36"/>
   </p:notesMasterIdLst>
   <p:sldIdLst>
     <p:sldId id="256" r:id="rId2"/>
-    <p:sldId id="265" r:id="rId3"/>
-    <p:sldId id="257" r:id="rId4"/>
-    <p:sldId id="258" r:id="rId5"/>
+    <p:sldId id="258" r:id="rId3"/>
+    <p:sldId id="265" r:id="rId4"/>
+    <p:sldId id="257" r:id="rId5"/>
     <p:sldId id="259" r:id="rId6"/>
     <p:sldId id="266" r:id="rId7"/>
     <p:sldId id="269" r:id="rId8"/>
@@ -19,24 +19,29 @@
     <p:sldId id="272" r:id="rId10"/>
     <p:sldId id="273" r:id="rId11"/>
     <p:sldId id="270" r:id="rId12"/>
-    <p:sldId id="260" r:id="rId13"/>
-    <p:sldId id="274" r:id="rId14"/>
-    <p:sldId id="275" r:id="rId15"/>
-    <p:sldId id="276" r:id="rId16"/>
-    <p:sldId id="277" r:id="rId17"/>
-    <p:sldId id="278" r:id="rId18"/>
-    <p:sldId id="279" r:id="rId19"/>
-    <p:sldId id="281" r:id="rId20"/>
-    <p:sldId id="282" r:id="rId21"/>
-    <p:sldId id="283" r:id="rId22"/>
-    <p:sldId id="280" r:id="rId23"/>
-    <p:sldId id="261" r:id="rId24"/>
-    <p:sldId id="284" r:id="rId25"/>
-    <p:sldId id="285" r:id="rId26"/>
-    <p:sldId id="263" r:id="rId27"/>
-    <p:sldId id="286" r:id="rId28"/>
-    <p:sldId id="264" r:id="rId29"/>
-    <p:sldId id="262" r:id="rId30"/>
+    <p:sldId id="289" r:id="rId13"/>
+    <p:sldId id="260" r:id="rId14"/>
+    <p:sldId id="274" r:id="rId15"/>
+    <p:sldId id="275" r:id="rId16"/>
+    <p:sldId id="276" r:id="rId17"/>
+    <p:sldId id="277" r:id="rId18"/>
+    <p:sldId id="278" r:id="rId19"/>
+    <p:sldId id="279" r:id="rId20"/>
+    <p:sldId id="281" r:id="rId21"/>
+    <p:sldId id="282" r:id="rId22"/>
+    <p:sldId id="283" r:id="rId23"/>
+    <p:sldId id="280" r:id="rId24"/>
+    <p:sldId id="261" r:id="rId25"/>
+    <p:sldId id="290" r:id="rId26"/>
+    <p:sldId id="284" r:id="rId27"/>
+    <p:sldId id="285" r:id="rId28"/>
+    <p:sldId id="287" r:id="rId29"/>
+    <p:sldId id="288" r:id="rId30"/>
+    <p:sldId id="263" r:id="rId31"/>
+    <p:sldId id="286" r:id="rId32"/>
+    <p:sldId id="264" r:id="rId33"/>
+    <p:sldId id="291" r:id="rId34"/>
+    <p:sldId id="262" r:id="rId35"/>
   </p:sldIdLst>
   <p:sldSz cx="9144000" cy="6858000" type="screen4x3"/>
   <p:notesSz cx="6858000" cy="9144000"/>
@@ -220,7 +225,7 @@
           <a:p>
             <a:fld id="{E778FFA8-9D70-436C-9F20-174F839EDCF6}" type="datetimeFigureOut">
               <a:rPr lang="en-GB" smtClean="0"/>
-              <a:t>02/11/2017</a:t>
+              <a:t>03/11/2017</a:t>
             </a:fld>
             <a:endParaRPr lang="en-GB"/>
           </a:p>
@@ -532,29 +537,6 @@
           <a:bodyPr/>
           <a:lstStyle/>
           <a:p>
-            <a:pPr marL="0" marR="0" indent="0" algn="l" defTabSz="914400" rtl="0" eaLnBrk="1" fontAlgn="auto" latinLnBrk="0" hangingPunct="1">
-              <a:lnSpc>
-                <a:spcPct val="100000"/>
-              </a:lnSpc>
-              <a:spcBef>
-                <a:spcPts val="0"/>
-              </a:spcBef>
-              <a:spcAft>
-                <a:spcPts val="0"/>
-              </a:spcAft>
-              <a:buClrTx/>
-              <a:buSzTx/>
-              <a:buFontTx/>
-              <a:buNone/>
-              <a:tabLst/>
-              <a:defRPr/>
-            </a:pPr>
-            <a:r>
-              <a:rPr lang="en-GB" sz="1200" dirty="0" smtClean="0"/>
-              <a:t>The data contains rows of customers, with each column showing the features for loan applications that have been approved, together with outcomes of the loans (in the final column).  The outcomes show that each customer has either defaulted or completed their loan.  </a:t>
-            </a:r>
-          </a:p>
-          <a:p>
             <a:endParaRPr lang="en-GB" dirty="0"/>
           </a:p>
         </p:txBody>
@@ -576,7 +558,7 @@
           <a:p>
             <a:fld id="{5909DF50-1DBA-4A2C-A904-287F3A0D22EA}" type="slidenum">
               <a:rPr lang="en-GB" smtClean="0"/>
-              <a:t>2</a:t>
+              <a:t>1</a:t>
             </a:fld>
             <a:endParaRPr lang="en-GB"/>
           </a:p>
@@ -585,7 +567,7 @@
     </p:spTree>
     <p:extLst>
       <p:ext uri="{BB962C8B-B14F-4D97-AF65-F5344CB8AC3E}">
-        <p14:creationId xmlns:p14="http://schemas.microsoft.com/office/powerpoint/2010/main" val="345350375"/>
+        <p14:creationId xmlns:p14="http://schemas.microsoft.com/office/powerpoint/2010/main" val="4188088111"/>
       </p:ext>
     </p:extLst>
   </p:cSld>
@@ -638,6 +620,29 @@
         <p:txBody>
           <a:bodyPr/>
           <a:lstStyle/>
+          <a:p>
+            <a:pPr marL="0" marR="0" indent="0" algn="l" defTabSz="914400" rtl="0" eaLnBrk="1" fontAlgn="auto" latinLnBrk="0" hangingPunct="1">
+              <a:lnSpc>
+                <a:spcPct val="100000"/>
+              </a:lnSpc>
+              <a:spcBef>
+                <a:spcPts val="0"/>
+              </a:spcBef>
+              <a:spcAft>
+                <a:spcPts val="0"/>
+              </a:spcAft>
+              <a:buClrTx/>
+              <a:buSzTx/>
+              <a:buFontTx/>
+              <a:buNone/>
+              <a:tabLst/>
+              <a:defRPr/>
+            </a:pPr>
+            <a:r>
+              <a:rPr lang="en-GB" sz="1200" dirty="0" smtClean="0"/>
+              <a:t>The data contains rows of customers, with each column showing the features for loan applications that have been approved, together with outcomes of the loans (in the final column).  The outcomes show that each customer has either defaulted or completed their loan.  </a:t>
+            </a:r>
+          </a:p>
           <a:p>
             <a:endParaRPr lang="en-GB" dirty="0"/>
           </a:p>
@@ -723,50 +728,6 @@
           <a:bodyPr/>
           <a:lstStyle/>
           <a:p>
-            <a:r>
-              <a:rPr lang="en-GB" sz="1200" dirty="0" smtClean="0"/>
-              <a:t>The dataset is unbalanced, with bad loans accounting for only a small portion of the total number of loans. Due to this class imbalance, model accuracy will be assessed the Area Under the Curve (AUC).</a:t>
-            </a:r>
-          </a:p>
-          <a:p>
-            <a:r>
-              <a:rPr lang="en-GB" sz="1200" dirty="0" smtClean="0"/>
-              <a:t>A receiver operating characteristic curve or ROC curve is a graph plotting the true positive rate against the false positive rate at different thresholds. It indicates how well a classifier can discriminate positive and negative instances and identify the best threshold for discriminating them. The curve is created by plotting the true positive rate (TPR) against the false positive rate (FPR) at various threshold settings.</a:t>
-            </a:r>
-          </a:p>
-          <a:p>
-            <a:r>
-              <a:rPr lang="en-GB" sz="1200" dirty="0" smtClean="0"/>
-              <a:t> </a:t>
-            </a:r>
-          </a:p>
-          <a:p>
-            <a:pPr lvl="0"/>
-            <a:r>
-              <a:rPr lang="en-GB" sz="1200" dirty="0" smtClean="0"/>
-              <a:t>TPR (also called Recall or Sensitivity) = sum total positives/sum of condition positive</a:t>
-            </a:r>
-          </a:p>
-          <a:p>
-            <a:pPr lvl="0"/>
-            <a:r>
-              <a:rPr lang="en-GB" sz="1200" dirty="0" smtClean="0"/>
-              <a:t>FPR (also called Fall-out) = sum of false positives/sum of condition negative</a:t>
-            </a:r>
-          </a:p>
-          <a:p>
-            <a:r>
-              <a:rPr lang="en-GB" sz="1200" dirty="0" smtClean="0"/>
-              <a:t> </a:t>
-            </a:r>
-          </a:p>
-          <a:p>
-            <a:r>
-              <a:rPr lang="en-GB" sz="1200" dirty="0" smtClean="0"/>
-              <a:t>The area under the curve (AUC) is equal to the probability that a classifier will rank a randomly chosen positive instance higher than a randomly chosen negative one.</a:t>
-            </a:r>
-          </a:p>
-          <a:p>
             <a:endParaRPr lang="en-GB" dirty="0"/>
           </a:p>
         </p:txBody>
@@ -788,7 +749,7 @@
           <a:p>
             <a:fld id="{5909DF50-1DBA-4A2C-A904-287F3A0D22EA}" type="slidenum">
               <a:rPr lang="en-GB" smtClean="0"/>
-              <a:t>26</a:t>
+              <a:t>4</a:t>
             </a:fld>
             <a:endParaRPr lang="en-GB"/>
           </a:p>
@@ -797,7 +758,7 @@
     </p:spTree>
     <p:extLst>
       <p:ext uri="{BB962C8B-B14F-4D97-AF65-F5344CB8AC3E}">
-        <p14:creationId xmlns:p14="http://schemas.microsoft.com/office/powerpoint/2010/main" val="233876890"/>
+        <p14:creationId xmlns:p14="http://schemas.microsoft.com/office/powerpoint/2010/main" val="345350375"/>
       </p:ext>
     </p:extLst>
   </p:cSld>
@@ -851,6 +812,317 @@
           <a:bodyPr/>
           <a:lstStyle/>
           <a:p>
+            <a:r>
+              <a:rPr lang="en-GB" dirty="0" smtClean="0"/>
+              <a:t>The AUC</a:t>
+            </a:r>
+            <a:r>
+              <a:rPr lang="en-GB" baseline="0" dirty="0" smtClean="0"/>
+              <a:t> score </a:t>
+            </a:r>
+            <a:r>
+              <a:rPr lang="en-GB" dirty="0" smtClean="0"/>
+              <a:t>equals the probability that a randomly chosen positive example ranks above (is deemed to have a higher probability of being positive than) a randomly chosen negative example.</a:t>
+            </a:r>
+            <a:endParaRPr lang="en-GB" dirty="0"/>
+          </a:p>
+        </p:txBody>
+      </p:sp>
+      <p:sp>
+        <p:nvSpPr>
+          <p:cNvPr id="4" name="Slide Number Placeholder 3"/>
+          <p:cNvSpPr>
+            <a:spLocks noGrp="1"/>
+          </p:cNvSpPr>
+          <p:nvPr>
+            <p:ph type="sldNum" sz="quarter" idx="10"/>
+          </p:nvPr>
+        </p:nvSpPr>
+        <p:spPr/>
+        <p:txBody>
+          <a:bodyPr/>
+          <a:lstStyle/>
+          <a:p>
+            <a:fld id="{5909DF50-1DBA-4A2C-A904-287F3A0D22EA}" type="slidenum">
+              <a:rPr lang="en-GB" smtClean="0"/>
+              <a:t>25</a:t>
+            </a:fld>
+            <a:endParaRPr lang="en-GB"/>
+          </a:p>
+        </p:txBody>
+      </p:sp>
+    </p:spTree>
+    <p:extLst>
+      <p:ext uri="{BB962C8B-B14F-4D97-AF65-F5344CB8AC3E}">
+        <p14:creationId xmlns:p14="http://schemas.microsoft.com/office/powerpoint/2010/main" val="233876890"/>
+      </p:ext>
+    </p:extLst>
+  </p:cSld>
+  <p:clrMapOvr>
+    <a:masterClrMapping/>
+  </p:clrMapOvr>
+</p:notes>
+</file>
+
+<file path=ppt/notesSlides/notesSlide5.xml><?xml version="1.0" encoding="utf-8"?>
+<p:notes xmlns:a="http://schemas.openxmlformats.org/drawingml/2006/main" xmlns:r="http://schemas.openxmlformats.org/officeDocument/2006/relationships" xmlns:p="http://schemas.openxmlformats.org/presentationml/2006/main">
+  <p:cSld>
+    <p:spTree>
+      <p:nvGrpSpPr>
+        <p:cNvPr id="1" name=""/>
+        <p:cNvGrpSpPr/>
+        <p:nvPr/>
+      </p:nvGrpSpPr>
+      <p:grpSpPr>
+        <a:xfrm>
+          <a:off x="0" y="0"/>
+          <a:ext cx="0" cy="0"/>
+          <a:chOff x="0" y="0"/>
+          <a:chExt cx="0" cy="0"/>
+        </a:xfrm>
+      </p:grpSpPr>
+      <p:sp>
+        <p:nvSpPr>
+          <p:cNvPr id="2" name="Slide Image Placeholder 1"/>
+          <p:cNvSpPr>
+            <a:spLocks noGrp="1" noRot="1" noChangeAspect="1"/>
+          </p:cNvSpPr>
+          <p:nvPr>
+            <p:ph type="sldImg"/>
+          </p:nvPr>
+        </p:nvSpPr>
+        <p:spPr/>
+      </p:sp>
+      <p:sp>
+        <p:nvSpPr>
+          <p:cNvPr id="3" name="Notes Placeholder 2"/>
+          <p:cNvSpPr>
+            <a:spLocks noGrp="1"/>
+          </p:cNvSpPr>
+          <p:nvPr>
+            <p:ph type="body" idx="1"/>
+          </p:nvPr>
+        </p:nvSpPr>
+        <p:spPr/>
+        <p:txBody>
+          <a:bodyPr/>
+          <a:lstStyle/>
+          <a:p>
+            <a:endParaRPr lang="en-GB" dirty="0"/>
+          </a:p>
+        </p:txBody>
+      </p:sp>
+      <p:sp>
+        <p:nvSpPr>
+          <p:cNvPr id="4" name="Slide Number Placeholder 3"/>
+          <p:cNvSpPr>
+            <a:spLocks noGrp="1"/>
+          </p:cNvSpPr>
+          <p:nvPr>
+            <p:ph type="sldNum" sz="quarter" idx="10"/>
+          </p:nvPr>
+        </p:nvSpPr>
+        <p:spPr/>
+        <p:txBody>
+          <a:bodyPr/>
+          <a:lstStyle/>
+          <a:p>
+            <a:fld id="{5909DF50-1DBA-4A2C-A904-287F3A0D22EA}" type="slidenum">
+              <a:rPr lang="en-GB" smtClean="0"/>
+              <a:t>29</a:t>
+            </a:fld>
+            <a:endParaRPr lang="en-GB"/>
+          </a:p>
+        </p:txBody>
+      </p:sp>
+    </p:spTree>
+    <p:extLst>
+      <p:ext uri="{BB962C8B-B14F-4D97-AF65-F5344CB8AC3E}">
+        <p14:creationId xmlns:p14="http://schemas.microsoft.com/office/powerpoint/2010/main" val="233876890"/>
+      </p:ext>
+    </p:extLst>
+  </p:cSld>
+  <p:clrMapOvr>
+    <a:masterClrMapping/>
+  </p:clrMapOvr>
+</p:notes>
+</file>
+
+<file path=ppt/notesSlides/notesSlide6.xml><?xml version="1.0" encoding="utf-8"?>
+<p:notes xmlns:a="http://schemas.openxmlformats.org/drawingml/2006/main" xmlns:r="http://schemas.openxmlformats.org/officeDocument/2006/relationships" xmlns:p="http://schemas.openxmlformats.org/presentationml/2006/main">
+  <p:cSld>
+    <p:spTree>
+      <p:nvGrpSpPr>
+        <p:cNvPr id="1" name=""/>
+        <p:cNvGrpSpPr/>
+        <p:nvPr/>
+      </p:nvGrpSpPr>
+      <p:grpSpPr>
+        <a:xfrm>
+          <a:off x="0" y="0"/>
+          <a:ext cx="0" cy="0"/>
+          <a:chOff x="0" y="0"/>
+          <a:chExt cx="0" cy="0"/>
+        </a:xfrm>
+      </p:grpSpPr>
+      <p:sp>
+        <p:nvSpPr>
+          <p:cNvPr id="2" name="Slide Image Placeholder 1"/>
+          <p:cNvSpPr>
+            <a:spLocks noGrp="1" noRot="1" noChangeAspect="1"/>
+          </p:cNvSpPr>
+          <p:nvPr>
+            <p:ph type="sldImg"/>
+          </p:nvPr>
+        </p:nvSpPr>
+        <p:spPr/>
+      </p:sp>
+      <p:sp>
+        <p:nvSpPr>
+          <p:cNvPr id="3" name="Notes Placeholder 2"/>
+          <p:cNvSpPr>
+            <a:spLocks noGrp="1"/>
+          </p:cNvSpPr>
+          <p:nvPr>
+            <p:ph type="body" idx="1"/>
+          </p:nvPr>
+        </p:nvSpPr>
+        <p:spPr/>
+        <p:txBody>
+          <a:bodyPr/>
+          <a:lstStyle/>
+          <a:p>
+            <a:r>
+              <a:rPr lang="en-GB" sz="1200" dirty="0" smtClean="0"/>
+              <a:t>The dataset is unbalanced, with bad loans accounting for only a small portion of the total number of loans. Due to this class imbalance, model accuracy will be assessed the Area Under the Curve (AUC).</a:t>
+            </a:r>
+          </a:p>
+          <a:p>
+            <a:endParaRPr lang="en-GB" sz="1200" dirty="0" smtClean="0"/>
+          </a:p>
+          <a:p>
+            <a:r>
+              <a:rPr lang="en-GB" sz="1200" dirty="0" smtClean="0"/>
+              <a:t>A receiver operating characteristic curve or ROC curve is a graph plotting the true positive rate against the false positive rate at different thresholds. It indicates how well a classifier can discriminate positive and negative instances and identify the best threshold for discriminating them. The curve is created by plotting the true positive rate (TPR) against the false positive rate (FPR) at various threshold settings.</a:t>
+            </a:r>
+          </a:p>
+          <a:p>
+            <a:r>
+              <a:rPr lang="en-GB" sz="1200" dirty="0" smtClean="0"/>
+              <a:t> </a:t>
+            </a:r>
+          </a:p>
+          <a:p>
+            <a:pPr lvl="0"/>
+            <a:r>
+              <a:rPr lang="en-GB" sz="1200" dirty="0" smtClean="0"/>
+              <a:t>TPR (also called Recall or Sensitivity) = sum total positives/sum of condition positive</a:t>
+            </a:r>
+          </a:p>
+          <a:p>
+            <a:pPr lvl="0"/>
+            <a:r>
+              <a:rPr lang="en-GB" sz="1200" dirty="0" smtClean="0"/>
+              <a:t>FPR (also called Fall-out) = sum of false positives/sum of condition negative</a:t>
+            </a:r>
+          </a:p>
+          <a:p>
+            <a:r>
+              <a:rPr lang="en-GB" sz="1200" dirty="0" smtClean="0"/>
+              <a:t> </a:t>
+            </a:r>
+          </a:p>
+          <a:p>
+            <a:r>
+              <a:rPr lang="en-GB" sz="1200" dirty="0" smtClean="0"/>
+              <a:t>The area under the curve (AUC) is equal to the probability that a classifier will rank a randomly chosen positive instance higher than a randomly chosen negative one.</a:t>
+            </a:r>
+          </a:p>
+          <a:p>
+            <a:endParaRPr lang="en-GB" dirty="0"/>
+          </a:p>
+        </p:txBody>
+      </p:sp>
+      <p:sp>
+        <p:nvSpPr>
+          <p:cNvPr id="4" name="Slide Number Placeholder 3"/>
+          <p:cNvSpPr>
+            <a:spLocks noGrp="1"/>
+          </p:cNvSpPr>
+          <p:nvPr>
+            <p:ph type="sldNum" sz="quarter" idx="10"/>
+          </p:nvPr>
+        </p:nvSpPr>
+        <p:spPr/>
+        <p:txBody>
+          <a:bodyPr/>
+          <a:lstStyle/>
+          <a:p>
+            <a:fld id="{5909DF50-1DBA-4A2C-A904-287F3A0D22EA}" type="slidenum">
+              <a:rPr lang="en-GB" smtClean="0"/>
+              <a:t>30</a:t>
+            </a:fld>
+            <a:endParaRPr lang="en-GB"/>
+          </a:p>
+        </p:txBody>
+      </p:sp>
+    </p:spTree>
+    <p:extLst>
+      <p:ext uri="{BB962C8B-B14F-4D97-AF65-F5344CB8AC3E}">
+        <p14:creationId xmlns:p14="http://schemas.microsoft.com/office/powerpoint/2010/main" val="233876890"/>
+      </p:ext>
+    </p:extLst>
+  </p:cSld>
+  <p:clrMapOvr>
+    <a:masterClrMapping/>
+  </p:clrMapOvr>
+</p:notes>
+</file>
+
+<file path=ppt/notesSlides/notesSlide7.xml><?xml version="1.0" encoding="utf-8"?>
+<p:notes xmlns:a="http://schemas.openxmlformats.org/drawingml/2006/main" xmlns:r="http://schemas.openxmlformats.org/officeDocument/2006/relationships" xmlns:p="http://schemas.openxmlformats.org/presentationml/2006/main">
+  <p:cSld>
+    <p:spTree>
+      <p:nvGrpSpPr>
+        <p:cNvPr id="1" name=""/>
+        <p:cNvGrpSpPr/>
+        <p:nvPr/>
+      </p:nvGrpSpPr>
+      <p:grpSpPr>
+        <a:xfrm>
+          <a:off x="0" y="0"/>
+          <a:ext cx="0" cy="0"/>
+          <a:chOff x="0" y="0"/>
+          <a:chExt cx="0" cy="0"/>
+        </a:xfrm>
+      </p:grpSpPr>
+      <p:sp>
+        <p:nvSpPr>
+          <p:cNvPr id="2" name="Slide Image Placeholder 1"/>
+          <p:cNvSpPr>
+            <a:spLocks noGrp="1" noRot="1" noChangeAspect="1"/>
+          </p:cNvSpPr>
+          <p:nvPr>
+            <p:ph type="sldImg"/>
+          </p:nvPr>
+        </p:nvSpPr>
+        <p:spPr/>
+      </p:sp>
+      <p:sp>
+        <p:nvSpPr>
+          <p:cNvPr id="3" name="Notes Placeholder 2"/>
+          <p:cNvSpPr>
+            <a:spLocks noGrp="1"/>
+          </p:cNvSpPr>
+          <p:nvPr>
+            <p:ph type="body" idx="1"/>
+          </p:nvPr>
+        </p:nvSpPr>
+        <p:spPr/>
+        <p:txBody>
+          <a:bodyPr/>
+          <a:lstStyle/>
+          <a:p>
             <a:pPr marL="0" indent="0">
               <a:buFont typeface="Arial" panose="020B0604020202020204" pitchFamily="34" charset="0"/>
               <a:buNone/>
@@ -916,7 +1188,7 @@
           <a:p>
             <a:fld id="{5909DF50-1DBA-4A2C-A904-287F3A0D22EA}" type="slidenum">
               <a:rPr lang="en-GB" smtClean="0"/>
-              <a:t>27</a:t>
+              <a:t>31</a:t>
             </a:fld>
             <a:endParaRPr lang="en-GB"/>
           </a:p>
@@ -926,6 +1198,90 @@
     <p:extLst>
       <p:ext uri="{BB962C8B-B14F-4D97-AF65-F5344CB8AC3E}">
         <p14:creationId xmlns:p14="http://schemas.microsoft.com/office/powerpoint/2010/main" val="851640235"/>
+      </p:ext>
+    </p:extLst>
+  </p:cSld>
+  <p:clrMapOvr>
+    <a:masterClrMapping/>
+  </p:clrMapOvr>
+</p:notes>
+</file>
+
+<file path=ppt/notesSlides/notesSlide8.xml><?xml version="1.0" encoding="utf-8"?>
+<p:notes xmlns:a="http://schemas.openxmlformats.org/drawingml/2006/main" xmlns:r="http://schemas.openxmlformats.org/officeDocument/2006/relationships" xmlns:p="http://schemas.openxmlformats.org/presentationml/2006/main">
+  <p:cSld>
+    <p:spTree>
+      <p:nvGrpSpPr>
+        <p:cNvPr id="1" name=""/>
+        <p:cNvGrpSpPr/>
+        <p:nvPr/>
+      </p:nvGrpSpPr>
+      <p:grpSpPr>
+        <a:xfrm>
+          <a:off x="0" y="0"/>
+          <a:ext cx="0" cy="0"/>
+          <a:chOff x="0" y="0"/>
+          <a:chExt cx="0" cy="0"/>
+        </a:xfrm>
+      </p:grpSpPr>
+      <p:sp>
+        <p:nvSpPr>
+          <p:cNvPr id="2" name="Slide Image Placeholder 1"/>
+          <p:cNvSpPr>
+            <a:spLocks noGrp="1" noRot="1" noChangeAspect="1"/>
+          </p:cNvSpPr>
+          <p:nvPr>
+            <p:ph type="sldImg"/>
+          </p:nvPr>
+        </p:nvSpPr>
+        <p:spPr/>
+      </p:sp>
+      <p:sp>
+        <p:nvSpPr>
+          <p:cNvPr id="3" name="Notes Placeholder 2"/>
+          <p:cNvSpPr>
+            <a:spLocks noGrp="1"/>
+          </p:cNvSpPr>
+          <p:nvPr>
+            <p:ph type="body" idx="1"/>
+          </p:nvPr>
+        </p:nvSpPr>
+        <p:spPr/>
+        <p:txBody>
+          <a:bodyPr/>
+          <a:lstStyle/>
+          <a:p>
+            <a:endParaRPr lang="en-GB" dirty="0"/>
+          </a:p>
+        </p:txBody>
+      </p:sp>
+      <p:sp>
+        <p:nvSpPr>
+          <p:cNvPr id="4" name="Slide Number Placeholder 3"/>
+          <p:cNvSpPr>
+            <a:spLocks noGrp="1"/>
+          </p:cNvSpPr>
+          <p:nvPr>
+            <p:ph type="sldNum" sz="quarter" idx="10"/>
+          </p:nvPr>
+        </p:nvSpPr>
+        <p:spPr/>
+        <p:txBody>
+          <a:bodyPr/>
+          <a:lstStyle/>
+          <a:p>
+            <a:fld id="{5909DF50-1DBA-4A2C-A904-287F3A0D22EA}" type="slidenum">
+              <a:rPr lang="en-GB" smtClean="0"/>
+              <a:t>34</a:t>
+            </a:fld>
+            <a:endParaRPr lang="en-GB"/>
+          </a:p>
+        </p:txBody>
+      </p:sp>
+    </p:spTree>
+    <p:extLst>
+      <p:ext uri="{BB962C8B-B14F-4D97-AF65-F5344CB8AC3E}">
+        <p14:creationId xmlns:p14="http://schemas.microsoft.com/office/powerpoint/2010/main" val="4260130650"/>
       </p:ext>
     </p:extLst>
   </p:cSld>
@@ -1123,7 +1479,7 @@
           <a:p>
             <a:fld id="{366B98E0-C345-4B94-BDD0-D671FFE88784}" type="datetimeFigureOut">
               <a:rPr lang="en-GB" smtClean="0"/>
-              <a:t>02/11/2017</a:t>
+              <a:t>03/11/2017</a:t>
             </a:fld>
             <a:endParaRPr lang="en-GB"/>
           </a:p>
@@ -1323,7 +1679,7 @@
           <a:p>
             <a:fld id="{366B98E0-C345-4B94-BDD0-D671FFE88784}" type="datetimeFigureOut">
               <a:rPr lang="en-GB" smtClean="0"/>
-              <a:t>02/11/2017</a:t>
+              <a:t>03/11/2017</a:t>
             </a:fld>
             <a:endParaRPr lang="en-GB"/>
           </a:p>
@@ -1498,7 +1854,7 @@
           <a:p>
             <a:fld id="{366B98E0-C345-4B94-BDD0-D671FFE88784}" type="datetimeFigureOut">
               <a:rPr lang="en-GB" smtClean="0"/>
-              <a:t>02/11/2017</a:t>
+              <a:t>03/11/2017</a:t>
             </a:fld>
             <a:endParaRPr lang="en-GB"/>
           </a:p>
@@ -1663,7 +2019,7 @@
           <a:p>
             <a:fld id="{366B98E0-C345-4B94-BDD0-D671FFE88784}" type="datetimeFigureOut">
               <a:rPr lang="en-GB" smtClean="0"/>
-              <a:t>02/11/2017</a:t>
+              <a:t>03/11/2017</a:t>
             </a:fld>
             <a:endParaRPr lang="en-GB"/>
           </a:p>
@@ -1911,7 +2267,7 @@
           <a:p>
             <a:fld id="{366B98E0-C345-4B94-BDD0-D671FFE88784}" type="datetimeFigureOut">
               <a:rPr lang="en-GB" smtClean="0"/>
-              <a:t>02/11/2017</a:t>
+              <a:t>03/11/2017</a:t>
             </a:fld>
             <a:endParaRPr lang="en-GB"/>
           </a:p>
@@ -2229,7 +2585,7 @@
           <a:p>
             <a:fld id="{366B98E0-C345-4B94-BDD0-D671FFE88784}" type="datetimeFigureOut">
               <a:rPr lang="en-GB" smtClean="0"/>
-              <a:t>02/11/2017</a:t>
+              <a:t>03/11/2017</a:t>
             </a:fld>
             <a:endParaRPr lang="en-GB"/>
           </a:p>
@@ -2695,7 +3051,7 @@
           <a:p>
             <a:fld id="{366B98E0-C345-4B94-BDD0-D671FFE88784}" type="datetimeFigureOut">
               <a:rPr lang="en-GB" smtClean="0"/>
-              <a:t>02/11/2017</a:t>
+              <a:t>03/11/2017</a:t>
             </a:fld>
             <a:endParaRPr lang="en-GB"/>
           </a:p>
@@ -2843,7 +3199,7 @@
           <a:p>
             <a:fld id="{366B98E0-C345-4B94-BDD0-D671FFE88784}" type="datetimeFigureOut">
               <a:rPr lang="en-GB" smtClean="0"/>
-              <a:t>02/11/2017</a:t>
+              <a:t>03/11/2017</a:t>
             </a:fld>
             <a:endParaRPr lang="en-GB"/>
           </a:p>
@@ -2933,7 +3289,7 @@
           <a:p>
             <a:fld id="{366B98E0-C345-4B94-BDD0-D671FFE88784}" type="datetimeFigureOut">
               <a:rPr lang="en-GB" smtClean="0"/>
-              <a:t>02/11/2017</a:t>
+              <a:t>03/11/2017</a:t>
             </a:fld>
             <a:endParaRPr lang="en-GB"/>
           </a:p>
@@ -3207,7 +3563,7 @@
           <a:p>
             <a:fld id="{366B98E0-C345-4B94-BDD0-D671FFE88784}" type="datetimeFigureOut">
               <a:rPr lang="en-GB" smtClean="0"/>
-              <a:t>02/11/2017</a:t>
+              <a:t>03/11/2017</a:t>
             </a:fld>
             <a:endParaRPr lang="en-GB"/>
           </a:p>
@@ -3512,7 +3868,7 @@
           <a:p>
             <a:fld id="{366B98E0-C345-4B94-BDD0-D671FFE88784}" type="datetimeFigureOut">
               <a:rPr lang="en-GB" smtClean="0"/>
-              <a:t>02/11/2017</a:t>
+              <a:t>03/11/2017</a:t>
             </a:fld>
             <a:endParaRPr lang="en-GB"/>
           </a:p>
@@ -3810,7 +4166,7 @@
           <a:p>
             <a:fld id="{366B98E0-C345-4B94-BDD0-D671FFE88784}" type="datetimeFigureOut">
               <a:rPr lang="en-GB" smtClean="0"/>
-              <a:t>02/11/2017</a:t>
+              <a:t>03/11/2017</a:t>
             </a:fld>
             <a:endParaRPr lang="en-GB"/>
           </a:p>
@@ -4233,10 +4589,6 @@
               <a:rPr lang="en-GB" sz="4000" dirty="0" smtClean="0"/>
               <a:t>Loan defaults</a:t>
             </a:r>
-            <a:r>
-              <a:rPr lang="en-GB" sz="4000" dirty="0" smtClean="0"/>
-              <a:t/>
-            </a:r>
             <a:br>
               <a:rPr lang="en-GB" sz="4000" dirty="0" smtClean="0"/>
             </a:br>
@@ -4324,43 +4676,19 @@
           <a:p>
             <a:r>
               <a:rPr lang="en-GB" dirty="0" smtClean="0"/>
-              <a:t>1) Data </a:t>
+              <a:t>Data </a:t>
             </a:r>
             <a:r>
               <a:rPr lang="en-GB" dirty="0" smtClean="0"/>
               <a:t>exploration</a:t>
             </a:r>
-            <a:endParaRPr lang="en-GB" dirty="0"/>
-          </a:p>
-        </p:txBody>
-      </p:sp>
-      <p:sp>
-        <p:nvSpPr>
-          <p:cNvPr id="3" name="Content Placeholder 2"/>
-          <p:cNvSpPr>
-            <a:spLocks noGrp="1"/>
-          </p:cNvSpPr>
-          <p:nvPr>
-            <p:ph idx="1"/>
-          </p:nvPr>
-        </p:nvSpPr>
-        <p:spPr>
-          <a:xfrm>
-            <a:off x="467544" y="1642674"/>
-            <a:ext cx="8229600" cy="4876800"/>
-          </a:xfrm>
-        </p:spPr>
-        <p:txBody>
-          <a:bodyPr/>
-          <a:lstStyle/>
-          <a:p>
             <a:endParaRPr lang="en-GB" dirty="0"/>
           </a:p>
         </p:txBody>
       </p:sp>
       <p:pic>
         <p:nvPicPr>
-          <p:cNvPr id="7171" name="Picture 3"/>
+          <p:cNvPr id="11266" name="Picture 2"/>
           <p:cNvPicPr>
             <a:picLocks noChangeAspect="1" noChangeArrowheads="1"/>
           </p:cNvPicPr>
@@ -4381,8 +4709,8 @@
         </p:blipFill>
         <p:spPr bwMode="auto">
           <a:xfrm>
-            <a:off x="467544" y="1628800"/>
-            <a:ext cx="4638675" cy="2733675"/>
+            <a:off x="467544" y="1630263"/>
+            <a:ext cx="7113587" cy="4391025"/>
           </a:xfrm>
           <a:prstGeom prst="rect">
             <a:avLst/>
@@ -4412,6 +4740,69 @@
           </a:extLst>
         </p:spPr>
       </p:pic>
+      <p:sp>
+        <p:nvSpPr>
+          <p:cNvPr id="3" name="Content Placeholder 2"/>
+          <p:cNvSpPr>
+            <a:spLocks noGrp="1"/>
+          </p:cNvSpPr>
+          <p:nvPr>
+            <p:ph idx="1"/>
+          </p:nvPr>
+        </p:nvSpPr>
+        <p:spPr>
+          <a:xfrm>
+            <a:off x="467544" y="2060848"/>
+            <a:ext cx="8229600" cy="4876800"/>
+          </a:xfrm>
+        </p:spPr>
+        <p:txBody>
+          <a:bodyPr>
+            <a:normAutofit lnSpcReduction="10000"/>
+          </a:bodyPr>
+          <a:lstStyle/>
+          <a:p>
+            <a:endParaRPr lang="en-GB" dirty="0" smtClean="0"/>
+          </a:p>
+          <a:p>
+            <a:endParaRPr lang="en-GB" dirty="0"/>
+          </a:p>
+          <a:p>
+            <a:endParaRPr lang="en-GB" dirty="0" smtClean="0"/>
+          </a:p>
+          <a:p>
+            <a:endParaRPr lang="en-GB" dirty="0"/>
+          </a:p>
+          <a:p>
+            <a:endParaRPr lang="en-GB" dirty="0" smtClean="0"/>
+          </a:p>
+          <a:p>
+            <a:endParaRPr lang="en-GB" dirty="0"/>
+          </a:p>
+          <a:p>
+            <a:endParaRPr lang="en-GB" dirty="0" smtClean="0"/>
+          </a:p>
+          <a:p>
+            <a:endParaRPr lang="en-GB" dirty="0"/>
+          </a:p>
+          <a:p>
+            <a:endParaRPr lang="en-GB" dirty="0" smtClean="0"/>
+          </a:p>
+          <a:p>
+            <a:endParaRPr lang="en-GB" dirty="0"/>
+          </a:p>
+          <a:p>
+            <a:pPr marL="0" indent="0">
+              <a:buNone/>
+            </a:pPr>
+            <a:r>
+              <a:rPr lang="en-GB" sz="1600" dirty="0" smtClean="0"/>
+              <a:t>One adverse public record has the highest percentage of bad loans, while three only contain good loans.</a:t>
+            </a:r>
+            <a:endParaRPr lang="en-GB" sz="1600" dirty="0"/>
+          </a:p>
+        </p:txBody>
+      </p:sp>
     </p:spTree>
     <p:extLst>
       <p:ext uri="{BB962C8B-B14F-4D97-AF65-F5344CB8AC3E}">
@@ -4459,7 +4850,7 @@
           <a:p>
             <a:r>
               <a:rPr lang="en-GB" dirty="0" smtClean="0"/>
-              <a:t>1) Data </a:t>
+              <a:t>Data </a:t>
             </a:r>
             <a:r>
               <a:rPr lang="en-GB" dirty="0" smtClean="0"/>
@@ -4479,19 +4870,61 @@
             <p:ph idx="1"/>
           </p:nvPr>
         </p:nvSpPr>
-        <p:spPr/>
-        <p:txBody>
-          <a:bodyPr/>
-          <a:lstStyle/>
-          <a:p>
-            <a:r>
-              <a:rPr lang="en-GB" dirty="0" smtClean="0"/>
-              <a:t>Add in map with % of defaulted loans</a:t>
-            </a:r>
-            <a:endParaRPr lang="en-GB" dirty="0"/>
-          </a:p>
-        </p:txBody>
-      </p:sp>
+        <p:spPr>
+          <a:xfrm>
+            <a:off x="467544" y="5589240"/>
+            <a:ext cx="8219256" cy="1008112"/>
+          </a:xfrm>
+        </p:spPr>
+        <p:txBody>
+          <a:bodyPr>
+            <a:normAutofit/>
+          </a:bodyPr>
+          <a:lstStyle/>
+          <a:p>
+            <a:r>
+              <a:rPr lang="en-GB" sz="1600" dirty="0" smtClean="0"/>
+              <a:t>NE stands out as having 60% of bad loans, or 5 bad loans in absolute numbers.</a:t>
+            </a:r>
+          </a:p>
+          <a:p>
+            <a:r>
+              <a:rPr lang="en-GB" sz="1600" dirty="0" smtClean="0"/>
+              <a:t>NV has 28.43% of bad loans, or 306 bad loans in absolute numbers.</a:t>
+            </a:r>
+            <a:endParaRPr lang="en-GB" sz="1600" dirty="0"/>
+          </a:p>
+        </p:txBody>
+      </p:sp>
+      <p:pic>
+        <p:nvPicPr>
+          <p:cNvPr id="4" name="Picture 3"/>
+          <p:cNvPicPr>
+            <a:picLocks noChangeAspect="1"/>
+          </p:cNvPicPr>
+          <p:nvPr/>
+        </p:nvPicPr>
+        <p:blipFill rotWithShape="1">
+          <a:blip r:embed="rId2">
+            <a:extLst>
+              <a:ext uri="{28A0092B-C50C-407E-A947-70E740481C1C}">
+                <a14:useLocalDpi xmlns:a14="http://schemas.microsoft.com/office/drawing/2010/main" val="0"/>
+              </a:ext>
+            </a:extLst>
+          </a:blip>
+          <a:srcRect l="14286" b="13073"/>
+          <a:stretch/>
+        </p:blipFill>
+        <p:spPr>
+          <a:xfrm>
+            <a:off x="467544" y="1412777"/>
+            <a:ext cx="6859591" cy="3707864"/>
+          </a:xfrm>
+          <a:prstGeom prst="rect">
+            <a:avLst/>
+          </a:prstGeom>
+        </p:spPr>
+      </p:pic>
     </p:spTree>
     <p:extLst>
       <p:ext uri="{BB962C8B-B14F-4D97-AF65-F5344CB8AC3E}">
@@ -4539,7 +4972,11 @@
           <a:p>
             <a:r>
               <a:rPr lang="en-GB" dirty="0" smtClean="0"/>
-              <a:t>Feature engineering</a:t>
+              <a:t>Data </a:t>
+            </a:r>
+            <a:r>
+              <a:rPr lang="en-GB" dirty="0" smtClean="0"/>
+              <a:t>exploration: initial insights</a:t>
             </a:r>
             <a:endParaRPr lang="en-GB" dirty="0"/>
           </a:p>
@@ -4555,52 +4992,43 @@
             <p:ph idx="1"/>
           </p:nvPr>
         </p:nvSpPr>
-        <p:spPr/>
-        <p:txBody>
-          <a:bodyPr/>
-          <a:lstStyle/>
-          <a:p>
-            <a:r>
-              <a:rPr lang="en-GB" dirty="0"/>
-              <a:t>convert 'Class' feature (=target) into numerical </a:t>
-            </a:r>
-            <a:r>
-              <a:rPr lang="en-GB" dirty="0" smtClean="0"/>
-              <a:t>values</a:t>
-            </a:r>
-          </a:p>
-          <a:p>
-            <a:pPr lvl="1"/>
-            <a:r>
-              <a:rPr lang="en-GB" dirty="0" smtClean="0"/>
-              <a:t>Assign ‘0’ to ‘creditworthy’</a:t>
-            </a:r>
-          </a:p>
-          <a:p>
-            <a:pPr lvl="1"/>
-            <a:r>
-              <a:rPr lang="en-GB" dirty="0" smtClean="0"/>
-              <a:t>Assign ‘1’ to ‘</a:t>
-            </a:r>
-            <a:r>
-              <a:rPr lang="en-GB" dirty="0" err="1" smtClean="0"/>
-              <a:t>uncreditworthy</a:t>
-            </a:r>
-            <a:r>
-              <a:rPr lang="en-GB" dirty="0" smtClean="0"/>
-              <a:t>’</a:t>
-            </a:r>
-            <a:endParaRPr lang="en-GB" dirty="0"/>
-          </a:p>
-          <a:p>
-            <a:endParaRPr lang="en-GB" dirty="0"/>
+        <p:spPr>
+          <a:xfrm>
+            <a:off x="395536" y="1628800"/>
+            <a:ext cx="8219256" cy="1008112"/>
+          </a:xfrm>
+        </p:spPr>
+        <p:txBody>
+          <a:bodyPr>
+            <a:noAutofit/>
+          </a:bodyPr>
+          <a:lstStyle/>
+          <a:p>
+            <a:r>
+              <a:rPr lang="en-GB" sz="2000" dirty="0" smtClean="0"/>
+              <a:t>Relationships between predictor and target variable are not always linear.</a:t>
+            </a:r>
+          </a:p>
+          <a:p>
+            <a:endParaRPr lang="en-GB" sz="2000" dirty="0" smtClean="0"/>
+          </a:p>
+          <a:p>
+            <a:r>
+              <a:rPr lang="en-GB" sz="2000" dirty="0" err="1" smtClean="0"/>
+              <a:t>Observatons</a:t>
+            </a:r>
+            <a:r>
+              <a:rPr lang="en-GB" sz="2000" dirty="0" smtClean="0"/>
+              <a:t> of features ‘FICO Credit Score’ and ‘Address State’ can be grouped in order to increase predictive power.</a:t>
+            </a:r>
+            <a:endParaRPr lang="en-GB" sz="2000" dirty="0"/>
           </a:p>
         </p:txBody>
       </p:sp>
     </p:spTree>
     <p:extLst>
       <p:ext uri="{BB962C8B-B14F-4D97-AF65-F5344CB8AC3E}">
-        <p14:creationId xmlns:p14="http://schemas.microsoft.com/office/powerpoint/2010/main" val="1350769179"/>
+        <p14:creationId xmlns:p14="http://schemas.microsoft.com/office/powerpoint/2010/main" val="672607458"/>
       </p:ext>
     </p:extLst>
   </p:cSld>
@@ -4644,7 +5072,11 @@
           <a:p>
             <a:r>
               <a:rPr lang="en-GB" dirty="0" smtClean="0"/>
-              <a:t>Feature engineering</a:t>
+              <a:t>Feature </a:t>
+            </a:r>
+            <a:r>
+              <a:rPr lang="en-GB" dirty="0" smtClean="0"/>
+              <a:t>engineering</a:t>
             </a:r>
             <a:endParaRPr lang="en-GB" dirty="0"/>
           </a:p>
@@ -4667,112 +5099,37 @@
           <a:p>
             <a:r>
               <a:rPr lang="en-GB" dirty="0"/>
-              <a:t>summarise address states into geographic </a:t>
-            </a:r>
-            <a:r>
-              <a:rPr lang="en-GB" dirty="0" smtClean="0"/>
-              <a:t>regions:</a:t>
+              <a:t>convert 'Class' feature (=target) into numerical </a:t>
+            </a:r>
+            <a:r>
+              <a:rPr lang="en-GB" dirty="0" smtClean="0"/>
+              <a:t>values</a:t>
             </a:r>
           </a:p>
           <a:p>
             <a:pPr lvl="1"/>
             <a:r>
-              <a:rPr lang="en-GB" dirty="0" err="1"/>
-              <a:t>East_Coast</a:t>
-            </a:r>
-            <a:r>
-              <a:rPr lang="en-GB" dirty="0"/>
-              <a:t> 7731 </a:t>
-            </a:r>
-            <a:endParaRPr lang="en-GB" dirty="0" smtClean="0"/>
+              <a:rPr lang="en-GB" dirty="0" smtClean="0"/>
+              <a:t>Assign ‘0’ to ‘creditworthy’</a:t>
+            </a:r>
           </a:p>
           <a:p>
             <a:pPr lvl="1"/>
             <a:r>
               <a:rPr lang="en-GB" dirty="0" smtClean="0"/>
-              <a:t>South </a:t>
-            </a:r>
-            <a:r>
-              <a:rPr lang="en-GB" dirty="0"/>
-              <a:t>6885 </a:t>
-            </a:r>
-            <a:endParaRPr lang="en-GB" dirty="0" smtClean="0"/>
-          </a:p>
-          <a:p>
-            <a:pPr lvl="1"/>
+              <a:t>Assign ‘1’ to ‘</a:t>
+            </a:r>
             <a:r>
               <a:rPr lang="en-GB" dirty="0" err="1" smtClean="0"/>
-              <a:t>West_Coast</a:t>
-            </a:r>
-            <a:r>
-              <a:rPr lang="en-GB" dirty="0" smtClean="0"/>
-              <a:t> </a:t>
-            </a:r>
-            <a:r>
-              <a:rPr lang="en-GB" dirty="0"/>
-              <a:t>4485 </a:t>
-            </a:r>
-            <a:endParaRPr lang="en-GB" dirty="0" smtClean="0"/>
-          </a:p>
-          <a:p>
-            <a:pPr lvl="1"/>
-            <a:r>
-              <a:rPr lang="en-GB" dirty="0" smtClean="0"/>
-              <a:t>Middle </a:t>
-            </a:r>
-            <a:r>
-              <a:rPr lang="en-GB" dirty="0"/>
-              <a:t>3461 </a:t>
-            </a:r>
-            <a:endParaRPr lang="en-GB" dirty="0" smtClean="0"/>
-          </a:p>
-          <a:p>
-            <a:pPr lvl="1"/>
-            <a:r>
-              <a:rPr lang="en-GB" dirty="0" smtClean="0"/>
-              <a:t>North 2213</a:t>
-            </a:r>
-          </a:p>
-          <a:p>
-            <a:r>
-              <a:rPr lang="en-GB" dirty="0"/>
-              <a:t>summarise FICO scores into </a:t>
-            </a:r>
-            <a:r>
-              <a:rPr lang="en-GB" dirty="0" smtClean="0"/>
-              <a:t>categories</a:t>
-            </a:r>
-          </a:p>
-          <a:p>
-            <a:pPr lvl="1"/>
-            <a:r>
-              <a:rPr lang="en-GB" dirty="0"/>
-              <a:t>Very Good 15950 </a:t>
-            </a:r>
-            <a:endParaRPr lang="en-GB" dirty="0" smtClean="0"/>
-          </a:p>
-          <a:p>
-            <a:pPr lvl="1"/>
-            <a:r>
-              <a:rPr lang="en-GB" dirty="0" smtClean="0"/>
-              <a:t>Exceptional </a:t>
-            </a:r>
-            <a:r>
-              <a:rPr lang="en-GB" dirty="0"/>
-              <a:t>5208 </a:t>
-            </a:r>
-            <a:endParaRPr lang="en-GB" dirty="0" smtClean="0"/>
-          </a:p>
-          <a:p>
-            <a:pPr lvl="1"/>
-            <a:r>
-              <a:rPr lang="en-GB" dirty="0" smtClean="0"/>
-              <a:t>Good </a:t>
-            </a:r>
-            <a:r>
-              <a:rPr lang="en-GB" dirty="0"/>
-              <a:t>3337</a:t>
-            </a:r>
+              <a:t>uncreditworthy</a:t>
+            </a:r>
+            <a:r>
+              <a:rPr lang="en-GB" dirty="0" smtClean="0"/>
+              <a:t>’</a:t>
+            </a:r>
+            <a:endParaRPr lang="en-GB" dirty="0"/>
+          </a:p>
+          <a:p>
             <a:endParaRPr lang="en-GB" dirty="0"/>
           </a:p>
         </p:txBody>
@@ -4780,7 +5137,7 @@
     </p:spTree>
     <p:extLst>
       <p:ext uri="{BB962C8B-B14F-4D97-AF65-F5344CB8AC3E}">
-        <p14:creationId xmlns:p14="http://schemas.microsoft.com/office/powerpoint/2010/main" val="3295398731"/>
+        <p14:creationId xmlns:p14="http://schemas.microsoft.com/office/powerpoint/2010/main" val="1350769179"/>
       </p:ext>
     </p:extLst>
   </p:cSld>
@@ -4824,7 +5181,11 @@
           <a:p>
             <a:r>
               <a:rPr lang="en-GB" dirty="0" smtClean="0"/>
-              <a:t>Feature engineering</a:t>
+              <a:t>Feature </a:t>
+            </a:r>
+            <a:r>
+              <a:rPr lang="en-GB" dirty="0" smtClean="0"/>
+              <a:t>engineering</a:t>
             </a:r>
             <a:endParaRPr lang="en-GB" dirty="0"/>
           </a:p>
@@ -4847,48 +5208,70 @@
           <a:p>
             <a:r>
               <a:rPr lang="en-GB" dirty="0"/>
-              <a:t>create dummy variables for categorical </a:t>
-            </a:r>
-            <a:r>
-              <a:rPr lang="en-GB" dirty="0" smtClean="0"/>
-              <a:t>data</a:t>
+              <a:t>summarise address states into geographic </a:t>
+            </a:r>
+            <a:r>
+              <a:rPr lang="en-GB" dirty="0" smtClean="0"/>
+              <a:t>regions:</a:t>
             </a:r>
           </a:p>
           <a:p>
             <a:pPr lvl="1"/>
             <a:r>
+              <a:rPr lang="en-GB" dirty="0" err="1" smtClean="0"/>
+              <a:t>East_Coast</a:t>
+            </a:r>
+            <a:r>
+              <a:rPr lang="en-GB" dirty="0" smtClean="0"/>
+              <a:t>: </a:t>
+            </a:r>
+            <a:r>
               <a:rPr lang="en-GB" dirty="0"/>
-              <a:t>'Loan Term</a:t>
-            </a:r>
-            <a:r>
-              <a:rPr lang="en-GB" dirty="0" smtClean="0"/>
-              <a:t>',</a:t>
-            </a:r>
+              <a:t>7731 </a:t>
+            </a:r>
+            <a:r>
+              <a:rPr lang="en-GB" dirty="0" err="1" smtClean="0"/>
+              <a:t>obversations</a:t>
+            </a:r>
+            <a:endParaRPr lang="en-GB" dirty="0" smtClean="0"/>
           </a:p>
           <a:p>
             <a:pPr lvl="1"/>
             <a:r>
               <a:rPr lang="en-GB" dirty="0" smtClean="0"/>
-              <a:t>'Home </a:t>
+              <a:t>South: </a:t>
             </a:r>
             <a:r>
               <a:rPr lang="en-GB" dirty="0"/>
-              <a:t>Ownership</a:t>
-            </a:r>
-            <a:r>
-              <a:rPr lang="en-GB" dirty="0" smtClean="0"/>
-              <a:t>',</a:t>
-            </a:r>
+              <a:t>6885 </a:t>
+            </a:r>
+            <a:r>
+              <a:rPr lang="en-GB" dirty="0" err="1"/>
+              <a:t>obversations</a:t>
+            </a:r>
+            <a:endParaRPr lang="en-GB" dirty="0" smtClean="0"/>
           </a:p>
           <a:p>
             <a:pPr lvl="1"/>
             <a:r>
-              <a:rPr lang="en-GB" dirty="0" smtClean="0"/>
-              <a:t>'Loan </a:t>
+              <a:rPr lang="en-GB" dirty="0" err="1" smtClean="0"/>
+              <a:t>West_Coast</a:t>
+            </a:r>
+            <a:r>
+              <a:rPr lang="en-GB" dirty="0" smtClean="0"/>
+              <a:t>: </a:t>
             </a:r>
             <a:r>
               <a:rPr lang="en-GB" dirty="0"/>
-              <a:t>Purpose', </a:t>
+              <a:t>4485 </a:t>
+            </a:r>
+            <a:r>
+              <a:rPr lang="en-GB" dirty="0" err="1"/>
+              <a:t>obversations</a:t>
+            </a:r>
+            <a:r>
+              <a:rPr lang="en-GB" dirty="0"/>
+              <a:t> </a:t>
             </a:r>
             <a:endParaRPr lang="en-GB" dirty="0" smtClean="0"/>
           </a:p>
@@ -4896,26 +5279,98 @@
             <a:pPr lvl="1"/>
             <a:r>
               <a:rPr lang="en-GB" dirty="0" smtClean="0"/>
-              <a:t>'FICO </a:t>
+              <a:t>Middle: </a:t>
             </a:r>
             <a:r>
               <a:rPr lang="en-GB" dirty="0"/>
-              <a:t>Credit Score</a:t>
-            </a:r>
-            <a:r>
-              <a:rPr lang="en-GB" dirty="0" smtClean="0"/>
-              <a:t>',</a:t>
-            </a:r>
+              <a:t>3461 </a:t>
+            </a:r>
+            <a:r>
+              <a:rPr lang="en-GB" dirty="0" err="1"/>
+              <a:t>obversations</a:t>
+            </a:r>
+            <a:endParaRPr lang="en-GB" dirty="0" smtClean="0"/>
           </a:p>
           <a:p>
             <a:pPr lvl="1"/>
             <a:r>
               <a:rPr lang="en-GB" dirty="0" smtClean="0"/>
-              <a:t>'Address </a:t>
+              <a:t>North: </a:t>
             </a:r>
             <a:r>
               <a:rPr lang="en-GB" dirty="0"/>
-              <a:t>State'</a:t>
+              <a:t>2213 </a:t>
+            </a:r>
+            <a:r>
+              <a:rPr lang="en-GB" dirty="0" smtClean="0"/>
+              <a:t>observations</a:t>
+            </a:r>
+          </a:p>
+          <a:p>
+            <a:pPr marL="274320" lvl="1" indent="0">
+              <a:buNone/>
+            </a:pPr>
+            <a:endParaRPr lang="en-GB" dirty="0" smtClean="0"/>
+          </a:p>
+          <a:p>
+            <a:r>
+              <a:rPr lang="en-GB" dirty="0"/>
+              <a:t>summarise FICO scores into </a:t>
+            </a:r>
+            <a:r>
+              <a:rPr lang="en-GB" dirty="0" smtClean="0"/>
+              <a:t>categories</a:t>
+            </a:r>
+          </a:p>
+          <a:p>
+            <a:pPr lvl="1"/>
+            <a:r>
+              <a:rPr lang="en-GB" dirty="0"/>
+              <a:t>Very </a:t>
+            </a:r>
+            <a:r>
+              <a:rPr lang="en-GB" dirty="0" smtClean="0"/>
+              <a:t>Good: </a:t>
+            </a:r>
+            <a:r>
+              <a:rPr lang="en-GB" dirty="0"/>
+              <a:t>15950 </a:t>
+            </a:r>
+            <a:r>
+              <a:rPr lang="en-GB" dirty="0" err="1"/>
+              <a:t>obversations</a:t>
+            </a:r>
+            <a:endParaRPr lang="en-GB" dirty="0" smtClean="0"/>
+          </a:p>
+          <a:p>
+            <a:pPr lvl="1"/>
+            <a:r>
+              <a:rPr lang="en-GB" dirty="0" smtClean="0"/>
+              <a:t>Exceptional: </a:t>
+            </a:r>
+            <a:r>
+              <a:rPr lang="en-GB" dirty="0"/>
+              <a:t>5208 </a:t>
+            </a:r>
+            <a:r>
+              <a:rPr lang="en-GB" dirty="0" err="1"/>
+              <a:t>obversations</a:t>
+            </a:r>
+            <a:endParaRPr lang="en-GB" dirty="0" smtClean="0"/>
+          </a:p>
+          <a:p>
+            <a:pPr lvl="1"/>
+            <a:r>
+              <a:rPr lang="en-GB" dirty="0" smtClean="0"/>
+              <a:t>Good: </a:t>
+            </a:r>
+            <a:r>
+              <a:rPr lang="en-GB" dirty="0"/>
+              <a:t>3337 </a:t>
+            </a:r>
+            <a:r>
+              <a:rPr lang="en-GB" dirty="0" err="1"/>
+              <a:t>obversations</a:t>
             </a:r>
             <a:endParaRPr lang="en-GB" dirty="0"/>
           </a:p>
@@ -4968,7 +5423,11 @@
           <a:p>
             <a:r>
               <a:rPr lang="en-GB" dirty="0" smtClean="0"/>
-              <a:t>Feature engineering</a:t>
+              <a:t>Feature </a:t>
+            </a:r>
+            <a:r>
+              <a:rPr lang="en-GB" dirty="0" smtClean="0"/>
+              <a:t>engineering</a:t>
             </a:r>
             <a:endParaRPr lang="en-GB" dirty="0"/>
           </a:p>
@@ -4991,79 +5450,83 @@
           <a:p>
             <a:r>
               <a:rPr lang="en-GB" dirty="0"/>
-              <a:t>encode remaining columns containing object data </a:t>
-            </a:r>
-            <a:r>
-              <a:rPr lang="en-GB" dirty="0" smtClean="0"/>
-              <a:t>types</a:t>
+              <a:t>create dummy variables for categorical </a:t>
+            </a:r>
+            <a:r>
+              <a:rPr lang="en-GB" dirty="0" smtClean="0"/>
+              <a:t>features</a:t>
             </a:r>
           </a:p>
           <a:p>
             <a:pPr lvl="1"/>
             <a:r>
               <a:rPr lang="en-GB" dirty="0"/>
-              <a:t>'No. Delinquencies In Last 2 </a:t>
-            </a:r>
-            <a:r>
-              <a:rPr lang="en-GB" dirty="0" smtClean="0"/>
-              <a:t>Years‘</a:t>
+              <a:t>'Loan Term</a:t>
+            </a:r>
+            <a:r>
+              <a:rPr lang="en-GB" dirty="0" smtClean="0"/>
+              <a:t>',</a:t>
             </a:r>
           </a:p>
           <a:p>
             <a:pPr lvl="1"/>
             <a:r>
               <a:rPr lang="en-GB" dirty="0" smtClean="0"/>
-              <a:t>'No</a:t>
+              <a:t>'Home </a:t>
             </a:r>
             <a:r>
               <a:rPr lang="en-GB" dirty="0"/>
-              <a:t>. Adverse Public </a:t>
-            </a:r>
-            <a:r>
-              <a:rPr lang="en-GB" dirty="0" smtClean="0"/>
-              <a:t>Records‘</a:t>
+              <a:t>Ownership</a:t>
+            </a:r>
+            <a:r>
+              <a:rPr lang="en-GB" dirty="0" smtClean="0"/>
+              <a:t>',</a:t>
             </a:r>
           </a:p>
           <a:p>
             <a:pPr lvl="1"/>
             <a:r>
               <a:rPr lang="en-GB" dirty="0" smtClean="0"/>
-              <a:t>'No</a:t>
+              <a:t>'Loan </a:t>
             </a:r>
             <a:r>
               <a:rPr lang="en-GB" dirty="0"/>
-              <a:t>. Of Public </a:t>
-            </a:r>
-            <a:r>
-              <a:rPr lang="en-GB" dirty="0" smtClean="0"/>
-              <a:t>Records</a:t>
-            </a:r>
+              <a:t>Purpose', </a:t>
+            </a:r>
+            <a:endParaRPr lang="en-GB" dirty="0" smtClean="0"/>
           </a:p>
           <a:p>
             <a:pPr lvl="1"/>
-            <a:endParaRPr lang="en-GB" dirty="0"/>
+            <a:r>
+              <a:rPr lang="en-GB" dirty="0" smtClean="0"/>
+              <a:t>'FICO </a:t>
+            </a:r>
+            <a:r>
+              <a:rPr lang="en-GB" dirty="0"/>
+              <a:t>Credit Score</a:t>
+            </a:r>
+            <a:r>
+              <a:rPr lang="en-GB" dirty="0" smtClean="0"/>
+              <a:t>',</a:t>
+            </a:r>
           </a:p>
           <a:p>
             <a:pPr lvl="1"/>
             <a:r>
               <a:rPr lang="en-GB" dirty="0" smtClean="0"/>
-              <a:t>These columns contain strings (e.g. one, two, three, …) describing numbers from 0 to 9</a:t>
-            </a:r>
-          </a:p>
-          <a:p>
-            <a:pPr lvl="1"/>
-            <a:r>
-              <a:rPr lang="en-GB" dirty="0" smtClean="0"/>
-              <a:t>Change strings into numerical format</a:t>
-            </a:r>
-            <a:endParaRPr lang="en-GB" dirty="0"/>
+              <a:t>'Address </a:t>
+            </a:r>
+            <a:r>
+              <a:rPr lang="en-GB" dirty="0"/>
+              <a:t>State'</a:t>
+            </a:r>
           </a:p>
         </p:txBody>
       </p:sp>
     </p:spTree>
     <p:extLst>
       <p:ext uri="{BB962C8B-B14F-4D97-AF65-F5344CB8AC3E}">
-        <p14:creationId xmlns:p14="http://schemas.microsoft.com/office/powerpoint/2010/main" val="281448108"/>
+        <p14:creationId xmlns:p14="http://schemas.microsoft.com/office/powerpoint/2010/main" val="3295398731"/>
       </p:ext>
     </p:extLst>
   </p:cSld>
@@ -5107,7 +5570,11 @@
           <a:p>
             <a:r>
               <a:rPr lang="en-GB" dirty="0" smtClean="0"/>
-              <a:t>Feature engineering</a:t>
+              <a:t>Feature </a:t>
+            </a:r>
+            <a:r>
+              <a:rPr lang="en-GB" dirty="0" smtClean="0"/>
+              <a:t>engineering</a:t>
             </a:r>
             <a:endParaRPr lang="en-GB" dirty="0"/>
           </a:p>
@@ -5130,18 +5597,52 @@
           <a:p>
             <a:r>
               <a:rPr lang="en-GB" dirty="0"/>
-              <a:t>drop redundant </a:t>
-            </a:r>
-            <a:r>
-              <a:rPr lang="en-GB" dirty="0" smtClean="0"/>
-              <a:t>feature</a:t>
+              <a:t>encode remaining columns containing object data </a:t>
+            </a:r>
+            <a:r>
+              <a:rPr lang="en-GB" dirty="0" smtClean="0"/>
+              <a:t>types</a:t>
             </a:r>
           </a:p>
           <a:p>
             <a:pPr lvl="1"/>
             <a:r>
-              <a:rPr lang="en-GB" dirty="0" smtClean="0"/>
-              <a:t>Drop ‘Class’ feature</a:t>
+              <a:rPr lang="en-GB" dirty="0"/>
+              <a:t>'No. Delinquencies In Last 2 </a:t>
+            </a:r>
+            <a:r>
+              <a:rPr lang="en-GB" dirty="0" smtClean="0"/>
+              <a:t>Years‘</a:t>
+            </a:r>
+          </a:p>
+          <a:p>
+            <a:pPr lvl="1"/>
+            <a:r>
+              <a:rPr lang="en-GB" dirty="0" smtClean="0"/>
+              <a:t>'No</a:t>
+            </a:r>
+            <a:r>
+              <a:rPr lang="en-GB" dirty="0"/>
+              <a:t>. Adverse Public </a:t>
+            </a:r>
+            <a:r>
+              <a:rPr lang="en-GB" dirty="0" smtClean="0"/>
+              <a:t>Records‘</a:t>
+            </a:r>
+          </a:p>
+          <a:p>
+            <a:pPr lvl="1"/>
+            <a:r>
+              <a:rPr lang="en-GB" dirty="0" smtClean="0"/>
+              <a:t>'No</a:t>
+            </a:r>
+            <a:r>
+              <a:rPr lang="en-GB" dirty="0"/>
+              <a:t>. Of Public </a:t>
+            </a:r>
+            <a:r>
+              <a:rPr lang="en-GB" dirty="0" smtClean="0"/>
+              <a:t>Records</a:t>
             </a:r>
           </a:p>
           <a:p>
@@ -5149,20 +5650,17 @@
             <a:endParaRPr lang="en-GB" dirty="0"/>
           </a:p>
           <a:p>
-            <a:r>
-              <a:rPr lang="en-GB" dirty="0"/>
-              <a:t>deal with nan </a:t>
-            </a:r>
-            <a:r>
-              <a:rPr lang="en-GB" dirty="0" smtClean="0"/>
-              <a:t>values</a:t>
-            </a:r>
-          </a:p>
-          <a:p>
             <a:pPr lvl="1"/>
             <a:r>
               <a:rPr lang="en-GB" dirty="0" smtClean="0"/>
-              <a:t>Replace ‘nan’ with median values for each feature</a:t>
+              <a:t>The above columns contain strings (e.g. one, two, three, …) describing numbers from 0 to 9</a:t>
+            </a:r>
+          </a:p>
+          <a:p>
+            <a:pPr lvl="1"/>
+            <a:r>
+              <a:rPr lang="en-GB" dirty="0" smtClean="0"/>
+              <a:t>Change strings into numerical format (e.g. 1, 2, 3, …)</a:t>
             </a:r>
             <a:endParaRPr lang="en-GB" dirty="0"/>
           </a:p>
@@ -5171,7 +5669,7 @@
     </p:spTree>
     <p:extLst>
       <p:ext uri="{BB962C8B-B14F-4D97-AF65-F5344CB8AC3E}">
-        <p14:creationId xmlns:p14="http://schemas.microsoft.com/office/powerpoint/2010/main" val="2618199423"/>
+        <p14:creationId xmlns:p14="http://schemas.microsoft.com/office/powerpoint/2010/main" val="281448108"/>
       </p:ext>
     </p:extLst>
   </p:cSld>
@@ -5215,7 +5713,123 @@
           <a:p>
             <a:r>
               <a:rPr lang="en-GB" dirty="0" smtClean="0"/>
-              <a:t>Feature engineering</a:t>
+              <a:t>Feature </a:t>
+            </a:r>
+            <a:r>
+              <a:rPr lang="en-GB" dirty="0" smtClean="0"/>
+              <a:t>engineering</a:t>
+            </a:r>
+            <a:endParaRPr lang="en-GB" dirty="0"/>
+          </a:p>
+        </p:txBody>
+      </p:sp>
+      <p:sp>
+        <p:nvSpPr>
+          <p:cNvPr id="3" name="Content Placeholder 2"/>
+          <p:cNvSpPr>
+            <a:spLocks noGrp="1"/>
+          </p:cNvSpPr>
+          <p:nvPr>
+            <p:ph idx="1"/>
+          </p:nvPr>
+        </p:nvSpPr>
+        <p:spPr/>
+        <p:txBody>
+          <a:bodyPr/>
+          <a:lstStyle/>
+          <a:p>
+            <a:r>
+              <a:rPr lang="en-GB" dirty="0"/>
+              <a:t>drop redundant </a:t>
+            </a:r>
+            <a:r>
+              <a:rPr lang="en-GB" dirty="0" smtClean="0"/>
+              <a:t>feature</a:t>
+            </a:r>
+          </a:p>
+          <a:p>
+            <a:pPr lvl="1"/>
+            <a:r>
+              <a:rPr lang="en-GB" dirty="0" smtClean="0"/>
+              <a:t>Drop ‘Class’ feature</a:t>
+            </a:r>
+          </a:p>
+          <a:p>
+            <a:pPr lvl="1"/>
+            <a:endParaRPr lang="en-GB" dirty="0"/>
+          </a:p>
+          <a:p>
+            <a:r>
+              <a:rPr lang="en-GB" dirty="0"/>
+              <a:t>deal with nan </a:t>
+            </a:r>
+            <a:r>
+              <a:rPr lang="en-GB" dirty="0" smtClean="0"/>
+              <a:t>values</a:t>
+            </a:r>
+          </a:p>
+          <a:p>
+            <a:pPr lvl="1"/>
+            <a:r>
+              <a:rPr lang="en-GB" dirty="0" smtClean="0"/>
+              <a:t>Replace ‘nan’ with median values for each feature</a:t>
+            </a:r>
+            <a:endParaRPr lang="en-GB" dirty="0"/>
+          </a:p>
+        </p:txBody>
+      </p:sp>
+    </p:spTree>
+    <p:extLst>
+      <p:ext uri="{BB962C8B-B14F-4D97-AF65-F5344CB8AC3E}">
+        <p14:creationId xmlns:p14="http://schemas.microsoft.com/office/powerpoint/2010/main" val="2618199423"/>
+      </p:ext>
+    </p:extLst>
+  </p:cSld>
+  <p:clrMapOvr>
+    <a:masterClrMapping/>
+  </p:clrMapOvr>
+</p:sld>
+</file>
+
+<file path=ppt/slides/slide18.xml><?xml version="1.0" encoding="utf-8"?>
+<p:sld xmlns:a="http://schemas.openxmlformats.org/drawingml/2006/main" xmlns:r="http://schemas.openxmlformats.org/officeDocument/2006/relationships" xmlns:p="http://schemas.openxmlformats.org/presentationml/2006/main">
+  <p:cSld>
+    <p:spTree>
+      <p:nvGrpSpPr>
+        <p:cNvPr id="1" name=""/>
+        <p:cNvGrpSpPr/>
+        <p:nvPr/>
+      </p:nvGrpSpPr>
+      <p:grpSpPr>
+        <a:xfrm>
+          <a:off x="0" y="0"/>
+          <a:ext cx="0" cy="0"/>
+          <a:chOff x="0" y="0"/>
+          <a:chExt cx="0" cy="0"/>
+        </a:xfrm>
+      </p:grpSpPr>
+      <p:sp>
+        <p:nvSpPr>
+          <p:cNvPr id="2" name="Title 1"/>
+          <p:cNvSpPr>
+            <a:spLocks noGrp="1"/>
+          </p:cNvSpPr>
+          <p:nvPr>
+            <p:ph type="title"/>
+          </p:nvPr>
+        </p:nvSpPr>
+        <p:spPr/>
+        <p:txBody>
+          <a:bodyPr/>
+          <a:lstStyle/>
+          <a:p>
+            <a:r>
+              <a:rPr lang="en-GB" dirty="0" smtClean="0"/>
+              <a:t>Feature </a:t>
+            </a:r>
+            <a:r>
+              <a:rPr lang="en-GB" dirty="0" smtClean="0"/>
+              <a:t>engineering</a:t>
             </a:r>
             <a:endParaRPr lang="en-GB" dirty="0"/>
           </a:p>
@@ -5435,7 +6049,7 @@
 </p:sld>
 </file>
 
-<file path=ppt/slides/slide18.xml><?xml version="1.0" encoding="utf-8"?>
+<file path=ppt/slides/slide19.xml><?xml version="1.0" encoding="utf-8"?>
 <p:sld xmlns:a="http://schemas.openxmlformats.org/drawingml/2006/main" xmlns:r="http://schemas.openxmlformats.org/officeDocument/2006/relationships" xmlns:p="http://schemas.openxmlformats.org/presentationml/2006/main">
   <p:cSld>
     <p:spTree>
@@ -5469,7 +6083,11 @@
           <a:p>
             <a:r>
               <a:rPr lang="en-GB" dirty="0" smtClean="0"/>
-              <a:t>Feature engineering</a:t>
+              <a:t>Feature </a:t>
+            </a:r>
+            <a:r>
+              <a:rPr lang="en-GB" dirty="0" smtClean="0"/>
+              <a:t>engineering</a:t>
             </a:r>
             <a:endParaRPr lang="en-GB" dirty="0"/>
           </a:p>
@@ -5694,7 +6312,7 @@
 </p:sld>
 </file>
 
-<file path=ppt/slides/slide19.xml><?xml version="1.0" encoding="utf-8"?>
+<file path=ppt/slides/slide2.xml><?xml version="1.0" encoding="utf-8"?>
 <p:sld xmlns:a="http://schemas.openxmlformats.org/drawingml/2006/main" xmlns:r="http://schemas.openxmlformats.org/officeDocument/2006/relationships" xmlns:p="http://schemas.openxmlformats.org/presentationml/2006/main">
   <p:cSld>
     <p:spTree>
@@ -5728,7 +6346,144 @@
           <a:p>
             <a:r>
               <a:rPr lang="en-GB" dirty="0" smtClean="0"/>
+              <a:t>Approach and method</a:t>
+            </a:r>
+            <a:endParaRPr lang="en-GB" dirty="0"/>
+          </a:p>
+        </p:txBody>
+      </p:sp>
+      <p:sp>
+        <p:nvSpPr>
+          <p:cNvPr id="3" name="Content Placeholder 2"/>
+          <p:cNvSpPr>
+            <a:spLocks noGrp="1"/>
+          </p:cNvSpPr>
+          <p:nvPr>
+            <p:ph idx="1"/>
+          </p:nvPr>
+        </p:nvSpPr>
+        <p:spPr/>
+        <p:txBody>
+          <a:bodyPr/>
+          <a:lstStyle/>
+          <a:p>
+            <a:r>
+              <a:rPr lang="en-GB" dirty="0" smtClean="0"/>
+              <a:t>Project</a:t>
+            </a:r>
+          </a:p>
+          <a:p>
+            <a:r>
+              <a:rPr lang="en-GB" dirty="0" smtClean="0"/>
+              <a:t>Dataset</a:t>
+            </a:r>
+          </a:p>
+          <a:p>
+            <a:r>
+              <a:rPr lang="en-GB" dirty="0" smtClean="0"/>
+              <a:t>Data exploration</a:t>
+            </a:r>
+          </a:p>
+          <a:p>
+            <a:r>
+              <a:rPr lang="en-GB" dirty="0" smtClean="0"/>
               <a:t>Feature engineering</a:t>
+            </a:r>
+          </a:p>
+          <a:p>
+            <a:r>
+              <a:rPr lang="en-GB" dirty="0" smtClean="0"/>
+              <a:t>Classification</a:t>
+            </a:r>
+          </a:p>
+          <a:p>
+            <a:pPr lvl="1"/>
+            <a:r>
+              <a:rPr lang="en-GB" dirty="0" smtClean="0"/>
+              <a:t>Building basic logistic regression model</a:t>
+            </a:r>
+          </a:p>
+          <a:p>
+            <a:pPr lvl="1"/>
+            <a:r>
+              <a:rPr lang="en-GB" dirty="0" smtClean="0"/>
+              <a:t>Optimising model parameters</a:t>
+            </a:r>
+          </a:p>
+          <a:p>
+            <a:pPr lvl="1"/>
+            <a:r>
+              <a:rPr lang="en-GB" dirty="0" smtClean="0"/>
+              <a:t>Dimensionality reduction</a:t>
+            </a:r>
+          </a:p>
+          <a:p>
+            <a:r>
+              <a:rPr lang="en-GB" dirty="0" smtClean="0"/>
+              <a:t>Results</a:t>
+            </a:r>
+          </a:p>
+          <a:p>
+            <a:r>
+              <a:rPr lang="en-GB" dirty="0" smtClean="0"/>
+              <a:t>Conclusion</a:t>
+            </a:r>
+            <a:endParaRPr lang="en-GB" dirty="0"/>
+          </a:p>
+        </p:txBody>
+      </p:sp>
+    </p:spTree>
+    <p:extLst>
+      <p:ext uri="{BB962C8B-B14F-4D97-AF65-F5344CB8AC3E}">
+        <p14:creationId xmlns:p14="http://schemas.microsoft.com/office/powerpoint/2010/main" val="1574793907"/>
+      </p:ext>
+    </p:extLst>
+  </p:cSld>
+  <p:clrMapOvr>
+    <a:masterClrMapping/>
+  </p:clrMapOvr>
+</p:sld>
+</file>
+
+<file path=ppt/slides/slide20.xml><?xml version="1.0" encoding="utf-8"?>
+<p:sld xmlns:a="http://schemas.openxmlformats.org/drawingml/2006/main" xmlns:r="http://schemas.openxmlformats.org/officeDocument/2006/relationships" xmlns:p="http://schemas.openxmlformats.org/presentationml/2006/main">
+  <p:cSld>
+    <p:spTree>
+      <p:nvGrpSpPr>
+        <p:cNvPr id="1" name=""/>
+        <p:cNvGrpSpPr/>
+        <p:nvPr/>
+      </p:nvGrpSpPr>
+      <p:grpSpPr>
+        <a:xfrm>
+          <a:off x="0" y="0"/>
+          <a:ext cx="0" cy="0"/>
+          <a:chOff x="0" y="0"/>
+          <a:chExt cx="0" cy="0"/>
+        </a:xfrm>
+      </p:grpSpPr>
+      <p:sp>
+        <p:nvSpPr>
+          <p:cNvPr id="2" name="Title 1"/>
+          <p:cNvSpPr>
+            <a:spLocks noGrp="1"/>
+          </p:cNvSpPr>
+          <p:nvPr>
+            <p:ph type="title"/>
+          </p:nvPr>
+        </p:nvSpPr>
+        <p:spPr/>
+        <p:txBody>
+          <a:bodyPr/>
+          <a:lstStyle/>
+          <a:p>
+            <a:r>
+              <a:rPr lang="en-GB" dirty="0" smtClean="0"/>
+              <a:t>Feature </a:t>
+            </a:r>
+            <a:r>
+              <a:rPr lang="en-GB" dirty="0" smtClean="0"/>
+              <a:t>engineering</a:t>
             </a:r>
             <a:endParaRPr lang="en-GB" dirty="0"/>
           </a:p>
@@ -5946,7 +6701,7 @@
 </p:sld>
 </file>
 
-<file path=ppt/slides/slide2.xml><?xml version="1.0" encoding="utf-8"?>
+<file path=ppt/slides/slide21.xml><?xml version="1.0" encoding="utf-8"?>
 <p:sld xmlns:a="http://schemas.openxmlformats.org/drawingml/2006/main" xmlns:r="http://schemas.openxmlformats.org/officeDocument/2006/relationships" xmlns:p="http://schemas.openxmlformats.org/presentationml/2006/main">
   <p:cSld>
     <p:spTree>
@@ -5980,141 +6735,11 @@
           <a:p>
             <a:r>
               <a:rPr lang="en-GB" dirty="0" smtClean="0"/>
-              <a:t>Project</a:t>
-            </a:r>
-            <a:endParaRPr lang="en-GB" dirty="0"/>
-          </a:p>
-        </p:txBody>
-      </p:sp>
-      <p:sp>
-        <p:nvSpPr>
-          <p:cNvPr id="3" name="Content Placeholder 2"/>
-          <p:cNvSpPr>
-            <a:spLocks noGrp="1"/>
-          </p:cNvSpPr>
-          <p:nvPr>
-            <p:ph idx="1"/>
-          </p:nvPr>
-        </p:nvSpPr>
-        <p:spPr>
-          <a:xfrm>
-            <a:off x="457200" y="1600200"/>
-            <a:ext cx="8219256" cy="4876800"/>
-          </a:xfrm>
-        </p:spPr>
-        <p:txBody>
-          <a:bodyPr>
-            <a:normAutofit/>
-          </a:bodyPr>
-          <a:lstStyle/>
-          <a:p>
-            <a:r>
-              <a:rPr lang="en-GB" dirty="0" smtClean="0"/>
-              <a:t>Task</a:t>
-            </a:r>
-            <a:r>
-              <a:rPr lang="en-GB" dirty="0" smtClean="0"/>
-              <a:t>: predict </a:t>
-            </a:r>
-            <a:r>
-              <a:rPr lang="en-GB" dirty="0" smtClean="0"/>
-              <a:t>loan defaults</a:t>
-            </a:r>
-            <a:endParaRPr lang="en-GB" dirty="0" smtClean="0"/>
-          </a:p>
-          <a:p>
-            <a:pPr marL="176213" indent="0">
-              <a:buNone/>
-            </a:pPr>
-            <a:endParaRPr lang="en-GB" sz="1600" dirty="0" smtClean="0"/>
-          </a:p>
-          <a:p>
-            <a:pPr marL="461963" indent="-285750"/>
-            <a:r>
-              <a:rPr lang="en-GB" sz="2000" dirty="0" smtClean="0"/>
-              <a:t>Build </a:t>
-            </a:r>
-            <a:r>
-              <a:rPr lang="en-GB" sz="2000" dirty="0"/>
-              <a:t>and test a logistic regression </a:t>
-            </a:r>
-            <a:r>
-              <a:rPr lang="en-GB" sz="2000" dirty="0" smtClean="0"/>
-              <a:t>model. </a:t>
-            </a:r>
-          </a:p>
-          <a:p>
-            <a:pPr marL="461963" indent="-285750"/>
-            <a:endParaRPr lang="en-GB" sz="2000" dirty="0" smtClean="0"/>
-          </a:p>
-          <a:p>
-            <a:pPr marL="461963" indent="-285750"/>
-            <a:r>
-              <a:rPr lang="en-GB" sz="2000" dirty="0" smtClean="0"/>
-              <a:t>Use </a:t>
-            </a:r>
-            <a:r>
-              <a:rPr lang="en-GB" sz="2000" dirty="0" smtClean="0"/>
-              <a:t>70</a:t>
-            </a:r>
-            <a:r>
-              <a:rPr lang="en-GB" sz="2000" dirty="0"/>
-              <a:t>% of the data to build the model and then test the model using the remaining 30%.</a:t>
-            </a:r>
-          </a:p>
-          <a:p>
-            <a:endParaRPr lang="en-GB" dirty="0"/>
-          </a:p>
-        </p:txBody>
-      </p:sp>
-    </p:spTree>
-    <p:extLst>
-      <p:ext uri="{BB962C8B-B14F-4D97-AF65-F5344CB8AC3E}">
-        <p14:creationId xmlns:p14="http://schemas.microsoft.com/office/powerpoint/2010/main" val="497337622"/>
-      </p:ext>
-    </p:extLst>
-  </p:cSld>
-  <p:clrMapOvr>
-    <a:masterClrMapping/>
-  </p:clrMapOvr>
-</p:sld>
-</file>
-
-<file path=ppt/slides/slide20.xml><?xml version="1.0" encoding="utf-8"?>
-<p:sld xmlns:a="http://schemas.openxmlformats.org/drawingml/2006/main" xmlns:r="http://schemas.openxmlformats.org/officeDocument/2006/relationships" xmlns:p="http://schemas.openxmlformats.org/presentationml/2006/main">
-  <p:cSld>
-    <p:spTree>
-      <p:nvGrpSpPr>
-        <p:cNvPr id="1" name=""/>
-        <p:cNvGrpSpPr/>
-        <p:nvPr/>
-      </p:nvGrpSpPr>
-      <p:grpSpPr>
-        <a:xfrm>
-          <a:off x="0" y="0"/>
-          <a:ext cx="0" cy="0"/>
-          <a:chOff x="0" y="0"/>
-          <a:chExt cx="0" cy="0"/>
-        </a:xfrm>
-      </p:grpSpPr>
-      <p:sp>
-        <p:nvSpPr>
-          <p:cNvPr id="2" name="Title 1"/>
-          <p:cNvSpPr>
-            <a:spLocks noGrp="1"/>
-          </p:cNvSpPr>
-          <p:nvPr>
-            <p:ph type="title"/>
-          </p:nvPr>
-        </p:nvSpPr>
-        <p:spPr/>
-        <p:txBody>
-          <a:bodyPr/>
-          <a:lstStyle/>
-          <a:p>
-            <a:r>
-              <a:rPr lang="en-GB" dirty="0" smtClean="0"/>
-              <a:t>Feature engineering</a:t>
+              <a:t>Feature </a:t>
+            </a:r>
+            <a:r>
+              <a:rPr lang="en-GB" dirty="0" smtClean="0"/>
+              <a:t>engineering</a:t>
             </a:r>
             <a:endParaRPr lang="en-GB" dirty="0"/>
           </a:p>
@@ -6228,7 +6853,7 @@
 </p:sld>
 </file>
 
-<file path=ppt/slides/slide21.xml><?xml version="1.0" encoding="utf-8"?>
+<file path=ppt/slides/slide22.xml><?xml version="1.0" encoding="utf-8"?>
 <p:sld xmlns:a="http://schemas.openxmlformats.org/drawingml/2006/main" xmlns:r="http://schemas.openxmlformats.org/officeDocument/2006/relationships" xmlns:p="http://schemas.openxmlformats.org/presentationml/2006/main">
   <p:cSld>
     <p:spTree>
@@ -6262,7 +6887,11 @@
           <a:p>
             <a:r>
               <a:rPr lang="en-GB" dirty="0" smtClean="0"/>
-              <a:t>Feature engineering</a:t>
+              <a:t>Feature </a:t>
+            </a:r>
+            <a:r>
+              <a:rPr lang="en-GB" dirty="0" smtClean="0"/>
+              <a:t>engineering</a:t>
             </a:r>
             <a:endParaRPr lang="en-GB" dirty="0"/>
           </a:p>
@@ -6292,7 +6921,16 @@
           <a:p>
             <a:r>
               <a:rPr lang="en-GB" sz="2000" dirty="0" smtClean="0"/>
-              <a:t>The dataset has been reduced to 24638 entries from 24776</a:t>
+              <a:t>The dataset has been reduced to 24638 entries from 24776 observations</a:t>
+            </a:r>
+          </a:p>
+          <a:p>
+            <a:endParaRPr lang="en-GB" sz="2000" dirty="0" smtClean="0"/>
+          </a:p>
+          <a:p>
+            <a:r>
+              <a:rPr lang="en-GB" sz="2000" dirty="0" smtClean="0"/>
+              <a:t>The dataset now contains 46 feature columns</a:t>
             </a:r>
             <a:endParaRPr lang="en-GB" sz="2000" dirty="0"/>
           </a:p>
@@ -6321,8 +6959,8 @@
         </p:blipFill>
         <p:spPr bwMode="auto">
           <a:xfrm>
-            <a:off x="5148064" y="476672"/>
-            <a:ext cx="3638550" cy="6257925"/>
+            <a:off x="5580112" y="789979"/>
+            <a:ext cx="3456384" cy="5944618"/>
           </a:xfrm>
           <a:prstGeom prst="rect">
             <a:avLst/>
@@ -6365,7 +7003,7 @@
 </p:sld>
 </file>
 
-<file path=ppt/slides/slide22.xml><?xml version="1.0" encoding="utf-8"?>
+<file path=ppt/slides/slide23.xml><?xml version="1.0" encoding="utf-8"?>
 <p:sld xmlns:a="http://schemas.openxmlformats.org/drawingml/2006/main" xmlns:r="http://schemas.openxmlformats.org/officeDocument/2006/relationships" xmlns:p="http://schemas.openxmlformats.org/presentationml/2006/main">
   <p:cSld>
     <p:spTree>
@@ -6399,7 +7037,11 @@
           <a:p>
             <a:r>
               <a:rPr lang="en-GB" dirty="0" smtClean="0"/>
-              <a:t>Feature engineering</a:t>
+              <a:t>Feature </a:t>
+            </a:r>
+            <a:r>
+              <a:rPr lang="en-GB" dirty="0" smtClean="0"/>
+              <a:t>engineering</a:t>
             </a:r>
             <a:endParaRPr lang="en-GB" dirty="0"/>
           </a:p>
@@ -6415,16 +7057,65 @@
             <p:ph idx="1"/>
           </p:nvPr>
         </p:nvSpPr>
-        <p:spPr/>
-        <p:txBody>
-          <a:bodyPr/>
+        <p:spPr>
+          <a:xfrm>
+            <a:off x="457200" y="1720552"/>
+            <a:ext cx="8229600" cy="4876800"/>
+          </a:xfrm>
+        </p:spPr>
+        <p:txBody>
+          <a:bodyPr>
+            <a:normAutofit fontScale="92500" lnSpcReduction="20000"/>
+          </a:bodyPr>
           <a:lstStyle/>
           <a:p>
             <a:r>
               <a:rPr lang="en-GB" dirty="0" smtClean="0"/>
               <a:t>Correlation matrix</a:t>
             </a:r>
+          </a:p>
+          <a:p>
             <a:endParaRPr lang="en-GB" dirty="0"/>
+          </a:p>
+          <a:p>
+            <a:endParaRPr lang="en-GB" dirty="0" smtClean="0"/>
+          </a:p>
+          <a:p>
+            <a:endParaRPr lang="en-GB" dirty="0"/>
+          </a:p>
+          <a:p>
+            <a:endParaRPr lang="en-GB" dirty="0" smtClean="0"/>
+          </a:p>
+          <a:p>
+            <a:endParaRPr lang="en-GB" dirty="0" smtClean="0"/>
+          </a:p>
+          <a:p>
+            <a:endParaRPr lang="en-GB" dirty="0"/>
+          </a:p>
+          <a:p>
+            <a:endParaRPr lang="en-GB" dirty="0"/>
+          </a:p>
+          <a:p>
+            <a:endParaRPr lang="en-GB" dirty="0" smtClean="0"/>
+          </a:p>
+          <a:p>
+            <a:endParaRPr lang="en-GB" dirty="0"/>
+          </a:p>
+          <a:p>
+            <a:endParaRPr lang="en-GB" dirty="0" smtClean="0"/>
+          </a:p>
+          <a:p>
+            <a:endParaRPr lang="en-GB" dirty="0"/>
+          </a:p>
+          <a:p>
+            <a:pPr marL="0" indent="0">
+              <a:buNone/>
+            </a:pPr>
+            <a:r>
+              <a:rPr lang="en-GB" sz="1700" dirty="0" smtClean="0"/>
+              <a:t>The correlation matrix indicates that there are some features with minimal correlation, which has to be addressed.</a:t>
+            </a:r>
+            <a:endParaRPr lang="en-GB" sz="1700" dirty="0"/>
           </a:p>
         </p:txBody>
       </p:sp>
@@ -6451,8 +7142,8 @@
         </p:blipFill>
         <p:spPr bwMode="auto">
           <a:xfrm>
-            <a:off x="683568" y="2132856"/>
-            <a:ext cx="5504340" cy="3960440"/>
+            <a:off x="683568" y="1484784"/>
+            <a:ext cx="5704498" cy="4104456"/>
           </a:xfrm>
           <a:prstGeom prst="rect">
             <a:avLst/>
@@ -6495,140 +7186,6 @@
 </p:sld>
 </file>
 
-<file path=ppt/slides/slide23.xml><?xml version="1.0" encoding="utf-8"?>
-<p:sld xmlns:a="http://schemas.openxmlformats.org/drawingml/2006/main" xmlns:r="http://schemas.openxmlformats.org/officeDocument/2006/relationships" xmlns:p="http://schemas.openxmlformats.org/presentationml/2006/main">
-  <p:cSld>
-    <p:spTree>
-      <p:nvGrpSpPr>
-        <p:cNvPr id="1" name=""/>
-        <p:cNvGrpSpPr/>
-        <p:nvPr/>
-      </p:nvGrpSpPr>
-      <p:grpSpPr>
-        <a:xfrm>
-          <a:off x="0" y="0"/>
-          <a:ext cx="0" cy="0"/>
-          <a:chOff x="0" y="0"/>
-          <a:chExt cx="0" cy="0"/>
-        </a:xfrm>
-      </p:grpSpPr>
-      <p:sp>
-        <p:nvSpPr>
-          <p:cNvPr id="2" name="Title 1"/>
-          <p:cNvSpPr>
-            <a:spLocks noGrp="1"/>
-          </p:cNvSpPr>
-          <p:nvPr>
-            <p:ph type="title"/>
-          </p:nvPr>
-        </p:nvSpPr>
-        <p:spPr/>
-        <p:txBody>
-          <a:bodyPr>
-            <a:normAutofit/>
-          </a:bodyPr>
-          <a:lstStyle/>
-          <a:p>
-            <a:r>
-              <a:rPr lang="en-GB" dirty="0" smtClean="0"/>
-              <a:t>Classification</a:t>
-            </a:r>
-            <a:endParaRPr lang="en-GB" dirty="0"/>
-          </a:p>
-        </p:txBody>
-      </p:sp>
-      <p:sp>
-        <p:nvSpPr>
-          <p:cNvPr id="3" name="Content Placeholder 2"/>
-          <p:cNvSpPr>
-            <a:spLocks noGrp="1"/>
-          </p:cNvSpPr>
-          <p:nvPr>
-            <p:ph idx="1"/>
-          </p:nvPr>
-        </p:nvSpPr>
-        <p:spPr/>
-        <p:txBody>
-          <a:bodyPr/>
-          <a:lstStyle/>
-          <a:p>
-            <a:r>
-              <a:rPr lang="en-GB" dirty="0" smtClean="0"/>
-              <a:t>Define predictor variables (X) and target variable (y)</a:t>
-            </a:r>
-          </a:p>
-          <a:p>
-            <a:pPr lvl="1"/>
-            <a:r>
-              <a:rPr lang="en-GB" dirty="0" smtClean="0"/>
-              <a:t>X = transformed features excluding y</a:t>
-            </a:r>
-          </a:p>
-          <a:p>
-            <a:pPr lvl="1"/>
-            <a:r>
-              <a:rPr lang="en-GB" dirty="0" smtClean="0"/>
-              <a:t>y = ‘0’ for completed and ‘1’ for defaulted loan</a:t>
-            </a:r>
-          </a:p>
-          <a:p>
-            <a:pPr lvl="1"/>
-            <a:endParaRPr lang="en-GB" dirty="0"/>
-          </a:p>
-          <a:p>
-            <a:r>
-              <a:rPr lang="en-GB" dirty="0" smtClean="0"/>
-              <a:t>Implement train </a:t>
-            </a:r>
-            <a:r>
-              <a:rPr lang="en-GB" dirty="0"/>
-              <a:t>test split</a:t>
-            </a:r>
-          </a:p>
-          <a:p>
-            <a:r>
-              <a:rPr lang="en-GB" dirty="0"/>
-              <a:t>S</a:t>
-            </a:r>
-            <a:r>
-              <a:rPr lang="en-GB" dirty="0" smtClean="0"/>
-              <a:t>tratify </a:t>
-            </a:r>
-            <a:r>
-              <a:rPr lang="en-GB" dirty="0"/>
-              <a:t>target y as </a:t>
-            </a:r>
-            <a:r>
-              <a:rPr lang="en-GB" dirty="0" smtClean="0"/>
-              <a:t>data may </a:t>
-            </a:r>
-            <a:r>
-              <a:rPr lang="en-GB" dirty="0"/>
-              <a:t>not be normally </a:t>
-            </a:r>
-            <a:r>
-              <a:rPr lang="en-GB" dirty="0" smtClean="0"/>
-              <a:t>distributed</a:t>
-            </a:r>
-          </a:p>
-          <a:p>
-            <a:endParaRPr lang="en-GB" dirty="0"/>
-          </a:p>
-        </p:txBody>
-      </p:sp>
-    </p:spTree>
-    <p:extLst>
-      <p:ext uri="{BB962C8B-B14F-4D97-AF65-F5344CB8AC3E}">
-        <p14:creationId xmlns:p14="http://schemas.microsoft.com/office/powerpoint/2010/main" val="1350769179"/>
-      </p:ext>
-    </p:extLst>
-  </p:cSld>
-  <p:clrMapOvr>
-    <a:masterClrMapping/>
-  </p:clrMapOvr>
-</p:sld>
-</file>
-
 <file path=ppt/slides/slide24.xml><?xml version="1.0" encoding="utf-8"?>
 <p:sld xmlns:a="http://schemas.openxmlformats.org/drawingml/2006/main" xmlns:r="http://schemas.openxmlformats.org/officeDocument/2006/relationships" xmlns:p="http://schemas.openxmlformats.org/presentationml/2006/main">
   <p:cSld>
@@ -6687,6 +7244,333 @@
           <a:lstStyle/>
           <a:p>
             <a:r>
+              <a:rPr lang="en-GB" dirty="0" smtClean="0"/>
+              <a:t>Define predictor variables (X) and target variable (y)</a:t>
+            </a:r>
+          </a:p>
+          <a:p>
+            <a:pPr lvl="1"/>
+            <a:r>
+              <a:rPr lang="en-GB" dirty="0" smtClean="0"/>
+              <a:t>y = ‘</a:t>
+            </a:r>
+            <a:r>
+              <a:rPr lang="en-GB" dirty="0" err="1" smtClean="0"/>
+              <a:t>Class_new</a:t>
+            </a:r>
+            <a:r>
+              <a:rPr lang="en-GB" dirty="0" smtClean="0"/>
+              <a:t> column containing ‘0’ for completed and ‘1’ for defaulted loan</a:t>
+            </a:r>
+          </a:p>
+          <a:p>
+            <a:pPr lvl="1"/>
+            <a:r>
+              <a:rPr lang="en-GB" dirty="0"/>
+              <a:t>X = transformed features excluding y</a:t>
+            </a:r>
+          </a:p>
+          <a:p>
+            <a:pPr lvl="1"/>
+            <a:endParaRPr lang="en-GB" dirty="0"/>
+          </a:p>
+          <a:p>
+            <a:r>
+              <a:rPr lang="en-GB" dirty="0" smtClean="0"/>
+              <a:t>Implement train </a:t>
+            </a:r>
+            <a:r>
+              <a:rPr lang="en-GB" dirty="0"/>
+              <a:t>test </a:t>
+            </a:r>
+            <a:r>
+              <a:rPr lang="en-GB" dirty="0" smtClean="0"/>
+              <a:t>split on X and y</a:t>
+            </a:r>
+          </a:p>
+          <a:p>
+            <a:r>
+              <a:rPr lang="en-GB" dirty="0" smtClean="0"/>
+              <a:t>70% train, 30% test</a:t>
+            </a:r>
+            <a:endParaRPr lang="en-GB" dirty="0"/>
+          </a:p>
+          <a:p>
+            <a:r>
+              <a:rPr lang="en-GB" dirty="0"/>
+              <a:t>S</a:t>
+            </a:r>
+            <a:r>
+              <a:rPr lang="en-GB" dirty="0" smtClean="0"/>
+              <a:t>tratify </a:t>
+            </a:r>
+            <a:r>
+              <a:rPr lang="en-GB" dirty="0"/>
+              <a:t>target y as </a:t>
+            </a:r>
+            <a:r>
+              <a:rPr lang="en-GB" dirty="0" smtClean="0"/>
+              <a:t>data may </a:t>
+            </a:r>
+            <a:r>
+              <a:rPr lang="en-GB" dirty="0"/>
+              <a:t>not be normally </a:t>
+            </a:r>
+            <a:r>
+              <a:rPr lang="en-GB" dirty="0" smtClean="0"/>
+              <a:t>distributed</a:t>
+            </a:r>
+          </a:p>
+          <a:p>
+            <a:endParaRPr lang="en-GB" dirty="0"/>
+          </a:p>
+        </p:txBody>
+      </p:sp>
+    </p:spTree>
+    <p:extLst>
+      <p:ext uri="{BB962C8B-B14F-4D97-AF65-F5344CB8AC3E}">
+        <p14:creationId xmlns:p14="http://schemas.microsoft.com/office/powerpoint/2010/main" val="1350769179"/>
+      </p:ext>
+    </p:extLst>
+  </p:cSld>
+  <p:clrMapOvr>
+    <a:masterClrMapping/>
+  </p:clrMapOvr>
+</p:sld>
+</file>
+
+<file path=ppt/slides/slide25.xml><?xml version="1.0" encoding="utf-8"?>
+<p:sld xmlns:a="http://schemas.openxmlformats.org/drawingml/2006/main" xmlns:r="http://schemas.openxmlformats.org/officeDocument/2006/relationships" xmlns:p="http://schemas.openxmlformats.org/presentationml/2006/main">
+  <p:cSld>
+    <p:spTree>
+      <p:nvGrpSpPr>
+        <p:cNvPr id="1" name=""/>
+        <p:cNvGrpSpPr/>
+        <p:nvPr/>
+      </p:nvGrpSpPr>
+      <p:grpSpPr>
+        <a:xfrm>
+          <a:off x="0" y="0"/>
+          <a:ext cx="0" cy="0"/>
+          <a:chOff x="0" y="0"/>
+          <a:chExt cx="0" cy="0"/>
+        </a:xfrm>
+      </p:grpSpPr>
+      <p:sp>
+        <p:nvSpPr>
+          <p:cNvPr id="2" name="Title 1"/>
+          <p:cNvSpPr>
+            <a:spLocks noGrp="1"/>
+          </p:cNvSpPr>
+          <p:nvPr>
+            <p:ph type="title"/>
+          </p:nvPr>
+        </p:nvSpPr>
+        <p:spPr/>
+        <p:txBody>
+          <a:bodyPr/>
+          <a:lstStyle/>
+          <a:p>
+            <a:r>
+              <a:rPr lang="en-GB" dirty="0" smtClean="0"/>
+              <a:t>Classification: Evaluation Metric</a:t>
+            </a:r>
+            <a:endParaRPr lang="en-GB" dirty="0"/>
+          </a:p>
+        </p:txBody>
+      </p:sp>
+      <p:sp>
+        <p:nvSpPr>
+          <p:cNvPr id="4" name="Content Placeholder 2"/>
+          <p:cNvSpPr>
+            <a:spLocks noGrp="1"/>
+          </p:cNvSpPr>
+          <p:nvPr>
+            <p:ph idx="1"/>
+          </p:nvPr>
+        </p:nvSpPr>
+        <p:spPr>
+          <a:xfrm>
+            <a:off x="467544" y="1556792"/>
+            <a:ext cx="8229600" cy="4876800"/>
+          </a:xfrm>
+        </p:spPr>
+        <p:txBody>
+          <a:bodyPr>
+            <a:normAutofit/>
+          </a:bodyPr>
+          <a:lstStyle/>
+          <a:p>
+            <a:r>
+              <a:rPr lang="en-GB" sz="1600" dirty="0" smtClean="0"/>
+              <a:t>AUC </a:t>
+            </a:r>
+            <a:r>
+              <a:rPr lang="en-GB" sz="1600" dirty="0" smtClean="0"/>
+              <a:t>(‘area under the curve’) score</a:t>
+            </a:r>
+          </a:p>
+          <a:p>
+            <a:endParaRPr lang="en-GB" sz="1600" dirty="0"/>
+          </a:p>
+          <a:p>
+            <a:pPr marL="171450" lvl="0" indent="-171450"/>
+            <a:r>
+              <a:rPr lang="en-GB" sz="1600" dirty="0" smtClean="0"/>
+              <a:t>TPR </a:t>
+            </a:r>
+            <a:r>
+              <a:rPr lang="en-GB" sz="1600" dirty="0"/>
+              <a:t>(also called Recall or Sensitivity) = sum total positives/sum of condition positive = TP/(TP+FN)</a:t>
+            </a:r>
+          </a:p>
+          <a:p>
+            <a:pPr lvl="0"/>
+            <a:endParaRPr lang="en-GB" sz="1600" dirty="0"/>
+          </a:p>
+          <a:p>
+            <a:pPr marL="171450" lvl="0" indent="-171450"/>
+            <a:r>
+              <a:rPr lang="en-GB" sz="1600" dirty="0"/>
+              <a:t>FPR (also called Fall-out) = sum of false positives/sum of condition negative = FP/(FP+TN)</a:t>
+            </a:r>
+          </a:p>
+          <a:p>
+            <a:endParaRPr lang="en-GB" sz="1600" dirty="0"/>
+          </a:p>
+          <a:p>
+            <a:r>
+              <a:rPr lang="en-GB" sz="1600" dirty="0"/>
+              <a:t>To combine the FPR and the TPR into one single metric, </a:t>
+            </a:r>
+            <a:r>
+              <a:rPr lang="en-GB" sz="1600" dirty="0" smtClean="0"/>
+              <a:t>the </a:t>
+            </a:r>
+            <a:r>
+              <a:rPr lang="en-GB" sz="1600" dirty="0"/>
+              <a:t>two </a:t>
+            </a:r>
+            <a:r>
+              <a:rPr lang="en-GB" sz="1600" dirty="0" smtClean="0"/>
+              <a:t>metrics are computed with using many different thresholds </a:t>
+            </a:r>
+            <a:r>
+              <a:rPr lang="en-GB" sz="1600" dirty="0"/>
+              <a:t>(for example 0.00;0.01,0.02,…,1.00 0.00;0.01,0.02,…,1.00 ) for the logistic </a:t>
+            </a:r>
+            <a:r>
+              <a:rPr lang="en-GB" sz="1600" dirty="0" smtClean="0"/>
+              <a:t>regression.</a:t>
+            </a:r>
+          </a:p>
+          <a:p>
+            <a:endParaRPr lang="en-GB" sz="1600" dirty="0" smtClean="0"/>
+          </a:p>
+          <a:p>
+            <a:r>
+              <a:rPr lang="en-GB" sz="1600" dirty="0" smtClean="0"/>
+              <a:t>The ROC curve </a:t>
+            </a:r>
+            <a:r>
+              <a:rPr lang="en-GB" sz="1600" dirty="0"/>
+              <a:t>is created by plotting the true positive rate (TPR) against the false positive rate (FPR) at various threshold settings.</a:t>
+            </a:r>
+          </a:p>
+          <a:p>
+            <a:endParaRPr lang="en-GB" sz="1600" dirty="0"/>
+          </a:p>
+          <a:p>
+            <a:pPr marL="171450" indent="-171450"/>
+            <a:endParaRPr lang="en-GB" sz="1600" dirty="0"/>
+          </a:p>
+          <a:p>
+            <a:r>
+              <a:rPr lang="en-GB" sz="1600" i="1" dirty="0"/>
+              <a:t>From www.wikipedia.com</a:t>
+            </a:r>
+          </a:p>
+          <a:p>
+            <a:endParaRPr lang="en-GB" sz="1600" dirty="0" smtClean="0"/>
+          </a:p>
+        </p:txBody>
+      </p:sp>
+    </p:spTree>
+    <p:extLst>
+      <p:ext uri="{BB962C8B-B14F-4D97-AF65-F5344CB8AC3E}">
+        <p14:creationId xmlns:p14="http://schemas.microsoft.com/office/powerpoint/2010/main" val="1566873030"/>
+      </p:ext>
+    </p:extLst>
+  </p:cSld>
+  <p:clrMapOvr>
+    <a:masterClrMapping/>
+  </p:clrMapOvr>
+</p:sld>
+</file>
+
+<file path=ppt/slides/slide26.xml><?xml version="1.0" encoding="utf-8"?>
+<p:sld xmlns:a="http://schemas.openxmlformats.org/drawingml/2006/main" xmlns:r="http://schemas.openxmlformats.org/officeDocument/2006/relationships" xmlns:p="http://schemas.openxmlformats.org/presentationml/2006/main">
+  <p:cSld>
+    <p:spTree>
+      <p:nvGrpSpPr>
+        <p:cNvPr id="1" name=""/>
+        <p:cNvGrpSpPr/>
+        <p:nvPr/>
+      </p:nvGrpSpPr>
+      <p:grpSpPr>
+        <a:xfrm>
+          <a:off x="0" y="0"/>
+          <a:ext cx="0" cy="0"/>
+          <a:chOff x="0" y="0"/>
+          <a:chExt cx="0" cy="0"/>
+        </a:xfrm>
+      </p:grpSpPr>
+      <p:sp>
+        <p:nvSpPr>
+          <p:cNvPr id="2" name="Title 1"/>
+          <p:cNvSpPr>
+            <a:spLocks noGrp="1"/>
+          </p:cNvSpPr>
+          <p:nvPr>
+            <p:ph type="title"/>
+          </p:nvPr>
+        </p:nvSpPr>
+        <p:spPr/>
+        <p:txBody>
+          <a:bodyPr>
+            <a:normAutofit/>
+          </a:bodyPr>
+          <a:lstStyle/>
+          <a:p>
+            <a:r>
+              <a:rPr lang="en-GB" dirty="0" smtClean="0"/>
+              <a:t>Classification </a:t>
+            </a:r>
+            <a:endParaRPr lang="en-GB" dirty="0"/>
+          </a:p>
+        </p:txBody>
+      </p:sp>
+      <p:sp>
+        <p:nvSpPr>
+          <p:cNvPr id="3" name="Content Placeholder 2"/>
+          <p:cNvSpPr>
+            <a:spLocks noGrp="1"/>
+          </p:cNvSpPr>
+          <p:nvPr>
+            <p:ph idx="1"/>
+          </p:nvPr>
+        </p:nvSpPr>
+        <p:spPr>
+          <a:xfrm>
+            <a:off x="457200" y="1340768"/>
+            <a:ext cx="8229600" cy="4876800"/>
+          </a:xfrm>
+        </p:spPr>
+        <p:txBody>
+          <a:bodyPr/>
+          <a:lstStyle/>
+          <a:p>
+            <a:r>
               <a:rPr lang="en-GB" dirty="0"/>
               <a:t>Build logistic regression model</a:t>
             </a:r>
@@ -6698,7 +7582,7 @@
       </p:sp>
       <p:pic>
         <p:nvPicPr>
-          <p:cNvPr id="14338" name="Picture 2"/>
+          <p:cNvPr id="1027" name="Picture 3"/>
           <p:cNvPicPr>
             <a:picLocks noChangeAspect="1" noChangeArrowheads="1"/>
           </p:cNvPicPr>
@@ -6719,8 +7603,954 @@
         </p:blipFill>
         <p:spPr bwMode="auto">
           <a:xfrm>
-            <a:off x="755576" y="2271712"/>
-            <a:ext cx="7361237" cy="2314575"/>
+            <a:off x="279976" y="2097256"/>
+            <a:ext cx="8482261" cy="3636000"/>
+          </a:xfrm>
+          <a:prstGeom prst="rect">
+            <a:avLst/>
+          </a:prstGeom>
+          <a:noFill/>
+          <a:ln>
+            <a:noFill/>
+          </a:ln>
+          <a:extLst>
+            <a:ext uri="{909E8E84-426E-40DD-AFC4-6F175D3DCCD1}">
+              <a14:hiddenFill xmlns:a14="http://schemas.microsoft.com/office/drawing/2010/main">
+                <a:solidFill>
+                  <a:schemeClr val="accent1"/>
+                </a:solidFill>
+              </a14:hiddenFill>
+            </a:ext>
+            <a:ext uri="{91240B29-F687-4F45-9708-019B960494DF}">
+              <a14:hiddenLine xmlns:a14="http://schemas.microsoft.com/office/drawing/2010/main" w="9525">
+                <a:solidFill>
+                  <a:schemeClr val="tx1"/>
+                </a:solidFill>
+                <a:miter lim="800000"/>
+                <a:headEnd/>
+                <a:tailEnd/>
+              </a14:hiddenLine>
+            </a:ext>
+          </a:extLst>
+        </p:spPr>
+      </p:pic>
+      <p:sp>
+        <p:nvSpPr>
+          <p:cNvPr id="4" name="Line Callout 2 3"/>
+          <p:cNvSpPr/>
+          <p:nvPr/>
+        </p:nvSpPr>
+        <p:spPr>
+          <a:xfrm>
+            <a:off x="6386884" y="1988840"/>
+            <a:ext cx="2361580" cy="936104"/>
+          </a:xfrm>
+          <a:prstGeom prst="borderCallout2">
+            <a:avLst>
+              <a:gd name="adj1" fmla="val 55198"/>
+              <a:gd name="adj2" fmla="val -7177"/>
+              <a:gd name="adj3" fmla="val 75609"/>
+              <a:gd name="adj4" fmla="val -13200"/>
+              <a:gd name="adj5" fmla="val 119269"/>
+              <a:gd name="adj6" fmla="val -14737"/>
+            </a:avLst>
+          </a:prstGeom>
+        </p:spPr>
+        <p:style>
+          <a:lnRef idx="2">
+            <a:schemeClr val="accent1">
+              <a:shade val="50000"/>
+            </a:schemeClr>
+          </a:lnRef>
+          <a:fillRef idx="1">
+            <a:schemeClr val="accent1"/>
+          </a:fillRef>
+          <a:effectRef idx="0">
+            <a:schemeClr val="accent1"/>
+          </a:effectRef>
+          <a:fontRef idx="minor">
+            <a:schemeClr val="lt1"/>
+          </a:fontRef>
+        </p:style>
+        <p:txBody>
+          <a:bodyPr rtlCol="0" anchor="t"/>
+          <a:lstStyle/>
+          <a:p>
+            <a:r>
+              <a:rPr lang="en-GB" b="1" dirty="0" smtClean="0"/>
+              <a:t>Add class weights to account for unbalanced classes</a:t>
+            </a:r>
+            <a:endParaRPr lang="en-GB" b="1" dirty="0"/>
+          </a:p>
+        </p:txBody>
+      </p:sp>
+      <p:sp>
+        <p:nvSpPr>
+          <p:cNvPr id="8" name="Line Callout 2 7"/>
+          <p:cNvSpPr/>
+          <p:nvPr/>
+        </p:nvSpPr>
+        <p:spPr>
+          <a:xfrm>
+            <a:off x="6588222" y="5733256"/>
+            <a:ext cx="2145557" cy="792088"/>
+          </a:xfrm>
+          <a:prstGeom prst="borderCallout2">
+            <a:avLst>
+              <a:gd name="adj1" fmla="val 18750"/>
+              <a:gd name="adj2" fmla="val -8333"/>
+              <a:gd name="adj3" fmla="val 18750"/>
+              <a:gd name="adj4" fmla="val -16667"/>
+              <a:gd name="adj5" fmla="val -7187"/>
+              <a:gd name="adj6" fmla="val -25834"/>
+            </a:avLst>
+          </a:prstGeom>
+        </p:spPr>
+        <p:style>
+          <a:lnRef idx="2">
+            <a:schemeClr val="accent1">
+              <a:shade val="50000"/>
+            </a:schemeClr>
+          </a:lnRef>
+          <a:fillRef idx="1">
+            <a:schemeClr val="accent1"/>
+          </a:fillRef>
+          <a:effectRef idx="0">
+            <a:schemeClr val="accent1"/>
+          </a:effectRef>
+          <a:fontRef idx="minor">
+            <a:schemeClr val="lt1"/>
+          </a:fontRef>
+        </p:style>
+        <p:txBody>
+          <a:bodyPr rtlCol="0" anchor="t"/>
+          <a:lstStyle/>
+          <a:p>
+            <a:r>
+              <a:rPr lang="en-GB" b="1" dirty="0" smtClean="0"/>
+              <a:t>Initial AUC score:</a:t>
+            </a:r>
+          </a:p>
+          <a:p>
+            <a:r>
+              <a:rPr lang="en-GB" b="1" dirty="0" smtClean="0"/>
+              <a:t>0.6584</a:t>
+            </a:r>
+            <a:endParaRPr lang="en-GB" b="1" dirty="0"/>
+          </a:p>
+        </p:txBody>
+      </p:sp>
+    </p:spTree>
+    <p:extLst>
+      <p:ext uri="{BB962C8B-B14F-4D97-AF65-F5344CB8AC3E}">
+        <p14:creationId xmlns:p14="http://schemas.microsoft.com/office/powerpoint/2010/main" val="3977697202"/>
+      </p:ext>
+    </p:extLst>
+  </p:cSld>
+  <p:clrMapOvr>
+    <a:masterClrMapping/>
+  </p:clrMapOvr>
+</p:sld>
+</file>
+
+<file path=ppt/slides/slide27.xml><?xml version="1.0" encoding="utf-8"?>
+<p:sld xmlns:a="http://schemas.openxmlformats.org/drawingml/2006/main" xmlns:r="http://schemas.openxmlformats.org/officeDocument/2006/relationships" xmlns:p="http://schemas.openxmlformats.org/presentationml/2006/main">
+  <p:cSld>
+    <p:spTree>
+      <p:nvGrpSpPr>
+        <p:cNvPr id="1" name=""/>
+        <p:cNvGrpSpPr/>
+        <p:nvPr/>
+      </p:nvGrpSpPr>
+      <p:grpSpPr>
+        <a:xfrm>
+          <a:off x="0" y="0"/>
+          <a:ext cx="0" cy="0"/>
+          <a:chOff x="0" y="0"/>
+          <a:chExt cx="0" cy="0"/>
+        </a:xfrm>
+      </p:grpSpPr>
+      <p:sp>
+        <p:nvSpPr>
+          <p:cNvPr id="2" name="Title 1"/>
+          <p:cNvSpPr>
+            <a:spLocks noGrp="1"/>
+          </p:cNvSpPr>
+          <p:nvPr>
+            <p:ph type="title"/>
+          </p:nvPr>
+        </p:nvSpPr>
+        <p:spPr/>
+        <p:txBody>
+          <a:bodyPr>
+            <a:normAutofit/>
+          </a:bodyPr>
+          <a:lstStyle/>
+          <a:p>
+            <a:r>
+              <a:rPr lang="en-GB" dirty="0" smtClean="0"/>
+              <a:t>Classification</a:t>
+            </a:r>
+            <a:endParaRPr lang="en-GB" dirty="0"/>
+          </a:p>
+        </p:txBody>
+      </p:sp>
+      <p:sp>
+        <p:nvSpPr>
+          <p:cNvPr id="3" name="Content Placeholder 2"/>
+          <p:cNvSpPr>
+            <a:spLocks noGrp="1"/>
+          </p:cNvSpPr>
+          <p:nvPr>
+            <p:ph idx="1"/>
+          </p:nvPr>
+        </p:nvSpPr>
+        <p:spPr>
+          <a:xfrm>
+            <a:off x="420704" y="1333216"/>
+            <a:ext cx="8229600" cy="4876800"/>
+          </a:xfrm>
+        </p:spPr>
+        <p:txBody>
+          <a:bodyPr/>
+          <a:lstStyle/>
+          <a:p>
+            <a:r>
+              <a:rPr lang="en-GB" dirty="0" smtClean="0"/>
+              <a:t>Optimise logistic regression model </a:t>
+            </a:r>
+            <a:endParaRPr lang="en-GB" dirty="0"/>
+          </a:p>
+        </p:txBody>
+      </p:sp>
+      <p:pic>
+        <p:nvPicPr>
+          <p:cNvPr id="2051" name="Picture 3"/>
+          <p:cNvPicPr>
+            <a:picLocks noChangeAspect="1" noChangeArrowheads="1"/>
+          </p:cNvPicPr>
+          <p:nvPr/>
+        </p:nvPicPr>
+        <p:blipFill>
+          <a:blip r:embed="rId2">
+            <a:extLst>
+              <a:ext uri="{28A0092B-C50C-407E-A947-70E740481C1C}">
+                <a14:useLocalDpi xmlns:a14="http://schemas.microsoft.com/office/drawing/2010/main" val="0"/>
+              </a:ext>
+            </a:extLst>
+          </a:blip>
+          <a:srcRect/>
+          <a:stretch>
+            <a:fillRect/>
+          </a:stretch>
+        </p:blipFill>
+        <p:spPr bwMode="auto">
+          <a:xfrm>
+            <a:off x="107504" y="1771474"/>
+            <a:ext cx="8856000" cy="5041902"/>
+          </a:xfrm>
+          <a:prstGeom prst="rect">
+            <a:avLst/>
+          </a:prstGeom>
+          <a:noFill/>
+          <a:ln>
+            <a:noFill/>
+          </a:ln>
+          <a:extLst>
+            <a:ext uri="{909E8E84-426E-40DD-AFC4-6F175D3DCCD1}">
+              <a14:hiddenFill xmlns:a14="http://schemas.microsoft.com/office/drawing/2010/main">
+                <a:solidFill>
+                  <a:schemeClr val="accent1"/>
+                </a:solidFill>
+              </a14:hiddenFill>
+            </a:ext>
+            <a:ext uri="{91240B29-F687-4F45-9708-019B960494DF}">
+              <a14:hiddenLine xmlns:a14="http://schemas.microsoft.com/office/drawing/2010/main" w="9525">
+                <a:solidFill>
+                  <a:schemeClr val="tx1"/>
+                </a:solidFill>
+                <a:miter lim="800000"/>
+                <a:headEnd/>
+                <a:tailEnd/>
+              </a14:hiddenLine>
+            </a:ext>
+          </a:extLst>
+        </p:spPr>
+      </p:pic>
+      <p:sp>
+        <p:nvSpPr>
+          <p:cNvPr id="7" name="Line Callout 2 6"/>
+          <p:cNvSpPr/>
+          <p:nvPr/>
+        </p:nvSpPr>
+        <p:spPr>
+          <a:xfrm>
+            <a:off x="6602908" y="2996952"/>
+            <a:ext cx="2361580" cy="936104"/>
+          </a:xfrm>
+          <a:prstGeom prst="borderCallout2">
+            <a:avLst>
+              <a:gd name="adj1" fmla="val 55199"/>
+              <a:gd name="adj2" fmla="val -5443"/>
+              <a:gd name="adj3" fmla="val 71235"/>
+              <a:gd name="adj4" fmla="val -17245"/>
+              <a:gd name="adj5" fmla="val 126559"/>
+              <a:gd name="adj6" fmla="val -85820"/>
+            </a:avLst>
+          </a:prstGeom>
+        </p:spPr>
+        <p:style>
+          <a:lnRef idx="2">
+            <a:schemeClr val="accent1">
+              <a:shade val="50000"/>
+            </a:schemeClr>
+          </a:lnRef>
+          <a:fillRef idx="1">
+            <a:schemeClr val="accent1"/>
+          </a:fillRef>
+          <a:effectRef idx="0">
+            <a:schemeClr val="accent1"/>
+          </a:effectRef>
+          <a:fontRef idx="minor">
+            <a:schemeClr val="lt1"/>
+          </a:fontRef>
+        </p:style>
+        <p:txBody>
+          <a:bodyPr rtlCol="0" anchor="t"/>
+          <a:lstStyle/>
+          <a:p>
+            <a:r>
+              <a:rPr lang="en-GB" b="1" dirty="0" smtClean="0"/>
+              <a:t>Use </a:t>
+            </a:r>
+            <a:r>
+              <a:rPr lang="en-GB" b="1" dirty="0" err="1" smtClean="0"/>
+              <a:t>GridSearchCV</a:t>
+            </a:r>
+            <a:r>
+              <a:rPr lang="en-GB" b="1" dirty="0" smtClean="0"/>
+              <a:t> to find best model parameters</a:t>
+            </a:r>
+            <a:endParaRPr lang="en-GB" b="1" dirty="0"/>
+          </a:p>
+        </p:txBody>
+      </p:sp>
+      <p:sp>
+        <p:nvSpPr>
+          <p:cNvPr id="8" name="Line Callout 2 7"/>
+          <p:cNvSpPr/>
+          <p:nvPr/>
+        </p:nvSpPr>
+        <p:spPr>
+          <a:xfrm>
+            <a:off x="6602908" y="5805264"/>
+            <a:ext cx="2361580" cy="936104"/>
+          </a:xfrm>
+          <a:prstGeom prst="borderCallout2">
+            <a:avLst>
+              <a:gd name="adj1" fmla="val 84357"/>
+              <a:gd name="adj2" fmla="val -2554"/>
+              <a:gd name="adj3" fmla="val 84357"/>
+              <a:gd name="adj4" fmla="val -17245"/>
+              <a:gd name="adj5" fmla="val 93024"/>
+              <a:gd name="adj6" fmla="val -49989"/>
+            </a:avLst>
+          </a:prstGeom>
+        </p:spPr>
+        <p:style>
+          <a:lnRef idx="2">
+            <a:schemeClr val="accent1">
+              <a:shade val="50000"/>
+            </a:schemeClr>
+          </a:lnRef>
+          <a:fillRef idx="1">
+            <a:schemeClr val="accent1"/>
+          </a:fillRef>
+          <a:effectRef idx="0">
+            <a:schemeClr val="accent1"/>
+          </a:effectRef>
+          <a:fontRef idx="minor">
+            <a:schemeClr val="lt1"/>
+          </a:fontRef>
+        </p:style>
+        <p:txBody>
+          <a:bodyPr rtlCol="0" anchor="t"/>
+          <a:lstStyle/>
+          <a:p>
+            <a:r>
+              <a:rPr lang="en-GB" b="1" dirty="0" smtClean="0"/>
+              <a:t>The optimised model generates an AUC of 0.6590</a:t>
+            </a:r>
+            <a:endParaRPr lang="en-GB" b="1" dirty="0"/>
+          </a:p>
+        </p:txBody>
+      </p:sp>
+    </p:spTree>
+    <p:extLst>
+      <p:ext uri="{BB962C8B-B14F-4D97-AF65-F5344CB8AC3E}">
+        <p14:creationId xmlns:p14="http://schemas.microsoft.com/office/powerpoint/2010/main" val="3977697202"/>
+      </p:ext>
+    </p:extLst>
+  </p:cSld>
+  <p:clrMapOvr>
+    <a:masterClrMapping/>
+  </p:clrMapOvr>
+</p:sld>
+</file>
+
+<file path=ppt/slides/slide28.xml><?xml version="1.0" encoding="utf-8"?>
+<p:sld xmlns:a="http://schemas.openxmlformats.org/drawingml/2006/main" xmlns:r="http://schemas.openxmlformats.org/officeDocument/2006/relationships" xmlns:p="http://schemas.openxmlformats.org/presentationml/2006/main">
+  <p:cSld>
+    <p:spTree>
+      <p:nvGrpSpPr>
+        <p:cNvPr id="1" name=""/>
+        <p:cNvGrpSpPr/>
+        <p:nvPr/>
+      </p:nvGrpSpPr>
+      <p:grpSpPr>
+        <a:xfrm>
+          <a:off x="0" y="0"/>
+          <a:ext cx="0" cy="0"/>
+          <a:chOff x="0" y="0"/>
+          <a:chExt cx="0" cy="0"/>
+        </a:xfrm>
+      </p:grpSpPr>
+      <p:sp>
+        <p:nvSpPr>
+          <p:cNvPr id="2" name="Title 1"/>
+          <p:cNvSpPr>
+            <a:spLocks noGrp="1"/>
+          </p:cNvSpPr>
+          <p:nvPr>
+            <p:ph type="title"/>
+          </p:nvPr>
+        </p:nvSpPr>
+        <p:spPr/>
+        <p:txBody>
+          <a:bodyPr>
+            <a:normAutofit/>
+          </a:bodyPr>
+          <a:lstStyle/>
+          <a:p>
+            <a:r>
+              <a:rPr lang="en-GB" dirty="0" smtClean="0"/>
+              <a:t>Classification</a:t>
+            </a:r>
+            <a:endParaRPr lang="en-GB" dirty="0"/>
+          </a:p>
+        </p:txBody>
+      </p:sp>
+      <p:sp>
+        <p:nvSpPr>
+          <p:cNvPr id="3" name="Content Placeholder 2"/>
+          <p:cNvSpPr>
+            <a:spLocks noGrp="1"/>
+          </p:cNvSpPr>
+          <p:nvPr>
+            <p:ph idx="1"/>
+          </p:nvPr>
+        </p:nvSpPr>
+        <p:spPr>
+          <a:xfrm>
+            <a:off x="457200" y="1340768"/>
+            <a:ext cx="8229600" cy="4876800"/>
+          </a:xfrm>
+        </p:spPr>
+        <p:txBody>
+          <a:bodyPr/>
+          <a:lstStyle/>
+          <a:p>
+            <a:r>
+              <a:rPr lang="en-GB" dirty="0" smtClean="0"/>
+              <a:t>Identifying the optimal subset of features through recursive feature elimination using a backward approach</a:t>
+            </a:r>
+          </a:p>
+        </p:txBody>
+      </p:sp>
+      <p:pic>
+        <p:nvPicPr>
+          <p:cNvPr id="3075" name="Picture 3"/>
+          <p:cNvPicPr>
+            <a:picLocks noChangeAspect="1" noChangeArrowheads="1"/>
+          </p:cNvPicPr>
+          <p:nvPr/>
+        </p:nvPicPr>
+        <p:blipFill>
+          <a:blip r:embed="rId2">
+            <a:extLst>
+              <a:ext uri="{28A0092B-C50C-407E-A947-70E740481C1C}">
+                <a14:useLocalDpi xmlns:a14="http://schemas.microsoft.com/office/drawing/2010/main" val="0"/>
+              </a:ext>
+            </a:extLst>
+          </a:blip>
+          <a:srcRect/>
+          <a:stretch>
+            <a:fillRect/>
+          </a:stretch>
+        </p:blipFill>
+        <p:spPr bwMode="auto">
+          <a:xfrm>
+            <a:off x="179512" y="2564904"/>
+            <a:ext cx="8815908" cy="2394124"/>
+          </a:xfrm>
+          <a:prstGeom prst="rect">
+            <a:avLst/>
+          </a:prstGeom>
+          <a:noFill/>
+          <a:ln>
+            <a:noFill/>
+          </a:ln>
+          <a:extLst>
+            <a:ext uri="{909E8E84-426E-40DD-AFC4-6F175D3DCCD1}">
+              <a14:hiddenFill xmlns:a14="http://schemas.microsoft.com/office/drawing/2010/main">
+                <a:solidFill>
+                  <a:schemeClr val="accent1"/>
+                </a:solidFill>
+              </a14:hiddenFill>
+            </a:ext>
+            <a:ext uri="{91240B29-F687-4F45-9708-019B960494DF}">
+              <a14:hiddenLine xmlns:a14="http://schemas.microsoft.com/office/drawing/2010/main" w="9525">
+                <a:solidFill>
+                  <a:schemeClr val="tx1"/>
+                </a:solidFill>
+                <a:miter lim="800000"/>
+                <a:headEnd/>
+                <a:tailEnd/>
+              </a14:hiddenLine>
+            </a:ext>
+          </a:extLst>
+        </p:spPr>
+      </p:pic>
+      <p:sp>
+        <p:nvSpPr>
+          <p:cNvPr id="6" name="Line Callout 2 5"/>
+          <p:cNvSpPr/>
+          <p:nvPr/>
+        </p:nvSpPr>
+        <p:spPr>
+          <a:xfrm>
+            <a:off x="6876256" y="2564904"/>
+            <a:ext cx="2088232" cy="936104"/>
+          </a:xfrm>
+          <a:prstGeom prst="borderCallout2">
+            <a:avLst>
+              <a:gd name="adj1" fmla="val 31871"/>
+              <a:gd name="adj2" fmla="val -3132"/>
+              <a:gd name="adj3" fmla="val 43535"/>
+              <a:gd name="adj4" fmla="val -23602"/>
+              <a:gd name="adj5" fmla="val 74070"/>
+              <a:gd name="adj6" fmla="val -110091"/>
+            </a:avLst>
+          </a:prstGeom>
+        </p:spPr>
+        <p:style>
+          <a:lnRef idx="2">
+            <a:schemeClr val="accent1">
+              <a:shade val="50000"/>
+            </a:schemeClr>
+          </a:lnRef>
+          <a:fillRef idx="1">
+            <a:schemeClr val="accent1"/>
+          </a:fillRef>
+          <a:effectRef idx="0">
+            <a:schemeClr val="accent1"/>
+          </a:effectRef>
+          <a:fontRef idx="minor">
+            <a:schemeClr val="lt1"/>
+          </a:fontRef>
+        </p:style>
+        <p:txBody>
+          <a:bodyPr rtlCol="0" anchor="t"/>
+          <a:lstStyle/>
+          <a:p>
+            <a:r>
+              <a:rPr lang="en-GB" b="1" dirty="0" smtClean="0"/>
+              <a:t>The optimal number of features is 39</a:t>
+            </a:r>
+            <a:endParaRPr lang="en-GB" b="1" dirty="0"/>
+          </a:p>
+        </p:txBody>
+      </p:sp>
+      <p:sp>
+        <p:nvSpPr>
+          <p:cNvPr id="7" name="Line Callout 2 6"/>
+          <p:cNvSpPr/>
+          <p:nvPr/>
+        </p:nvSpPr>
+        <p:spPr>
+          <a:xfrm>
+            <a:off x="6876256" y="5373216"/>
+            <a:ext cx="2073548" cy="1296144"/>
+          </a:xfrm>
+          <a:prstGeom prst="borderCallout2">
+            <a:avLst>
+              <a:gd name="adj1" fmla="val -11867"/>
+              <a:gd name="adj2" fmla="val 54080"/>
+              <a:gd name="adj3" fmla="val -11866"/>
+              <a:gd name="adj4" fmla="val 54994"/>
+              <a:gd name="adj5" fmla="val -30334"/>
+              <a:gd name="adj6" fmla="val 34386"/>
+            </a:avLst>
+          </a:prstGeom>
+        </p:spPr>
+        <p:style>
+          <a:lnRef idx="2">
+            <a:schemeClr val="accent1">
+              <a:shade val="50000"/>
+            </a:schemeClr>
+          </a:lnRef>
+          <a:fillRef idx="1">
+            <a:schemeClr val="accent1"/>
+          </a:fillRef>
+          <a:effectRef idx="0">
+            <a:schemeClr val="accent1"/>
+          </a:effectRef>
+          <a:fontRef idx="minor">
+            <a:schemeClr val="lt1"/>
+          </a:fontRef>
+        </p:style>
+        <p:txBody>
+          <a:bodyPr rtlCol="0" anchor="t"/>
+          <a:lstStyle/>
+          <a:p>
+            <a:r>
+              <a:rPr lang="en-GB" b="1" dirty="0" smtClean="0"/>
+              <a:t>Using the model with reduced features, the score is 0.6600</a:t>
+            </a:r>
+            <a:endParaRPr lang="en-GB" b="1" dirty="0"/>
+          </a:p>
+        </p:txBody>
+      </p:sp>
+    </p:spTree>
+    <p:extLst>
+      <p:ext uri="{BB962C8B-B14F-4D97-AF65-F5344CB8AC3E}">
+        <p14:creationId xmlns:p14="http://schemas.microsoft.com/office/powerpoint/2010/main" val="164632408"/>
+      </p:ext>
+    </p:extLst>
+  </p:cSld>
+  <p:clrMapOvr>
+    <a:masterClrMapping/>
+  </p:clrMapOvr>
+</p:sld>
+</file>
+
+<file path=ppt/slides/slide29.xml><?xml version="1.0" encoding="utf-8"?>
+<p:sld xmlns:a="http://schemas.openxmlformats.org/drawingml/2006/main" xmlns:r="http://schemas.openxmlformats.org/officeDocument/2006/relationships" xmlns:p="http://schemas.openxmlformats.org/presentationml/2006/main">
+  <p:cSld>
+    <p:spTree>
+      <p:nvGrpSpPr>
+        <p:cNvPr id="1" name=""/>
+        <p:cNvGrpSpPr/>
+        <p:nvPr/>
+      </p:nvGrpSpPr>
+      <p:grpSpPr>
+        <a:xfrm>
+          <a:off x="0" y="0"/>
+          <a:ext cx="0" cy="0"/>
+          <a:chOff x="0" y="0"/>
+          <a:chExt cx="0" cy="0"/>
+        </a:xfrm>
+      </p:grpSpPr>
+      <p:sp>
+        <p:nvSpPr>
+          <p:cNvPr id="2" name="Title 1"/>
+          <p:cNvSpPr>
+            <a:spLocks noGrp="1"/>
+          </p:cNvSpPr>
+          <p:nvPr>
+            <p:ph type="title"/>
+          </p:nvPr>
+        </p:nvSpPr>
+        <p:spPr/>
+        <p:txBody>
+          <a:bodyPr/>
+          <a:lstStyle/>
+          <a:p>
+            <a:r>
+              <a:rPr lang="en-GB" dirty="0" smtClean="0"/>
+              <a:t>Results</a:t>
+            </a:r>
+            <a:endParaRPr lang="en-GB" dirty="0"/>
+          </a:p>
+        </p:txBody>
+      </p:sp>
+      <p:sp>
+        <p:nvSpPr>
+          <p:cNvPr id="3" name="Content Placeholder 2"/>
+          <p:cNvSpPr>
+            <a:spLocks noGrp="1"/>
+          </p:cNvSpPr>
+          <p:nvPr>
+            <p:ph idx="1"/>
+          </p:nvPr>
+        </p:nvSpPr>
+        <p:spPr>
+          <a:xfrm>
+            <a:off x="467544" y="1556792"/>
+            <a:ext cx="8229600" cy="4876800"/>
+          </a:xfrm>
+        </p:spPr>
+        <p:txBody>
+          <a:bodyPr/>
+          <a:lstStyle/>
+          <a:p>
+            <a:r>
+              <a:rPr lang="en-GB" dirty="0" smtClean="0"/>
+              <a:t>The final model delivered an AUC score of 0.6600.</a:t>
+            </a:r>
+          </a:p>
+          <a:p>
+            <a:pPr marL="0" indent="0">
+              <a:buNone/>
+            </a:pPr>
+            <a:endParaRPr lang="en-GB" dirty="0" smtClean="0"/>
+          </a:p>
+          <a:p>
+            <a:r>
+              <a:rPr lang="en-GB" dirty="0" smtClean="0"/>
+              <a:t>This can be interpreted </a:t>
+            </a:r>
+            <a:r>
+              <a:rPr lang="en-GB" dirty="0"/>
+              <a:t>as the probability that a randomly chosen positive example ranks </a:t>
+            </a:r>
+            <a:r>
+              <a:rPr lang="en-GB" dirty="0" smtClean="0"/>
+              <a:t>is </a:t>
+            </a:r>
+            <a:r>
+              <a:rPr lang="en-GB" dirty="0"/>
+              <a:t>deemed to have a higher probability of being positive </a:t>
+            </a:r>
+            <a:r>
+              <a:rPr lang="en-GB" dirty="0" smtClean="0"/>
+              <a:t>than </a:t>
+            </a:r>
+            <a:r>
+              <a:rPr lang="en-GB" dirty="0"/>
+              <a:t>a randomly chosen negative example</a:t>
+            </a:r>
+            <a:r>
+              <a:rPr lang="en-GB" dirty="0" smtClean="0"/>
+              <a:t>.</a:t>
+            </a:r>
+          </a:p>
+          <a:p>
+            <a:endParaRPr lang="en-GB" dirty="0"/>
+          </a:p>
+          <a:p>
+            <a:r>
+              <a:rPr lang="en-GB" dirty="0" smtClean="0"/>
+              <a:t>Parameter tuning and feature elimination improved the score.</a:t>
+            </a:r>
+            <a:endParaRPr lang="en-GB" dirty="0"/>
+          </a:p>
+          <a:p>
+            <a:endParaRPr lang="en-GB" dirty="0" smtClean="0"/>
+          </a:p>
+        </p:txBody>
+      </p:sp>
+    </p:spTree>
+    <p:extLst>
+      <p:ext uri="{BB962C8B-B14F-4D97-AF65-F5344CB8AC3E}">
+        <p14:creationId xmlns:p14="http://schemas.microsoft.com/office/powerpoint/2010/main" val="3947735532"/>
+      </p:ext>
+    </p:extLst>
+  </p:cSld>
+  <p:clrMapOvr>
+    <a:masterClrMapping/>
+  </p:clrMapOvr>
+</p:sld>
+</file>
+
+<file path=ppt/slides/slide3.xml><?xml version="1.0" encoding="utf-8"?>
+<p:sld xmlns:a="http://schemas.openxmlformats.org/drawingml/2006/main" xmlns:r="http://schemas.openxmlformats.org/officeDocument/2006/relationships" xmlns:p="http://schemas.openxmlformats.org/presentationml/2006/main">
+  <p:cSld>
+    <p:spTree>
+      <p:nvGrpSpPr>
+        <p:cNvPr id="1" name=""/>
+        <p:cNvGrpSpPr/>
+        <p:nvPr/>
+      </p:nvGrpSpPr>
+      <p:grpSpPr>
+        <a:xfrm>
+          <a:off x="0" y="0"/>
+          <a:ext cx="0" cy="0"/>
+          <a:chOff x="0" y="0"/>
+          <a:chExt cx="0" cy="0"/>
+        </a:xfrm>
+      </p:grpSpPr>
+      <p:sp>
+        <p:nvSpPr>
+          <p:cNvPr id="2" name="Title 1"/>
+          <p:cNvSpPr>
+            <a:spLocks noGrp="1"/>
+          </p:cNvSpPr>
+          <p:nvPr>
+            <p:ph type="title"/>
+          </p:nvPr>
+        </p:nvSpPr>
+        <p:spPr/>
+        <p:txBody>
+          <a:bodyPr/>
+          <a:lstStyle/>
+          <a:p>
+            <a:r>
+              <a:rPr lang="en-GB" dirty="0" smtClean="0"/>
+              <a:t>Project</a:t>
+            </a:r>
+            <a:endParaRPr lang="en-GB" dirty="0"/>
+          </a:p>
+        </p:txBody>
+      </p:sp>
+      <p:sp>
+        <p:nvSpPr>
+          <p:cNvPr id="3" name="Content Placeholder 2"/>
+          <p:cNvSpPr>
+            <a:spLocks noGrp="1"/>
+          </p:cNvSpPr>
+          <p:nvPr>
+            <p:ph idx="1"/>
+          </p:nvPr>
+        </p:nvSpPr>
+        <p:spPr>
+          <a:xfrm>
+            <a:off x="457200" y="1600200"/>
+            <a:ext cx="8219256" cy="4876800"/>
+          </a:xfrm>
+        </p:spPr>
+        <p:txBody>
+          <a:bodyPr>
+            <a:normAutofit/>
+          </a:bodyPr>
+          <a:lstStyle/>
+          <a:p>
+            <a:pPr marL="182563" indent="-182563"/>
+            <a:r>
+              <a:rPr lang="en-GB" dirty="0" smtClean="0"/>
+              <a:t>Predict customers’ creditworthiness </a:t>
+            </a:r>
+          </a:p>
+          <a:p>
+            <a:pPr marL="182563" indent="0">
+              <a:buNone/>
+            </a:pPr>
+            <a:r>
+              <a:rPr lang="en-GB" dirty="0" smtClean="0"/>
+              <a:t>(i.e. whether they will complete or default on a loan)</a:t>
+            </a:r>
+          </a:p>
+          <a:p>
+            <a:pPr marL="176213" indent="0">
+              <a:buNone/>
+            </a:pPr>
+            <a:endParaRPr lang="en-GB" sz="1600" dirty="0" smtClean="0"/>
+          </a:p>
+          <a:p>
+            <a:r>
+              <a:rPr lang="en-GB" dirty="0"/>
+              <a:t>Build and test a logistic regression model</a:t>
+            </a:r>
+          </a:p>
+          <a:p>
+            <a:pPr marL="285750" indent="-285750"/>
+            <a:endParaRPr lang="en-GB" dirty="0"/>
+          </a:p>
+          <a:p>
+            <a:r>
+              <a:rPr lang="en-GB" dirty="0"/>
+              <a:t>Use 70% of the data to build the model and then test the model using the remaining 30%</a:t>
+            </a:r>
+          </a:p>
+          <a:p>
+            <a:endParaRPr lang="en-GB" dirty="0"/>
+          </a:p>
+        </p:txBody>
+      </p:sp>
+    </p:spTree>
+    <p:extLst>
+      <p:ext uri="{BB962C8B-B14F-4D97-AF65-F5344CB8AC3E}">
+        <p14:creationId xmlns:p14="http://schemas.microsoft.com/office/powerpoint/2010/main" val="497337622"/>
+      </p:ext>
+    </p:extLst>
+  </p:cSld>
+  <p:clrMapOvr>
+    <a:masterClrMapping/>
+  </p:clrMapOvr>
+</p:sld>
+</file>
+
+<file path=ppt/slides/slide30.xml><?xml version="1.0" encoding="utf-8"?>
+<p:sld xmlns:a="http://schemas.openxmlformats.org/drawingml/2006/main" xmlns:r="http://schemas.openxmlformats.org/officeDocument/2006/relationships" xmlns:p="http://schemas.openxmlformats.org/presentationml/2006/main">
+  <p:cSld>
+    <p:spTree>
+      <p:nvGrpSpPr>
+        <p:cNvPr id="1" name=""/>
+        <p:cNvGrpSpPr/>
+        <p:nvPr/>
+      </p:nvGrpSpPr>
+      <p:grpSpPr>
+        <a:xfrm>
+          <a:off x="0" y="0"/>
+          <a:ext cx="0" cy="0"/>
+          <a:chOff x="0" y="0"/>
+          <a:chExt cx="0" cy="0"/>
+        </a:xfrm>
+      </p:grpSpPr>
+      <p:sp>
+        <p:nvSpPr>
+          <p:cNvPr id="2" name="Title 1"/>
+          <p:cNvSpPr>
+            <a:spLocks noGrp="1"/>
+          </p:cNvSpPr>
+          <p:nvPr>
+            <p:ph type="title"/>
+          </p:nvPr>
+        </p:nvSpPr>
+        <p:spPr/>
+        <p:txBody>
+          <a:bodyPr>
+            <a:normAutofit fontScale="90000"/>
+          </a:bodyPr>
+          <a:lstStyle/>
+          <a:p>
+            <a:r>
+              <a:rPr lang="en-GB" dirty="0" smtClean="0"/>
+              <a:t>Results: </a:t>
+            </a:r>
+            <a:r>
+              <a:rPr lang="en-GB" sz="3800" dirty="0" smtClean="0"/>
+              <a:t>Receiver Operating Characteristic</a:t>
+            </a:r>
+            <a:endParaRPr lang="en-GB" sz="3800" dirty="0"/>
+          </a:p>
+        </p:txBody>
+      </p:sp>
+      <p:pic>
+        <p:nvPicPr>
+          <p:cNvPr id="4098" name="Picture 2"/>
+          <p:cNvPicPr>
+            <a:picLocks noChangeAspect="1" noChangeArrowheads="1"/>
+          </p:cNvPicPr>
+          <p:nvPr/>
+        </p:nvPicPr>
+        <p:blipFill>
+          <a:blip r:embed="rId3">
+            <a:extLst>
+              <a:ext uri="{28A0092B-C50C-407E-A947-70E740481C1C}">
+                <a14:useLocalDpi xmlns:a14="http://schemas.microsoft.com/office/drawing/2010/main" val="0"/>
+              </a:ext>
+            </a:extLst>
+          </a:blip>
+          <a:srcRect/>
+          <a:stretch>
+            <a:fillRect/>
+          </a:stretch>
+        </p:blipFill>
+        <p:spPr bwMode="auto">
+          <a:xfrm>
+            <a:off x="611559" y="1412775"/>
+            <a:ext cx="7200801" cy="5055589"/>
           </a:xfrm>
           <a:prstGeom prst="rect">
             <a:avLst/>
@@ -6753,7 +8583,7 @@
     </p:spTree>
     <p:extLst>
       <p:ext uri="{BB962C8B-B14F-4D97-AF65-F5344CB8AC3E}">
-        <p14:creationId xmlns:p14="http://schemas.microsoft.com/office/powerpoint/2010/main" val="3977697202"/>
+        <p14:creationId xmlns:p14="http://schemas.microsoft.com/office/powerpoint/2010/main" val="1350769179"/>
       </p:ext>
     </p:extLst>
   </p:cSld>
@@ -6763,7 +8593,7 @@
 </p:sld>
 </file>
 
-<file path=ppt/slides/slide25.xml><?xml version="1.0" encoding="utf-8"?>
+<file path=ppt/slides/slide31.xml><?xml version="1.0" encoding="utf-8"?>
 <p:sld xmlns:a="http://schemas.openxmlformats.org/drawingml/2006/main" xmlns:r="http://schemas.openxmlformats.org/officeDocument/2006/relationships" xmlns:p="http://schemas.openxmlformats.org/presentationml/2006/main">
   <p:cSld>
     <p:spTree>
@@ -6792,52 +8622,61 @@
         </p:nvSpPr>
         <p:spPr/>
         <p:txBody>
-          <a:bodyPr>
-            <a:normAutofit/>
+          <a:bodyPr/>
+          <a:lstStyle/>
+          <a:p>
+            <a:r>
+              <a:rPr lang="en-GB" dirty="0" smtClean="0"/>
+              <a:t>Results: Confusion Matrix</a:t>
+            </a:r>
+            <a:endParaRPr lang="en-GB" dirty="0"/>
+          </a:p>
+        </p:txBody>
+      </p:sp>
+      <p:sp>
+        <p:nvSpPr>
+          <p:cNvPr id="4" name="TextBox 3"/>
+          <p:cNvSpPr txBox="1"/>
+          <p:nvPr/>
+        </p:nvSpPr>
+        <p:spPr>
+          <a:xfrm>
+            <a:off x="4992046" y="2982345"/>
+            <a:ext cx="3756417" cy="276999"/>
+          </a:xfrm>
+          <a:prstGeom prst="rect">
+            <a:avLst/>
+          </a:prstGeom>
+          <a:noFill/>
+        </p:spPr>
+        <p:txBody>
+          <a:bodyPr wrap="square" rtlCol="0">
+            <a:spAutoFit/>
           </a:bodyPr>
           <a:lstStyle/>
           <a:p>
-            <a:r>
-              <a:rPr lang="en-GB" dirty="0" smtClean="0"/>
-              <a:t>Classification</a:t>
-            </a:r>
-            <a:endParaRPr lang="en-GB" dirty="0"/>
-          </a:p>
-        </p:txBody>
-      </p:sp>
-      <p:sp>
-        <p:nvSpPr>
-          <p:cNvPr id="3" name="Content Placeholder 2"/>
-          <p:cNvSpPr>
-            <a:spLocks noGrp="1"/>
-          </p:cNvSpPr>
-          <p:nvPr>
-            <p:ph idx="1"/>
-          </p:nvPr>
-        </p:nvSpPr>
-        <p:spPr/>
-        <p:txBody>
-          <a:bodyPr/>
-          <a:lstStyle/>
-          <a:p>
-            <a:r>
-              <a:rPr lang="en-GB" dirty="0" smtClean="0"/>
-              <a:t>Optimise logistic regression model </a:t>
-            </a:r>
-            <a:endParaRPr lang="en-GB" dirty="0"/>
+            <a:pPr marL="171450" indent="-171450">
+              <a:buFont typeface="Arial" panose="020B0604020202020204" pitchFamily="34" charset="0"/>
+              <a:buChar char="•"/>
+            </a:pPr>
+            <a:r>
+              <a:rPr lang="en-GB" sz="1200" dirty="0" err="1" smtClean="0"/>
+              <a:t>fsfs</a:t>
+            </a:r>
+            <a:endParaRPr lang="en-GB" sz="1200" dirty="0"/>
           </a:p>
         </p:txBody>
       </p:sp>
       <p:pic>
         <p:nvPicPr>
-          <p:cNvPr id="15362" name="Picture 2"/>
+          <p:cNvPr id="5123" name="Picture 3"/>
           <p:cNvPicPr>
             <a:picLocks noChangeAspect="1" noChangeArrowheads="1"/>
           </p:cNvPicPr>
           <p:nvPr/>
         </p:nvPicPr>
         <p:blipFill>
-          <a:blip r:embed="rId2">
+          <a:blip r:embed="rId3">
             <a:extLst>
               <a:ext uri="{28A0092B-C50C-407E-A947-70E740481C1C}">
                 <a14:useLocalDpi xmlns:a14="http://schemas.microsoft.com/office/drawing/2010/main" val="0"/>
@@ -6851,8 +8690,8 @@
         </p:blipFill>
         <p:spPr bwMode="auto">
           <a:xfrm>
-            <a:off x="683568" y="2132856"/>
-            <a:ext cx="7361237" cy="2895600"/>
+            <a:off x="467544" y="1556791"/>
+            <a:ext cx="6912768" cy="4917031"/>
           </a:xfrm>
           <a:prstGeom prst="rect">
             <a:avLst/>
@@ -6885,7 +8724,7 @@
     </p:spTree>
     <p:extLst>
       <p:ext uri="{BB962C8B-B14F-4D97-AF65-F5344CB8AC3E}">
-        <p14:creationId xmlns:p14="http://schemas.microsoft.com/office/powerpoint/2010/main" val="3977697202"/>
+        <p14:creationId xmlns:p14="http://schemas.microsoft.com/office/powerpoint/2010/main" val="1532778483"/>
       </p:ext>
     </p:extLst>
   </p:cSld>
@@ -6895,7 +8734,7 @@
 </p:sld>
 </file>
 
-<file path=ppt/slides/slide26.xml><?xml version="1.0" encoding="utf-8"?>
+<file path=ppt/slides/slide32.xml><?xml version="1.0" encoding="utf-8"?>
 <p:sld xmlns:a="http://schemas.openxmlformats.org/drawingml/2006/main" xmlns:r="http://schemas.openxmlformats.org/officeDocument/2006/relationships" xmlns:p="http://schemas.openxmlformats.org/presentationml/2006/main">
   <p:cSld>
     <p:spTree>
@@ -6929,7 +8768,7 @@
           <a:p>
             <a:r>
               <a:rPr lang="en-GB" dirty="0" smtClean="0"/>
-              <a:t>Results</a:t>
+              <a:t>Conclusion</a:t>
             </a:r>
             <a:endParaRPr lang="en-GB" dirty="0"/>
           </a:p>
@@ -6947,19 +8786,379 @@
         </p:nvSpPr>
         <p:spPr/>
         <p:txBody>
+          <a:bodyPr>
+            <a:normAutofit/>
+          </a:bodyPr>
+          <a:lstStyle/>
+          <a:p>
+            <a:pPr marL="0" indent="0">
+              <a:buNone/>
+            </a:pPr>
+            <a:r>
+              <a:rPr lang="en-GB" dirty="0" smtClean="0"/>
+              <a:t>The model outperforms random guessing in predicting loan defaults.</a:t>
+            </a:r>
+          </a:p>
+          <a:p>
+            <a:pPr marL="0" indent="0">
+              <a:buNone/>
+            </a:pPr>
+            <a:endParaRPr lang="en-GB" dirty="0" smtClean="0"/>
+          </a:p>
+          <a:p>
+            <a:pPr marL="0" indent="0">
+              <a:buNone/>
+            </a:pPr>
+            <a:r>
+              <a:rPr lang="en-GB" dirty="0" smtClean="0"/>
+              <a:t>How </a:t>
+            </a:r>
+            <a:r>
+              <a:rPr lang="en-GB" dirty="0" smtClean="0"/>
+              <a:t>does this add value for the client</a:t>
+            </a:r>
+            <a:r>
+              <a:rPr lang="en-GB" dirty="0" smtClean="0"/>
+              <a:t>?</a:t>
+            </a:r>
+          </a:p>
+          <a:p>
+            <a:r>
+              <a:rPr lang="en-GB" dirty="0" smtClean="0"/>
+              <a:t>Being able to predict loan defaults can help to adapt lending practices, minimise losses and thus, improve profitability.</a:t>
+            </a:r>
+            <a:endParaRPr lang="en-GB" dirty="0" smtClean="0"/>
+          </a:p>
+          <a:p>
+            <a:endParaRPr lang="en-GB" dirty="0"/>
+          </a:p>
+          <a:p>
+            <a:endParaRPr lang="en-GB" dirty="0"/>
+          </a:p>
+          <a:p>
+            <a:endParaRPr lang="en-GB" dirty="0"/>
+          </a:p>
+        </p:txBody>
+      </p:sp>
+    </p:spTree>
+    <p:extLst>
+      <p:ext uri="{BB962C8B-B14F-4D97-AF65-F5344CB8AC3E}">
+        <p14:creationId xmlns:p14="http://schemas.microsoft.com/office/powerpoint/2010/main" val="1350769179"/>
+      </p:ext>
+    </p:extLst>
+  </p:cSld>
+  <p:clrMapOvr>
+    <a:masterClrMapping/>
+  </p:clrMapOvr>
+</p:sld>
+</file>
+
+<file path=ppt/slides/slide33.xml><?xml version="1.0" encoding="utf-8"?>
+<p:sld xmlns:a="http://schemas.openxmlformats.org/drawingml/2006/main" xmlns:r="http://schemas.openxmlformats.org/officeDocument/2006/relationships" xmlns:p="http://schemas.openxmlformats.org/presentationml/2006/main">
+  <p:cSld>
+    <p:spTree>
+      <p:nvGrpSpPr>
+        <p:cNvPr id="1" name=""/>
+        <p:cNvGrpSpPr/>
+        <p:nvPr/>
+      </p:nvGrpSpPr>
+      <p:grpSpPr>
+        <a:xfrm>
+          <a:off x="0" y="0"/>
+          <a:ext cx="0" cy="0"/>
+          <a:chOff x="0" y="0"/>
+          <a:chExt cx="0" cy="0"/>
+        </a:xfrm>
+      </p:grpSpPr>
+      <p:sp>
+        <p:nvSpPr>
+          <p:cNvPr id="2" name="Title 1"/>
+          <p:cNvSpPr>
+            <a:spLocks noGrp="1"/>
+          </p:cNvSpPr>
+          <p:nvPr>
+            <p:ph type="title"/>
+          </p:nvPr>
+        </p:nvSpPr>
+        <p:spPr/>
+        <p:txBody>
           <a:bodyPr/>
           <a:lstStyle/>
           <a:p>
             <a:r>
               <a:rPr lang="en-GB" dirty="0" smtClean="0"/>
-              <a:t>AUC (‘area under the curve’) score</a:t>
-            </a:r>
+              <a:t>Conclusion</a:t>
+            </a:r>
+            <a:endParaRPr lang="en-GB" dirty="0"/>
+          </a:p>
+        </p:txBody>
+      </p:sp>
+      <p:sp>
+        <p:nvSpPr>
+          <p:cNvPr id="3" name="Content Placeholder 2"/>
+          <p:cNvSpPr>
+            <a:spLocks noGrp="1"/>
+          </p:cNvSpPr>
+          <p:nvPr>
+            <p:ph idx="1"/>
+          </p:nvPr>
+        </p:nvSpPr>
+        <p:spPr/>
+        <p:txBody>
+          <a:bodyPr>
+            <a:normAutofit/>
+          </a:bodyPr>
+          <a:lstStyle/>
+          <a:p>
+            <a:pPr marL="0" indent="0">
+              <a:buNone/>
+            </a:pPr>
+            <a:r>
+              <a:rPr lang="en-GB" dirty="0" smtClean="0"/>
+              <a:t>Limitations</a:t>
+            </a:r>
+          </a:p>
+          <a:p>
+            <a:r>
+              <a:rPr lang="en-GB" dirty="0" smtClean="0"/>
+              <a:t>Relationships between predictor variables and target are not necessarily linear, which may impact performance</a:t>
+            </a:r>
+          </a:p>
+          <a:p>
+            <a:r>
+              <a:rPr lang="en-GB" dirty="0" smtClean="0"/>
+              <a:t>The amount of features and observations was not very large</a:t>
+            </a:r>
+            <a:endParaRPr lang="en-GB" dirty="0" smtClean="0"/>
+          </a:p>
+          <a:p>
+            <a:pPr marL="0" indent="0">
+              <a:buNone/>
+            </a:pPr>
+            <a:endParaRPr lang="en-GB" dirty="0"/>
+          </a:p>
+          <a:p>
+            <a:pPr marL="0" indent="0">
+              <a:buNone/>
+            </a:pPr>
+            <a:r>
+              <a:rPr lang="en-GB" dirty="0" smtClean="0"/>
+              <a:t>Recommendations</a:t>
+            </a:r>
+          </a:p>
+          <a:p>
+            <a:r>
+              <a:rPr lang="en-GB" dirty="0" smtClean="0"/>
+              <a:t>Get more data</a:t>
+            </a:r>
+          </a:p>
+          <a:p>
+            <a:r>
+              <a:rPr lang="en-GB" dirty="0" smtClean="0"/>
+              <a:t>Build model using XG Boost, as this algorithm tends to perform well with non-linear data</a:t>
+            </a:r>
+            <a:endParaRPr lang="en-GB" dirty="0"/>
+          </a:p>
+          <a:p>
+            <a:endParaRPr lang="en-GB" dirty="0"/>
+          </a:p>
+        </p:txBody>
+      </p:sp>
+    </p:spTree>
+    <p:extLst>
+      <p:ext uri="{BB962C8B-B14F-4D97-AF65-F5344CB8AC3E}">
+        <p14:creationId xmlns:p14="http://schemas.microsoft.com/office/powerpoint/2010/main" val="3256216667"/>
+      </p:ext>
+    </p:extLst>
+  </p:cSld>
+  <p:clrMapOvr>
+    <a:masterClrMapping/>
+  </p:clrMapOvr>
+</p:sld>
+</file>
+
+<file path=ppt/slides/slide34.xml><?xml version="1.0" encoding="utf-8"?>
+<p:sld xmlns:a="http://schemas.openxmlformats.org/drawingml/2006/main" xmlns:r="http://schemas.openxmlformats.org/officeDocument/2006/relationships" xmlns:p="http://schemas.openxmlformats.org/presentationml/2006/main">
+  <p:cSld>
+    <p:spTree>
+      <p:nvGrpSpPr>
+        <p:cNvPr id="1" name=""/>
+        <p:cNvGrpSpPr/>
+        <p:nvPr/>
+      </p:nvGrpSpPr>
+      <p:grpSpPr>
+        <a:xfrm>
+          <a:off x="0" y="0"/>
+          <a:ext cx="0" cy="0"/>
+          <a:chOff x="0" y="0"/>
+          <a:chExt cx="0" cy="0"/>
+        </a:xfrm>
+      </p:grpSpPr>
+      <p:sp>
+        <p:nvSpPr>
+          <p:cNvPr id="2" name="Title 1"/>
+          <p:cNvSpPr>
+            <a:spLocks noGrp="1"/>
+          </p:cNvSpPr>
+          <p:nvPr>
+            <p:ph type="title"/>
+          </p:nvPr>
+        </p:nvSpPr>
+        <p:spPr/>
+        <p:txBody>
+          <a:bodyPr/>
+          <a:lstStyle/>
+          <a:p>
+            <a:r>
+              <a:rPr lang="en-GB" dirty="0" smtClean="0"/>
+              <a:t>Appendix: Coefficient Odds </a:t>
+            </a:r>
+            <a:r>
+              <a:rPr lang="en-GB" dirty="0"/>
+              <a:t>R</a:t>
+            </a:r>
+            <a:r>
+              <a:rPr lang="en-GB" dirty="0" smtClean="0"/>
+              <a:t>atios</a:t>
+            </a:r>
+            <a:endParaRPr lang="en-GB" dirty="0"/>
+          </a:p>
+        </p:txBody>
+      </p:sp>
+      <p:sp>
+        <p:nvSpPr>
+          <p:cNvPr id="3" name="Content Placeholder 2"/>
+          <p:cNvSpPr>
+            <a:spLocks noGrp="1"/>
+          </p:cNvSpPr>
+          <p:nvPr>
+            <p:ph idx="1"/>
+          </p:nvPr>
+        </p:nvSpPr>
+        <p:spPr/>
+        <p:txBody>
+          <a:bodyPr/>
+          <a:lstStyle/>
+          <a:p>
+            <a:r>
+              <a:rPr lang="en-GB" dirty="0" smtClean="0"/>
+              <a:t>Odd ratios</a:t>
+            </a:r>
+            <a:endParaRPr lang="en-GB" dirty="0"/>
+          </a:p>
+        </p:txBody>
+      </p:sp>
+      <p:sp>
+        <p:nvSpPr>
+          <p:cNvPr id="4" name="TextBox 3"/>
+          <p:cNvSpPr txBox="1"/>
+          <p:nvPr/>
+        </p:nvSpPr>
+        <p:spPr>
+          <a:xfrm>
+            <a:off x="5062609" y="2132856"/>
+            <a:ext cx="3744416" cy="3754874"/>
+          </a:xfrm>
+          <a:prstGeom prst="rect">
+            <a:avLst/>
+          </a:prstGeom>
+          <a:noFill/>
+        </p:spPr>
+        <p:txBody>
+          <a:bodyPr wrap="square" rtlCol="0">
+            <a:spAutoFit/>
+          </a:bodyPr>
+          <a:lstStyle/>
+          <a:p>
+            <a:r>
+              <a:rPr lang="en-GB" sz="1400" dirty="0" smtClean="0"/>
+              <a:t>How to interpret the odds ratio:</a:t>
+            </a:r>
+          </a:p>
+          <a:p>
+            <a:endParaRPr lang="en-GB" sz="1400" dirty="0" smtClean="0"/>
+          </a:p>
+          <a:p>
+            <a:r>
+              <a:rPr lang="en-GB" sz="1400" dirty="0" smtClean="0"/>
+              <a:t>A </a:t>
+            </a:r>
+            <a:r>
+              <a:rPr lang="en-GB" sz="1400" dirty="0"/>
+              <a:t>score over 1 indicates a positive relationship with the target variable, a score below 1 a negative one.</a:t>
+            </a:r>
+          </a:p>
+          <a:p>
+            <a:endParaRPr lang="en-GB" sz="1400" dirty="0"/>
+          </a:p>
+          <a:p>
+            <a:r>
+              <a:rPr lang="en-GB" sz="1400" dirty="0" smtClean="0"/>
+              <a:t>Odds </a:t>
+            </a:r>
+            <a:r>
+              <a:rPr lang="en-GB" sz="1400" dirty="0"/>
+              <a:t>of success = ratio of probability of success / probability of failure</a:t>
+            </a:r>
+          </a:p>
+          <a:p>
+            <a:endParaRPr lang="en-GB" sz="1400" dirty="0" smtClean="0"/>
+          </a:p>
+          <a:p>
+            <a:r>
+              <a:rPr lang="en-GB" sz="1400" dirty="0" smtClean="0"/>
+              <a:t>If </a:t>
+            </a:r>
+            <a:r>
+              <a:rPr lang="en-GB" sz="1400" dirty="0"/>
+              <a:t>the probability of success is 50/50, the odds of success are 1/1 = </a:t>
+            </a:r>
+            <a:r>
+              <a:rPr lang="en-GB" sz="1400" dirty="0" smtClean="0"/>
+              <a:t>1</a:t>
+            </a:r>
+          </a:p>
+          <a:p>
+            <a:endParaRPr lang="en-GB" sz="1400" dirty="0"/>
+          </a:p>
+          <a:p>
+            <a:r>
+              <a:rPr lang="en-GB" sz="1400" dirty="0"/>
+              <a:t>For example, FICO Credit </a:t>
+            </a:r>
+            <a:r>
+              <a:rPr lang="en-GB" sz="1400" dirty="0" err="1"/>
+              <a:t>Score_Good</a:t>
+            </a:r>
+            <a:r>
+              <a:rPr lang="en-GB" sz="1400" dirty="0"/>
+              <a:t> has an odd ratio of </a:t>
+            </a:r>
+            <a:r>
+              <a:rPr lang="en-GB" sz="1400" dirty="0" smtClean="0"/>
+              <a:t>3.948234. </a:t>
+            </a:r>
+            <a:r>
+              <a:rPr lang="en-GB" sz="1400" dirty="0"/>
+              <a:t>This means than the odds for a defaulted loan are </a:t>
+            </a:r>
+            <a:r>
+              <a:rPr lang="en-GB" sz="1400" dirty="0" smtClean="0"/>
+              <a:t>295% </a:t>
+            </a:r>
+            <a:r>
+              <a:rPr lang="en-GB" sz="1400" dirty="0"/>
+              <a:t>higher than the odds for completed one.</a:t>
+            </a:r>
+          </a:p>
+          <a:p>
+            <a:endParaRPr lang="en-GB" sz="1400" dirty="0"/>
           </a:p>
         </p:txBody>
       </p:sp>
       <p:pic>
         <p:nvPicPr>
-          <p:cNvPr id="18435" name="Picture 3"/>
+          <p:cNvPr id="6146" name="Picture 2"/>
           <p:cNvPicPr>
             <a:picLocks noChangeAspect="1" noChangeArrowheads="1"/>
           </p:cNvPicPr>
@@ -6980,8 +9179,8 @@
         </p:blipFill>
         <p:spPr bwMode="auto">
           <a:xfrm>
-            <a:off x="395534" y="2449091"/>
-            <a:ext cx="5058167" cy="3625880"/>
+            <a:off x="179512" y="1711820"/>
+            <a:ext cx="4883097" cy="4653584"/>
           </a:xfrm>
           <a:prstGeom prst="rect">
             <a:avLst/>
@@ -7011,118 +9210,6 @@
           </a:extLst>
         </p:spPr>
       </p:pic>
-      <p:sp>
-        <p:nvSpPr>
-          <p:cNvPr id="4" name="TextBox 3"/>
-          <p:cNvSpPr txBox="1"/>
-          <p:nvPr/>
-        </p:nvSpPr>
-        <p:spPr>
-          <a:xfrm>
-            <a:off x="5477028" y="2192147"/>
-            <a:ext cx="3491879" cy="4524315"/>
-          </a:xfrm>
-          <a:prstGeom prst="rect">
-            <a:avLst/>
-          </a:prstGeom>
-          <a:noFill/>
-        </p:spPr>
-        <p:txBody>
-          <a:bodyPr wrap="square" rtlCol="0">
-            <a:spAutoFit/>
-          </a:bodyPr>
-          <a:lstStyle/>
-          <a:p>
-            <a:pPr marL="171450" indent="-171450">
-              <a:buFont typeface="Arial" panose="020B0604020202020204" pitchFamily="34" charset="0"/>
-              <a:buChar char="•"/>
-            </a:pPr>
-            <a:r>
-              <a:rPr lang="en-GB" sz="1200" dirty="0" smtClean="0"/>
-              <a:t>A receiver operating characteristic curve or ROC curve is a graph plotting the true positive rate against the false positive rate at different thresholds. It indicates how well a classifier can discriminate positive and negative instances and identify the best threshold for discriminating them. </a:t>
-            </a:r>
-          </a:p>
-          <a:p>
-            <a:endParaRPr lang="en-GB" sz="1200" dirty="0" smtClean="0"/>
-          </a:p>
-          <a:p>
-            <a:pPr marL="171450" indent="-171450">
-              <a:buFont typeface="Arial" panose="020B0604020202020204" pitchFamily="34" charset="0"/>
-              <a:buChar char="•"/>
-            </a:pPr>
-            <a:r>
-              <a:rPr lang="en-GB" sz="1200" dirty="0" smtClean="0"/>
-              <a:t>The </a:t>
-            </a:r>
-            <a:r>
-              <a:rPr lang="en-GB" sz="1200" dirty="0"/>
-              <a:t>curve is created by plotting the true positive rate (TPR) against the false positive rate (FPR) at various threshold settings.</a:t>
-            </a:r>
-          </a:p>
-          <a:p>
-            <a:endParaRPr lang="en-GB" sz="1200" dirty="0"/>
-          </a:p>
-          <a:p>
-            <a:pPr marL="171450" lvl="0" indent="-171450">
-              <a:buFont typeface="Arial" panose="020B0604020202020204" pitchFamily="34" charset="0"/>
-              <a:buChar char="•"/>
-            </a:pPr>
-            <a:r>
-              <a:rPr lang="en-GB" sz="1200" dirty="0"/>
-              <a:t>TPR (also called Recall or Sensitivity) = sum total positives/sum of condition </a:t>
-            </a:r>
-            <a:r>
-              <a:rPr lang="en-GB" sz="1200" dirty="0" smtClean="0"/>
-              <a:t>positive</a:t>
-            </a:r>
-          </a:p>
-          <a:p>
-            <a:pPr lvl="0"/>
-            <a:endParaRPr lang="en-GB" sz="1200" dirty="0"/>
-          </a:p>
-          <a:p>
-            <a:pPr marL="171450" lvl="0" indent="-171450">
-              <a:buFont typeface="Arial" panose="020B0604020202020204" pitchFamily="34" charset="0"/>
-              <a:buChar char="•"/>
-            </a:pPr>
-            <a:r>
-              <a:rPr lang="en-GB" sz="1200" dirty="0"/>
-              <a:t>FPR (also called Fall-out) = sum of false positives/sum of condition negative</a:t>
-            </a:r>
-          </a:p>
-          <a:p>
-            <a:endParaRPr lang="en-GB" sz="1200" dirty="0"/>
-          </a:p>
-          <a:p>
-            <a:pPr marL="171450" indent="-171450">
-              <a:buFont typeface="Arial" panose="020B0604020202020204" pitchFamily="34" charset="0"/>
-              <a:buChar char="•"/>
-            </a:pPr>
-            <a:r>
-              <a:rPr lang="en-GB" sz="1200" dirty="0"/>
-              <a:t>The area under the curve (AUC) is equal to the probability that a classifier will rank a randomly chosen positive instance higher than a randomly chosen negative </a:t>
-            </a:r>
-            <a:r>
-              <a:rPr lang="en-GB" sz="1200" dirty="0" smtClean="0"/>
-              <a:t>one</a:t>
-            </a:r>
-          </a:p>
-          <a:p>
-            <a:pPr marL="171450" indent="-171450">
-              <a:buFont typeface="Arial" panose="020B0604020202020204" pitchFamily="34" charset="0"/>
-              <a:buChar char="•"/>
-            </a:pPr>
-            <a:endParaRPr lang="en-GB" sz="1200" dirty="0"/>
-          </a:p>
-          <a:p>
-            <a:r>
-              <a:rPr lang="en-GB" sz="800" i="1" dirty="0" smtClean="0"/>
-              <a:t>From www.wikipedia.com</a:t>
-            </a:r>
-            <a:endParaRPr lang="en-GB" sz="800" i="1" dirty="0"/>
-          </a:p>
-        </p:txBody>
-      </p:sp>
     </p:spTree>
     <p:extLst>
       <p:ext uri="{BB962C8B-B14F-4D97-AF65-F5344CB8AC3E}">
@@ -7136,7 +9223,7 @@
 </p:sld>
 </file>
 
-<file path=ppt/slides/slide27.xml><?xml version="1.0" encoding="utf-8"?>
+<file path=ppt/slides/slide4.xml><?xml version="1.0" encoding="utf-8"?>
 <p:sld xmlns:a="http://schemas.openxmlformats.org/drawingml/2006/main" xmlns:r="http://schemas.openxmlformats.org/officeDocument/2006/relationships" xmlns:p="http://schemas.openxmlformats.org/presentationml/2006/main">
   <p:cSld>
     <p:spTree>
@@ -7170,7 +9257,11 @@
           <a:p>
             <a:r>
               <a:rPr lang="en-GB" dirty="0" smtClean="0"/>
-              <a:t>Results</a:t>
+              <a:t>Lending </a:t>
+            </a:r>
+            <a:r>
+              <a:rPr lang="en-GB" dirty="0" smtClean="0"/>
+              <a:t>Club dataset</a:t>
             </a:r>
             <a:endParaRPr lang="en-GB" dirty="0"/>
           </a:p>
@@ -7185,502 +9276,10 @@
           <p:nvPr>
             <p:ph idx="1"/>
           </p:nvPr>
-        </p:nvSpPr>
-        <p:spPr/>
-        <p:txBody>
-          <a:bodyPr/>
-          <a:lstStyle/>
-          <a:p>
-            <a:r>
-              <a:rPr lang="en-GB" dirty="0" smtClean="0"/>
-              <a:t>Confusion matrix</a:t>
-            </a:r>
-          </a:p>
-        </p:txBody>
-      </p:sp>
-      <p:pic>
-        <p:nvPicPr>
-          <p:cNvPr id="19462" name="Picture 6"/>
-          <p:cNvPicPr>
-            <a:picLocks noChangeAspect="1" noChangeArrowheads="1"/>
-          </p:cNvPicPr>
-          <p:nvPr/>
-        </p:nvPicPr>
-        <p:blipFill>
-          <a:blip r:embed="rId3">
-            <a:extLst>
-              <a:ext uri="{28A0092B-C50C-407E-A947-70E740481C1C}">
-                <a14:useLocalDpi xmlns:a14="http://schemas.microsoft.com/office/drawing/2010/main" val="0"/>
-              </a:ext>
-            </a:extLst>
-          </a:blip>
-          <a:srcRect/>
-          <a:stretch>
-            <a:fillRect/>
-          </a:stretch>
-        </p:blipFill>
-        <p:spPr bwMode="auto">
-          <a:xfrm>
-            <a:off x="611560" y="2132856"/>
-            <a:ext cx="4380487" cy="3096344"/>
-          </a:xfrm>
-          <a:prstGeom prst="rect">
-            <a:avLst/>
-          </a:prstGeom>
-          <a:noFill/>
-          <a:ln>
-            <a:noFill/>
-          </a:ln>
-          <a:extLst>
-            <a:ext uri="{909E8E84-426E-40DD-AFC4-6F175D3DCCD1}">
-              <a14:hiddenFill xmlns:a14="http://schemas.microsoft.com/office/drawing/2010/main">
-                <a:solidFill>
-                  <a:schemeClr val="accent1"/>
-                </a:solidFill>
-              </a14:hiddenFill>
-            </a:ext>
-            <a:ext uri="{91240B29-F687-4F45-9708-019B960494DF}">
-              <a14:hiddenLine xmlns:a14="http://schemas.microsoft.com/office/drawing/2010/main" w="9525">
-                <a:solidFill>
-                  <a:schemeClr val="tx1"/>
-                </a:solidFill>
-                <a:miter lim="800000"/>
-                <a:headEnd/>
-                <a:tailEnd/>
-              </a14:hiddenLine>
-            </a:ext>
-          </a:extLst>
-        </p:spPr>
-      </p:pic>
-      <p:sp>
-        <p:nvSpPr>
-          <p:cNvPr id="4" name="TextBox 3"/>
-          <p:cNvSpPr txBox="1"/>
-          <p:nvPr/>
         </p:nvSpPr>
         <p:spPr>
           <a:xfrm>
-            <a:off x="4992046" y="2982345"/>
-            <a:ext cx="3756417" cy="276999"/>
-          </a:xfrm>
-          <a:prstGeom prst="rect">
-            <a:avLst/>
-          </a:prstGeom>
-          <a:noFill/>
-        </p:spPr>
-        <p:txBody>
-          <a:bodyPr wrap="square" rtlCol="0">
-            <a:spAutoFit/>
-          </a:bodyPr>
-          <a:lstStyle/>
-          <a:p>
-            <a:pPr marL="171450" indent="-171450">
-              <a:buFont typeface="Arial" panose="020B0604020202020204" pitchFamily="34" charset="0"/>
-              <a:buChar char="•"/>
-            </a:pPr>
-            <a:r>
-              <a:rPr lang="en-GB" sz="1200" dirty="0" err="1" smtClean="0"/>
-              <a:t>fsfs</a:t>
-            </a:r>
-            <a:endParaRPr lang="en-GB" sz="1200" dirty="0"/>
-          </a:p>
-        </p:txBody>
-      </p:sp>
-    </p:spTree>
-    <p:extLst>
-      <p:ext uri="{BB962C8B-B14F-4D97-AF65-F5344CB8AC3E}">
-        <p14:creationId xmlns:p14="http://schemas.microsoft.com/office/powerpoint/2010/main" val="1532778483"/>
-      </p:ext>
-    </p:extLst>
-  </p:cSld>
-  <p:clrMapOvr>
-    <a:masterClrMapping/>
-  </p:clrMapOvr>
-</p:sld>
-</file>
-
-<file path=ppt/slides/slide28.xml><?xml version="1.0" encoding="utf-8"?>
-<p:sld xmlns:a="http://schemas.openxmlformats.org/drawingml/2006/main" xmlns:r="http://schemas.openxmlformats.org/officeDocument/2006/relationships" xmlns:p="http://schemas.openxmlformats.org/presentationml/2006/main">
-  <p:cSld>
-    <p:spTree>
-      <p:nvGrpSpPr>
-        <p:cNvPr id="1" name=""/>
-        <p:cNvGrpSpPr/>
-        <p:nvPr/>
-      </p:nvGrpSpPr>
-      <p:grpSpPr>
-        <a:xfrm>
-          <a:off x="0" y="0"/>
-          <a:ext cx="0" cy="0"/>
-          <a:chOff x="0" y="0"/>
-          <a:chExt cx="0" cy="0"/>
-        </a:xfrm>
-      </p:grpSpPr>
-      <p:sp>
-        <p:nvSpPr>
-          <p:cNvPr id="2" name="Title 1"/>
-          <p:cNvSpPr>
-            <a:spLocks noGrp="1"/>
-          </p:cNvSpPr>
-          <p:nvPr>
-            <p:ph type="title"/>
-          </p:nvPr>
-        </p:nvSpPr>
-        <p:spPr/>
-        <p:txBody>
-          <a:bodyPr/>
-          <a:lstStyle/>
-          <a:p>
-            <a:r>
-              <a:rPr lang="en-GB" dirty="0" smtClean="0"/>
-              <a:t>Conclusion</a:t>
-            </a:r>
-            <a:endParaRPr lang="en-GB" dirty="0"/>
-          </a:p>
-        </p:txBody>
-      </p:sp>
-      <p:sp>
-        <p:nvSpPr>
-          <p:cNvPr id="3" name="Content Placeholder 2"/>
-          <p:cNvSpPr>
-            <a:spLocks noGrp="1"/>
-          </p:cNvSpPr>
-          <p:nvPr>
-            <p:ph idx="1"/>
-          </p:nvPr>
-        </p:nvSpPr>
-        <p:spPr/>
-        <p:txBody>
-          <a:bodyPr/>
-          <a:lstStyle/>
-          <a:p>
-            <a:r>
-              <a:rPr lang="en-GB" dirty="0" smtClean="0"/>
-              <a:t>How does this add value for </a:t>
-            </a:r>
-            <a:r>
-              <a:rPr lang="en-GB" smtClean="0"/>
-              <a:t>the client?</a:t>
-            </a:r>
-            <a:endParaRPr lang="en-GB" dirty="0" smtClean="0"/>
-          </a:p>
-          <a:p>
-            <a:endParaRPr lang="en-GB" dirty="0"/>
-          </a:p>
-          <a:p>
-            <a:r>
-              <a:rPr lang="en-GB" dirty="0" smtClean="0"/>
-              <a:t>Limitations</a:t>
-            </a:r>
-          </a:p>
-          <a:p>
-            <a:pPr marL="0" indent="0">
-              <a:buNone/>
-            </a:pPr>
-            <a:endParaRPr lang="en-GB" dirty="0"/>
-          </a:p>
-          <a:p>
-            <a:r>
-              <a:rPr lang="en-GB" dirty="0"/>
-              <a:t>Recommendations</a:t>
-            </a:r>
-          </a:p>
-          <a:p>
-            <a:endParaRPr lang="en-GB" dirty="0"/>
-          </a:p>
-        </p:txBody>
-      </p:sp>
-    </p:spTree>
-    <p:extLst>
-      <p:ext uri="{BB962C8B-B14F-4D97-AF65-F5344CB8AC3E}">
-        <p14:creationId xmlns:p14="http://schemas.microsoft.com/office/powerpoint/2010/main" val="1350769179"/>
-      </p:ext>
-    </p:extLst>
-  </p:cSld>
-  <p:clrMapOvr>
-    <a:masterClrMapping/>
-  </p:clrMapOvr>
-</p:sld>
-</file>
-
-<file path=ppt/slides/slide29.xml><?xml version="1.0" encoding="utf-8"?>
-<p:sld xmlns:a="http://schemas.openxmlformats.org/drawingml/2006/main" xmlns:r="http://schemas.openxmlformats.org/officeDocument/2006/relationships" xmlns:p="http://schemas.openxmlformats.org/presentationml/2006/main">
-  <p:cSld>
-    <p:spTree>
-      <p:nvGrpSpPr>
-        <p:cNvPr id="1" name=""/>
-        <p:cNvGrpSpPr/>
-        <p:nvPr/>
-      </p:nvGrpSpPr>
-      <p:grpSpPr>
-        <a:xfrm>
-          <a:off x="0" y="0"/>
-          <a:ext cx="0" cy="0"/>
-          <a:chOff x="0" y="0"/>
-          <a:chExt cx="0" cy="0"/>
-        </a:xfrm>
-      </p:grpSpPr>
-      <p:sp>
-        <p:nvSpPr>
-          <p:cNvPr id="2" name="Title 1"/>
-          <p:cNvSpPr>
-            <a:spLocks noGrp="1"/>
-          </p:cNvSpPr>
-          <p:nvPr>
-            <p:ph type="title"/>
-          </p:nvPr>
-        </p:nvSpPr>
-        <p:spPr/>
-        <p:txBody>
-          <a:bodyPr/>
-          <a:lstStyle/>
-          <a:p>
-            <a:r>
-              <a:rPr lang="en-GB" dirty="0" smtClean="0"/>
-              <a:t>Appendix</a:t>
-            </a:r>
-            <a:endParaRPr lang="en-GB" dirty="0"/>
-          </a:p>
-        </p:txBody>
-      </p:sp>
-      <p:sp>
-        <p:nvSpPr>
-          <p:cNvPr id="3" name="Content Placeholder 2"/>
-          <p:cNvSpPr>
-            <a:spLocks noGrp="1"/>
-          </p:cNvSpPr>
-          <p:nvPr>
-            <p:ph idx="1"/>
-          </p:nvPr>
-        </p:nvSpPr>
-        <p:spPr/>
-        <p:txBody>
-          <a:bodyPr/>
-          <a:lstStyle/>
-          <a:p>
-            <a:r>
-              <a:rPr lang="en-GB" dirty="0" smtClean="0"/>
-              <a:t>Odd ratios</a:t>
-            </a:r>
-            <a:endParaRPr lang="en-GB" dirty="0"/>
-          </a:p>
-        </p:txBody>
-      </p:sp>
-      <p:pic>
-        <p:nvPicPr>
-          <p:cNvPr id="16386" name="Picture 2"/>
-          <p:cNvPicPr>
-            <a:picLocks noChangeAspect="1" noChangeArrowheads="1"/>
-          </p:cNvPicPr>
-          <p:nvPr/>
-        </p:nvPicPr>
-        <p:blipFill>
-          <a:blip r:embed="rId2">
-            <a:extLst>
-              <a:ext uri="{28A0092B-C50C-407E-A947-70E740481C1C}">
-                <a14:useLocalDpi xmlns:a14="http://schemas.microsoft.com/office/drawing/2010/main" val="0"/>
-              </a:ext>
-            </a:extLst>
-          </a:blip>
-          <a:srcRect/>
-          <a:stretch>
-            <a:fillRect/>
-          </a:stretch>
-        </p:blipFill>
-        <p:spPr bwMode="auto">
-          <a:xfrm>
-            <a:off x="613023" y="2132856"/>
-            <a:ext cx="4391025" cy="4210050"/>
-          </a:xfrm>
-          <a:prstGeom prst="rect">
-            <a:avLst/>
-          </a:prstGeom>
-          <a:noFill/>
-          <a:ln>
-            <a:noFill/>
-          </a:ln>
-          <a:extLst>
-            <a:ext uri="{909E8E84-426E-40DD-AFC4-6F175D3DCCD1}">
-              <a14:hiddenFill xmlns:a14="http://schemas.microsoft.com/office/drawing/2010/main">
-                <a:solidFill>
-                  <a:schemeClr val="accent1"/>
-                </a:solidFill>
-              </a14:hiddenFill>
-            </a:ext>
-            <a:ext uri="{91240B29-F687-4F45-9708-019B960494DF}">
-              <a14:hiddenLine xmlns:a14="http://schemas.microsoft.com/office/drawing/2010/main" w="9525">
-                <a:solidFill>
-                  <a:schemeClr val="tx1"/>
-                </a:solidFill>
-                <a:miter lim="800000"/>
-                <a:headEnd/>
-                <a:tailEnd/>
-              </a14:hiddenLine>
-            </a:ext>
-          </a:extLst>
-        </p:spPr>
-      </p:pic>
-      <p:sp>
-        <p:nvSpPr>
-          <p:cNvPr id="4" name="TextBox 3"/>
-          <p:cNvSpPr txBox="1"/>
-          <p:nvPr/>
-        </p:nvSpPr>
-        <p:spPr>
-          <a:xfrm>
-            <a:off x="5062609" y="2282312"/>
-            <a:ext cx="3744416" cy="3323987"/>
-          </a:xfrm>
-          <a:prstGeom prst="rect">
-            <a:avLst/>
-          </a:prstGeom>
-          <a:noFill/>
-        </p:spPr>
-        <p:txBody>
-          <a:bodyPr wrap="square" rtlCol="0">
-            <a:spAutoFit/>
-          </a:bodyPr>
-          <a:lstStyle/>
-          <a:p>
-            <a:r>
-              <a:rPr lang="en-GB" sz="1400" dirty="0"/>
-              <a:t>A score over 1 indicates a positive relationship with the target variable, a score below 1 a negative one.</a:t>
-            </a:r>
-          </a:p>
-          <a:p>
-            <a:endParaRPr lang="en-GB" sz="1400" dirty="0"/>
-          </a:p>
-          <a:p>
-            <a:r>
-              <a:rPr lang="en-GB" sz="1400" dirty="0" smtClean="0"/>
-              <a:t>Odds </a:t>
-            </a:r>
-            <a:r>
-              <a:rPr lang="en-GB" sz="1400" dirty="0"/>
-              <a:t>of success = ratio of probability of success / probability of failure</a:t>
-            </a:r>
-          </a:p>
-          <a:p>
-            <a:endParaRPr lang="en-GB" sz="1400" dirty="0" smtClean="0"/>
-          </a:p>
-          <a:p>
-            <a:r>
-              <a:rPr lang="en-GB" sz="1400" dirty="0" smtClean="0"/>
-              <a:t>If </a:t>
-            </a:r>
-            <a:r>
-              <a:rPr lang="en-GB" sz="1400" dirty="0"/>
-              <a:t>the probability of success is 50/50, the odds of success are 1/1 = </a:t>
-            </a:r>
-            <a:r>
-              <a:rPr lang="en-GB" sz="1400" dirty="0" smtClean="0"/>
-              <a:t>1</a:t>
-            </a:r>
-          </a:p>
-          <a:p>
-            <a:endParaRPr lang="en-GB" sz="1400" dirty="0"/>
-          </a:p>
-          <a:p>
-            <a:r>
-              <a:rPr lang="en-GB" sz="1400" dirty="0"/>
-              <a:t>For example, FICO Credit </a:t>
-            </a:r>
-            <a:r>
-              <a:rPr lang="en-GB" sz="1400" dirty="0" err="1"/>
-              <a:t>Score_Good</a:t>
-            </a:r>
-            <a:r>
-              <a:rPr lang="en-GB" sz="1400" dirty="0"/>
-              <a:t> has an odd ratio of </a:t>
-            </a:r>
-            <a:r>
-              <a:rPr lang="en-GB" sz="1400" dirty="0" smtClean="0"/>
-              <a:t>3.948234. </a:t>
-            </a:r>
-            <a:r>
-              <a:rPr lang="en-GB" sz="1400" dirty="0"/>
-              <a:t>This means than the odds for a defaulted loan are </a:t>
-            </a:r>
-            <a:r>
-              <a:rPr lang="en-GB" sz="1400" dirty="0" smtClean="0"/>
-              <a:t>295% </a:t>
-            </a:r>
-            <a:r>
-              <a:rPr lang="en-GB" sz="1400" dirty="0"/>
-              <a:t>higher than the odds for completed one.</a:t>
-            </a:r>
-          </a:p>
-          <a:p>
-            <a:endParaRPr lang="en-GB" sz="1400" dirty="0"/>
-          </a:p>
-        </p:txBody>
-      </p:sp>
-    </p:spTree>
-    <p:extLst>
-      <p:ext uri="{BB962C8B-B14F-4D97-AF65-F5344CB8AC3E}">
-        <p14:creationId xmlns:p14="http://schemas.microsoft.com/office/powerpoint/2010/main" val="1350769179"/>
-      </p:ext>
-    </p:extLst>
-  </p:cSld>
-  <p:clrMapOvr>
-    <a:masterClrMapping/>
-  </p:clrMapOvr>
-</p:sld>
-</file>
-
-<file path=ppt/slides/slide3.xml><?xml version="1.0" encoding="utf-8"?>
-<p:sld xmlns:a="http://schemas.openxmlformats.org/drawingml/2006/main" xmlns:r="http://schemas.openxmlformats.org/officeDocument/2006/relationships" xmlns:p="http://schemas.openxmlformats.org/presentationml/2006/main">
-  <p:cSld>
-    <p:spTree>
-      <p:nvGrpSpPr>
-        <p:cNvPr id="1" name=""/>
-        <p:cNvGrpSpPr/>
-        <p:nvPr/>
-      </p:nvGrpSpPr>
-      <p:grpSpPr>
-        <a:xfrm>
-          <a:off x="0" y="0"/>
-          <a:ext cx="0" cy="0"/>
-          <a:chOff x="0" y="0"/>
-          <a:chExt cx="0" cy="0"/>
-        </a:xfrm>
-      </p:grpSpPr>
-      <p:sp>
-        <p:nvSpPr>
-          <p:cNvPr id="2" name="Title 1"/>
-          <p:cNvSpPr>
-            <a:spLocks noGrp="1"/>
-          </p:cNvSpPr>
-          <p:nvPr>
-            <p:ph type="title"/>
-          </p:nvPr>
-        </p:nvSpPr>
-        <p:spPr/>
-        <p:txBody>
-          <a:bodyPr/>
-          <a:lstStyle/>
-          <a:p>
-            <a:r>
-              <a:rPr lang="en-GB" dirty="0" smtClean="0"/>
-              <a:t>Project</a:t>
-            </a:r>
-            <a:endParaRPr lang="en-GB" dirty="0"/>
-          </a:p>
-        </p:txBody>
-      </p:sp>
-      <p:sp>
-        <p:nvSpPr>
-          <p:cNvPr id="3" name="Content Placeholder 2"/>
-          <p:cNvSpPr>
-            <a:spLocks noGrp="1"/>
-          </p:cNvSpPr>
-          <p:nvPr>
-            <p:ph idx="1"/>
-          </p:nvPr>
-        </p:nvSpPr>
-        <p:spPr>
-          <a:xfrm>
-            <a:off x="611560" y="1340768"/>
+            <a:off x="611560" y="1484784"/>
             <a:ext cx="8085584" cy="4876800"/>
           </a:xfrm>
         </p:spPr>
@@ -7690,16 +9289,7 @@
           </a:bodyPr>
           <a:lstStyle/>
           <a:p>
-            <a:r>
-              <a:rPr lang="en-GB" dirty="0" smtClean="0"/>
-              <a:t>Lending Club data</a:t>
-            </a:r>
-          </a:p>
-          <a:p>
-            <a:endParaRPr lang="en-GB" dirty="0" smtClean="0"/>
-          </a:p>
-          <a:p>
-            <a:pPr marL="5199063" indent="0">
+            <a:pPr marL="5291138" indent="0">
               <a:spcBef>
                 <a:spcPts val="0"/>
               </a:spcBef>
@@ -7709,8 +9299,12 @@
               <a:defRPr/>
             </a:pPr>
             <a:r>
+              <a:rPr lang="en-GB" sz="1600" dirty="0" smtClean="0"/>
+              <a:t>The </a:t>
+            </a:r>
+            <a:r>
               <a:rPr lang="en-GB" sz="1600" dirty="0"/>
-              <a:t>The data contains rows of customers, with each column showing the features for loan applications that have been approved, together with outcomes of the loans (in the final </a:t>
+              <a:t>data contains rows of customers, with each column showing the features for loan applications that have been approved, together with outcomes of the loans (in the final </a:t>
             </a:r>
             <a:r>
               <a:rPr lang="en-GB" sz="1600" dirty="0" smtClean="0"/>
@@ -7723,7 +9317,7 @@
             <a:endParaRPr lang="en-GB" sz="1600" dirty="0" smtClean="0"/>
           </a:p>
           <a:p>
-            <a:pPr marL="5199063" indent="0">
+            <a:pPr marL="5291138" indent="0">
               <a:spcBef>
                 <a:spcPts val="0"/>
               </a:spcBef>
@@ -7735,7 +9329,7 @@
             <a:endParaRPr lang="en-GB" sz="1600" dirty="0"/>
           </a:p>
           <a:p>
-            <a:pPr marL="5199063" indent="0">
+            <a:pPr marL="5291138" indent="0">
               <a:spcBef>
                 <a:spcPts val="0"/>
               </a:spcBef>
@@ -7781,7 +9375,7 @@
         </p:blipFill>
         <p:spPr bwMode="auto">
           <a:xfrm>
-            <a:off x="467544" y="1787420"/>
+            <a:off x="467544" y="1556792"/>
             <a:ext cx="5345759" cy="4644000"/>
           </a:xfrm>
           <a:prstGeom prst="rect">
@@ -7825,126 +9419,6 @@
 </p:sld>
 </file>
 
-<file path=ppt/slides/slide4.xml><?xml version="1.0" encoding="utf-8"?>
-<p:sld xmlns:a="http://schemas.openxmlformats.org/drawingml/2006/main" xmlns:r="http://schemas.openxmlformats.org/officeDocument/2006/relationships" xmlns:p="http://schemas.openxmlformats.org/presentationml/2006/main">
-  <p:cSld>
-    <p:spTree>
-      <p:nvGrpSpPr>
-        <p:cNvPr id="1" name=""/>
-        <p:cNvGrpSpPr/>
-        <p:nvPr/>
-      </p:nvGrpSpPr>
-      <p:grpSpPr>
-        <a:xfrm>
-          <a:off x="0" y="0"/>
-          <a:ext cx="0" cy="0"/>
-          <a:chOff x="0" y="0"/>
-          <a:chExt cx="0" cy="0"/>
-        </a:xfrm>
-      </p:grpSpPr>
-      <p:sp>
-        <p:nvSpPr>
-          <p:cNvPr id="2" name="Title 1"/>
-          <p:cNvSpPr>
-            <a:spLocks noGrp="1"/>
-          </p:cNvSpPr>
-          <p:nvPr>
-            <p:ph type="title"/>
-          </p:nvPr>
-        </p:nvSpPr>
-        <p:spPr/>
-        <p:txBody>
-          <a:bodyPr/>
-          <a:lstStyle/>
-          <a:p>
-            <a:r>
-              <a:rPr lang="en-GB" dirty="0" smtClean="0"/>
-              <a:t>Approach and method</a:t>
-            </a:r>
-            <a:endParaRPr lang="en-GB" dirty="0"/>
-          </a:p>
-        </p:txBody>
-      </p:sp>
-      <p:sp>
-        <p:nvSpPr>
-          <p:cNvPr id="3" name="Content Placeholder 2"/>
-          <p:cNvSpPr>
-            <a:spLocks noGrp="1"/>
-          </p:cNvSpPr>
-          <p:nvPr>
-            <p:ph idx="1"/>
-          </p:nvPr>
-        </p:nvSpPr>
-        <p:spPr/>
-        <p:txBody>
-          <a:bodyPr/>
-          <a:lstStyle/>
-          <a:p>
-            <a:pPr marL="457200" indent="-457200">
-              <a:buFont typeface="+mj-lt"/>
-              <a:buAutoNum type="arabicParenR"/>
-            </a:pPr>
-            <a:r>
-              <a:rPr lang="en-GB" dirty="0" smtClean="0"/>
-              <a:t>Data exploration</a:t>
-            </a:r>
-          </a:p>
-          <a:p>
-            <a:pPr marL="457200" indent="-457200">
-              <a:buFont typeface="+mj-lt"/>
-              <a:buAutoNum type="arabicParenR"/>
-            </a:pPr>
-            <a:r>
-              <a:rPr lang="en-GB" dirty="0" smtClean="0"/>
-              <a:t>Feature engineering</a:t>
-            </a:r>
-          </a:p>
-          <a:p>
-            <a:pPr marL="457200" indent="-457200">
-              <a:buFont typeface="+mj-lt"/>
-              <a:buAutoNum type="arabicParenR"/>
-            </a:pPr>
-            <a:r>
-              <a:rPr lang="en-GB" dirty="0" smtClean="0"/>
-              <a:t>Classification</a:t>
-            </a:r>
-          </a:p>
-          <a:p>
-            <a:pPr marL="457200" indent="-457200">
-              <a:buFont typeface="+mj-lt"/>
-              <a:buAutoNum type="arabicParenR"/>
-            </a:pPr>
-            <a:r>
-              <a:rPr lang="en-GB" dirty="0" smtClean="0"/>
-              <a:t>Results</a:t>
-            </a:r>
-          </a:p>
-          <a:p>
-            <a:pPr marL="457200" indent="-457200">
-              <a:buFont typeface="+mj-lt"/>
-              <a:buAutoNum type="arabicParenR"/>
-            </a:pPr>
-            <a:r>
-              <a:rPr lang="en-GB" dirty="0" smtClean="0"/>
-              <a:t>Conclusion</a:t>
-            </a:r>
-            <a:endParaRPr lang="en-GB" dirty="0"/>
-          </a:p>
-        </p:txBody>
-      </p:sp>
-    </p:spTree>
-    <p:extLst>
-      <p:ext uri="{BB962C8B-B14F-4D97-AF65-F5344CB8AC3E}">
-        <p14:creationId xmlns:p14="http://schemas.microsoft.com/office/powerpoint/2010/main" val="1574793907"/>
-      </p:ext>
-    </p:extLst>
-  </p:cSld>
-  <p:clrMapOvr>
-    <a:masterClrMapping/>
-  </p:clrMapOvr>
-</p:sld>
-</file>
-
 <file path=ppt/slides/slide5.xml><?xml version="1.0" encoding="utf-8"?>
 <p:sld xmlns:a="http://schemas.openxmlformats.org/drawingml/2006/main" xmlns:r="http://schemas.openxmlformats.org/officeDocument/2006/relationships" xmlns:p="http://schemas.openxmlformats.org/presentationml/2006/main">
   <p:cSld>
@@ -7979,7 +9453,7 @@
           <a:p>
             <a:r>
               <a:rPr lang="en-GB" dirty="0" smtClean="0"/>
-              <a:t>1) Data </a:t>
+              <a:t>Data </a:t>
             </a:r>
             <a:r>
               <a:rPr lang="en-GB" dirty="0" smtClean="0"/>
@@ -8032,7 +9506,6 @@
               <a:rPr lang="en-GB" sz="1600" dirty="0"/>
               <a:t>The unbalanced nature of the data will have to be considered when making predictions.</a:t>
             </a:r>
-            <a:endParaRPr lang="en-GB" sz="1600" dirty="0"/>
           </a:p>
         </p:txBody>
       </p:sp>
@@ -8137,7 +9610,7 @@
           <a:p>
             <a:r>
               <a:rPr lang="en-GB" dirty="0" smtClean="0"/>
-              <a:t>1) Data </a:t>
+              <a:t>Data </a:t>
             </a:r>
             <a:r>
               <a:rPr lang="en-GB" dirty="0" smtClean="0"/>
@@ -8157,18 +9630,128 @@
             <p:ph idx="1"/>
           </p:nvPr>
         </p:nvSpPr>
-        <p:spPr/>
-        <p:txBody>
-          <a:bodyPr/>
-          <a:lstStyle/>
-          <a:p>
-            <a:endParaRPr lang="en-GB" dirty="0"/>
+        <p:spPr>
+          <a:xfrm>
+            <a:off x="457200" y="1720552"/>
+            <a:ext cx="8229600" cy="4876800"/>
+          </a:xfrm>
+        </p:spPr>
+        <p:txBody>
+          <a:bodyPr>
+            <a:normAutofit lnSpcReduction="10000"/>
+          </a:bodyPr>
+          <a:lstStyle/>
+          <a:p>
+            <a:pPr marL="6192838" indent="0">
+              <a:buNone/>
+            </a:pPr>
+            <a:endParaRPr lang="en-GB" sz="1600" dirty="0" smtClean="0"/>
+          </a:p>
+          <a:p>
+            <a:pPr marL="6192838" indent="0">
+              <a:buNone/>
+            </a:pPr>
+            <a:endParaRPr lang="en-GB" sz="1600" dirty="0"/>
+          </a:p>
+          <a:p>
+            <a:pPr marL="6192838" indent="0">
+              <a:buNone/>
+            </a:pPr>
+            <a:endParaRPr lang="en-GB" sz="1600" dirty="0" smtClean="0"/>
+          </a:p>
+          <a:p>
+            <a:pPr marL="6192838" indent="0">
+              <a:buNone/>
+            </a:pPr>
+            <a:endParaRPr lang="en-GB" sz="1600" dirty="0"/>
+          </a:p>
+          <a:p>
+            <a:pPr marL="6192838" indent="0">
+              <a:buNone/>
+            </a:pPr>
+            <a:endParaRPr lang="en-GB" sz="1600" dirty="0" smtClean="0"/>
+          </a:p>
+          <a:p>
+            <a:pPr marL="6192838" indent="0">
+              <a:buNone/>
+            </a:pPr>
+            <a:endParaRPr lang="en-GB" sz="1600" dirty="0"/>
+          </a:p>
+          <a:p>
+            <a:pPr marL="6192838" indent="0">
+              <a:buNone/>
+            </a:pPr>
+            <a:endParaRPr lang="en-GB" sz="1600" dirty="0" smtClean="0"/>
+          </a:p>
+          <a:p>
+            <a:pPr marL="6192838" indent="0">
+              <a:buNone/>
+            </a:pPr>
+            <a:endParaRPr lang="en-GB" sz="1600" dirty="0"/>
+          </a:p>
+          <a:p>
+            <a:pPr marL="6192838" indent="0">
+              <a:buNone/>
+            </a:pPr>
+            <a:endParaRPr lang="en-GB" sz="1600" dirty="0" smtClean="0"/>
+          </a:p>
+          <a:p>
+            <a:pPr marL="6192838" indent="0">
+              <a:buNone/>
+            </a:pPr>
+            <a:endParaRPr lang="en-GB" sz="1600" dirty="0"/>
+          </a:p>
+          <a:p>
+            <a:pPr marL="6192838" indent="0">
+              <a:buNone/>
+            </a:pPr>
+            <a:endParaRPr lang="en-GB" sz="1600" dirty="0" smtClean="0"/>
+          </a:p>
+          <a:p>
+            <a:pPr marL="6192838" indent="0">
+              <a:buNone/>
+            </a:pPr>
+            <a:endParaRPr lang="en-GB" sz="1600" dirty="0"/>
+          </a:p>
+          <a:p>
+            <a:pPr marL="6192838" indent="0">
+              <a:buNone/>
+            </a:pPr>
+            <a:endParaRPr lang="en-GB" sz="1600" dirty="0" smtClean="0"/>
+          </a:p>
+          <a:p>
+            <a:pPr marL="6192838" indent="0">
+              <a:buNone/>
+            </a:pPr>
+            <a:endParaRPr lang="en-GB" sz="1600" dirty="0" smtClean="0"/>
+          </a:p>
+          <a:p>
+            <a:pPr marL="6192838" indent="0">
+              <a:buNone/>
+            </a:pPr>
+            <a:endParaRPr lang="en-GB" sz="1600" dirty="0"/>
+          </a:p>
+          <a:p>
+            <a:pPr marL="6192838" indent="0">
+              <a:buNone/>
+            </a:pPr>
+            <a:endParaRPr lang="en-GB" sz="1600" dirty="0" smtClean="0"/>
+          </a:p>
+          <a:p>
+            <a:pPr marL="1588" indent="0">
+              <a:buNone/>
+            </a:pPr>
+            <a:r>
+              <a:rPr lang="en-GB" sz="1600" dirty="0" smtClean="0"/>
+              <a:t>Loan purposes ‘Renewable Energy’ and ‘Small Business’ have the highest percentage of bad loans.</a:t>
+            </a:r>
+            <a:endParaRPr lang="en-GB" sz="1600" dirty="0"/>
           </a:p>
         </p:txBody>
       </p:sp>
       <p:pic>
         <p:nvPicPr>
-          <p:cNvPr id="3075" name="Picture 3"/>
+          <p:cNvPr id="7170" name="Picture 2"/>
           <p:cNvPicPr>
             <a:picLocks noChangeAspect="1" noChangeArrowheads="1"/>
           </p:cNvPicPr>
@@ -8189,8 +9772,8 @@
         </p:blipFill>
         <p:spPr bwMode="auto">
           <a:xfrm>
-            <a:off x="467544" y="1634852"/>
-            <a:ext cx="4648200" cy="3162300"/>
+            <a:off x="395536" y="1340768"/>
+            <a:ext cx="6229350" cy="4572000"/>
           </a:xfrm>
           <a:prstGeom prst="rect">
             <a:avLst/>
@@ -8267,38 +9850,19 @@
           <a:p>
             <a:r>
               <a:rPr lang="en-GB" dirty="0" smtClean="0"/>
-              <a:t>1) Data </a:t>
+              <a:t>Data </a:t>
             </a:r>
             <a:r>
               <a:rPr lang="en-GB" dirty="0" smtClean="0"/>
               <a:t>exploration</a:t>
             </a:r>
-            <a:endParaRPr lang="en-GB" dirty="0"/>
-          </a:p>
-        </p:txBody>
-      </p:sp>
-      <p:sp>
-        <p:nvSpPr>
-          <p:cNvPr id="3" name="Content Placeholder 2"/>
-          <p:cNvSpPr>
-            <a:spLocks noGrp="1"/>
-          </p:cNvSpPr>
-          <p:nvPr>
-            <p:ph idx="1"/>
-          </p:nvPr>
-        </p:nvSpPr>
-        <p:spPr/>
-        <p:txBody>
-          <a:bodyPr/>
-          <a:lstStyle/>
-          <a:p>
             <a:endParaRPr lang="en-GB" dirty="0"/>
           </a:p>
         </p:txBody>
       </p:sp>
       <p:pic>
         <p:nvPicPr>
-          <p:cNvPr id="4099" name="Picture 3"/>
+          <p:cNvPr id="8194" name="Picture 2"/>
           <p:cNvPicPr>
             <a:picLocks noChangeAspect="1" noChangeArrowheads="1"/>
           </p:cNvPicPr>
@@ -8319,8 +9883,8 @@
         </p:blipFill>
         <p:spPr bwMode="auto">
           <a:xfrm>
-            <a:off x="467544" y="1628800"/>
-            <a:ext cx="4600575" cy="2809875"/>
+            <a:off x="467544" y="1412776"/>
+            <a:ext cx="7123113" cy="4505325"/>
           </a:xfrm>
           <a:prstGeom prst="rect">
             <a:avLst/>
@@ -8350,6 +9914,45 @@
           </a:extLst>
         </p:spPr>
       </p:pic>
+      <p:sp>
+        <p:nvSpPr>
+          <p:cNvPr id="4" name="TextBox 3"/>
+          <p:cNvSpPr txBox="1"/>
+          <p:nvPr/>
+        </p:nvSpPr>
+        <p:spPr>
+          <a:xfrm>
+            <a:off x="539552" y="5940569"/>
+            <a:ext cx="8239237" cy="584775"/>
+          </a:xfrm>
+          <a:prstGeom prst="rect">
+            <a:avLst/>
+          </a:prstGeom>
+          <a:noFill/>
+        </p:spPr>
+        <p:txBody>
+          <a:bodyPr wrap="square" rtlCol="0">
+            <a:spAutoFit/>
+          </a:bodyPr>
+          <a:lstStyle/>
+          <a:p>
+            <a:r>
+              <a:rPr lang="en-GB" sz="1600" dirty="0"/>
+              <a:t>C</a:t>
+            </a:r>
+            <a:r>
+              <a:rPr lang="en-GB" sz="1600" dirty="0" smtClean="0"/>
+              <a:t>ategory ‘None’  only contains completed loans.</a:t>
+            </a:r>
+          </a:p>
+          <a:p>
+            <a:r>
+              <a:rPr lang="en-GB" sz="1600" dirty="0" smtClean="0"/>
+              <a:t>Defaults in category ‘Rent’ are marginally higher than in ‘Other and ‘Own’.</a:t>
+            </a:r>
+          </a:p>
+        </p:txBody>
+      </p:sp>
     </p:spTree>
     <p:extLst>
       <p:ext uri="{BB962C8B-B14F-4D97-AF65-F5344CB8AC3E}">
@@ -8397,7 +10000,7 @@
           <a:p>
             <a:r>
               <a:rPr lang="en-GB" dirty="0" smtClean="0"/>
-              <a:t>1) Data </a:t>
+              <a:t>Data </a:t>
             </a:r>
             <a:r>
               <a:rPr lang="en-GB" dirty="0" smtClean="0"/>
@@ -8419,16 +10022,97 @@
         </p:nvSpPr>
         <p:spPr/>
         <p:txBody>
-          <a:bodyPr/>
-          <a:lstStyle/>
-          <a:p>
-            <a:endParaRPr lang="en-GB"/>
+          <a:bodyPr>
+            <a:normAutofit lnSpcReduction="10000"/>
+          </a:bodyPr>
+          <a:lstStyle/>
+          <a:p>
+            <a:pPr marL="0" indent="0">
+              <a:buNone/>
+            </a:pPr>
+            <a:endParaRPr lang="en-GB" dirty="0" smtClean="0"/>
+          </a:p>
+          <a:p>
+            <a:pPr marL="0" indent="0">
+              <a:buNone/>
+            </a:pPr>
+            <a:endParaRPr lang="en-GB" dirty="0"/>
+          </a:p>
+          <a:p>
+            <a:pPr marL="0" indent="0">
+              <a:buNone/>
+            </a:pPr>
+            <a:endParaRPr lang="en-GB" dirty="0" smtClean="0"/>
+          </a:p>
+          <a:p>
+            <a:pPr marL="0" indent="0">
+              <a:buNone/>
+            </a:pPr>
+            <a:endParaRPr lang="en-GB" dirty="0"/>
+          </a:p>
+          <a:p>
+            <a:pPr marL="0" indent="0">
+              <a:buNone/>
+            </a:pPr>
+            <a:endParaRPr lang="en-GB" dirty="0" smtClean="0"/>
+          </a:p>
+          <a:p>
+            <a:pPr marL="0" indent="0">
+              <a:buNone/>
+            </a:pPr>
+            <a:endParaRPr lang="en-GB" dirty="0"/>
+          </a:p>
+          <a:p>
+            <a:pPr marL="0" indent="0">
+              <a:buNone/>
+            </a:pPr>
+            <a:endParaRPr lang="en-GB" dirty="0" smtClean="0"/>
+          </a:p>
+          <a:p>
+            <a:pPr marL="0" indent="0">
+              <a:buNone/>
+            </a:pPr>
+            <a:endParaRPr lang="en-GB" dirty="0"/>
+          </a:p>
+          <a:p>
+            <a:pPr marL="0" indent="0">
+              <a:buNone/>
+            </a:pPr>
+            <a:endParaRPr lang="en-GB" dirty="0" smtClean="0"/>
+          </a:p>
+          <a:p>
+            <a:pPr marL="0" indent="0">
+              <a:buNone/>
+            </a:pPr>
+            <a:endParaRPr lang="en-GB" dirty="0"/>
+          </a:p>
+          <a:p>
+            <a:pPr marL="0" indent="0">
+              <a:buNone/>
+            </a:pPr>
+            <a:endParaRPr lang="en-GB" sz="1600" dirty="0" smtClean="0"/>
+          </a:p>
+          <a:p>
+            <a:pPr marL="0" indent="0">
+              <a:buNone/>
+            </a:pPr>
+            <a:endParaRPr lang="en-GB" sz="1600" dirty="0"/>
+          </a:p>
+          <a:p>
+            <a:pPr marL="0" indent="0">
+              <a:buNone/>
+            </a:pPr>
+            <a:r>
+              <a:rPr lang="en-GB" sz="1600" dirty="0" smtClean="0"/>
+              <a:t>One public record bankruptcy has the highest percentage of bad loans.</a:t>
+            </a:r>
+            <a:endParaRPr lang="en-GB" sz="1600" dirty="0"/>
           </a:p>
         </p:txBody>
       </p:sp>
       <p:pic>
         <p:nvPicPr>
-          <p:cNvPr id="5124" name="Picture 4"/>
+          <p:cNvPr id="9218" name="Picture 2"/>
           <p:cNvPicPr>
             <a:picLocks noChangeAspect="1" noChangeArrowheads="1"/>
           </p:cNvPicPr>
@@ -8449,8 +10133,8 @@
         </p:blipFill>
         <p:spPr bwMode="auto">
           <a:xfrm>
-            <a:off x="467544" y="1628800"/>
-            <a:ext cx="4648200" cy="2752725"/>
+            <a:off x="471428" y="1615405"/>
+            <a:ext cx="7065963" cy="4333875"/>
           </a:xfrm>
           <a:prstGeom prst="rect">
             <a:avLst/>
@@ -8527,38 +10211,19 @@
           <a:p>
             <a:r>
               <a:rPr lang="en-GB" dirty="0" smtClean="0"/>
-              <a:t>1) Data </a:t>
+              <a:t>Data </a:t>
             </a:r>
             <a:r>
               <a:rPr lang="en-GB" dirty="0" smtClean="0"/>
               <a:t>exploration</a:t>
             </a:r>
-            <a:endParaRPr lang="en-GB" dirty="0"/>
-          </a:p>
-        </p:txBody>
-      </p:sp>
-      <p:sp>
-        <p:nvSpPr>
-          <p:cNvPr id="3" name="Content Placeholder 2"/>
-          <p:cNvSpPr>
-            <a:spLocks noGrp="1"/>
-          </p:cNvSpPr>
-          <p:nvPr>
-            <p:ph idx="1"/>
-          </p:nvPr>
-        </p:nvSpPr>
-        <p:spPr/>
-        <p:txBody>
-          <a:bodyPr/>
-          <a:lstStyle/>
-          <a:p>
             <a:endParaRPr lang="en-GB" dirty="0"/>
           </a:p>
         </p:txBody>
       </p:sp>
       <p:pic>
         <p:nvPicPr>
-          <p:cNvPr id="6147" name="Picture 3"/>
+          <p:cNvPr id="10242" name="Picture 2"/>
           <p:cNvPicPr>
             <a:picLocks noChangeAspect="1" noChangeArrowheads="1"/>
           </p:cNvPicPr>
@@ -8579,8 +10244,8 @@
         </p:blipFill>
         <p:spPr bwMode="auto">
           <a:xfrm>
-            <a:off x="467544" y="1637416"/>
-            <a:ext cx="4619625" cy="2714625"/>
+            <a:off x="467544" y="1456531"/>
+            <a:ext cx="7104063" cy="4276725"/>
           </a:xfrm>
           <a:prstGeom prst="rect">
             <a:avLst/>
@@ -8610,6 +10275,80 @@
           </a:extLst>
         </p:spPr>
       </p:pic>
+      <p:sp>
+        <p:nvSpPr>
+          <p:cNvPr id="3" name="Content Placeholder 2"/>
+          <p:cNvSpPr>
+            <a:spLocks noGrp="1"/>
+          </p:cNvSpPr>
+          <p:nvPr>
+            <p:ph idx="1"/>
+          </p:nvPr>
+        </p:nvSpPr>
+        <p:spPr>
+          <a:xfrm>
+            <a:off x="457200" y="1792560"/>
+            <a:ext cx="8229600" cy="4876800"/>
+          </a:xfrm>
+        </p:spPr>
+        <p:txBody>
+          <a:bodyPr>
+            <a:normAutofit lnSpcReduction="10000"/>
+          </a:bodyPr>
+          <a:lstStyle/>
+          <a:p>
+            <a:endParaRPr lang="en-GB" dirty="0" smtClean="0"/>
+          </a:p>
+          <a:p>
+            <a:endParaRPr lang="en-GB" dirty="0"/>
+          </a:p>
+          <a:p>
+            <a:endParaRPr lang="en-GB" dirty="0" smtClean="0"/>
+          </a:p>
+          <a:p>
+            <a:endParaRPr lang="en-GB" dirty="0"/>
+          </a:p>
+          <a:p>
+            <a:endParaRPr lang="en-GB" dirty="0" smtClean="0"/>
+          </a:p>
+          <a:p>
+            <a:endParaRPr lang="en-GB" dirty="0"/>
+          </a:p>
+          <a:p>
+            <a:endParaRPr lang="en-GB" dirty="0" smtClean="0"/>
+          </a:p>
+          <a:p>
+            <a:endParaRPr lang="en-GB" dirty="0"/>
+          </a:p>
+          <a:p>
+            <a:endParaRPr lang="en-GB" dirty="0" smtClean="0"/>
+          </a:p>
+          <a:p>
+            <a:endParaRPr lang="en-GB" dirty="0"/>
+          </a:p>
+          <a:p>
+            <a:pPr marL="0" indent="0">
+              <a:buNone/>
+            </a:pPr>
+            <a:r>
+              <a:rPr lang="en-GB" sz="1600" dirty="0" smtClean="0"/>
+              <a:t>The lowest and the highest FICO scores do not contain bad loans, otherwise bad loans decrease with increase in score. </a:t>
+            </a:r>
+          </a:p>
+          <a:p>
+            <a:pPr marL="0" indent="0">
+              <a:buNone/>
+            </a:pPr>
+            <a:endParaRPr lang="en-GB" sz="1600" dirty="0" smtClean="0"/>
+          </a:p>
+          <a:p>
+            <a:pPr marL="0" indent="0">
+              <a:buNone/>
+            </a:pPr>
+            <a:endParaRPr lang="en-GB" sz="1600" dirty="0"/>
+          </a:p>
+        </p:txBody>
+      </p:sp>
     </p:spTree>
     <p:extLst>
       <p:ext uri="{BB962C8B-B14F-4D97-AF65-F5344CB8AC3E}">

--- a/LG presentation.pptx
+++ b/LG presentation.pptx
@@ -5,7 +5,7 @@
     <p:sldMasterId id="2147483768" r:id="rId1"/>
   </p:sldMasterIdLst>
   <p:notesMasterIdLst>
-    <p:notesMasterId r:id="rId36"/>
+    <p:notesMasterId r:id="rId33"/>
   </p:notesMasterIdLst>
   <p:sldIdLst>
     <p:sldId id="256" r:id="rId2"/>
@@ -25,26 +25,23 @@
     <p:sldId id="275" r:id="rId16"/>
     <p:sldId id="276" r:id="rId17"/>
     <p:sldId id="277" r:id="rId18"/>
-    <p:sldId id="278" r:id="rId19"/>
-    <p:sldId id="279" r:id="rId20"/>
-    <p:sldId id="281" r:id="rId21"/>
-    <p:sldId id="282" r:id="rId22"/>
-    <p:sldId id="283" r:id="rId23"/>
-    <p:sldId id="280" r:id="rId24"/>
-    <p:sldId id="261" r:id="rId25"/>
-    <p:sldId id="290" r:id="rId26"/>
-    <p:sldId id="284" r:id="rId27"/>
-    <p:sldId id="285" r:id="rId28"/>
-    <p:sldId id="287" r:id="rId29"/>
-    <p:sldId id="288" r:id="rId30"/>
-    <p:sldId id="263" r:id="rId31"/>
-    <p:sldId id="286" r:id="rId32"/>
-    <p:sldId id="264" r:id="rId33"/>
-    <p:sldId id="291" r:id="rId34"/>
-    <p:sldId id="262" r:id="rId35"/>
+    <p:sldId id="261" r:id="rId19"/>
+    <p:sldId id="290" r:id="rId20"/>
+    <p:sldId id="284" r:id="rId21"/>
+    <p:sldId id="285" r:id="rId22"/>
+    <p:sldId id="288" r:id="rId23"/>
+    <p:sldId id="263" r:id="rId24"/>
+    <p:sldId id="286" r:id="rId25"/>
+    <p:sldId id="262" r:id="rId26"/>
+    <p:sldId id="264" r:id="rId27"/>
+    <p:sldId id="291" r:id="rId28"/>
+    <p:sldId id="292" r:id="rId29"/>
+    <p:sldId id="293" r:id="rId30"/>
+    <p:sldId id="294" r:id="rId31"/>
+    <p:sldId id="295" r:id="rId32"/>
   </p:sldIdLst>
   <p:sldSz cx="9144000" cy="6858000" type="screen4x3"/>
-  <p:notesSz cx="6858000" cy="9144000"/>
+  <p:notesSz cx="7099300" cy="10234613"/>
   <p:defaultTextStyle>
     <a:defPPr>
       <a:defRPr lang="en-US"/>
@@ -178,21 +175,21 @@
         <p:spPr>
           <a:xfrm>
             <a:off x="0" y="0"/>
-            <a:ext cx="2971800" cy="457200"/>
+            <a:ext cx="3076363" cy="511731"/>
           </a:xfrm>
           <a:prstGeom prst="rect">
             <a:avLst/>
           </a:prstGeom>
         </p:spPr>
         <p:txBody>
-          <a:bodyPr vert="horz" lIns="91440" tIns="45720" rIns="91440" bIns="45720" rtlCol="0"/>
+          <a:bodyPr vert="horz" lIns="99048" tIns="49524" rIns="99048" bIns="49524" rtlCol="0"/>
           <a:lstStyle>
             <a:lvl1pPr algn="l">
-              <a:defRPr sz="1200"/>
+              <a:defRPr sz="1300"/>
             </a:lvl1pPr>
           </a:lstStyle>
           <a:p>
-            <a:endParaRPr lang="en-GB"/>
+            <a:endParaRPr lang="en-GB" dirty="0"/>
           </a:p>
         </p:txBody>
       </p:sp>
@@ -208,18 +205,18 @@
         </p:nvSpPr>
         <p:spPr>
           <a:xfrm>
-            <a:off x="3884613" y="0"/>
-            <a:ext cx="2971800" cy="457200"/>
+            <a:off x="4021294" y="0"/>
+            <a:ext cx="3076363" cy="511731"/>
           </a:xfrm>
           <a:prstGeom prst="rect">
             <a:avLst/>
           </a:prstGeom>
         </p:spPr>
         <p:txBody>
-          <a:bodyPr vert="horz" lIns="91440" tIns="45720" rIns="91440" bIns="45720" rtlCol="0"/>
+          <a:bodyPr vert="horz" lIns="99048" tIns="49524" rIns="99048" bIns="49524" rtlCol="0"/>
           <a:lstStyle>
             <a:lvl1pPr algn="r">
-              <a:defRPr sz="1200"/>
+              <a:defRPr sz="1300"/>
             </a:lvl1pPr>
           </a:lstStyle>
           <a:p>
@@ -227,7 +224,7 @@
               <a:rPr lang="en-GB" smtClean="0"/>
               <a:t>03/11/2017</a:t>
             </a:fld>
-            <a:endParaRPr lang="en-GB"/>
+            <a:endParaRPr lang="en-GB" dirty="0"/>
           </a:p>
         </p:txBody>
       </p:sp>
@@ -243,8 +240,8 @@
         </p:nvSpPr>
         <p:spPr>
           <a:xfrm>
-            <a:off x="1143000" y="685800"/>
-            <a:ext cx="4572000" cy="3429000"/>
+            <a:off x="992188" y="768350"/>
+            <a:ext cx="5114925" cy="3836988"/>
           </a:xfrm>
           <a:prstGeom prst="rect">
             <a:avLst/>
@@ -257,10 +254,10 @@
           </a:ln>
         </p:spPr>
         <p:txBody>
-          <a:bodyPr vert="horz" lIns="91440" tIns="45720" rIns="91440" bIns="45720" rtlCol="0" anchor="ctr"/>
-          <a:lstStyle/>
-          <a:p>
-            <a:endParaRPr lang="en-GB"/>
+          <a:bodyPr vert="horz" lIns="99048" tIns="49524" rIns="99048" bIns="49524" rtlCol="0" anchor="ctr"/>
+          <a:lstStyle/>
+          <a:p>
+            <a:endParaRPr lang="en-GB" dirty="0"/>
           </a:p>
         </p:txBody>
       </p:sp>
@@ -276,15 +273,15 @@
         </p:nvSpPr>
         <p:spPr>
           <a:xfrm>
-            <a:off x="685800" y="4343400"/>
-            <a:ext cx="5486400" cy="4114800"/>
+            <a:off x="709930" y="4861441"/>
+            <a:ext cx="5679440" cy="4605576"/>
           </a:xfrm>
           <a:prstGeom prst="rect">
             <a:avLst/>
           </a:prstGeom>
         </p:spPr>
         <p:txBody>
-          <a:bodyPr vert="horz" lIns="91440" tIns="45720" rIns="91440" bIns="45720" rtlCol="0"/>
+          <a:bodyPr vert="horz" lIns="99048" tIns="49524" rIns="99048" bIns="49524" rtlCol="0"/>
           <a:lstStyle/>
           <a:p>
             <a:pPr lvl="0"/>
@@ -336,22 +333,22 @@
         </p:nvSpPr>
         <p:spPr>
           <a:xfrm>
-            <a:off x="0" y="8685213"/>
-            <a:ext cx="2971800" cy="457200"/>
+            <a:off x="0" y="9721106"/>
+            <a:ext cx="3076363" cy="511731"/>
           </a:xfrm>
           <a:prstGeom prst="rect">
             <a:avLst/>
           </a:prstGeom>
         </p:spPr>
         <p:txBody>
-          <a:bodyPr vert="horz" lIns="91440" tIns="45720" rIns="91440" bIns="45720" rtlCol="0" anchor="b"/>
+          <a:bodyPr vert="horz" lIns="99048" tIns="49524" rIns="99048" bIns="49524" rtlCol="0" anchor="b"/>
           <a:lstStyle>
             <a:lvl1pPr algn="l">
-              <a:defRPr sz="1200"/>
+              <a:defRPr sz="1300"/>
             </a:lvl1pPr>
           </a:lstStyle>
           <a:p>
-            <a:endParaRPr lang="en-GB"/>
+            <a:endParaRPr lang="en-GB" dirty="0"/>
           </a:p>
         </p:txBody>
       </p:sp>
@@ -367,18 +364,18 @@
         </p:nvSpPr>
         <p:spPr>
           <a:xfrm>
-            <a:off x="3884613" y="8685213"/>
-            <a:ext cx="2971800" cy="457200"/>
+            <a:off x="4021294" y="9721106"/>
+            <a:ext cx="3076363" cy="511731"/>
           </a:xfrm>
           <a:prstGeom prst="rect">
             <a:avLst/>
           </a:prstGeom>
         </p:spPr>
         <p:txBody>
-          <a:bodyPr vert="horz" lIns="91440" tIns="45720" rIns="91440" bIns="45720" rtlCol="0" anchor="b"/>
+          <a:bodyPr vert="horz" lIns="99048" tIns="49524" rIns="99048" bIns="49524" rtlCol="0" anchor="b"/>
           <a:lstStyle>
             <a:lvl1pPr algn="r">
-              <a:defRPr sz="1200"/>
+              <a:defRPr sz="1300"/>
             </a:lvl1pPr>
           </a:lstStyle>
           <a:p>
@@ -386,7 +383,7 @@
               <a:rPr lang="en-GB" smtClean="0"/>
               <a:t>‹#›</a:t>
             </a:fld>
-            <a:endParaRPr lang="en-GB"/>
+            <a:endParaRPr lang="en-GB" dirty="0"/>
           </a:p>
         </p:txBody>
       </p:sp>
@@ -560,7 +557,7 @@
               <a:rPr lang="en-GB" smtClean="0"/>
               <a:t>1</a:t>
             </a:fld>
-            <a:endParaRPr lang="en-GB"/>
+            <a:endParaRPr lang="en-GB" dirty="0"/>
           </a:p>
         </p:txBody>
       </p:sp>
@@ -621,25 +618,11 @@
           <a:bodyPr/>
           <a:lstStyle/>
           <a:p>
-            <a:pPr marL="0" marR="0" indent="0" algn="l" defTabSz="914400" rtl="0" eaLnBrk="1" fontAlgn="auto" latinLnBrk="0" hangingPunct="1">
-              <a:lnSpc>
-                <a:spcPct val="100000"/>
-              </a:lnSpc>
-              <a:spcBef>
-                <a:spcPts val="0"/>
-              </a:spcBef>
-              <a:spcAft>
-                <a:spcPts val="0"/>
-              </a:spcAft>
-              <a:buClrTx/>
-              <a:buSzTx/>
-              <a:buFontTx/>
-              <a:buNone/>
-              <a:tabLst/>
+            <a:pPr defTabSz="990478">
               <a:defRPr/>
             </a:pPr>
             <a:r>
-              <a:rPr lang="en-GB" sz="1200" dirty="0" smtClean="0"/>
+              <a:rPr lang="en-GB" sz="1300" dirty="0"/>
               <a:t>The data contains rows of customers, with each column showing the features for loan applications that have been approved, together with outcomes of the loans (in the final column).  The outcomes show that each customer has either defaulted or completed their loan.  </a:t>
             </a:r>
           </a:p>
@@ -667,7 +650,7 @@
               <a:rPr lang="en-GB" smtClean="0"/>
               <a:t>3</a:t>
             </a:fld>
-            <a:endParaRPr lang="en-GB"/>
+            <a:endParaRPr lang="en-GB" dirty="0"/>
           </a:p>
         </p:txBody>
       </p:sp>
@@ -751,7 +734,7 @@
               <a:rPr lang="en-GB" smtClean="0"/>
               <a:t>4</a:t>
             </a:fld>
-            <a:endParaRPr lang="en-GB"/>
+            <a:endParaRPr lang="en-GB" dirty="0"/>
           </a:p>
         </p:txBody>
       </p:sp>
@@ -812,18 +795,6 @@
           <a:bodyPr/>
           <a:lstStyle/>
           <a:p>
-            <a:r>
-              <a:rPr lang="en-GB" dirty="0" smtClean="0"/>
-              <a:t>The AUC</a:t>
-            </a:r>
-            <a:r>
-              <a:rPr lang="en-GB" baseline="0" dirty="0" smtClean="0"/>
-              <a:t> score </a:t>
-            </a:r>
-            <a:r>
-              <a:rPr lang="en-GB" dirty="0" smtClean="0"/>
-              <a:t>equals the probability that a randomly chosen positive example ranks above (is deemed to have a higher probability of being positive than) a randomly chosen negative example.</a:t>
-            </a:r>
             <a:endParaRPr lang="en-GB" dirty="0"/>
           </a:p>
         </p:txBody>
@@ -845,9 +816,9 @@
           <a:p>
             <a:fld id="{5909DF50-1DBA-4A2C-A904-287F3A0D22EA}" type="slidenum">
               <a:rPr lang="en-GB" smtClean="0"/>
-              <a:t>25</a:t>
+              <a:t>19</a:t>
             </a:fld>
-            <a:endParaRPr lang="en-GB"/>
+            <a:endParaRPr lang="en-GB" dirty="0"/>
           </a:p>
         </p:txBody>
       </p:sp>
@@ -929,9 +900,9 @@
           <a:p>
             <a:fld id="{5909DF50-1DBA-4A2C-A904-287F3A0D22EA}" type="slidenum">
               <a:rPr lang="en-GB" smtClean="0"/>
-              <a:t>29</a:t>
+              <a:t>22</a:t>
             </a:fld>
-            <a:endParaRPr lang="en-GB"/>
+            <a:endParaRPr lang="en-GB" dirty="0"/>
           </a:p>
         </p:txBody>
       </p:sp>
@@ -993,48 +964,48 @@
           <a:lstStyle/>
           <a:p>
             <a:r>
-              <a:rPr lang="en-GB" sz="1200" dirty="0" smtClean="0"/>
+              <a:rPr lang="en-GB" sz="1300" dirty="0"/>
               <a:t>The dataset is unbalanced, with bad loans accounting for only a small portion of the total number of loans. Due to this class imbalance, model accuracy will be assessed the Area Under the Curve (AUC).</a:t>
             </a:r>
           </a:p>
           <a:p>
-            <a:endParaRPr lang="en-GB" sz="1200" dirty="0" smtClean="0"/>
-          </a:p>
-          <a:p>
-            <a:r>
-              <a:rPr lang="en-GB" sz="1200" dirty="0" smtClean="0"/>
+            <a:endParaRPr lang="en-GB" sz="1300" dirty="0"/>
+          </a:p>
+          <a:p>
+            <a:r>
+              <a:rPr lang="en-GB" sz="1300" dirty="0"/>
               <a:t>A receiver operating characteristic curve or ROC curve is a graph plotting the true positive rate against the false positive rate at different thresholds. It indicates how well a classifier can discriminate positive and negative instances and identify the best threshold for discriminating them. The curve is created by plotting the true positive rate (TPR) against the false positive rate (FPR) at various threshold settings.</a:t>
             </a:r>
           </a:p>
           <a:p>
             <a:r>
-              <a:rPr lang="en-GB" sz="1200" dirty="0" smtClean="0"/>
+              <a:rPr lang="en-GB" sz="1300" dirty="0"/>
               <a:t> </a:t>
             </a:r>
           </a:p>
           <a:p>
             <a:pPr lvl="0"/>
             <a:r>
-              <a:rPr lang="en-GB" sz="1200" dirty="0" smtClean="0"/>
+              <a:rPr lang="en-GB" sz="1300" dirty="0"/>
               <a:t>TPR (also called Recall or Sensitivity) = sum total positives/sum of condition positive</a:t>
             </a:r>
           </a:p>
           <a:p>
             <a:pPr lvl="0"/>
             <a:r>
-              <a:rPr lang="en-GB" sz="1200" dirty="0" smtClean="0"/>
+              <a:rPr lang="en-GB" sz="1300" dirty="0"/>
               <a:t>FPR (also called Fall-out) = sum of false positives/sum of condition negative</a:t>
             </a:r>
           </a:p>
           <a:p>
             <a:r>
-              <a:rPr lang="en-GB" sz="1200" dirty="0" smtClean="0"/>
+              <a:rPr lang="en-GB" sz="1300" dirty="0"/>
               <a:t> </a:t>
             </a:r>
           </a:p>
           <a:p>
             <a:r>
-              <a:rPr lang="en-GB" sz="1200" dirty="0" smtClean="0"/>
+              <a:rPr lang="en-GB" sz="1300" dirty="0"/>
               <a:t>The area under the curve (AUC) is equal to the probability that a classifier will rank a randomly chosen positive instance higher than a randomly chosen negative one.</a:t>
             </a:r>
           </a:p>
@@ -1060,9 +1031,9 @@
           <a:p>
             <a:fld id="{5909DF50-1DBA-4A2C-A904-287F3A0D22EA}" type="slidenum">
               <a:rPr lang="en-GB" smtClean="0"/>
-              <a:t>30</a:t>
+              <a:t>23</a:t>
             </a:fld>
-            <a:endParaRPr lang="en-GB"/>
+            <a:endParaRPr lang="en-GB" dirty="0"/>
           </a:p>
         </p:txBody>
       </p:sp>
@@ -1123,46 +1094,42 @@
           <a:bodyPr/>
           <a:lstStyle/>
           <a:p>
-            <a:pPr marL="0" indent="0">
-              <a:buFont typeface="Arial" panose="020B0604020202020204" pitchFamily="34" charset="0"/>
-              <a:buNone/>
-            </a:pPr>
-            <a:r>
-              <a:rPr lang="en-GB" sz="1200" dirty="0" smtClean="0"/>
+            <a:r>
+              <a:rPr lang="en-GB" sz="1300" dirty="0"/>
               <a:t>What is a confusion matrix?</a:t>
             </a:r>
           </a:p>
           <a:p>
-            <a:pPr marL="171450" indent="-171450">
+            <a:pPr marL="185715" indent="-185715">
               <a:buFont typeface="Arial" panose="020B0604020202020204" pitchFamily="34" charset="0"/>
               <a:buChar char="•"/>
             </a:pPr>
-            <a:endParaRPr lang="en-GB" sz="1200" dirty="0" smtClean="0"/>
-          </a:p>
-          <a:p>
-            <a:pPr marL="171450" indent="-171450">
+            <a:endParaRPr lang="en-GB" sz="1300" dirty="0"/>
+          </a:p>
+          <a:p>
+            <a:pPr marL="185715" indent="-185715">
               <a:buFont typeface="Arial" panose="020B0604020202020204" pitchFamily="34" charset="0"/>
               <a:buChar char="•"/>
             </a:pPr>
             <a:r>
-              <a:rPr lang="en-GB" sz="1200" dirty="0" smtClean="0"/>
+              <a:rPr lang="en-GB" sz="1300" dirty="0"/>
               <a:t>Visualization of the performance of an algorithm</a:t>
             </a:r>
           </a:p>
           <a:p>
-            <a:pPr marL="171450" indent="-171450">
+            <a:pPr marL="185715" indent="-185715">
               <a:buFont typeface="Arial" panose="020B0604020202020204" pitchFamily="34" charset="0"/>
               <a:buChar char="•"/>
             </a:pPr>
-            <a:endParaRPr lang="en-GB" sz="1200" dirty="0" smtClean="0"/>
-          </a:p>
-          <a:p>
-            <a:pPr marL="171450" indent="-171450">
+            <a:endParaRPr lang="en-GB" sz="1300" dirty="0"/>
+          </a:p>
+          <a:p>
+            <a:pPr marL="185715" indent="-185715">
               <a:buFont typeface="Arial" panose="020B0604020202020204" pitchFamily="34" charset="0"/>
               <a:buChar char="•"/>
             </a:pPr>
             <a:r>
-              <a:rPr lang="en-GB" sz="1200" dirty="0" smtClean="0"/>
+              <a:rPr lang="en-GB" sz="1300" dirty="0"/>
               <a:t>Each row of the matrix represents the instances in a actual class while each column represents the instances in an predicted class</a:t>
             </a:r>
           </a:p>
@@ -1188,9 +1155,9 @@
           <a:p>
             <a:fld id="{5909DF50-1DBA-4A2C-A904-287F3A0D22EA}" type="slidenum">
               <a:rPr lang="en-GB" smtClean="0"/>
-              <a:t>31</a:t>
+              <a:t>24</a:t>
             </a:fld>
-            <a:endParaRPr lang="en-GB"/>
+            <a:endParaRPr lang="en-GB" dirty="0"/>
           </a:p>
         </p:txBody>
       </p:sp>
@@ -1272,9 +1239,9 @@
           <a:p>
             <a:fld id="{5909DF50-1DBA-4A2C-A904-287F3A0D22EA}" type="slidenum">
               <a:rPr lang="en-GB" smtClean="0"/>
-              <a:t>34</a:t>
+              <a:t>25</a:t>
             </a:fld>
-            <a:endParaRPr lang="en-GB"/>
+            <a:endParaRPr lang="en-GB" dirty="0"/>
           </a:p>
         </p:txBody>
       </p:sp>
@@ -1481,7 +1448,7 @@
               <a:rPr lang="en-GB" smtClean="0"/>
               <a:t>03/11/2017</a:t>
             </a:fld>
-            <a:endParaRPr lang="en-GB"/>
+            <a:endParaRPr lang="en-GB" dirty="0"/>
           </a:p>
         </p:txBody>
       </p:sp>
@@ -1500,7 +1467,7 @@
           <a:bodyPr/>
           <a:lstStyle/>
           <a:p>
-            <a:endParaRPr lang="en-GB"/>
+            <a:endParaRPr lang="en-GB" dirty="0"/>
           </a:p>
         </p:txBody>
       </p:sp>
@@ -1523,7 +1490,7 @@
               <a:rPr lang="en-GB" smtClean="0"/>
               <a:t>‹#›</a:t>
             </a:fld>
-            <a:endParaRPr lang="en-GB"/>
+            <a:endParaRPr lang="en-GB" dirty="0"/>
           </a:p>
         </p:txBody>
       </p:sp>
@@ -1681,7 +1648,7 @@
               <a:rPr lang="en-GB" smtClean="0"/>
               <a:t>03/11/2017</a:t>
             </a:fld>
-            <a:endParaRPr lang="en-GB"/>
+            <a:endParaRPr lang="en-GB" dirty="0"/>
           </a:p>
         </p:txBody>
       </p:sp>
@@ -1700,7 +1667,7 @@
           <a:bodyPr/>
           <a:lstStyle/>
           <a:p>
-            <a:endParaRPr lang="en-GB"/>
+            <a:endParaRPr lang="en-GB" dirty="0"/>
           </a:p>
         </p:txBody>
       </p:sp>
@@ -1723,7 +1690,7 @@
               <a:rPr lang="en-GB" smtClean="0"/>
               <a:t>‹#›</a:t>
             </a:fld>
-            <a:endParaRPr lang="en-GB"/>
+            <a:endParaRPr lang="en-GB" dirty="0"/>
           </a:p>
         </p:txBody>
       </p:sp>
@@ -1856,7 +1823,7 @@
               <a:rPr lang="en-GB" smtClean="0"/>
               <a:t>03/11/2017</a:t>
             </a:fld>
-            <a:endParaRPr lang="en-GB"/>
+            <a:endParaRPr lang="en-GB" dirty="0"/>
           </a:p>
         </p:txBody>
       </p:sp>
@@ -1875,7 +1842,7 @@
           <a:bodyPr/>
           <a:lstStyle/>
           <a:p>
-            <a:endParaRPr lang="en-GB"/>
+            <a:endParaRPr lang="en-GB" dirty="0"/>
           </a:p>
         </p:txBody>
       </p:sp>
@@ -1898,7 +1865,7 @@
               <a:rPr lang="en-GB" smtClean="0"/>
               <a:t>‹#›</a:t>
             </a:fld>
-            <a:endParaRPr lang="en-GB"/>
+            <a:endParaRPr lang="en-GB" dirty="0"/>
           </a:p>
         </p:txBody>
       </p:sp>
@@ -2021,7 +1988,7 @@
               <a:rPr lang="en-GB" smtClean="0"/>
               <a:t>03/11/2017</a:t>
             </a:fld>
-            <a:endParaRPr lang="en-GB"/>
+            <a:endParaRPr lang="en-GB" dirty="0"/>
           </a:p>
         </p:txBody>
       </p:sp>
@@ -2040,7 +2007,7 @@
           <a:bodyPr/>
           <a:lstStyle/>
           <a:p>
-            <a:endParaRPr lang="en-GB"/>
+            <a:endParaRPr lang="en-GB" dirty="0"/>
           </a:p>
         </p:txBody>
       </p:sp>
@@ -2063,7 +2030,7 @@
               <a:rPr lang="en-GB" smtClean="0"/>
               <a:t>‹#›</a:t>
             </a:fld>
-            <a:endParaRPr lang="en-GB"/>
+            <a:endParaRPr lang="en-GB" dirty="0"/>
           </a:p>
         </p:txBody>
       </p:sp>
@@ -2269,7 +2236,7 @@
               <a:rPr lang="en-GB" smtClean="0"/>
               <a:t>03/11/2017</a:t>
             </a:fld>
-            <a:endParaRPr lang="en-GB"/>
+            <a:endParaRPr lang="en-GB" dirty="0"/>
           </a:p>
         </p:txBody>
       </p:sp>
@@ -2288,7 +2255,7 @@
           <a:bodyPr/>
           <a:lstStyle/>
           <a:p>
-            <a:endParaRPr lang="en-GB"/>
+            <a:endParaRPr lang="en-GB" dirty="0"/>
           </a:p>
         </p:txBody>
       </p:sp>
@@ -2311,7 +2278,7 @@
               <a:rPr lang="en-GB" smtClean="0"/>
               <a:t>‹#›</a:t>
             </a:fld>
-            <a:endParaRPr lang="en-GB"/>
+            <a:endParaRPr lang="en-GB" dirty="0"/>
           </a:p>
         </p:txBody>
       </p:sp>
@@ -2587,7 +2554,7 @@
               <a:rPr lang="en-GB" smtClean="0"/>
               <a:t>03/11/2017</a:t>
             </a:fld>
-            <a:endParaRPr lang="en-GB"/>
+            <a:endParaRPr lang="en-GB" dirty="0"/>
           </a:p>
         </p:txBody>
       </p:sp>
@@ -2606,7 +2573,7 @@
           <a:bodyPr/>
           <a:lstStyle/>
           <a:p>
-            <a:endParaRPr lang="en-GB"/>
+            <a:endParaRPr lang="en-GB" dirty="0"/>
           </a:p>
         </p:txBody>
       </p:sp>
@@ -2629,7 +2596,7 @@
               <a:rPr lang="en-GB" smtClean="0"/>
               <a:t>‹#›</a:t>
             </a:fld>
-            <a:endParaRPr lang="en-GB"/>
+            <a:endParaRPr lang="en-GB" dirty="0"/>
           </a:p>
         </p:txBody>
       </p:sp>
@@ -3053,7 +3020,7 @@
               <a:rPr lang="en-GB" smtClean="0"/>
               <a:t>03/11/2017</a:t>
             </a:fld>
-            <a:endParaRPr lang="en-GB"/>
+            <a:endParaRPr lang="en-GB" dirty="0"/>
           </a:p>
         </p:txBody>
       </p:sp>
@@ -3072,7 +3039,7 @@
           <a:bodyPr/>
           <a:lstStyle/>
           <a:p>
-            <a:endParaRPr lang="en-GB"/>
+            <a:endParaRPr lang="en-GB" dirty="0"/>
           </a:p>
         </p:txBody>
       </p:sp>
@@ -3095,7 +3062,7 @@
               <a:rPr lang="en-GB" smtClean="0"/>
               <a:t>‹#›</a:t>
             </a:fld>
-            <a:endParaRPr lang="en-GB"/>
+            <a:endParaRPr lang="en-GB" dirty="0"/>
           </a:p>
         </p:txBody>
       </p:sp>
@@ -3201,7 +3168,7 @@
               <a:rPr lang="en-GB" smtClean="0"/>
               <a:t>03/11/2017</a:t>
             </a:fld>
-            <a:endParaRPr lang="en-GB"/>
+            <a:endParaRPr lang="en-GB" dirty="0"/>
           </a:p>
         </p:txBody>
       </p:sp>
@@ -3220,7 +3187,7 @@
           <a:bodyPr/>
           <a:lstStyle/>
           <a:p>
-            <a:endParaRPr lang="en-GB"/>
+            <a:endParaRPr lang="en-GB" dirty="0"/>
           </a:p>
         </p:txBody>
       </p:sp>
@@ -3243,7 +3210,7 @@
               <a:rPr lang="en-GB" smtClean="0"/>
               <a:t>‹#›</a:t>
             </a:fld>
-            <a:endParaRPr lang="en-GB"/>
+            <a:endParaRPr lang="en-GB" dirty="0"/>
           </a:p>
         </p:txBody>
       </p:sp>
@@ -3291,7 +3258,7 @@
               <a:rPr lang="en-GB" smtClean="0"/>
               <a:t>03/11/2017</a:t>
             </a:fld>
-            <a:endParaRPr lang="en-GB"/>
+            <a:endParaRPr lang="en-GB" dirty="0"/>
           </a:p>
         </p:txBody>
       </p:sp>
@@ -3310,7 +3277,7 @@
           <a:bodyPr/>
           <a:lstStyle/>
           <a:p>
-            <a:endParaRPr lang="en-GB"/>
+            <a:endParaRPr lang="en-GB" dirty="0"/>
           </a:p>
         </p:txBody>
       </p:sp>
@@ -3333,7 +3300,7 @@
               <a:rPr lang="en-GB" smtClean="0"/>
               <a:t>‹#›</a:t>
             </a:fld>
-            <a:endParaRPr lang="en-GB"/>
+            <a:endParaRPr lang="en-GB" dirty="0"/>
           </a:p>
         </p:txBody>
       </p:sp>
@@ -3565,7 +3532,7 @@
               <a:rPr lang="en-GB" smtClean="0"/>
               <a:t>03/11/2017</a:t>
             </a:fld>
-            <a:endParaRPr lang="en-GB"/>
+            <a:endParaRPr lang="en-GB" dirty="0"/>
           </a:p>
         </p:txBody>
       </p:sp>
@@ -3584,7 +3551,7 @@
           <a:bodyPr/>
           <a:lstStyle/>
           <a:p>
-            <a:endParaRPr lang="en-GB"/>
+            <a:endParaRPr lang="en-GB" dirty="0"/>
           </a:p>
         </p:txBody>
       </p:sp>
@@ -3607,7 +3574,7 @@
               <a:rPr lang="en-GB" smtClean="0"/>
               <a:t>‹#›</a:t>
             </a:fld>
-            <a:endParaRPr lang="en-GB"/>
+            <a:endParaRPr lang="en-GB" dirty="0"/>
           </a:p>
         </p:txBody>
       </p:sp>
@@ -3779,7 +3746,7 @@
           </a:lstStyle>
           <a:p>
             <a:r>
-              <a:rPr lang="en-US" smtClean="0"/>
+              <a:rPr lang="en-US" dirty="0" smtClean="0"/>
               <a:t>Click icon to add picture</a:t>
             </a:r>
             <a:endParaRPr lang="en-US" dirty="0"/>
@@ -3870,7 +3837,7 @@
               <a:rPr lang="en-GB" smtClean="0"/>
               <a:t>03/11/2017</a:t>
             </a:fld>
-            <a:endParaRPr lang="en-GB"/>
+            <a:endParaRPr lang="en-GB" dirty="0"/>
           </a:p>
         </p:txBody>
       </p:sp>
@@ -3889,7 +3856,7 @@
           <a:bodyPr/>
           <a:lstStyle/>
           <a:p>
-            <a:endParaRPr lang="en-GB"/>
+            <a:endParaRPr lang="en-GB" dirty="0"/>
           </a:p>
         </p:txBody>
       </p:sp>
@@ -3912,7 +3879,7 @@
               <a:rPr lang="en-GB" smtClean="0"/>
               <a:t>‹#›</a:t>
             </a:fld>
-            <a:endParaRPr lang="en-GB"/>
+            <a:endParaRPr lang="en-GB" dirty="0"/>
           </a:p>
         </p:txBody>
       </p:sp>
@@ -3988,7 +3955,7 @@
           <a:lstStyle/>
           <a:p>
             <a:pPr algn="ctr"/>
-            <a:endParaRPr lang="en-US"/>
+            <a:endParaRPr lang="en-US" dirty="0"/>
           </a:p>
         </p:txBody>
       </p:sp>
@@ -4129,7 +4096,7 @@
           <a:lstStyle/>
           <a:p>
             <a:pPr algn="ctr"/>
-            <a:endParaRPr lang="en-US"/>
+            <a:endParaRPr lang="en-US" dirty="0"/>
           </a:p>
         </p:txBody>
       </p:sp>
@@ -4168,7 +4135,7 @@
               <a:rPr lang="en-GB" smtClean="0"/>
               <a:t>03/11/2017</a:t>
             </a:fld>
-            <a:endParaRPr lang="en-GB"/>
+            <a:endParaRPr lang="en-GB" dirty="0"/>
           </a:p>
         </p:txBody>
       </p:sp>
@@ -4203,7 +4170,7 @@
             </a:lvl1pPr>
           </a:lstStyle>
           <a:p>
-            <a:endParaRPr lang="en-GB"/>
+            <a:endParaRPr lang="en-GB" dirty="0"/>
           </a:p>
         </p:txBody>
       </p:sp>
@@ -4242,7 +4209,7 @@
               <a:rPr lang="en-GB" smtClean="0"/>
               <a:t>‹#›</a:t>
             </a:fld>
-            <a:endParaRPr lang="en-GB"/>
+            <a:endParaRPr lang="en-GB" dirty="0"/>
           </a:p>
         </p:txBody>
       </p:sp>
@@ -4762,44 +4729,92 @@
           </a:bodyPr>
           <a:lstStyle/>
           <a:p>
-            <a:endParaRPr lang="en-GB" dirty="0" smtClean="0"/>
-          </a:p>
-          <a:p>
-            <a:endParaRPr lang="en-GB" dirty="0"/>
-          </a:p>
-          <a:p>
-            <a:endParaRPr lang="en-GB" dirty="0" smtClean="0"/>
-          </a:p>
-          <a:p>
-            <a:endParaRPr lang="en-GB" dirty="0"/>
-          </a:p>
-          <a:p>
-            <a:endParaRPr lang="en-GB" dirty="0" smtClean="0"/>
-          </a:p>
-          <a:p>
-            <a:endParaRPr lang="en-GB" dirty="0"/>
-          </a:p>
-          <a:p>
-            <a:endParaRPr lang="en-GB" dirty="0" smtClean="0"/>
-          </a:p>
-          <a:p>
-            <a:endParaRPr lang="en-GB" dirty="0"/>
-          </a:p>
-          <a:p>
-            <a:endParaRPr lang="en-GB" dirty="0" smtClean="0"/>
-          </a:p>
-          <a:p>
-            <a:endParaRPr lang="en-GB" dirty="0"/>
+            <a:endParaRPr lang="en-GB" dirty="0" smtClean="0">
+              <a:solidFill>
+                <a:schemeClr val="tx2"/>
+              </a:solidFill>
+            </a:endParaRPr>
+          </a:p>
+          <a:p>
+            <a:endParaRPr lang="en-GB" dirty="0">
+              <a:solidFill>
+                <a:schemeClr val="tx2"/>
+              </a:solidFill>
+            </a:endParaRPr>
+          </a:p>
+          <a:p>
+            <a:endParaRPr lang="en-GB" dirty="0" smtClean="0">
+              <a:solidFill>
+                <a:schemeClr val="tx2"/>
+              </a:solidFill>
+            </a:endParaRPr>
+          </a:p>
+          <a:p>
+            <a:endParaRPr lang="en-GB" dirty="0">
+              <a:solidFill>
+                <a:schemeClr val="tx2"/>
+              </a:solidFill>
+            </a:endParaRPr>
+          </a:p>
+          <a:p>
+            <a:endParaRPr lang="en-GB" dirty="0" smtClean="0">
+              <a:solidFill>
+                <a:schemeClr val="tx2"/>
+              </a:solidFill>
+            </a:endParaRPr>
+          </a:p>
+          <a:p>
+            <a:endParaRPr lang="en-GB" dirty="0">
+              <a:solidFill>
+                <a:schemeClr val="tx2"/>
+              </a:solidFill>
+            </a:endParaRPr>
+          </a:p>
+          <a:p>
+            <a:endParaRPr lang="en-GB" dirty="0" smtClean="0">
+              <a:solidFill>
+                <a:schemeClr val="tx2"/>
+              </a:solidFill>
+            </a:endParaRPr>
+          </a:p>
+          <a:p>
+            <a:endParaRPr lang="en-GB" dirty="0">
+              <a:solidFill>
+                <a:schemeClr val="tx2"/>
+              </a:solidFill>
+            </a:endParaRPr>
+          </a:p>
+          <a:p>
+            <a:endParaRPr lang="en-GB" dirty="0" smtClean="0">
+              <a:solidFill>
+                <a:schemeClr val="tx2"/>
+              </a:solidFill>
+            </a:endParaRPr>
+          </a:p>
+          <a:p>
+            <a:endParaRPr lang="en-GB" dirty="0">
+              <a:solidFill>
+                <a:schemeClr val="tx2"/>
+              </a:solidFill>
+            </a:endParaRPr>
           </a:p>
           <a:p>
             <a:pPr marL="0" indent="0">
               <a:buNone/>
             </a:pPr>
             <a:r>
-              <a:rPr lang="en-GB" sz="1600" dirty="0" smtClean="0"/>
+              <a:rPr lang="en-GB" sz="1600" dirty="0" smtClean="0">
+                <a:solidFill>
+                  <a:schemeClr val="tx2"/>
+                </a:solidFill>
+              </a:rPr>
               <a:t>One adverse public record has the highest percentage of bad loans, while three only contain good loans.</a:t>
             </a:r>
-            <a:endParaRPr lang="en-GB" sz="1600" dirty="0"/>
+            <a:endParaRPr lang="en-GB" sz="1600" dirty="0">
+              <a:solidFill>
+                <a:schemeClr val="tx2"/>
+              </a:solidFill>
+            </a:endParaRPr>
           </a:p>
         </p:txBody>
       </p:sp>
@@ -4883,16 +4898,28 @@
           <a:lstStyle/>
           <a:p>
             <a:r>
-              <a:rPr lang="en-GB" sz="1600" dirty="0" smtClean="0"/>
+              <a:rPr lang="en-GB" sz="1600" dirty="0" smtClean="0">
+                <a:solidFill>
+                  <a:schemeClr val="tx2"/>
+                </a:solidFill>
+              </a:rPr>
               <a:t>NE stands out as having 60% of bad loans, or 5 bad loans in absolute numbers.</a:t>
             </a:r>
           </a:p>
           <a:p>
             <a:r>
-              <a:rPr lang="en-GB" sz="1600" dirty="0" smtClean="0"/>
+              <a:rPr lang="en-GB" sz="1600" dirty="0" smtClean="0">
+                <a:solidFill>
+                  <a:schemeClr val="tx2"/>
+                </a:solidFill>
+              </a:rPr>
               <a:t>NV has 28.43% of bad loans, or 306 bad loans in absolute numbers.</a:t>
             </a:r>
-            <a:endParaRPr lang="en-GB" sz="1600" dirty="0"/>
+            <a:endParaRPr lang="en-GB" sz="1600" dirty="0">
+              <a:solidFill>
+                <a:schemeClr val="tx2"/>
+              </a:solidFill>
+            </a:endParaRPr>
           </a:p>
         </p:txBody>
       </p:sp>
@@ -4976,7 +5003,15 @@
             </a:r>
             <a:r>
               <a:rPr lang="en-GB" dirty="0" smtClean="0"/>
-              <a:t>exploration: initial insights</a:t>
+              <a:t>exploration: </a:t>
+            </a:r>
+            <a:r>
+              <a:rPr lang="en-GB" dirty="0" smtClean="0"/>
+              <a:t>Initial </a:t>
+            </a:r>
+            <a:r>
+              <a:rPr lang="en-GB" dirty="0" smtClean="0"/>
+              <a:t>insights</a:t>
             </a:r>
             <a:endParaRPr lang="en-GB" dirty="0"/>
           </a:p>
@@ -4995,7 +5030,7 @@
         <p:spPr>
           <a:xfrm>
             <a:off x="395536" y="1628800"/>
-            <a:ext cx="8219256" cy="1008112"/>
+            <a:ext cx="8219256" cy="1944216"/>
           </a:xfrm>
         </p:spPr>
         <p:txBody>
@@ -5005,23 +5040,35 @@
           <a:lstStyle/>
           <a:p>
             <a:r>
-              <a:rPr lang="en-GB" sz="2000" dirty="0" smtClean="0"/>
+              <a:rPr lang="en-GB" sz="2000" dirty="0" smtClean="0">
+                <a:solidFill>
+                  <a:schemeClr val="tx2"/>
+                </a:solidFill>
+              </a:rPr>
               <a:t>Relationships between predictor and target variable are not always linear.</a:t>
             </a:r>
           </a:p>
           <a:p>
-            <a:endParaRPr lang="en-GB" sz="2000" dirty="0" smtClean="0"/>
-          </a:p>
-          <a:p>
-            <a:r>
-              <a:rPr lang="en-GB" sz="2000" dirty="0" err="1" smtClean="0"/>
-              <a:t>Observatons</a:t>
-            </a:r>
-            <a:r>
-              <a:rPr lang="en-GB" sz="2000" dirty="0" smtClean="0"/>
-              <a:t> of features ‘FICO Credit Score’ and ‘Address State’ can be grouped in order to increase predictive power.</a:t>
-            </a:r>
-            <a:endParaRPr lang="en-GB" sz="2000" dirty="0"/>
+            <a:endParaRPr lang="en-GB" sz="2000" dirty="0" smtClean="0">
+              <a:solidFill>
+                <a:schemeClr val="tx2"/>
+              </a:solidFill>
+            </a:endParaRPr>
+          </a:p>
+          <a:p>
+            <a:r>
+              <a:rPr lang="en-GB" sz="2000" dirty="0" smtClean="0">
+                <a:solidFill>
+                  <a:schemeClr val="tx2"/>
+                </a:solidFill>
+              </a:rPr>
+              <a:t>Observations of features ‘FICO Credit Score’ and ‘Address State’ can be grouped in order to increase predictive power.</a:t>
+            </a:r>
+            <a:endParaRPr lang="en-GB" sz="2000" dirty="0">
+              <a:solidFill>
+                <a:schemeClr val="tx2"/>
+              </a:solidFill>
+            </a:endParaRPr>
           </a:p>
         </p:txBody>
       </p:sp>
@@ -5098,39 +5145,71 @@
           <a:lstStyle/>
           <a:p>
             <a:r>
-              <a:rPr lang="en-GB" dirty="0"/>
+              <a:rPr lang="en-GB" dirty="0">
+                <a:solidFill>
+                  <a:schemeClr val="tx2"/>
+                </a:solidFill>
+              </a:rPr>
               <a:t>convert 'Class' feature (=target) into numerical </a:t>
             </a:r>
             <a:r>
-              <a:rPr lang="en-GB" dirty="0" smtClean="0"/>
+              <a:rPr lang="en-GB" dirty="0" smtClean="0">
+                <a:solidFill>
+                  <a:schemeClr val="tx2"/>
+                </a:solidFill>
+              </a:rPr>
               <a:t>values</a:t>
             </a:r>
           </a:p>
           <a:p>
             <a:pPr lvl="1"/>
             <a:r>
-              <a:rPr lang="en-GB" dirty="0" smtClean="0"/>
+              <a:rPr lang="en-GB" dirty="0" smtClean="0">
+                <a:solidFill>
+                  <a:schemeClr val="tx2"/>
+                </a:solidFill>
+              </a:rPr>
               <a:t>Assign ‘0’ to ‘creditworthy’</a:t>
             </a:r>
           </a:p>
           <a:p>
             <a:pPr lvl="1"/>
             <a:r>
-              <a:rPr lang="en-GB" dirty="0" smtClean="0"/>
+              <a:rPr lang="en-GB" dirty="0" smtClean="0">
+                <a:solidFill>
+                  <a:schemeClr val="tx2"/>
+                </a:solidFill>
+              </a:rPr>
               <a:t>Assign ‘1’ to ‘</a:t>
             </a:r>
             <a:r>
-              <a:rPr lang="en-GB" dirty="0" err="1" smtClean="0"/>
+              <a:rPr lang="en-GB" dirty="0" smtClean="0">
+                <a:solidFill>
+                  <a:schemeClr val="tx2"/>
+                </a:solidFill>
+              </a:rPr>
               <a:t>uncreditworthy</a:t>
             </a:r>
             <a:r>
-              <a:rPr lang="en-GB" dirty="0" smtClean="0"/>
+              <a:rPr lang="en-GB" dirty="0" smtClean="0">
+                <a:solidFill>
+                  <a:schemeClr val="tx2"/>
+                </a:solidFill>
+              </a:rPr>
               <a:t>’</a:t>
             </a:r>
-            <a:endParaRPr lang="en-GB" dirty="0"/>
-          </a:p>
-          <a:p>
-            <a:endParaRPr lang="en-GB" dirty="0"/>
+            <a:endParaRPr lang="en-GB" dirty="0">
+              <a:solidFill>
+                <a:schemeClr val="tx2"/>
+              </a:solidFill>
+            </a:endParaRPr>
+          </a:p>
+          <a:p>
+            <a:endParaRPr lang="en-GB" dirty="0">
+              <a:solidFill>
+                <a:schemeClr val="tx2"/>
+              </a:solidFill>
+            </a:endParaRPr>
           </a:p>
         </p:txBody>
       </p:sp>
@@ -5207,102 +5286,190 @@
           <a:lstStyle/>
           <a:p>
             <a:r>
-              <a:rPr lang="en-GB" dirty="0"/>
+              <a:rPr lang="en-GB" dirty="0">
+                <a:solidFill>
+                  <a:schemeClr val="tx2"/>
+                </a:solidFill>
+              </a:rPr>
               <a:t>summarise address states into geographic </a:t>
             </a:r>
             <a:r>
-              <a:rPr lang="en-GB" dirty="0" smtClean="0"/>
+              <a:rPr lang="en-GB" dirty="0" smtClean="0">
+                <a:solidFill>
+                  <a:schemeClr val="tx2"/>
+                </a:solidFill>
+              </a:rPr>
               <a:t>regions:</a:t>
             </a:r>
           </a:p>
           <a:p>
             <a:pPr lvl="1"/>
             <a:r>
-              <a:rPr lang="en-GB" dirty="0" err="1" smtClean="0"/>
+              <a:rPr lang="en-GB" dirty="0" smtClean="0">
+                <a:solidFill>
+                  <a:schemeClr val="tx2"/>
+                </a:solidFill>
+              </a:rPr>
               <a:t>East_Coast</a:t>
             </a:r>
             <a:r>
-              <a:rPr lang="en-GB" dirty="0" smtClean="0"/>
+              <a:rPr lang="en-GB" dirty="0" smtClean="0">
+                <a:solidFill>
+                  <a:schemeClr val="tx2"/>
+                </a:solidFill>
+              </a:rPr>
               <a:t>: </a:t>
             </a:r>
             <a:r>
-              <a:rPr lang="en-GB" dirty="0"/>
+              <a:rPr lang="en-GB" dirty="0">
+                <a:solidFill>
+                  <a:schemeClr val="tx2"/>
+                </a:solidFill>
+              </a:rPr>
               <a:t>7731 </a:t>
             </a:r>
             <a:r>
-              <a:rPr lang="en-GB" dirty="0" err="1" smtClean="0"/>
-              <a:t>obversations</a:t>
-            </a:r>
-            <a:endParaRPr lang="en-GB" dirty="0" smtClean="0"/>
+              <a:rPr lang="en-GB" dirty="0" smtClean="0">
+                <a:solidFill>
+                  <a:schemeClr val="tx2"/>
+                </a:solidFill>
+              </a:rPr>
+              <a:t>observations</a:t>
+            </a:r>
+            <a:endParaRPr lang="en-GB" dirty="0" smtClean="0">
+              <a:solidFill>
+                <a:schemeClr val="tx2"/>
+              </a:solidFill>
+            </a:endParaRPr>
           </a:p>
           <a:p>
             <a:pPr lvl="1"/>
             <a:r>
-              <a:rPr lang="en-GB" dirty="0" smtClean="0"/>
+              <a:rPr lang="en-GB" dirty="0" smtClean="0">
+                <a:solidFill>
+                  <a:schemeClr val="tx2"/>
+                </a:solidFill>
+              </a:rPr>
               <a:t>South: </a:t>
             </a:r>
             <a:r>
-              <a:rPr lang="en-GB" dirty="0"/>
+              <a:rPr lang="en-GB" dirty="0">
+                <a:solidFill>
+                  <a:schemeClr val="tx2"/>
+                </a:solidFill>
+              </a:rPr>
               <a:t>6885 </a:t>
             </a:r>
             <a:r>
-              <a:rPr lang="en-GB" dirty="0" err="1"/>
-              <a:t>obversations</a:t>
-            </a:r>
-            <a:endParaRPr lang="en-GB" dirty="0" smtClean="0"/>
+              <a:rPr lang="en-GB" dirty="0" smtClean="0">
+                <a:solidFill>
+                  <a:schemeClr val="tx2"/>
+                </a:solidFill>
+              </a:rPr>
+              <a:t>observations</a:t>
+            </a:r>
+            <a:endParaRPr lang="en-GB" dirty="0" smtClean="0">
+              <a:solidFill>
+                <a:schemeClr val="tx2"/>
+              </a:solidFill>
+            </a:endParaRPr>
           </a:p>
           <a:p>
             <a:pPr lvl="1"/>
             <a:r>
-              <a:rPr lang="en-GB" dirty="0" err="1" smtClean="0"/>
+              <a:rPr lang="en-GB" dirty="0" smtClean="0">
+                <a:solidFill>
+                  <a:schemeClr val="tx2"/>
+                </a:solidFill>
+              </a:rPr>
               <a:t>West_Coast</a:t>
             </a:r>
             <a:r>
-              <a:rPr lang="en-GB" dirty="0" smtClean="0"/>
+              <a:rPr lang="en-GB" dirty="0" smtClean="0">
+                <a:solidFill>
+                  <a:schemeClr val="tx2"/>
+                </a:solidFill>
+              </a:rPr>
               <a:t>: </a:t>
             </a:r>
             <a:r>
-              <a:rPr lang="en-GB" dirty="0"/>
+              <a:rPr lang="en-GB" dirty="0">
+                <a:solidFill>
+                  <a:schemeClr val="tx2"/>
+                </a:solidFill>
+              </a:rPr>
               <a:t>4485 </a:t>
             </a:r>
             <a:r>
-              <a:rPr lang="en-GB" dirty="0" err="1"/>
-              <a:t>obversations</a:t>
-            </a:r>
-            <a:r>
-              <a:rPr lang="en-GB" dirty="0"/>
-              <a:t> </a:t>
-            </a:r>
-            <a:endParaRPr lang="en-GB" dirty="0" smtClean="0"/>
+              <a:rPr lang="en-GB" dirty="0" smtClean="0">
+                <a:solidFill>
+                  <a:schemeClr val="tx2"/>
+                </a:solidFill>
+              </a:rPr>
+              <a:t>observations </a:t>
+            </a:r>
+            <a:endParaRPr lang="en-GB" dirty="0" smtClean="0">
+              <a:solidFill>
+                <a:schemeClr val="tx2"/>
+              </a:solidFill>
+            </a:endParaRPr>
           </a:p>
           <a:p>
             <a:pPr lvl="1"/>
             <a:r>
-              <a:rPr lang="en-GB" dirty="0" smtClean="0"/>
+              <a:rPr lang="en-GB" dirty="0" smtClean="0">
+                <a:solidFill>
+                  <a:schemeClr val="tx2"/>
+                </a:solidFill>
+              </a:rPr>
               <a:t>Middle: </a:t>
             </a:r>
             <a:r>
-              <a:rPr lang="en-GB" dirty="0"/>
+              <a:rPr lang="en-GB" dirty="0">
+                <a:solidFill>
+                  <a:schemeClr val="tx2"/>
+                </a:solidFill>
+              </a:rPr>
               <a:t>3461 </a:t>
             </a:r>
             <a:r>
-              <a:rPr lang="en-GB" dirty="0" err="1"/>
-              <a:t>obversations</a:t>
-            </a:r>
-            <a:endParaRPr lang="en-GB" dirty="0" smtClean="0"/>
+              <a:rPr lang="en-GB" dirty="0" smtClean="0">
+                <a:solidFill>
+                  <a:schemeClr val="tx2"/>
+                </a:solidFill>
+              </a:rPr>
+              <a:t>observations</a:t>
+            </a:r>
+            <a:endParaRPr lang="en-GB" dirty="0" smtClean="0">
+              <a:solidFill>
+                <a:schemeClr val="tx2"/>
+              </a:solidFill>
+            </a:endParaRPr>
           </a:p>
           <a:p>
             <a:pPr lvl="1"/>
             <a:r>
-              <a:rPr lang="en-GB" dirty="0" smtClean="0"/>
+              <a:rPr lang="en-GB" dirty="0" smtClean="0">
+                <a:solidFill>
+                  <a:schemeClr val="tx2"/>
+                </a:solidFill>
+              </a:rPr>
               <a:t>North: </a:t>
             </a:r>
             <a:r>
-              <a:rPr lang="en-GB" dirty="0"/>
+              <a:rPr lang="en-GB" dirty="0">
+                <a:solidFill>
+                  <a:schemeClr val="tx2"/>
+                </a:solidFill>
+              </a:rPr>
               <a:t>2213 </a:t>
             </a:r>
             <a:r>
-              <a:rPr lang="en-GB" dirty="0" smtClean="0"/>
+              <a:rPr lang="en-GB" dirty="0" smtClean="0">
+                <a:solidFill>
+                  <a:schemeClr val="tx2"/>
+                </a:solidFill>
+              </a:rPr>
               <a:t>observations</a:t>
             </a:r>
           </a:p>
@@ -5310,69 +5477,133 @@
             <a:pPr marL="274320" lvl="1" indent="0">
               <a:buNone/>
             </a:pPr>
-            <a:endParaRPr lang="en-GB" dirty="0" smtClean="0"/>
-          </a:p>
-          <a:p>
-            <a:r>
-              <a:rPr lang="en-GB" dirty="0"/>
+            <a:endParaRPr lang="en-GB" dirty="0" smtClean="0">
+              <a:solidFill>
+                <a:schemeClr val="tx2"/>
+              </a:solidFill>
+            </a:endParaRPr>
+          </a:p>
+          <a:p>
+            <a:r>
+              <a:rPr lang="en-GB" dirty="0">
+                <a:solidFill>
+                  <a:schemeClr val="tx2"/>
+                </a:solidFill>
+              </a:rPr>
               <a:t>summarise FICO scores into </a:t>
             </a:r>
             <a:r>
-              <a:rPr lang="en-GB" dirty="0" smtClean="0"/>
+              <a:rPr lang="en-GB" dirty="0" smtClean="0">
+                <a:solidFill>
+                  <a:schemeClr val="tx2"/>
+                </a:solidFill>
+              </a:rPr>
               <a:t>categories</a:t>
             </a:r>
           </a:p>
           <a:p>
             <a:pPr lvl="1"/>
             <a:r>
-              <a:rPr lang="en-GB" dirty="0"/>
+              <a:rPr lang="en-GB" dirty="0">
+                <a:solidFill>
+                  <a:schemeClr val="tx2"/>
+                </a:solidFill>
+              </a:rPr>
               <a:t>Very </a:t>
             </a:r>
             <a:r>
-              <a:rPr lang="en-GB" dirty="0" smtClean="0"/>
+              <a:rPr lang="en-GB" dirty="0" smtClean="0">
+                <a:solidFill>
+                  <a:schemeClr val="tx2"/>
+                </a:solidFill>
+              </a:rPr>
               <a:t>Good: </a:t>
             </a:r>
             <a:r>
-              <a:rPr lang="en-GB" dirty="0"/>
+              <a:rPr lang="en-GB" dirty="0">
+                <a:solidFill>
+                  <a:schemeClr val="tx2"/>
+                </a:solidFill>
+              </a:rPr>
               <a:t>15950 </a:t>
             </a:r>
             <a:r>
-              <a:rPr lang="en-GB" dirty="0" err="1"/>
-              <a:t>obversations</a:t>
-            </a:r>
-            <a:endParaRPr lang="en-GB" dirty="0" smtClean="0"/>
+              <a:rPr lang="en-GB" dirty="0" smtClean="0">
+                <a:solidFill>
+                  <a:schemeClr val="tx2"/>
+                </a:solidFill>
+              </a:rPr>
+              <a:t>observations</a:t>
+            </a:r>
+            <a:endParaRPr lang="en-GB" dirty="0" smtClean="0">
+              <a:solidFill>
+                <a:schemeClr val="tx2"/>
+              </a:solidFill>
+            </a:endParaRPr>
           </a:p>
           <a:p>
             <a:pPr lvl="1"/>
             <a:r>
-              <a:rPr lang="en-GB" dirty="0" smtClean="0"/>
+              <a:rPr lang="en-GB" dirty="0" smtClean="0">
+                <a:solidFill>
+                  <a:schemeClr val="tx2"/>
+                </a:solidFill>
+              </a:rPr>
               <a:t>Exceptional: </a:t>
             </a:r>
             <a:r>
-              <a:rPr lang="en-GB" dirty="0"/>
+              <a:rPr lang="en-GB" dirty="0">
+                <a:solidFill>
+                  <a:schemeClr val="tx2"/>
+                </a:solidFill>
+              </a:rPr>
               <a:t>5208 </a:t>
             </a:r>
             <a:r>
-              <a:rPr lang="en-GB" dirty="0" err="1"/>
-              <a:t>obversations</a:t>
-            </a:r>
-            <a:endParaRPr lang="en-GB" dirty="0" smtClean="0"/>
+              <a:rPr lang="en-GB" dirty="0" smtClean="0">
+                <a:solidFill>
+                  <a:schemeClr val="tx2"/>
+                </a:solidFill>
+              </a:rPr>
+              <a:t>observations</a:t>
+            </a:r>
+            <a:endParaRPr lang="en-GB" dirty="0" smtClean="0">
+              <a:solidFill>
+                <a:schemeClr val="tx2"/>
+              </a:solidFill>
+            </a:endParaRPr>
           </a:p>
           <a:p>
             <a:pPr lvl="1"/>
             <a:r>
-              <a:rPr lang="en-GB" dirty="0" smtClean="0"/>
+              <a:rPr lang="en-GB" dirty="0" smtClean="0">
+                <a:solidFill>
+                  <a:schemeClr val="tx2"/>
+                </a:solidFill>
+              </a:rPr>
               <a:t>Good: </a:t>
             </a:r>
             <a:r>
-              <a:rPr lang="en-GB" dirty="0"/>
+              <a:rPr lang="en-GB" dirty="0">
+                <a:solidFill>
+                  <a:schemeClr val="tx2"/>
+                </a:solidFill>
+              </a:rPr>
               <a:t>3337 </a:t>
             </a:r>
             <a:r>
-              <a:rPr lang="en-GB" dirty="0" err="1"/>
-              <a:t>obversations</a:t>
-            </a:r>
-            <a:endParaRPr lang="en-GB" dirty="0"/>
+              <a:rPr lang="en-GB" dirty="0" smtClean="0">
+                <a:solidFill>
+                  <a:schemeClr val="tx2"/>
+                </a:solidFill>
+              </a:rPr>
+              <a:t>observations</a:t>
+            </a:r>
+            <a:endParaRPr lang="en-GB" dirty="0">
+              <a:solidFill>
+                <a:schemeClr val="tx2"/>
+              </a:solidFill>
+            </a:endParaRPr>
           </a:p>
         </p:txBody>
       </p:sp>
@@ -5449,75 +5680,135 @@
           <a:lstStyle/>
           <a:p>
             <a:r>
-              <a:rPr lang="en-GB" dirty="0"/>
+              <a:rPr lang="en-GB" dirty="0">
+                <a:solidFill>
+                  <a:schemeClr val="tx2"/>
+                </a:solidFill>
+              </a:rPr>
               <a:t>create dummy variables for categorical </a:t>
             </a:r>
             <a:r>
-              <a:rPr lang="en-GB" dirty="0" smtClean="0"/>
+              <a:rPr lang="en-GB" dirty="0" smtClean="0">
+                <a:solidFill>
+                  <a:schemeClr val="tx2"/>
+                </a:solidFill>
+              </a:rPr>
               <a:t>features</a:t>
             </a:r>
           </a:p>
           <a:p>
             <a:pPr lvl="1"/>
             <a:r>
-              <a:rPr lang="en-GB" dirty="0"/>
+              <a:rPr lang="en-GB" dirty="0">
+                <a:solidFill>
+                  <a:schemeClr val="tx2"/>
+                </a:solidFill>
+              </a:rPr>
               <a:t>'Loan Term</a:t>
             </a:r>
             <a:r>
-              <a:rPr lang="en-GB" dirty="0" smtClean="0"/>
+              <a:rPr lang="en-GB" dirty="0" smtClean="0">
+                <a:solidFill>
+                  <a:schemeClr val="tx2"/>
+                </a:solidFill>
+              </a:rPr>
               <a:t>',</a:t>
             </a:r>
           </a:p>
           <a:p>
             <a:pPr lvl="1"/>
             <a:r>
-              <a:rPr lang="en-GB" dirty="0" smtClean="0"/>
+              <a:rPr lang="en-GB" dirty="0" smtClean="0">
+                <a:solidFill>
+                  <a:schemeClr val="tx2"/>
+                </a:solidFill>
+              </a:rPr>
               <a:t>'Home </a:t>
             </a:r>
             <a:r>
-              <a:rPr lang="en-GB" dirty="0"/>
+              <a:rPr lang="en-GB" dirty="0">
+                <a:solidFill>
+                  <a:schemeClr val="tx2"/>
+                </a:solidFill>
+              </a:rPr>
               <a:t>Ownership</a:t>
             </a:r>
             <a:r>
-              <a:rPr lang="en-GB" dirty="0" smtClean="0"/>
+              <a:rPr lang="en-GB" dirty="0" smtClean="0">
+                <a:solidFill>
+                  <a:schemeClr val="tx2"/>
+                </a:solidFill>
+              </a:rPr>
               <a:t>',</a:t>
             </a:r>
           </a:p>
           <a:p>
             <a:pPr lvl="1"/>
             <a:r>
-              <a:rPr lang="en-GB" dirty="0" smtClean="0"/>
+              <a:rPr lang="en-GB" dirty="0" smtClean="0">
+                <a:solidFill>
+                  <a:schemeClr val="tx2"/>
+                </a:solidFill>
+              </a:rPr>
               <a:t>'Loan </a:t>
             </a:r>
             <a:r>
-              <a:rPr lang="en-GB" dirty="0"/>
+              <a:rPr lang="en-GB" dirty="0">
+                <a:solidFill>
+                  <a:schemeClr val="tx2"/>
+                </a:solidFill>
+              </a:rPr>
               <a:t>Purpose', </a:t>
             </a:r>
-            <a:endParaRPr lang="en-GB" dirty="0" smtClean="0"/>
+            <a:endParaRPr lang="en-GB" dirty="0" smtClean="0">
+              <a:solidFill>
+                <a:schemeClr val="tx2"/>
+              </a:solidFill>
+            </a:endParaRPr>
           </a:p>
           <a:p>
             <a:pPr lvl="1"/>
             <a:r>
-              <a:rPr lang="en-GB" dirty="0" smtClean="0"/>
+              <a:rPr lang="en-GB" dirty="0" smtClean="0">
+                <a:solidFill>
+                  <a:schemeClr val="tx2"/>
+                </a:solidFill>
+              </a:rPr>
               <a:t>'FICO </a:t>
             </a:r>
             <a:r>
-              <a:rPr lang="en-GB" dirty="0"/>
+              <a:rPr lang="en-GB" dirty="0">
+                <a:solidFill>
+                  <a:schemeClr val="tx2"/>
+                </a:solidFill>
+              </a:rPr>
               <a:t>Credit Score</a:t>
             </a:r>
             <a:r>
-              <a:rPr lang="en-GB" dirty="0" smtClean="0"/>
+              <a:rPr lang="en-GB" dirty="0" smtClean="0">
+                <a:solidFill>
+                  <a:schemeClr val="tx2"/>
+                </a:solidFill>
+              </a:rPr>
               <a:t>',</a:t>
             </a:r>
           </a:p>
           <a:p>
             <a:pPr lvl="1"/>
             <a:r>
-              <a:rPr lang="en-GB" dirty="0" smtClean="0"/>
+              <a:rPr lang="en-GB" dirty="0" smtClean="0">
+                <a:solidFill>
+                  <a:schemeClr val="tx2"/>
+                </a:solidFill>
+              </a:rPr>
               <a:t>'Address </a:t>
             </a:r>
             <a:r>
-              <a:rPr lang="en-GB" dirty="0"/>
+              <a:rPr lang="en-GB" dirty="0">
+                <a:solidFill>
+                  <a:schemeClr val="tx2"/>
+                </a:solidFill>
+              </a:rPr>
               <a:t>State'</a:t>
             </a:r>
           </a:p>
@@ -5596,73 +5887,129 @@
           <a:lstStyle/>
           <a:p>
             <a:r>
-              <a:rPr lang="en-GB" dirty="0"/>
+              <a:rPr lang="en-GB" dirty="0">
+                <a:solidFill>
+                  <a:schemeClr val="tx2"/>
+                </a:solidFill>
+              </a:rPr>
               <a:t>encode remaining columns containing object data </a:t>
             </a:r>
             <a:r>
-              <a:rPr lang="en-GB" dirty="0" smtClean="0"/>
+              <a:rPr lang="en-GB" dirty="0" smtClean="0">
+                <a:solidFill>
+                  <a:schemeClr val="tx2"/>
+                </a:solidFill>
+              </a:rPr>
               <a:t>types</a:t>
             </a:r>
           </a:p>
           <a:p>
             <a:pPr lvl="1"/>
             <a:r>
-              <a:rPr lang="en-GB" dirty="0"/>
+              <a:rPr lang="en-GB" dirty="0">
+                <a:solidFill>
+                  <a:schemeClr val="tx2"/>
+                </a:solidFill>
+              </a:rPr>
               <a:t>'No. Delinquencies In Last 2 </a:t>
             </a:r>
             <a:r>
-              <a:rPr lang="en-GB" dirty="0" smtClean="0"/>
+              <a:rPr lang="en-GB" dirty="0" smtClean="0">
+                <a:solidFill>
+                  <a:schemeClr val="tx2"/>
+                </a:solidFill>
+              </a:rPr>
               <a:t>Years‘</a:t>
             </a:r>
           </a:p>
           <a:p>
             <a:pPr lvl="1"/>
             <a:r>
-              <a:rPr lang="en-GB" dirty="0" smtClean="0"/>
+              <a:rPr lang="en-GB" dirty="0" smtClean="0">
+                <a:solidFill>
+                  <a:schemeClr val="tx2"/>
+                </a:solidFill>
+              </a:rPr>
               <a:t>'No</a:t>
             </a:r>
             <a:r>
-              <a:rPr lang="en-GB" dirty="0"/>
+              <a:rPr lang="en-GB" dirty="0">
+                <a:solidFill>
+                  <a:schemeClr val="tx2"/>
+                </a:solidFill>
+              </a:rPr>
               <a:t>. Adverse Public </a:t>
             </a:r>
             <a:r>
-              <a:rPr lang="en-GB" dirty="0" smtClean="0"/>
+              <a:rPr lang="en-GB" dirty="0" smtClean="0">
+                <a:solidFill>
+                  <a:schemeClr val="tx2"/>
+                </a:solidFill>
+              </a:rPr>
               <a:t>Records‘</a:t>
             </a:r>
           </a:p>
           <a:p>
             <a:pPr lvl="1"/>
             <a:r>
-              <a:rPr lang="en-GB" dirty="0" smtClean="0"/>
+              <a:rPr lang="en-GB" dirty="0" smtClean="0">
+                <a:solidFill>
+                  <a:schemeClr val="tx2"/>
+                </a:solidFill>
+              </a:rPr>
               <a:t>'No</a:t>
             </a:r>
             <a:r>
-              <a:rPr lang="en-GB" dirty="0"/>
+              <a:rPr lang="en-GB" dirty="0">
+                <a:solidFill>
+                  <a:schemeClr val="tx2"/>
+                </a:solidFill>
+              </a:rPr>
               <a:t>. Of Public </a:t>
             </a:r>
             <a:r>
-              <a:rPr lang="en-GB" dirty="0" smtClean="0"/>
+              <a:rPr lang="en-GB" dirty="0" smtClean="0">
+                <a:solidFill>
+                  <a:schemeClr val="tx2"/>
+                </a:solidFill>
+              </a:rPr>
               <a:t>Records</a:t>
             </a:r>
           </a:p>
           <a:p>
             <a:pPr lvl="1"/>
-            <a:endParaRPr lang="en-GB" dirty="0"/>
+            <a:endParaRPr lang="en-GB" dirty="0">
+              <a:solidFill>
+                <a:schemeClr val="tx2"/>
+              </a:solidFill>
+            </a:endParaRPr>
           </a:p>
           <a:p>
             <a:pPr lvl="1"/>
             <a:r>
-              <a:rPr lang="en-GB" dirty="0" smtClean="0"/>
+              <a:rPr lang="en-GB" dirty="0" smtClean="0">
+                <a:solidFill>
+                  <a:schemeClr val="tx2"/>
+                </a:solidFill>
+              </a:rPr>
               <a:t>The above columns contain strings (e.g. one, two, three, …) describing numbers from 0 to 9</a:t>
             </a:r>
           </a:p>
           <a:p>
             <a:pPr lvl="1"/>
             <a:r>
-              <a:rPr lang="en-GB" dirty="0" smtClean="0"/>
+              <a:rPr lang="en-GB" dirty="0" smtClean="0">
+                <a:solidFill>
+                  <a:schemeClr val="tx2"/>
+                </a:solidFill>
+              </a:rPr>
               <a:t>Change strings into numerical format (e.g. 1, 2, 3, …)</a:t>
             </a:r>
-            <a:endParaRPr lang="en-GB" dirty="0"/>
+            <a:endParaRPr lang="en-GB" dirty="0">
+              <a:solidFill>
+                <a:schemeClr val="tx2"/>
+              </a:solidFill>
+            </a:endParaRPr>
           </a:p>
         </p:txBody>
       </p:sp>
@@ -5733,48 +6080,130 @@
             <p:ph idx="1"/>
           </p:nvPr>
         </p:nvSpPr>
-        <p:spPr/>
+        <p:spPr>
+          <a:xfrm>
+            <a:off x="457200" y="1628800"/>
+            <a:ext cx="8229600" cy="4876800"/>
+          </a:xfrm>
+        </p:spPr>
         <p:txBody>
           <a:bodyPr/>
           <a:lstStyle/>
           <a:p>
             <a:r>
-              <a:rPr lang="en-GB" dirty="0"/>
+              <a:rPr lang="en-GB" dirty="0">
+                <a:solidFill>
+                  <a:schemeClr val="tx2"/>
+                </a:solidFill>
+              </a:rPr>
               <a:t>drop redundant </a:t>
             </a:r>
             <a:r>
-              <a:rPr lang="en-GB" dirty="0" smtClean="0"/>
+              <a:rPr lang="en-GB" dirty="0" smtClean="0">
+                <a:solidFill>
+                  <a:schemeClr val="tx2"/>
+                </a:solidFill>
+              </a:rPr>
               <a:t>feature</a:t>
             </a:r>
           </a:p>
           <a:p>
             <a:pPr lvl="1"/>
             <a:r>
-              <a:rPr lang="en-GB" dirty="0" smtClean="0"/>
+              <a:rPr lang="en-GB" dirty="0" smtClean="0">
+                <a:solidFill>
+                  <a:schemeClr val="tx2"/>
+                </a:solidFill>
+              </a:rPr>
               <a:t>Drop ‘Class’ feature</a:t>
             </a:r>
           </a:p>
           <a:p>
             <a:pPr lvl="1"/>
-            <a:endParaRPr lang="en-GB" dirty="0"/>
-          </a:p>
-          <a:p>
-            <a:r>
-              <a:rPr lang="en-GB" dirty="0"/>
+            <a:endParaRPr lang="en-GB" dirty="0">
+              <a:solidFill>
+                <a:schemeClr val="tx2"/>
+              </a:solidFill>
+            </a:endParaRPr>
+          </a:p>
+          <a:p>
+            <a:r>
+              <a:rPr lang="en-GB" dirty="0">
+                <a:solidFill>
+                  <a:schemeClr val="tx2"/>
+                </a:solidFill>
+              </a:rPr>
               <a:t>deal with nan </a:t>
             </a:r>
             <a:r>
-              <a:rPr lang="en-GB" dirty="0" smtClean="0"/>
+              <a:rPr lang="en-GB" dirty="0" smtClean="0">
+                <a:solidFill>
+                  <a:schemeClr val="tx2"/>
+                </a:solidFill>
+              </a:rPr>
               <a:t>values</a:t>
             </a:r>
           </a:p>
           <a:p>
             <a:pPr lvl="1"/>
             <a:r>
-              <a:rPr lang="en-GB" dirty="0" smtClean="0"/>
-              <a:t>Replace ‘nan’ with median values for each feature</a:t>
-            </a:r>
-            <a:endParaRPr lang="en-GB" dirty="0"/>
+              <a:rPr lang="en-GB" dirty="0" smtClean="0">
+                <a:solidFill>
+                  <a:schemeClr val="tx2"/>
+                </a:solidFill>
+              </a:rPr>
+              <a:t>Replace ‘nan’ with median values for each </a:t>
+            </a:r>
+            <a:r>
+              <a:rPr lang="en-GB" dirty="0" smtClean="0">
+                <a:solidFill>
+                  <a:schemeClr val="tx2"/>
+                </a:solidFill>
+              </a:rPr>
+              <a:t>feature</a:t>
+            </a:r>
+          </a:p>
+          <a:p>
+            <a:pPr lvl="1"/>
+            <a:endParaRPr lang="en-GB" dirty="0">
+              <a:solidFill>
+                <a:schemeClr val="tx2"/>
+              </a:solidFill>
+            </a:endParaRPr>
+          </a:p>
+          <a:p>
+            <a:r>
+              <a:rPr lang="en-GB" dirty="0">
+                <a:solidFill>
+                  <a:schemeClr val="tx2"/>
+                </a:solidFill>
+              </a:rPr>
+              <a:t>r</a:t>
+            </a:r>
+            <a:r>
+              <a:rPr lang="en-GB" dirty="0" smtClean="0">
+                <a:solidFill>
+                  <a:schemeClr val="tx2"/>
+                </a:solidFill>
+              </a:rPr>
+              <a:t>emove outliers</a:t>
+            </a:r>
+          </a:p>
+          <a:p>
+            <a:pPr lvl="1"/>
+            <a:r>
+              <a:rPr lang="en-GB" dirty="0" smtClean="0">
+                <a:solidFill>
+                  <a:schemeClr val="tx2"/>
+                </a:solidFill>
+              </a:rPr>
+              <a:t>See appendix</a:t>
+            </a:r>
+            <a:endParaRPr lang="en-GB" dirty="0">
+              <a:solidFill>
+                <a:schemeClr val="tx2"/>
+              </a:solidFill>
+            </a:endParaRPr>
           </a:p>
         </p:txBody>
       </p:sp>
@@ -5820,16 +6249,480 @@
         </p:nvSpPr>
         <p:spPr/>
         <p:txBody>
+          <a:bodyPr>
+            <a:normAutofit/>
+          </a:bodyPr>
+          <a:lstStyle/>
+          <a:p>
+            <a:r>
+              <a:rPr lang="en-GB" dirty="0" smtClean="0"/>
+              <a:t>Classification</a:t>
+            </a:r>
+            <a:endParaRPr lang="en-GB" dirty="0"/>
+          </a:p>
+        </p:txBody>
+      </p:sp>
+      <p:sp>
+        <p:nvSpPr>
+          <p:cNvPr id="3" name="Content Placeholder 2"/>
+          <p:cNvSpPr>
+            <a:spLocks noGrp="1"/>
+          </p:cNvSpPr>
+          <p:nvPr>
+            <p:ph idx="1"/>
+          </p:nvPr>
+        </p:nvSpPr>
+        <p:spPr/>
+        <p:txBody>
           <a:bodyPr/>
           <a:lstStyle/>
           <a:p>
             <a:r>
+              <a:rPr lang="en-GB" dirty="0" smtClean="0">
+                <a:solidFill>
+                  <a:schemeClr val="tx2"/>
+                </a:solidFill>
+              </a:rPr>
+              <a:t>Define predictor variables (X) and target variable (y)</a:t>
+            </a:r>
+          </a:p>
+          <a:p>
+            <a:pPr lvl="1"/>
+            <a:r>
+              <a:rPr lang="en-GB" dirty="0" smtClean="0">
+                <a:solidFill>
+                  <a:schemeClr val="tx2"/>
+                </a:solidFill>
+              </a:rPr>
+              <a:t>y = ‘</a:t>
+            </a:r>
+            <a:r>
+              <a:rPr lang="en-GB" dirty="0" smtClean="0">
+                <a:solidFill>
+                  <a:schemeClr val="tx2"/>
+                </a:solidFill>
+              </a:rPr>
+              <a:t>Class_new</a:t>
+            </a:r>
+            <a:r>
+              <a:rPr lang="en-GB" dirty="0" smtClean="0">
+                <a:solidFill>
+                  <a:schemeClr val="tx2"/>
+                </a:solidFill>
+              </a:rPr>
+              <a:t>’ </a:t>
+            </a:r>
+            <a:r>
+              <a:rPr lang="en-GB" dirty="0" smtClean="0">
+                <a:solidFill>
+                  <a:schemeClr val="tx2"/>
+                </a:solidFill>
+              </a:rPr>
+              <a:t>column containing ‘0’ for completed and ‘1’ for defaulted loan</a:t>
+            </a:r>
+          </a:p>
+          <a:p>
+            <a:pPr lvl="1"/>
+            <a:r>
+              <a:rPr lang="en-GB" dirty="0">
+                <a:solidFill>
+                  <a:schemeClr val="tx2"/>
+                </a:solidFill>
+              </a:rPr>
+              <a:t>X = transformed features excluding y</a:t>
+            </a:r>
+          </a:p>
+          <a:p>
+            <a:pPr lvl="1"/>
+            <a:endParaRPr lang="en-GB" dirty="0">
+              <a:solidFill>
+                <a:schemeClr val="tx2"/>
+              </a:solidFill>
+            </a:endParaRPr>
+          </a:p>
+          <a:p>
+            <a:r>
+              <a:rPr lang="en-GB" dirty="0" smtClean="0">
+                <a:solidFill>
+                  <a:schemeClr val="tx2"/>
+                </a:solidFill>
+              </a:rPr>
+              <a:t>Implement train </a:t>
+            </a:r>
+            <a:r>
+              <a:rPr lang="en-GB" dirty="0">
+                <a:solidFill>
+                  <a:schemeClr val="tx2"/>
+                </a:solidFill>
+              </a:rPr>
+              <a:t>test </a:t>
+            </a:r>
+            <a:r>
+              <a:rPr lang="en-GB" dirty="0" smtClean="0">
+                <a:solidFill>
+                  <a:schemeClr val="tx2"/>
+                </a:solidFill>
+              </a:rPr>
+              <a:t>split on X and y</a:t>
+            </a:r>
+          </a:p>
+          <a:p>
+            <a:r>
+              <a:rPr lang="en-GB" dirty="0" smtClean="0">
+                <a:solidFill>
+                  <a:schemeClr val="tx2"/>
+                </a:solidFill>
+              </a:rPr>
+              <a:t>70% train, 30% test</a:t>
+            </a:r>
+            <a:endParaRPr lang="en-GB" dirty="0">
+              <a:solidFill>
+                <a:schemeClr val="tx2"/>
+              </a:solidFill>
+            </a:endParaRPr>
+          </a:p>
+          <a:p>
+            <a:r>
+              <a:rPr lang="en-GB" dirty="0">
+                <a:solidFill>
+                  <a:schemeClr val="tx2"/>
+                </a:solidFill>
+              </a:rPr>
+              <a:t>S</a:t>
+            </a:r>
+            <a:r>
+              <a:rPr lang="en-GB" dirty="0" smtClean="0">
+                <a:solidFill>
+                  <a:schemeClr val="tx2"/>
+                </a:solidFill>
+              </a:rPr>
+              <a:t>tratify </a:t>
+            </a:r>
+            <a:r>
+              <a:rPr lang="en-GB" dirty="0">
+                <a:solidFill>
+                  <a:schemeClr val="tx2"/>
+                </a:solidFill>
+              </a:rPr>
+              <a:t>target y as </a:t>
+            </a:r>
+            <a:r>
+              <a:rPr lang="en-GB" dirty="0" smtClean="0">
+                <a:solidFill>
+                  <a:schemeClr val="tx2"/>
+                </a:solidFill>
+              </a:rPr>
+              <a:t>data may </a:t>
+            </a:r>
+            <a:r>
+              <a:rPr lang="en-GB" dirty="0">
+                <a:solidFill>
+                  <a:schemeClr val="tx2"/>
+                </a:solidFill>
+              </a:rPr>
+              <a:t>not be normally </a:t>
+            </a:r>
+            <a:r>
+              <a:rPr lang="en-GB" dirty="0" smtClean="0">
+                <a:solidFill>
+                  <a:schemeClr val="tx2"/>
+                </a:solidFill>
+              </a:rPr>
+              <a:t>distributed</a:t>
+            </a:r>
+          </a:p>
+          <a:p>
+            <a:endParaRPr lang="en-GB" dirty="0">
+              <a:solidFill>
+                <a:schemeClr val="tx2"/>
+              </a:solidFill>
+            </a:endParaRPr>
+          </a:p>
+        </p:txBody>
+      </p:sp>
+    </p:spTree>
+    <p:extLst>
+      <p:ext uri="{BB962C8B-B14F-4D97-AF65-F5344CB8AC3E}">
+        <p14:creationId xmlns:p14="http://schemas.microsoft.com/office/powerpoint/2010/main" val="1350769179"/>
+      </p:ext>
+    </p:extLst>
+  </p:cSld>
+  <p:clrMapOvr>
+    <a:masterClrMapping/>
+  </p:clrMapOvr>
+</p:sld>
+</file>
+
+<file path=ppt/slides/slide19.xml><?xml version="1.0" encoding="utf-8"?>
+<p:sld xmlns:a="http://schemas.openxmlformats.org/drawingml/2006/main" xmlns:r="http://schemas.openxmlformats.org/officeDocument/2006/relationships" xmlns:p="http://schemas.openxmlformats.org/presentationml/2006/main">
+  <p:cSld>
+    <p:spTree>
+      <p:nvGrpSpPr>
+        <p:cNvPr id="1" name=""/>
+        <p:cNvGrpSpPr/>
+        <p:nvPr/>
+      </p:nvGrpSpPr>
+      <p:grpSpPr>
+        <a:xfrm>
+          <a:off x="0" y="0"/>
+          <a:ext cx="0" cy="0"/>
+          <a:chOff x="0" y="0"/>
+          <a:chExt cx="0" cy="0"/>
+        </a:xfrm>
+      </p:grpSpPr>
+      <p:sp>
+        <p:nvSpPr>
+          <p:cNvPr id="2" name="Title 1"/>
+          <p:cNvSpPr>
+            <a:spLocks noGrp="1"/>
+          </p:cNvSpPr>
+          <p:nvPr>
+            <p:ph type="title"/>
+          </p:nvPr>
+        </p:nvSpPr>
+        <p:spPr/>
+        <p:txBody>
+          <a:bodyPr/>
+          <a:lstStyle/>
+          <a:p>
+            <a:r>
               <a:rPr lang="en-GB" dirty="0" smtClean="0"/>
-              <a:t>Feature </a:t>
-            </a:r>
+              <a:t>Classification: Evaluation metric</a:t>
+            </a:r>
+            <a:endParaRPr lang="en-GB" dirty="0"/>
+          </a:p>
+        </p:txBody>
+      </p:sp>
+      <p:sp>
+        <p:nvSpPr>
+          <p:cNvPr id="4" name="Content Placeholder 2"/>
+          <p:cNvSpPr>
+            <a:spLocks noGrp="1"/>
+          </p:cNvSpPr>
+          <p:nvPr>
+            <p:ph idx="1"/>
+          </p:nvPr>
+        </p:nvSpPr>
+        <p:spPr>
+          <a:xfrm>
+            <a:off x="467544" y="1556792"/>
+            <a:ext cx="8229600" cy="4876800"/>
+          </a:xfrm>
+        </p:spPr>
+        <p:txBody>
+          <a:bodyPr>
+            <a:normAutofit/>
+          </a:bodyPr>
+          <a:lstStyle/>
+          <a:p>
+            <a:r>
+              <a:rPr lang="en-GB" sz="1600" dirty="0" smtClean="0">
+                <a:solidFill>
+                  <a:schemeClr val="tx2"/>
+                </a:solidFill>
+              </a:rPr>
+              <a:t>AUC </a:t>
+            </a:r>
+            <a:r>
+              <a:rPr lang="en-GB" sz="1600" dirty="0" smtClean="0">
+                <a:solidFill>
+                  <a:schemeClr val="tx2"/>
+                </a:solidFill>
+              </a:rPr>
+              <a:t>(‘area under the curve’) </a:t>
+            </a:r>
+            <a:r>
+              <a:rPr lang="en-GB" sz="1600" dirty="0" smtClean="0">
+                <a:solidFill>
+                  <a:schemeClr val="tx2"/>
+                </a:solidFill>
+              </a:rPr>
+              <a:t>score</a:t>
+            </a:r>
+          </a:p>
+          <a:p>
+            <a:pPr lvl="1"/>
+            <a:r>
+              <a:rPr lang="en-GB" sz="1200" dirty="0">
+                <a:solidFill>
+                  <a:schemeClr val="tx2"/>
+                </a:solidFill>
+              </a:rPr>
+              <a:t>The AUC score equals the probability that a randomly chosen positive example ranks above (is deemed to have a higher probability of being positive than) a randomly chosen negative example.</a:t>
+            </a:r>
+          </a:p>
+          <a:p>
+            <a:pPr lvl="1"/>
+            <a:endParaRPr lang="en-GB" sz="1200" dirty="0" smtClean="0">
+              <a:solidFill>
+                <a:schemeClr val="tx2"/>
+              </a:solidFill>
+            </a:endParaRPr>
+          </a:p>
+          <a:p>
+            <a:pPr marL="171450" lvl="0" indent="-171450"/>
+            <a:r>
+              <a:rPr lang="en-GB" sz="1600" dirty="0" smtClean="0">
+                <a:solidFill>
+                  <a:schemeClr val="tx2"/>
+                </a:solidFill>
+              </a:rPr>
+              <a:t>TPR </a:t>
+            </a:r>
+            <a:r>
+              <a:rPr lang="en-GB" sz="1600" dirty="0">
+                <a:solidFill>
+                  <a:schemeClr val="tx2"/>
+                </a:solidFill>
+              </a:rPr>
+              <a:t>(also called Recall or Sensitivity) = sum total positives/sum of condition positive = TP/(TP+FN)</a:t>
+            </a:r>
+          </a:p>
+          <a:p>
+            <a:pPr lvl="0"/>
+            <a:endParaRPr lang="en-GB" sz="1600" dirty="0">
+              <a:solidFill>
+                <a:schemeClr val="tx2"/>
+              </a:solidFill>
+            </a:endParaRPr>
+          </a:p>
+          <a:p>
+            <a:pPr marL="171450" lvl="0" indent="-171450"/>
+            <a:r>
+              <a:rPr lang="en-GB" sz="1600" dirty="0">
+                <a:solidFill>
+                  <a:schemeClr val="tx2"/>
+                </a:solidFill>
+              </a:rPr>
+              <a:t>FPR (also called Fall-out) = sum of false positives/sum of condition negative = FP/(FP+TN)</a:t>
+            </a:r>
+          </a:p>
+          <a:p>
+            <a:endParaRPr lang="en-GB" sz="1600" dirty="0">
+              <a:solidFill>
+                <a:schemeClr val="tx2"/>
+              </a:solidFill>
+            </a:endParaRPr>
+          </a:p>
+          <a:p>
+            <a:r>
+              <a:rPr lang="en-GB" sz="1600" dirty="0" smtClean="0">
+                <a:solidFill>
+                  <a:schemeClr val="tx2"/>
+                </a:solidFill>
+              </a:rPr>
+              <a:t>The </a:t>
+            </a:r>
+            <a:r>
+              <a:rPr lang="en-GB" sz="1600" dirty="0" smtClean="0">
+                <a:solidFill>
+                  <a:schemeClr val="tx2"/>
+                </a:solidFill>
+              </a:rPr>
+              <a:t>ROC curve </a:t>
+            </a:r>
+            <a:r>
+              <a:rPr lang="en-GB" sz="1600" dirty="0">
+                <a:solidFill>
+                  <a:schemeClr val="tx2"/>
+                </a:solidFill>
+              </a:rPr>
+              <a:t>is created by plotting the true positive rate (TPR) against the false positive rate (FPR) at various threshold settings.</a:t>
+            </a:r>
+          </a:p>
+          <a:p>
+            <a:endParaRPr lang="en-GB" sz="1600" dirty="0">
+              <a:solidFill>
+                <a:schemeClr val="tx2"/>
+              </a:solidFill>
+            </a:endParaRPr>
+          </a:p>
+          <a:p>
+            <a:pPr marL="171450" indent="-171450"/>
+            <a:endParaRPr lang="en-GB" sz="1600" dirty="0">
+              <a:solidFill>
+                <a:schemeClr val="tx2"/>
+              </a:solidFill>
+            </a:endParaRPr>
+          </a:p>
+          <a:p>
+            <a:pPr marL="0" indent="0">
+              <a:buNone/>
+            </a:pPr>
+            <a:r>
+              <a:rPr lang="en-GB" sz="1200" i="1" dirty="0" smtClean="0">
+                <a:solidFill>
+                  <a:schemeClr val="tx2"/>
+                </a:solidFill>
+              </a:rPr>
+              <a:t>Source: </a:t>
+            </a:r>
+            <a:r>
+              <a:rPr lang="en-GB" sz="1200" i="1" dirty="0">
+                <a:solidFill>
+                  <a:schemeClr val="tx2"/>
+                </a:solidFill>
+              </a:rPr>
+              <a:t>www.wikipedia.com</a:t>
+            </a:r>
+          </a:p>
+          <a:p>
+            <a:endParaRPr lang="en-GB" sz="1600" dirty="0" smtClean="0">
+              <a:solidFill>
+                <a:schemeClr val="tx2"/>
+              </a:solidFill>
+            </a:endParaRPr>
+          </a:p>
+        </p:txBody>
+      </p:sp>
+    </p:spTree>
+    <p:extLst>
+      <p:ext uri="{BB962C8B-B14F-4D97-AF65-F5344CB8AC3E}">
+        <p14:creationId xmlns:p14="http://schemas.microsoft.com/office/powerpoint/2010/main" val="1566873030"/>
+      </p:ext>
+    </p:extLst>
+  </p:cSld>
+  <p:clrMapOvr>
+    <a:masterClrMapping/>
+  </p:clrMapOvr>
+</p:sld>
+</file>
+
+<file path=ppt/slides/slide2.xml><?xml version="1.0" encoding="utf-8"?>
+<p:sld xmlns:a="http://schemas.openxmlformats.org/drawingml/2006/main" xmlns:r="http://schemas.openxmlformats.org/officeDocument/2006/relationships" xmlns:p="http://schemas.openxmlformats.org/presentationml/2006/main">
+  <p:cSld>
+    <p:spTree>
+      <p:nvGrpSpPr>
+        <p:cNvPr id="1" name=""/>
+        <p:cNvGrpSpPr/>
+        <p:nvPr/>
+      </p:nvGrpSpPr>
+      <p:grpSpPr>
+        <a:xfrm>
+          <a:off x="0" y="0"/>
+          <a:ext cx="0" cy="0"/>
+          <a:chOff x="0" y="0"/>
+          <a:chExt cx="0" cy="0"/>
+        </a:xfrm>
+      </p:grpSpPr>
+      <p:sp>
+        <p:nvSpPr>
+          <p:cNvPr id="2" name="Title 1"/>
+          <p:cNvSpPr>
+            <a:spLocks noGrp="1"/>
+          </p:cNvSpPr>
+          <p:nvPr>
+            <p:ph type="title"/>
+          </p:nvPr>
+        </p:nvSpPr>
+        <p:spPr/>
+        <p:txBody>
+          <a:bodyPr/>
+          <a:lstStyle/>
+          <a:p>
             <a:r>
               <a:rPr lang="en-GB" dirty="0" smtClean="0"/>
-              <a:t>engineering</a:t>
+              <a:t>Approach and method</a:t>
             </a:r>
             <a:endParaRPr lang="en-GB" dirty="0"/>
           </a:p>
@@ -5851,28 +6744,1824 @@
           <a:lstStyle/>
           <a:p>
             <a:r>
+              <a:rPr lang="en-GB" dirty="0" smtClean="0">
+                <a:solidFill>
+                  <a:schemeClr val="tx2"/>
+                </a:solidFill>
+              </a:rPr>
+              <a:t>Project</a:t>
+            </a:r>
+          </a:p>
+          <a:p>
+            <a:r>
+              <a:rPr lang="en-GB" dirty="0" smtClean="0">
+                <a:solidFill>
+                  <a:schemeClr val="tx2"/>
+                </a:solidFill>
+              </a:rPr>
+              <a:t>Dataset</a:t>
+            </a:r>
+          </a:p>
+          <a:p>
+            <a:r>
+              <a:rPr lang="en-GB" dirty="0" smtClean="0">
+                <a:solidFill>
+                  <a:schemeClr val="tx2"/>
+                </a:solidFill>
+              </a:rPr>
+              <a:t>Data exploration</a:t>
+            </a:r>
+          </a:p>
+          <a:p>
+            <a:r>
+              <a:rPr lang="en-GB" dirty="0" smtClean="0">
+                <a:solidFill>
+                  <a:schemeClr val="tx2"/>
+                </a:solidFill>
+              </a:rPr>
+              <a:t>Feature engineering</a:t>
+            </a:r>
+          </a:p>
+          <a:p>
+            <a:r>
+              <a:rPr lang="en-GB" dirty="0" smtClean="0">
+                <a:solidFill>
+                  <a:schemeClr val="tx2"/>
+                </a:solidFill>
+              </a:rPr>
+              <a:t>Classification</a:t>
+            </a:r>
+          </a:p>
+          <a:p>
+            <a:pPr lvl="1"/>
+            <a:r>
+              <a:rPr lang="en-GB" dirty="0" smtClean="0">
+                <a:solidFill>
+                  <a:schemeClr val="tx2"/>
+                </a:solidFill>
+              </a:rPr>
+              <a:t>Building basic logistic regression model</a:t>
+            </a:r>
+          </a:p>
+          <a:p>
+            <a:pPr lvl="1"/>
+            <a:r>
+              <a:rPr lang="en-GB" dirty="0" smtClean="0">
+                <a:solidFill>
+                  <a:schemeClr val="tx2"/>
+                </a:solidFill>
+              </a:rPr>
+              <a:t>Optimising model parameters</a:t>
+            </a:r>
+          </a:p>
+          <a:p>
+            <a:r>
+              <a:rPr lang="en-GB" dirty="0" smtClean="0">
+                <a:solidFill>
+                  <a:schemeClr val="tx2"/>
+                </a:solidFill>
+              </a:rPr>
+              <a:t>Results</a:t>
+            </a:r>
+            <a:endParaRPr lang="en-GB" dirty="0" smtClean="0">
+              <a:solidFill>
+                <a:schemeClr val="tx2"/>
+              </a:solidFill>
+            </a:endParaRPr>
+          </a:p>
+          <a:p>
+            <a:r>
+              <a:rPr lang="en-GB" dirty="0" smtClean="0">
+                <a:solidFill>
+                  <a:schemeClr val="tx2"/>
+                </a:solidFill>
+              </a:rPr>
+              <a:t>Conclusion</a:t>
+            </a:r>
+          </a:p>
+          <a:p>
+            <a:r>
+              <a:rPr lang="en-GB" dirty="0" smtClean="0">
+                <a:solidFill>
+                  <a:schemeClr val="tx2"/>
+                </a:solidFill>
+              </a:rPr>
+              <a:t>Appendix</a:t>
+            </a:r>
+            <a:endParaRPr lang="en-GB" dirty="0">
+              <a:solidFill>
+                <a:schemeClr val="tx2"/>
+              </a:solidFill>
+            </a:endParaRPr>
+          </a:p>
+        </p:txBody>
+      </p:sp>
+    </p:spTree>
+    <p:extLst>
+      <p:ext uri="{BB962C8B-B14F-4D97-AF65-F5344CB8AC3E}">
+        <p14:creationId xmlns:p14="http://schemas.microsoft.com/office/powerpoint/2010/main" val="1574793907"/>
+      </p:ext>
+    </p:extLst>
+  </p:cSld>
+  <p:clrMapOvr>
+    <a:masterClrMapping/>
+  </p:clrMapOvr>
+</p:sld>
+</file>
+
+<file path=ppt/slides/slide20.xml><?xml version="1.0" encoding="utf-8"?>
+<p:sld xmlns:a="http://schemas.openxmlformats.org/drawingml/2006/main" xmlns:r="http://schemas.openxmlformats.org/officeDocument/2006/relationships" xmlns:p="http://schemas.openxmlformats.org/presentationml/2006/main">
+  <p:cSld>
+    <p:spTree>
+      <p:nvGrpSpPr>
+        <p:cNvPr id="1" name=""/>
+        <p:cNvGrpSpPr/>
+        <p:nvPr/>
+      </p:nvGrpSpPr>
+      <p:grpSpPr>
+        <a:xfrm>
+          <a:off x="0" y="0"/>
+          <a:ext cx="0" cy="0"/>
+          <a:chOff x="0" y="0"/>
+          <a:chExt cx="0" cy="0"/>
+        </a:xfrm>
+      </p:grpSpPr>
+      <p:sp>
+        <p:nvSpPr>
+          <p:cNvPr id="2" name="Title 1"/>
+          <p:cNvSpPr>
+            <a:spLocks noGrp="1"/>
+          </p:cNvSpPr>
+          <p:nvPr>
+            <p:ph type="title"/>
+          </p:nvPr>
+        </p:nvSpPr>
+        <p:spPr/>
+        <p:txBody>
+          <a:bodyPr>
+            <a:normAutofit/>
+          </a:bodyPr>
+          <a:lstStyle/>
+          <a:p>
+            <a:r>
               <a:rPr lang="en-GB" dirty="0" smtClean="0"/>
-              <a:t>Deal with outliers</a:t>
-            </a:r>
-          </a:p>
+              <a:t>Classification: Build model </a:t>
+            </a:r>
+            <a:endParaRPr lang="en-GB" dirty="0"/>
+          </a:p>
+        </p:txBody>
+      </p:sp>
+      <p:pic>
+        <p:nvPicPr>
+          <p:cNvPr id="1026" name="Picture 2"/>
+          <p:cNvPicPr>
+            <a:picLocks noChangeAspect="1" noChangeArrowheads="1"/>
+          </p:cNvPicPr>
+          <p:nvPr/>
+        </p:nvPicPr>
+        <p:blipFill>
+          <a:blip r:embed="rId2">
+            <a:extLst>
+              <a:ext uri="{28A0092B-C50C-407E-A947-70E740481C1C}">
+                <a14:useLocalDpi xmlns:a14="http://schemas.microsoft.com/office/drawing/2010/main" val="0"/>
+              </a:ext>
+            </a:extLst>
+          </a:blip>
+          <a:srcRect/>
+          <a:stretch>
+            <a:fillRect/>
+          </a:stretch>
+        </p:blipFill>
+        <p:spPr bwMode="auto">
+          <a:xfrm>
+            <a:off x="251520" y="1916832"/>
+            <a:ext cx="8710506" cy="3672000"/>
+          </a:xfrm>
+          <a:prstGeom prst="rect">
+            <a:avLst/>
+          </a:prstGeom>
+          <a:noFill/>
+          <a:ln>
+            <a:noFill/>
+          </a:ln>
+          <a:extLst>
+            <a:ext uri="{909E8E84-426E-40DD-AFC4-6F175D3DCCD1}">
+              <a14:hiddenFill xmlns:a14="http://schemas.microsoft.com/office/drawing/2010/main">
+                <a:solidFill>
+                  <a:schemeClr val="accent1"/>
+                </a:solidFill>
+              </a14:hiddenFill>
+            </a:ext>
+            <a:ext uri="{91240B29-F687-4F45-9708-019B960494DF}">
+              <a14:hiddenLine xmlns:a14="http://schemas.microsoft.com/office/drawing/2010/main" w="9525">
+                <a:solidFill>
+                  <a:schemeClr val="tx1"/>
+                </a:solidFill>
+                <a:miter lim="800000"/>
+                <a:headEnd/>
+                <a:tailEnd/>
+              </a14:hiddenLine>
+            </a:ext>
+          </a:extLst>
+        </p:spPr>
+      </p:pic>
+      <p:sp>
+        <p:nvSpPr>
+          <p:cNvPr id="8" name="Line Callout 2 7"/>
+          <p:cNvSpPr/>
+          <p:nvPr/>
+        </p:nvSpPr>
+        <p:spPr>
+          <a:xfrm>
+            <a:off x="6588222" y="5733256"/>
+            <a:ext cx="2145557" cy="792088"/>
+          </a:xfrm>
+          <a:prstGeom prst="borderCallout2">
+            <a:avLst>
+              <a:gd name="adj1" fmla="val 18750"/>
+              <a:gd name="adj2" fmla="val -8333"/>
+              <a:gd name="adj3" fmla="val 18750"/>
+              <a:gd name="adj4" fmla="val -16667"/>
+              <a:gd name="adj5" fmla="val -7187"/>
+              <a:gd name="adj6" fmla="val -25834"/>
+            </a:avLst>
+          </a:prstGeom>
+        </p:spPr>
+        <p:style>
+          <a:lnRef idx="2">
+            <a:schemeClr val="accent1">
+              <a:shade val="50000"/>
+            </a:schemeClr>
+          </a:lnRef>
+          <a:fillRef idx="1">
+            <a:schemeClr val="accent1"/>
+          </a:fillRef>
+          <a:effectRef idx="0">
+            <a:schemeClr val="accent1"/>
+          </a:effectRef>
+          <a:fontRef idx="minor">
+            <a:schemeClr val="lt1"/>
+          </a:fontRef>
+        </p:style>
+        <p:txBody>
+          <a:bodyPr rtlCol="0" anchor="t"/>
+          <a:lstStyle/>
+          <a:p>
+            <a:r>
+              <a:rPr lang="en-GB" b="1" dirty="0" smtClean="0"/>
+              <a:t>Initial AUC score:</a:t>
+            </a:r>
+          </a:p>
+          <a:p>
+            <a:r>
+              <a:rPr lang="en-GB" b="1" dirty="0" smtClean="0"/>
+              <a:t>0.6584</a:t>
+            </a:r>
+            <a:endParaRPr lang="en-GB" b="1" dirty="0"/>
+          </a:p>
+        </p:txBody>
+      </p:sp>
+      <p:sp>
+        <p:nvSpPr>
+          <p:cNvPr id="4" name="Line Callout 2 3"/>
+          <p:cNvSpPr/>
+          <p:nvPr/>
+        </p:nvSpPr>
+        <p:spPr>
+          <a:xfrm>
+            <a:off x="6386884" y="1988840"/>
+            <a:ext cx="2361580" cy="936104"/>
+          </a:xfrm>
+          <a:prstGeom prst="borderCallout2">
+            <a:avLst>
+              <a:gd name="adj1" fmla="val 55198"/>
+              <a:gd name="adj2" fmla="val -7177"/>
+              <a:gd name="adj3" fmla="val 75609"/>
+              <a:gd name="adj4" fmla="val -13200"/>
+              <a:gd name="adj5" fmla="val 119269"/>
+              <a:gd name="adj6" fmla="val -14737"/>
+            </a:avLst>
+          </a:prstGeom>
+        </p:spPr>
+        <p:style>
+          <a:lnRef idx="2">
+            <a:schemeClr val="accent1">
+              <a:shade val="50000"/>
+            </a:schemeClr>
+          </a:lnRef>
+          <a:fillRef idx="1">
+            <a:schemeClr val="accent1"/>
+          </a:fillRef>
+          <a:effectRef idx="0">
+            <a:schemeClr val="accent1"/>
+          </a:effectRef>
+          <a:fontRef idx="minor">
+            <a:schemeClr val="lt1"/>
+          </a:fontRef>
+        </p:style>
+        <p:txBody>
+          <a:bodyPr rtlCol="0" anchor="t"/>
+          <a:lstStyle/>
+          <a:p>
+            <a:r>
+              <a:rPr lang="en-GB" b="1" dirty="0" smtClean="0"/>
+              <a:t>Add class weights to account for unbalanced classes</a:t>
+            </a:r>
+            <a:endParaRPr lang="en-GB" b="1" dirty="0"/>
+          </a:p>
+        </p:txBody>
+      </p:sp>
+    </p:spTree>
+    <p:extLst>
+      <p:ext uri="{BB962C8B-B14F-4D97-AF65-F5344CB8AC3E}">
+        <p14:creationId xmlns:p14="http://schemas.microsoft.com/office/powerpoint/2010/main" val="3977697202"/>
+      </p:ext>
+    </p:extLst>
+  </p:cSld>
+  <p:clrMapOvr>
+    <a:masterClrMapping/>
+  </p:clrMapOvr>
+</p:sld>
+</file>
+
+<file path=ppt/slides/slide21.xml><?xml version="1.0" encoding="utf-8"?>
+<p:sld xmlns:a="http://schemas.openxmlformats.org/drawingml/2006/main" xmlns:r="http://schemas.openxmlformats.org/officeDocument/2006/relationships" xmlns:p="http://schemas.openxmlformats.org/presentationml/2006/main">
+  <p:cSld>
+    <p:spTree>
+      <p:nvGrpSpPr>
+        <p:cNvPr id="1" name=""/>
+        <p:cNvGrpSpPr/>
+        <p:nvPr/>
+      </p:nvGrpSpPr>
+      <p:grpSpPr>
+        <a:xfrm>
+          <a:off x="0" y="0"/>
+          <a:ext cx="0" cy="0"/>
+          <a:chOff x="0" y="0"/>
+          <a:chExt cx="0" cy="0"/>
+        </a:xfrm>
+      </p:grpSpPr>
+      <p:sp>
+        <p:nvSpPr>
+          <p:cNvPr id="2" name="Title 1"/>
+          <p:cNvSpPr>
+            <a:spLocks noGrp="1"/>
+          </p:cNvSpPr>
+          <p:nvPr>
+            <p:ph type="title"/>
+          </p:nvPr>
+        </p:nvSpPr>
+        <p:spPr/>
+        <p:txBody>
+          <a:bodyPr>
+            <a:normAutofit/>
+          </a:bodyPr>
+          <a:lstStyle/>
+          <a:p>
+            <a:r>
+              <a:rPr lang="en-GB" dirty="0" smtClean="0"/>
+              <a:t>Classification: Optimise model</a:t>
+            </a:r>
+            <a:endParaRPr lang="en-GB" dirty="0"/>
+          </a:p>
+        </p:txBody>
+      </p:sp>
+      <p:sp>
+        <p:nvSpPr>
+          <p:cNvPr id="3" name="Content Placeholder 2"/>
+          <p:cNvSpPr>
+            <a:spLocks noGrp="1"/>
+          </p:cNvSpPr>
+          <p:nvPr>
+            <p:ph idx="1"/>
+          </p:nvPr>
+        </p:nvSpPr>
+        <p:spPr>
+          <a:xfrm>
+            <a:off x="420704" y="1333216"/>
+            <a:ext cx="8229600" cy="4876800"/>
+          </a:xfrm>
+        </p:spPr>
+        <p:txBody>
+          <a:bodyPr/>
+          <a:lstStyle/>
+          <a:p>
+            <a:r>
+              <a:rPr lang="en-GB" dirty="0" smtClean="0"/>
+              <a:t>Optimise logistic regression model </a:t>
+            </a:r>
+            <a:endParaRPr lang="en-GB" dirty="0"/>
+          </a:p>
+        </p:txBody>
+      </p:sp>
+      <p:pic>
+        <p:nvPicPr>
+          <p:cNvPr id="2050" name="Picture 2"/>
+          <p:cNvPicPr>
+            <a:picLocks noChangeAspect="1" noChangeArrowheads="1"/>
+          </p:cNvPicPr>
+          <p:nvPr/>
+        </p:nvPicPr>
+        <p:blipFill>
+          <a:blip r:embed="rId2">
+            <a:extLst>
+              <a:ext uri="{28A0092B-C50C-407E-A947-70E740481C1C}">
+                <a14:useLocalDpi xmlns:a14="http://schemas.microsoft.com/office/drawing/2010/main" val="0"/>
+              </a:ext>
+            </a:extLst>
+          </a:blip>
+          <a:srcRect/>
+          <a:stretch>
+            <a:fillRect/>
+          </a:stretch>
+        </p:blipFill>
+        <p:spPr bwMode="auto">
+          <a:xfrm>
+            <a:off x="242888" y="1457325"/>
+            <a:ext cx="8656637" cy="3943350"/>
+          </a:xfrm>
+          <a:prstGeom prst="rect">
+            <a:avLst/>
+          </a:prstGeom>
+          <a:noFill/>
+          <a:ln>
+            <a:noFill/>
+          </a:ln>
+          <a:extLst>
+            <a:ext uri="{909E8E84-426E-40DD-AFC4-6F175D3DCCD1}">
+              <a14:hiddenFill xmlns:a14="http://schemas.microsoft.com/office/drawing/2010/main">
+                <a:solidFill>
+                  <a:schemeClr val="accent1"/>
+                </a:solidFill>
+              </a14:hiddenFill>
+            </a:ext>
+            <a:ext uri="{91240B29-F687-4F45-9708-019B960494DF}">
+              <a14:hiddenLine xmlns:a14="http://schemas.microsoft.com/office/drawing/2010/main" w="9525">
+                <a:solidFill>
+                  <a:schemeClr val="tx1"/>
+                </a:solidFill>
+                <a:miter lim="800000"/>
+                <a:headEnd/>
+                <a:tailEnd/>
+              </a14:hiddenLine>
+            </a:ext>
+          </a:extLst>
+        </p:spPr>
+      </p:pic>
+      <p:sp>
+        <p:nvSpPr>
+          <p:cNvPr id="8" name="Line Callout 2 7"/>
+          <p:cNvSpPr/>
+          <p:nvPr/>
+        </p:nvSpPr>
+        <p:spPr>
+          <a:xfrm>
+            <a:off x="6516216" y="5661248"/>
+            <a:ext cx="2361580" cy="936104"/>
+          </a:xfrm>
+          <a:prstGeom prst="borderCallout2">
+            <a:avLst>
+              <a:gd name="adj1" fmla="val 65403"/>
+              <a:gd name="adj2" fmla="val -4866"/>
+              <a:gd name="adj3" fmla="val 30414"/>
+              <a:gd name="adj4" fmla="val -14933"/>
+              <a:gd name="adj5" fmla="val -17779"/>
+              <a:gd name="adj6" fmla="val -17049"/>
+            </a:avLst>
+          </a:prstGeom>
+        </p:spPr>
+        <p:style>
+          <a:lnRef idx="2">
+            <a:schemeClr val="accent1">
+              <a:shade val="50000"/>
+            </a:schemeClr>
+          </a:lnRef>
+          <a:fillRef idx="1">
+            <a:schemeClr val="accent1"/>
+          </a:fillRef>
+          <a:effectRef idx="0">
+            <a:schemeClr val="accent1"/>
+          </a:effectRef>
+          <a:fontRef idx="minor">
+            <a:schemeClr val="lt1"/>
+          </a:fontRef>
+        </p:style>
+        <p:txBody>
+          <a:bodyPr rtlCol="0" anchor="t"/>
+          <a:lstStyle/>
+          <a:p>
+            <a:r>
+              <a:rPr lang="en-GB" b="1" dirty="0" smtClean="0"/>
+              <a:t>The optimised model generates an AUC of 0.6590</a:t>
+            </a:r>
+            <a:endParaRPr lang="en-GB" b="1" dirty="0"/>
+          </a:p>
+        </p:txBody>
+      </p:sp>
+      <p:sp>
+        <p:nvSpPr>
+          <p:cNvPr id="7" name="Line Callout 2 6"/>
+          <p:cNvSpPr/>
+          <p:nvPr/>
+        </p:nvSpPr>
+        <p:spPr>
+          <a:xfrm>
+            <a:off x="6530900" y="1916832"/>
+            <a:ext cx="2361580" cy="936104"/>
+          </a:xfrm>
+          <a:prstGeom prst="borderCallout2">
+            <a:avLst>
+              <a:gd name="adj1" fmla="val 31872"/>
+              <a:gd name="adj2" fmla="val -2554"/>
+              <a:gd name="adj3" fmla="val 37702"/>
+              <a:gd name="adj4" fmla="val -18979"/>
+              <a:gd name="adj5" fmla="val 59495"/>
+              <a:gd name="adj6" fmla="val -55769"/>
+            </a:avLst>
+          </a:prstGeom>
+        </p:spPr>
+        <p:style>
+          <a:lnRef idx="2">
+            <a:schemeClr val="accent1">
+              <a:shade val="50000"/>
+            </a:schemeClr>
+          </a:lnRef>
+          <a:fillRef idx="1">
+            <a:schemeClr val="accent1"/>
+          </a:fillRef>
+          <a:effectRef idx="0">
+            <a:schemeClr val="accent1"/>
+          </a:effectRef>
+          <a:fontRef idx="minor">
+            <a:schemeClr val="lt1"/>
+          </a:fontRef>
+        </p:style>
+        <p:txBody>
+          <a:bodyPr rtlCol="0" anchor="t"/>
+          <a:lstStyle/>
+          <a:p>
+            <a:r>
+              <a:rPr lang="en-GB" b="1" dirty="0" smtClean="0"/>
+              <a:t>Use </a:t>
+            </a:r>
+            <a:r>
+              <a:rPr lang="en-GB" b="1" dirty="0" smtClean="0"/>
+              <a:t>GridSearchCV</a:t>
+            </a:r>
+            <a:r>
+              <a:rPr lang="en-GB" b="1" dirty="0" smtClean="0"/>
+              <a:t> to find best model parameters</a:t>
+            </a:r>
+            <a:endParaRPr lang="en-GB" b="1" dirty="0"/>
+          </a:p>
+        </p:txBody>
+      </p:sp>
+    </p:spTree>
+    <p:extLst>
+      <p:ext uri="{BB962C8B-B14F-4D97-AF65-F5344CB8AC3E}">
+        <p14:creationId xmlns:p14="http://schemas.microsoft.com/office/powerpoint/2010/main" val="3977697202"/>
+      </p:ext>
+    </p:extLst>
+  </p:cSld>
+  <p:clrMapOvr>
+    <a:masterClrMapping/>
+  </p:clrMapOvr>
+</p:sld>
+</file>
+
+<file path=ppt/slides/slide22.xml><?xml version="1.0" encoding="utf-8"?>
+<p:sld xmlns:a="http://schemas.openxmlformats.org/drawingml/2006/main" xmlns:r="http://schemas.openxmlformats.org/officeDocument/2006/relationships" xmlns:p="http://schemas.openxmlformats.org/presentationml/2006/main">
+  <p:cSld>
+    <p:spTree>
+      <p:nvGrpSpPr>
+        <p:cNvPr id="1" name=""/>
+        <p:cNvGrpSpPr/>
+        <p:nvPr/>
+      </p:nvGrpSpPr>
+      <p:grpSpPr>
+        <a:xfrm>
+          <a:off x="0" y="0"/>
+          <a:ext cx="0" cy="0"/>
+          <a:chOff x="0" y="0"/>
+          <a:chExt cx="0" cy="0"/>
+        </a:xfrm>
+      </p:grpSpPr>
+      <p:sp>
+        <p:nvSpPr>
+          <p:cNvPr id="2" name="Title 1"/>
+          <p:cNvSpPr>
+            <a:spLocks noGrp="1"/>
+          </p:cNvSpPr>
+          <p:nvPr>
+            <p:ph type="title"/>
+          </p:nvPr>
+        </p:nvSpPr>
+        <p:spPr/>
+        <p:txBody>
+          <a:bodyPr/>
+          <a:lstStyle/>
+          <a:p>
+            <a:r>
+              <a:rPr lang="en-GB" dirty="0" smtClean="0"/>
+              <a:t>Results</a:t>
+            </a:r>
+            <a:endParaRPr lang="en-GB" dirty="0"/>
+          </a:p>
+        </p:txBody>
+      </p:sp>
+      <p:sp>
+        <p:nvSpPr>
+          <p:cNvPr id="3" name="Content Placeholder 2"/>
+          <p:cNvSpPr>
+            <a:spLocks noGrp="1"/>
+          </p:cNvSpPr>
+          <p:nvPr>
+            <p:ph idx="1"/>
+          </p:nvPr>
+        </p:nvSpPr>
+        <p:spPr>
+          <a:xfrm>
+            <a:off x="467544" y="1556792"/>
+            <a:ext cx="8229600" cy="4876800"/>
+          </a:xfrm>
+        </p:spPr>
+        <p:txBody>
+          <a:bodyPr/>
+          <a:lstStyle/>
+          <a:p>
+            <a:r>
+              <a:rPr lang="en-GB" dirty="0" smtClean="0">
+                <a:solidFill>
+                  <a:schemeClr val="tx2"/>
+                </a:solidFill>
+              </a:rPr>
+              <a:t>The optimised model delivered an AUC score of 0.6590.</a:t>
+            </a:r>
+          </a:p>
+          <a:p>
+            <a:pPr marL="0" indent="0">
+              <a:buNone/>
+            </a:pPr>
+            <a:endParaRPr lang="en-GB" dirty="0" smtClean="0">
+              <a:solidFill>
+                <a:schemeClr val="tx2"/>
+              </a:solidFill>
+            </a:endParaRPr>
+          </a:p>
+          <a:p>
+            <a:r>
+              <a:rPr lang="en-GB" dirty="0" smtClean="0">
+                <a:solidFill>
+                  <a:schemeClr val="tx2"/>
+                </a:solidFill>
+              </a:rPr>
+              <a:t>This can be interpreted </a:t>
+            </a:r>
+            <a:r>
+              <a:rPr lang="en-GB" dirty="0">
+                <a:solidFill>
+                  <a:schemeClr val="tx2"/>
+                </a:solidFill>
+              </a:rPr>
+              <a:t>as the probability that a randomly chosen positive example </a:t>
+            </a:r>
+            <a:r>
+              <a:rPr lang="en-GB" dirty="0" smtClean="0">
+                <a:solidFill>
+                  <a:schemeClr val="tx2"/>
+                </a:solidFill>
+              </a:rPr>
+              <a:t>is </a:t>
+            </a:r>
+            <a:r>
+              <a:rPr lang="en-GB" dirty="0">
+                <a:solidFill>
+                  <a:schemeClr val="tx2"/>
+                </a:solidFill>
+              </a:rPr>
+              <a:t>deemed to have a higher probability of being positive </a:t>
+            </a:r>
+            <a:r>
+              <a:rPr lang="en-GB" dirty="0" smtClean="0">
+                <a:solidFill>
+                  <a:schemeClr val="tx2"/>
+                </a:solidFill>
+              </a:rPr>
+              <a:t>than </a:t>
+            </a:r>
+            <a:r>
+              <a:rPr lang="en-GB" dirty="0">
+                <a:solidFill>
+                  <a:schemeClr val="tx2"/>
+                </a:solidFill>
+              </a:rPr>
+              <a:t>a randomly chosen negative example</a:t>
+            </a:r>
+            <a:r>
+              <a:rPr lang="en-GB" dirty="0" smtClean="0">
+                <a:solidFill>
+                  <a:schemeClr val="tx2"/>
+                </a:solidFill>
+              </a:rPr>
+              <a:t>.</a:t>
+            </a:r>
+          </a:p>
+          <a:p>
+            <a:endParaRPr lang="en-GB" dirty="0">
+              <a:solidFill>
+                <a:schemeClr val="tx2"/>
+              </a:solidFill>
+            </a:endParaRPr>
+          </a:p>
+          <a:p>
+            <a:r>
+              <a:rPr lang="en-GB" dirty="0" smtClean="0">
+                <a:solidFill>
+                  <a:schemeClr val="tx2"/>
+                </a:solidFill>
+              </a:rPr>
+              <a:t>Parameter tuning improved the score.</a:t>
+            </a:r>
+            <a:endParaRPr lang="en-GB" dirty="0">
+              <a:solidFill>
+                <a:schemeClr val="tx2"/>
+              </a:solidFill>
+            </a:endParaRPr>
+          </a:p>
+          <a:p>
+            <a:endParaRPr lang="en-GB" dirty="0" smtClean="0">
+              <a:solidFill>
+                <a:schemeClr val="tx2"/>
+              </a:solidFill>
+            </a:endParaRPr>
+          </a:p>
+        </p:txBody>
+      </p:sp>
+    </p:spTree>
+    <p:extLst>
+      <p:ext uri="{BB962C8B-B14F-4D97-AF65-F5344CB8AC3E}">
+        <p14:creationId xmlns:p14="http://schemas.microsoft.com/office/powerpoint/2010/main" val="3947735532"/>
+      </p:ext>
+    </p:extLst>
+  </p:cSld>
+  <p:clrMapOvr>
+    <a:masterClrMapping/>
+  </p:clrMapOvr>
+</p:sld>
+</file>
+
+<file path=ppt/slides/slide23.xml><?xml version="1.0" encoding="utf-8"?>
+<p:sld xmlns:a="http://schemas.openxmlformats.org/drawingml/2006/main" xmlns:r="http://schemas.openxmlformats.org/officeDocument/2006/relationships" xmlns:p="http://schemas.openxmlformats.org/presentationml/2006/main">
+  <p:cSld>
+    <p:spTree>
+      <p:nvGrpSpPr>
+        <p:cNvPr id="1" name=""/>
+        <p:cNvGrpSpPr/>
+        <p:nvPr/>
+      </p:nvGrpSpPr>
+      <p:grpSpPr>
+        <a:xfrm>
+          <a:off x="0" y="0"/>
+          <a:ext cx="0" cy="0"/>
+          <a:chOff x="0" y="0"/>
+          <a:chExt cx="0" cy="0"/>
+        </a:xfrm>
+      </p:grpSpPr>
+      <p:sp>
+        <p:nvSpPr>
+          <p:cNvPr id="2" name="Title 1"/>
+          <p:cNvSpPr>
+            <a:spLocks noGrp="1"/>
+          </p:cNvSpPr>
+          <p:nvPr>
+            <p:ph type="title"/>
+          </p:nvPr>
+        </p:nvSpPr>
+        <p:spPr/>
+        <p:txBody>
+          <a:bodyPr>
+            <a:normAutofit fontScale="90000"/>
+          </a:bodyPr>
+          <a:lstStyle/>
+          <a:p>
+            <a:r>
+              <a:rPr lang="en-GB" dirty="0" smtClean="0"/>
+              <a:t>Results: </a:t>
+            </a:r>
+            <a:r>
+              <a:rPr lang="en-GB" sz="3800" dirty="0" smtClean="0"/>
+              <a:t>Receiver Operating Characteristic</a:t>
+            </a:r>
+            <a:endParaRPr lang="en-GB" sz="3800" dirty="0"/>
+          </a:p>
+        </p:txBody>
+      </p:sp>
+      <p:pic>
+        <p:nvPicPr>
+          <p:cNvPr id="4098" name="Picture 2"/>
+          <p:cNvPicPr>
+            <a:picLocks noChangeAspect="1" noChangeArrowheads="1"/>
+          </p:cNvPicPr>
+          <p:nvPr/>
+        </p:nvPicPr>
+        <p:blipFill>
+          <a:blip r:embed="rId3">
+            <a:extLst>
+              <a:ext uri="{28A0092B-C50C-407E-A947-70E740481C1C}">
+                <a14:useLocalDpi xmlns:a14="http://schemas.microsoft.com/office/drawing/2010/main" val="0"/>
+              </a:ext>
+            </a:extLst>
+          </a:blip>
+          <a:srcRect/>
+          <a:stretch>
+            <a:fillRect/>
+          </a:stretch>
+        </p:blipFill>
+        <p:spPr bwMode="auto">
+          <a:xfrm>
+            <a:off x="611559" y="1412775"/>
+            <a:ext cx="7200801" cy="5055589"/>
+          </a:xfrm>
+          <a:prstGeom prst="rect">
+            <a:avLst/>
+          </a:prstGeom>
+          <a:noFill/>
+          <a:ln>
+            <a:noFill/>
+          </a:ln>
+          <a:extLst>
+            <a:ext uri="{909E8E84-426E-40DD-AFC4-6F175D3DCCD1}">
+              <a14:hiddenFill xmlns:a14="http://schemas.microsoft.com/office/drawing/2010/main">
+                <a:solidFill>
+                  <a:schemeClr val="accent1"/>
+                </a:solidFill>
+              </a14:hiddenFill>
+            </a:ext>
+            <a:ext uri="{91240B29-F687-4F45-9708-019B960494DF}">
+              <a14:hiddenLine xmlns:a14="http://schemas.microsoft.com/office/drawing/2010/main" w="9525">
+                <a:solidFill>
+                  <a:schemeClr val="tx1"/>
+                </a:solidFill>
+                <a:miter lim="800000"/>
+                <a:headEnd/>
+                <a:tailEnd/>
+              </a14:hiddenLine>
+            </a:ext>
+          </a:extLst>
+        </p:spPr>
+      </p:pic>
+    </p:spTree>
+    <p:extLst>
+      <p:ext uri="{BB962C8B-B14F-4D97-AF65-F5344CB8AC3E}">
+        <p14:creationId xmlns:p14="http://schemas.microsoft.com/office/powerpoint/2010/main" val="1350769179"/>
+      </p:ext>
+    </p:extLst>
+  </p:cSld>
+  <p:clrMapOvr>
+    <a:masterClrMapping/>
+  </p:clrMapOvr>
+</p:sld>
+</file>
+
+<file path=ppt/slides/slide24.xml><?xml version="1.0" encoding="utf-8"?>
+<p:sld xmlns:a="http://schemas.openxmlformats.org/drawingml/2006/main" xmlns:r="http://schemas.openxmlformats.org/officeDocument/2006/relationships" xmlns:p="http://schemas.openxmlformats.org/presentationml/2006/main">
+  <p:cSld>
+    <p:spTree>
+      <p:nvGrpSpPr>
+        <p:cNvPr id="1" name=""/>
+        <p:cNvGrpSpPr/>
+        <p:nvPr/>
+      </p:nvGrpSpPr>
+      <p:grpSpPr>
+        <a:xfrm>
+          <a:off x="0" y="0"/>
+          <a:ext cx="0" cy="0"/>
+          <a:chOff x="0" y="0"/>
+          <a:chExt cx="0" cy="0"/>
+        </a:xfrm>
+      </p:grpSpPr>
+      <p:sp>
+        <p:nvSpPr>
+          <p:cNvPr id="2" name="Title 1"/>
+          <p:cNvSpPr>
+            <a:spLocks noGrp="1"/>
+          </p:cNvSpPr>
+          <p:nvPr>
+            <p:ph type="title"/>
+          </p:nvPr>
+        </p:nvSpPr>
+        <p:spPr/>
+        <p:txBody>
+          <a:bodyPr/>
+          <a:lstStyle/>
+          <a:p>
+            <a:r>
+              <a:rPr lang="en-GB" dirty="0" smtClean="0"/>
+              <a:t>Results: Confusion matrix</a:t>
+            </a:r>
+            <a:endParaRPr lang="en-GB" dirty="0"/>
+          </a:p>
+        </p:txBody>
+      </p:sp>
+      <p:pic>
+        <p:nvPicPr>
+          <p:cNvPr id="4099" name="Picture 3"/>
+          <p:cNvPicPr>
+            <a:picLocks noChangeAspect="1" noChangeArrowheads="1"/>
+          </p:cNvPicPr>
+          <p:nvPr/>
+        </p:nvPicPr>
+        <p:blipFill>
+          <a:blip r:embed="rId3">
+            <a:extLst>
+              <a:ext uri="{28A0092B-C50C-407E-A947-70E740481C1C}">
+                <a14:useLocalDpi xmlns:a14="http://schemas.microsoft.com/office/drawing/2010/main" val="0"/>
+              </a:ext>
+            </a:extLst>
+          </a:blip>
+          <a:srcRect/>
+          <a:stretch>
+            <a:fillRect/>
+          </a:stretch>
+        </p:blipFill>
+        <p:spPr bwMode="auto">
+          <a:xfrm>
+            <a:off x="539551" y="1484784"/>
+            <a:ext cx="6335005" cy="4608512"/>
+          </a:xfrm>
+          <a:prstGeom prst="rect">
+            <a:avLst/>
+          </a:prstGeom>
+          <a:noFill/>
+          <a:ln>
+            <a:noFill/>
+          </a:ln>
+          <a:extLst>
+            <a:ext uri="{909E8E84-426E-40DD-AFC4-6F175D3DCCD1}">
+              <a14:hiddenFill xmlns:a14="http://schemas.microsoft.com/office/drawing/2010/main">
+                <a:solidFill>
+                  <a:schemeClr val="accent1"/>
+                </a:solidFill>
+              </a14:hiddenFill>
+            </a:ext>
+            <a:ext uri="{91240B29-F687-4F45-9708-019B960494DF}">
+              <a14:hiddenLine xmlns:a14="http://schemas.microsoft.com/office/drawing/2010/main" w="9525">
+                <a:solidFill>
+                  <a:schemeClr val="tx1"/>
+                </a:solidFill>
+                <a:miter lim="800000"/>
+                <a:headEnd/>
+                <a:tailEnd/>
+              </a14:hiddenLine>
+            </a:ext>
+          </a:extLst>
+        </p:spPr>
+      </p:pic>
+    </p:spTree>
+    <p:extLst>
+      <p:ext uri="{BB962C8B-B14F-4D97-AF65-F5344CB8AC3E}">
+        <p14:creationId xmlns:p14="http://schemas.microsoft.com/office/powerpoint/2010/main" val="1532778483"/>
+      </p:ext>
+    </p:extLst>
+  </p:cSld>
+  <p:clrMapOvr>
+    <a:masterClrMapping/>
+  </p:clrMapOvr>
+</p:sld>
+</file>
+
+<file path=ppt/slides/slide25.xml><?xml version="1.0" encoding="utf-8"?>
+<p:sld xmlns:a="http://schemas.openxmlformats.org/drawingml/2006/main" xmlns:r="http://schemas.openxmlformats.org/officeDocument/2006/relationships" xmlns:p="http://schemas.openxmlformats.org/presentationml/2006/main">
+  <p:cSld>
+    <p:spTree>
+      <p:nvGrpSpPr>
+        <p:cNvPr id="1" name=""/>
+        <p:cNvGrpSpPr/>
+        <p:nvPr/>
+      </p:nvGrpSpPr>
+      <p:grpSpPr>
+        <a:xfrm>
+          <a:off x="0" y="0"/>
+          <a:ext cx="0" cy="0"/>
+          <a:chOff x="0" y="0"/>
+          <a:chExt cx="0" cy="0"/>
+        </a:xfrm>
+      </p:grpSpPr>
+      <p:sp>
+        <p:nvSpPr>
+          <p:cNvPr id="2" name="Title 1"/>
+          <p:cNvSpPr>
+            <a:spLocks noGrp="1"/>
+          </p:cNvSpPr>
+          <p:nvPr>
+            <p:ph type="title"/>
+          </p:nvPr>
+        </p:nvSpPr>
+        <p:spPr/>
+        <p:txBody>
+          <a:bodyPr/>
+          <a:lstStyle/>
+          <a:p>
+            <a:r>
+              <a:rPr lang="en-GB" dirty="0" smtClean="0"/>
+              <a:t>Results: odd ratios for bad loans</a:t>
+            </a:r>
+            <a:endParaRPr lang="en-GB" dirty="0"/>
+          </a:p>
+        </p:txBody>
+      </p:sp>
+      <p:sp>
+        <p:nvSpPr>
+          <p:cNvPr id="4" name="TextBox 3"/>
+          <p:cNvSpPr txBox="1"/>
+          <p:nvPr/>
+        </p:nvSpPr>
+        <p:spPr>
+          <a:xfrm>
+            <a:off x="4976752" y="1772816"/>
+            <a:ext cx="3744416" cy="4524315"/>
+          </a:xfrm>
+          <a:prstGeom prst="rect">
+            <a:avLst/>
+          </a:prstGeom>
+          <a:noFill/>
+        </p:spPr>
+        <p:txBody>
+          <a:bodyPr wrap="square" rtlCol="0">
+            <a:spAutoFit/>
+          </a:bodyPr>
+          <a:lstStyle/>
+          <a:p>
+            <a:r>
+              <a:rPr lang="en-GB" sz="1600" dirty="0" smtClean="0">
+                <a:solidFill>
+                  <a:schemeClr val="tx2"/>
+                </a:solidFill>
+              </a:rPr>
+              <a:t>How to interpret the odds ratio:</a:t>
+            </a:r>
+          </a:p>
+          <a:p>
+            <a:endParaRPr lang="en-GB" sz="1600" dirty="0" smtClean="0">
+              <a:solidFill>
+                <a:schemeClr val="tx2"/>
+              </a:solidFill>
+            </a:endParaRPr>
+          </a:p>
+          <a:p>
+            <a:r>
+              <a:rPr lang="en-GB" sz="1600" dirty="0" smtClean="0">
+                <a:solidFill>
+                  <a:schemeClr val="tx2"/>
+                </a:solidFill>
+              </a:rPr>
+              <a:t>A </a:t>
+            </a:r>
+            <a:r>
+              <a:rPr lang="en-GB" sz="1600" dirty="0">
+                <a:solidFill>
+                  <a:schemeClr val="tx2"/>
+                </a:solidFill>
+              </a:rPr>
+              <a:t>score over 1 indicates a positive relationship with the target variable, a score below 1 a negative one.</a:t>
+            </a:r>
+          </a:p>
+          <a:p>
+            <a:endParaRPr lang="en-GB" sz="1600" dirty="0">
+              <a:solidFill>
+                <a:schemeClr val="tx2"/>
+              </a:solidFill>
+            </a:endParaRPr>
+          </a:p>
+          <a:p>
+            <a:r>
+              <a:rPr lang="en-GB" sz="1600" dirty="0" smtClean="0">
+                <a:solidFill>
+                  <a:schemeClr val="tx2"/>
+                </a:solidFill>
+              </a:rPr>
+              <a:t>Odds </a:t>
+            </a:r>
+            <a:r>
+              <a:rPr lang="en-GB" sz="1600" dirty="0">
+                <a:solidFill>
+                  <a:schemeClr val="tx2"/>
+                </a:solidFill>
+              </a:rPr>
+              <a:t>of success = ratio of probability of success / probability of failure</a:t>
+            </a:r>
+          </a:p>
+          <a:p>
+            <a:endParaRPr lang="en-GB" sz="1600" dirty="0" smtClean="0">
+              <a:solidFill>
+                <a:schemeClr val="tx2"/>
+              </a:solidFill>
+            </a:endParaRPr>
+          </a:p>
+          <a:p>
+            <a:r>
+              <a:rPr lang="en-GB" sz="1600" dirty="0" smtClean="0">
+                <a:solidFill>
+                  <a:schemeClr val="tx2"/>
+                </a:solidFill>
+              </a:rPr>
+              <a:t>If </a:t>
+            </a:r>
+            <a:r>
+              <a:rPr lang="en-GB" sz="1600" dirty="0">
+                <a:solidFill>
+                  <a:schemeClr val="tx2"/>
+                </a:solidFill>
+              </a:rPr>
+              <a:t>the probability of success is 50/50, the odds of success are 1/1 = </a:t>
+            </a:r>
+            <a:r>
+              <a:rPr lang="en-GB" sz="1600" dirty="0" smtClean="0">
+                <a:solidFill>
+                  <a:schemeClr val="tx2"/>
+                </a:solidFill>
+              </a:rPr>
+              <a:t>1</a:t>
+            </a:r>
+          </a:p>
+          <a:p>
+            <a:endParaRPr lang="en-GB" sz="1600" dirty="0">
+              <a:solidFill>
+                <a:schemeClr val="tx2"/>
+              </a:solidFill>
+            </a:endParaRPr>
+          </a:p>
+          <a:p>
+            <a:r>
+              <a:rPr lang="en-GB" sz="1600" dirty="0">
+                <a:solidFill>
+                  <a:schemeClr val="tx2"/>
+                </a:solidFill>
+              </a:rPr>
+              <a:t>For example, FICO Credit </a:t>
+            </a:r>
+            <a:r>
+              <a:rPr lang="en-GB" sz="1600" dirty="0">
+                <a:solidFill>
+                  <a:schemeClr val="tx2"/>
+                </a:solidFill>
+              </a:rPr>
+              <a:t>Score_Good</a:t>
+            </a:r>
+            <a:r>
+              <a:rPr lang="en-GB" sz="1600" dirty="0">
+                <a:solidFill>
+                  <a:schemeClr val="tx2"/>
+                </a:solidFill>
+              </a:rPr>
+              <a:t> has an odd ratio of </a:t>
+            </a:r>
+            <a:r>
+              <a:rPr lang="en-GB" sz="1600" dirty="0" smtClean="0">
+                <a:solidFill>
+                  <a:schemeClr val="tx2"/>
+                </a:solidFill>
+              </a:rPr>
+              <a:t>3.948234. </a:t>
+            </a:r>
+            <a:r>
+              <a:rPr lang="en-GB" sz="1600" dirty="0">
+                <a:solidFill>
+                  <a:schemeClr val="tx2"/>
+                </a:solidFill>
+              </a:rPr>
+              <a:t>This means than the odds for a defaulted loan are </a:t>
+            </a:r>
+            <a:r>
+              <a:rPr lang="en-GB" sz="1600" dirty="0" smtClean="0">
+                <a:solidFill>
+                  <a:schemeClr val="tx2"/>
+                </a:solidFill>
+              </a:rPr>
+              <a:t>295% </a:t>
+            </a:r>
+            <a:r>
+              <a:rPr lang="en-GB" sz="1600" dirty="0">
+                <a:solidFill>
+                  <a:schemeClr val="tx2"/>
+                </a:solidFill>
+              </a:rPr>
+              <a:t>higher than the odds for completed one.</a:t>
+            </a:r>
+          </a:p>
+          <a:p>
+            <a:endParaRPr lang="en-GB" sz="1600" dirty="0">
+              <a:solidFill>
+                <a:schemeClr val="tx2"/>
+              </a:solidFill>
+            </a:endParaRPr>
+          </a:p>
+        </p:txBody>
+      </p:sp>
+      <p:pic>
+        <p:nvPicPr>
+          <p:cNvPr id="3074" name="Picture 2"/>
+          <p:cNvPicPr>
+            <a:picLocks noChangeAspect="1" noChangeArrowheads="1"/>
+          </p:cNvPicPr>
+          <p:nvPr/>
+        </p:nvPicPr>
+        <p:blipFill>
+          <a:blip r:embed="rId3">
+            <a:extLst>
+              <a:ext uri="{28A0092B-C50C-407E-A947-70E740481C1C}">
+                <a14:useLocalDpi xmlns:a14="http://schemas.microsoft.com/office/drawing/2010/main" val="0"/>
+              </a:ext>
+            </a:extLst>
+          </a:blip>
+          <a:srcRect/>
+          <a:stretch>
+            <a:fillRect/>
+          </a:stretch>
+        </p:blipFill>
+        <p:spPr bwMode="auto">
+          <a:xfrm>
+            <a:off x="467544" y="1628800"/>
+            <a:ext cx="4536000" cy="4332447"/>
+          </a:xfrm>
+          <a:prstGeom prst="rect">
+            <a:avLst/>
+          </a:prstGeom>
+          <a:noFill/>
+          <a:ln>
+            <a:noFill/>
+          </a:ln>
+          <a:extLst>
+            <a:ext uri="{909E8E84-426E-40DD-AFC4-6F175D3DCCD1}">
+              <a14:hiddenFill xmlns:a14="http://schemas.microsoft.com/office/drawing/2010/main">
+                <a:solidFill>
+                  <a:schemeClr val="accent1"/>
+                </a:solidFill>
+              </a14:hiddenFill>
+            </a:ext>
+            <a:ext uri="{91240B29-F687-4F45-9708-019B960494DF}">
+              <a14:hiddenLine xmlns:a14="http://schemas.microsoft.com/office/drawing/2010/main" w="9525">
+                <a:solidFill>
+                  <a:schemeClr val="tx1"/>
+                </a:solidFill>
+                <a:miter lim="800000"/>
+                <a:headEnd/>
+                <a:tailEnd/>
+              </a14:hiddenLine>
+            </a:ext>
+          </a:extLst>
+        </p:spPr>
+      </p:pic>
+    </p:spTree>
+    <p:extLst>
+      <p:ext uri="{BB962C8B-B14F-4D97-AF65-F5344CB8AC3E}">
+        <p14:creationId xmlns:p14="http://schemas.microsoft.com/office/powerpoint/2010/main" val="1350769179"/>
+      </p:ext>
+    </p:extLst>
+  </p:cSld>
+  <p:clrMapOvr>
+    <a:masterClrMapping/>
+  </p:clrMapOvr>
+</p:sld>
+</file>
+
+<file path=ppt/slides/slide26.xml><?xml version="1.0" encoding="utf-8"?>
+<p:sld xmlns:a="http://schemas.openxmlformats.org/drawingml/2006/main" xmlns:r="http://schemas.openxmlformats.org/officeDocument/2006/relationships" xmlns:p="http://schemas.openxmlformats.org/presentationml/2006/main">
+  <p:cSld>
+    <p:spTree>
+      <p:nvGrpSpPr>
+        <p:cNvPr id="1" name=""/>
+        <p:cNvGrpSpPr/>
+        <p:nvPr/>
+      </p:nvGrpSpPr>
+      <p:grpSpPr>
+        <a:xfrm>
+          <a:off x="0" y="0"/>
+          <a:ext cx="0" cy="0"/>
+          <a:chOff x="0" y="0"/>
+          <a:chExt cx="0" cy="0"/>
+        </a:xfrm>
+      </p:grpSpPr>
+      <p:sp>
+        <p:nvSpPr>
+          <p:cNvPr id="2" name="Title 1"/>
+          <p:cNvSpPr>
+            <a:spLocks noGrp="1"/>
+          </p:cNvSpPr>
+          <p:nvPr>
+            <p:ph type="title"/>
+          </p:nvPr>
+        </p:nvSpPr>
+        <p:spPr/>
+        <p:txBody>
+          <a:bodyPr/>
+          <a:lstStyle/>
+          <a:p>
+            <a:r>
+              <a:rPr lang="en-GB" dirty="0" smtClean="0"/>
+              <a:t>Conclusion</a:t>
+            </a:r>
+            <a:endParaRPr lang="en-GB" dirty="0"/>
+          </a:p>
+        </p:txBody>
+      </p:sp>
+      <p:sp>
+        <p:nvSpPr>
+          <p:cNvPr id="3" name="Content Placeholder 2"/>
+          <p:cNvSpPr>
+            <a:spLocks noGrp="1"/>
+          </p:cNvSpPr>
+          <p:nvPr>
+            <p:ph idx="1"/>
+          </p:nvPr>
+        </p:nvSpPr>
+        <p:spPr/>
+        <p:txBody>
+          <a:bodyPr>
+            <a:normAutofit lnSpcReduction="10000"/>
+          </a:bodyPr>
+          <a:lstStyle/>
+          <a:p>
+            <a:pPr marL="0" indent="0">
+              <a:buNone/>
+            </a:pPr>
+            <a:r>
+              <a:rPr lang="en-GB" sz="1800" dirty="0" smtClean="0">
+                <a:solidFill>
+                  <a:schemeClr val="tx2"/>
+                </a:solidFill>
+              </a:rPr>
+              <a:t>The model outperforms random guessing in predicting loan defaults.</a:t>
+            </a:r>
+          </a:p>
+          <a:p>
+            <a:pPr marL="0" indent="0">
+              <a:buNone/>
+            </a:pPr>
+            <a:endParaRPr lang="en-GB" sz="1800" dirty="0">
+              <a:solidFill>
+                <a:schemeClr val="tx2"/>
+              </a:solidFill>
+            </a:endParaRPr>
+          </a:p>
+          <a:p>
+            <a:pPr marL="0" indent="0">
+              <a:buNone/>
+            </a:pPr>
+            <a:r>
+              <a:rPr lang="en-GB" sz="1800" b="1" dirty="0" smtClean="0">
+                <a:solidFill>
+                  <a:schemeClr val="tx2"/>
+                </a:solidFill>
+              </a:rPr>
+              <a:t>Highest odds for bad loans:</a:t>
+            </a:r>
+            <a:r>
+              <a:rPr lang="en-GB" sz="1800" dirty="0" smtClean="0">
+                <a:solidFill>
+                  <a:schemeClr val="tx2"/>
+                </a:solidFill>
+              </a:rPr>
+              <a:t>		</a:t>
+            </a:r>
+          </a:p>
+          <a:p>
+            <a:pPr lvl="1"/>
+            <a:r>
+              <a:rPr lang="en-GB" sz="1800" dirty="0" smtClean="0">
+                <a:solidFill>
+                  <a:schemeClr val="tx2"/>
+                </a:solidFill>
+              </a:rPr>
+              <a:t>FICO Credit Score Good		</a:t>
+            </a:r>
+          </a:p>
+          <a:p>
+            <a:pPr lvl="1"/>
+            <a:r>
+              <a:rPr lang="en-GB" sz="1800" dirty="0" smtClean="0">
+                <a:solidFill>
+                  <a:schemeClr val="tx2"/>
+                </a:solidFill>
+              </a:rPr>
+              <a:t> FICO Credit Score Very Good</a:t>
+            </a:r>
+          </a:p>
+          <a:p>
+            <a:pPr lvl="1"/>
+            <a:r>
+              <a:rPr lang="en-GB" sz="1800" dirty="0" smtClean="0">
+                <a:solidFill>
+                  <a:schemeClr val="tx2"/>
+                </a:solidFill>
+              </a:rPr>
+              <a:t>Loan Purpose Small Business</a:t>
+            </a:r>
+          </a:p>
+          <a:p>
+            <a:pPr lvl="1"/>
+            <a:r>
+              <a:rPr lang="en-GB" sz="1800" dirty="0" smtClean="0">
+                <a:solidFill>
+                  <a:schemeClr val="tx2"/>
+                </a:solidFill>
+              </a:rPr>
+              <a:t>Loan Term 60 Months</a:t>
+            </a:r>
+          </a:p>
+          <a:p>
+            <a:pPr lvl="1"/>
+            <a:r>
+              <a:rPr lang="en-GB" sz="1800" dirty="0" smtClean="0">
+                <a:solidFill>
+                  <a:schemeClr val="tx2"/>
+                </a:solidFill>
+              </a:rPr>
+              <a:t>No. Adverse Public Records</a:t>
+            </a:r>
+          </a:p>
+          <a:p>
+            <a:pPr lvl="1"/>
+            <a:endParaRPr lang="en-GB" sz="1800" dirty="0">
+              <a:solidFill>
+                <a:schemeClr val="tx2"/>
+              </a:solidFill>
+            </a:endParaRPr>
+          </a:p>
+          <a:p>
+            <a:pPr marL="0" lvl="1" indent="0">
+              <a:buNone/>
+            </a:pPr>
+            <a:r>
+              <a:rPr lang="en-GB" sz="1800" b="1" dirty="0" smtClean="0">
+                <a:solidFill>
+                  <a:schemeClr val="tx2"/>
+                </a:solidFill>
+              </a:rPr>
+              <a:t>Lowest odds for bad loans:</a:t>
+            </a:r>
+          </a:p>
+          <a:p>
+            <a:pPr marL="285750" lvl="1" indent="-285750"/>
+            <a:r>
+              <a:rPr lang="en-GB" sz="1800" dirty="0" smtClean="0">
+                <a:solidFill>
+                  <a:schemeClr val="tx2"/>
+                </a:solidFill>
+              </a:rPr>
+              <a:t>Loan Purpose Credit Card</a:t>
+            </a:r>
+          </a:p>
+          <a:p>
+            <a:pPr marL="285750" lvl="1" indent="-285750"/>
+            <a:r>
+              <a:rPr lang="en-GB" sz="1800" dirty="0" smtClean="0">
+                <a:solidFill>
+                  <a:schemeClr val="tx2"/>
+                </a:solidFill>
+              </a:rPr>
+              <a:t>Loan Purpose Car</a:t>
+            </a:r>
+          </a:p>
+          <a:p>
+            <a:pPr marL="285750" lvl="1" indent="-285750"/>
+            <a:r>
+              <a:rPr lang="en-GB" sz="1800" dirty="0" smtClean="0">
+                <a:solidFill>
+                  <a:schemeClr val="tx2"/>
+                </a:solidFill>
+              </a:rPr>
+              <a:t>No. Of Public Record Bankruptcies</a:t>
+            </a:r>
+          </a:p>
+          <a:p>
+            <a:pPr marL="285750" lvl="1" indent="-285750"/>
+            <a:r>
+              <a:rPr lang="en-GB" sz="1800" dirty="0" smtClean="0">
+                <a:solidFill>
+                  <a:schemeClr val="tx2"/>
+                </a:solidFill>
+              </a:rPr>
+              <a:t>Loan Purpose Wedding</a:t>
+            </a:r>
+          </a:p>
+          <a:p>
+            <a:pPr marL="285750" lvl="1" indent="-285750"/>
+            <a:r>
+              <a:rPr lang="en-GB" sz="1800" dirty="0" smtClean="0">
+                <a:solidFill>
+                  <a:schemeClr val="tx2"/>
+                </a:solidFill>
+              </a:rPr>
+              <a:t>Loan Term 36 Months</a:t>
+            </a:r>
+          </a:p>
+          <a:p>
+            <a:pPr marL="0" indent="0">
+              <a:buNone/>
+            </a:pPr>
+            <a:endParaRPr lang="en-GB" sz="1800" dirty="0" smtClean="0">
+              <a:solidFill>
+                <a:schemeClr val="tx2"/>
+              </a:solidFill>
+            </a:endParaRPr>
+          </a:p>
+          <a:p>
+            <a:pPr lvl="1"/>
+            <a:endParaRPr lang="en-GB" sz="1800" dirty="0" smtClean="0">
+              <a:solidFill>
+                <a:schemeClr val="tx2"/>
+              </a:solidFill>
+            </a:endParaRPr>
+          </a:p>
+          <a:p>
+            <a:endParaRPr lang="en-GB" sz="1800" dirty="0">
+              <a:solidFill>
+                <a:schemeClr val="tx2"/>
+              </a:solidFill>
+            </a:endParaRPr>
+          </a:p>
+          <a:p>
+            <a:endParaRPr lang="en-GB" sz="1800" dirty="0">
+              <a:solidFill>
+                <a:schemeClr val="tx2"/>
+              </a:solidFill>
+            </a:endParaRPr>
+          </a:p>
+          <a:p>
+            <a:endParaRPr lang="en-GB" sz="1800" dirty="0">
+              <a:solidFill>
+                <a:schemeClr val="tx2"/>
+              </a:solidFill>
+            </a:endParaRPr>
+          </a:p>
+        </p:txBody>
+      </p:sp>
+    </p:spTree>
+    <p:extLst>
+      <p:ext uri="{BB962C8B-B14F-4D97-AF65-F5344CB8AC3E}">
+        <p14:creationId xmlns:p14="http://schemas.microsoft.com/office/powerpoint/2010/main" val="1350769179"/>
+      </p:ext>
+    </p:extLst>
+  </p:cSld>
+  <p:clrMapOvr>
+    <a:masterClrMapping/>
+  </p:clrMapOvr>
+</p:sld>
+</file>
+
+<file path=ppt/slides/slide27.xml><?xml version="1.0" encoding="utf-8"?>
+<p:sld xmlns:a="http://schemas.openxmlformats.org/drawingml/2006/main" xmlns:r="http://schemas.openxmlformats.org/officeDocument/2006/relationships" xmlns:p="http://schemas.openxmlformats.org/presentationml/2006/main">
+  <p:cSld>
+    <p:spTree>
+      <p:nvGrpSpPr>
+        <p:cNvPr id="1" name=""/>
+        <p:cNvGrpSpPr/>
+        <p:nvPr/>
+      </p:nvGrpSpPr>
+      <p:grpSpPr>
+        <a:xfrm>
+          <a:off x="0" y="0"/>
+          <a:ext cx="0" cy="0"/>
+          <a:chOff x="0" y="0"/>
+          <a:chExt cx="0" cy="0"/>
+        </a:xfrm>
+      </p:grpSpPr>
+      <p:sp>
+        <p:nvSpPr>
+          <p:cNvPr id="2" name="Title 1"/>
+          <p:cNvSpPr>
+            <a:spLocks noGrp="1"/>
+          </p:cNvSpPr>
+          <p:nvPr>
+            <p:ph type="title"/>
+          </p:nvPr>
+        </p:nvSpPr>
+        <p:spPr/>
+        <p:txBody>
+          <a:bodyPr/>
+          <a:lstStyle/>
+          <a:p>
+            <a:r>
+              <a:rPr lang="en-GB" dirty="0" smtClean="0"/>
+              <a:t>Conclusion</a:t>
+            </a:r>
+            <a:endParaRPr lang="en-GB" dirty="0"/>
+          </a:p>
+        </p:txBody>
+      </p:sp>
+      <p:sp>
+        <p:nvSpPr>
+          <p:cNvPr id="3" name="Content Placeholder 2"/>
+          <p:cNvSpPr>
+            <a:spLocks noGrp="1"/>
+          </p:cNvSpPr>
+          <p:nvPr>
+            <p:ph idx="1"/>
+          </p:nvPr>
+        </p:nvSpPr>
+        <p:spPr/>
+        <p:txBody>
+          <a:bodyPr>
+            <a:normAutofit/>
+          </a:bodyPr>
+          <a:lstStyle/>
+          <a:p>
+            <a:pPr marL="0" indent="0">
+              <a:buNone/>
+            </a:pPr>
+            <a:r>
+              <a:rPr lang="en-GB" dirty="0" smtClean="0">
+                <a:solidFill>
+                  <a:schemeClr val="tx2"/>
+                </a:solidFill>
+              </a:rPr>
+              <a:t>Limitations</a:t>
+            </a:r>
+          </a:p>
+          <a:p>
+            <a:r>
+              <a:rPr lang="en-GB" dirty="0" smtClean="0">
+                <a:solidFill>
+                  <a:schemeClr val="tx2"/>
+                </a:solidFill>
+              </a:rPr>
+              <a:t>Relationships between predictor variables and target are not necessarily linear.</a:t>
+            </a:r>
+          </a:p>
+          <a:p>
+            <a:r>
+              <a:rPr lang="en-GB" dirty="0" smtClean="0">
+                <a:solidFill>
+                  <a:schemeClr val="tx2"/>
+                </a:solidFill>
+              </a:rPr>
+              <a:t>The amount of features and observations is not very large.</a:t>
+            </a:r>
+            <a:endParaRPr lang="en-GB" dirty="0" smtClean="0">
+              <a:solidFill>
+                <a:schemeClr val="tx2"/>
+              </a:solidFill>
+            </a:endParaRPr>
+          </a:p>
+          <a:p>
+            <a:pPr marL="0" indent="0">
+              <a:buNone/>
+            </a:pPr>
+            <a:endParaRPr lang="en-GB" dirty="0">
+              <a:solidFill>
+                <a:schemeClr val="tx2"/>
+              </a:solidFill>
+            </a:endParaRPr>
+          </a:p>
+          <a:p>
+            <a:pPr marL="0" indent="0">
+              <a:buNone/>
+            </a:pPr>
+            <a:r>
+              <a:rPr lang="en-GB" dirty="0" smtClean="0">
+                <a:solidFill>
+                  <a:schemeClr val="tx2"/>
+                </a:solidFill>
+              </a:rPr>
+              <a:t>Recommendations</a:t>
+            </a:r>
+          </a:p>
+          <a:p>
+            <a:r>
+              <a:rPr lang="en-GB" dirty="0" smtClean="0">
+                <a:solidFill>
+                  <a:schemeClr val="tx2"/>
+                </a:solidFill>
+              </a:rPr>
+              <a:t>Get more data.</a:t>
+            </a:r>
+          </a:p>
+          <a:p>
+            <a:r>
+              <a:rPr lang="en-GB" dirty="0" smtClean="0">
+                <a:solidFill>
+                  <a:schemeClr val="tx2"/>
+                </a:solidFill>
+              </a:rPr>
+              <a:t>Build model using XG Boost, as this algorithm tends to perform well when variables exhibit non-linear relationships.</a:t>
+            </a:r>
+            <a:endParaRPr lang="en-GB" dirty="0">
+              <a:solidFill>
+                <a:schemeClr val="tx2"/>
+              </a:solidFill>
+            </a:endParaRPr>
+          </a:p>
+          <a:p>
+            <a:endParaRPr lang="en-GB" dirty="0">
+              <a:solidFill>
+                <a:schemeClr val="tx2"/>
+              </a:solidFill>
+            </a:endParaRPr>
+          </a:p>
+        </p:txBody>
+      </p:sp>
+    </p:spTree>
+    <p:extLst>
+      <p:ext uri="{BB962C8B-B14F-4D97-AF65-F5344CB8AC3E}">
+        <p14:creationId xmlns:p14="http://schemas.microsoft.com/office/powerpoint/2010/main" val="3256216667"/>
+      </p:ext>
+    </p:extLst>
+  </p:cSld>
+  <p:clrMapOvr>
+    <a:masterClrMapping/>
+  </p:clrMapOvr>
+</p:sld>
+</file>
+
+<file path=ppt/slides/slide28.xml><?xml version="1.0" encoding="utf-8"?>
+<p:sld xmlns:a="http://schemas.openxmlformats.org/drawingml/2006/main" xmlns:r="http://schemas.openxmlformats.org/officeDocument/2006/relationships" xmlns:p="http://schemas.openxmlformats.org/presentationml/2006/main">
+  <p:cSld>
+    <p:spTree>
+      <p:nvGrpSpPr>
+        <p:cNvPr id="1" name=""/>
+        <p:cNvGrpSpPr/>
+        <p:nvPr/>
+      </p:nvGrpSpPr>
+      <p:grpSpPr>
+        <a:xfrm>
+          <a:off x="0" y="0"/>
+          <a:ext cx="0" cy="0"/>
+          <a:chOff x="0" y="0"/>
+          <a:chExt cx="0" cy="0"/>
+        </a:xfrm>
+      </p:grpSpPr>
+      <p:sp>
+        <p:nvSpPr>
+          <p:cNvPr id="2" name="Title 1"/>
+          <p:cNvSpPr>
+            <a:spLocks noGrp="1"/>
+          </p:cNvSpPr>
+          <p:nvPr>
+            <p:ph type="title"/>
+          </p:nvPr>
+        </p:nvSpPr>
+        <p:spPr/>
+        <p:txBody>
+          <a:bodyPr/>
+          <a:lstStyle/>
+          <a:p>
+            <a:r>
+              <a:rPr lang="en-GB" dirty="0" smtClean="0"/>
+              <a:t>Appendix: Dealing with outliers</a:t>
+            </a:r>
+            <a:endParaRPr lang="en-GB" dirty="0"/>
+          </a:p>
+        </p:txBody>
+      </p:sp>
+      <p:sp>
+        <p:nvSpPr>
+          <p:cNvPr id="3" name="Content Placeholder 2"/>
+          <p:cNvSpPr>
+            <a:spLocks noGrp="1"/>
+          </p:cNvSpPr>
+          <p:nvPr>
+            <p:ph idx="1"/>
+          </p:nvPr>
+        </p:nvSpPr>
+        <p:spPr/>
+        <p:txBody>
+          <a:bodyPr/>
+          <a:lstStyle/>
           <a:p>
             <a:pPr marL="3944938" lvl="1" indent="-534988"/>
-            <a:endParaRPr lang="en-GB" dirty="0" smtClean="0"/>
+            <a:endParaRPr lang="en-GB" dirty="0" smtClean="0">
+              <a:solidFill>
+                <a:schemeClr val="tx2"/>
+              </a:solidFill>
+            </a:endParaRPr>
           </a:p>
           <a:p>
             <a:pPr marL="3409950" lvl="1" indent="0">
               <a:buNone/>
             </a:pPr>
             <a:r>
-              <a:rPr lang="en-GB" dirty="0" smtClean="0"/>
+              <a:rPr lang="en-GB" dirty="0" smtClean="0">
+                <a:solidFill>
+                  <a:schemeClr val="tx2"/>
+                </a:solidFill>
+              </a:rPr>
               <a:t>No</a:t>
             </a:r>
             <a:r>
-              <a:rPr lang="en-GB" dirty="0"/>
+              <a:rPr lang="en-GB" dirty="0">
+                <a:solidFill>
+                  <a:schemeClr val="tx2"/>
+                </a:solidFill>
+              </a:rPr>
               <a:t>. Delinquencies In Last 2 </a:t>
             </a:r>
             <a:r>
-              <a:rPr lang="en-GB" dirty="0" smtClean="0"/>
+              <a:rPr lang="en-GB" dirty="0" smtClean="0">
+                <a:solidFill>
+                  <a:schemeClr val="tx2"/>
+                </a:solidFill>
+              </a:rPr>
               <a:t>Years:</a:t>
             </a:r>
           </a:p>
@@ -5881,7 +8570,11 @@
               <a:buNone/>
             </a:pPr>
             <a:r>
-              <a:rPr lang="en-GB" dirty="0" smtClean="0"/>
+              <a:rPr lang="en-GB" dirty="0" smtClean="0">
+                <a:solidFill>
+                  <a:schemeClr val="tx2"/>
+                </a:solidFill>
+              </a:rPr>
               <a:t>Take out values above 4</a:t>
             </a:r>
           </a:p>
@@ -5889,30 +8582,50 @@
             <a:pPr marL="3409950" lvl="2" indent="0">
               <a:buNone/>
             </a:pPr>
-            <a:endParaRPr lang="en-GB" dirty="0" smtClean="0"/>
+            <a:endParaRPr lang="en-GB" dirty="0" smtClean="0">
+              <a:solidFill>
+                <a:schemeClr val="tx2"/>
+              </a:solidFill>
+            </a:endParaRPr>
           </a:p>
           <a:p>
             <a:pPr marL="3409950" lvl="2" indent="0">
               <a:buNone/>
             </a:pPr>
-            <a:endParaRPr lang="en-GB" dirty="0"/>
+            <a:endParaRPr lang="en-GB" dirty="0">
+              <a:solidFill>
+                <a:schemeClr val="tx2"/>
+              </a:solidFill>
+            </a:endParaRPr>
           </a:p>
           <a:p>
             <a:pPr marL="3409950" lvl="2" indent="0">
               <a:buNone/>
             </a:pPr>
-            <a:endParaRPr lang="en-GB" dirty="0"/>
+            <a:endParaRPr lang="en-GB" dirty="0">
+              <a:solidFill>
+                <a:schemeClr val="tx2"/>
+              </a:solidFill>
+            </a:endParaRPr>
           </a:p>
           <a:p>
             <a:pPr marL="3409950" lvl="2" indent="0">
               <a:buNone/>
             </a:pPr>
             <a:r>
-              <a:rPr lang="en-GB" dirty="0"/>
+              <a:rPr lang="en-GB" dirty="0">
+                <a:solidFill>
+                  <a:schemeClr val="tx2"/>
+                </a:solidFill>
+              </a:rPr>
               <a:t>No. Inquiries In Last 6 </a:t>
             </a:r>
             <a:r>
-              <a:rPr lang="en-GB" dirty="0" smtClean="0"/>
+              <a:rPr lang="en-GB" dirty="0" smtClean="0">
+                <a:solidFill>
+                  <a:schemeClr val="tx2"/>
+                </a:solidFill>
+              </a:rPr>
               <a:t>Months:</a:t>
             </a:r>
           </a:p>
@@ -5921,10 +8634,18 @@
               <a:buNone/>
             </a:pPr>
             <a:r>
-              <a:rPr lang="en-GB" dirty="0" smtClean="0"/>
+              <a:rPr lang="en-GB" dirty="0" smtClean="0">
+                <a:solidFill>
+                  <a:schemeClr val="tx2"/>
+                </a:solidFill>
+              </a:rPr>
               <a:t>Take out values above 7</a:t>
             </a:r>
-            <a:endParaRPr lang="en-GB" dirty="0"/>
+            <a:endParaRPr lang="en-GB" dirty="0">
+              <a:solidFill>
+                <a:schemeClr val="tx2"/>
+              </a:solidFill>
+            </a:endParaRPr>
           </a:p>
         </p:txBody>
       </p:sp>
@@ -6039,7 +8760,7 @@
     </p:spTree>
     <p:extLst>
       <p:ext uri="{BB962C8B-B14F-4D97-AF65-F5344CB8AC3E}">
-        <p14:creationId xmlns:p14="http://schemas.microsoft.com/office/powerpoint/2010/main" val="2618199423"/>
+        <p14:creationId xmlns:p14="http://schemas.microsoft.com/office/powerpoint/2010/main" val="3999263318"/>
       </p:ext>
     </p:extLst>
   </p:cSld>
@@ -6049,7 +8770,7 @@
 </p:sld>
 </file>
 
-<file path=ppt/slides/slide19.xml><?xml version="1.0" encoding="utf-8"?>
+<file path=ppt/slides/slide29.xml><?xml version="1.0" encoding="utf-8"?>
 <p:sld xmlns:a="http://schemas.openxmlformats.org/drawingml/2006/main" xmlns:r="http://schemas.openxmlformats.org/officeDocument/2006/relationships" xmlns:p="http://schemas.openxmlformats.org/presentationml/2006/main">
   <p:cSld>
     <p:spTree>
@@ -6083,11 +8804,7 @@
           <a:p>
             <a:r>
               <a:rPr lang="en-GB" dirty="0" smtClean="0"/>
-              <a:t>Feature </a:t>
-            </a:r>
-            <a:r>
-              <a:rPr lang="en-GB" dirty="0" smtClean="0"/>
-              <a:t>engineering</a:t>
+              <a:t>Appendix: Dealing with outliers</a:t>
             </a:r>
             <a:endParaRPr lang="en-GB" dirty="0"/>
           </a:p>
@@ -6302,7 +9019,7 @@
     </p:spTree>
     <p:extLst>
       <p:ext uri="{BB962C8B-B14F-4D97-AF65-F5344CB8AC3E}">
-        <p14:creationId xmlns:p14="http://schemas.microsoft.com/office/powerpoint/2010/main" val="2618199423"/>
+        <p14:creationId xmlns:p14="http://schemas.microsoft.com/office/powerpoint/2010/main" val="3889755915"/>
       </p:ext>
     </p:extLst>
   </p:cSld>
@@ -6312,7 +9029,7 @@
 </p:sld>
 </file>
 
-<file path=ppt/slides/slide2.xml><?xml version="1.0" encoding="utf-8"?>
+<file path=ppt/slides/slide3.xml><?xml version="1.0" encoding="utf-8"?>
 <p:sld xmlns:a="http://schemas.openxmlformats.org/drawingml/2006/main" xmlns:r="http://schemas.openxmlformats.org/officeDocument/2006/relationships" xmlns:p="http://schemas.openxmlformats.org/presentationml/2006/main">
   <p:cSld>
     <p:spTree>
@@ -6346,7 +9063,7 @@
           <a:p>
             <a:r>
               <a:rPr lang="en-GB" dirty="0" smtClean="0"/>
-              <a:t>Approach and method</a:t>
+              <a:t>Project</a:t>
             </a:r>
             <a:endParaRPr lang="en-GB" dirty="0"/>
           </a:p>
@@ -6362,80 +9079,92 @@
             <p:ph idx="1"/>
           </p:nvPr>
         </p:nvSpPr>
-        <p:spPr/>
-        <p:txBody>
-          <a:bodyPr/>
-          <a:lstStyle/>
-          <a:p>
-            <a:r>
-              <a:rPr lang="en-GB" dirty="0" smtClean="0"/>
-              <a:t>Project</a:t>
-            </a:r>
-          </a:p>
-          <a:p>
-            <a:r>
-              <a:rPr lang="en-GB" dirty="0" smtClean="0"/>
-              <a:t>Dataset</a:t>
-            </a:r>
-          </a:p>
-          <a:p>
-            <a:r>
-              <a:rPr lang="en-GB" dirty="0" smtClean="0"/>
-              <a:t>Data exploration</a:t>
-            </a:r>
-          </a:p>
-          <a:p>
-            <a:r>
-              <a:rPr lang="en-GB" dirty="0" smtClean="0"/>
-              <a:t>Feature engineering</a:t>
-            </a:r>
-          </a:p>
-          <a:p>
-            <a:r>
-              <a:rPr lang="en-GB" dirty="0" smtClean="0"/>
-              <a:t>Classification</a:t>
-            </a:r>
-          </a:p>
-          <a:p>
-            <a:pPr lvl="1"/>
-            <a:r>
-              <a:rPr lang="en-GB" dirty="0" smtClean="0"/>
-              <a:t>Building basic logistic regression model</a:t>
-            </a:r>
-          </a:p>
-          <a:p>
-            <a:pPr lvl="1"/>
-            <a:r>
-              <a:rPr lang="en-GB" dirty="0" smtClean="0"/>
-              <a:t>Optimising model parameters</a:t>
-            </a:r>
-          </a:p>
-          <a:p>
-            <a:pPr lvl="1"/>
-            <a:r>
-              <a:rPr lang="en-GB" dirty="0" smtClean="0"/>
-              <a:t>Dimensionality reduction</a:t>
-            </a:r>
-          </a:p>
-          <a:p>
-            <a:r>
-              <a:rPr lang="en-GB" dirty="0" smtClean="0"/>
-              <a:t>Results</a:t>
-            </a:r>
-          </a:p>
-          <a:p>
-            <a:r>
-              <a:rPr lang="en-GB" dirty="0" smtClean="0"/>
-              <a:t>Conclusion</a:t>
-            </a:r>
-            <a:endParaRPr lang="en-GB" dirty="0"/>
+        <p:spPr>
+          <a:xfrm>
+            <a:off x="457200" y="1600200"/>
+            <a:ext cx="8219256" cy="4876800"/>
+          </a:xfrm>
+        </p:spPr>
+        <p:txBody>
+          <a:bodyPr>
+            <a:normAutofit/>
+          </a:bodyPr>
+          <a:lstStyle/>
+          <a:p>
+            <a:pPr marL="182563" indent="-182563"/>
+            <a:r>
+              <a:rPr lang="en-GB" dirty="0" smtClean="0">
+                <a:solidFill>
+                  <a:schemeClr val="tx2"/>
+                </a:solidFill>
+              </a:rPr>
+              <a:t>Predict customers’ creditworthiness </a:t>
+            </a:r>
+          </a:p>
+          <a:p>
+            <a:pPr marL="182563" indent="0">
+              <a:buNone/>
+            </a:pPr>
+            <a:r>
+              <a:rPr lang="en-GB" dirty="0" smtClean="0">
+                <a:solidFill>
+                  <a:schemeClr val="tx2"/>
+                </a:solidFill>
+              </a:rPr>
+              <a:t>(i.e. whether they will complete or default on a loan)</a:t>
+            </a:r>
+          </a:p>
+          <a:p>
+            <a:pPr marL="176213" indent="0">
+              <a:buNone/>
+            </a:pPr>
+            <a:endParaRPr lang="en-GB" sz="1600" dirty="0" smtClean="0">
+              <a:solidFill>
+                <a:schemeClr val="tx2"/>
+              </a:solidFill>
+            </a:endParaRPr>
+          </a:p>
+          <a:p>
+            <a:r>
+              <a:rPr lang="en-GB" dirty="0">
+                <a:solidFill>
+                  <a:schemeClr val="tx2"/>
+                </a:solidFill>
+              </a:rPr>
+              <a:t>Build and test a logistic regression model</a:t>
+            </a:r>
+          </a:p>
+          <a:p>
+            <a:pPr marL="285750" indent="-285750"/>
+            <a:endParaRPr lang="en-GB" dirty="0">
+              <a:solidFill>
+                <a:schemeClr val="tx2"/>
+              </a:solidFill>
+            </a:endParaRPr>
+          </a:p>
+          <a:p>
+            <a:r>
+              <a:rPr lang="en-GB" dirty="0">
+                <a:solidFill>
+                  <a:schemeClr val="tx2"/>
+                </a:solidFill>
+              </a:rPr>
+              <a:t>Use 70% of the data to build the model and then test the model using the remaining 30%</a:t>
+            </a:r>
+          </a:p>
+          <a:p>
+            <a:endParaRPr lang="en-GB" dirty="0">
+              <a:solidFill>
+                <a:schemeClr val="tx2"/>
+              </a:solidFill>
+            </a:endParaRPr>
           </a:p>
         </p:txBody>
       </p:sp>
     </p:spTree>
     <p:extLst>
       <p:ext uri="{BB962C8B-B14F-4D97-AF65-F5344CB8AC3E}">
-        <p14:creationId xmlns:p14="http://schemas.microsoft.com/office/powerpoint/2010/main" val="1574793907"/>
+        <p14:creationId xmlns:p14="http://schemas.microsoft.com/office/powerpoint/2010/main" val="497337622"/>
       </p:ext>
     </p:extLst>
   </p:cSld>
@@ -6445,7 +9174,7 @@
 </p:sld>
 </file>
 
-<file path=ppt/slides/slide20.xml><?xml version="1.0" encoding="utf-8"?>
+<file path=ppt/slides/slide30.xml><?xml version="1.0" encoding="utf-8"?>
 <p:sld xmlns:a="http://schemas.openxmlformats.org/drawingml/2006/main" xmlns:r="http://schemas.openxmlformats.org/officeDocument/2006/relationships" xmlns:p="http://schemas.openxmlformats.org/presentationml/2006/main">
   <p:cSld>
     <p:spTree>
@@ -6479,11 +9208,7 @@
           <a:p>
             <a:r>
               <a:rPr lang="en-GB" dirty="0" smtClean="0"/>
-              <a:t>Feature </a:t>
-            </a:r>
-            <a:r>
-              <a:rPr lang="en-GB" dirty="0" smtClean="0"/>
-              <a:t>engineering</a:t>
+              <a:t>Appendix: Dealing with outliers</a:t>
             </a:r>
             <a:endParaRPr lang="en-GB" dirty="0"/>
           </a:p>
@@ -6691,7 +9416,7 @@
     </p:spTree>
     <p:extLst>
       <p:ext uri="{BB962C8B-B14F-4D97-AF65-F5344CB8AC3E}">
-        <p14:creationId xmlns:p14="http://schemas.microsoft.com/office/powerpoint/2010/main" val="1894124640"/>
+        <p14:creationId xmlns:p14="http://schemas.microsoft.com/office/powerpoint/2010/main" val="581082473"/>
       </p:ext>
     </p:extLst>
   </p:cSld>
@@ -6701,7 +9426,7 @@
 </p:sld>
 </file>
 
-<file path=ppt/slides/slide21.xml><?xml version="1.0" encoding="utf-8"?>
+<file path=ppt/slides/slide31.xml><?xml version="1.0" encoding="utf-8"?>
 <p:sld xmlns:a="http://schemas.openxmlformats.org/drawingml/2006/main" xmlns:r="http://schemas.openxmlformats.org/officeDocument/2006/relationships" xmlns:p="http://schemas.openxmlformats.org/presentationml/2006/main">
   <p:cSld>
     <p:spTree>
@@ -6735,11 +9460,7 @@
           <a:p>
             <a:r>
               <a:rPr lang="en-GB" dirty="0" smtClean="0"/>
-              <a:t>Feature </a:t>
-            </a:r>
-            <a:r>
-              <a:rPr lang="en-GB" dirty="0" smtClean="0"/>
-              <a:t>engineering</a:t>
+              <a:t>Appendix: Dealing with outliers</a:t>
             </a:r>
             <a:endParaRPr lang="en-GB" dirty="0"/>
           </a:p>
@@ -6843,2377 +9564,7 @@
     </p:spTree>
     <p:extLst>
       <p:ext uri="{BB962C8B-B14F-4D97-AF65-F5344CB8AC3E}">
-        <p14:creationId xmlns:p14="http://schemas.microsoft.com/office/powerpoint/2010/main" val="1894124640"/>
-      </p:ext>
-    </p:extLst>
-  </p:cSld>
-  <p:clrMapOvr>
-    <a:masterClrMapping/>
-  </p:clrMapOvr>
-</p:sld>
-</file>
-
-<file path=ppt/slides/slide22.xml><?xml version="1.0" encoding="utf-8"?>
-<p:sld xmlns:a="http://schemas.openxmlformats.org/drawingml/2006/main" xmlns:r="http://schemas.openxmlformats.org/officeDocument/2006/relationships" xmlns:p="http://schemas.openxmlformats.org/presentationml/2006/main">
-  <p:cSld>
-    <p:spTree>
-      <p:nvGrpSpPr>
-        <p:cNvPr id="1" name=""/>
-        <p:cNvGrpSpPr/>
-        <p:nvPr/>
-      </p:nvGrpSpPr>
-      <p:grpSpPr>
-        <a:xfrm>
-          <a:off x="0" y="0"/>
-          <a:ext cx="0" cy="0"/>
-          <a:chOff x="0" y="0"/>
-          <a:chExt cx="0" cy="0"/>
-        </a:xfrm>
-      </p:grpSpPr>
-      <p:sp>
-        <p:nvSpPr>
-          <p:cNvPr id="2" name="Title 1"/>
-          <p:cNvSpPr>
-            <a:spLocks noGrp="1"/>
-          </p:cNvSpPr>
-          <p:nvPr>
-            <p:ph type="title"/>
-          </p:nvPr>
-        </p:nvSpPr>
-        <p:spPr/>
-        <p:txBody>
-          <a:bodyPr/>
-          <a:lstStyle/>
-          <a:p>
-            <a:r>
-              <a:rPr lang="en-GB" dirty="0" smtClean="0"/>
-              <a:t>Feature </a:t>
-            </a:r>
-            <a:r>
-              <a:rPr lang="en-GB" dirty="0" smtClean="0"/>
-              <a:t>engineering</a:t>
-            </a:r>
-            <a:endParaRPr lang="en-GB" dirty="0"/>
-          </a:p>
-        </p:txBody>
-      </p:sp>
-      <p:sp>
-        <p:nvSpPr>
-          <p:cNvPr id="3" name="Content Placeholder 2"/>
-          <p:cNvSpPr>
-            <a:spLocks noGrp="1"/>
-          </p:cNvSpPr>
-          <p:nvPr>
-            <p:ph idx="1"/>
-          </p:nvPr>
-        </p:nvSpPr>
-        <p:spPr>
-          <a:xfrm>
-            <a:off x="457200" y="1600200"/>
-            <a:ext cx="4618856" cy="4876800"/>
-          </a:xfrm>
-        </p:spPr>
-        <p:txBody>
-          <a:bodyPr>
-            <a:normAutofit/>
-          </a:bodyPr>
-          <a:lstStyle/>
-          <a:p>
-            <a:r>
-              <a:rPr lang="en-GB" sz="2000" dirty="0" smtClean="0"/>
-              <a:t>The dataset has been reduced to 24638 entries from 24776 observations</a:t>
-            </a:r>
-          </a:p>
-          <a:p>
-            <a:endParaRPr lang="en-GB" sz="2000" dirty="0" smtClean="0"/>
-          </a:p>
-          <a:p>
-            <a:r>
-              <a:rPr lang="en-GB" sz="2000" dirty="0" smtClean="0"/>
-              <a:t>The dataset now contains 46 feature columns</a:t>
-            </a:r>
-            <a:endParaRPr lang="en-GB" sz="2000" dirty="0"/>
-          </a:p>
-        </p:txBody>
-      </p:sp>
-      <p:pic>
-        <p:nvPicPr>
-          <p:cNvPr id="12291" name="Picture 3"/>
-          <p:cNvPicPr>
-            <a:picLocks noChangeAspect="1" noChangeArrowheads="1"/>
-          </p:cNvPicPr>
-          <p:nvPr/>
-        </p:nvPicPr>
-        <p:blipFill>
-          <a:blip r:embed="rId2">
-            <a:extLst>
-              <a:ext uri="{28A0092B-C50C-407E-A947-70E740481C1C}">
-                <a14:useLocalDpi xmlns:a14="http://schemas.microsoft.com/office/drawing/2010/main" val="0"/>
-              </a:ext>
-            </a:extLst>
-          </a:blip>
-          <a:srcRect/>
-          <a:stretch>
-            <a:fillRect/>
-          </a:stretch>
-        </p:blipFill>
-        <p:spPr bwMode="auto">
-          <a:xfrm>
-            <a:off x="5580112" y="789979"/>
-            <a:ext cx="3456384" cy="5944618"/>
-          </a:xfrm>
-          <a:prstGeom prst="rect">
-            <a:avLst/>
-          </a:prstGeom>
-          <a:noFill/>
-          <a:ln>
-            <a:noFill/>
-          </a:ln>
-          <a:extLst>
-            <a:ext uri="{909E8E84-426E-40DD-AFC4-6F175D3DCCD1}">
-              <a14:hiddenFill xmlns:a14="http://schemas.microsoft.com/office/drawing/2010/main">
-                <a:solidFill>
-                  <a:schemeClr val="accent1"/>
-                </a:solidFill>
-              </a14:hiddenFill>
-            </a:ext>
-            <a:ext uri="{91240B29-F687-4F45-9708-019B960494DF}">
-              <a14:hiddenLine xmlns:a14="http://schemas.microsoft.com/office/drawing/2010/main" w="9525">
-                <a:solidFill>
-                  <a:schemeClr val="tx1"/>
-                </a:solidFill>
-                <a:miter lim="800000"/>
-                <a:headEnd/>
-                <a:tailEnd/>
-              </a14:hiddenLine>
-            </a:ext>
-          </a:extLst>
-        </p:spPr>
-      </p:pic>
-    </p:spTree>
-    <p:extLst>
-      <p:ext uri="{BB962C8B-B14F-4D97-AF65-F5344CB8AC3E}">
-        <p14:creationId xmlns:p14="http://schemas.microsoft.com/office/powerpoint/2010/main" val="1894124640"/>
-      </p:ext>
-    </p:extLst>
-  </p:cSld>
-  <p:clrMapOvr>
-    <a:masterClrMapping/>
-  </p:clrMapOvr>
-</p:sld>
-</file>
-
-<file path=ppt/slides/slide23.xml><?xml version="1.0" encoding="utf-8"?>
-<p:sld xmlns:a="http://schemas.openxmlformats.org/drawingml/2006/main" xmlns:r="http://schemas.openxmlformats.org/officeDocument/2006/relationships" xmlns:p="http://schemas.openxmlformats.org/presentationml/2006/main">
-  <p:cSld>
-    <p:spTree>
-      <p:nvGrpSpPr>
-        <p:cNvPr id="1" name=""/>
-        <p:cNvGrpSpPr/>
-        <p:nvPr/>
-      </p:nvGrpSpPr>
-      <p:grpSpPr>
-        <a:xfrm>
-          <a:off x="0" y="0"/>
-          <a:ext cx="0" cy="0"/>
-          <a:chOff x="0" y="0"/>
-          <a:chExt cx="0" cy="0"/>
-        </a:xfrm>
-      </p:grpSpPr>
-      <p:sp>
-        <p:nvSpPr>
-          <p:cNvPr id="2" name="Title 1"/>
-          <p:cNvSpPr>
-            <a:spLocks noGrp="1"/>
-          </p:cNvSpPr>
-          <p:nvPr>
-            <p:ph type="title"/>
-          </p:nvPr>
-        </p:nvSpPr>
-        <p:spPr/>
-        <p:txBody>
-          <a:bodyPr/>
-          <a:lstStyle/>
-          <a:p>
-            <a:r>
-              <a:rPr lang="en-GB" dirty="0" smtClean="0"/>
-              <a:t>Feature </a:t>
-            </a:r>
-            <a:r>
-              <a:rPr lang="en-GB" dirty="0" smtClean="0"/>
-              <a:t>engineering</a:t>
-            </a:r>
-            <a:endParaRPr lang="en-GB" dirty="0"/>
-          </a:p>
-        </p:txBody>
-      </p:sp>
-      <p:sp>
-        <p:nvSpPr>
-          <p:cNvPr id="3" name="Content Placeholder 2"/>
-          <p:cNvSpPr>
-            <a:spLocks noGrp="1"/>
-          </p:cNvSpPr>
-          <p:nvPr>
-            <p:ph idx="1"/>
-          </p:nvPr>
-        </p:nvSpPr>
-        <p:spPr>
-          <a:xfrm>
-            <a:off x="457200" y="1720552"/>
-            <a:ext cx="8229600" cy="4876800"/>
-          </a:xfrm>
-        </p:spPr>
-        <p:txBody>
-          <a:bodyPr>
-            <a:normAutofit fontScale="92500" lnSpcReduction="20000"/>
-          </a:bodyPr>
-          <a:lstStyle/>
-          <a:p>
-            <a:r>
-              <a:rPr lang="en-GB" dirty="0" smtClean="0"/>
-              <a:t>Correlation matrix</a:t>
-            </a:r>
-          </a:p>
-          <a:p>
-            <a:endParaRPr lang="en-GB" dirty="0"/>
-          </a:p>
-          <a:p>
-            <a:endParaRPr lang="en-GB" dirty="0" smtClean="0"/>
-          </a:p>
-          <a:p>
-            <a:endParaRPr lang="en-GB" dirty="0"/>
-          </a:p>
-          <a:p>
-            <a:endParaRPr lang="en-GB" dirty="0" smtClean="0"/>
-          </a:p>
-          <a:p>
-            <a:endParaRPr lang="en-GB" dirty="0" smtClean="0"/>
-          </a:p>
-          <a:p>
-            <a:endParaRPr lang="en-GB" dirty="0"/>
-          </a:p>
-          <a:p>
-            <a:endParaRPr lang="en-GB" dirty="0"/>
-          </a:p>
-          <a:p>
-            <a:endParaRPr lang="en-GB" dirty="0" smtClean="0"/>
-          </a:p>
-          <a:p>
-            <a:endParaRPr lang="en-GB" dirty="0"/>
-          </a:p>
-          <a:p>
-            <a:endParaRPr lang="en-GB" dirty="0" smtClean="0"/>
-          </a:p>
-          <a:p>
-            <a:endParaRPr lang="en-GB" dirty="0"/>
-          </a:p>
-          <a:p>
-            <a:pPr marL="0" indent="0">
-              <a:buNone/>
-            </a:pPr>
-            <a:r>
-              <a:rPr lang="en-GB" sz="1700" dirty="0" smtClean="0"/>
-              <a:t>The correlation matrix indicates that there are some features with minimal correlation, which has to be addressed.</a:t>
-            </a:r>
-            <a:endParaRPr lang="en-GB" sz="1700" dirty="0"/>
-          </a:p>
-        </p:txBody>
-      </p:sp>
-      <p:pic>
-        <p:nvPicPr>
-          <p:cNvPr id="13314" name="Picture 2"/>
-          <p:cNvPicPr>
-            <a:picLocks noChangeAspect="1" noChangeArrowheads="1"/>
-          </p:cNvPicPr>
-          <p:nvPr/>
-        </p:nvPicPr>
-        <p:blipFill>
-          <a:blip r:embed="rId2">
-            <a:extLst>
-              <a:ext uri="{28A0092B-C50C-407E-A947-70E740481C1C}">
-                <a14:useLocalDpi xmlns:a14="http://schemas.microsoft.com/office/drawing/2010/main" val="0"/>
-              </a:ext>
-            </a:extLst>
-          </a:blip>
-          <a:srcRect/>
-          <a:stretch>
-            <a:fillRect/>
-          </a:stretch>
-        </p:blipFill>
-        <p:spPr bwMode="auto">
-          <a:xfrm>
-            <a:off x="683568" y="1484784"/>
-            <a:ext cx="5704498" cy="4104456"/>
-          </a:xfrm>
-          <a:prstGeom prst="rect">
-            <a:avLst/>
-          </a:prstGeom>
-          <a:noFill/>
-          <a:ln>
-            <a:noFill/>
-          </a:ln>
-          <a:extLst>
-            <a:ext uri="{909E8E84-426E-40DD-AFC4-6F175D3DCCD1}">
-              <a14:hiddenFill xmlns:a14="http://schemas.microsoft.com/office/drawing/2010/main">
-                <a:solidFill>
-                  <a:schemeClr val="accent1"/>
-                </a:solidFill>
-              </a14:hiddenFill>
-            </a:ext>
-            <a:ext uri="{91240B29-F687-4F45-9708-019B960494DF}">
-              <a14:hiddenLine xmlns:a14="http://schemas.microsoft.com/office/drawing/2010/main" w="9525">
-                <a:solidFill>
-                  <a:schemeClr val="tx1"/>
-                </a:solidFill>
-                <a:miter lim="800000"/>
-                <a:headEnd/>
-                <a:tailEnd/>
-              </a14:hiddenLine>
-            </a:ext>
-          </a:extLst>
-        </p:spPr>
-      </p:pic>
-    </p:spTree>
-    <p:extLst>
-      <p:ext uri="{BB962C8B-B14F-4D97-AF65-F5344CB8AC3E}">
-        <p14:creationId xmlns:p14="http://schemas.microsoft.com/office/powerpoint/2010/main" val="2618199423"/>
-      </p:ext>
-    </p:extLst>
-  </p:cSld>
-  <p:clrMapOvr>
-    <a:masterClrMapping/>
-  </p:clrMapOvr>
-</p:sld>
-</file>
-
-<file path=ppt/slides/slide24.xml><?xml version="1.0" encoding="utf-8"?>
-<p:sld xmlns:a="http://schemas.openxmlformats.org/drawingml/2006/main" xmlns:r="http://schemas.openxmlformats.org/officeDocument/2006/relationships" xmlns:p="http://schemas.openxmlformats.org/presentationml/2006/main">
-  <p:cSld>
-    <p:spTree>
-      <p:nvGrpSpPr>
-        <p:cNvPr id="1" name=""/>
-        <p:cNvGrpSpPr/>
-        <p:nvPr/>
-      </p:nvGrpSpPr>
-      <p:grpSpPr>
-        <a:xfrm>
-          <a:off x="0" y="0"/>
-          <a:ext cx="0" cy="0"/>
-          <a:chOff x="0" y="0"/>
-          <a:chExt cx="0" cy="0"/>
-        </a:xfrm>
-      </p:grpSpPr>
-      <p:sp>
-        <p:nvSpPr>
-          <p:cNvPr id="2" name="Title 1"/>
-          <p:cNvSpPr>
-            <a:spLocks noGrp="1"/>
-          </p:cNvSpPr>
-          <p:nvPr>
-            <p:ph type="title"/>
-          </p:nvPr>
-        </p:nvSpPr>
-        <p:spPr/>
-        <p:txBody>
-          <a:bodyPr>
-            <a:normAutofit/>
-          </a:bodyPr>
-          <a:lstStyle/>
-          <a:p>
-            <a:r>
-              <a:rPr lang="en-GB" dirty="0" smtClean="0"/>
-              <a:t>Classification</a:t>
-            </a:r>
-            <a:endParaRPr lang="en-GB" dirty="0"/>
-          </a:p>
-        </p:txBody>
-      </p:sp>
-      <p:sp>
-        <p:nvSpPr>
-          <p:cNvPr id="3" name="Content Placeholder 2"/>
-          <p:cNvSpPr>
-            <a:spLocks noGrp="1"/>
-          </p:cNvSpPr>
-          <p:nvPr>
-            <p:ph idx="1"/>
-          </p:nvPr>
-        </p:nvSpPr>
-        <p:spPr/>
-        <p:txBody>
-          <a:bodyPr/>
-          <a:lstStyle/>
-          <a:p>
-            <a:r>
-              <a:rPr lang="en-GB" dirty="0" smtClean="0"/>
-              <a:t>Define predictor variables (X) and target variable (y)</a:t>
-            </a:r>
-          </a:p>
-          <a:p>
-            <a:pPr lvl="1"/>
-            <a:r>
-              <a:rPr lang="en-GB" dirty="0" smtClean="0"/>
-              <a:t>y = ‘</a:t>
-            </a:r>
-            <a:r>
-              <a:rPr lang="en-GB" dirty="0" err="1" smtClean="0"/>
-              <a:t>Class_new</a:t>
-            </a:r>
-            <a:r>
-              <a:rPr lang="en-GB" dirty="0" smtClean="0"/>
-              <a:t> column containing ‘0’ for completed and ‘1’ for defaulted loan</a:t>
-            </a:r>
-          </a:p>
-          <a:p>
-            <a:pPr lvl="1"/>
-            <a:r>
-              <a:rPr lang="en-GB" dirty="0"/>
-              <a:t>X = transformed features excluding y</a:t>
-            </a:r>
-          </a:p>
-          <a:p>
-            <a:pPr lvl="1"/>
-            <a:endParaRPr lang="en-GB" dirty="0"/>
-          </a:p>
-          <a:p>
-            <a:r>
-              <a:rPr lang="en-GB" dirty="0" smtClean="0"/>
-              <a:t>Implement train </a:t>
-            </a:r>
-            <a:r>
-              <a:rPr lang="en-GB" dirty="0"/>
-              <a:t>test </a:t>
-            </a:r>
-            <a:r>
-              <a:rPr lang="en-GB" dirty="0" smtClean="0"/>
-              <a:t>split on X and y</a:t>
-            </a:r>
-          </a:p>
-          <a:p>
-            <a:r>
-              <a:rPr lang="en-GB" dirty="0" smtClean="0"/>
-              <a:t>70% train, 30% test</a:t>
-            </a:r>
-            <a:endParaRPr lang="en-GB" dirty="0"/>
-          </a:p>
-          <a:p>
-            <a:r>
-              <a:rPr lang="en-GB" dirty="0"/>
-              <a:t>S</a:t>
-            </a:r>
-            <a:r>
-              <a:rPr lang="en-GB" dirty="0" smtClean="0"/>
-              <a:t>tratify </a:t>
-            </a:r>
-            <a:r>
-              <a:rPr lang="en-GB" dirty="0"/>
-              <a:t>target y as </a:t>
-            </a:r>
-            <a:r>
-              <a:rPr lang="en-GB" dirty="0" smtClean="0"/>
-              <a:t>data may </a:t>
-            </a:r>
-            <a:r>
-              <a:rPr lang="en-GB" dirty="0"/>
-              <a:t>not be normally </a:t>
-            </a:r>
-            <a:r>
-              <a:rPr lang="en-GB" dirty="0" smtClean="0"/>
-              <a:t>distributed</a:t>
-            </a:r>
-          </a:p>
-          <a:p>
-            <a:endParaRPr lang="en-GB" dirty="0"/>
-          </a:p>
-        </p:txBody>
-      </p:sp>
-    </p:spTree>
-    <p:extLst>
-      <p:ext uri="{BB962C8B-B14F-4D97-AF65-F5344CB8AC3E}">
-        <p14:creationId xmlns:p14="http://schemas.microsoft.com/office/powerpoint/2010/main" val="1350769179"/>
-      </p:ext>
-    </p:extLst>
-  </p:cSld>
-  <p:clrMapOvr>
-    <a:masterClrMapping/>
-  </p:clrMapOvr>
-</p:sld>
-</file>
-
-<file path=ppt/slides/slide25.xml><?xml version="1.0" encoding="utf-8"?>
-<p:sld xmlns:a="http://schemas.openxmlformats.org/drawingml/2006/main" xmlns:r="http://schemas.openxmlformats.org/officeDocument/2006/relationships" xmlns:p="http://schemas.openxmlformats.org/presentationml/2006/main">
-  <p:cSld>
-    <p:spTree>
-      <p:nvGrpSpPr>
-        <p:cNvPr id="1" name=""/>
-        <p:cNvGrpSpPr/>
-        <p:nvPr/>
-      </p:nvGrpSpPr>
-      <p:grpSpPr>
-        <a:xfrm>
-          <a:off x="0" y="0"/>
-          <a:ext cx="0" cy="0"/>
-          <a:chOff x="0" y="0"/>
-          <a:chExt cx="0" cy="0"/>
-        </a:xfrm>
-      </p:grpSpPr>
-      <p:sp>
-        <p:nvSpPr>
-          <p:cNvPr id="2" name="Title 1"/>
-          <p:cNvSpPr>
-            <a:spLocks noGrp="1"/>
-          </p:cNvSpPr>
-          <p:nvPr>
-            <p:ph type="title"/>
-          </p:nvPr>
-        </p:nvSpPr>
-        <p:spPr/>
-        <p:txBody>
-          <a:bodyPr/>
-          <a:lstStyle/>
-          <a:p>
-            <a:r>
-              <a:rPr lang="en-GB" dirty="0" smtClean="0"/>
-              <a:t>Classification: Evaluation Metric</a:t>
-            </a:r>
-            <a:endParaRPr lang="en-GB" dirty="0"/>
-          </a:p>
-        </p:txBody>
-      </p:sp>
-      <p:sp>
-        <p:nvSpPr>
-          <p:cNvPr id="4" name="Content Placeholder 2"/>
-          <p:cNvSpPr>
-            <a:spLocks noGrp="1"/>
-          </p:cNvSpPr>
-          <p:nvPr>
-            <p:ph idx="1"/>
-          </p:nvPr>
-        </p:nvSpPr>
-        <p:spPr>
-          <a:xfrm>
-            <a:off x="467544" y="1556792"/>
-            <a:ext cx="8229600" cy="4876800"/>
-          </a:xfrm>
-        </p:spPr>
-        <p:txBody>
-          <a:bodyPr>
-            <a:normAutofit/>
-          </a:bodyPr>
-          <a:lstStyle/>
-          <a:p>
-            <a:r>
-              <a:rPr lang="en-GB" sz="1600" dirty="0" smtClean="0"/>
-              <a:t>AUC </a:t>
-            </a:r>
-            <a:r>
-              <a:rPr lang="en-GB" sz="1600" dirty="0" smtClean="0"/>
-              <a:t>(‘area under the curve’) score</a:t>
-            </a:r>
-          </a:p>
-          <a:p>
-            <a:endParaRPr lang="en-GB" sz="1600" dirty="0"/>
-          </a:p>
-          <a:p>
-            <a:pPr marL="171450" lvl="0" indent="-171450"/>
-            <a:r>
-              <a:rPr lang="en-GB" sz="1600" dirty="0" smtClean="0"/>
-              <a:t>TPR </a:t>
-            </a:r>
-            <a:r>
-              <a:rPr lang="en-GB" sz="1600" dirty="0"/>
-              <a:t>(also called Recall or Sensitivity) = sum total positives/sum of condition positive = TP/(TP+FN)</a:t>
-            </a:r>
-          </a:p>
-          <a:p>
-            <a:pPr lvl="0"/>
-            <a:endParaRPr lang="en-GB" sz="1600" dirty="0"/>
-          </a:p>
-          <a:p>
-            <a:pPr marL="171450" lvl="0" indent="-171450"/>
-            <a:r>
-              <a:rPr lang="en-GB" sz="1600" dirty="0"/>
-              <a:t>FPR (also called Fall-out) = sum of false positives/sum of condition negative = FP/(FP+TN)</a:t>
-            </a:r>
-          </a:p>
-          <a:p>
-            <a:endParaRPr lang="en-GB" sz="1600" dirty="0"/>
-          </a:p>
-          <a:p>
-            <a:r>
-              <a:rPr lang="en-GB" sz="1600" dirty="0"/>
-              <a:t>To combine the FPR and the TPR into one single metric, </a:t>
-            </a:r>
-            <a:r>
-              <a:rPr lang="en-GB" sz="1600" dirty="0" smtClean="0"/>
-              <a:t>the </a:t>
-            </a:r>
-            <a:r>
-              <a:rPr lang="en-GB" sz="1600" dirty="0"/>
-              <a:t>two </a:t>
-            </a:r>
-            <a:r>
-              <a:rPr lang="en-GB" sz="1600" dirty="0" smtClean="0"/>
-              <a:t>metrics are computed with using many different thresholds </a:t>
-            </a:r>
-            <a:r>
-              <a:rPr lang="en-GB" sz="1600" dirty="0"/>
-              <a:t>(for example 0.00;0.01,0.02,…,1.00 0.00;0.01,0.02,…,1.00 ) for the logistic </a:t>
-            </a:r>
-            <a:r>
-              <a:rPr lang="en-GB" sz="1600" dirty="0" smtClean="0"/>
-              <a:t>regression.</a:t>
-            </a:r>
-          </a:p>
-          <a:p>
-            <a:endParaRPr lang="en-GB" sz="1600" dirty="0" smtClean="0"/>
-          </a:p>
-          <a:p>
-            <a:r>
-              <a:rPr lang="en-GB" sz="1600" dirty="0" smtClean="0"/>
-              <a:t>The ROC curve </a:t>
-            </a:r>
-            <a:r>
-              <a:rPr lang="en-GB" sz="1600" dirty="0"/>
-              <a:t>is created by plotting the true positive rate (TPR) against the false positive rate (FPR) at various threshold settings.</a:t>
-            </a:r>
-          </a:p>
-          <a:p>
-            <a:endParaRPr lang="en-GB" sz="1600" dirty="0"/>
-          </a:p>
-          <a:p>
-            <a:pPr marL="171450" indent="-171450"/>
-            <a:endParaRPr lang="en-GB" sz="1600" dirty="0"/>
-          </a:p>
-          <a:p>
-            <a:r>
-              <a:rPr lang="en-GB" sz="1600" i="1" dirty="0"/>
-              <a:t>From www.wikipedia.com</a:t>
-            </a:r>
-          </a:p>
-          <a:p>
-            <a:endParaRPr lang="en-GB" sz="1600" dirty="0" smtClean="0"/>
-          </a:p>
-        </p:txBody>
-      </p:sp>
-    </p:spTree>
-    <p:extLst>
-      <p:ext uri="{BB962C8B-B14F-4D97-AF65-F5344CB8AC3E}">
-        <p14:creationId xmlns:p14="http://schemas.microsoft.com/office/powerpoint/2010/main" val="1566873030"/>
-      </p:ext>
-    </p:extLst>
-  </p:cSld>
-  <p:clrMapOvr>
-    <a:masterClrMapping/>
-  </p:clrMapOvr>
-</p:sld>
-</file>
-
-<file path=ppt/slides/slide26.xml><?xml version="1.0" encoding="utf-8"?>
-<p:sld xmlns:a="http://schemas.openxmlformats.org/drawingml/2006/main" xmlns:r="http://schemas.openxmlformats.org/officeDocument/2006/relationships" xmlns:p="http://schemas.openxmlformats.org/presentationml/2006/main">
-  <p:cSld>
-    <p:spTree>
-      <p:nvGrpSpPr>
-        <p:cNvPr id="1" name=""/>
-        <p:cNvGrpSpPr/>
-        <p:nvPr/>
-      </p:nvGrpSpPr>
-      <p:grpSpPr>
-        <a:xfrm>
-          <a:off x="0" y="0"/>
-          <a:ext cx="0" cy="0"/>
-          <a:chOff x="0" y="0"/>
-          <a:chExt cx="0" cy="0"/>
-        </a:xfrm>
-      </p:grpSpPr>
-      <p:sp>
-        <p:nvSpPr>
-          <p:cNvPr id="2" name="Title 1"/>
-          <p:cNvSpPr>
-            <a:spLocks noGrp="1"/>
-          </p:cNvSpPr>
-          <p:nvPr>
-            <p:ph type="title"/>
-          </p:nvPr>
-        </p:nvSpPr>
-        <p:spPr/>
-        <p:txBody>
-          <a:bodyPr>
-            <a:normAutofit/>
-          </a:bodyPr>
-          <a:lstStyle/>
-          <a:p>
-            <a:r>
-              <a:rPr lang="en-GB" dirty="0" smtClean="0"/>
-              <a:t>Classification </a:t>
-            </a:r>
-            <a:endParaRPr lang="en-GB" dirty="0"/>
-          </a:p>
-        </p:txBody>
-      </p:sp>
-      <p:sp>
-        <p:nvSpPr>
-          <p:cNvPr id="3" name="Content Placeholder 2"/>
-          <p:cNvSpPr>
-            <a:spLocks noGrp="1"/>
-          </p:cNvSpPr>
-          <p:nvPr>
-            <p:ph idx="1"/>
-          </p:nvPr>
-        </p:nvSpPr>
-        <p:spPr>
-          <a:xfrm>
-            <a:off x="457200" y="1340768"/>
-            <a:ext cx="8229600" cy="4876800"/>
-          </a:xfrm>
-        </p:spPr>
-        <p:txBody>
-          <a:bodyPr/>
-          <a:lstStyle/>
-          <a:p>
-            <a:r>
-              <a:rPr lang="en-GB" dirty="0"/>
-              <a:t>Build logistic regression model</a:t>
-            </a:r>
-          </a:p>
-          <a:p>
-            <a:endParaRPr lang="en-GB" dirty="0"/>
-          </a:p>
-        </p:txBody>
-      </p:sp>
-      <p:pic>
-        <p:nvPicPr>
-          <p:cNvPr id="1027" name="Picture 3"/>
-          <p:cNvPicPr>
-            <a:picLocks noChangeAspect="1" noChangeArrowheads="1"/>
-          </p:cNvPicPr>
-          <p:nvPr/>
-        </p:nvPicPr>
-        <p:blipFill>
-          <a:blip r:embed="rId2">
-            <a:extLst>
-              <a:ext uri="{28A0092B-C50C-407E-A947-70E740481C1C}">
-                <a14:useLocalDpi xmlns:a14="http://schemas.microsoft.com/office/drawing/2010/main" val="0"/>
-              </a:ext>
-            </a:extLst>
-          </a:blip>
-          <a:srcRect/>
-          <a:stretch>
-            <a:fillRect/>
-          </a:stretch>
-        </p:blipFill>
-        <p:spPr bwMode="auto">
-          <a:xfrm>
-            <a:off x="279976" y="2097256"/>
-            <a:ext cx="8482261" cy="3636000"/>
-          </a:xfrm>
-          <a:prstGeom prst="rect">
-            <a:avLst/>
-          </a:prstGeom>
-          <a:noFill/>
-          <a:ln>
-            <a:noFill/>
-          </a:ln>
-          <a:extLst>
-            <a:ext uri="{909E8E84-426E-40DD-AFC4-6F175D3DCCD1}">
-              <a14:hiddenFill xmlns:a14="http://schemas.microsoft.com/office/drawing/2010/main">
-                <a:solidFill>
-                  <a:schemeClr val="accent1"/>
-                </a:solidFill>
-              </a14:hiddenFill>
-            </a:ext>
-            <a:ext uri="{91240B29-F687-4F45-9708-019B960494DF}">
-              <a14:hiddenLine xmlns:a14="http://schemas.microsoft.com/office/drawing/2010/main" w="9525">
-                <a:solidFill>
-                  <a:schemeClr val="tx1"/>
-                </a:solidFill>
-                <a:miter lim="800000"/>
-                <a:headEnd/>
-                <a:tailEnd/>
-              </a14:hiddenLine>
-            </a:ext>
-          </a:extLst>
-        </p:spPr>
-      </p:pic>
-      <p:sp>
-        <p:nvSpPr>
-          <p:cNvPr id="4" name="Line Callout 2 3"/>
-          <p:cNvSpPr/>
-          <p:nvPr/>
-        </p:nvSpPr>
-        <p:spPr>
-          <a:xfrm>
-            <a:off x="6386884" y="1988840"/>
-            <a:ext cx="2361580" cy="936104"/>
-          </a:xfrm>
-          <a:prstGeom prst="borderCallout2">
-            <a:avLst>
-              <a:gd name="adj1" fmla="val 55198"/>
-              <a:gd name="adj2" fmla="val -7177"/>
-              <a:gd name="adj3" fmla="val 75609"/>
-              <a:gd name="adj4" fmla="val -13200"/>
-              <a:gd name="adj5" fmla="val 119269"/>
-              <a:gd name="adj6" fmla="val -14737"/>
-            </a:avLst>
-          </a:prstGeom>
-        </p:spPr>
-        <p:style>
-          <a:lnRef idx="2">
-            <a:schemeClr val="accent1">
-              <a:shade val="50000"/>
-            </a:schemeClr>
-          </a:lnRef>
-          <a:fillRef idx="1">
-            <a:schemeClr val="accent1"/>
-          </a:fillRef>
-          <a:effectRef idx="0">
-            <a:schemeClr val="accent1"/>
-          </a:effectRef>
-          <a:fontRef idx="minor">
-            <a:schemeClr val="lt1"/>
-          </a:fontRef>
-        </p:style>
-        <p:txBody>
-          <a:bodyPr rtlCol="0" anchor="t"/>
-          <a:lstStyle/>
-          <a:p>
-            <a:r>
-              <a:rPr lang="en-GB" b="1" dirty="0" smtClean="0"/>
-              <a:t>Add class weights to account for unbalanced classes</a:t>
-            </a:r>
-            <a:endParaRPr lang="en-GB" b="1" dirty="0"/>
-          </a:p>
-        </p:txBody>
-      </p:sp>
-      <p:sp>
-        <p:nvSpPr>
-          <p:cNvPr id="8" name="Line Callout 2 7"/>
-          <p:cNvSpPr/>
-          <p:nvPr/>
-        </p:nvSpPr>
-        <p:spPr>
-          <a:xfrm>
-            <a:off x="6588222" y="5733256"/>
-            <a:ext cx="2145557" cy="792088"/>
-          </a:xfrm>
-          <a:prstGeom prst="borderCallout2">
-            <a:avLst>
-              <a:gd name="adj1" fmla="val 18750"/>
-              <a:gd name="adj2" fmla="val -8333"/>
-              <a:gd name="adj3" fmla="val 18750"/>
-              <a:gd name="adj4" fmla="val -16667"/>
-              <a:gd name="adj5" fmla="val -7187"/>
-              <a:gd name="adj6" fmla="val -25834"/>
-            </a:avLst>
-          </a:prstGeom>
-        </p:spPr>
-        <p:style>
-          <a:lnRef idx="2">
-            <a:schemeClr val="accent1">
-              <a:shade val="50000"/>
-            </a:schemeClr>
-          </a:lnRef>
-          <a:fillRef idx="1">
-            <a:schemeClr val="accent1"/>
-          </a:fillRef>
-          <a:effectRef idx="0">
-            <a:schemeClr val="accent1"/>
-          </a:effectRef>
-          <a:fontRef idx="minor">
-            <a:schemeClr val="lt1"/>
-          </a:fontRef>
-        </p:style>
-        <p:txBody>
-          <a:bodyPr rtlCol="0" anchor="t"/>
-          <a:lstStyle/>
-          <a:p>
-            <a:r>
-              <a:rPr lang="en-GB" b="1" dirty="0" smtClean="0"/>
-              <a:t>Initial AUC score:</a:t>
-            </a:r>
-          </a:p>
-          <a:p>
-            <a:r>
-              <a:rPr lang="en-GB" b="1" dirty="0" smtClean="0"/>
-              <a:t>0.6584</a:t>
-            </a:r>
-            <a:endParaRPr lang="en-GB" b="1" dirty="0"/>
-          </a:p>
-        </p:txBody>
-      </p:sp>
-    </p:spTree>
-    <p:extLst>
-      <p:ext uri="{BB962C8B-B14F-4D97-AF65-F5344CB8AC3E}">
-        <p14:creationId xmlns:p14="http://schemas.microsoft.com/office/powerpoint/2010/main" val="3977697202"/>
-      </p:ext>
-    </p:extLst>
-  </p:cSld>
-  <p:clrMapOvr>
-    <a:masterClrMapping/>
-  </p:clrMapOvr>
-</p:sld>
-</file>
-
-<file path=ppt/slides/slide27.xml><?xml version="1.0" encoding="utf-8"?>
-<p:sld xmlns:a="http://schemas.openxmlformats.org/drawingml/2006/main" xmlns:r="http://schemas.openxmlformats.org/officeDocument/2006/relationships" xmlns:p="http://schemas.openxmlformats.org/presentationml/2006/main">
-  <p:cSld>
-    <p:spTree>
-      <p:nvGrpSpPr>
-        <p:cNvPr id="1" name=""/>
-        <p:cNvGrpSpPr/>
-        <p:nvPr/>
-      </p:nvGrpSpPr>
-      <p:grpSpPr>
-        <a:xfrm>
-          <a:off x="0" y="0"/>
-          <a:ext cx="0" cy="0"/>
-          <a:chOff x="0" y="0"/>
-          <a:chExt cx="0" cy="0"/>
-        </a:xfrm>
-      </p:grpSpPr>
-      <p:sp>
-        <p:nvSpPr>
-          <p:cNvPr id="2" name="Title 1"/>
-          <p:cNvSpPr>
-            <a:spLocks noGrp="1"/>
-          </p:cNvSpPr>
-          <p:nvPr>
-            <p:ph type="title"/>
-          </p:nvPr>
-        </p:nvSpPr>
-        <p:spPr/>
-        <p:txBody>
-          <a:bodyPr>
-            <a:normAutofit/>
-          </a:bodyPr>
-          <a:lstStyle/>
-          <a:p>
-            <a:r>
-              <a:rPr lang="en-GB" dirty="0" smtClean="0"/>
-              <a:t>Classification</a:t>
-            </a:r>
-            <a:endParaRPr lang="en-GB" dirty="0"/>
-          </a:p>
-        </p:txBody>
-      </p:sp>
-      <p:sp>
-        <p:nvSpPr>
-          <p:cNvPr id="3" name="Content Placeholder 2"/>
-          <p:cNvSpPr>
-            <a:spLocks noGrp="1"/>
-          </p:cNvSpPr>
-          <p:nvPr>
-            <p:ph idx="1"/>
-          </p:nvPr>
-        </p:nvSpPr>
-        <p:spPr>
-          <a:xfrm>
-            <a:off x="420704" y="1333216"/>
-            <a:ext cx="8229600" cy="4876800"/>
-          </a:xfrm>
-        </p:spPr>
-        <p:txBody>
-          <a:bodyPr/>
-          <a:lstStyle/>
-          <a:p>
-            <a:r>
-              <a:rPr lang="en-GB" dirty="0" smtClean="0"/>
-              <a:t>Optimise logistic regression model </a:t>
-            </a:r>
-            <a:endParaRPr lang="en-GB" dirty="0"/>
-          </a:p>
-        </p:txBody>
-      </p:sp>
-      <p:pic>
-        <p:nvPicPr>
-          <p:cNvPr id="2051" name="Picture 3"/>
-          <p:cNvPicPr>
-            <a:picLocks noChangeAspect="1" noChangeArrowheads="1"/>
-          </p:cNvPicPr>
-          <p:nvPr/>
-        </p:nvPicPr>
-        <p:blipFill>
-          <a:blip r:embed="rId2">
-            <a:extLst>
-              <a:ext uri="{28A0092B-C50C-407E-A947-70E740481C1C}">
-                <a14:useLocalDpi xmlns:a14="http://schemas.microsoft.com/office/drawing/2010/main" val="0"/>
-              </a:ext>
-            </a:extLst>
-          </a:blip>
-          <a:srcRect/>
-          <a:stretch>
-            <a:fillRect/>
-          </a:stretch>
-        </p:blipFill>
-        <p:spPr bwMode="auto">
-          <a:xfrm>
-            <a:off x="107504" y="1771474"/>
-            <a:ext cx="8856000" cy="5041902"/>
-          </a:xfrm>
-          <a:prstGeom prst="rect">
-            <a:avLst/>
-          </a:prstGeom>
-          <a:noFill/>
-          <a:ln>
-            <a:noFill/>
-          </a:ln>
-          <a:extLst>
-            <a:ext uri="{909E8E84-426E-40DD-AFC4-6F175D3DCCD1}">
-              <a14:hiddenFill xmlns:a14="http://schemas.microsoft.com/office/drawing/2010/main">
-                <a:solidFill>
-                  <a:schemeClr val="accent1"/>
-                </a:solidFill>
-              </a14:hiddenFill>
-            </a:ext>
-            <a:ext uri="{91240B29-F687-4F45-9708-019B960494DF}">
-              <a14:hiddenLine xmlns:a14="http://schemas.microsoft.com/office/drawing/2010/main" w="9525">
-                <a:solidFill>
-                  <a:schemeClr val="tx1"/>
-                </a:solidFill>
-                <a:miter lim="800000"/>
-                <a:headEnd/>
-                <a:tailEnd/>
-              </a14:hiddenLine>
-            </a:ext>
-          </a:extLst>
-        </p:spPr>
-      </p:pic>
-      <p:sp>
-        <p:nvSpPr>
-          <p:cNvPr id="7" name="Line Callout 2 6"/>
-          <p:cNvSpPr/>
-          <p:nvPr/>
-        </p:nvSpPr>
-        <p:spPr>
-          <a:xfrm>
-            <a:off x="6602908" y="2996952"/>
-            <a:ext cx="2361580" cy="936104"/>
-          </a:xfrm>
-          <a:prstGeom prst="borderCallout2">
-            <a:avLst>
-              <a:gd name="adj1" fmla="val 55199"/>
-              <a:gd name="adj2" fmla="val -5443"/>
-              <a:gd name="adj3" fmla="val 71235"/>
-              <a:gd name="adj4" fmla="val -17245"/>
-              <a:gd name="adj5" fmla="val 126559"/>
-              <a:gd name="adj6" fmla="val -85820"/>
-            </a:avLst>
-          </a:prstGeom>
-        </p:spPr>
-        <p:style>
-          <a:lnRef idx="2">
-            <a:schemeClr val="accent1">
-              <a:shade val="50000"/>
-            </a:schemeClr>
-          </a:lnRef>
-          <a:fillRef idx="1">
-            <a:schemeClr val="accent1"/>
-          </a:fillRef>
-          <a:effectRef idx="0">
-            <a:schemeClr val="accent1"/>
-          </a:effectRef>
-          <a:fontRef idx="minor">
-            <a:schemeClr val="lt1"/>
-          </a:fontRef>
-        </p:style>
-        <p:txBody>
-          <a:bodyPr rtlCol="0" anchor="t"/>
-          <a:lstStyle/>
-          <a:p>
-            <a:r>
-              <a:rPr lang="en-GB" b="1" dirty="0" smtClean="0"/>
-              <a:t>Use </a:t>
-            </a:r>
-            <a:r>
-              <a:rPr lang="en-GB" b="1" dirty="0" err="1" smtClean="0"/>
-              <a:t>GridSearchCV</a:t>
-            </a:r>
-            <a:r>
-              <a:rPr lang="en-GB" b="1" dirty="0" smtClean="0"/>
-              <a:t> to find best model parameters</a:t>
-            </a:r>
-            <a:endParaRPr lang="en-GB" b="1" dirty="0"/>
-          </a:p>
-        </p:txBody>
-      </p:sp>
-      <p:sp>
-        <p:nvSpPr>
-          <p:cNvPr id="8" name="Line Callout 2 7"/>
-          <p:cNvSpPr/>
-          <p:nvPr/>
-        </p:nvSpPr>
-        <p:spPr>
-          <a:xfrm>
-            <a:off x="6602908" y="5805264"/>
-            <a:ext cx="2361580" cy="936104"/>
-          </a:xfrm>
-          <a:prstGeom prst="borderCallout2">
-            <a:avLst>
-              <a:gd name="adj1" fmla="val 84357"/>
-              <a:gd name="adj2" fmla="val -2554"/>
-              <a:gd name="adj3" fmla="val 84357"/>
-              <a:gd name="adj4" fmla="val -17245"/>
-              <a:gd name="adj5" fmla="val 93024"/>
-              <a:gd name="adj6" fmla="val -49989"/>
-            </a:avLst>
-          </a:prstGeom>
-        </p:spPr>
-        <p:style>
-          <a:lnRef idx="2">
-            <a:schemeClr val="accent1">
-              <a:shade val="50000"/>
-            </a:schemeClr>
-          </a:lnRef>
-          <a:fillRef idx="1">
-            <a:schemeClr val="accent1"/>
-          </a:fillRef>
-          <a:effectRef idx="0">
-            <a:schemeClr val="accent1"/>
-          </a:effectRef>
-          <a:fontRef idx="minor">
-            <a:schemeClr val="lt1"/>
-          </a:fontRef>
-        </p:style>
-        <p:txBody>
-          <a:bodyPr rtlCol="0" anchor="t"/>
-          <a:lstStyle/>
-          <a:p>
-            <a:r>
-              <a:rPr lang="en-GB" b="1" dirty="0" smtClean="0"/>
-              <a:t>The optimised model generates an AUC of 0.6590</a:t>
-            </a:r>
-            <a:endParaRPr lang="en-GB" b="1" dirty="0"/>
-          </a:p>
-        </p:txBody>
-      </p:sp>
-    </p:spTree>
-    <p:extLst>
-      <p:ext uri="{BB962C8B-B14F-4D97-AF65-F5344CB8AC3E}">
-        <p14:creationId xmlns:p14="http://schemas.microsoft.com/office/powerpoint/2010/main" val="3977697202"/>
-      </p:ext>
-    </p:extLst>
-  </p:cSld>
-  <p:clrMapOvr>
-    <a:masterClrMapping/>
-  </p:clrMapOvr>
-</p:sld>
-</file>
-
-<file path=ppt/slides/slide28.xml><?xml version="1.0" encoding="utf-8"?>
-<p:sld xmlns:a="http://schemas.openxmlformats.org/drawingml/2006/main" xmlns:r="http://schemas.openxmlformats.org/officeDocument/2006/relationships" xmlns:p="http://schemas.openxmlformats.org/presentationml/2006/main">
-  <p:cSld>
-    <p:spTree>
-      <p:nvGrpSpPr>
-        <p:cNvPr id="1" name=""/>
-        <p:cNvGrpSpPr/>
-        <p:nvPr/>
-      </p:nvGrpSpPr>
-      <p:grpSpPr>
-        <a:xfrm>
-          <a:off x="0" y="0"/>
-          <a:ext cx="0" cy="0"/>
-          <a:chOff x="0" y="0"/>
-          <a:chExt cx="0" cy="0"/>
-        </a:xfrm>
-      </p:grpSpPr>
-      <p:sp>
-        <p:nvSpPr>
-          <p:cNvPr id="2" name="Title 1"/>
-          <p:cNvSpPr>
-            <a:spLocks noGrp="1"/>
-          </p:cNvSpPr>
-          <p:nvPr>
-            <p:ph type="title"/>
-          </p:nvPr>
-        </p:nvSpPr>
-        <p:spPr/>
-        <p:txBody>
-          <a:bodyPr>
-            <a:normAutofit/>
-          </a:bodyPr>
-          <a:lstStyle/>
-          <a:p>
-            <a:r>
-              <a:rPr lang="en-GB" dirty="0" smtClean="0"/>
-              <a:t>Classification</a:t>
-            </a:r>
-            <a:endParaRPr lang="en-GB" dirty="0"/>
-          </a:p>
-        </p:txBody>
-      </p:sp>
-      <p:sp>
-        <p:nvSpPr>
-          <p:cNvPr id="3" name="Content Placeholder 2"/>
-          <p:cNvSpPr>
-            <a:spLocks noGrp="1"/>
-          </p:cNvSpPr>
-          <p:nvPr>
-            <p:ph idx="1"/>
-          </p:nvPr>
-        </p:nvSpPr>
-        <p:spPr>
-          <a:xfrm>
-            <a:off x="457200" y="1340768"/>
-            <a:ext cx="8229600" cy="4876800"/>
-          </a:xfrm>
-        </p:spPr>
-        <p:txBody>
-          <a:bodyPr/>
-          <a:lstStyle/>
-          <a:p>
-            <a:r>
-              <a:rPr lang="en-GB" dirty="0" smtClean="0"/>
-              <a:t>Identifying the optimal subset of features through recursive feature elimination using a backward approach</a:t>
-            </a:r>
-          </a:p>
-        </p:txBody>
-      </p:sp>
-      <p:pic>
-        <p:nvPicPr>
-          <p:cNvPr id="3075" name="Picture 3"/>
-          <p:cNvPicPr>
-            <a:picLocks noChangeAspect="1" noChangeArrowheads="1"/>
-          </p:cNvPicPr>
-          <p:nvPr/>
-        </p:nvPicPr>
-        <p:blipFill>
-          <a:blip r:embed="rId2">
-            <a:extLst>
-              <a:ext uri="{28A0092B-C50C-407E-A947-70E740481C1C}">
-                <a14:useLocalDpi xmlns:a14="http://schemas.microsoft.com/office/drawing/2010/main" val="0"/>
-              </a:ext>
-            </a:extLst>
-          </a:blip>
-          <a:srcRect/>
-          <a:stretch>
-            <a:fillRect/>
-          </a:stretch>
-        </p:blipFill>
-        <p:spPr bwMode="auto">
-          <a:xfrm>
-            <a:off x="179512" y="2564904"/>
-            <a:ext cx="8815908" cy="2394124"/>
-          </a:xfrm>
-          <a:prstGeom prst="rect">
-            <a:avLst/>
-          </a:prstGeom>
-          <a:noFill/>
-          <a:ln>
-            <a:noFill/>
-          </a:ln>
-          <a:extLst>
-            <a:ext uri="{909E8E84-426E-40DD-AFC4-6F175D3DCCD1}">
-              <a14:hiddenFill xmlns:a14="http://schemas.microsoft.com/office/drawing/2010/main">
-                <a:solidFill>
-                  <a:schemeClr val="accent1"/>
-                </a:solidFill>
-              </a14:hiddenFill>
-            </a:ext>
-            <a:ext uri="{91240B29-F687-4F45-9708-019B960494DF}">
-              <a14:hiddenLine xmlns:a14="http://schemas.microsoft.com/office/drawing/2010/main" w="9525">
-                <a:solidFill>
-                  <a:schemeClr val="tx1"/>
-                </a:solidFill>
-                <a:miter lim="800000"/>
-                <a:headEnd/>
-                <a:tailEnd/>
-              </a14:hiddenLine>
-            </a:ext>
-          </a:extLst>
-        </p:spPr>
-      </p:pic>
-      <p:sp>
-        <p:nvSpPr>
-          <p:cNvPr id="6" name="Line Callout 2 5"/>
-          <p:cNvSpPr/>
-          <p:nvPr/>
-        </p:nvSpPr>
-        <p:spPr>
-          <a:xfrm>
-            <a:off x="6876256" y="2564904"/>
-            <a:ext cx="2088232" cy="936104"/>
-          </a:xfrm>
-          <a:prstGeom prst="borderCallout2">
-            <a:avLst>
-              <a:gd name="adj1" fmla="val 31871"/>
-              <a:gd name="adj2" fmla="val -3132"/>
-              <a:gd name="adj3" fmla="val 43535"/>
-              <a:gd name="adj4" fmla="val -23602"/>
-              <a:gd name="adj5" fmla="val 74070"/>
-              <a:gd name="adj6" fmla="val -110091"/>
-            </a:avLst>
-          </a:prstGeom>
-        </p:spPr>
-        <p:style>
-          <a:lnRef idx="2">
-            <a:schemeClr val="accent1">
-              <a:shade val="50000"/>
-            </a:schemeClr>
-          </a:lnRef>
-          <a:fillRef idx="1">
-            <a:schemeClr val="accent1"/>
-          </a:fillRef>
-          <a:effectRef idx="0">
-            <a:schemeClr val="accent1"/>
-          </a:effectRef>
-          <a:fontRef idx="minor">
-            <a:schemeClr val="lt1"/>
-          </a:fontRef>
-        </p:style>
-        <p:txBody>
-          <a:bodyPr rtlCol="0" anchor="t"/>
-          <a:lstStyle/>
-          <a:p>
-            <a:r>
-              <a:rPr lang="en-GB" b="1" dirty="0" smtClean="0"/>
-              <a:t>The optimal number of features is 39</a:t>
-            </a:r>
-            <a:endParaRPr lang="en-GB" b="1" dirty="0"/>
-          </a:p>
-        </p:txBody>
-      </p:sp>
-      <p:sp>
-        <p:nvSpPr>
-          <p:cNvPr id="7" name="Line Callout 2 6"/>
-          <p:cNvSpPr/>
-          <p:nvPr/>
-        </p:nvSpPr>
-        <p:spPr>
-          <a:xfrm>
-            <a:off x="6876256" y="5373216"/>
-            <a:ext cx="2073548" cy="1296144"/>
-          </a:xfrm>
-          <a:prstGeom prst="borderCallout2">
-            <a:avLst>
-              <a:gd name="adj1" fmla="val -11867"/>
-              <a:gd name="adj2" fmla="val 54080"/>
-              <a:gd name="adj3" fmla="val -11866"/>
-              <a:gd name="adj4" fmla="val 54994"/>
-              <a:gd name="adj5" fmla="val -30334"/>
-              <a:gd name="adj6" fmla="val 34386"/>
-            </a:avLst>
-          </a:prstGeom>
-        </p:spPr>
-        <p:style>
-          <a:lnRef idx="2">
-            <a:schemeClr val="accent1">
-              <a:shade val="50000"/>
-            </a:schemeClr>
-          </a:lnRef>
-          <a:fillRef idx="1">
-            <a:schemeClr val="accent1"/>
-          </a:fillRef>
-          <a:effectRef idx="0">
-            <a:schemeClr val="accent1"/>
-          </a:effectRef>
-          <a:fontRef idx="minor">
-            <a:schemeClr val="lt1"/>
-          </a:fontRef>
-        </p:style>
-        <p:txBody>
-          <a:bodyPr rtlCol="0" anchor="t"/>
-          <a:lstStyle/>
-          <a:p>
-            <a:r>
-              <a:rPr lang="en-GB" b="1" dirty="0" smtClean="0"/>
-              <a:t>Using the model with reduced features, the score is 0.6600</a:t>
-            </a:r>
-            <a:endParaRPr lang="en-GB" b="1" dirty="0"/>
-          </a:p>
-        </p:txBody>
-      </p:sp>
-    </p:spTree>
-    <p:extLst>
-      <p:ext uri="{BB962C8B-B14F-4D97-AF65-F5344CB8AC3E}">
-        <p14:creationId xmlns:p14="http://schemas.microsoft.com/office/powerpoint/2010/main" val="164632408"/>
-      </p:ext>
-    </p:extLst>
-  </p:cSld>
-  <p:clrMapOvr>
-    <a:masterClrMapping/>
-  </p:clrMapOvr>
-</p:sld>
-</file>
-
-<file path=ppt/slides/slide29.xml><?xml version="1.0" encoding="utf-8"?>
-<p:sld xmlns:a="http://schemas.openxmlformats.org/drawingml/2006/main" xmlns:r="http://schemas.openxmlformats.org/officeDocument/2006/relationships" xmlns:p="http://schemas.openxmlformats.org/presentationml/2006/main">
-  <p:cSld>
-    <p:spTree>
-      <p:nvGrpSpPr>
-        <p:cNvPr id="1" name=""/>
-        <p:cNvGrpSpPr/>
-        <p:nvPr/>
-      </p:nvGrpSpPr>
-      <p:grpSpPr>
-        <a:xfrm>
-          <a:off x="0" y="0"/>
-          <a:ext cx="0" cy="0"/>
-          <a:chOff x="0" y="0"/>
-          <a:chExt cx="0" cy="0"/>
-        </a:xfrm>
-      </p:grpSpPr>
-      <p:sp>
-        <p:nvSpPr>
-          <p:cNvPr id="2" name="Title 1"/>
-          <p:cNvSpPr>
-            <a:spLocks noGrp="1"/>
-          </p:cNvSpPr>
-          <p:nvPr>
-            <p:ph type="title"/>
-          </p:nvPr>
-        </p:nvSpPr>
-        <p:spPr/>
-        <p:txBody>
-          <a:bodyPr/>
-          <a:lstStyle/>
-          <a:p>
-            <a:r>
-              <a:rPr lang="en-GB" dirty="0" smtClean="0"/>
-              <a:t>Results</a:t>
-            </a:r>
-            <a:endParaRPr lang="en-GB" dirty="0"/>
-          </a:p>
-        </p:txBody>
-      </p:sp>
-      <p:sp>
-        <p:nvSpPr>
-          <p:cNvPr id="3" name="Content Placeholder 2"/>
-          <p:cNvSpPr>
-            <a:spLocks noGrp="1"/>
-          </p:cNvSpPr>
-          <p:nvPr>
-            <p:ph idx="1"/>
-          </p:nvPr>
-        </p:nvSpPr>
-        <p:spPr>
-          <a:xfrm>
-            <a:off x="467544" y="1556792"/>
-            <a:ext cx="8229600" cy="4876800"/>
-          </a:xfrm>
-        </p:spPr>
-        <p:txBody>
-          <a:bodyPr/>
-          <a:lstStyle/>
-          <a:p>
-            <a:r>
-              <a:rPr lang="en-GB" dirty="0" smtClean="0"/>
-              <a:t>The final model delivered an AUC score of 0.6600.</a:t>
-            </a:r>
-          </a:p>
-          <a:p>
-            <a:pPr marL="0" indent="0">
-              <a:buNone/>
-            </a:pPr>
-            <a:endParaRPr lang="en-GB" dirty="0" smtClean="0"/>
-          </a:p>
-          <a:p>
-            <a:r>
-              <a:rPr lang="en-GB" dirty="0" smtClean="0"/>
-              <a:t>This can be interpreted </a:t>
-            </a:r>
-            <a:r>
-              <a:rPr lang="en-GB" dirty="0"/>
-              <a:t>as the probability that a randomly chosen positive example ranks </a:t>
-            </a:r>
-            <a:r>
-              <a:rPr lang="en-GB" dirty="0" smtClean="0"/>
-              <a:t>is </a:t>
-            </a:r>
-            <a:r>
-              <a:rPr lang="en-GB" dirty="0"/>
-              <a:t>deemed to have a higher probability of being positive </a:t>
-            </a:r>
-            <a:r>
-              <a:rPr lang="en-GB" dirty="0" smtClean="0"/>
-              <a:t>than </a:t>
-            </a:r>
-            <a:r>
-              <a:rPr lang="en-GB" dirty="0"/>
-              <a:t>a randomly chosen negative example</a:t>
-            </a:r>
-            <a:r>
-              <a:rPr lang="en-GB" dirty="0" smtClean="0"/>
-              <a:t>.</a:t>
-            </a:r>
-          </a:p>
-          <a:p>
-            <a:endParaRPr lang="en-GB" dirty="0"/>
-          </a:p>
-          <a:p>
-            <a:r>
-              <a:rPr lang="en-GB" dirty="0" smtClean="0"/>
-              <a:t>Parameter tuning and feature elimination improved the score.</a:t>
-            </a:r>
-            <a:endParaRPr lang="en-GB" dirty="0"/>
-          </a:p>
-          <a:p>
-            <a:endParaRPr lang="en-GB" dirty="0" smtClean="0"/>
-          </a:p>
-        </p:txBody>
-      </p:sp>
-    </p:spTree>
-    <p:extLst>
-      <p:ext uri="{BB962C8B-B14F-4D97-AF65-F5344CB8AC3E}">
-        <p14:creationId xmlns:p14="http://schemas.microsoft.com/office/powerpoint/2010/main" val="3947735532"/>
-      </p:ext>
-    </p:extLst>
-  </p:cSld>
-  <p:clrMapOvr>
-    <a:masterClrMapping/>
-  </p:clrMapOvr>
-</p:sld>
-</file>
-
-<file path=ppt/slides/slide3.xml><?xml version="1.0" encoding="utf-8"?>
-<p:sld xmlns:a="http://schemas.openxmlformats.org/drawingml/2006/main" xmlns:r="http://schemas.openxmlformats.org/officeDocument/2006/relationships" xmlns:p="http://schemas.openxmlformats.org/presentationml/2006/main">
-  <p:cSld>
-    <p:spTree>
-      <p:nvGrpSpPr>
-        <p:cNvPr id="1" name=""/>
-        <p:cNvGrpSpPr/>
-        <p:nvPr/>
-      </p:nvGrpSpPr>
-      <p:grpSpPr>
-        <a:xfrm>
-          <a:off x="0" y="0"/>
-          <a:ext cx="0" cy="0"/>
-          <a:chOff x="0" y="0"/>
-          <a:chExt cx="0" cy="0"/>
-        </a:xfrm>
-      </p:grpSpPr>
-      <p:sp>
-        <p:nvSpPr>
-          <p:cNvPr id="2" name="Title 1"/>
-          <p:cNvSpPr>
-            <a:spLocks noGrp="1"/>
-          </p:cNvSpPr>
-          <p:nvPr>
-            <p:ph type="title"/>
-          </p:nvPr>
-        </p:nvSpPr>
-        <p:spPr/>
-        <p:txBody>
-          <a:bodyPr/>
-          <a:lstStyle/>
-          <a:p>
-            <a:r>
-              <a:rPr lang="en-GB" dirty="0" smtClean="0"/>
-              <a:t>Project</a:t>
-            </a:r>
-            <a:endParaRPr lang="en-GB" dirty="0"/>
-          </a:p>
-        </p:txBody>
-      </p:sp>
-      <p:sp>
-        <p:nvSpPr>
-          <p:cNvPr id="3" name="Content Placeholder 2"/>
-          <p:cNvSpPr>
-            <a:spLocks noGrp="1"/>
-          </p:cNvSpPr>
-          <p:nvPr>
-            <p:ph idx="1"/>
-          </p:nvPr>
-        </p:nvSpPr>
-        <p:spPr>
-          <a:xfrm>
-            <a:off x="457200" y="1600200"/>
-            <a:ext cx="8219256" cy="4876800"/>
-          </a:xfrm>
-        </p:spPr>
-        <p:txBody>
-          <a:bodyPr>
-            <a:normAutofit/>
-          </a:bodyPr>
-          <a:lstStyle/>
-          <a:p>
-            <a:pPr marL="182563" indent="-182563"/>
-            <a:r>
-              <a:rPr lang="en-GB" dirty="0" smtClean="0"/>
-              <a:t>Predict customers’ creditworthiness </a:t>
-            </a:r>
-          </a:p>
-          <a:p>
-            <a:pPr marL="182563" indent="0">
-              <a:buNone/>
-            </a:pPr>
-            <a:r>
-              <a:rPr lang="en-GB" dirty="0" smtClean="0"/>
-              <a:t>(i.e. whether they will complete or default on a loan)</a:t>
-            </a:r>
-          </a:p>
-          <a:p>
-            <a:pPr marL="176213" indent="0">
-              <a:buNone/>
-            </a:pPr>
-            <a:endParaRPr lang="en-GB" sz="1600" dirty="0" smtClean="0"/>
-          </a:p>
-          <a:p>
-            <a:r>
-              <a:rPr lang="en-GB" dirty="0"/>
-              <a:t>Build and test a logistic regression model</a:t>
-            </a:r>
-          </a:p>
-          <a:p>
-            <a:pPr marL="285750" indent="-285750"/>
-            <a:endParaRPr lang="en-GB" dirty="0"/>
-          </a:p>
-          <a:p>
-            <a:r>
-              <a:rPr lang="en-GB" dirty="0"/>
-              <a:t>Use 70% of the data to build the model and then test the model using the remaining 30%</a:t>
-            </a:r>
-          </a:p>
-          <a:p>
-            <a:endParaRPr lang="en-GB" dirty="0"/>
-          </a:p>
-        </p:txBody>
-      </p:sp>
-    </p:spTree>
-    <p:extLst>
-      <p:ext uri="{BB962C8B-B14F-4D97-AF65-F5344CB8AC3E}">
-        <p14:creationId xmlns:p14="http://schemas.microsoft.com/office/powerpoint/2010/main" val="497337622"/>
-      </p:ext>
-    </p:extLst>
-  </p:cSld>
-  <p:clrMapOvr>
-    <a:masterClrMapping/>
-  </p:clrMapOvr>
-</p:sld>
-</file>
-
-<file path=ppt/slides/slide30.xml><?xml version="1.0" encoding="utf-8"?>
-<p:sld xmlns:a="http://schemas.openxmlformats.org/drawingml/2006/main" xmlns:r="http://schemas.openxmlformats.org/officeDocument/2006/relationships" xmlns:p="http://schemas.openxmlformats.org/presentationml/2006/main">
-  <p:cSld>
-    <p:spTree>
-      <p:nvGrpSpPr>
-        <p:cNvPr id="1" name=""/>
-        <p:cNvGrpSpPr/>
-        <p:nvPr/>
-      </p:nvGrpSpPr>
-      <p:grpSpPr>
-        <a:xfrm>
-          <a:off x="0" y="0"/>
-          <a:ext cx="0" cy="0"/>
-          <a:chOff x="0" y="0"/>
-          <a:chExt cx="0" cy="0"/>
-        </a:xfrm>
-      </p:grpSpPr>
-      <p:sp>
-        <p:nvSpPr>
-          <p:cNvPr id="2" name="Title 1"/>
-          <p:cNvSpPr>
-            <a:spLocks noGrp="1"/>
-          </p:cNvSpPr>
-          <p:nvPr>
-            <p:ph type="title"/>
-          </p:nvPr>
-        </p:nvSpPr>
-        <p:spPr/>
-        <p:txBody>
-          <a:bodyPr>
-            <a:normAutofit fontScale="90000"/>
-          </a:bodyPr>
-          <a:lstStyle/>
-          <a:p>
-            <a:r>
-              <a:rPr lang="en-GB" dirty="0" smtClean="0"/>
-              <a:t>Results: </a:t>
-            </a:r>
-            <a:r>
-              <a:rPr lang="en-GB" sz="3800" dirty="0" smtClean="0"/>
-              <a:t>Receiver Operating Characteristic</a:t>
-            </a:r>
-            <a:endParaRPr lang="en-GB" sz="3800" dirty="0"/>
-          </a:p>
-        </p:txBody>
-      </p:sp>
-      <p:pic>
-        <p:nvPicPr>
-          <p:cNvPr id="4098" name="Picture 2"/>
-          <p:cNvPicPr>
-            <a:picLocks noChangeAspect="1" noChangeArrowheads="1"/>
-          </p:cNvPicPr>
-          <p:nvPr/>
-        </p:nvPicPr>
-        <p:blipFill>
-          <a:blip r:embed="rId3">
-            <a:extLst>
-              <a:ext uri="{28A0092B-C50C-407E-A947-70E740481C1C}">
-                <a14:useLocalDpi xmlns:a14="http://schemas.microsoft.com/office/drawing/2010/main" val="0"/>
-              </a:ext>
-            </a:extLst>
-          </a:blip>
-          <a:srcRect/>
-          <a:stretch>
-            <a:fillRect/>
-          </a:stretch>
-        </p:blipFill>
-        <p:spPr bwMode="auto">
-          <a:xfrm>
-            <a:off x="611559" y="1412775"/>
-            <a:ext cx="7200801" cy="5055589"/>
-          </a:xfrm>
-          <a:prstGeom prst="rect">
-            <a:avLst/>
-          </a:prstGeom>
-          <a:noFill/>
-          <a:ln>
-            <a:noFill/>
-          </a:ln>
-          <a:extLst>
-            <a:ext uri="{909E8E84-426E-40DD-AFC4-6F175D3DCCD1}">
-              <a14:hiddenFill xmlns:a14="http://schemas.microsoft.com/office/drawing/2010/main">
-                <a:solidFill>
-                  <a:schemeClr val="accent1"/>
-                </a:solidFill>
-              </a14:hiddenFill>
-            </a:ext>
-            <a:ext uri="{91240B29-F687-4F45-9708-019B960494DF}">
-              <a14:hiddenLine xmlns:a14="http://schemas.microsoft.com/office/drawing/2010/main" w="9525">
-                <a:solidFill>
-                  <a:schemeClr val="tx1"/>
-                </a:solidFill>
-                <a:miter lim="800000"/>
-                <a:headEnd/>
-                <a:tailEnd/>
-              </a14:hiddenLine>
-            </a:ext>
-          </a:extLst>
-        </p:spPr>
-      </p:pic>
-    </p:spTree>
-    <p:extLst>
-      <p:ext uri="{BB962C8B-B14F-4D97-AF65-F5344CB8AC3E}">
-        <p14:creationId xmlns:p14="http://schemas.microsoft.com/office/powerpoint/2010/main" val="1350769179"/>
-      </p:ext>
-    </p:extLst>
-  </p:cSld>
-  <p:clrMapOvr>
-    <a:masterClrMapping/>
-  </p:clrMapOvr>
-</p:sld>
-</file>
-
-<file path=ppt/slides/slide31.xml><?xml version="1.0" encoding="utf-8"?>
-<p:sld xmlns:a="http://schemas.openxmlformats.org/drawingml/2006/main" xmlns:r="http://schemas.openxmlformats.org/officeDocument/2006/relationships" xmlns:p="http://schemas.openxmlformats.org/presentationml/2006/main">
-  <p:cSld>
-    <p:spTree>
-      <p:nvGrpSpPr>
-        <p:cNvPr id="1" name=""/>
-        <p:cNvGrpSpPr/>
-        <p:nvPr/>
-      </p:nvGrpSpPr>
-      <p:grpSpPr>
-        <a:xfrm>
-          <a:off x="0" y="0"/>
-          <a:ext cx="0" cy="0"/>
-          <a:chOff x="0" y="0"/>
-          <a:chExt cx="0" cy="0"/>
-        </a:xfrm>
-      </p:grpSpPr>
-      <p:sp>
-        <p:nvSpPr>
-          <p:cNvPr id="2" name="Title 1"/>
-          <p:cNvSpPr>
-            <a:spLocks noGrp="1"/>
-          </p:cNvSpPr>
-          <p:nvPr>
-            <p:ph type="title"/>
-          </p:nvPr>
-        </p:nvSpPr>
-        <p:spPr/>
-        <p:txBody>
-          <a:bodyPr/>
-          <a:lstStyle/>
-          <a:p>
-            <a:r>
-              <a:rPr lang="en-GB" dirty="0" smtClean="0"/>
-              <a:t>Results: Confusion Matrix</a:t>
-            </a:r>
-            <a:endParaRPr lang="en-GB" dirty="0"/>
-          </a:p>
-        </p:txBody>
-      </p:sp>
-      <p:sp>
-        <p:nvSpPr>
-          <p:cNvPr id="4" name="TextBox 3"/>
-          <p:cNvSpPr txBox="1"/>
-          <p:nvPr/>
-        </p:nvSpPr>
-        <p:spPr>
-          <a:xfrm>
-            <a:off x="4992046" y="2982345"/>
-            <a:ext cx="3756417" cy="276999"/>
-          </a:xfrm>
-          <a:prstGeom prst="rect">
-            <a:avLst/>
-          </a:prstGeom>
-          <a:noFill/>
-        </p:spPr>
-        <p:txBody>
-          <a:bodyPr wrap="square" rtlCol="0">
-            <a:spAutoFit/>
-          </a:bodyPr>
-          <a:lstStyle/>
-          <a:p>
-            <a:pPr marL="171450" indent="-171450">
-              <a:buFont typeface="Arial" panose="020B0604020202020204" pitchFamily="34" charset="0"/>
-              <a:buChar char="•"/>
-            </a:pPr>
-            <a:r>
-              <a:rPr lang="en-GB" sz="1200" dirty="0" err="1" smtClean="0"/>
-              <a:t>fsfs</a:t>
-            </a:r>
-            <a:endParaRPr lang="en-GB" sz="1200" dirty="0"/>
-          </a:p>
-        </p:txBody>
-      </p:sp>
-      <p:pic>
-        <p:nvPicPr>
-          <p:cNvPr id="5123" name="Picture 3"/>
-          <p:cNvPicPr>
-            <a:picLocks noChangeAspect="1" noChangeArrowheads="1"/>
-          </p:cNvPicPr>
-          <p:nvPr/>
-        </p:nvPicPr>
-        <p:blipFill>
-          <a:blip r:embed="rId3">
-            <a:extLst>
-              <a:ext uri="{28A0092B-C50C-407E-A947-70E740481C1C}">
-                <a14:useLocalDpi xmlns:a14="http://schemas.microsoft.com/office/drawing/2010/main" val="0"/>
-              </a:ext>
-            </a:extLst>
-          </a:blip>
-          <a:srcRect/>
-          <a:stretch>
-            <a:fillRect/>
-          </a:stretch>
-        </p:blipFill>
-        <p:spPr bwMode="auto">
-          <a:xfrm>
-            <a:off x="467544" y="1556791"/>
-            <a:ext cx="6912768" cy="4917031"/>
-          </a:xfrm>
-          <a:prstGeom prst="rect">
-            <a:avLst/>
-          </a:prstGeom>
-          <a:noFill/>
-          <a:ln>
-            <a:noFill/>
-          </a:ln>
-          <a:extLst>
-            <a:ext uri="{909E8E84-426E-40DD-AFC4-6F175D3DCCD1}">
-              <a14:hiddenFill xmlns:a14="http://schemas.microsoft.com/office/drawing/2010/main">
-                <a:solidFill>
-                  <a:schemeClr val="accent1"/>
-                </a:solidFill>
-              </a14:hiddenFill>
-            </a:ext>
-            <a:ext uri="{91240B29-F687-4F45-9708-019B960494DF}">
-              <a14:hiddenLine xmlns:a14="http://schemas.microsoft.com/office/drawing/2010/main" w="9525">
-                <a:solidFill>
-                  <a:schemeClr val="tx1"/>
-                </a:solidFill>
-                <a:miter lim="800000"/>
-                <a:headEnd/>
-                <a:tailEnd/>
-              </a14:hiddenLine>
-            </a:ext>
-          </a:extLst>
-        </p:spPr>
-      </p:pic>
-    </p:spTree>
-    <p:extLst>
-      <p:ext uri="{BB962C8B-B14F-4D97-AF65-F5344CB8AC3E}">
-        <p14:creationId xmlns:p14="http://schemas.microsoft.com/office/powerpoint/2010/main" val="1532778483"/>
-      </p:ext>
-    </p:extLst>
-  </p:cSld>
-  <p:clrMapOvr>
-    <a:masterClrMapping/>
-  </p:clrMapOvr>
-</p:sld>
-</file>
-
-<file path=ppt/slides/slide32.xml><?xml version="1.0" encoding="utf-8"?>
-<p:sld xmlns:a="http://schemas.openxmlformats.org/drawingml/2006/main" xmlns:r="http://schemas.openxmlformats.org/officeDocument/2006/relationships" xmlns:p="http://schemas.openxmlformats.org/presentationml/2006/main">
-  <p:cSld>
-    <p:spTree>
-      <p:nvGrpSpPr>
-        <p:cNvPr id="1" name=""/>
-        <p:cNvGrpSpPr/>
-        <p:nvPr/>
-      </p:nvGrpSpPr>
-      <p:grpSpPr>
-        <a:xfrm>
-          <a:off x="0" y="0"/>
-          <a:ext cx="0" cy="0"/>
-          <a:chOff x="0" y="0"/>
-          <a:chExt cx="0" cy="0"/>
-        </a:xfrm>
-      </p:grpSpPr>
-      <p:sp>
-        <p:nvSpPr>
-          <p:cNvPr id="2" name="Title 1"/>
-          <p:cNvSpPr>
-            <a:spLocks noGrp="1"/>
-          </p:cNvSpPr>
-          <p:nvPr>
-            <p:ph type="title"/>
-          </p:nvPr>
-        </p:nvSpPr>
-        <p:spPr/>
-        <p:txBody>
-          <a:bodyPr/>
-          <a:lstStyle/>
-          <a:p>
-            <a:r>
-              <a:rPr lang="en-GB" dirty="0" smtClean="0"/>
-              <a:t>Conclusion</a:t>
-            </a:r>
-            <a:endParaRPr lang="en-GB" dirty="0"/>
-          </a:p>
-        </p:txBody>
-      </p:sp>
-      <p:sp>
-        <p:nvSpPr>
-          <p:cNvPr id="3" name="Content Placeholder 2"/>
-          <p:cNvSpPr>
-            <a:spLocks noGrp="1"/>
-          </p:cNvSpPr>
-          <p:nvPr>
-            <p:ph idx="1"/>
-          </p:nvPr>
-        </p:nvSpPr>
-        <p:spPr/>
-        <p:txBody>
-          <a:bodyPr>
-            <a:normAutofit/>
-          </a:bodyPr>
-          <a:lstStyle/>
-          <a:p>
-            <a:pPr marL="0" indent="0">
-              <a:buNone/>
-            </a:pPr>
-            <a:r>
-              <a:rPr lang="en-GB" dirty="0" smtClean="0"/>
-              <a:t>The model outperforms random guessing in predicting loan defaults.</a:t>
-            </a:r>
-          </a:p>
-          <a:p>
-            <a:pPr marL="0" indent="0">
-              <a:buNone/>
-            </a:pPr>
-            <a:endParaRPr lang="en-GB" dirty="0" smtClean="0"/>
-          </a:p>
-          <a:p>
-            <a:pPr marL="0" indent="0">
-              <a:buNone/>
-            </a:pPr>
-            <a:r>
-              <a:rPr lang="en-GB" dirty="0" smtClean="0"/>
-              <a:t>How </a:t>
-            </a:r>
-            <a:r>
-              <a:rPr lang="en-GB" dirty="0" smtClean="0"/>
-              <a:t>does this add value for the client</a:t>
-            </a:r>
-            <a:r>
-              <a:rPr lang="en-GB" dirty="0" smtClean="0"/>
-              <a:t>?</a:t>
-            </a:r>
-          </a:p>
-          <a:p>
-            <a:r>
-              <a:rPr lang="en-GB" dirty="0" smtClean="0"/>
-              <a:t>Being able to predict loan defaults can help to adapt lending practices, minimise losses and thus, improve profitability.</a:t>
-            </a:r>
-            <a:endParaRPr lang="en-GB" dirty="0" smtClean="0"/>
-          </a:p>
-          <a:p>
-            <a:endParaRPr lang="en-GB" dirty="0"/>
-          </a:p>
-          <a:p>
-            <a:endParaRPr lang="en-GB" dirty="0"/>
-          </a:p>
-          <a:p>
-            <a:endParaRPr lang="en-GB" dirty="0"/>
-          </a:p>
-        </p:txBody>
-      </p:sp>
-    </p:spTree>
-    <p:extLst>
-      <p:ext uri="{BB962C8B-B14F-4D97-AF65-F5344CB8AC3E}">
-        <p14:creationId xmlns:p14="http://schemas.microsoft.com/office/powerpoint/2010/main" val="1350769179"/>
-      </p:ext>
-    </p:extLst>
-  </p:cSld>
-  <p:clrMapOvr>
-    <a:masterClrMapping/>
-  </p:clrMapOvr>
-</p:sld>
-</file>
-
-<file path=ppt/slides/slide33.xml><?xml version="1.0" encoding="utf-8"?>
-<p:sld xmlns:a="http://schemas.openxmlformats.org/drawingml/2006/main" xmlns:r="http://schemas.openxmlformats.org/officeDocument/2006/relationships" xmlns:p="http://schemas.openxmlformats.org/presentationml/2006/main">
-  <p:cSld>
-    <p:spTree>
-      <p:nvGrpSpPr>
-        <p:cNvPr id="1" name=""/>
-        <p:cNvGrpSpPr/>
-        <p:nvPr/>
-      </p:nvGrpSpPr>
-      <p:grpSpPr>
-        <a:xfrm>
-          <a:off x="0" y="0"/>
-          <a:ext cx="0" cy="0"/>
-          <a:chOff x="0" y="0"/>
-          <a:chExt cx="0" cy="0"/>
-        </a:xfrm>
-      </p:grpSpPr>
-      <p:sp>
-        <p:nvSpPr>
-          <p:cNvPr id="2" name="Title 1"/>
-          <p:cNvSpPr>
-            <a:spLocks noGrp="1"/>
-          </p:cNvSpPr>
-          <p:nvPr>
-            <p:ph type="title"/>
-          </p:nvPr>
-        </p:nvSpPr>
-        <p:spPr/>
-        <p:txBody>
-          <a:bodyPr/>
-          <a:lstStyle/>
-          <a:p>
-            <a:r>
-              <a:rPr lang="en-GB" dirty="0" smtClean="0"/>
-              <a:t>Conclusion</a:t>
-            </a:r>
-            <a:endParaRPr lang="en-GB" dirty="0"/>
-          </a:p>
-        </p:txBody>
-      </p:sp>
-      <p:sp>
-        <p:nvSpPr>
-          <p:cNvPr id="3" name="Content Placeholder 2"/>
-          <p:cNvSpPr>
-            <a:spLocks noGrp="1"/>
-          </p:cNvSpPr>
-          <p:nvPr>
-            <p:ph idx="1"/>
-          </p:nvPr>
-        </p:nvSpPr>
-        <p:spPr/>
-        <p:txBody>
-          <a:bodyPr>
-            <a:normAutofit/>
-          </a:bodyPr>
-          <a:lstStyle/>
-          <a:p>
-            <a:pPr marL="0" indent="0">
-              <a:buNone/>
-            </a:pPr>
-            <a:r>
-              <a:rPr lang="en-GB" dirty="0" smtClean="0"/>
-              <a:t>Limitations</a:t>
-            </a:r>
-          </a:p>
-          <a:p>
-            <a:r>
-              <a:rPr lang="en-GB" dirty="0" smtClean="0"/>
-              <a:t>Relationships between predictor variables and target are not necessarily linear, which may impact performance</a:t>
-            </a:r>
-          </a:p>
-          <a:p>
-            <a:r>
-              <a:rPr lang="en-GB" dirty="0" smtClean="0"/>
-              <a:t>The amount of features and observations was not very large</a:t>
-            </a:r>
-            <a:endParaRPr lang="en-GB" dirty="0" smtClean="0"/>
-          </a:p>
-          <a:p>
-            <a:pPr marL="0" indent="0">
-              <a:buNone/>
-            </a:pPr>
-            <a:endParaRPr lang="en-GB" dirty="0"/>
-          </a:p>
-          <a:p>
-            <a:pPr marL="0" indent="0">
-              <a:buNone/>
-            </a:pPr>
-            <a:r>
-              <a:rPr lang="en-GB" dirty="0" smtClean="0"/>
-              <a:t>Recommendations</a:t>
-            </a:r>
-          </a:p>
-          <a:p>
-            <a:r>
-              <a:rPr lang="en-GB" dirty="0" smtClean="0"/>
-              <a:t>Get more data</a:t>
-            </a:r>
-          </a:p>
-          <a:p>
-            <a:r>
-              <a:rPr lang="en-GB" dirty="0" smtClean="0"/>
-              <a:t>Build model using XG Boost, as this algorithm tends to perform well with non-linear data</a:t>
-            </a:r>
-            <a:endParaRPr lang="en-GB" dirty="0"/>
-          </a:p>
-          <a:p>
-            <a:endParaRPr lang="en-GB" dirty="0"/>
-          </a:p>
-        </p:txBody>
-      </p:sp>
-    </p:spTree>
-    <p:extLst>
-      <p:ext uri="{BB962C8B-B14F-4D97-AF65-F5344CB8AC3E}">
-        <p14:creationId xmlns:p14="http://schemas.microsoft.com/office/powerpoint/2010/main" val="3256216667"/>
-      </p:ext>
-    </p:extLst>
-  </p:cSld>
-  <p:clrMapOvr>
-    <a:masterClrMapping/>
-  </p:clrMapOvr>
-</p:sld>
-</file>
-
-<file path=ppt/slides/slide34.xml><?xml version="1.0" encoding="utf-8"?>
-<p:sld xmlns:a="http://schemas.openxmlformats.org/drawingml/2006/main" xmlns:r="http://schemas.openxmlformats.org/officeDocument/2006/relationships" xmlns:p="http://schemas.openxmlformats.org/presentationml/2006/main">
-  <p:cSld>
-    <p:spTree>
-      <p:nvGrpSpPr>
-        <p:cNvPr id="1" name=""/>
-        <p:cNvGrpSpPr/>
-        <p:nvPr/>
-      </p:nvGrpSpPr>
-      <p:grpSpPr>
-        <a:xfrm>
-          <a:off x="0" y="0"/>
-          <a:ext cx="0" cy="0"/>
-          <a:chOff x="0" y="0"/>
-          <a:chExt cx="0" cy="0"/>
-        </a:xfrm>
-      </p:grpSpPr>
-      <p:sp>
-        <p:nvSpPr>
-          <p:cNvPr id="2" name="Title 1"/>
-          <p:cNvSpPr>
-            <a:spLocks noGrp="1"/>
-          </p:cNvSpPr>
-          <p:nvPr>
-            <p:ph type="title"/>
-          </p:nvPr>
-        </p:nvSpPr>
-        <p:spPr/>
-        <p:txBody>
-          <a:bodyPr/>
-          <a:lstStyle/>
-          <a:p>
-            <a:r>
-              <a:rPr lang="en-GB" dirty="0" smtClean="0"/>
-              <a:t>Appendix: Coefficient Odds </a:t>
-            </a:r>
-            <a:r>
-              <a:rPr lang="en-GB" dirty="0"/>
-              <a:t>R</a:t>
-            </a:r>
-            <a:r>
-              <a:rPr lang="en-GB" dirty="0" smtClean="0"/>
-              <a:t>atios</a:t>
-            </a:r>
-            <a:endParaRPr lang="en-GB" dirty="0"/>
-          </a:p>
-        </p:txBody>
-      </p:sp>
-      <p:sp>
-        <p:nvSpPr>
-          <p:cNvPr id="3" name="Content Placeholder 2"/>
-          <p:cNvSpPr>
-            <a:spLocks noGrp="1"/>
-          </p:cNvSpPr>
-          <p:nvPr>
-            <p:ph idx="1"/>
-          </p:nvPr>
-        </p:nvSpPr>
-        <p:spPr/>
-        <p:txBody>
-          <a:bodyPr/>
-          <a:lstStyle/>
-          <a:p>
-            <a:r>
-              <a:rPr lang="en-GB" dirty="0" smtClean="0"/>
-              <a:t>Odd ratios</a:t>
-            </a:r>
-            <a:endParaRPr lang="en-GB" dirty="0"/>
-          </a:p>
-        </p:txBody>
-      </p:sp>
-      <p:sp>
-        <p:nvSpPr>
-          <p:cNvPr id="4" name="TextBox 3"/>
-          <p:cNvSpPr txBox="1"/>
-          <p:nvPr/>
-        </p:nvSpPr>
-        <p:spPr>
-          <a:xfrm>
-            <a:off x="5062609" y="2132856"/>
-            <a:ext cx="3744416" cy="3754874"/>
-          </a:xfrm>
-          <a:prstGeom prst="rect">
-            <a:avLst/>
-          </a:prstGeom>
-          <a:noFill/>
-        </p:spPr>
-        <p:txBody>
-          <a:bodyPr wrap="square" rtlCol="0">
-            <a:spAutoFit/>
-          </a:bodyPr>
-          <a:lstStyle/>
-          <a:p>
-            <a:r>
-              <a:rPr lang="en-GB" sz="1400" dirty="0" smtClean="0"/>
-              <a:t>How to interpret the odds ratio:</a:t>
-            </a:r>
-          </a:p>
-          <a:p>
-            <a:endParaRPr lang="en-GB" sz="1400" dirty="0" smtClean="0"/>
-          </a:p>
-          <a:p>
-            <a:r>
-              <a:rPr lang="en-GB" sz="1400" dirty="0" smtClean="0"/>
-              <a:t>A </a:t>
-            </a:r>
-            <a:r>
-              <a:rPr lang="en-GB" sz="1400" dirty="0"/>
-              <a:t>score over 1 indicates a positive relationship with the target variable, a score below 1 a negative one.</a:t>
-            </a:r>
-          </a:p>
-          <a:p>
-            <a:endParaRPr lang="en-GB" sz="1400" dirty="0"/>
-          </a:p>
-          <a:p>
-            <a:r>
-              <a:rPr lang="en-GB" sz="1400" dirty="0" smtClean="0"/>
-              <a:t>Odds </a:t>
-            </a:r>
-            <a:r>
-              <a:rPr lang="en-GB" sz="1400" dirty="0"/>
-              <a:t>of success = ratio of probability of success / probability of failure</a:t>
-            </a:r>
-          </a:p>
-          <a:p>
-            <a:endParaRPr lang="en-GB" sz="1400" dirty="0" smtClean="0"/>
-          </a:p>
-          <a:p>
-            <a:r>
-              <a:rPr lang="en-GB" sz="1400" dirty="0" smtClean="0"/>
-              <a:t>If </a:t>
-            </a:r>
-            <a:r>
-              <a:rPr lang="en-GB" sz="1400" dirty="0"/>
-              <a:t>the probability of success is 50/50, the odds of success are 1/1 = </a:t>
-            </a:r>
-            <a:r>
-              <a:rPr lang="en-GB" sz="1400" dirty="0" smtClean="0"/>
-              <a:t>1</a:t>
-            </a:r>
-          </a:p>
-          <a:p>
-            <a:endParaRPr lang="en-GB" sz="1400" dirty="0"/>
-          </a:p>
-          <a:p>
-            <a:r>
-              <a:rPr lang="en-GB" sz="1400" dirty="0"/>
-              <a:t>For example, FICO Credit </a:t>
-            </a:r>
-            <a:r>
-              <a:rPr lang="en-GB" sz="1400" dirty="0" err="1"/>
-              <a:t>Score_Good</a:t>
-            </a:r>
-            <a:r>
-              <a:rPr lang="en-GB" sz="1400" dirty="0"/>
-              <a:t> has an odd ratio of </a:t>
-            </a:r>
-            <a:r>
-              <a:rPr lang="en-GB" sz="1400" dirty="0" smtClean="0"/>
-              <a:t>3.948234. </a:t>
-            </a:r>
-            <a:r>
-              <a:rPr lang="en-GB" sz="1400" dirty="0"/>
-              <a:t>This means than the odds for a defaulted loan are </a:t>
-            </a:r>
-            <a:r>
-              <a:rPr lang="en-GB" sz="1400" dirty="0" smtClean="0"/>
-              <a:t>295% </a:t>
-            </a:r>
-            <a:r>
-              <a:rPr lang="en-GB" sz="1400" dirty="0"/>
-              <a:t>higher than the odds for completed one.</a:t>
-            </a:r>
-          </a:p>
-          <a:p>
-            <a:endParaRPr lang="en-GB" sz="1400" dirty="0"/>
-          </a:p>
-        </p:txBody>
-      </p:sp>
-      <p:pic>
-        <p:nvPicPr>
-          <p:cNvPr id="6146" name="Picture 2"/>
-          <p:cNvPicPr>
-            <a:picLocks noChangeAspect="1" noChangeArrowheads="1"/>
-          </p:cNvPicPr>
-          <p:nvPr/>
-        </p:nvPicPr>
-        <p:blipFill>
-          <a:blip r:embed="rId3">
-            <a:extLst>
-              <a:ext uri="{28A0092B-C50C-407E-A947-70E740481C1C}">
-                <a14:useLocalDpi xmlns:a14="http://schemas.microsoft.com/office/drawing/2010/main" val="0"/>
-              </a:ext>
-            </a:extLst>
-          </a:blip>
-          <a:srcRect/>
-          <a:stretch>
-            <a:fillRect/>
-          </a:stretch>
-        </p:blipFill>
-        <p:spPr bwMode="auto">
-          <a:xfrm>
-            <a:off x="179512" y="1711820"/>
-            <a:ext cx="4883097" cy="4653584"/>
-          </a:xfrm>
-          <a:prstGeom prst="rect">
-            <a:avLst/>
-          </a:prstGeom>
-          <a:noFill/>
-          <a:ln>
-            <a:noFill/>
-          </a:ln>
-          <a:extLst>
-            <a:ext uri="{909E8E84-426E-40DD-AFC4-6F175D3DCCD1}">
-              <a14:hiddenFill xmlns:a14="http://schemas.microsoft.com/office/drawing/2010/main">
-                <a:solidFill>
-                  <a:schemeClr val="accent1"/>
-                </a:solidFill>
-              </a14:hiddenFill>
-            </a:ext>
-            <a:ext uri="{91240B29-F687-4F45-9708-019B960494DF}">
-              <a14:hiddenLine xmlns:a14="http://schemas.microsoft.com/office/drawing/2010/main" w="9525">
-                <a:solidFill>
-                  <a:schemeClr val="tx1"/>
-                </a:solidFill>
-                <a:miter lim="800000"/>
-                <a:headEnd/>
-                <a:tailEnd/>
-              </a14:hiddenLine>
-            </a:ext>
-          </a:extLst>
-        </p:spPr>
-      </p:pic>
-    </p:spTree>
-    <p:extLst>
-      <p:ext uri="{BB962C8B-B14F-4D97-AF65-F5344CB8AC3E}">
-        <p14:creationId xmlns:p14="http://schemas.microsoft.com/office/powerpoint/2010/main" val="1350769179"/>
+        <p14:creationId xmlns:p14="http://schemas.microsoft.com/office/powerpoint/2010/main" val="2943035538"/>
       </p:ext>
     </p:extLst>
   </p:cSld>
@@ -9299,22 +9650,42 @@
               <a:defRPr/>
             </a:pPr>
             <a:r>
-              <a:rPr lang="en-GB" sz="1600" dirty="0" smtClean="0"/>
+              <a:rPr lang="en-GB" sz="1600" dirty="0" smtClean="0">
+                <a:solidFill>
+                  <a:schemeClr val="tx2"/>
+                </a:solidFill>
+              </a:rPr>
               <a:t>The </a:t>
             </a:r>
             <a:r>
-              <a:rPr lang="en-GB" sz="1600" dirty="0"/>
+              <a:rPr lang="en-GB" sz="1600" dirty="0">
+                <a:solidFill>
+                  <a:schemeClr val="tx2"/>
+                </a:solidFill>
+              </a:rPr>
               <a:t>data contains rows of customers, with each column showing the features for loan applications that have been approved, together with outcomes of the loans (in the final </a:t>
             </a:r>
             <a:r>
-              <a:rPr lang="en-GB" sz="1600" dirty="0" smtClean="0"/>
+              <a:rPr lang="en-GB" sz="1600" dirty="0" smtClean="0">
+                <a:solidFill>
+                  <a:schemeClr val="tx2"/>
+                </a:solidFill>
+              </a:rPr>
               <a:t>column ‘Class’).</a:t>
             </a:r>
             <a:r>
-              <a:rPr lang="en-GB" sz="1600" dirty="0"/>
+              <a:rPr lang="en-GB" sz="1600" dirty="0">
+                <a:solidFill>
+                  <a:schemeClr val="tx2"/>
+                </a:solidFill>
+              </a:rPr>
               <a:t>  </a:t>
             </a:r>
-            <a:endParaRPr lang="en-GB" sz="1600" dirty="0" smtClean="0"/>
+            <a:endParaRPr lang="en-GB" sz="1600" dirty="0" smtClean="0">
+              <a:solidFill>
+                <a:schemeClr val="tx2"/>
+              </a:solidFill>
+            </a:endParaRPr>
           </a:p>
           <a:p>
             <a:pPr marL="5291138" indent="0">
@@ -9326,7 +9697,11 @@
               <a:buNone/>
               <a:defRPr/>
             </a:pPr>
-            <a:endParaRPr lang="en-GB" sz="1600" dirty="0"/>
+            <a:endParaRPr lang="en-GB" sz="1600" dirty="0">
+              <a:solidFill>
+                <a:schemeClr val="tx2"/>
+              </a:solidFill>
+            </a:endParaRPr>
           </a:p>
           <a:p>
             <a:pPr marL="5291138" indent="0">
@@ -9339,16 +9714,28 @@
               <a:defRPr/>
             </a:pPr>
             <a:r>
-              <a:rPr lang="en-GB" sz="1600" dirty="0" smtClean="0"/>
+              <a:rPr lang="en-GB" sz="1600" dirty="0" smtClean="0">
+                <a:solidFill>
+                  <a:schemeClr val="tx2"/>
+                </a:solidFill>
+              </a:rPr>
               <a:t>The </a:t>
             </a:r>
             <a:r>
-              <a:rPr lang="en-GB" sz="1600" dirty="0"/>
+              <a:rPr lang="en-GB" sz="1600" dirty="0">
+                <a:solidFill>
+                  <a:schemeClr val="tx2"/>
+                </a:solidFill>
+              </a:rPr>
               <a:t>outcomes show that each customer has either defaulted or completed their loan.  </a:t>
             </a:r>
           </a:p>
           <a:p>
-            <a:endParaRPr lang="en-GB" dirty="0"/>
+            <a:endParaRPr lang="en-GB" dirty="0">
+              <a:solidFill>
+                <a:schemeClr val="tx2"/>
+              </a:solidFill>
+            </a:endParaRPr>
           </a:p>
         </p:txBody>
       </p:sp>
@@ -9475,35 +9862,55 @@
         </p:nvSpPr>
         <p:spPr>
           <a:xfrm>
-            <a:off x="6390134" y="1650869"/>
-            <a:ext cx="2296666" cy="4826131"/>
+            <a:off x="6390134" y="1556792"/>
+            <a:ext cx="2296666" cy="3744416"/>
           </a:xfrm>
         </p:spPr>
         <p:txBody>
           <a:bodyPr>
-            <a:normAutofit/>
+            <a:noAutofit/>
           </a:bodyPr>
           <a:lstStyle/>
           <a:p>
             <a:r>
-              <a:rPr lang="en-GB" sz="1600" dirty="0"/>
+              <a:rPr lang="en-GB" sz="1800" dirty="0">
+                <a:solidFill>
+                  <a:schemeClr val="tx2"/>
+                </a:solidFill>
+              </a:rPr>
               <a:t>The dataset is unbalanced, with </a:t>
             </a:r>
             <a:r>
-              <a:rPr lang="en-GB" sz="1600" dirty="0" smtClean="0"/>
+              <a:rPr lang="en-GB" sz="1800" dirty="0" smtClean="0">
+                <a:solidFill>
+                  <a:schemeClr val="tx2"/>
+                </a:solidFill>
+              </a:rPr>
               <a:t>defaulted loans only </a:t>
             </a:r>
             <a:r>
-              <a:rPr lang="en-GB" sz="1600" dirty="0"/>
+              <a:rPr lang="en-GB" sz="1800" dirty="0">
+                <a:solidFill>
+                  <a:schemeClr val="tx2"/>
+                </a:solidFill>
+              </a:rPr>
               <a:t>accounting for 18.17%.</a:t>
             </a:r>
           </a:p>
           <a:p>
-            <a:endParaRPr lang="en-GB" sz="1600" dirty="0"/>
-          </a:p>
-          <a:p>
-            <a:r>
-              <a:rPr lang="en-GB" sz="1600" dirty="0"/>
+            <a:endParaRPr lang="en-GB" sz="1800" dirty="0">
+              <a:solidFill>
+                <a:schemeClr val="tx2"/>
+              </a:solidFill>
+            </a:endParaRPr>
+          </a:p>
+          <a:p>
+            <a:r>
+              <a:rPr lang="en-GB" sz="1800" dirty="0">
+                <a:solidFill>
+                  <a:schemeClr val="tx2"/>
+                </a:solidFill>
+              </a:rPr>
               <a:t>The unbalanced nature of the data will have to be considered when making predictions.</a:t>
             </a:r>
           </a:p>
@@ -9532,7 +9939,7 @@
         </p:blipFill>
         <p:spPr bwMode="auto">
           <a:xfrm>
-            <a:off x="467544" y="1650869"/>
+            <a:off x="467544" y="1628800"/>
             <a:ext cx="5922590" cy="3636930"/>
           </a:xfrm>
           <a:prstGeom prst="rect">
@@ -9645,107 +10052,179 @@
             <a:pPr marL="6192838" indent="0">
               <a:buNone/>
             </a:pPr>
-            <a:endParaRPr lang="en-GB" sz="1600" dirty="0" smtClean="0"/>
+            <a:endParaRPr lang="en-GB" sz="1600" dirty="0" smtClean="0">
+              <a:solidFill>
+                <a:schemeClr val="tx2"/>
+              </a:solidFill>
+            </a:endParaRPr>
           </a:p>
           <a:p>
             <a:pPr marL="6192838" indent="0">
               <a:buNone/>
             </a:pPr>
-            <a:endParaRPr lang="en-GB" sz="1600" dirty="0"/>
+            <a:endParaRPr lang="en-GB" sz="1600" dirty="0">
+              <a:solidFill>
+                <a:schemeClr val="tx2"/>
+              </a:solidFill>
+            </a:endParaRPr>
           </a:p>
           <a:p>
             <a:pPr marL="6192838" indent="0">
               <a:buNone/>
             </a:pPr>
-            <a:endParaRPr lang="en-GB" sz="1600" dirty="0" smtClean="0"/>
+            <a:endParaRPr lang="en-GB" sz="1600" dirty="0" smtClean="0">
+              <a:solidFill>
+                <a:schemeClr val="tx2"/>
+              </a:solidFill>
+            </a:endParaRPr>
           </a:p>
           <a:p>
             <a:pPr marL="6192838" indent="0">
               <a:buNone/>
             </a:pPr>
-            <a:endParaRPr lang="en-GB" sz="1600" dirty="0"/>
+            <a:endParaRPr lang="en-GB" sz="1600" dirty="0">
+              <a:solidFill>
+                <a:schemeClr val="tx2"/>
+              </a:solidFill>
+            </a:endParaRPr>
           </a:p>
           <a:p>
             <a:pPr marL="6192838" indent="0">
               <a:buNone/>
             </a:pPr>
-            <a:endParaRPr lang="en-GB" sz="1600" dirty="0" smtClean="0"/>
+            <a:endParaRPr lang="en-GB" sz="1600" dirty="0" smtClean="0">
+              <a:solidFill>
+                <a:schemeClr val="tx2"/>
+              </a:solidFill>
+            </a:endParaRPr>
           </a:p>
           <a:p>
             <a:pPr marL="6192838" indent="0">
               <a:buNone/>
             </a:pPr>
-            <a:endParaRPr lang="en-GB" sz="1600" dirty="0"/>
+            <a:endParaRPr lang="en-GB" sz="1600" dirty="0">
+              <a:solidFill>
+                <a:schemeClr val="tx2"/>
+              </a:solidFill>
+            </a:endParaRPr>
           </a:p>
           <a:p>
             <a:pPr marL="6192838" indent="0">
               <a:buNone/>
             </a:pPr>
-            <a:endParaRPr lang="en-GB" sz="1600" dirty="0" smtClean="0"/>
+            <a:endParaRPr lang="en-GB" sz="1600" dirty="0" smtClean="0">
+              <a:solidFill>
+                <a:schemeClr val="tx2"/>
+              </a:solidFill>
+            </a:endParaRPr>
           </a:p>
           <a:p>
             <a:pPr marL="6192838" indent="0">
               <a:buNone/>
             </a:pPr>
-            <a:endParaRPr lang="en-GB" sz="1600" dirty="0"/>
+            <a:endParaRPr lang="en-GB" sz="1600" dirty="0">
+              <a:solidFill>
+                <a:schemeClr val="tx2"/>
+              </a:solidFill>
+            </a:endParaRPr>
           </a:p>
           <a:p>
             <a:pPr marL="6192838" indent="0">
               <a:buNone/>
             </a:pPr>
-            <a:endParaRPr lang="en-GB" sz="1600" dirty="0" smtClean="0"/>
+            <a:endParaRPr lang="en-GB" sz="1600" dirty="0" smtClean="0">
+              <a:solidFill>
+                <a:schemeClr val="tx2"/>
+              </a:solidFill>
+            </a:endParaRPr>
           </a:p>
           <a:p>
             <a:pPr marL="6192838" indent="0">
               <a:buNone/>
             </a:pPr>
-            <a:endParaRPr lang="en-GB" sz="1600" dirty="0"/>
+            <a:endParaRPr lang="en-GB" sz="1600" dirty="0">
+              <a:solidFill>
+                <a:schemeClr val="tx2"/>
+              </a:solidFill>
+            </a:endParaRPr>
           </a:p>
           <a:p>
             <a:pPr marL="6192838" indent="0">
               <a:buNone/>
             </a:pPr>
-            <a:endParaRPr lang="en-GB" sz="1600" dirty="0" smtClean="0"/>
+            <a:endParaRPr lang="en-GB" sz="1600" dirty="0" smtClean="0">
+              <a:solidFill>
+                <a:schemeClr val="tx2"/>
+              </a:solidFill>
+            </a:endParaRPr>
           </a:p>
           <a:p>
             <a:pPr marL="6192838" indent="0">
               <a:buNone/>
             </a:pPr>
-            <a:endParaRPr lang="en-GB" sz="1600" dirty="0"/>
+            <a:endParaRPr lang="en-GB" sz="1600" dirty="0">
+              <a:solidFill>
+                <a:schemeClr val="tx2"/>
+              </a:solidFill>
+            </a:endParaRPr>
           </a:p>
           <a:p>
             <a:pPr marL="6192838" indent="0">
               <a:buNone/>
             </a:pPr>
-            <a:endParaRPr lang="en-GB" sz="1600" dirty="0" smtClean="0"/>
+            <a:endParaRPr lang="en-GB" sz="1600" dirty="0" smtClean="0">
+              <a:solidFill>
+                <a:schemeClr val="tx2"/>
+              </a:solidFill>
+            </a:endParaRPr>
           </a:p>
           <a:p>
             <a:pPr marL="6192838" indent="0">
               <a:buNone/>
             </a:pPr>
-            <a:endParaRPr lang="en-GB" sz="1600" dirty="0" smtClean="0"/>
+            <a:endParaRPr lang="en-GB" sz="1600" dirty="0" smtClean="0">
+              <a:solidFill>
+                <a:schemeClr val="tx2"/>
+              </a:solidFill>
+            </a:endParaRPr>
           </a:p>
           <a:p>
             <a:pPr marL="6192838" indent="0">
               <a:buNone/>
             </a:pPr>
-            <a:endParaRPr lang="en-GB" sz="1600" dirty="0"/>
+            <a:endParaRPr lang="en-GB" sz="1600" dirty="0">
+              <a:solidFill>
+                <a:schemeClr val="tx2"/>
+              </a:solidFill>
+            </a:endParaRPr>
           </a:p>
           <a:p>
             <a:pPr marL="6192838" indent="0">
               <a:buNone/>
             </a:pPr>
-            <a:endParaRPr lang="en-GB" sz="1600" dirty="0" smtClean="0"/>
+            <a:endParaRPr lang="en-GB" sz="1600" dirty="0" smtClean="0">
+              <a:solidFill>
+                <a:schemeClr val="tx2"/>
+              </a:solidFill>
+            </a:endParaRPr>
           </a:p>
           <a:p>
             <a:pPr marL="1588" indent="0">
               <a:buNone/>
             </a:pPr>
             <a:r>
-              <a:rPr lang="en-GB" sz="1600" dirty="0" smtClean="0"/>
+              <a:rPr lang="en-GB" sz="1600" dirty="0" smtClean="0">
+                <a:solidFill>
+                  <a:schemeClr val="tx2"/>
+                </a:solidFill>
+              </a:rPr>
               <a:t>Loan purposes ‘Renewable Energy’ and ‘Small Business’ have the highest percentage of bad loans.</a:t>
             </a:r>
-            <a:endParaRPr lang="en-GB" sz="1600" dirty="0"/>
+            <a:endParaRPr lang="en-GB" sz="1600" dirty="0">
+              <a:solidFill>
+                <a:schemeClr val="tx2"/>
+              </a:solidFill>
+            </a:endParaRPr>
           </a:p>
         </p:txBody>
       </p:sp>
@@ -9937,17 +10416,29 @@
           <a:lstStyle/>
           <a:p>
             <a:r>
-              <a:rPr lang="en-GB" sz="1600" dirty="0"/>
+              <a:rPr lang="en-GB" sz="1600" dirty="0">
+                <a:solidFill>
+                  <a:schemeClr val="tx2"/>
+                </a:solidFill>
+              </a:rPr>
               <a:t>C</a:t>
             </a:r>
             <a:r>
-              <a:rPr lang="en-GB" sz="1600" dirty="0" smtClean="0"/>
+              <a:rPr lang="en-GB" sz="1600" dirty="0" smtClean="0">
+                <a:solidFill>
+                  <a:schemeClr val="tx2"/>
+                </a:solidFill>
+              </a:rPr>
               <a:t>ategory ‘None’  only contains completed loans.</a:t>
             </a:r>
           </a:p>
           <a:p>
             <a:r>
-              <a:rPr lang="en-GB" sz="1600" dirty="0" smtClean="0"/>
+              <a:rPr lang="en-GB" sz="1600" dirty="0" smtClean="0">
+                <a:solidFill>
+                  <a:schemeClr val="tx2"/>
+                </a:solidFill>
+              </a:rPr>
               <a:t>Defaults in category ‘Rent’ are marginally higher than in ‘Other and ‘Own’.</a:t>
             </a:r>
           </a:p>
@@ -9993,7 +10484,12 @@
             <p:ph type="title"/>
           </p:nvPr>
         </p:nvSpPr>
-        <p:spPr/>
+        <p:spPr>
+          <a:xfrm>
+            <a:off x="457200" y="548680"/>
+            <a:ext cx="8229600" cy="990600"/>
+          </a:xfrm>
+        </p:spPr>
         <p:txBody>
           <a:bodyPr/>
           <a:lstStyle/>
@@ -10030,83 +10526,139 @@
             <a:pPr marL="0" indent="0">
               <a:buNone/>
             </a:pPr>
-            <a:endParaRPr lang="en-GB" dirty="0" smtClean="0"/>
+            <a:endParaRPr lang="en-GB" dirty="0" smtClean="0">
+              <a:solidFill>
+                <a:schemeClr val="tx2"/>
+              </a:solidFill>
+            </a:endParaRPr>
           </a:p>
           <a:p>
             <a:pPr marL="0" indent="0">
               <a:buNone/>
             </a:pPr>
-            <a:endParaRPr lang="en-GB" dirty="0"/>
+            <a:endParaRPr lang="en-GB" dirty="0">
+              <a:solidFill>
+                <a:schemeClr val="tx2"/>
+              </a:solidFill>
+            </a:endParaRPr>
           </a:p>
           <a:p>
             <a:pPr marL="0" indent="0">
               <a:buNone/>
             </a:pPr>
-            <a:endParaRPr lang="en-GB" dirty="0" smtClean="0"/>
+            <a:endParaRPr lang="en-GB" dirty="0" smtClean="0">
+              <a:solidFill>
+                <a:schemeClr val="tx2"/>
+              </a:solidFill>
+            </a:endParaRPr>
           </a:p>
           <a:p>
             <a:pPr marL="0" indent="0">
               <a:buNone/>
             </a:pPr>
-            <a:endParaRPr lang="en-GB" dirty="0"/>
+            <a:endParaRPr lang="en-GB" dirty="0">
+              <a:solidFill>
+                <a:schemeClr val="tx2"/>
+              </a:solidFill>
+            </a:endParaRPr>
           </a:p>
           <a:p>
             <a:pPr marL="0" indent="0">
               <a:buNone/>
             </a:pPr>
-            <a:endParaRPr lang="en-GB" dirty="0" smtClean="0"/>
+            <a:endParaRPr lang="en-GB" dirty="0" smtClean="0">
+              <a:solidFill>
+                <a:schemeClr val="tx2"/>
+              </a:solidFill>
+            </a:endParaRPr>
           </a:p>
           <a:p>
             <a:pPr marL="0" indent="0">
               <a:buNone/>
             </a:pPr>
-            <a:endParaRPr lang="en-GB" dirty="0"/>
+            <a:endParaRPr lang="en-GB" dirty="0">
+              <a:solidFill>
+                <a:schemeClr val="tx2"/>
+              </a:solidFill>
+            </a:endParaRPr>
           </a:p>
           <a:p>
             <a:pPr marL="0" indent="0">
               <a:buNone/>
             </a:pPr>
-            <a:endParaRPr lang="en-GB" dirty="0" smtClean="0"/>
+            <a:endParaRPr lang="en-GB" dirty="0" smtClean="0">
+              <a:solidFill>
+                <a:schemeClr val="tx2"/>
+              </a:solidFill>
+            </a:endParaRPr>
           </a:p>
           <a:p>
             <a:pPr marL="0" indent="0">
               <a:buNone/>
             </a:pPr>
-            <a:endParaRPr lang="en-GB" dirty="0"/>
+            <a:endParaRPr lang="en-GB" dirty="0">
+              <a:solidFill>
+                <a:schemeClr val="tx2"/>
+              </a:solidFill>
+            </a:endParaRPr>
           </a:p>
           <a:p>
             <a:pPr marL="0" indent="0">
               <a:buNone/>
             </a:pPr>
-            <a:endParaRPr lang="en-GB" dirty="0" smtClean="0"/>
+            <a:endParaRPr lang="en-GB" dirty="0" smtClean="0">
+              <a:solidFill>
+                <a:schemeClr val="tx2"/>
+              </a:solidFill>
+            </a:endParaRPr>
           </a:p>
           <a:p>
             <a:pPr marL="0" indent="0">
               <a:buNone/>
             </a:pPr>
-            <a:endParaRPr lang="en-GB" dirty="0"/>
+            <a:endParaRPr lang="en-GB" dirty="0">
+              <a:solidFill>
+                <a:schemeClr val="tx2"/>
+              </a:solidFill>
+            </a:endParaRPr>
           </a:p>
           <a:p>
             <a:pPr marL="0" indent="0">
               <a:buNone/>
             </a:pPr>
-            <a:endParaRPr lang="en-GB" sz="1600" dirty="0" smtClean="0"/>
+            <a:endParaRPr lang="en-GB" sz="1600" dirty="0" smtClean="0">
+              <a:solidFill>
+                <a:schemeClr val="tx2"/>
+              </a:solidFill>
+            </a:endParaRPr>
           </a:p>
           <a:p>
             <a:pPr marL="0" indent="0">
               <a:buNone/>
             </a:pPr>
-            <a:endParaRPr lang="en-GB" sz="1600" dirty="0"/>
+            <a:endParaRPr lang="en-GB" sz="1600" dirty="0">
+              <a:solidFill>
+                <a:schemeClr val="tx2"/>
+              </a:solidFill>
+            </a:endParaRPr>
           </a:p>
           <a:p>
             <a:pPr marL="0" indent="0">
               <a:buNone/>
             </a:pPr>
             <a:r>
-              <a:rPr lang="en-GB" sz="1600" dirty="0" smtClean="0"/>
+              <a:rPr lang="en-GB" sz="1600" dirty="0" smtClean="0">
+                <a:solidFill>
+                  <a:schemeClr val="tx2"/>
+                </a:solidFill>
+              </a:rPr>
               <a:t>One public record bankruptcy has the highest percentage of bad loans.</a:t>
             </a:r>
-            <a:endParaRPr lang="en-GB" sz="1600" dirty="0"/>
+            <a:endParaRPr lang="en-GB" sz="1600" dirty="0">
+              <a:solidFill>
+                <a:schemeClr val="tx2"/>
+              </a:solidFill>
+            </a:endParaRPr>
           </a:p>
         </p:txBody>
       </p:sp>
@@ -10297,41 +10849,85 @@
           </a:bodyPr>
           <a:lstStyle/>
           <a:p>
-            <a:endParaRPr lang="en-GB" dirty="0" smtClean="0"/>
-          </a:p>
-          <a:p>
-            <a:endParaRPr lang="en-GB" dirty="0"/>
-          </a:p>
-          <a:p>
-            <a:endParaRPr lang="en-GB" dirty="0" smtClean="0"/>
-          </a:p>
-          <a:p>
-            <a:endParaRPr lang="en-GB" dirty="0"/>
-          </a:p>
-          <a:p>
-            <a:endParaRPr lang="en-GB" dirty="0" smtClean="0"/>
-          </a:p>
-          <a:p>
-            <a:endParaRPr lang="en-GB" dirty="0"/>
-          </a:p>
-          <a:p>
-            <a:endParaRPr lang="en-GB" dirty="0" smtClean="0"/>
-          </a:p>
-          <a:p>
-            <a:endParaRPr lang="en-GB" dirty="0"/>
-          </a:p>
-          <a:p>
-            <a:endParaRPr lang="en-GB" dirty="0" smtClean="0"/>
-          </a:p>
-          <a:p>
-            <a:endParaRPr lang="en-GB" dirty="0"/>
+            <a:endParaRPr lang="en-GB" dirty="0" smtClean="0">
+              <a:solidFill>
+                <a:schemeClr val="tx2"/>
+              </a:solidFill>
+            </a:endParaRPr>
+          </a:p>
+          <a:p>
+            <a:endParaRPr lang="en-GB" dirty="0">
+              <a:solidFill>
+                <a:schemeClr val="tx2"/>
+              </a:solidFill>
+            </a:endParaRPr>
+          </a:p>
+          <a:p>
+            <a:endParaRPr lang="en-GB" dirty="0" smtClean="0">
+              <a:solidFill>
+                <a:schemeClr val="tx2"/>
+              </a:solidFill>
+            </a:endParaRPr>
+          </a:p>
+          <a:p>
+            <a:endParaRPr lang="en-GB" dirty="0">
+              <a:solidFill>
+                <a:schemeClr val="tx2"/>
+              </a:solidFill>
+            </a:endParaRPr>
+          </a:p>
+          <a:p>
+            <a:endParaRPr lang="en-GB" dirty="0" smtClean="0">
+              <a:solidFill>
+                <a:schemeClr val="tx2"/>
+              </a:solidFill>
+            </a:endParaRPr>
+          </a:p>
+          <a:p>
+            <a:endParaRPr lang="en-GB" dirty="0">
+              <a:solidFill>
+                <a:schemeClr val="tx2"/>
+              </a:solidFill>
+            </a:endParaRPr>
+          </a:p>
+          <a:p>
+            <a:endParaRPr lang="en-GB" dirty="0" smtClean="0">
+              <a:solidFill>
+                <a:schemeClr val="tx2"/>
+              </a:solidFill>
+            </a:endParaRPr>
+          </a:p>
+          <a:p>
+            <a:endParaRPr lang="en-GB" dirty="0">
+              <a:solidFill>
+                <a:schemeClr val="tx2"/>
+              </a:solidFill>
+            </a:endParaRPr>
+          </a:p>
+          <a:p>
+            <a:endParaRPr lang="en-GB" dirty="0" smtClean="0">
+              <a:solidFill>
+                <a:schemeClr val="tx2"/>
+              </a:solidFill>
+            </a:endParaRPr>
+          </a:p>
+          <a:p>
+            <a:endParaRPr lang="en-GB" dirty="0">
+              <a:solidFill>
+                <a:schemeClr val="tx2"/>
+              </a:solidFill>
+            </a:endParaRPr>
           </a:p>
           <a:p>
             <a:pPr marL="0" indent="0">
               <a:buNone/>
             </a:pPr>
             <a:r>
-              <a:rPr lang="en-GB" sz="1600" dirty="0" smtClean="0"/>
+              <a:rPr lang="en-GB" sz="1600" dirty="0" smtClean="0">
+                <a:solidFill>
+                  <a:schemeClr val="tx2"/>
+                </a:solidFill>
+              </a:rPr>
               <a:t>The lowest and the highest FICO scores do not contain bad loans, otherwise bad loans decrease with increase in score. </a:t>
             </a:r>
           </a:p>
@@ -10339,13 +10935,21 @@
             <a:pPr marL="0" indent="0">
               <a:buNone/>
             </a:pPr>
-            <a:endParaRPr lang="en-GB" sz="1600" dirty="0" smtClean="0"/>
+            <a:endParaRPr lang="en-GB" sz="1600" dirty="0" smtClean="0">
+              <a:solidFill>
+                <a:schemeClr val="tx2"/>
+              </a:solidFill>
+            </a:endParaRPr>
           </a:p>
           <a:p>
             <a:pPr marL="0" indent="0">
               <a:buNone/>
             </a:pPr>
-            <a:endParaRPr lang="en-GB" sz="1600" dirty="0"/>
+            <a:endParaRPr lang="en-GB" sz="1600" dirty="0">
+              <a:solidFill>
+                <a:schemeClr val="tx2"/>
+              </a:solidFill>
+            </a:endParaRPr>
           </a:p>
         </p:txBody>
       </p:sp>

--- a/LG presentation.pptx
+++ b/LG presentation.pptx
@@ -5,7 +5,7 @@
     <p:sldMasterId id="2147483768" r:id="rId1"/>
   </p:sldMasterIdLst>
   <p:notesMasterIdLst>
-    <p:notesMasterId r:id="rId33"/>
+    <p:notesMasterId r:id="rId31"/>
   </p:notesMasterIdLst>
   <p:sldIdLst>
     <p:sldId id="256" r:id="rId2"/>
@@ -27,18 +27,16 @@
     <p:sldId id="277" r:id="rId18"/>
     <p:sldId id="261" r:id="rId19"/>
     <p:sldId id="290" r:id="rId20"/>
-    <p:sldId id="284" r:id="rId21"/>
-    <p:sldId id="285" r:id="rId22"/>
-    <p:sldId id="288" r:id="rId23"/>
-    <p:sldId id="263" r:id="rId24"/>
+    <p:sldId id="296" r:id="rId21"/>
+    <p:sldId id="297" r:id="rId22"/>
+    <p:sldId id="298" r:id="rId23"/>
+    <p:sldId id="299" r:id="rId24"/>
     <p:sldId id="286" r:id="rId25"/>
-    <p:sldId id="262" r:id="rId26"/>
-    <p:sldId id="264" r:id="rId27"/>
-    <p:sldId id="291" r:id="rId28"/>
-    <p:sldId id="292" r:id="rId29"/>
-    <p:sldId id="293" r:id="rId30"/>
-    <p:sldId id="294" r:id="rId31"/>
-    <p:sldId id="295" r:id="rId32"/>
+    <p:sldId id="300" r:id="rId26"/>
+    <p:sldId id="292" r:id="rId27"/>
+    <p:sldId id="293" r:id="rId28"/>
+    <p:sldId id="294" r:id="rId29"/>
+    <p:sldId id="295" r:id="rId30"/>
   </p:sldIdLst>
   <p:sldSz cx="9144000" cy="6858000" type="screen4x3"/>
   <p:notesSz cx="7099300" cy="10234613"/>
@@ -222,7 +220,7 @@
           <a:p>
             <a:fld id="{E778FFA8-9D70-436C-9F20-174F839EDCF6}" type="datetimeFigureOut">
               <a:rPr lang="en-GB" smtClean="0"/>
-              <a:t>03/11/2017</a:t>
+              <a:t>08/11/2017</a:t>
             </a:fld>
             <a:endParaRPr lang="en-GB" dirty="0"/>
           </a:p>
@@ -879,6 +877,110 @@
           <a:bodyPr/>
           <a:lstStyle/>
           <a:p>
+            <a:r>
+              <a:rPr lang="en-GB" sz="1600" dirty="0" smtClean="0">
+                <a:solidFill>
+                  <a:schemeClr val="tx2"/>
+                </a:solidFill>
+              </a:rPr>
+              <a:t>AUC (‘area under the curve’) score</a:t>
+            </a:r>
+          </a:p>
+          <a:p>
+            <a:pPr lvl="1"/>
+            <a:r>
+              <a:rPr lang="en-GB" sz="1200" dirty="0" smtClean="0">
+                <a:solidFill>
+                  <a:schemeClr val="tx2"/>
+                </a:solidFill>
+              </a:rPr>
+              <a:t>The AUC score equals the probability that a randomly chosen positive example ranks above (is deemed to have a higher probability of being positive than) a randomly chosen negative example.</a:t>
+            </a:r>
+          </a:p>
+          <a:p>
+            <a:pPr lvl="1"/>
+            <a:endParaRPr lang="en-GB" sz="1200" dirty="0" smtClean="0">
+              <a:solidFill>
+                <a:schemeClr val="tx2"/>
+              </a:solidFill>
+            </a:endParaRPr>
+          </a:p>
+          <a:p>
+            <a:pPr marL="171450" lvl="0" indent="-171450"/>
+            <a:r>
+              <a:rPr lang="en-GB" sz="1600" dirty="0" smtClean="0">
+                <a:solidFill>
+                  <a:schemeClr val="tx2"/>
+                </a:solidFill>
+              </a:rPr>
+              <a:t>TPR (also called Recall or Sensitivity) = sum total positives/sum of condition positive = TP/(TP+FN)</a:t>
+            </a:r>
+          </a:p>
+          <a:p>
+            <a:pPr lvl="0"/>
+            <a:endParaRPr lang="en-GB" sz="1600" dirty="0" smtClean="0">
+              <a:solidFill>
+                <a:schemeClr val="tx2"/>
+              </a:solidFill>
+            </a:endParaRPr>
+          </a:p>
+          <a:p>
+            <a:pPr marL="171450" lvl="0" indent="-171450"/>
+            <a:r>
+              <a:rPr lang="en-GB" sz="1600" dirty="0" smtClean="0">
+                <a:solidFill>
+                  <a:schemeClr val="tx2"/>
+                </a:solidFill>
+              </a:rPr>
+              <a:t>FPR (also called Fall-out) = sum of false positives/sum of condition negative = FP/(FP+TN)</a:t>
+            </a:r>
+          </a:p>
+          <a:p>
+            <a:endParaRPr lang="en-GB" sz="1600" dirty="0" smtClean="0">
+              <a:solidFill>
+                <a:schemeClr val="tx2"/>
+              </a:solidFill>
+            </a:endParaRPr>
+          </a:p>
+          <a:p>
+            <a:r>
+              <a:rPr lang="en-GB" sz="1600" dirty="0" smtClean="0">
+                <a:solidFill>
+                  <a:schemeClr val="tx2"/>
+                </a:solidFill>
+              </a:rPr>
+              <a:t>The ROC curve is created by plotting the true positive rate (TPR) against the false positive rate (FPR) at various threshold settings.</a:t>
+            </a:r>
+          </a:p>
+          <a:p>
+            <a:endParaRPr lang="en-GB" sz="1600" dirty="0" smtClean="0">
+              <a:solidFill>
+                <a:schemeClr val="tx2"/>
+              </a:solidFill>
+            </a:endParaRPr>
+          </a:p>
+          <a:p>
+            <a:pPr marL="171450" indent="-171450"/>
+            <a:endParaRPr lang="en-GB" sz="1600" dirty="0" smtClean="0">
+              <a:solidFill>
+                <a:schemeClr val="tx2"/>
+              </a:solidFill>
+            </a:endParaRPr>
+          </a:p>
+          <a:p>
+            <a:pPr marL="0" indent="0">
+              <a:buNone/>
+            </a:pPr>
+            <a:r>
+              <a:rPr lang="en-GB" sz="1200" i="1" dirty="0" smtClean="0">
+                <a:solidFill>
+                  <a:schemeClr val="tx2"/>
+                </a:solidFill>
+              </a:rPr>
+              <a:t>Source: www.wikipedia.com</a:t>
+            </a:r>
+          </a:p>
+          <a:p>
             <a:endParaRPr lang="en-GB" dirty="0"/>
           </a:p>
         </p:txBody>
@@ -900,7 +1002,7 @@
           <a:p>
             <a:fld id="{5909DF50-1DBA-4A2C-A904-287F3A0D22EA}" type="slidenum">
               <a:rPr lang="en-GB" smtClean="0"/>
-              <a:t>22</a:t>
+              <a:t>20</a:t>
             </a:fld>
             <a:endParaRPr lang="en-GB" dirty="0"/>
           </a:p>
@@ -909,7 +1011,7 @@
     </p:spTree>
     <p:extLst>
       <p:ext uri="{BB962C8B-B14F-4D97-AF65-F5344CB8AC3E}">
-        <p14:creationId xmlns:p14="http://schemas.microsoft.com/office/powerpoint/2010/main" val="233876890"/>
+        <p14:creationId xmlns:p14="http://schemas.microsoft.com/office/powerpoint/2010/main" val="2022313224"/>
       </p:ext>
     </p:extLst>
   </p:cSld>
@@ -964,50 +1066,239 @@
           <a:lstStyle/>
           <a:p>
             <a:r>
-              <a:rPr lang="en-GB" sz="1300" dirty="0"/>
-              <a:t>The dataset is unbalanced, with bad loans accounting for only a small portion of the total number of loans. Due to this class imbalance, model accuracy will be assessed the Area Under the Curve (AUC).</a:t>
-            </a:r>
-          </a:p>
-          <a:p>
-            <a:endParaRPr lang="en-GB" sz="1300" dirty="0"/>
-          </a:p>
-          <a:p>
-            <a:r>
-              <a:rPr lang="en-GB" sz="1300" dirty="0"/>
-              <a:t>A receiver operating characteristic curve or ROC curve is a graph plotting the true positive rate against the false positive rate at different thresholds. It indicates how well a classifier can discriminate positive and negative instances and identify the best threshold for discriminating them. The curve is created by plotting the true positive rate (TPR) against the false positive rate (FPR) at various threshold settings.</a:t>
-            </a:r>
-          </a:p>
-          <a:p>
-            <a:r>
-              <a:rPr lang="en-GB" sz="1300" dirty="0"/>
-              <a:t> </a:t>
-            </a:r>
-          </a:p>
-          <a:p>
-            <a:pPr lvl="0"/>
-            <a:r>
-              <a:rPr lang="en-GB" sz="1300" dirty="0"/>
-              <a:t>TPR (also called Recall or Sensitivity) = sum total positives/sum of condition positive</a:t>
-            </a:r>
-          </a:p>
-          <a:p>
-            <a:pPr lvl="0"/>
-            <a:r>
-              <a:rPr lang="en-GB" sz="1300" dirty="0"/>
-              <a:t>FPR (also called Fall-out) = sum of false positives/sum of condition negative</a:t>
-            </a:r>
-          </a:p>
-          <a:p>
-            <a:r>
-              <a:rPr lang="en-GB" sz="1300" dirty="0"/>
-              <a:t> </a:t>
-            </a:r>
-          </a:p>
-          <a:p>
-            <a:r>
-              <a:rPr lang="en-GB" sz="1300" dirty="0"/>
-              <a:t>The area under the curve (AUC) is equal to the probability that a classifier will rank a randomly chosen positive instance higher than a randomly chosen negative one.</a:t>
-            </a:r>
+              <a:rPr lang="en-GB" sz="1200" dirty="0" smtClean="0">
+                <a:solidFill>
+                  <a:schemeClr val="tx2"/>
+                </a:solidFill>
+              </a:rPr>
+              <a:t>How to interpret the odds ratio:</a:t>
+            </a:r>
+          </a:p>
+          <a:p>
+            <a:endParaRPr lang="en-GB" sz="1200" dirty="0" smtClean="0">
+              <a:solidFill>
+                <a:schemeClr val="tx2"/>
+              </a:solidFill>
+            </a:endParaRPr>
+          </a:p>
+          <a:p>
+            <a:r>
+              <a:rPr lang="en-GB" sz="1200" dirty="0" smtClean="0">
+                <a:solidFill>
+                  <a:schemeClr val="tx2"/>
+                </a:solidFill>
+              </a:rPr>
+              <a:t>A score over 1 indicates a positive relationship with the target variable, a score below 1 a negative one.</a:t>
+            </a:r>
+          </a:p>
+          <a:p>
+            <a:endParaRPr lang="en-GB" sz="1200" dirty="0" smtClean="0">
+              <a:solidFill>
+                <a:schemeClr val="tx2"/>
+              </a:solidFill>
+            </a:endParaRPr>
+          </a:p>
+          <a:p>
+            <a:r>
+              <a:rPr lang="en-GB" sz="1200" dirty="0" smtClean="0">
+                <a:solidFill>
+                  <a:schemeClr val="tx2"/>
+                </a:solidFill>
+              </a:rPr>
+              <a:t>Odds of success = ratio of probability of success / probability of failure</a:t>
+            </a:r>
+          </a:p>
+          <a:p>
+            <a:endParaRPr lang="en-GB" sz="1200" dirty="0" smtClean="0">
+              <a:solidFill>
+                <a:schemeClr val="tx2"/>
+              </a:solidFill>
+            </a:endParaRPr>
+          </a:p>
+          <a:p>
+            <a:r>
+              <a:rPr lang="en-GB" sz="1200" dirty="0" smtClean="0">
+                <a:solidFill>
+                  <a:schemeClr val="tx2"/>
+                </a:solidFill>
+              </a:rPr>
+              <a:t>If the probability of success is 50/50, the odds of success are 1/1 = 1</a:t>
+            </a:r>
+          </a:p>
+          <a:p>
+            <a:endParaRPr lang="en-GB" sz="1200" dirty="0" smtClean="0">
+              <a:solidFill>
+                <a:schemeClr val="tx2"/>
+              </a:solidFill>
+            </a:endParaRPr>
+          </a:p>
+          <a:p>
+            <a:r>
+              <a:rPr lang="en-GB" sz="1200" dirty="0" smtClean="0">
+                <a:solidFill>
+                  <a:schemeClr val="tx2"/>
+                </a:solidFill>
+              </a:rPr>
+              <a:t>For example, FICO Credit </a:t>
+            </a:r>
+            <a:r>
+              <a:rPr lang="en-GB" sz="1200" dirty="0" err="1" smtClean="0">
+                <a:solidFill>
+                  <a:schemeClr val="tx2"/>
+                </a:solidFill>
+              </a:rPr>
+              <a:t>Score_Good</a:t>
+            </a:r>
+            <a:r>
+              <a:rPr lang="en-GB" sz="1200" dirty="0" smtClean="0">
+                <a:solidFill>
+                  <a:schemeClr val="tx2"/>
+                </a:solidFill>
+              </a:rPr>
+              <a:t> has an odd ratio of 3.948234. This means than the odds for a defaulted loan are 295% higher than the odds for completed one.</a:t>
+            </a:r>
+          </a:p>
+          <a:p>
+            <a:endParaRPr lang="en-GB" dirty="0" smtClean="0"/>
+          </a:p>
+          <a:p>
+            <a:r>
+              <a:rPr lang="en-GB" dirty="0" smtClean="0"/>
+              <a:t>Recursive Feature Elimination</a:t>
+            </a:r>
+          </a:p>
+          <a:p>
+            <a:endParaRPr lang="en-GB" dirty="0" smtClean="0"/>
+          </a:p>
+          <a:p>
+            <a:r>
+              <a:rPr lang="en-GB" dirty="0" smtClean="0"/>
+              <a:t>Feature ranking with recursive feature elimination.</a:t>
+            </a:r>
+          </a:p>
+          <a:p>
+            <a:endParaRPr lang="en-GB" dirty="0" smtClean="0"/>
+          </a:p>
+          <a:p>
+            <a:r>
+              <a:rPr lang="en-GB" dirty="0" smtClean="0"/>
+              <a:t>Given an external estimator that assigns weights to features (e.g., the coefficients of a linear model), the goal of recursive feature elimination (RFE) is to select features by recursively considering smaller and smaller sets of features. First, the estimator is trained on the initial set of features and the importance of each feature is obtained either through a </a:t>
+            </a:r>
+            <a:r>
+              <a:rPr lang="en-GB" dirty="0" err="1" smtClean="0"/>
+              <a:t>coef</a:t>
+            </a:r>
+            <a:r>
+              <a:rPr lang="en-GB" dirty="0" smtClean="0"/>
+              <a:t>_ attribute or through a </a:t>
+            </a:r>
+            <a:r>
+              <a:rPr lang="en-GB" dirty="0" err="1" smtClean="0"/>
+              <a:t>feature_importances</a:t>
+            </a:r>
+            <a:r>
+              <a:rPr lang="en-GB" dirty="0" smtClean="0"/>
+              <a:t>_ attribute. Then, the least important features are pruned from current set of features. That procedure is recursively repeated on the pruned set until the desired number of features to select is eventually reached.</a:t>
+            </a:r>
+          </a:p>
+          <a:p>
+            <a:endParaRPr lang="en-GB" dirty="0" smtClean="0"/>
+          </a:p>
+          <a:p>
+            <a:r>
+              <a:rPr lang="en-GB" dirty="0" smtClean="0"/>
+              <a:t>Eliminated features:</a:t>
+            </a:r>
+          </a:p>
+          <a:p>
+            <a:endParaRPr lang="en-GB" dirty="0" smtClean="0"/>
+          </a:p>
+          <a:p>
+            <a:r>
+              <a:rPr lang="en-GB" dirty="0" smtClean="0">
+                <a:effectLst/>
+              </a:rPr>
+              <a:t>Total Credit Balance</a:t>
+            </a:r>
+          </a:p>
+          <a:p>
+            <a:r>
+              <a:rPr lang="en-GB" dirty="0" smtClean="0">
+                <a:effectLst/>
+              </a:rPr>
+              <a:t>Home </a:t>
+            </a:r>
+            <a:r>
+              <a:rPr lang="en-GB" dirty="0" err="1" smtClean="0">
+                <a:effectLst/>
+              </a:rPr>
+              <a:t>Ownership_MORTGAGE</a:t>
+            </a:r>
+            <a:endParaRPr lang="en-GB" dirty="0" smtClean="0">
+              <a:effectLst/>
+            </a:endParaRPr>
+          </a:p>
+          <a:p>
+            <a:r>
+              <a:rPr lang="en-GB" dirty="0" smtClean="0">
+                <a:effectLst/>
+              </a:rPr>
+              <a:t>Home </a:t>
+            </a:r>
+            <a:r>
+              <a:rPr lang="en-GB" dirty="0" err="1" smtClean="0">
+                <a:effectLst/>
+              </a:rPr>
+              <a:t>Ownership_None</a:t>
+            </a:r>
+            <a:endParaRPr lang="en-GB" dirty="0" smtClean="0">
+              <a:effectLst/>
+            </a:endParaRPr>
+          </a:p>
+          <a:p>
+            <a:r>
+              <a:rPr lang="en-GB" dirty="0" smtClean="0">
+                <a:effectLst/>
+              </a:rPr>
+              <a:t>Loan Purpose_0</a:t>
+            </a:r>
+          </a:p>
+          <a:p>
+            <a:r>
+              <a:rPr lang="en-GB" dirty="0" smtClean="0">
+                <a:effectLst/>
+              </a:rPr>
+              <a:t>Loan </a:t>
+            </a:r>
+            <a:r>
+              <a:rPr lang="en-GB" dirty="0" err="1" smtClean="0">
+                <a:effectLst/>
+              </a:rPr>
+              <a:t>Purpose_Educationalal</a:t>
+            </a:r>
+            <a:endParaRPr lang="en-GB" dirty="0" smtClean="0">
+              <a:effectLst/>
+            </a:endParaRPr>
+          </a:p>
+          <a:p>
+            <a:r>
+              <a:rPr lang="en-GB" dirty="0" smtClean="0">
+                <a:effectLst/>
+              </a:rPr>
+              <a:t>Address </a:t>
+            </a:r>
+            <a:r>
+              <a:rPr lang="en-GB" dirty="0" err="1" smtClean="0">
+                <a:effectLst/>
+              </a:rPr>
+              <a:t>State_Middle</a:t>
+            </a:r>
+            <a:endParaRPr lang="en-GB" dirty="0" smtClean="0">
+              <a:effectLst/>
+            </a:endParaRPr>
+          </a:p>
+          <a:p>
+            <a:endParaRPr lang="en-GB" dirty="0" smtClean="0"/>
           </a:p>
           <a:p>
             <a:endParaRPr lang="en-GB" dirty="0"/>
@@ -1031,7 +1322,7 @@
           <a:p>
             <a:fld id="{5909DF50-1DBA-4A2C-A904-287F3A0D22EA}" type="slidenum">
               <a:rPr lang="en-GB" smtClean="0"/>
-              <a:t>23</a:t>
+              <a:t>22</a:t>
             </a:fld>
             <a:endParaRPr lang="en-GB" dirty="0"/>
           </a:p>
@@ -1040,7 +1331,7 @@
     </p:spTree>
     <p:extLst>
       <p:ext uri="{BB962C8B-B14F-4D97-AF65-F5344CB8AC3E}">
-        <p14:creationId xmlns:p14="http://schemas.microsoft.com/office/powerpoint/2010/main" val="233876890"/>
+        <p14:creationId xmlns:p14="http://schemas.microsoft.com/office/powerpoint/2010/main" val="4260130650"/>
       </p:ext>
     </p:extLst>
   </p:cSld>
@@ -1095,46 +1386,51 @@
           <a:lstStyle/>
           <a:p>
             <a:r>
+              <a:rPr lang="en-GB" sz="1300" dirty="0" smtClean="0"/>
+              <a:t>A </a:t>
+            </a:r>
+            <a:r>
               <a:rPr lang="en-GB" sz="1300" dirty="0"/>
-              <a:t>What is a confusion matrix?</a:t>
-            </a:r>
-          </a:p>
-          <a:p>
-            <a:pPr marL="185715" indent="-185715">
-              <a:buFont typeface="Arial" panose="020B0604020202020204" pitchFamily="34" charset="0"/>
-              <a:buChar char="•"/>
-            </a:pPr>
-            <a:endParaRPr lang="en-GB" sz="1300" dirty="0"/>
-          </a:p>
-          <a:p>
-            <a:pPr marL="185715" indent="-185715">
-              <a:buFont typeface="Arial" panose="020B0604020202020204" pitchFamily="34" charset="0"/>
-              <a:buChar char="•"/>
-            </a:pPr>
+              <a:t>receiver operating characteristic curve or ROC curve is a graph plotting the true positive rate against the false positive rate at different thresholds. It indicates how well a classifier can discriminate positive and negative instances and identify the best threshold for discriminating them. The curve is created by plotting the true positive rate (TPR) against the false positive rate (FPR) at various threshold settings.</a:t>
+            </a:r>
+          </a:p>
+          <a:p>
             <a:r>
               <a:rPr lang="en-GB" sz="1300" dirty="0"/>
-              <a:t>Visualization of the performance of an algorithm</a:t>
-            </a:r>
-          </a:p>
-          <a:p>
-            <a:pPr marL="185715" indent="-185715">
-              <a:buFont typeface="Arial" panose="020B0604020202020204" pitchFamily="34" charset="0"/>
-              <a:buChar char="•"/>
-            </a:pPr>
-            <a:endParaRPr lang="en-GB" sz="1300" dirty="0"/>
-          </a:p>
-          <a:p>
-            <a:pPr marL="185715" indent="-185715">
-              <a:buFont typeface="Arial" panose="020B0604020202020204" pitchFamily="34" charset="0"/>
-              <a:buChar char="•"/>
-            </a:pPr>
+              <a:t> </a:t>
+            </a:r>
+          </a:p>
+          <a:p>
+            <a:pPr lvl="0"/>
             <a:r>
               <a:rPr lang="en-GB" sz="1300" dirty="0"/>
-              <a:t>Each row of the matrix represents the instances in a actual class while each column represents the instances in an predicted class</a:t>
-            </a:r>
-          </a:p>
-          <a:p>
-            <a:endParaRPr lang="en-GB" dirty="0"/>
+              <a:t>TPR (also called Recall or Sensitivity) = sum total positives/sum of condition positive</a:t>
+            </a:r>
+          </a:p>
+          <a:p>
+            <a:pPr lvl="0"/>
+            <a:r>
+              <a:rPr lang="en-GB" sz="1300" dirty="0"/>
+              <a:t>FPR (also called Fall-out) = sum of false positives/sum of condition negative</a:t>
+            </a:r>
+          </a:p>
+          <a:p>
+            <a:r>
+              <a:rPr lang="en-GB" sz="1300" dirty="0"/>
+              <a:t> </a:t>
+            </a:r>
+          </a:p>
+          <a:p>
+            <a:r>
+              <a:rPr lang="en-GB" sz="1300" dirty="0"/>
+              <a:t>The area under the curve (AUC) is equal to the probability that a classifier will rank a randomly chosen positive instance higher than a randomly chosen negative one.</a:t>
+            </a:r>
+          </a:p>
+          <a:p>
+            <a:endParaRPr lang="en-GB" dirty="0" smtClean="0"/>
+          </a:p>
+          <a:p>
+            <a:endParaRPr lang="en-GB" dirty="0" smtClean="0"/>
           </a:p>
         </p:txBody>
       </p:sp>
@@ -1155,7 +1451,7 @@
           <a:p>
             <a:fld id="{5909DF50-1DBA-4A2C-A904-287F3A0D22EA}" type="slidenum">
               <a:rPr lang="en-GB" smtClean="0"/>
-              <a:t>24</a:t>
+              <a:t>23</a:t>
             </a:fld>
             <a:endParaRPr lang="en-GB" dirty="0"/>
           </a:p>
@@ -1164,7 +1460,7 @@
     </p:spTree>
     <p:extLst>
       <p:ext uri="{BB962C8B-B14F-4D97-AF65-F5344CB8AC3E}">
-        <p14:creationId xmlns:p14="http://schemas.microsoft.com/office/powerpoint/2010/main" val="851640235"/>
+        <p14:creationId xmlns:p14="http://schemas.microsoft.com/office/powerpoint/2010/main" val="233876890"/>
       </p:ext>
     </p:extLst>
   </p:cSld>
@@ -1218,7 +1514,131 @@
           <a:bodyPr/>
           <a:lstStyle/>
           <a:p>
+            <a:r>
+              <a:rPr lang="en-GB" sz="1300" dirty="0"/>
+              <a:t>What is a confusion matrix?</a:t>
+            </a:r>
+          </a:p>
+          <a:p>
+            <a:pPr marL="185715" indent="-185715">
+              <a:buFont typeface="Arial" panose="020B0604020202020204" pitchFamily="34" charset="0"/>
+              <a:buChar char="•"/>
+            </a:pPr>
+            <a:endParaRPr lang="en-GB" sz="1300" dirty="0"/>
+          </a:p>
+          <a:p>
+            <a:pPr marL="185715" indent="-185715">
+              <a:buFont typeface="Arial" panose="020B0604020202020204" pitchFamily="34" charset="0"/>
+              <a:buChar char="•"/>
+            </a:pPr>
+            <a:r>
+              <a:rPr lang="en-GB" sz="1300" dirty="0"/>
+              <a:t>Visualization of the performance of an algorithm</a:t>
+            </a:r>
+          </a:p>
+          <a:p>
+            <a:pPr marL="185715" indent="-185715">
+              <a:buFont typeface="Arial" panose="020B0604020202020204" pitchFamily="34" charset="0"/>
+              <a:buChar char="•"/>
+            </a:pPr>
+            <a:endParaRPr lang="en-GB" sz="1300" dirty="0"/>
+          </a:p>
+          <a:p>
+            <a:pPr marL="185715" indent="-185715">
+              <a:buFont typeface="Arial" panose="020B0604020202020204" pitchFamily="34" charset="0"/>
+              <a:buChar char="•"/>
+            </a:pPr>
+            <a:r>
+              <a:rPr lang="en-GB" sz="1300" dirty="0"/>
+              <a:t>Each row of the matrix represents the instances in a actual class while each column represents the instances in an predicted class</a:t>
+            </a:r>
+          </a:p>
+          <a:p>
             <a:endParaRPr lang="en-GB" dirty="0"/>
+          </a:p>
+        </p:txBody>
+      </p:sp>
+      <p:sp>
+        <p:nvSpPr>
+          <p:cNvPr id="4" name="Slide Number Placeholder 3"/>
+          <p:cNvSpPr>
+            <a:spLocks noGrp="1"/>
+          </p:cNvSpPr>
+          <p:nvPr>
+            <p:ph type="sldNum" sz="quarter" idx="10"/>
+          </p:nvPr>
+        </p:nvSpPr>
+        <p:spPr/>
+        <p:txBody>
+          <a:bodyPr/>
+          <a:lstStyle/>
+          <a:p>
+            <a:fld id="{5909DF50-1DBA-4A2C-A904-287F3A0D22EA}" type="slidenum">
+              <a:rPr lang="en-GB" smtClean="0"/>
+              <a:t>24</a:t>
+            </a:fld>
+            <a:endParaRPr lang="en-GB" dirty="0"/>
+          </a:p>
+        </p:txBody>
+      </p:sp>
+    </p:spTree>
+    <p:extLst>
+      <p:ext uri="{BB962C8B-B14F-4D97-AF65-F5344CB8AC3E}">
+        <p14:creationId xmlns:p14="http://schemas.microsoft.com/office/powerpoint/2010/main" val="851640235"/>
+      </p:ext>
+    </p:extLst>
+  </p:cSld>
+  <p:clrMapOvr>
+    <a:masterClrMapping/>
+  </p:clrMapOvr>
+</p:notes>
+</file>
+
+<file path=ppt/notesSlides/notesSlide9.xml><?xml version="1.0" encoding="utf-8"?>
+<p:notes xmlns:a="http://schemas.openxmlformats.org/drawingml/2006/main" xmlns:r="http://schemas.openxmlformats.org/officeDocument/2006/relationships" xmlns:p="http://schemas.openxmlformats.org/presentationml/2006/main">
+  <p:cSld>
+    <p:spTree>
+      <p:nvGrpSpPr>
+        <p:cNvPr id="1" name=""/>
+        <p:cNvGrpSpPr/>
+        <p:nvPr/>
+      </p:nvGrpSpPr>
+      <p:grpSpPr>
+        <a:xfrm>
+          <a:off x="0" y="0"/>
+          <a:ext cx="0" cy="0"/>
+          <a:chOff x="0" y="0"/>
+          <a:chExt cx="0" cy="0"/>
+        </a:xfrm>
+      </p:grpSpPr>
+      <p:sp>
+        <p:nvSpPr>
+          <p:cNvPr id="2" name="Slide Image Placeholder 1"/>
+          <p:cNvSpPr>
+            <a:spLocks noGrp="1" noRot="1" noChangeAspect="1"/>
+          </p:cNvSpPr>
+          <p:nvPr>
+            <p:ph type="sldImg"/>
+          </p:nvPr>
+        </p:nvSpPr>
+        <p:spPr/>
+      </p:sp>
+      <p:sp>
+        <p:nvSpPr>
+          <p:cNvPr id="3" name="Notes Placeholder 2"/>
+          <p:cNvSpPr>
+            <a:spLocks noGrp="1"/>
+          </p:cNvSpPr>
+          <p:nvPr>
+            <p:ph type="body" idx="1"/>
+          </p:nvPr>
+        </p:nvSpPr>
+        <p:spPr/>
+        <p:txBody>
+          <a:bodyPr/>
+          <a:lstStyle/>
+          <a:p>
+            <a:endParaRPr lang="en-GB"/>
           </a:p>
         </p:txBody>
       </p:sp>
@@ -1248,7 +1668,7 @@
     </p:spTree>
     <p:extLst>
       <p:ext uri="{BB962C8B-B14F-4D97-AF65-F5344CB8AC3E}">
-        <p14:creationId xmlns:p14="http://schemas.microsoft.com/office/powerpoint/2010/main" val="4260130650"/>
+        <p14:creationId xmlns:p14="http://schemas.microsoft.com/office/powerpoint/2010/main" val="3602166809"/>
       </p:ext>
     </p:extLst>
   </p:cSld>
@@ -1446,7 +1866,7 @@
           <a:p>
             <a:fld id="{366B98E0-C345-4B94-BDD0-D671FFE88784}" type="datetimeFigureOut">
               <a:rPr lang="en-GB" smtClean="0"/>
-              <a:t>03/11/2017</a:t>
+              <a:t>08/11/2017</a:t>
             </a:fld>
             <a:endParaRPr lang="en-GB" dirty="0"/>
           </a:p>
@@ -1646,7 +2066,7 @@
           <a:p>
             <a:fld id="{366B98E0-C345-4B94-BDD0-D671FFE88784}" type="datetimeFigureOut">
               <a:rPr lang="en-GB" smtClean="0"/>
-              <a:t>03/11/2017</a:t>
+              <a:t>08/11/2017</a:t>
             </a:fld>
             <a:endParaRPr lang="en-GB" dirty="0"/>
           </a:p>
@@ -1821,7 +2241,7 @@
           <a:p>
             <a:fld id="{366B98E0-C345-4B94-BDD0-D671FFE88784}" type="datetimeFigureOut">
               <a:rPr lang="en-GB" smtClean="0"/>
-              <a:t>03/11/2017</a:t>
+              <a:t>08/11/2017</a:t>
             </a:fld>
             <a:endParaRPr lang="en-GB" dirty="0"/>
           </a:p>
@@ -1986,7 +2406,7 @@
           <a:p>
             <a:fld id="{366B98E0-C345-4B94-BDD0-D671FFE88784}" type="datetimeFigureOut">
               <a:rPr lang="en-GB" smtClean="0"/>
-              <a:t>03/11/2017</a:t>
+              <a:t>08/11/2017</a:t>
             </a:fld>
             <a:endParaRPr lang="en-GB" dirty="0"/>
           </a:p>
@@ -2234,7 +2654,7 @@
           <a:p>
             <a:fld id="{366B98E0-C345-4B94-BDD0-D671FFE88784}" type="datetimeFigureOut">
               <a:rPr lang="en-GB" smtClean="0"/>
-              <a:t>03/11/2017</a:t>
+              <a:t>08/11/2017</a:t>
             </a:fld>
             <a:endParaRPr lang="en-GB" dirty="0"/>
           </a:p>
@@ -2552,7 +2972,7 @@
           <a:p>
             <a:fld id="{366B98E0-C345-4B94-BDD0-D671FFE88784}" type="datetimeFigureOut">
               <a:rPr lang="en-GB" smtClean="0"/>
-              <a:t>03/11/2017</a:t>
+              <a:t>08/11/2017</a:t>
             </a:fld>
             <a:endParaRPr lang="en-GB" dirty="0"/>
           </a:p>
@@ -3018,7 +3438,7 @@
           <a:p>
             <a:fld id="{366B98E0-C345-4B94-BDD0-D671FFE88784}" type="datetimeFigureOut">
               <a:rPr lang="en-GB" smtClean="0"/>
-              <a:t>03/11/2017</a:t>
+              <a:t>08/11/2017</a:t>
             </a:fld>
             <a:endParaRPr lang="en-GB" dirty="0"/>
           </a:p>
@@ -3166,7 +3586,7 @@
           <a:p>
             <a:fld id="{366B98E0-C345-4B94-BDD0-D671FFE88784}" type="datetimeFigureOut">
               <a:rPr lang="en-GB" smtClean="0"/>
-              <a:t>03/11/2017</a:t>
+              <a:t>08/11/2017</a:t>
             </a:fld>
             <a:endParaRPr lang="en-GB" dirty="0"/>
           </a:p>
@@ -3256,7 +3676,7 @@
           <a:p>
             <a:fld id="{366B98E0-C345-4B94-BDD0-D671FFE88784}" type="datetimeFigureOut">
               <a:rPr lang="en-GB" smtClean="0"/>
-              <a:t>03/11/2017</a:t>
+              <a:t>08/11/2017</a:t>
             </a:fld>
             <a:endParaRPr lang="en-GB" dirty="0"/>
           </a:p>
@@ -3530,7 +3950,7 @@
           <a:p>
             <a:fld id="{366B98E0-C345-4B94-BDD0-D671FFE88784}" type="datetimeFigureOut">
               <a:rPr lang="en-GB" smtClean="0"/>
-              <a:t>03/11/2017</a:t>
+              <a:t>08/11/2017</a:t>
             </a:fld>
             <a:endParaRPr lang="en-GB" dirty="0"/>
           </a:p>
@@ -3835,7 +4255,7 @@
           <a:p>
             <a:fld id="{366B98E0-C345-4B94-BDD0-D671FFE88784}" type="datetimeFigureOut">
               <a:rPr lang="en-GB" smtClean="0"/>
-              <a:t>03/11/2017</a:t>
+              <a:t>08/11/2017</a:t>
             </a:fld>
             <a:endParaRPr lang="en-GB" dirty="0"/>
           </a:p>
@@ -4133,7 +4553,7 @@
           <a:p>
             <a:fld id="{366B98E0-C345-4B94-BDD0-D671FFE88784}" type="datetimeFigureOut">
               <a:rPr lang="en-GB" smtClean="0"/>
-              <a:t>03/11/2017</a:t>
+              <a:t>08/11/2017</a:t>
             </a:fld>
             <a:endParaRPr lang="en-GB" dirty="0"/>
           </a:p>
@@ -4643,11 +5063,7 @@
           <a:p>
             <a:r>
               <a:rPr lang="en-GB" dirty="0" smtClean="0"/>
-              <a:t>Data </a:t>
-            </a:r>
-            <a:r>
-              <a:rPr lang="en-GB" dirty="0" smtClean="0"/>
-              <a:t>exploration</a:t>
+              <a:t>Data exploration</a:t>
             </a:r>
             <a:endParaRPr lang="en-GB" dirty="0"/>
           </a:p>
@@ -4865,11 +5281,7 @@
           <a:p>
             <a:r>
               <a:rPr lang="en-GB" dirty="0" smtClean="0"/>
-              <a:t>Data </a:t>
-            </a:r>
-            <a:r>
-              <a:rPr lang="en-GB" dirty="0" smtClean="0"/>
-              <a:t>exploration</a:t>
+              <a:t>Data exploration</a:t>
             </a:r>
             <a:endParaRPr lang="en-GB" dirty="0"/>
           </a:p>
@@ -4999,19 +5411,7 @@
           <a:p>
             <a:r>
               <a:rPr lang="en-GB" dirty="0" smtClean="0"/>
-              <a:t>Data </a:t>
-            </a:r>
-            <a:r>
-              <a:rPr lang="en-GB" dirty="0" smtClean="0"/>
-              <a:t>exploration: </a:t>
-            </a:r>
-            <a:r>
-              <a:rPr lang="en-GB" dirty="0" smtClean="0"/>
-              <a:t>Initial </a:t>
-            </a:r>
-            <a:r>
-              <a:rPr lang="en-GB" dirty="0" smtClean="0"/>
-              <a:t>insights</a:t>
+              <a:t>Data exploration: Initial insights</a:t>
             </a:r>
             <a:endParaRPr lang="en-GB" dirty="0"/>
           </a:p>
@@ -5119,11 +5519,7 @@
           <a:p>
             <a:r>
               <a:rPr lang="en-GB" dirty="0" smtClean="0"/>
-              <a:t>Feature </a:t>
-            </a:r>
-            <a:r>
-              <a:rPr lang="en-GB" dirty="0" smtClean="0"/>
-              <a:t>engineering</a:t>
+              <a:t>Feature engineering</a:t>
             </a:r>
             <a:endParaRPr lang="en-GB" dirty="0"/>
           </a:p>
@@ -5180,23 +5576,7 @@
                   <a:schemeClr val="tx2"/>
                 </a:solidFill>
               </a:rPr>
-              <a:t>Assign ‘1’ to ‘</a:t>
-            </a:r>
-            <a:r>
-              <a:rPr lang="en-GB" dirty="0" smtClean="0">
-                <a:solidFill>
-                  <a:schemeClr val="tx2"/>
-                </a:solidFill>
-              </a:rPr>
-              <a:t>uncreditworthy</a:t>
-            </a:r>
-            <a:r>
-              <a:rPr lang="en-GB" dirty="0" smtClean="0">
-                <a:solidFill>
-                  <a:schemeClr val="tx2"/>
-                </a:solidFill>
-              </a:rPr>
-              <a:t>’</a:t>
+              <a:t>Assign ‘1’ to ‘uncreditworthy’</a:t>
             </a:r>
             <a:endParaRPr lang="en-GB" dirty="0">
               <a:solidFill>
@@ -5260,11 +5640,7 @@
           <a:p>
             <a:r>
               <a:rPr lang="en-GB" dirty="0" smtClean="0"/>
-              <a:t>Feature </a:t>
-            </a:r>
-            <a:r>
-              <a:rPr lang="en-GB" dirty="0" smtClean="0"/>
-              <a:t>engineering</a:t>
+              <a:t>Feature engineering</a:t>
             </a:r>
             <a:endParaRPr lang="en-GB" dirty="0"/>
           </a:p>
@@ -5310,7 +5686,15 @@
                   <a:schemeClr val="tx2"/>
                 </a:solidFill>
               </a:rPr>
-              <a:t>East_Coast</a:t>
+              <a:t>East_Coast: </a:t>
+            </a:r>
+            <a:r>
+              <a:rPr lang="en-GB" dirty="0">
+                <a:solidFill>
+                  <a:schemeClr val="tx2"/>
+                </a:solidFill>
+              </a:rPr>
+              <a:t>7731 </a:t>
             </a:r>
             <a:r>
               <a:rPr lang="en-GB" dirty="0" smtClean="0">
@@ -5318,7 +5702,18 @@
                   <a:schemeClr val="tx2"/>
                 </a:solidFill>
               </a:rPr>
-              <a:t>: </a:t>
+              <a:t>observations</a:t>
+            </a:r>
+          </a:p>
+          <a:p>
+            <a:pPr lvl="1"/>
+            <a:r>
+              <a:rPr lang="en-GB" dirty="0" smtClean="0">
+                <a:solidFill>
+                  <a:schemeClr val="tx2"/>
+                </a:solidFill>
+              </a:rPr>
+              <a:t>South: </a:t>
             </a:r>
             <a:r>
               <a:rPr lang="en-GB" dirty="0">
@@ -5326,7 +5721,7 @@
                   <a:schemeClr val="tx2"/>
                 </a:solidFill>
               </a:rPr>
-              <a:t>7731 </a:t>
+              <a:t>6885 </a:t>
             </a:r>
             <a:r>
               <a:rPr lang="en-GB" dirty="0" smtClean="0">
@@ -5336,11 +5731,6 @@
               </a:rPr>
               <a:t>observations</a:t>
             </a:r>
-            <a:endParaRPr lang="en-GB" dirty="0" smtClean="0">
-              <a:solidFill>
-                <a:schemeClr val="tx2"/>
-              </a:solidFill>
-            </a:endParaRPr>
           </a:p>
           <a:p>
             <a:pPr lvl="1"/>
@@ -5350,7 +5740,7 @@
                   <a:schemeClr val="tx2"/>
                 </a:solidFill>
               </a:rPr>
-              <a:t>South: </a:t>
+              <a:t>West_Coast: </a:t>
             </a:r>
             <a:r>
               <a:rPr lang="en-GB" dirty="0">
@@ -5358,7 +5748,7 @@
                   <a:schemeClr val="tx2"/>
                 </a:solidFill>
               </a:rPr>
-              <a:t>6885 </a:t>
+              <a:t>4485 </a:t>
             </a:r>
             <a:r>
               <a:rPr lang="en-GB" dirty="0" smtClean="0">
@@ -5366,85 +5756,35 @@
                   <a:schemeClr val="tx2"/>
                 </a:solidFill>
               </a:rPr>
+              <a:t>observations </a:t>
+            </a:r>
+          </a:p>
+          <a:p>
+            <a:pPr lvl="1"/>
+            <a:r>
+              <a:rPr lang="en-GB" dirty="0" smtClean="0">
+                <a:solidFill>
+                  <a:schemeClr val="tx2"/>
+                </a:solidFill>
+              </a:rPr>
+              <a:t>Middle: </a:t>
+            </a:r>
+            <a:r>
+              <a:rPr lang="en-GB" dirty="0">
+                <a:solidFill>
+                  <a:schemeClr val="tx2"/>
+                </a:solidFill>
+              </a:rPr>
+              <a:t>3461 </a:t>
+            </a:r>
+            <a:r>
+              <a:rPr lang="en-GB" dirty="0" smtClean="0">
+                <a:solidFill>
+                  <a:schemeClr val="tx2"/>
+                </a:solidFill>
+              </a:rPr>
               <a:t>observations</a:t>
             </a:r>
-            <a:endParaRPr lang="en-GB" dirty="0" smtClean="0">
-              <a:solidFill>
-                <a:schemeClr val="tx2"/>
-              </a:solidFill>
-            </a:endParaRPr>
-          </a:p>
-          <a:p>
-            <a:pPr lvl="1"/>
-            <a:r>
-              <a:rPr lang="en-GB" dirty="0" smtClean="0">
-                <a:solidFill>
-                  <a:schemeClr val="tx2"/>
-                </a:solidFill>
-              </a:rPr>
-              <a:t>West_Coast</a:t>
-            </a:r>
-            <a:r>
-              <a:rPr lang="en-GB" dirty="0" smtClean="0">
-                <a:solidFill>
-                  <a:schemeClr val="tx2"/>
-                </a:solidFill>
-              </a:rPr>
-              <a:t>: </a:t>
-            </a:r>
-            <a:r>
-              <a:rPr lang="en-GB" dirty="0">
-                <a:solidFill>
-                  <a:schemeClr val="tx2"/>
-                </a:solidFill>
-              </a:rPr>
-              <a:t>4485 </a:t>
-            </a:r>
-            <a:r>
-              <a:rPr lang="en-GB" dirty="0" smtClean="0">
-                <a:solidFill>
-                  <a:schemeClr val="tx2"/>
-                </a:solidFill>
-              </a:rPr>
-              <a:t>observations </a:t>
-            </a:r>
-            <a:endParaRPr lang="en-GB" dirty="0" smtClean="0">
-              <a:solidFill>
-                <a:schemeClr val="tx2"/>
-              </a:solidFill>
-            </a:endParaRPr>
-          </a:p>
-          <a:p>
-            <a:pPr lvl="1"/>
-            <a:r>
-              <a:rPr lang="en-GB" dirty="0" smtClean="0">
-                <a:solidFill>
-                  <a:schemeClr val="tx2"/>
-                </a:solidFill>
-              </a:rPr>
-              <a:t>Middle: </a:t>
-            </a:r>
-            <a:r>
-              <a:rPr lang="en-GB" dirty="0">
-                <a:solidFill>
-                  <a:schemeClr val="tx2"/>
-                </a:solidFill>
-              </a:rPr>
-              <a:t>3461 </a:t>
-            </a:r>
-            <a:r>
-              <a:rPr lang="en-GB" dirty="0" smtClean="0">
-                <a:solidFill>
-                  <a:schemeClr val="tx2"/>
-                </a:solidFill>
-              </a:rPr>
-              <a:t>observations</a:t>
-            </a:r>
-            <a:endParaRPr lang="en-GB" dirty="0" smtClean="0">
-              <a:solidFill>
-                <a:schemeClr val="tx2"/>
-              </a:solidFill>
-            </a:endParaRPr>
           </a:p>
           <a:p>
             <a:pPr lvl="1"/>
@@ -5535,11 +5875,6 @@
               </a:rPr>
               <a:t>observations</a:t>
             </a:r>
-            <a:endParaRPr lang="en-GB" dirty="0" smtClean="0">
-              <a:solidFill>
-                <a:schemeClr val="tx2"/>
-              </a:solidFill>
-            </a:endParaRPr>
           </a:p>
           <a:p>
             <a:pPr lvl="1"/>
@@ -5567,11 +5902,6 @@
               </a:rPr>
               <a:t>observations</a:t>
             </a:r>
-            <a:endParaRPr lang="en-GB" dirty="0" smtClean="0">
-              <a:solidFill>
-                <a:schemeClr val="tx2"/>
-              </a:solidFill>
-            </a:endParaRPr>
           </a:p>
           <a:p>
             <a:pPr lvl="1"/>
@@ -5654,11 +5984,7 @@
           <a:p>
             <a:r>
               <a:rPr lang="en-GB" dirty="0" smtClean="0"/>
-              <a:t>Feature </a:t>
-            </a:r>
-            <a:r>
-              <a:rPr lang="en-GB" dirty="0" smtClean="0"/>
-              <a:t>engineering</a:t>
+              <a:t>Feature engineering</a:t>
             </a:r>
             <a:endParaRPr lang="en-GB" dirty="0"/>
           </a:p>
@@ -5861,11 +6187,7 @@
           <a:p>
             <a:r>
               <a:rPr lang="en-GB" dirty="0" smtClean="0"/>
-              <a:t>Feature </a:t>
-            </a:r>
-            <a:r>
-              <a:rPr lang="en-GB" dirty="0" smtClean="0"/>
-              <a:t>engineering</a:t>
+              <a:t>Feature engineering</a:t>
             </a:r>
             <a:endParaRPr lang="en-GB" dirty="0"/>
           </a:p>
@@ -6060,11 +6382,7 @@
           <a:p>
             <a:r>
               <a:rPr lang="en-GB" dirty="0" smtClean="0"/>
-              <a:t>Feature </a:t>
-            </a:r>
-            <a:r>
-              <a:rPr lang="en-GB" dirty="0" smtClean="0"/>
-              <a:t>engineering</a:t>
+              <a:t>Feature engineering</a:t>
             </a:r>
             <a:endParaRPr lang="en-GB" dirty="0"/>
           </a:p>
@@ -6152,15 +6470,7 @@
                   <a:schemeClr val="tx2"/>
                 </a:solidFill>
               </a:rPr>
-              <a:t>Replace ‘nan’ with median values for each </a:t>
-            </a:r>
-            <a:r>
-              <a:rPr lang="en-GB" dirty="0" smtClean="0">
-                <a:solidFill>
-                  <a:schemeClr val="tx2"/>
-                </a:solidFill>
-              </a:rPr>
-              <a:t>feature</a:t>
+              <a:t>Replace ‘nan’ with median values for each feature</a:t>
             </a:r>
           </a:p>
           <a:p>
@@ -6294,31 +6604,7 @@
                   <a:schemeClr val="tx2"/>
                 </a:solidFill>
               </a:rPr>
-              <a:t>y = ‘</a:t>
-            </a:r>
-            <a:r>
-              <a:rPr lang="en-GB" dirty="0" smtClean="0">
-                <a:solidFill>
-                  <a:schemeClr val="tx2"/>
-                </a:solidFill>
-              </a:rPr>
-              <a:t>Class_new</a:t>
-            </a:r>
-            <a:r>
-              <a:rPr lang="en-GB" dirty="0" smtClean="0">
-                <a:solidFill>
-                  <a:schemeClr val="tx2"/>
-                </a:solidFill>
-              </a:rPr>
-              <a:t>’ </a:t>
-            </a:r>
-            <a:r>
-              <a:rPr lang="en-GB" dirty="0" smtClean="0">
-                <a:solidFill>
-                  <a:schemeClr val="tx2"/>
-                </a:solidFill>
-              </a:rPr>
-              <a:t>column containing ‘0’ for completed and ‘1’ for defaulted loan</a:t>
+              <a:t>y = ‘Class_new’ column containing ‘0’ for completed and ‘1’ for defaulted loan</a:t>
             </a:r>
           </a:p>
           <a:p>
@@ -6521,23 +6807,7 @@
                   <a:schemeClr val="tx2"/>
                 </a:solidFill>
               </a:rPr>
-              <a:t>AUC </a:t>
-            </a:r>
-            <a:r>
-              <a:rPr lang="en-GB" sz="1600" dirty="0" smtClean="0">
-                <a:solidFill>
-                  <a:schemeClr val="tx2"/>
-                </a:solidFill>
-              </a:rPr>
-              <a:t>(‘area under the curve’) </a:t>
-            </a:r>
-            <a:r>
-              <a:rPr lang="en-GB" sz="1600" dirty="0" smtClean="0">
-                <a:solidFill>
-                  <a:schemeClr val="tx2"/>
-                </a:solidFill>
-              </a:rPr>
-              <a:t>score</a:t>
+              <a:t>AUC (‘area under the curve’) score</a:t>
             </a:r>
           </a:p>
           <a:p>
@@ -6611,15 +6881,7 @@
                   <a:schemeClr val="tx2"/>
                 </a:solidFill>
               </a:rPr>
-              <a:t>The </a:t>
-            </a:r>
-            <a:r>
-              <a:rPr lang="en-GB" sz="1600" dirty="0" smtClean="0">
-                <a:solidFill>
-                  <a:schemeClr val="tx2"/>
-                </a:solidFill>
-              </a:rPr>
-              <a:t>ROC curve </a:t>
+              <a:t>The ROC curve </a:t>
             </a:r>
             <a:r>
               <a:rPr lang="en-GB" sz="1600" dirty="0">
@@ -6823,11 +7085,6 @@
               </a:rPr>
               <a:t>Results</a:t>
             </a:r>
-            <a:endParaRPr lang="en-GB" dirty="0" smtClean="0">
-              <a:solidFill>
-                <a:schemeClr val="tx2"/>
-              </a:solidFill>
-            </a:endParaRPr>
           </a:p>
           <a:p>
             <a:r>
@@ -6913,14 +7170,14 @@
       </p:sp>
       <p:pic>
         <p:nvPicPr>
-          <p:cNvPr id="1026" name="Picture 2"/>
+          <p:cNvPr id="2051" name="Picture 3"/>
           <p:cNvPicPr>
             <a:picLocks noChangeAspect="1" noChangeArrowheads="1"/>
           </p:cNvPicPr>
           <p:nvPr/>
         </p:nvPicPr>
         <p:blipFill>
-          <a:blip r:embed="rId2">
+          <a:blip r:embed="rId3">
             <a:extLst>
               <a:ext uri="{28A0092B-C50C-407E-A947-70E740481C1C}">
                 <a14:useLocalDpi xmlns:a14="http://schemas.microsoft.com/office/drawing/2010/main" val="0"/>
@@ -6934,8 +7191,8 @@
         </p:blipFill>
         <p:spPr bwMode="auto">
           <a:xfrm>
-            <a:off x="251520" y="1916832"/>
-            <a:ext cx="8710506" cy="3672000"/>
+            <a:off x="395536" y="2060847"/>
+            <a:ext cx="8508443" cy="3780000"/>
           </a:xfrm>
           <a:prstGeom prst="rect">
             <a:avLst/>
@@ -6973,17 +7230,17 @@
         </p:nvSpPr>
         <p:spPr>
           <a:xfrm>
-            <a:off x="6588222" y="5733256"/>
-            <a:ext cx="2145557" cy="792088"/>
+            <a:off x="6386884" y="5661248"/>
+            <a:ext cx="2361580" cy="792088"/>
           </a:xfrm>
           <a:prstGeom prst="borderCallout2">
             <a:avLst>
-              <a:gd name="adj1" fmla="val 18750"/>
-              <a:gd name="adj2" fmla="val -8333"/>
-              <a:gd name="adj3" fmla="val 18750"/>
-              <a:gd name="adj4" fmla="val -16667"/>
-              <a:gd name="adj5" fmla="val -7187"/>
-              <a:gd name="adj6" fmla="val -25834"/>
+              <a:gd name="adj1" fmla="val 50234"/>
+              <a:gd name="adj2" fmla="val -5616"/>
+              <a:gd name="adj3" fmla="val 39740"/>
+              <a:gd name="adj4" fmla="val -12092"/>
+              <a:gd name="adj5" fmla="val 25796"/>
+              <a:gd name="adj6" fmla="val -19247"/>
             </a:avLst>
           </a:prstGeom>
         </p:spPr>
@@ -7015,7 +7272,7 @@
           <a:p>
             <a:r>
               <a:rPr lang="en-GB" b="1" dirty="0" smtClean="0"/>
-              <a:t>0.6584</a:t>
+              <a:t>0.7207</a:t>
             </a:r>
             <a:endParaRPr lang="en-GB" b="1" dirty="0"/>
           </a:p>
@@ -7071,10 +7328,46 @@
           </a:p>
         </p:txBody>
       </p:sp>
+      <p:sp>
+        <p:nvSpPr>
+          <p:cNvPr id="9" name="Slide Number Placeholder 8"/>
+          <p:cNvSpPr>
+            <a:spLocks noGrp="1"/>
+          </p:cNvSpPr>
+          <p:nvPr>
+            <p:ph type="sldNum" sz="quarter" idx="12"/>
+          </p:nvPr>
+        </p:nvSpPr>
+        <p:spPr>
+          <a:xfrm>
+            <a:off x="7620000" y="6453336"/>
+            <a:ext cx="1066800" cy="329184"/>
+          </a:xfrm>
+        </p:spPr>
+        <p:txBody>
+          <a:bodyPr/>
+          <a:lstStyle/>
+          <a:p>
+            <a:fld id="{3DD209D1-1A67-41ED-9987-4447C459BBD5}" type="slidenum">
+              <a:rPr lang="en-GB" smtClean="0">
+                <a:solidFill>
+                  <a:schemeClr val="tx2"/>
+                </a:solidFill>
+              </a:rPr>
+              <a:t>20</a:t>
+            </a:fld>
+            <a:endParaRPr lang="en-GB" dirty="0">
+              <a:solidFill>
+                <a:schemeClr val="tx2"/>
+              </a:solidFill>
+            </a:endParaRPr>
+          </a:p>
+        </p:txBody>
+      </p:sp>
     </p:spTree>
     <p:extLst>
       <p:ext uri="{BB962C8B-B14F-4D97-AF65-F5344CB8AC3E}">
-        <p14:creationId xmlns:p14="http://schemas.microsoft.com/office/powerpoint/2010/main" val="3977697202"/>
+        <p14:creationId xmlns:p14="http://schemas.microsoft.com/office/powerpoint/2010/main" val="176199626"/>
       </p:ext>
     </p:extLst>
   </p:cSld>
@@ -7126,37 +7419,9 @@
           </a:p>
         </p:txBody>
       </p:sp>
-      <p:sp>
-        <p:nvSpPr>
-          <p:cNvPr id="3" name="Content Placeholder 2"/>
-          <p:cNvSpPr>
-            <a:spLocks noGrp="1"/>
-          </p:cNvSpPr>
-          <p:nvPr>
-            <p:ph idx="1"/>
-          </p:nvPr>
-        </p:nvSpPr>
-        <p:spPr>
-          <a:xfrm>
-            <a:off x="420704" y="1333216"/>
-            <a:ext cx="8229600" cy="4876800"/>
-          </a:xfrm>
-        </p:spPr>
-        <p:txBody>
-          <a:bodyPr/>
-          <a:lstStyle/>
-          <a:p>
-            <a:r>
-              <a:rPr lang="en-GB" dirty="0" smtClean="0"/>
-              <a:t>Optimise logistic regression model </a:t>
-            </a:r>
-            <a:endParaRPr lang="en-GB" dirty="0"/>
-          </a:p>
-        </p:txBody>
-      </p:sp>
       <p:pic>
         <p:nvPicPr>
-          <p:cNvPr id="2050" name="Picture 2"/>
+          <p:cNvPr id="3074" name="Picture 2"/>
           <p:cNvPicPr>
             <a:picLocks noChangeAspect="1" noChangeArrowheads="1"/>
           </p:cNvPicPr>
@@ -7177,8 +7442,8 @@
         </p:blipFill>
         <p:spPr bwMode="auto">
           <a:xfrm>
-            <a:off x="242888" y="1457325"/>
-            <a:ext cx="8656637" cy="3943350"/>
+            <a:off x="323528" y="2203884"/>
+            <a:ext cx="8415353" cy="3708000"/>
           </a:xfrm>
           <a:prstGeom prst="rect">
             <a:avLst/>
@@ -7210,23 +7475,23 @@
       </p:pic>
       <p:sp>
         <p:nvSpPr>
-          <p:cNvPr id="8" name="Line Callout 2 7"/>
+          <p:cNvPr id="7" name="Line Callout 2 6"/>
           <p:cNvSpPr/>
           <p:nvPr/>
         </p:nvSpPr>
         <p:spPr>
           <a:xfrm>
-            <a:off x="6516216" y="5661248"/>
+            <a:off x="6519025" y="2132856"/>
             <a:ext cx="2361580" cy="936104"/>
           </a:xfrm>
           <a:prstGeom prst="borderCallout2">
             <a:avLst>
-              <a:gd name="adj1" fmla="val 65403"/>
-              <a:gd name="adj2" fmla="val -4866"/>
-              <a:gd name="adj3" fmla="val 30414"/>
-              <a:gd name="adj4" fmla="val -14933"/>
-              <a:gd name="adj5" fmla="val -17779"/>
-              <a:gd name="adj6" fmla="val -17049"/>
+              <a:gd name="adj1" fmla="val 31872"/>
+              <a:gd name="adj2" fmla="val -2554"/>
+              <a:gd name="adj3" fmla="val 37702"/>
+              <a:gd name="adj4" fmla="val -18979"/>
+              <a:gd name="adj5" fmla="val 87404"/>
+              <a:gd name="adj6" fmla="val -52752"/>
             </a:avLst>
           </a:prstGeom>
         </p:spPr>
@@ -7252,7 +7517,7 @@
           <a:p>
             <a:r>
               <a:rPr lang="en-GB" b="1" dirty="0" smtClean="0"/>
-              <a:t>The optimised model generates an AUC of 0.6590</a:t>
+              <a:t>Use GridSearchCV to find best model parameters</a:t>
             </a:r>
             <a:endParaRPr lang="en-GB" b="1" dirty="0"/>
           </a:p>
@@ -7260,23 +7525,23 @@
       </p:sp>
       <p:sp>
         <p:nvSpPr>
-          <p:cNvPr id="7" name="Line Callout 2 6"/>
+          <p:cNvPr id="8" name="Line Callout 2 7"/>
           <p:cNvSpPr/>
           <p:nvPr/>
         </p:nvSpPr>
         <p:spPr>
           <a:xfrm>
-            <a:off x="6530900" y="1916832"/>
-            <a:ext cx="2361580" cy="936104"/>
+            <a:off x="6516216" y="5733256"/>
+            <a:ext cx="2361580" cy="648072"/>
           </a:xfrm>
           <a:prstGeom prst="borderCallout2">
             <a:avLst>
-              <a:gd name="adj1" fmla="val 31872"/>
-              <a:gd name="adj2" fmla="val -2554"/>
-              <a:gd name="adj3" fmla="val 37702"/>
-              <a:gd name="adj4" fmla="val -18979"/>
-              <a:gd name="adj5" fmla="val 59495"/>
-              <a:gd name="adj6" fmla="val -55769"/>
+              <a:gd name="adj1" fmla="val 64372"/>
+              <a:gd name="adj2" fmla="val -3358"/>
+              <a:gd name="adj3" fmla="val 51663"/>
+              <a:gd name="adj4" fmla="val -12418"/>
+              <a:gd name="adj5" fmla="val 40497"/>
+              <a:gd name="adj6" fmla="val -20066"/>
             </a:avLst>
           </a:prstGeom>
         </p:spPr>
@@ -7302,24 +7567,52 @@
           <a:p>
             <a:r>
               <a:rPr lang="en-GB" b="1" dirty="0" smtClean="0"/>
-              <a:t>Use </a:t>
-            </a:r>
-            <a:r>
-              <a:rPr lang="en-GB" b="1" dirty="0" smtClean="0"/>
-              <a:t>GridSearchCV</a:t>
-            </a:r>
-            <a:r>
-              <a:rPr lang="en-GB" b="1" dirty="0" smtClean="0"/>
-              <a:t> to find best model parameters</a:t>
+              <a:t>Optimised AUC score: 0.7216</a:t>
             </a:r>
             <a:endParaRPr lang="en-GB" b="1" dirty="0"/>
+          </a:p>
+        </p:txBody>
+      </p:sp>
+      <p:sp>
+        <p:nvSpPr>
+          <p:cNvPr id="9" name="Slide Number Placeholder 8"/>
+          <p:cNvSpPr>
+            <a:spLocks noGrp="1"/>
+          </p:cNvSpPr>
+          <p:nvPr>
+            <p:ph type="sldNum" sz="quarter" idx="12"/>
+          </p:nvPr>
+        </p:nvSpPr>
+        <p:spPr>
+          <a:xfrm>
+            <a:off x="7620000" y="6453336"/>
+            <a:ext cx="1066800" cy="329184"/>
+          </a:xfrm>
+        </p:spPr>
+        <p:txBody>
+          <a:bodyPr/>
+          <a:lstStyle/>
+          <a:p>
+            <a:fld id="{3DD209D1-1A67-41ED-9987-4447C459BBD5}" type="slidenum">
+              <a:rPr lang="en-GB" smtClean="0">
+                <a:solidFill>
+                  <a:schemeClr val="tx2"/>
+                </a:solidFill>
+              </a:rPr>
+              <a:t>21</a:t>
+            </a:fld>
+            <a:endParaRPr lang="en-GB" dirty="0">
+              <a:solidFill>
+                <a:schemeClr val="tx2"/>
+              </a:solidFill>
+            </a:endParaRPr>
           </a:p>
         </p:txBody>
       </p:sp>
     </p:spTree>
     <p:extLst>
       <p:ext uri="{BB962C8B-B14F-4D97-AF65-F5344CB8AC3E}">
-        <p14:creationId xmlns:p14="http://schemas.microsoft.com/office/powerpoint/2010/main" val="3977697202"/>
+        <p14:creationId xmlns:p14="http://schemas.microsoft.com/office/powerpoint/2010/main" val="3959428202"/>
       </p:ext>
     </p:extLst>
   </p:cSld>
@@ -7362,16 +7655,74 @@
           <a:lstStyle/>
           <a:p>
             <a:r>
+              <a:rPr lang="en-GB" smtClean="0"/>
+              <a:t>Classification: </a:t>
+            </a:r>
+            <a:r>
               <a:rPr lang="en-GB" dirty="0" smtClean="0"/>
-              <a:t>Results</a:t>
+              <a:t>Feature selection</a:t>
             </a:r>
             <a:endParaRPr lang="en-GB" dirty="0"/>
           </a:p>
         </p:txBody>
       </p:sp>
-      <p:sp>
-        <p:nvSpPr>
-          <p:cNvPr id="3" name="Content Placeholder 2"/>
+      <p:pic>
+        <p:nvPicPr>
+          <p:cNvPr id="3074" name="Picture 2"/>
+          <p:cNvPicPr>
+            <a:picLocks noChangeAspect="1" noChangeArrowheads="1"/>
+          </p:cNvPicPr>
+          <p:nvPr/>
+        </p:nvPicPr>
+        <p:blipFill>
+          <a:blip r:embed="rId3">
+            <a:extLst>
+              <a:ext uri="{28A0092B-C50C-407E-A947-70E740481C1C}">
+                <a14:useLocalDpi xmlns:a14="http://schemas.microsoft.com/office/drawing/2010/main" val="0"/>
+              </a:ext>
+            </a:extLst>
+          </a:blip>
+          <a:srcRect/>
+          <a:stretch>
+            <a:fillRect/>
+          </a:stretch>
+        </p:blipFill>
+        <p:spPr bwMode="auto">
+          <a:xfrm>
+            <a:off x="467544" y="1544825"/>
+            <a:ext cx="4824536" cy="4608035"/>
+          </a:xfrm>
+          <a:prstGeom prst="rect">
+            <a:avLst/>
+          </a:prstGeom>
+          <a:noFill/>
+          <a:ln>
+            <a:noFill/>
+          </a:ln>
+          <a:extLst>
+            <a:ext uri="{909E8E84-426E-40DD-AFC4-6F175D3DCCD1}">
+              <a14:hiddenFill xmlns:a14="http://schemas.microsoft.com/office/drawing/2010/main">
+                <a:solidFill>
+                  <a:schemeClr val="accent1"/>
+                </a:solidFill>
+              </a14:hiddenFill>
+            </a:ext>
+            <a:ext uri="{91240B29-F687-4F45-9708-019B960494DF}">
+              <a14:hiddenLine xmlns:a14="http://schemas.microsoft.com/office/drawing/2010/main" w="9525">
+                <a:solidFill>
+                  <a:schemeClr val="tx1"/>
+                </a:solidFill>
+                <a:miter lim="800000"/>
+                <a:headEnd/>
+                <a:tailEnd/>
+              </a14:hiddenLine>
+            </a:ext>
+          </a:extLst>
+        </p:spPr>
+      </p:pic>
+      <p:sp>
+        <p:nvSpPr>
+          <p:cNvPr id="5" name="Content Placeholder 2"/>
           <p:cNvSpPr>
             <a:spLocks noGrp="1"/>
           </p:cNvSpPr>
@@ -7381,115 +7732,360 @@
         </p:nvSpPr>
         <p:spPr>
           <a:xfrm>
-            <a:off x="467544" y="1556792"/>
-            <a:ext cx="8229600" cy="4876800"/>
+            <a:off x="5508104" y="1504528"/>
+            <a:ext cx="3394720" cy="4876800"/>
           </a:xfrm>
         </p:spPr>
         <p:txBody>
+          <a:bodyPr>
+            <a:noAutofit/>
+          </a:bodyPr>
+          <a:lstStyle/>
+          <a:p>
+            <a:pPr marL="0" indent="0">
+              <a:buClr>
+                <a:schemeClr val="tx2"/>
+              </a:buClr>
+              <a:buNone/>
+            </a:pPr>
+            <a:r>
+              <a:rPr lang="en-GB" sz="1600" b="1" dirty="0" smtClean="0">
+                <a:solidFill>
+                  <a:schemeClr val="tx2"/>
+                </a:solidFill>
+              </a:rPr>
+              <a:t>Highest odds for bad loans:</a:t>
+            </a:r>
+            <a:r>
+              <a:rPr lang="en-GB" sz="1600" dirty="0" smtClean="0">
+                <a:solidFill>
+                  <a:schemeClr val="tx2"/>
+                </a:solidFill>
+              </a:rPr>
+              <a:t>	</a:t>
+            </a:r>
+            <a:endParaRPr lang="en-GB" sz="1600" dirty="0">
+              <a:solidFill>
+                <a:schemeClr val="tx2"/>
+              </a:solidFill>
+            </a:endParaRPr>
+          </a:p>
+          <a:p>
+            <a:pPr marL="449263" indent="-182563">
+              <a:buClr>
+                <a:schemeClr val="tx2"/>
+              </a:buClr>
+            </a:pPr>
+            <a:r>
+              <a:rPr lang="en-GB" sz="1600" dirty="0" smtClean="0">
+                <a:solidFill>
+                  <a:schemeClr val="tx2"/>
+                </a:solidFill>
+              </a:rPr>
+              <a:t>FICO Credit Score Good	</a:t>
+            </a:r>
+            <a:endParaRPr lang="en-GB" sz="1600" dirty="0">
+              <a:solidFill>
+                <a:schemeClr val="tx2"/>
+              </a:solidFill>
+            </a:endParaRPr>
+          </a:p>
+          <a:p>
+            <a:pPr lvl="1">
+              <a:buClr>
+                <a:schemeClr val="tx2"/>
+              </a:buClr>
+            </a:pPr>
+            <a:r>
+              <a:rPr lang="en-GB" sz="1600" dirty="0" smtClean="0">
+                <a:solidFill>
+                  <a:schemeClr val="tx2"/>
+                </a:solidFill>
+              </a:rPr>
+              <a:t>FICO Credit Score Very Good</a:t>
+            </a:r>
+          </a:p>
+          <a:p>
+            <a:pPr lvl="1">
+              <a:buClr>
+                <a:schemeClr val="tx2"/>
+              </a:buClr>
+            </a:pPr>
+            <a:r>
+              <a:rPr lang="en-GB" sz="1600" dirty="0" smtClean="0">
+                <a:solidFill>
+                  <a:schemeClr val="tx2"/>
+                </a:solidFill>
+              </a:rPr>
+              <a:t>Loan Purpose Small Business</a:t>
+            </a:r>
+          </a:p>
+          <a:p>
+            <a:pPr lvl="1">
+              <a:buClr>
+                <a:schemeClr val="tx2"/>
+              </a:buClr>
+            </a:pPr>
+            <a:r>
+              <a:rPr lang="en-GB" sz="1600" dirty="0" smtClean="0">
+                <a:solidFill>
+                  <a:schemeClr val="tx2"/>
+                </a:solidFill>
+              </a:rPr>
+              <a:t>Loan Term 60 Months</a:t>
+            </a:r>
+          </a:p>
+          <a:p>
+            <a:pPr lvl="1">
+              <a:buClr>
+                <a:schemeClr val="tx2"/>
+              </a:buClr>
+            </a:pPr>
+            <a:r>
+              <a:rPr lang="en-GB" sz="1600" dirty="0" smtClean="0">
+                <a:solidFill>
+                  <a:schemeClr val="tx2"/>
+                </a:solidFill>
+              </a:rPr>
+              <a:t>No. Adverse Public Records</a:t>
+            </a:r>
+          </a:p>
+          <a:p>
+            <a:pPr lvl="1">
+              <a:buClr>
+                <a:schemeClr val="tx2"/>
+              </a:buClr>
+            </a:pPr>
+            <a:endParaRPr lang="en-GB" sz="1600" dirty="0">
+              <a:solidFill>
+                <a:schemeClr val="tx2"/>
+              </a:solidFill>
+            </a:endParaRPr>
+          </a:p>
+          <a:p>
+            <a:pPr marL="0" lvl="1" indent="0">
+              <a:buClr>
+                <a:schemeClr val="tx2"/>
+              </a:buClr>
+              <a:buNone/>
+            </a:pPr>
+            <a:r>
+              <a:rPr lang="en-GB" sz="1600" b="1" dirty="0" smtClean="0">
+                <a:solidFill>
+                  <a:schemeClr val="tx2"/>
+                </a:solidFill>
+              </a:rPr>
+              <a:t>Lowest odds for bad loans:</a:t>
+            </a:r>
+          </a:p>
+          <a:p>
+            <a:pPr marL="447675" lvl="1" indent="-285750">
+              <a:buClr>
+                <a:schemeClr val="tx2"/>
+              </a:buClr>
+            </a:pPr>
+            <a:r>
+              <a:rPr lang="en-GB" sz="1600" dirty="0" smtClean="0">
+                <a:solidFill>
+                  <a:schemeClr val="tx2"/>
+                </a:solidFill>
+              </a:rPr>
+              <a:t>Loan Purpose Credit Card</a:t>
+            </a:r>
+          </a:p>
+          <a:p>
+            <a:pPr marL="447675" lvl="1" indent="-285750">
+              <a:buClr>
+                <a:schemeClr val="tx2"/>
+              </a:buClr>
+            </a:pPr>
+            <a:r>
+              <a:rPr lang="en-GB" sz="1600" dirty="0" smtClean="0">
+                <a:solidFill>
+                  <a:schemeClr val="tx2"/>
+                </a:solidFill>
+              </a:rPr>
+              <a:t>Loan Purpose Car</a:t>
+            </a:r>
+          </a:p>
+          <a:p>
+            <a:pPr marL="447675" lvl="1" indent="-285750">
+              <a:buClr>
+                <a:schemeClr val="tx2"/>
+              </a:buClr>
+            </a:pPr>
+            <a:r>
+              <a:rPr lang="en-GB" sz="1600" dirty="0" smtClean="0">
+                <a:solidFill>
+                  <a:schemeClr val="tx2"/>
+                </a:solidFill>
+              </a:rPr>
+              <a:t>No. Of Public Record Bankruptcies</a:t>
+            </a:r>
+          </a:p>
+          <a:p>
+            <a:pPr marL="447675" lvl="1" indent="-285750">
+              <a:buClr>
+                <a:schemeClr val="tx2"/>
+              </a:buClr>
+            </a:pPr>
+            <a:r>
+              <a:rPr lang="en-GB" sz="1600" dirty="0" smtClean="0">
+                <a:solidFill>
+                  <a:schemeClr val="tx2"/>
+                </a:solidFill>
+              </a:rPr>
+              <a:t>Loan Purpose Wedding</a:t>
+            </a:r>
+          </a:p>
+          <a:p>
+            <a:pPr marL="447675" lvl="1" indent="-285750">
+              <a:buClr>
+                <a:schemeClr val="tx2"/>
+              </a:buClr>
+            </a:pPr>
+            <a:r>
+              <a:rPr lang="en-GB" sz="1600" dirty="0" smtClean="0">
+                <a:solidFill>
+                  <a:schemeClr val="tx2"/>
+                </a:solidFill>
+              </a:rPr>
+              <a:t>Loan Term 36 Months</a:t>
+            </a:r>
+          </a:p>
+          <a:p>
+            <a:pPr marL="161925" lvl="1" indent="0">
+              <a:buClr>
+                <a:schemeClr val="tx2"/>
+              </a:buClr>
+              <a:buNone/>
+            </a:pPr>
+            <a:endParaRPr lang="en-GB" sz="1600" dirty="0" smtClean="0">
+              <a:solidFill>
+                <a:schemeClr val="tx2"/>
+              </a:solidFill>
+            </a:endParaRPr>
+          </a:p>
+          <a:p>
+            <a:pPr marL="0" indent="0">
+              <a:buNone/>
+            </a:pPr>
+            <a:endParaRPr lang="en-GB" sz="1600" dirty="0" smtClean="0">
+              <a:solidFill>
+                <a:schemeClr val="tx2"/>
+              </a:solidFill>
+            </a:endParaRPr>
+          </a:p>
+          <a:p>
+            <a:pPr lvl="1"/>
+            <a:endParaRPr lang="en-GB" sz="1600" dirty="0" smtClean="0">
+              <a:solidFill>
+                <a:schemeClr val="tx2"/>
+              </a:solidFill>
+            </a:endParaRPr>
+          </a:p>
+          <a:p>
+            <a:endParaRPr lang="en-GB" sz="1600" dirty="0">
+              <a:solidFill>
+                <a:schemeClr val="tx2"/>
+              </a:solidFill>
+            </a:endParaRPr>
+          </a:p>
+          <a:p>
+            <a:endParaRPr lang="en-GB" sz="1600" dirty="0">
+              <a:solidFill>
+                <a:schemeClr val="tx2"/>
+              </a:solidFill>
+            </a:endParaRPr>
+          </a:p>
+          <a:p>
+            <a:endParaRPr lang="en-GB" sz="1600" dirty="0">
+              <a:solidFill>
+                <a:schemeClr val="tx2"/>
+              </a:solidFill>
+            </a:endParaRPr>
+          </a:p>
+        </p:txBody>
+      </p:sp>
+      <p:sp>
+        <p:nvSpPr>
+          <p:cNvPr id="6" name="Line Callout 2 5"/>
+          <p:cNvSpPr/>
+          <p:nvPr/>
+        </p:nvSpPr>
+        <p:spPr>
+          <a:xfrm>
+            <a:off x="2687159" y="1916832"/>
+            <a:ext cx="2484276" cy="1440160"/>
+          </a:xfrm>
+          <a:prstGeom prst="borderCallout2">
+            <a:avLst>
+              <a:gd name="adj1" fmla="val 100518"/>
+              <a:gd name="adj2" fmla="val 31864"/>
+              <a:gd name="adj3" fmla="val 114971"/>
+              <a:gd name="adj4" fmla="val 29942"/>
+              <a:gd name="adj5" fmla="val 132831"/>
+              <a:gd name="adj6" fmla="val 27350"/>
+            </a:avLst>
+          </a:prstGeom>
+        </p:spPr>
+        <p:style>
+          <a:lnRef idx="2">
+            <a:schemeClr val="accent1">
+              <a:shade val="50000"/>
+            </a:schemeClr>
+          </a:lnRef>
+          <a:fillRef idx="1">
+            <a:schemeClr val="accent1"/>
+          </a:fillRef>
+          <a:effectRef idx="0">
+            <a:schemeClr val="accent1"/>
+          </a:effectRef>
+          <a:fontRef idx="minor">
+            <a:schemeClr val="lt1"/>
+          </a:fontRef>
+        </p:style>
+        <p:txBody>
+          <a:bodyPr rtlCol="0" anchor="t"/>
+          <a:lstStyle/>
+          <a:p>
+            <a:r>
+              <a:rPr lang="en-GB" b="1" dirty="0" smtClean="0"/>
+              <a:t>Features with odd ratios of 1 have been removed, which increased  the AUC score to 0.7223.</a:t>
+            </a:r>
+            <a:endParaRPr lang="en-GB" b="1" dirty="0"/>
+          </a:p>
+        </p:txBody>
+      </p:sp>
+      <p:sp>
+        <p:nvSpPr>
+          <p:cNvPr id="9" name="Slide Number Placeholder 8"/>
+          <p:cNvSpPr>
+            <a:spLocks noGrp="1"/>
+          </p:cNvSpPr>
+          <p:nvPr>
+            <p:ph type="sldNum" sz="quarter" idx="12"/>
+          </p:nvPr>
+        </p:nvSpPr>
+        <p:spPr>
+          <a:xfrm>
+            <a:off x="7620000" y="6453336"/>
+            <a:ext cx="1066800" cy="329184"/>
+          </a:xfrm>
+        </p:spPr>
+        <p:txBody>
           <a:bodyPr/>
           <a:lstStyle/>
           <a:p>
-            <a:r>
-              <a:rPr lang="en-GB" dirty="0" smtClean="0">
-                <a:solidFill>
-                  <a:schemeClr val="tx2"/>
-                </a:solidFill>
-              </a:rPr>
-              <a:t>The optimised model delivered an AUC score of 0.6590.</a:t>
-            </a:r>
-          </a:p>
-          <a:p>
-            <a:pPr marL="0" indent="0">
-              <a:buNone/>
-            </a:pPr>
-            <a:endParaRPr lang="en-GB" dirty="0" smtClean="0">
-              <a:solidFill>
-                <a:schemeClr val="tx2"/>
-              </a:solidFill>
-            </a:endParaRPr>
-          </a:p>
-          <a:p>
-            <a:r>
-              <a:rPr lang="en-GB" dirty="0" smtClean="0">
-                <a:solidFill>
-                  <a:schemeClr val="tx2"/>
-                </a:solidFill>
-              </a:rPr>
-              <a:t>This can be interpreted </a:t>
-            </a:r>
-            <a:r>
-              <a:rPr lang="en-GB" dirty="0">
-                <a:solidFill>
-                  <a:schemeClr val="tx2"/>
-                </a:solidFill>
-              </a:rPr>
-              <a:t>as the probability that a randomly chosen positive example </a:t>
-            </a:r>
-            <a:r>
-              <a:rPr lang="en-GB" dirty="0" smtClean="0">
-                <a:solidFill>
-                  <a:schemeClr val="tx2"/>
-                </a:solidFill>
-              </a:rPr>
-              <a:t>is </a:t>
-            </a:r>
-            <a:r>
-              <a:rPr lang="en-GB" dirty="0">
-                <a:solidFill>
-                  <a:schemeClr val="tx2"/>
-                </a:solidFill>
-              </a:rPr>
-              <a:t>deemed to have a higher probability of being positive </a:t>
-            </a:r>
-            <a:r>
-              <a:rPr lang="en-GB" dirty="0" smtClean="0">
-                <a:solidFill>
-                  <a:schemeClr val="tx2"/>
-                </a:solidFill>
-              </a:rPr>
-              <a:t>than </a:t>
-            </a:r>
-            <a:r>
-              <a:rPr lang="en-GB" dirty="0">
-                <a:solidFill>
-                  <a:schemeClr val="tx2"/>
-                </a:solidFill>
-              </a:rPr>
-              <a:t>a randomly chosen negative example</a:t>
-            </a:r>
-            <a:r>
-              <a:rPr lang="en-GB" dirty="0" smtClean="0">
-                <a:solidFill>
-                  <a:schemeClr val="tx2"/>
-                </a:solidFill>
-              </a:rPr>
-              <a:t>.</a:t>
-            </a:r>
-          </a:p>
-          <a:p>
+            <a:fld id="{3DD209D1-1A67-41ED-9987-4447C459BBD5}" type="slidenum">
+              <a:rPr lang="en-GB" smtClean="0">
+                <a:solidFill>
+                  <a:schemeClr val="tx2"/>
+                </a:solidFill>
+              </a:rPr>
+              <a:t>22</a:t>
+            </a:fld>
             <a:endParaRPr lang="en-GB" dirty="0">
-              <a:solidFill>
-                <a:schemeClr val="tx2"/>
-              </a:solidFill>
-            </a:endParaRPr>
-          </a:p>
-          <a:p>
-            <a:r>
-              <a:rPr lang="en-GB" dirty="0" smtClean="0">
-                <a:solidFill>
-                  <a:schemeClr val="tx2"/>
-                </a:solidFill>
-              </a:rPr>
-              <a:t>Parameter tuning improved the score.</a:t>
-            </a:r>
-            <a:endParaRPr lang="en-GB" dirty="0">
-              <a:solidFill>
-                <a:schemeClr val="tx2"/>
-              </a:solidFill>
-            </a:endParaRPr>
-          </a:p>
-          <a:p>
-            <a:endParaRPr lang="en-GB" dirty="0" smtClean="0">
               <a:solidFill>
                 <a:schemeClr val="tx2"/>
               </a:solidFill>
@@ -7500,7 +8096,7 @@
     </p:spTree>
     <p:extLst>
       <p:ext uri="{BB962C8B-B14F-4D97-AF65-F5344CB8AC3E}">
-        <p14:creationId xmlns:p14="http://schemas.microsoft.com/office/powerpoint/2010/main" val="3947735532"/>
+        <p14:creationId xmlns:p14="http://schemas.microsoft.com/office/powerpoint/2010/main" val="205479877"/>
       </p:ext>
     </p:extLst>
   </p:cSld>
@@ -7537,28 +8133,182 @@
             <p:ph type="title"/>
           </p:nvPr>
         </p:nvSpPr>
-        <p:spPr/>
+        <p:spPr>
+          <a:xfrm>
+            <a:off x="457200" y="533400"/>
+            <a:ext cx="8507288" cy="990600"/>
+          </a:xfrm>
+        </p:spPr>
         <p:txBody>
           <a:bodyPr>
-            <a:normAutofit fontScale="90000"/>
+            <a:noAutofit/>
           </a:bodyPr>
           <a:lstStyle/>
           <a:p>
             <a:r>
               <a:rPr lang="en-GB" dirty="0" smtClean="0"/>
-              <a:t>Results: </a:t>
-            </a:r>
-            <a:r>
-              <a:rPr lang="en-GB" sz="3800" dirty="0" smtClean="0"/>
-              <a:t>Receiver Operating Characteristic</a:t>
-            </a:r>
-            <a:endParaRPr lang="en-GB" sz="3800" dirty="0"/>
+              <a:t>Results: ROC Curve</a:t>
+            </a:r>
+            <a:endParaRPr lang="en-GB" dirty="0"/>
+          </a:p>
+        </p:txBody>
+      </p:sp>
+      <p:sp>
+        <p:nvSpPr>
+          <p:cNvPr id="5" name="Content Placeholder 2"/>
+          <p:cNvSpPr>
+            <a:spLocks noGrp="1"/>
+          </p:cNvSpPr>
+          <p:nvPr>
+            <p:ph idx="1"/>
+          </p:nvPr>
+        </p:nvSpPr>
+        <p:spPr>
+          <a:xfrm>
+            <a:off x="5559424" y="1700808"/>
+            <a:ext cx="3261048" cy="4660776"/>
+          </a:xfrm>
+        </p:spPr>
+        <p:txBody>
+          <a:bodyPr>
+            <a:noAutofit/>
+          </a:bodyPr>
+          <a:lstStyle/>
+          <a:p>
+            <a:pPr>
+              <a:buClr>
+                <a:schemeClr val="tx2"/>
+              </a:buClr>
+            </a:pPr>
+            <a:r>
+              <a:rPr lang="en-GB" sz="1800" dirty="0" smtClean="0">
+                <a:solidFill>
+                  <a:schemeClr val="tx2"/>
+                </a:solidFill>
+              </a:rPr>
+              <a:t>The optimised model delivered an AUC score of 0.7223.</a:t>
+            </a:r>
+          </a:p>
+          <a:p>
+            <a:pPr marL="0" indent="0">
+              <a:buClr>
+                <a:schemeClr val="tx2"/>
+              </a:buClr>
+              <a:buNone/>
+            </a:pPr>
+            <a:endParaRPr lang="en-GB" sz="1800" dirty="0" smtClean="0">
+              <a:solidFill>
+                <a:schemeClr val="tx2"/>
+              </a:solidFill>
+            </a:endParaRPr>
+          </a:p>
+          <a:p>
+            <a:pPr>
+              <a:buClr>
+                <a:schemeClr val="tx2"/>
+              </a:buClr>
+            </a:pPr>
+            <a:r>
+              <a:rPr lang="en-GB" sz="1800" dirty="0" smtClean="0">
+                <a:solidFill>
+                  <a:schemeClr val="tx2"/>
+                </a:solidFill>
+              </a:rPr>
+              <a:t>This can be interpreted </a:t>
+            </a:r>
+            <a:r>
+              <a:rPr lang="en-GB" sz="1800" dirty="0">
+                <a:solidFill>
+                  <a:schemeClr val="tx2"/>
+                </a:solidFill>
+              </a:rPr>
+              <a:t>as the probability that a randomly chosen positive example </a:t>
+            </a:r>
+            <a:r>
+              <a:rPr lang="en-GB" sz="1800" dirty="0" smtClean="0">
+                <a:solidFill>
+                  <a:schemeClr val="tx2"/>
+                </a:solidFill>
+              </a:rPr>
+              <a:t>is </a:t>
+            </a:r>
+            <a:r>
+              <a:rPr lang="en-GB" sz="1800" dirty="0">
+                <a:solidFill>
+                  <a:schemeClr val="tx2"/>
+                </a:solidFill>
+              </a:rPr>
+              <a:t>deemed to have a higher probability of being positive </a:t>
+            </a:r>
+            <a:r>
+              <a:rPr lang="en-GB" sz="1800" dirty="0" smtClean="0">
+                <a:solidFill>
+                  <a:schemeClr val="tx2"/>
+                </a:solidFill>
+              </a:rPr>
+              <a:t>than </a:t>
+            </a:r>
+            <a:r>
+              <a:rPr lang="en-GB" sz="1800" dirty="0">
+                <a:solidFill>
+                  <a:schemeClr val="tx2"/>
+                </a:solidFill>
+              </a:rPr>
+              <a:t>a randomly chosen negative example</a:t>
+            </a:r>
+            <a:r>
+              <a:rPr lang="en-GB" sz="1800" dirty="0" smtClean="0">
+                <a:solidFill>
+                  <a:schemeClr val="tx2"/>
+                </a:solidFill>
+              </a:rPr>
+              <a:t>.</a:t>
+            </a:r>
+          </a:p>
+          <a:p>
+            <a:pPr>
+              <a:buClr>
+                <a:schemeClr val="tx2"/>
+              </a:buClr>
+            </a:pPr>
+            <a:endParaRPr lang="en-GB" sz="1800" dirty="0">
+              <a:solidFill>
+                <a:schemeClr val="tx2"/>
+              </a:solidFill>
+            </a:endParaRPr>
+          </a:p>
+          <a:p>
+            <a:pPr>
+              <a:buClr>
+                <a:schemeClr val="tx2"/>
+              </a:buClr>
+            </a:pPr>
+            <a:r>
+              <a:rPr lang="en-GB" sz="1800" dirty="0" smtClean="0">
+                <a:solidFill>
+                  <a:schemeClr val="tx2"/>
+                </a:solidFill>
+              </a:rPr>
+              <a:t>Parameter tuning and feature selection improved the score.</a:t>
+            </a:r>
+            <a:endParaRPr lang="en-GB" sz="1800" dirty="0">
+              <a:solidFill>
+                <a:schemeClr val="tx2"/>
+              </a:solidFill>
+            </a:endParaRPr>
+          </a:p>
+          <a:p>
+            <a:endParaRPr lang="en-GB" sz="1800" dirty="0" smtClean="0">
+              <a:solidFill>
+                <a:schemeClr val="tx2"/>
+              </a:solidFill>
+            </a:endParaRPr>
           </a:p>
         </p:txBody>
       </p:sp>
       <p:pic>
         <p:nvPicPr>
-          <p:cNvPr id="4098" name="Picture 2"/>
+          <p:cNvPr id="1026" name="Picture 2"/>
           <p:cNvPicPr>
             <a:picLocks noChangeAspect="1" noChangeArrowheads="1"/>
           </p:cNvPicPr>
@@ -7579,8 +8329,8 @@
         </p:blipFill>
         <p:spPr bwMode="auto">
           <a:xfrm>
-            <a:off x="611559" y="1412775"/>
-            <a:ext cx="7200801" cy="5055589"/>
+            <a:off x="606921" y="1661700"/>
+            <a:ext cx="4829175" cy="3476625"/>
           </a:xfrm>
           <a:prstGeom prst="rect">
             <a:avLst/>
@@ -7610,10 +8360,46 @@
           </a:extLst>
         </p:spPr>
       </p:pic>
+      <p:sp>
+        <p:nvSpPr>
+          <p:cNvPr id="8" name="Slide Number Placeholder 7"/>
+          <p:cNvSpPr>
+            <a:spLocks noGrp="1"/>
+          </p:cNvSpPr>
+          <p:nvPr>
+            <p:ph type="sldNum" sz="quarter" idx="12"/>
+          </p:nvPr>
+        </p:nvSpPr>
+        <p:spPr>
+          <a:xfrm>
+            <a:off x="7620000" y="6453336"/>
+            <a:ext cx="1066800" cy="329184"/>
+          </a:xfrm>
+        </p:spPr>
+        <p:txBody>
+          <a:bodyPr/>
+          <a:lstStyle/>
+          <a:p>
+            <a:fld id="{3DD209D1-1A67-41ED-9987-4447C459BBD5}" type="slidenum">
+              <a:rPr lang="en-GB" smtClean="0">
+                <a:solidFill>
+                  <a:schemeClr val="tx2"/>
+                </a:solidFill>
+              </a:rPr>
+              <a:t>23</a:t>
+            </a:fld>
+            <a:endParaRPr lang="en-GB" dirty="0">
+              <a:solidFill>
+                <a:schemeClr val="tx2"/>
+              </a:solidFill>
+            </a:endParaRPr>
+          </a:p>
+        </p:txBody>
+      </p:sp>
     </p:spTree>
     <p:extLst>
       <p:ext uri="{BB962C8B-B14F-4D97-AF65-F5344CB8AC3E}">
-        <p14:creationId xmlns:p14="http://schemas.microsoft.com/office/powerpoint/2010/main" val="1350769179"/>
+        <p14:creationId xmlns:p14="http://schemas.microsoft.com/office/powerpoint/2010/main" val="4058352899"/>
       </p:ext>
     </p:extLst>
   </p:cSld>
@@ -7764,7 +8550,7 @@
           <a:p>
             <a:r>
               <a:rPr lang="en-GB" dirty="0" smtClean="0"/>
-              <a:t>Results: odd ratios for bad loans</a:t>
+              <a:t>Conclusion</a:t>
             </a:r>
             <a:endParaRPr lang="en-GB" dirty="0"/>
           </a:p>
@@ -7772,250 +8558,269 @@
       </p:sp>
       <p:sp>
         <p:nvSpPr>
-          <p:cNvPr id="4" name="TextBox 3"/>
-          <p:cNvSpPr txBox="1"/>
-          <p:nvPr/>
+          <p:cNvPr id="3" name="Content Placeholder 2"/>
+          <p:cNvSpPr>
+            <a:spLocks noGrp="1"/>
+          </p:cNvSpPr>
+          <p:nvPr>
+            <p:ph idx="1"/>
+          </p:nvPr>
+        </p:nvSpPr>
+        <p:spPr/>
+        <p:txBody>
+          <a:bodyPr>
+            <a:normAutofit/>
+          </a:bodyPr>
+          <a:lstStyle/>
+          <a:p>
+            <a:pPr>
+              <a:buClr>
+                <a:schemeClr val="tx2"/>
+              </a:buClr>
+            </a:pPr>
+            <a:r>
+              <a:rPr lang="en-GB" sz="1800" dirty="0" smtClean="0">
+                <a:solidFill>
+                  <a:schemeClr val="tx2"/>
+                </a:solidFill>
+              </a:rPr>
+              <a:t>The model outperforms random guessing in predicting loan defaults.</a:t>
+            </a:r>
+          </a:p>
+          <a:p>
+            <a:pPr>
+              <a:buClr>
+                <a:schemeClr val="tx2"/>
+              </a:buClr>
+            </a:pPr>
+            <a:r>
+              <a:rPr lang="en-GB" sz="1800" dirty="0" smtClean="0">
+                <a:solidFill>
+                  <a:schemeClr val="tx2"/>
+                </a:solidFill>
+              </a:rPr>
+              <a:t>The model identifies features with high and low odds for bad loans.</a:t>
+            </a:r>
+          </a:p>
+          <a:p>
+            <a:pPr marL="0" indent="0">
+              <a:buClr>
+                <a:schemeClr val="tx2"/>
+              </a:buClr>
+              <a:buNone/>
+            </a:pPr>
+            <a:endParaRPr lang="en-GB" sz="1800" dirty="0">
+              <a:solidFill>
+                <a:schemeClr val="tx2"/>
+              </a:solidFill>
+            </a:endParaRPr>
+          </a:p>
+          <a:p>
+            <a:pPr marL="0" indent="0">
+              <a:buClr>
+                <a:schemeClr val="tx2"/>
+              </a:buClr>
+              <a:buNone/>
+            </a:pPr>
+            <a:r>
+              <a:rPr lang="en-GB" sz="1800" b="1" dirty="0">
+                <a:solidFill>
+                  <a:schemeClr val="tx2"/>
+                </a:solidFill>
+              </a:rPr>
+              <a:t>Limitations</a:t>
+            </a:r>
+          </a:p>
+          <a:p>
+            <a:pPr>
+              <a:buClr>
+                <a:schemeClr val="tx2"/>
+              </a:buClr>
+            </a:pPr>
+            <a:r>
+              <a:rPr lang="en-GB" sz="1800" dirty="0">
+                <a:solidFill>
+                  <a:schemeClr val="tx2"/>
+                </a:solidFill>
+              </a:rPr>
+              <a:t>Relationships between predictor variables and target are not necessarily linear.</a:t>
+            </a:r>
+          </a:p>
+          <a:p>
+            <a:pPr>
+              <a:buClr>
+                <a:schemeClr val="tx2"/>
+              </a:buClr>
+            </a:pPr>
+            <a:r>
+              <a:rPr lang="en-GB" sz="1800" dirty="0">
+                <a:solidFill>
+                  <a:schemeClr val="tx2"/>
+                </a:solidFill>
+              </a:rPr>
+              <a:t>The amount of features and observations is not very large.</a:t>
+            </a:r>
+          </a:p>
+          <a:p>
+            <a:pPr marL="0" indent="0">
+              <a:buClr>
+                <a:schemeClr val="tx2"/>
+              </a:buClr>
+              <a:buNone/>
+            </a:pPr>
+            <a:endParaRPr lang="en-GB" sz="1800" dirty="0">
+              <a:solidFill>
+                <a:schemeClr val="tx2"/>
+              </a:solidFill>
+            </a:endParaRPr>
+          </a:p>
+          <a:p>
+            <a:pPr marL="0" indent="0">
+              <a:buClr>
+                <a:schemeClr val="tx2"/>
+              </a:buClr>
+              <a:buNone/>
+            </a:pPr>
+            <a:r>
+              <a:rPr lang="en-GB" sz="1800" b="1" dirty="0">
+                <a:solidFill>
+                  <a:schemeClr val="tx2"/>
+                </a:solidFill>
+              </a:rPr>
+              <a:t>Recommendations</a:t>
+            </a:r>
+          </a:p>
+          <a:p>
+            <a:pPr>
+              <a:buClr>
+                <a:schemeClr val="tx2"/>
+              </a:buClr>
+            </a:pPr>
+            <a:r>
+              <a:rPr lang="en-GB" sz="1800" dirty="0">
+                <a:solidFill>
+                  <a:schemeClr val="tx2"/>
+                </a:solidFill>
+              </a:rPr>
+              <a:t>Get more data.</a:t>
+            </a:r>
+          </a:p>
+          <a:p>
+            <a:pPr>
+              <a:buClr>
+                <a:schemeClr val="tx2"/>
+              </a:buClr>
+            </a:pPr>
+            <a:r>
+              <a:rPr lang="en-GB" sz="1800" dirty="0">
+                <a:solidFill>
+                  <a:schemeClr val="tx2"/>
+                </a:solidFill>
+              </a:rPr>
+              <a:t>Build model using XG Boost, as this algorithm tends to perform well when variables exhibit non-linear relationships.</a:t>
+            </a:r>
+          </a:p>
+          <a:p>
+            <a:pPr marL="0" indent="0">
+              <a:buNone/>
+            </a:pPr>
+            <a:endParaRPr lang="en-GB" sz="1800" dirty="0" smtClean="0">
+              <a:solidFill>
+                <a:schemeClr val="tx2"/>
+              </a:solidFill>
+            </a:endParaRPr>
+          </a:p>
+          <a:p>
+            <a:pPr marL="0" indent="0">
+              <a:buNone/>
+            </a:pPr>
+            <a:endParaRPr lang="en-GB" sz="1800" dirty="0">
+              <a:solidFill>
+                <a:schemeClr val="tx2"/>
+              </a:solidFill>
+            </a:endParaRPr>
+          </a:p>
+          <a:p>
+            <a:pPr marL="0" indent="0">
+              <a:buNone/>
+            </a:pPr>
+            <a:endParaRPr lang="en-GB" sz="1800" dirty="0" smtClean="0">
+              <a:solidFill>
+                <a:schemeClr val="tx2"/>
+              </a:solidFill>
+            </a:endParaRPr>
+          </a:p>
+          <a:p>
+            <a:pPr lvl="1"/>
+            <a:endParaRPr lang="en-GB" sz="1800" dirty="0" smtClean="0">
+              <a:solidFill>
+                <a:schemeClr val="tx2"/>
+              </a:solidFill>
+            </a:endParaRPr>
+          </a:p>
+          <a:p>
+            <a:endParaRPr lang="en-GB" sz="1800" dirty="0">
+              <a:solidFill>
+                <a:schemeClr val="tx2"/>
+              </a:solidFill>
+            </a:endParaRPr>
+          </a:p>
+          <a:p>
+            <a:endParaRPr lang="en-GB" sz="1800" dirty="0">
+              <a:solidFill>
+                <a:schemeClr val="tx2"/>
+              </a:solidFill>
+            </a:endParaRPr>
+          </a:p>
+          <a:p>
+            <a:endParaRPr lang="en-GB" sz="1800" dirty="0">
+              <a:solidFill>
+                <a:schemeClr val="tx2"/>
+              </a:solidFill>
+            </a:endParaRPr>
+          </a:p>
+        </p:txBody>
+      </p:sp>
+      <p:sp>
+        <p:nvSpPr>
+          <p:cNvPr id="8" name="Slide Number Placeholder 7"/>
+          <p:cNvSpPr>
+            <a:spLocks noGrp="1"/>
+          </p:cNvSpPr>
+          <p:nvPr>
+            <p:ph type="sldNum" sz="quarter" idx="12"/>
+          </p:nvPr>
         </p:nvSpPr>
         <p:spPr>
           <a:xfrm>
-            <a:off x="4976752" y="1772816"/>
-            <a:ext cx="3744416" cy="4524315"/>
+            <a:off x="7620000" y="6453336"/>
+            <a:ext cx="1066800" cy="329184"/>
           </a:xfrm>
-          <a:prstGeom prst="rect">
-            <a:avLst/>
-          </a:prstGeom>
-          <a:noFill/>
         </p:spPr>
         <p:txBody>
-          <a:bodyPr wrap="square" rtlCol="0">
-            <a:spAutoFit/>
-          </a:bodyPr>
-          <a:lstStyle/>
-          <a:p>
-            <a:r>
-              <a:rPr lang="en-GB" sz="1600" dirty="0" smtClean="0">
-                <a:solidFill>
-                  <a:schemeClr val="tx2"/>
-                </a:solidFill>
-              </a:rPr>
-              <a:t>How to interpret the odds ratio:</a:t>
-            </a:r>
-          </a:p>
-          <a:p>
-            <a:endParaRPr lang="en-GB" sz="1600" dirty="0" smtClean="0">
-              <a:solidFill>
-                <a:schemeClr val="tx2"/>
-              </a:solidFill>
-            </a:endParaRPr>
-          </a:p>
-          <a:p>
-            <a:r>
-              <a:rPr lang="en-GB" sz="1600" dirty="0" smtClean="0">
-                <a:solidFill>
-                  <a:schemeClr val="tx2"/>
-                </a:solidFill>
-              </a:rPr>
-              <a:t>A </a:t>
-            </a:r>
-            <a:r>
-              <a:rPr lang="en-GB" sz="1600" dirty="0">
-                <a:solidFill>
-                  <a:schemeClr val="tx2"/>
-                </a:solidFill>
-              </a:rPr>
-              <a:t>score over 1 indicates a positive relationship with the target variable, a score below 1 a negative one.</a:t>
-            </a:r>
-          </a:p>
-          <a:p>
-            <a:endParaRPr lang="en-GB" sz="1600" dirty="0">
-              <a:solidFill>
-                <a:schemeClr val="tx2"/>
-              </a:solidFill>
-            </a:endParaRPr>
-          </a:p>
-          <a:p>
-            <a:r>
-              <a:rPr lang="en-GB" sz="1600" dirty="0" smtClean="0">
-                <a:solidFill>
-                  <a:schemeClr val="tx2"/>
-                </a:solidFill>
-              </a:rPr>
-              <a:t>Odds </a:t>
-            </a:r>
-            <a:r>
-              <a:rPr lang="en-GB" sz="1600" dirty="0">
-                <a:solidFill>
-                  <a:schemeClr val="tx2"/>
-                </a:solidFill>
-              </a:rPr>
-              <a:t>of success = ratio of probability of success / probability of failure</a:t>
-            </a:r>
-          </a:p>
-          <a:p>
-            <a:endParaRPr lang="en-GB" sz="1600" dirty="0" smtClean="0">
-              <a:solidFill>
-                <a:schemeClr val="tx2"/>
-              </a:solidFill>
-            </a:endParaRPr>
-          </a:p>
-          <a:p>
-            <a:r>
-              <a:rPr lang="en-GB" sz="1600" dirty="0" smtClean="0">
-                <a:solidFill>
-                  <a:schemeClr val="tx2"/>
-                </a:solidFill>
-              </a:rPr>
-              <a:t>If </a:t>
-            </a:r>
-            <a:r>
-              <a:rPr lang="en-GB" sz="1600" dirty="0">
-                <a:solidFill>
-                  <a:schemeClr val="tx2"/>
-                </a:solidFill>
-              </a:rPr>
-              <a:t>the probability of success is 50/50, the odds of success are 1/1 = </a:t>
-            </a:r>
-            <a:r>
-              <a:rPr lang="en-GB" sz="1600" dirty="0" smtClean="0">
-                <a:solidFill>
-                  <a:schemeClr val="tx2"/>
-                </a:solidFill>
-              </a:rPr>
-              <a:t>1</a:t>
-            </a:r>
-          </a:p>
-          <a:p>
-            <a:endParaRPr lang="en-GB" sz="1600" dirty="0">
-              <a:solidFill>
-                <a:schemeClr val="tx2"/>
-              </a:solidFill>
-            </a:endParaRPr>
-          </a:p>
-          <a:p>
-            <a:r>
-              <a:rPr lang="en-GB" sz="1600" dirty="0">
-                <a:solidFill>
-                  <a:schemeClr val="tx2"/>
-                </a:solidFill>
-              </a:rPr>
-              <a:t>For example, FICO Credit </a:t>
-            </a:r>
-            <a:r>
-              <a:rPr lang="en-GB" sz="1600" dirty="0">
-                <a:solidFill>
-                  <a:schemeClr val="tx2"/>
-                </a:solidFill>
-              </a:rPr>
-              <a:t>Score_Good</a:t>
-            </a:r>
-            <a:r>
-              <a:rPr lang="en-GB" sz="1600" dirty="0">
-                <a:solidFill>
-                  <a:schemeClr val="tx2"/>
-                </a:solidFill>
-              </a:rPr>
-              <a:t> has an odd ratio of </a:t>
-            </a:r>
-            <a:r>
-              <a:rPr lang="en-GB" sz="1600" dirty="0" smtClean="0">
-                <a:solidFill>
-                  <a:schemeClr val="tx2"/>
-                </a:solidFill>
-              </a:rPr>
-              <a:t>3.948234. </a:t>
-            </a:r>
-            <a:r>
-              <a:rPr lang="en-GB" sz="1600" dirty="0">
-                <a:solidFill>
-                  <a:schemeClr val="tx2"/>
-                </a:solidFill>
-              </a:rPr>
-              <a:t>This means than the odds for a defaulted loan are </a:t>
-            </a:r>
-            <a:r>
-              <a:rPr lang="en-GB" sz="1600" dirty="0" smtClean="0">
-                <a:solidFill>
-                  <a:schemeClr val="tx2"/>
-                </a:solidFill>
-              </a:rPr>
-              <a:t>295% </a:t>
-            </a:r>
-            <a:r>
-              <a:rPr lang="en-GB" sz="1600" dirty="0">
-                <a:solidFill>
-                  <a:schemeClr val="tx2"/>
-                </a:solidFill>
-              </a:rPr>
-              <a:t>higher than the odds for completed one.</a:t>
-            </a:r>
-          </a:p>
-          <a:p>
-            <a:endParaRPr lang="en-GB" sz="1600" dirty="0">
-              <a:solidFill>
-                <a:schemeClr val="tx2"/>
-              </a:solidFill>
-            </a:endParaRPr>
-          </a:p>
-        </p:txBody>
-      </p:sp>
-      <p:pic>
-        <p:nvPicPr>
-          <p:cNvPr id="3074" name="Picture 2"/>
-          <p:cNvPicPr>
-            <a:picLocks noChangeAspect="1" noChangeArrowheads="1"/>
-          </p:cNvPicPr>
-          <p:nvPr/>
-        </p:nvPicPr>
-        <p:blipFill>
-          <a:blip r:embed="rId3">
-            <a:extLst>
-              <a:ext uri="{28A0092B-C50C-407E-A947-70E740481C1C}">
-                <a14:useLocalDpi xmlns:a14="http://schemas.microsoft.com/office/drawing/2010/main" val="0"/>
-              </a:ext>
-            </a:extLst>
-          </a:blip>
-          <a:srcRect/>
-          <a:stretch>
-            <a:fillRect/>
-          </a:stretch>
-        </p:blipFill>
-        <p:spPr bwMode="auto">
-          <a:xfrm>
-            <a:off x="467544" y="1628800"/>
-            <a:ext cx="4536000" cy="4332447"/>
-          </a:xfrm>
-          <a:prstGeom prst="rect">
-            <a:avLst/>
-          </a:prstGeom>
-          <a:noFill/>
-          <a:ln>
-            <a:noFill/>
-          </a:ln>
-          <a:extLst>
-            <a:ext uri="{909E8E84-426E-40DD-AFC4-6F175D3DCCD1}">
-              <a14:hiddenFill xmlns:a14="http://schemas.microsoft.com/office/drawing/2010/main">
-                <a:solidFill>
-                  <a:schemeClr val="accent1"/>
-                </a:solidFill>
-              </a14:hiddenFill>
-            </a:ext>
-            <a:ext uri="{91240B29-F687-4F45-9708-019B960494DF}">
-              <a14:hiddenLine xmlns:a14="http://schemas.microsoft.com/office/drawing/2010/main" w="9525">
-                <a:solidFill>
-                  <a:schemeClr val="tx1"/>
-                </a:solidFill>
-                <a:miter lim="800000"/>
-                <a:headEnd/>
-                <a:tailEnd/>
-              </a14:hiddenLine>
-            </a:ext>
-          </a:extLst>
-        </p:spPr>
-      </p:pic>
+          <a:bodyPr/>
+          <a:lstStyle/>
+          <a:p>
+            <a:fld id="{3DD209D1-1A67-41ED-9987-4447C459BBD5}" type="slidenum">
+              <a:rPr lang="en-GB" smtClean="0">
+                <a:solidFill>
+                  <a:schemeClr val="tx2"/>
+                </a:solidFill>
+              </a:rPr>
+              <a:t>25</a:t>
+            </a:fld>
+            <a:endParaRPr lang="en-GB" dirty="0">
+              <a:solidFill>
+                <a:schemeClr val="tx2"/>
+              </a:solidFill>
+            </a:endParaRPr>
+          </a:p>
+        </p:txBody>
+      </p:sp>
     </p:spTree>
     <p:extLst>
       <p:ext uri="{BB962C8B-B14F-4D97-AF65-F5344CB8AC3E}">
-        <p14:creationId xmlns:p14="http://schemas.microsoft.com/office/powerpoint/2010/main" val="1350769179"/>
+        <p14:creationId xmlns:p14="http://schemas.microsoft.com/office/powerpoint/2010/main" val="2695686680"/>
       </p:ext>
     </p:extLst>
   </p:cSld>
@@ -8026,455 +8831,6 @@
 </file>
 
 <file path=ppt/slides/slide26.xml><?xml version="1.0" encoding="utf-8"?>
-<p:sld xmlns:a="http://schemas.openxmlformats.org/drawingml/2006/main" xmlns:r="http://schemas.openxmlformats.org/officeDocument/2006/relationships" xmlns:p="http://schemas.openxmlformats.org/presentationml/2006/main">
-  <p:cSld>
-    <p:spTree>
-      <p:nvGrpSpPr>
-        <p:cNvPr id="1" name=""/>
-        <p:cNvGrpSpPr/>
-        <p:nvPr/>
-      </p:nvGrpSpPr>
-      <p:grpSpPr>
-        <a:xfrm>
-          <a:off x="0" y="0"/>
-          <a:ext cx="0" cy="0"/>
-          <a:chOff x="0" y="0"/>
-          <a:chExt cx="0" cy="0"/>
-        </a:xfrm>
-      </p:grpSpPr>
-      <p:sp>
-        <p:nvSpPr>
-          <p:cNvPr id="2" name="Title 1"/>
-          <p:cNvSpPr>
-            <a:spLocks noGrp="1"/>
-          </p:cNvSpPr>
-          <p:nvPr>
-            <p:ph type="title"/>
-          </p:nvPr>
-        </p:nvSpPr>
-        <p:spPr/>
-        <p:txBody>
-          <a:bodyPr/>
-          <a:lstStyle/>
-          <a:p>
-            <a:r>
-              <a:rPr lang="en-GB" dirty="0" smtClean="0"/>
-              <a:t>Conclusion</a:t>
-            </a:r>
-            <a:endParaRPr lang="en-GB" dirty="0"/>
-          </a:p>
-        </p:txBody>
-      </p:sp>
-      <p:sp>
-        <p:nvSpPr>
-          <p:cNvPr id="3" name="Content Placeholder 2"/>
-          <p:cNvSpPr>
-            <a:spLocks noGrp="1"/>
-          </p:cNvSpPr>
-          <p:nvPr>
-            <p:ph idx="1"/>
-          </p:nvPr>
-        </p:nvSpPr>
-        <p:spPr/>
-        <p:txBody>
-          <a:bodyPr>
-            <a:normAutofit lnSpcReduction="10000"/>
-          </a:bodyPr>
-          <a:lstStyle/>
-          <a:p>
-            <a:pPr marL="0" indent="0">
-              <a:buNone/>
-            </a:pPr>
-            <a:r>
-              <a:rPr lang="en-GB" sz="1800" dirty="0" smtClean="0">
-                <a:solidFill>
-                  <a:schemeClr val="tx2"/>
-                </a:solidFill>
-              </a:rPr>
-              <a:t>The model outperforms random guessing in predicting loan defaults.</a:t>
-            </a:r>
-          </a:p>
-          <a:p>
-            <a:pPr marL="0" indent="0">
-              <a:buNone/>
-            </a:pPr>
-            <a:endParaRPr lang="en-GB" sz="1800" dirty="0">
-              <a:solidFill>
-                <a:schemeClr val="tx2"/>
-              </a:solidFill>
-            </a:endParaRPr>
-          </a:p>
-          <a:p>
-            <a:pPr marL="0" indent="0">
-              <a:buNone/>
-            </a:pPr>
-            <a:r>
-              <a:rPr lang="en-GB" sz="1800" b="1" dirty="0" smtClean="0">
-                <a:solidFill>
-                  <a:schemeClr val="tx2"/>
-                </a:solidFill>
-              </a:rPr>
-              <a:t>Highest odds for bad loans:</a:t>
-            </a:r>
-            <a:r>
-              <a:rPr lang="en-GB" sz="1800" dirty="0" smtClean="0">
-                <a:solidFill>
-                  <a:schemeClr val="tx2"/>
-                </a:solidFill>
-              </a:rPr>
-              <a:t>		</a:t>
-            </a:r>
-          </a:p>
-          <a:p>
-            <a:pPr lvl="1"/>
-            <a:r>
-              <a:rPr lang="en-GB" sz="1800" dirty="0" smtClean="0">
-                <a:solidFill>
-                  <a:schemeClr val="tx2"/>
-                </a:solidFill>
-              </a:rPr>
-              <a:t>FICO Credit Score Good		</a:t>
-            </a:r>
-          </a:p>
-          <a:p>
-            <a:pPr lvl="1"/>
-            <a:r>
-              <a:rPr lang="en-GB" sz="1800" dirty="0" smtClean="0">
-                <a:solidFill>
-                  <a:schemeClr val="tx2"/>
-                </a:solidFill>
-              </a:rPr>
-              <a:t> FICO Credit Score Very Good</a:t>
-            </a:r>
-          </a:p>
-          <a:p>
-            <a:pPr lvl="1"/>
-            <a:r>
-              <a:rPr lang="en-GB" sz="1800" dirty="0" smtClean="0">
-                <a:solidFill>
-                  <a:schemeClr val="tx2"/>
-                </a:solidFill>
-              </a:rPr>
-              <a:t>Loan Purpose Small Business</a:t>
-            </a:r>
-          </a:p>
-          <a:p>
-            <a:pPr lvl="1"/>
-            <a:r>
-              <a:rPr lang="en-GB" sz="1800" dirty="0" smtClean="0">
-                <a:solidFill>
-                  <a:schemeClr val="tx2"/>
-                </a:solidFill>
-              </a:rPr>
-              <a:t>Loan Term 60 Months</a:t>
-            </a:r>
-          </a:p>
-          <a:p>
-            <a:pPr lvl="1"/>
-            <a:r>
-              <a:rPr lang="en-GB" sz="1800" dirty="0" smtClean="0">
-                <a:solidFill>
-                  <a:schemeClr val="tx2"/>
-                </a:solidFill>
-              </a:rPr>
-              <a:t>No. Adverse Public Records</a:t>
-            </a:r>
-          </a:p>
-          <a:p>
-            <a:pPr lvl="1"/>
-            <a:endParaRPr lang="en-GB" sz="1800" dirty="0">
-              <a:solidFill>
-                <a:schemeClr val="tx2"/>
-              </a:solidFill>
-            </a:endParaRPr>
-          </a:p>
-          <a:p>
-            <a:pPr marL="0" lvl="1" indent="0">
-              <a:buNone/>
-            </a:pPr>
-            <a:r>
-              <a:rPr lang="en-GB" sz="1800" b="1" dirty="0" smtClean="0">
-                <a:solidFill>
-                  <a:schemeClr val="tx2"/>
-                </a:solidFill>
-              </a:rPr>
-              <a:t>Lowest odds for bad loans:</a:t>
-            </a:r>
-          </a:p>
-          <a:p>
-            <a:pPr marL="285750" lvl="1" indent="-285750"/>
-            <a:r>
-              <a:rPr lang="en-GB" sz="1800" dirty="0" smtClean="0">
-                <a:solidFill>
-                  <a:schemeClr val="tx2"/>
-                </a:solidFill>
-              </a:rPr>
-              <a:t>Loan Purpose Credit Card</a:t>
-            </a:r>
-          </a:p>
-          <a:p>
-            <a:pPr marL="285750" lvl="1" indent="-285750"/>
-            <a:r>
-              <a:rPr lang="en-GB" sz="1800" dirty="0" smtClean="0">
-                <a:solidFill>
-                  <a:schemeClr val="tx2"/>
-                </a:solidFill>
-              </a:rPr>
-              <a:t>Loan Purpose Car</a:t>
-            </a:r>
-          </a:p>
-          <a:p>
-            <a:pPr marL="285750" lvl="1" indent="-285750"/>
-            <a:r>
-              <a:rPr lang="en-GB" sz="1800" dirty="0" smtClean="0">
-                <a:solidFill>
-                  <a:schemeClr val="tx2"/>
-                </a:solidFill>
-              </a:rPr>
-              <a:t>No. Of Public Record Bankruptcies</a:t>
-            </a:r>
-          </a:p>
-          <a:p>
-            <a:pPr marL="285750" lvl="1" indent="-285750"/>
-            <a:r>
-              <a:rPr lang="en-GB" sz="1800" dirty="0" smtClean="0">
-                <a:solidFill>
-                  <a:schemeClr val="tx2"/>
-                </a:solidFill>
-              </a:rPr>
-              <a:t>Loan Purpose Wedding</a:t>
-            </a:r>
-          </a:p>
-          <a:p>
-            <a:pPr marL="285750" lvl="1" indent="-285750"/>
-            <a:r>
-              <a:rPr lang="en-GB" sz="1800" dirty="0" smtClean="0">
-                <a:solidFill>
-                  <a:schemeClr val="tx2"/>
-                </a:solidFill>
-              </a:rPr>
-              <a:t>Loan Term 36 Months</a:t>
-            </a:r>
-          </a:p>
-          <a:p>
-            <a:pPr marL="0" indent="0">
-              <a:buNone/>
-            </a:pPr>
-            <a:endParaRPr lang="en-GB" sz="1800" dirty="0" smtClean="0">
-              <a:solidFill>
-                <a:schemeClr val="tx2"/>
-              </a:solidFill>
-            </a:endParaRPr>
-          </a:p>
-          <a:p>
-            <a:pPr lvl="1"/>
-            <a:endParaRPr lang="en-GB" sz="1800" dirty="0" smtClean="0">
-              <a:solidFill>
-                <a:schemeClr val="tx2"/>
-              </a:solidFill>
-            </a:endParaRPr>
-          </a:p>
-          <a:p>
-            <a:endParaRPr lang="en-GB" sz="1800" dirty="0">
-              <a:solidFill>
-                <a:schemeClr val="tx2"/>
-              </a:solidFill>
-            </a:endParaRPr>
-          </a:p>
-          <a:p>
-            <a:endParaRPr lang="en-GB" sz="1800" dirty="0">
-              <a:solidFill>
-                <a:schemeClr val="tx2"/>
-              </a:solidFill>
-            </a:endParaRPr>
-          </a:p>
-          <a:p>
-            <a:endParaRPr lang="en-GB" sz="1800" dirty="0">
-              <a:solidFill>
-                <a:schemeClr val="tx2"/>
-              </a:solidFill>
-            </a:endParaRPr>
-          </a:p>
-        </p:txBody>
-      </p:sp>
-    </p:spTree>
-    <p:extLst>
-      <p:ext uri="{BB962C8B-B14F-4D97-AF65-F5344CB8AC3E}">
-        <p14:creationId xmlns:p14="http://schemas.microsoft.com/office/powerpoint/2010/main" val="1350769179"/>
-      </p:ext>
-    </p:extLst>
-  </p:cSld>
-  <p:clrMapOvr>
-    <a:masterClrMapping/>
-  </p:clrMapOvr>
-</p:sld>
-</file>
-
-<file path=ppt/slides/slide27.xml><?xml version="1.0" encoding="utf-8"?>
-<p:sld xmlns:a="http://schemas.openxmlformats.org/drawingml/2006/main" xmlns:r="http://schemas.openxmlformats.org/officeDocument/2006/relationships" xmlns:p="http://schemas.openxmlformats.org/presentationml/2006/main">
-  <p:cSld>
-    <p:spTree>
-      <p:nvGrpSpPr>
-        <p:cNvPr id="1" name=""/>
-        <p:cNvGrpSpPr/>
-        <p:nvPr/>
-      </p:nvGrpSpPr>
-      <p:grpSpPr>
-        <a:xfrm>
-          <a:off x="0" y="0"/>
-          <a:ext cx="0" cy="0"/>
-          <a:chOff x="0" y="0"/>
-          <a:chExt cx="0" cy="0"/>
-        </a:xfrm>
-      </p:grpSpPr>
-      <p:sp>
-        <p:nvSpPr>
-          <p:cNvPr id="2" name="Title 1"/>
-          <p:cNvSpPr>
-            <a:spLocks noGrp="1"/>
-          </p:cNvSpPr>
-          <p:nvPr>
-            <p:ph type="title"/>
-          </p:nvPr>
-        </p:nvSpPr>
-        <p:spPr/>
-        <p:txBody>
-          <a:bodyPr/>
-          <a:lstStyle/>
-          <a:p>
-            <a:r>
-              <a:rPr lang="en-GB" dirty="0" smtClean="0"/>
-              <a:t>Conclusion</a:t>
-            </a:r>
-            <a:endParaRPr lang="en-GB" dirty="0"/>
-          </a:p>
-        </p:txBody>
-      </p:sp>
-      <p:sp>
-        <p:nvSpPr>
-          <p:cNvPr id="3" name="Content Placeholder 2"/>
-          <p:cNvSpPr>
-            <a:spLocks noGrp="1"/>
-          </p:cNvSpPr>
-          <p:nvPr>
-            <p:ph idx="1"/>
-          </p:nvPr>
-        </p:nvSpPr>
-        <p:spPr/>
-        <p:txBody>
-          <a:bodyPr>
-            <a:normAutofit/>
-          </a:bodyPr>
-          <a:lstStyle/>
-          <a:p>
-            <a:pPr marL="0" indent="0">
-              <a:buNone/>
-            </a:pPr>
-            <a:r>
-              <a:rPr lang="en-GB" dirty="0" smtClean="0">
-                <a:solidFill>
-                  <a:schemeClr val="tx2"/>
-                </a:solidFill>
-              </a:rPr>
-              <a:t>Limitations</a:t>
-            </a:r>
-          </a:p>
-          <a:p>
-            <a:r>
-              <a:rPr lang="en-GB" dirty="0" smtClean="0">
-                <a:solidFill>
-                  <a:schemeClr val="tx2"/>
-                </a:solidFill>
-              </a:rPr>
-              <a:t>Relationships between predictor variables and target are not necessarily linear.</a:t>
-            </a:r>
-          </a:p>
-          <a:p>
-            <a:r>
-              <a:rPr lang="en-GB" dirty="0" smtClean="0">
-                <a:solidFill>
-                  <a:schemeClr val="tx2"/>
-                </a:solidFill>
-              </a:rPr>
-              <a:t>The amount of features and observations is not very large.</a:t>
-            </a:r>
-            <a:endParaRPr lang="en-GB" dirty="0" smtClean="0">
-              <a:solidFill>
-                <a:schemeClr val="tx2"/>
-              </a:solidFill>
-            </a:endParaRPr>
-          </a:p>
-          <a:p>
-            <a:pPr marL="0" indent="0">
-              <a:buNone/>
-            </a:pPr>
-            <a:endParaRPr lang="en-GB" dirty="0">
-              <a:solidFill>
-                <a:schemeClr val="tx2"/>
-              </a:solidFill>
-            </a:endParaRPr>
-          </a:p>
-          <a:p>
-            <a:pPr marL="0" indent="0">
-              <a:buNone/>
-            </a:pPr>
-            <a:r>
-              <a:rPr lang="en-GB" dirty="0" smtClean="0">
-                <a:solidFill>
-                  <a:schemeClr val="tx2"/>
-                </a:solidFill>
-              </a:rPr>
-              <a:t>Recommendations</a:t>
-            </a:r>
-          </a:p>
-          <a:p>
-            <a:r>
-              <a:rPr lang="en-GB" dirty="0" smtClean="0">
-                <a:solidFill>
-                  <a:schemeClr val="tx2"/>
-                </a:solidFill>
-              </a:rPr>
-              <a:t>Get more data.</a:t>
-            </a:r>
-          </a:p>
-          <a:p>
-            <a:r>
-              <a:rPr lang="en-GB" dirty="0" smtClean="0">
-                <a:solidFill>
-                  <a:schemeClr val="tx2"/>
-                </a:solidFill>
-              </a:rPr>
-              <a:t>Build model using XG Boost, as this algorithm tends to perform well when variables exhibit non-linear relationships.</a:t>
-            </a:r>
-            <a:endParaRPr lang="en-GB" dirty="0">
-              <a:solidFill>
-                <a:schemeClr val="tx2"/>
-              </a:solidFill>
-            </a:endParaRPr>
-          </a:p>
-          <a:p>
-            <a:endParaRPr lang="en-GB" dirty="0">
-              <a:solidFill>
-                <a:schemeClr val="tx2"/>
-              </a:solidFill>
-            </a:endParaRPr>
-          </a:p>
-        </p:txBody>
-      </p:sp>
-    </p:spTree>
-    <p:extLst>
-      <p:ext uri="{BB962C8B-B14F-4D97-AF65-F5344CB8AC3E}">
-        <p14:creationId xmlns:p14="http://schemas.microsoft.com/office/powerpoint/2010/main" val="3256216667"/>
-      </p:ext>
-    </p:extLst>
-  </p:cSld>
-  <p:clrMapOvr>
-    <a:masterClrMapping/>
-  </p:clrMapOvr>
-</p:sld>
-</file>
-
-<file path=ppt/slides/slide28.xml><?xml version="1.0" encoding="utf-8"?>
 <p:sld xmlns:a="http://schemas.openxmlformats.org/drawingml/2006/main" xmlns:r="http://schemas.openxmlformats.org/officeDocument/2006/relationships" xmlns:p="http://schemas.openxmlformats.org/presentationml/2006/main">
   <p:cSld>
     <p:spTree>
@@ -8770,7 +9126,7 @@
 </p:sld>
 </file>
 
-<file path=ppt/slides/slide29.xml><?xml version="1.0" encoding="utf-8"?>
+<file path=ppt/slides/slide27.xml><?xml version="1.0" encoding="utf-8"?>
 <p:sld xmlns:a="http://schemas.openxmlformats.org/drawingml/2006/main" xmlns:r="http://schemas.openxmlformats.org/officeDocument/2006/relationships" xmlns:p="http://schemas.openxmlformats.org/presentationml/2006/main">
   <p:cSld>
     <p:spTree>
@@ -9029,152 +9385,7 @@
 </p:sld>
 </file>
 
-<file path=ppt/slides/slide3.xml><?xml version="1.0" encoding="utf-8"?>
-<p:sld xmlns:a="http://schemas.openxmlformats.org/drawingml/2006/main" xmlns:r="http://schemas.openxmlformats.org/officeDocument/2006/relationships" xmlns:p="http://schemas.openxmlformats.org/presentationml/2006/main">
-  <p:cSld>
-    <p:spTree>
-      <p:nvGrpSpPr>
-        <p:cNvPr id="1" name=""/>
-        <p:cNvGrpSpPr/>
-        <p:nvPr/>
-      </p:nvGrpSpPr>
-      <p:grpSpPr>
-        <a:xfrm>
-          <a:off x="0" y="0"/>
-          <a:ext cx="0" cy="0"/>
-          <a:chOff x="0" y="0"/>
-          <a:chExt cx="0" cy="0"/>
-        </a:xfrm>
-      </p:grpSpPr>
-      <p:sp>
-        <p:nvSpPr>
-          <p:cNvPr id="2" name="Title 1"/>
-          <p:cNvSpPr>
-            <a:spLocks noGrp="1"/>
-          </p:cNvSpPr>
-          <p:nvPr>
-            <p:ph type="title"/>
-          </p:nvPr>
-        </p:nvSpPr>
-        <p:spPr/>
-        <p:txBody>
-          <a:bodyPr/>
-          <a:lstStyle/>
-          <a:p>
-            <a:r>
-              <a:rPr lang="en-GB" dirty="0" smtClean="0"/>
-              <a:t>Project</a:t>
-            </a:r>
-            <a:endParaRPr lang="en-GB" dirty="0"/>
-          </a:p>
-        </p:txBody>
-      </p:sp>
-      <p:sp>
-        <p:nvSpPr>
-          <p:cNvPr id="3" name="Content Placeholder 2"/>
-          <p:cNvSpPr>
-            <a:spLocks noGrp="1"/>
-          </p:cNvSpPr>
-          <p:nvPr>
-            <p:ph idx="1"/>
-          </p:nvPr>
-        </p:nvSpPr>
-        <p:spPr>
-          <a:xfrm>
-            <a:off x="457200" y="1600200"/>
-            <a:ext cx="8219256" cy="4876800"/>
-          </a:xfrm>
-        </p:spPr>
-        <p:txBody>
-          <a:bodyPr>
-            <a:normAutofit/>
-          </a:bodyPr>
-          <a:lstStyle/>
-          <a:p>
-            <a:pPr marL="182563" indent="-182563"/>
-            <a:r>
-              <a:rPr lang="en-GB" dirty="0" smtClean="0">
-                <a:solidFill>
-                  <a:schemeClr val="tx2"/>
-                </a:solidFill>
-              </a:rPr>
-              <a:t>Predict customers’ creditworthiness </a:t>
-            </a:r>
-          </a:p>
-          <a:p>
-            <a:pPr marL="182563" indent="0">
-              <a:buNone/>
-            </a:pPr>
-            <a:r>
-              <a:rPr lang="en-GB" dirty="0" smtClean="0">
-                <a:solidFill>
-                  <a:schemeClr val="tx2"/>
-                </a:solidFill>
-              </a:rPr>
-              <a:t>(i.e. whether they will complete or default on a loan)</a:t>
-            </a:r>
-          </a:p>
-          <a:p>
-            <a:pPr marL="176213" indent="0">
-              <a:buNone/>
-            </a:pPr>
-            <a:endParaRPr lang="en-GB" sz="1600" dirty="0" smtClean="0">
-              <a:solidFill>
-                <a:schemeClr val="tx2"/>
-              </a:solidFill>
-            </a:endParaRPr>
-          </a:p>
-          <a:p>
-            <a:r>
-              <a:rPr lang="en-GB" dirty="0">
-                <a:solidFill>
-                  <a:schemeClr val="tx2"/>
-                </a:solidFill>
-              </a:rPr>
-              <a:t>Build and test a logistic regression model</a:t>
-            </a:r>
-          </a:p>
-          <a:p>
-            <a:pPr marL="285750" indent="-285750"/>
-            <a:endParaRPr lang="en-GB" dirty="0">
-              <a:solidFill>
-                <a:schemeClr val="tx2"/>
-              </a:solidFill>
-            </a:endParaRPr>
-          </a:p>
-          <a:p>
-            <a:r>
-              <a:rPr lang="en-GB" dirty="0">
-                <a:solidFill>
-                  <a:schemeClr val="tx2"/>
-                </a:solidFill>
-              </a:rPr>
-              <a:t>Use 70% of the data to build the model and then test the model using the remaining 30%</a:t>
-            </a:r>
-          </a:p>
-          <a:p>
-            <a:endParaRPr lang="en-GB" dirty="0">
-              <a:solidFill>
-                <a:schemeClr val="tx2"/>
-              </a:solidFill>
-            </a:endParaRPr>
-          </a:p>
-        </p:txBody>
-      </p:sp>
-    </p:spTree>
-    <p:extLst>
-      <p:ext uri="{BB962C8B-B14F-4D97-AF65-F5344CB8AC3E}">
-        <p14:creationId xmlns:p14="http://schemas.microsoft.com/office/powerpoint/2010/main" val="497337622"/>
-      </p:ext>
-    </p:extLst>
-  </p:cSld>
-  <p:clrMapOvr>
-    <a:masterClrMapping/>
-  </p:clrMapOvr>
-</p:sld>
-</file>
-
-<file path=ppt/slides/slide30.xml><?xml version="1.0" encoding="utf-8"?>
+<file path=ppt/slides/slide28.xml><?xml version="1.0" encoding="utf-8"?>
 <p:sld xmlns:a="http://schemas.openxmlformats.org/drawingml/2006/main" xmlns:r="http://schemas.openxmlformats.org/officeDocument/2006/relationships" xmlns:p="http://schemas.openxmlformats.org/presentationml/2006/main">
   <p:cSld>
     <p:spTree>
@@ -9426,7 +9637,7 @@
 </p:sld>
 </file>
 
-<file path=ppt/slides/slide31.xml><?xml version="1.0" encoding="utf-8"?>
+<file path=ppt/slides/slide29.xml><?xml version="1.0" encoding="utf-8"?>
 <p:sld xmlns:a="http://schemas.openxmlformats.org/drawingml/2006/main" xmlns:r="http://schemas.openxmlformats.org/officeDocument/2006/relationships" xmlns:p="http://schemas.openxmlformats.org/presentationml/2006/main">
   <p:cSld>
     <p:spTree>
@@ -9574,6 +9785,151 @@
 </p:sld>
 </file>
 
+<file path=ppt/slides/slide3.xml><?xml version="1.0" encoding="utf-8"?>
+<p:sld xmlns:a="http://schemas.openxmlformats.org/drawingml/2006/main" xmlns:r="http://schemas.openxmlformats.org/officeDocument/2006/relationships" xmlns:p="http://schemas.openxmlformats.org/presentationml/2006/main">
+  <p:cSld>
+    <p:spTree>
+      <p:nvGrpSpPr>
+        <p:cNvPr id="1" name=""/>
+        <p:cNvGrpSpPr/>
+        <p:nvPr/>
+      </p:nvGrpSpPr>
+      <p:grpSpPr>
+        <a:xfrm>
+          <a:off x="0" y="0"/>
+          <a:ext cx="0" cy="0"/>
+          <a:chOff x="0" y="0"/>
+          <a:chExt cx="0" cy="0"/>
+        </a:xfrm>
+      </p:grpSpPr>
+      <p:sp>
+        <p:nvSpPr>
+          <p:cNvPr id="2" name="Title 1"/>
+          <p:cNvSpPr>
+            <a:spLocks noGrp="1"/>
+          </p:cNvSpPr>
+          <p:nvPr>
+            <p:ph type="title"/>
+          </p:nvPr>
+        </p:nvSpPr>
+        <p:spPr/>
+        <p:txBody>
+          <a:bodyPr/>
+          <a:lstStyle/>
+          <a:p>
+            <a:r>
+              <a:rPr lang="en-GB" dirty="0" smtClean="0"/>
+              <a:t>Project</a:t>
+            </a:r>
+            <a:endParaRPr lang="en-GB" dirty="0"/>
+          </a:p>
+        </p:txBody>
+      </p:sp>
+      <p:sp>
+        <p:nvSpPr>
+          <p:cNvPr id="3" name="Content Placeholder 2"/>
+          <p:cNvSpPr>
+            <a:spLocks noGrp="1"/>
+          </p:cNvSpPr>
+          <p:nvPr>
+            <p:ph idx="1"/>
+          </p:nvPr>
+        </p:nvSpPr>
+        <p:spPr>
+          <a:xfrm>
+            <a:off x="457200" y="1600200"/>
+            <a:ext cx="8219256" cy="4876800"/>
+          </a:xfrm>
+        </p:spPr>
+        <p:txBody>
+          <a:bodyPr>
+            <a:normAutofit/>
+          </a:bodyPr>
+          <a:lstStyle/>
+          <a:p>
+            <a:pPr marL="182563" indent="-182563"/>
+            <a:r>
+              <a:rPr lang="en-GB" dirty="0" smtClean="0">
+                <a:solidFill>
+                  <a:schemeClr val="tx2"/>
+                </a:solidFill>
+              </a:rPr>
+              <a:t>Predict customers’ creditworthiness </a:t>
+            </a:r>
+          </a:p>
+          <a:p>
+            <a:pPr marL="182563" indent="0">
+              <a:buNone/>
+            </a:pPr>
+            <a:r>
+              <a:rPr lang="en-GB" dirty="0" smtClean="0">
+                <a:solidFill>
+                  <a:schemeClr val="tx2"/>
+                </a:solidFill>
+              </a:rPr>
+              <a:t>(i.e. whether they will complete or default on a loan)</a:t>
+            </a:r>
+          </a:p>
+          <a:p>
+            <a:pPr marL="176213" indent="0">
+              <a:buNone/>
+            </a:pPr>
+            <a:endParaRPr lang="en-GB" sz="1600" dirty="0" smtClean="0">
+              <a:solidFill>
+                <a:schemeClr val="tx2"/>
+              </a:solidFill>
+            </a:endParaRPr>
+          </a:p>
+          <a:p>
+            <a:r>
+              <a:rPr lang="en-GB" dirty="0">
+                <a:solidFill>
+                  <a:schemeClr val="tx2"/>
+                </a:solidFill>
+              </a:rPr>
+              <a:t>Build and test a logistic regression model</a:t>
+            </a:r>
+          </a:p>
+          <a:p>
+            <a:pPr marL="285750" indent="-285750"/>
+            <a:endParaRPr lang="en-GB" dirty="0">
+              <a:solidFill>
+                <a:schemeClr val="tx2"/>
+              </a:solidFill>
+            </a:endParaRPr>
+          </a:p>
+          <a:p>
+            <a:r>
+              <a:rPr lang="en-GB" dirty="0">
+                <a:solidFill>
+                  <a:schemeClr val="tx2"/>
+                </a:solidFill>
+              </a:rPr>
+              <a:t>Use 70% of the data to build the model and then test the model using the remaining 30%</a:t>
+            </a:r>
+          </a:p>
+          <a:p>
+            <a:endParaRPr lang="en-GB" dirty="0">
+              <a:solidFill>
+                <a:schemeClr val="tx2"/>
+              </a:solidFill>
+            </a:endParaRPr>
+          </a:p>
+        </p:txBody>
+      </p:sp>
+    </p:spTree>
+    <p:extLst>
+      <p:ext uri="{BB962C8B-B14F-4D97-AF65-F5344CB8AC3E}">
+        <p14:creationId xmlns:p14="http://schemas.microsoft.com/office/powerpoint/2010/main" val="497337622"/>
+      </p:ext>
+    </p:extLst>
+  </p:cSld>
+  <p:clrMapOvr>
+    <a:masterClrMapping/>
+  </p:clrMapOvr>
+</p:sld>
+</file>
+
 <file path=ppt/slides/slide4.xml><?xml version="1.0" encoding="utf-8"?>
 <p:sld xmlns:a="http://schemas.openxmlformats.org/drawingml/2006/main" xmlns:r="http://schemas.openxmlformats.org/officeDocument/2006/relationships" xmlns:p="http://schemas.openxmlformats.org/presentationml/2006/main">
   <p:cSld>
@@ -9608,11 +9964,7 @@
           <a:p>
             <a:r>
               <a:rPr lang="en-GB" dirty="0" smtClean="0"/>
-              <a:t>Lending </a:t>
-            </a:r>
-            <a:r>
-              <a:rPr lang="en-GB" dirty="0" smtClean="0"/>
-              <a:t>Club dataset</a:t>
+              <a:t>Lending Club dataset</a:t>
             </a:r>
             <a:endParaRPr lang="en-GB" dirty="0"/>
           </a:p>
@@ -9840,11 +10192,7 @@
           <a:p>
             <a:r>
               <a:rPr lang="en-GB" dirty="0" smtClean="0"/>
-              <a:t>Data </a:t>
-            </a:r>
-            <a:r>
-              <a:rPr lang="en-GB" dirty="0" smtClean="0"/>
-              <a:t>exploration</a:t>
+              <a:t>Data exploration</a:t>
             </a:r>
             <a:endParaRPr lang="en-GB" dirty="0"/>
           </a:p>
@@ -10017,11 +10365,7 @@
           <a:p>
             <a:r>
               <a:rPr lang="en-GB" dirty="0" smtClean="0"/>
-              <a:t>Data </a:t>
-            </a:r>
-            <a:r>
-              <a:rPr lang="en-GB" dirty="0" smtClean="0"/>
-              <a:t>exploration</a:t>
+              <a:t>Data exploration</a:t>
             </a:r>
             <a:endParaRPr lang="en-GB" dirty="0"/>
           </a:p>
@@ -10329,11 +10673,7 @@
           <a:p>
             <a:r>
               <a:rPr lang="en-GB" dirty="0" smtClean="0"/>
-              <a:t>Data </a:t>
-            </a:r>
-            <a:r>
-              <a:rPr lang="en-GB" dirty="0" smtClean="0"/>
-              <a:t>exploration</a:t>
+              <a:t>Data exploration</a:t>
             </a:r>
             <a:endParaRPr lang="en-GB" dirty="0"/>
           </a:p>
@@ -10496,11 +10836,7 @@
           <a:p>
             <a:r>
               <a:rPr lang="en-GB" dirty="0" smtClean="0"/>
-              <a:t>Data </a:t>
-            </a:r>
-            <a:r>
-              <a:rPr lang="en-GB" dirty="0" smtClean="0"/>
-              <a:t>exploration</a:t>
+              <a:t>Data exploration</a:t>
             </a:r>
             <a:endParaRPr lang="en-GB" dirty="0"/>
           </a:p>
@@ -10763,11 +11099,7 @@
           <a:p>
             <a:r>
               <a:rPr lang="en-GB" dirty="0" smtClean="0"/>
-              <a:t>Data </a:t>
-            </a:r>
-            <a:r>
-              <a:rPr lang="en-GB" dirty="0" smtClean="0"/>
-              <a:t>exploration</a:t>
+              <a:t>Data exploration</a:t>
             </a:r>
             <a:endParaRPr lang="en-GB" dirty="0"/>
           </a:p>
